--- a/summative presentation/Summative Oral Presentation-Group 4.pptx
+++ b/summative presentation/Summative Oral Presentation-Group 4.pptx
@@ -113,6 +113,11 @@
       </a:defRPr>
     </a:lvl9pPr>
   </p:defaultTextStyle>
+  <p:extLst>
+    <p:ext uri="{EFAFB233-063F-42B5-8137-9DF3F51BA10A}">
+      <p15:sldGuideLst xmlns:p15="http://schemas.microsoft.com/office/powerpoint/2012/main"/>
+    </p:ext>
+  </p:extLst>
 </p:presentation>
 </file>
 
@@ -5358,7 +5363,7 @@
                 <a:latin typeface="Times New Roman" panose="02020603050405020304" pitchFamily="18" charset="0"/>
                 <a:cs typeface="Times New Roman" panose="02020603050405020304" pitchFamily="18" charset="0"/>
               </a:rPr>
-              <a:t>BY SHALOMI FERNANDES, </a:t>
+              <a:t>SHALOMI FERNANDES, </a:t>
             </a:r>
           </a:p>
           <a:p>
@@ -6089,7 +6094,7 @@
           <a:p>
             <a:r>
               <a:rPr lang="en-US" dirty="0"/>
-              <a:t>CLUSTERING RESULTS (DBSCAN)TO BE ADDED HERE AND EXPLAINED BY FANGNAN</a:t>
+              <a:t>CLUSTERING RESULTS (DBSCAN)TO BE ADDED HERE AND EXPLAINED BY JIADONG</a:t>
             </a:r>
           </a:p>
         </p:txBody>

--- a/summative presentation/Summative Oral Presentation-Group 4.pptx
+++ b/summative presentation/Summative Oral Presentation-Group 4.pptx
@@ -8,13 +8,14 @@
     <p:sldId id="256" r:id="rId2"/>
     <p:sldId id="257" r:id="rId3"/>
     <p:sldId id="258" r:id="rId4"/>
-    <p:sldId id="265" r:id="rId5"/>
-    <p:sldId id="260" r:id="rId6"/>
-    <p:sldId id="262" r:id="rId7"/>
-    <p:sldId id="259" r:id="rId8"/>
-    <p:sldId id="263" r:id="rId9"/>
-    <p:sldId id="261" r:id="rId10"/>
-    <p:sldId id="264" r:id="rId11"/>
+    <p:sldId id="266" r:id="rId5"/>
+    <p:sldId id="265" r:id="rId6"/>
+    <p:sldId id="260" r:id="rId7"/>
+    <p:sldId id="262" r:id="rId8"/>
+    <p:sldId id="259" r:id="rId9"/>
+    <p:sldId id="263" r:id="rId10"/>
+    <p:sldId id="261" r:id="rId11"/>
+    <p:sldId id="264" r:id="rId12"/>
   </p:sldIdLst>
   <p:sldSz cx="12192000" cy="6858000"/>
   <p:notesSz cx="6858000" cy="9144000"/>
@@ -378,7 +379,7 @@
           <a:p>
             <a:fld id="{3341EE12-F28E-4B03-A404-A8FCAE0F6316}" type="datetime1">
               <a:rPr lang="en-US" smtClean="0"/>
-              <a:t>5/4/24</a:t>
+              <a:t>5/7/2024</a:t>
             </a:fld>
             <a:endParaRPr lang="en-US" dirty="0"/>
           </a:p>
@@ -663,7 +664,7 @@
           <a:p>
             <a:fld id="{B68B8189-0D9C-48A6-9FA3-862227B094CE}" type="datetime1">
               <a:rPr lang="en-US" smtClean="0"/>
-              <a:t>5/4/24</a:t>
+              <a:t>5/7/2024</a:t>
             </a:fld>
             <a:endParaRPr lang="en-US"/>
           </a:p>
@@ -1027,7 +1028,7 @@
           <a:p>
             <a:fld id="{26ADDCAE-6443-42C3-9C19-F95985500186}" type="datetime1">
               <a:rPr lang="en-US" smtClean="0"/>
-              <a:t>5/4/24</a:t>
+              <a:t>5/7/2024</a:t>
             </a:fld>
             <a:endParaRPr lang="en-US" dirty="0"/>
           </a:p>
@@ -1289,7 +1290,7 @@
           <a:p>
             <a:fld id="{1962799E-EB8E-4038-8063-81BB57C732D4}" type="datetime1">
               <a:rPr lang="en-US" smtClean="0"/>
-              <a:t>5/4/24</a:t>
+              <a:t>5/7/2024</a:t>
             </a:fld>
             <a:endParaRPr lang="en-US"/>
           </a:p>
@@ -1719,7 +1720,7 @@
           <a:p>
             <a:fld id="{217A73C3-B243-44D3-809D-EF8FDFBD85D4}" type="datetime1">
               <a:rPr lang="en-US" smtClean="0"/>
-              <a:t>5/4/24</a:t>
+              <a:t>5/7/2024</a:t>
             </a:fld>
             <a:endParaRPr lang="en-US" dirty="0"/>
           </a:p>
@@ -2050,7 +2051,7 @@
           <a:p>
             <a:fld id="{C9B6D3E3-28E2-4380-A113-67698215C5F8}" type="datetime1">
               <a:rPr lang="en-US" smtClean="0"/>
-              <a:t>5/4/24</a:t>
+              <a:t>5/7/2024</a:t>
             </a:fld>
             <a:endParaRPr lang="en-US" dirty="0"/>
           </a:p>
@@ -2483,7 +2484,7 @@
           <a:p>
             <a:fld id="{A9EFCB61-04AD-47C9-BF79-2BD8B9CEC07A}" type="datetime1">
               <a:rPr lang="en-US" smtClean="0"/>
-              <a:t>5/4/24</a:t>
+              <a:t>5/7/2024</a:t>
             </a:fld>
             <a:endParaRPr lang="en-US" dirty="0"/>
           </a:p>
@@ -2635,7 +2636,7 @@
           <a:p>
             <a:fld id="{A4535E0C-D585-492F-8146-7493F4086301}" type="datetime1">
               <a:rPr lang="en-US" smtClean="0"/>
-              <a:t>5/4/24</a:t>
+              <a:t>5/7/2024</a:t>
             </a:fld>
             <a:endParaRPr lang="en-US"/>
           </a:p>
@@ -2798,7 +2799,7 @@
           <a:p>
             <a:fld id="{8CE48390-48B5-49AB-B019-A7C8FB8C31F6}" type="datetime1">
               <a:rPr lang="en-US" smtClean="0"/>
-              <a:t>5/4/24</a:t>
+              <a:t>5/7/2024</a:t>
             </a:fld>
             <a:endParaRPr lang="en-US"/>
           </a:p>
@@ -3327,7 +3328,7 @@
           <a:p>
             <a:fld id="{962E767E-8A14-4E70-91B9-2101CBC4D7BD}" type="datetime1">
               <a:rPr lang="en-US" smtClean="0"/>
-              <a:t>5/4/24</a:t>
+              <a:t>5/7/2024</a:t>
             </a:fld>
             <a:endParaRPr lang="en-US" dirty="0"/>
           </a:p>
@@ -3848,7 +3849,7 @@
           <a:p>
             <a:fld id="{01AF0C4B-5A4A-45CA-ABEC-10F107160D33}" type="datetime1">
               <a:rPr lang="en-US" smtClean="0"/>
-              <a:t>5/4/24</a:t>
+              <a:t>5/7/2024</a:t>
             </a:fld>
             <a:endParaRPr lang="en-US" dirty="0"/>
           </a:p>
@@ -4398,7 +4399,7 @@
           <a:p>
             <a:fld id="{6989806E-8E94-473C-AEE7-BE6F15F85533}" type="datetime1">
               <a:rPr lang="en-US" smtClean="0"/>
-              <a:t>5/4/24</a:t>
+              <a:t>5/7/2024</a:t>
             </a:fld>
             <a:endParaRPr lang="en-US" dirty="0"/>
           </a:p>
@@ -5430,6 +5431,94 @@
           <p:cNvPr id="2" name="Title 1">
             <a:extLst>
               <a:ext uri="{FF2B5EF4-FFF2-40B4-BE49-F238E27FC236}">
+                <a16:creationId xmlns:a16="http://schemas.microsoft.com/office/drawing/2014/main" id="{A5EBCF6C-F3B7-D40C-4116-938723043DC0}"/>
+              </a:ext>
+            </a:extLst>
+          </p:cNvPr>
+          <p:cNvSpPr>
+            <a:spLocks noGrp="1"/>
+          </p:cNvSpPr>
+          <p:nvPr>
+            <p:ph type="title"/>
+          </p:nvPr>
+        </p:nvSpPr>
+        <p:spPr/>
+        <p:txBody>
+          <a:bodyPr>
+            <a:normAutofit fontScale="90000"/>
+          </a:bodyPr>
+          <a:lstStyle/>
+          <a:p>
+            <a:r>
+              <a:rPr lang="en-US" dirty="0"/>
+              <a:t>1 SLIDE ANALYSIS ON CLUSTERING RESULTS</a:t>
+            </a:r>
+          </a:p>
+        </p:txBody>
+      </p:sp>
+      <p:sp>
+        <p:nvSpPr>
+          <p:cNvPr id="3" name="Content Placeholder 2">
+            <a:extLst>
+              <a:ext uri="{FF2B5EF4-FFF2-40B4-BE49-F238E27FC236}">
+                <a16:creationId xmlns:a16="http://schemas.microsoft.com/office/drawing/2014/main" id="{502B6705-E1B7-84F3-6D9A-BA8C0DB780B8}"/>
+              </a:ext>
+            </a:extLst>
+          </p:cNvPr>
+          <p:cNvSpPr>
+            <a:spLocks noGrp="1"/>
+          </p:cNvSpPr>
+          <p:nvPr>
+            <p:ph idx="1"/>
+          </p:nvPr>
+        </p:nvSpPr>
+        <p:spPr/>
+        <p:txBody>
+          <a:bodyPr/>
+          <a:lstStyle/>
+          <a:p>
+            <a:r>
+              <a:rPr lang="en-US" dirty="0"/>
+              <a:t>CLUSTERING RESULTS (AGGLOMERATIVE)TO BE ADDED HERE AND EXPLAINED BY FANGNAN</a:t>
+            </a:r>
+          </a:p>
+        </p:txBody>
+      </p:sp>
+    </p:spTree>
+    <p:extLst>
+      <p:ext uri="{BB962C8B-B14F-4D97-AF65-F5344CB8AC3E}">
+        <p14:creationId xmlns:p14="http://schemas.microsoft.com/office/powerpoint/2010/main" val="722228977"/>
+      </p:ext>
+    </p:extLst>
+  </p:cSld>
+  <p:clrMapOvr>
+    <a:masterClrMapping/>
+  </p:clrMapOvr>
+</p:sld>
+</file>
+
+<file path=ppt/slides/slide11.xml><?xml version="1.0" encoding="utf-8"?>
+<p:sld xmlns:a="http://schemas.openxmlformats.org/drawingml/2006/main" xmlns:r="http://schemas.openxmlformats.org/officeDocument/2006/relationships" xmlns:p="http://schemas.openxmlformats.org/presentationml/2006/main">
+  <p:cSld>
+    <p:spTree>
+      <p:nvGrpSpPr>
+        <p:cNvPr id="1" name=""/>
+        <p:cNvGrpSpPr/>
+        <p:nvPr/>
+      </p:nvGrpSpPr>
+      <p:grpSpPr>
+        <a:xfrm>
+          <a:off x="0" y="0"/>
+          <a:ext cx="0" cy="0"/>
+          <a:chOff x="0" y="0"/>
+          <a:chExt cx="0" cy="0"/>
+        </a:xfrm>
+      </p:grpSpPr>
+      <p:sp>
+        <p:nvSpPr>
+          <p:cNvPr id="2" name="Title 1">
+            <a:extLst>
+              <a:ext uri="{FF2B5EF4-FFF2-40B4-BE49-F238E27FC236}">
                 <a16:creationId xmlns:a16="http://schemas.microsoft.com/office/drawing/2014/main" id="{D8A2CCAF-115E-5664-3704-23FB5C19A9A5}"/>
               </a:ext>
             </a:extLst>
@@ -5559,12 +5648,174 @@
         </p:nvSpPr>
         <p:spPr/>
         <p:txBody>
-          <a:bodyPr/>
-          <a:lstStyle/>
-          <a:p>
-            <a:r>
-              <a:rPr lang="en-US" dirty="0"/>
-              <a:t>TO BE ADDED BY JIAHUI AND TO BE EXPLAINED BY HER IN THE PRESENTATION</a:t>
+          <a:bodyPr>
+            <a:noAutofit/>
+          </a:bodyPr>
+          <a:lstStyle/>
+          <a:p>
+            <a:r>
+              <a:rPr lang="en-US" altLang="zh-CN" sz="2000" dirty="0"/>
+              <a:t>Data preprocessing includes four steps: retaining relevant columns of data, deleting rows with missing values, deleting duplicate rows, and deleting rows with </a:t>
+            </a:r>
+            <a:r>
+              <a:rPr lang="zh-CN" altLang="en-US" sz="2000" dirty="0"/>
+              <a:t>‘</a:t>
+            </a:r>
+            <a:r>
+              <a:rPr lang="en-US" altLang="zh-CN" sz="2000" dirty="0" err="1"/>
+              <a:t>vdjdb.score</a:t>
+            </a:r>
+            <a:r>
+              <a:rPr lang="zh-CN" altLang="en-US" sz="2000" dirty="0"/>
+              <a:t>’ </a:t>
+            </a:r>
+            <a:r>
+              <a:rPr lang="en-US" altLang="zh-CN" sz="2000" dirty="0"/>
+              <a:t>= 0.</a:t>
+            </a:r>
+          </a:p>
+          <a:p>
+            <a:pPr marL="342900" indent="-342900">
+              <a:buFont typeface="Arial" panose="020B0604020202020204" pitchFamily="34" charset="0"/>
+              <a:buChar char="•"/>
+            </a:pPr>
+            <a:r>
+              <a:rPr lang="en-US" altLang="zh-CN" sz="2000" dirty="0"/>
+              <a:t>Extract relevant columns: 'complex.id', 'gene', 'cdr3', '</a:t>
+            </a:r>
+            <a:r>
+              <a:rPr lang="en-US" altLang="zh-CN" sz="2000" dirty="0" err="1"/>
+              <a:t>v.segm</a:t>
+            </a:r>
+            <a:r>
+              <a:rPr lang="en-US" altLang="zh-CN" sz="2000" dirty="0"/>
+              <a:t>', '</a:t>
+            </a:r>
+            <a:r>
+              <a:rPr lang="en-US" altLang="zh-CN" sz="2000" dirty="0" err="1"/>
+              <a:t>j.segm</a:t>
+            </a:r>
+            <a:r>
+              <a:rPr lang="en-US" altLang="zh-CN" sz="2000" dirty="0"/>
+              <a:t>', 'species', '</a:t>
+            </a:r>
+            <a:r>
+              <a:rPr lang="en-US" altLang="zh-CN" sz="2000" dirty="0" err="1"/>
+              <a:t>mhc.a</a:t>
+            </a:r>
+            <a:r>
+              <a:rPr lang="en-US" altLang="zh-CN" sz="2000" dirty="0"/>
+              <a:t>', '</a:t>
+            </a:r>
+            <a:r>
+              <a:rPr lang="en-US" altLang="zh-CN" sz="2000" dirty="0" err="1"/>
+              <a:t>mhc.b</a:t>
+            </a:r>
+            <a:r>
+              <a:rPr lang="en-US" altLang="zh-CN" sz="2000" dirty="0"/>
+              <a:t>', ' from the original data set </a:t>
+            </a:r>
+            <a:r>
+              <a:rPr lang="en-US" altLang="zh-CN" sz="2000" dirty="0" err="1"/>
+              <a:t>mhc.class</a:t>
+            </a:r>
+            <a:r>
+              <a:rPr lang="en-US" altLang="zh-CN" sz="2000" dirty="0"/>
+              <a:t>', '</a:t>
+            </a:r>
+            <a:r>
+              <a:rPr lang="en-US" altLang="zh-CN" sz="2000" dirty="0" err="1"/>
+              <a:t>antigen.epitope</a:t>
+            </a:r>
+            <a:r>
+              <a:rPr lang="en-US" altLang="zh-CN" sz="2000" dirty="0"/>
+              <a:t>', '</a:t>
+            </a:r>
+            <a:r>
+              <a:rPr lang="en-US" altLang="zh-CN" sz="2000" dirty="0" err="1"/>
+              <a:t>vdjdb.score</a:t>
+            </a:r>
+            <a:r>
+              <a:rPr lang="en-US" altLang="zh-CN" sz="2000" dirty="0"/>
+              <a:t>’.</a:t>
+            </a:r>
+          </a:p>
+          <a:p>
+            <a:pPr marL="342900" indent="-342900">
+              <a:buFont typeface="Arial" panose="020B0604020202020204" pitchFamily="34" charset="0"/>
+              <a:buChar char="•"/>
+            </a:pPr>
+            <a:r>
+              <a:rPr lang="en-US" altLang="zh-CN" sz="2000" dirty="0"/>
+              <a:t>Find the missing values and find that there are missing values in the ‘</a:t>
+            </a:r>
+            <a:r>
+              <a:rPr lang="en-US" altLang="zh-CN" sz="2000" dirty="0" err="1"/>
+              <a:t>v.segm</a:t>
+            </a:r>
+            <a:r>
+              <a:rPr lang="en-US" altLang="zh-CN" sz="2000" dirty="0"/>
+              <a:t>’ and ‘</a:t>
+            </a:r>
+            <a:r>
+              <a:rPr lang="en-US" altLang="zh-CN" sz="2000" dirty="0" err="1"/>
+              <a:t>j.segm</a:t>
+            </a:r>
+            <a:r>
+              <a:rPr lang="en-US" altLang="zh-CN" sz="2000" dirty="0"/>
+              <a:t>’ columns. Delete the rows where these missing values are located.</a:t>
+            </a:r>
+          </a:p>
+          <a:p>
+            <a:pPr marL="342900" indent="-342900">
+              <a:buFont typeface="Arial" panose="020B0604020202020204" pitchFamily="34" charset="0"/>
+              <a:buChar char="•"/>
+            </a:pPr>
+            <a:r>
+              <a:rPr lang="en-US" altLang="zh-CN" sz="2000" dirty="0"/>
+              <a:t>Remove duplicate rows</a:t>
+            </a:r>
+          </a:p>
+          <a:p>
+            <a:pPr marL="342900" indent="-342900">
+              <a:buFont typeface="Arial" panose="020B0604020202020204" pitchFamily="34" charset="0"/>
+              <a:buChar char="•"/>
+            </a:pPr>
+            <a:r>
+              <a:rPr lang="en-US" altLang="zh-CN" sz="2000" dirty="0"/>
+              <a:t>Because the data entry of </a:t>
+            </a:r>
+            <a:r>
+              <a:rPr lang="zh-CN" altLang="en-US" sz="2000" dirty="0"/>
+              <a:t>‘</a:t>
+            </a:r>
+            <a:r>
+              <a:rPr lang="en-US" altLang="zh-CN" sz="2000" dirty="0" err="1"/>
+              <a:t>vdjdb.score</a:t>
+            </a:r>
+            <a:r>
+              <a:rPr lang="zh-CN" altLang="en-US" sz="2000" dirty="0"/>
+              <a:t>’ </a:t>
+            </a:r>
+            <a:r>
+              <a:rPr lang="en-US" altLang="zh-CN" sz="2000" dirty="0"/>
+              <a:t>= 0 has no reference significance, delete the row where </a:t>
+            </a:r>
+            <a:r>
+              <a:rPr lang="zh-CN" altLang="en-US" sz="2000" dirty="0"/>
+              <a:t>‘</a:t>
+            </a:r>
+            <a:r>
+              <a:rPr lang="en-US" altLang="zh-CN" sz="2000" dirty="0" err="1"/>
+              <a:t>vdjdb.score</a:t>
+            </a:r>
+            <a:r>
+              <a:rPr lang="zh-CN" altLang="en-US" sz="2000" dirty="0"/>
+              <a:t>’ </a:t>
+            </a:r>
+            <a:r>
+              <a:rPr lang="en-US" altLang="zh-CN" sz="2000" dirty="0"/>
+              <a:t>= 0 is located.</a:t>
             </a:r>
           </a:p>
         </p:txBody>
@@ -5617,13 +5868,27 @@
         </p:nvSpPr>
         <p:spPr/>
         <p:txBody>
-          <a:bodyPr/>
+          <a:bodyPr>
+            <a:normAutofit fontScale="90000"/>
+          </a:bodyPr>
           <a:lstStyle/>
           <a:p>
             <a:r>
               <a:rPr lang="en-US" dirty="0"/>
-              <a:t>ENCODING METHODS USED:</a:t>
-            </a:r>
+              <a:t>ENCODING METHODS USED: </a:t>
+            </a:r>
+            <a:r>
+              <a:rPr lang="en-US" altLang="zh-CN" dirty="0"/>
+              <a:t>ONE-HOT</a:t>
+            </a:r>
+            <a:br>
+              <a:rPr lang="en-US" dirty="0"/>
+            </a:br>
+            <a:r>
+              <a:rPr lang="en-US" altLang="zh-CN" sz="2700" dirty="0"/>
+              <a:t>We use three methods for encoding, they are  ONE-HOT, BLOSUM 62 and GIANA ENCODING.</a:t>
+            </a:r>
+            <a:endParaRPr lang="en-US" sz="2700" dirty="0"/>
           </a:p>
         </p:txBody>
       </p:sp>
@@ -5645,13 +5910,22 @@
         </p:nvSpPr>
         <p:spPr/>
         <p:txBody>
-          <a:bodyPr/>
-          <a:lstStyle/>
-          <a:p>
-            <a:r>
-              <a:rPr lang="en-US" dirty="0"/>
-              <a:t>WRITE ABOUT ONE-HOT, BLOSUM 62 AND GIANA ENCODING USE ABOUT 2 SLIDES – TO BE ADDED BY JIAHUI AND TO BE EXPLAINED BY HER IN THE PRESENTATION</a:t>
-            </a:r>
+          <a:bodyPr>
+            <a:noAutofit/>
+          </a:bodyPr>
+          <a:lstStyle/>
+          <a:p>
+            <a:r>
+              <a:rPr lang="en-US" altLang="zh-CN" sz="2100" dirty="0"/>
+              <a:t>ONE-HOT is one of the most basic and common encoding methods, which can represent categorical variables as binary vectors. Each vector has a vector representing its possible values, and the length of the vector is the same as the length of the possible values. In this vector, only one element is 1, which is used to represent the category; the other elements are 0.</a:t>
+            </a:r>
+          </a:p>
+          <a:p>
+            <a:r>
+              <a:rPr lang="en-US" altLang="zh-CN" sz="2100" dirty="0"/>
+              <a:t>Although ONE-HOT can achieve encoding, it cannot capture the sequential nature of amino acids, which will lead to the loss of important structural and functional information. Therefore, we have also tried other encoding methods, such as BLOSUM 62 and GIANA ENCODING.</a:t>
+            </a:r>
+            <a:endParaRPr lang="en-US" sz="2100" dirty="0"/>
           </a:p>
         </p:txBody>
       </p:sp>
@@ -5690,7 +5964,7 @@
           <p:cNvPr id="2" name="Title 1">
             <a:extLst>
               <a:ext uri="{FF2B5EF4-FFF2-40B4-BE49-F238E27FC236}">
-                <a16:creationId xmlns:a16="http://schemas.microsoft.com/office/drawing/2014/main" id="{DF7B6175-6705-A7BA-DB24-80FD7F0D8CF2}"/>
+                <a16:creationId xmlns:a16="http://schemas.microsoft.com/office/drawing/2014/main" id="{AFB17DC1-6558-B41B-127E-740EF8794760}"/>
               </a:ext>
             </a:extLst>
           </p:cNvPr>
@@ -5710,8 +5984,13 @@
           <a:p>
             <a:r>
               <a:rPr lang="en-US" dirty="0"/>
-              <a:t>1 SLIDE ON DATA EXPLORATION INSIGHTS:</a:t>
-            </a:r>
+              <a:t>ENCODING METHODS USED:</a:t>
+            </a:r>
+            <a:r>
+              <a:rPr lang="en-US" altLang="zh-CN" sz="4400" dirty="0"/>
+              <a:t> BLOSUM 62 AND GIANA ENCODING </a:t>
+            </a:r>
+            <a:endParaRPr lang="en-US" dirty="0"/>
           </a:p>
         </p:txBody>
       </p:sp>
@@ -5720,7 +5999,7 @@
           <p:cNvPr id="3" name="Content Placeholder 2">
             <a:extLst>
               <a:ext uri="{FF2B5EF4-FFF2-40B4-BE49-F238E27FC236}">
-                <a16:creationId xmlns:a16="http://schemas.microsoft.com/office/drawing/2014/main" id="{73F2844E-7FAF-D533-CD63-55E6C4C6493A}"/>
+                <a16:creationId xmlns:a16="http://schemas.microsoft.com/office/drawing/2014/main" id="{0B4B63FD-3276-851C-FF68-89C9DAF522AC}"/>
               </a:ext>
             </a:extLst>
           </p:cNvPr>
@@ -5733,20 +6012,29 @@
         </p:nvSpPr>
         <p:spPr/>
         <p:txBody>
-          <a:bodyPr/>
-          <a:lstStyle/>
-          <a:p>
-            <a:r>
-              <a:rPr lang="en-US" dirty="0"/>
-              <a:t>THIS WILL BE ADDED AND EXPLAINED BY ME ON THE PRESENTATION DAY</a:t>
-            </a:r>
+          <a:bodyPr>
+            <a:normAutofit fontScale="85000" lnSpcReduction="20000"/>
+          </a:bodyPr>
+          <a:lstStyle/>
+          <a:p>
+            <a:r>
+              <a:rPr lang="en-US" altLang="zh-CN" sz="2400" dirty="0"/>
+              <a:t>BLOSUM 62 is a protein sequence encoding method based on the statistical analysis of a large number of known protein sequences. It scores amino acids based on the frequency of pairs of amino acids observed in related proteins, capturing similarities and differences between sequences in a biologically meaningful way. In this study, each amino acid is mapped to a vector whose length is equal to the number of rows of the matrix, and each element in the vector represents the similarity score of that amino acid to the corresponding row in the substitution matrix.</a:t>
+            </a:r>
+          </a:p>
+          <a:p>
+            <a:r>
+              <a:rPr lang="en-US" altLang="zh-CN" sz="2400" dirty="0"/>
+              <a:t>GIANA ENCODING is a mathematical framework for converting CDR3 sequences, converting sequence comparisons into nearest neighbor searches in high-dimensional Euclidean space. We used the GIANA package in Python to encode alpha chain, beta chain, chain with alpha and beta respectively.</a:t>
+            </a:r>
+            <a:endParaRPr lang="en-US" dirty="0"/>
           </a:p>
         </p:txBody>
       </p:sp>
     </p:spTree>
     <p:extLst>
       <p:ext uri="{BB962C8B-B14F-4D97-AF65-F5344CB8AC3E}">
-        <p14:creationId xmlns:p14="http://schemas.microsoft.com/office/powerpoint/2010/main" val="2756991189"/>
+        <p14:creationId xmlns:p14="http://schemas.microsoft.com/office/powerpoint/2010/main" val="3099030540"/>
       </p:ext>
     </p:extLst>
   </p:cSld>
@@ -5778,7 +6066,7 @@
           <p:cNvPr id="2" name="Title 1">
             <a:extLst>
               <a:ext uri="{FF2B5EF4-FFF2-40B4-BE49-F238E27FC236}">
-                <a16:creationId xmlns:a16="http://schemas.microsoft.com/office/drawing/2014/main" id="{3434913F-3039-3DC3-BB5E-EBE70668FCBC}"/>
+                <a16:creationId xmlns:a16="http://schemas.microsoft.com/office/drawing/2014/main" id="{DF7B6175-6705-A7BA-DB24-80FD7F0D8CF2}"/>
               </a:ext>
             </a:extLst>
           </p:cNvPr>
@@ -5791,40 +6079,42 @@
         </p:nvSpPr>
         <p:spPr/>
         <p:txBody>
+          <a:bodyPr>
+            <a:normAutofit fontScale="90000"/>
+          </a:bodyPr>
+          <a:lstStyle/>
+          <a:p>
+            <a:r>
+              <a:rPr lang="en-US" dirty="0"/>
+              <a:t>1 SLIDE ON DATA EXPLORATION INSIGHTS:</a:t>
+            </a:r>
+          </a:p>
+        </p:txBody>
+      </p:sp>
+      <p:sp>
+        <p:nvSpPr>
+          <p:cNvPr id="3" name="Content Placeholder 2">
+            <a:extLst>
+              <a:ext uri="{FF2B5EF4-FFF2-40B4-BE49-F238E27FC236}">
+                <a16:creationId xmlns:a16="http://schemas.microsoft.com/office/drawing/2014/main" id="{73F2844E-7FAF-D533-CD63-55E6C4C6493A}"/>
+              </a:ext>
+            </a:extLst>
+          </p:cNvPr>
+          <p:cNvSpPr>
+            <a:spLocks noGrp="1"/>
+          </p:cNvSpPr>
+          <p:nvPr>
+            <p:ph idx="1"/>
+          </p:nvPr>
+        </p:nvSpPr>
+        <p:spPr/>
+        <p:txBody>
           <a:bodyPr/>
           <a:lstStyle/>
           <a:p>
             <a:r>
               <a:rPr lang="en-US" dirty="0"/>
-              <a:t>1 SLIDE ON TCR DISTANCE CALCULATION</a:t>
-            </a:r>
-          </a:p>
-        </p:txBody>
-      </p:sp>
-      <p:sp>
-        <p:nvSpPr>
-          <p:cNvPr id="3" name="Content Placeholder 2">
-            <a:extLst>
-              <a:ext uri="{FF2B5EF4-FFF2-40B4-BE49-F238E27FC236}">
-                <a16:creationId xmlns:a16="http://schemas.microsoft.com/office/drawing/2014/main" id="{2A040857-44C5-7E5D-D556-8AA09D347EAC}"/>
-              </a:ext>
-            </a:extLst>
-          </p:cNvPr>
-          <p:cNvSpPr>
-            <a:spLocks noGrp="1"/>
-          </p:cNvSpPr>
-          <p:nvPr>
-            <p:ph idx="1"/>
-          </p:nvPr>
-        </p:nvSpPr>
-        <p:spPr/>
-        <p:txBody>
-          <a:bodyPr/>
-          <a:lstStyle/>
-          <a:p>
-            <a:r>
-              <a:rPr lang="en-US" dirty="0"/>
-              <a:t>TCR DISTANCE CALCULATION THIS WILL BE ADDED AND EXPLAINED BY ME ON THE PRESENTATION DAY</a:t>
+              <a:t>THIS WILL BE ADDED AND EXPLAINED BY ME ON THE PRESENTATION DAY</a:t>
             </a:r>
           </a:p>
         </p:txBody>
@@ -5832,7 +6122,7 @@
     </p:spTree>
     <p:extLst>
       <p:ext uri="{BB962C8B-B14F-4D97-AF65-F5344CB8AC3E}">
-        <p14:creationId xmlns:p14="http://schemas.microsoft.com/office/powerpoint/2010/main" val="1117451437"/>
+        <p14:creationId xmlns:p14="http://schemas.microsoft.com/office/powerpoint/2010/main" val="2756991189"/>
       </p:ext>
     </p:extLst>
   </p:cSld>
@@ -5864,7 +6154,7 @@
           <p:cNvPr id="2" name="Title 1">
             <a:extLst>
               <a:ext uri="{FF2B5EF4-FFF2-40B4-BE49-F238E27FC236}">
-                <a16:creationId xmlns:a16="http://schemas.microsoft.com/office/drawing/2014/main" id="{3B14A0EC-38F9-0ADC-D203-BD136C5BA041}"/>
+                <a16:creationId xmlns:a16="http://schemas.microsoft.com/office/drawing/2014/main" id="{3434913F-3039-3DC3-BB5E-EBE70668FCBC}"/>
               </a:ext>
             </a:extLst>
           </p:cNvPr>
@@ -5877,14 +6167,12 @@
         </p:nvSpPr>
         <p:spPr/>
         <p:txBody>
-          <a:bodyPr>
-            <a:normAutofit fontScale="90000"/>
-          </a:bodyPr>
+          <a:bodyPr/>
           <a:lstStyle/>
           <a:p>
             <a:r>
               <a:rPr lang="en-US" dirty="0"/>
-              <a:t>1 SLIDE ON TCR LEVENSHTEIN DISTANCE CALCULATION </a:t>
+              <a:t>1 SLIDE ON TCR DISTANCE CALCULATION</a:t>
             </a:r>
           </a:p>
         </p:txBody>
@@ -5894,7 +6182,7 @@
           <p:cNvPr id="3" name="Content Placeholder 2">
             <a:extLst>
               <a:ext uri="{FF2B5EF4-FFF2-40B4-BE49-F238E27FC236}">
-                <a16:creationId xmlns:a16="http://schemas.microsoft.com/office/drawing/2014/main" id="{B5676DEC-A069-9D15-F75D-A46062812703}"/>
+                <a16:creationId xmlns:a16="http://schemas.microsoft.com/office/drawing/2014/main" id="{2A040857-44C5-7E5D-D556-8AA09D347EAC}"/>
               </a:ext>
             </a:extLst>
           </p:cNvPr>
@@ -5912,18 +6200,15 @@
           <a:p>
             <a:r>
               <a:rPr lang="en-US" dirty="0"/>
-              <a:t>LEVENSHTEIN DISTANCE CALCULATION TO BE ADDED HERE AND EXPLAINED BY FANGNAN</a:t>
-            </a:r>
-          </a:p>
-          <a:p>
-            <a:endParaRPr lang="en-US" dirty="0"/>
+              <a:t>TCR DISTANCE CALCULATION THIS WILL BE ADDED AND EXPLAINED BY ME ON THE PRESENTATION DAY</a:t>
+            </a:r>
           </a:p>
         </p:txBody>
       </p:sp>
     </p:spTree>
     <p:extLst>
       <p:ext uri="{BB962C8B-B14F-4D97-AF65-F5344CB8AC3E}">
-        <p14:creationId xmlns:p14="http://schemas.microsoft.com/office/powerpoint/2010/main" val="3260992492"/>
+        <p14:creationId xmlns:p14="http://schemas.microsoft.com/office/powerpoint/2010/main" val="1117451437"/>
       </p:ext>
     </p:extLst>
   </p:cSld>
@@ -5955,7 +6240,7 @@
           <p:cNvPr id="2" name="Title 1">
             <a:extLst>
               <a:ext uri="{FF2B5EF4-FFF2-40B4-BE49-F238E27FC236}">
-                <a16:creationId xmlns:a16="http://schemas.microsoft.com/office/drawing/2014/main" id="{8FF5C523-683A-0BB4-7A9C-CFE3D1DC2C5B}"/>
+                <a16:creationId xmlns:a16="http://schemas.microsoft.com/office/drawing/2014/main" id="{3B14A0EC-38F9-0ADC-D203-BD136C5BA041}"/>
               </a:ext>
             </a:extLst>
           </p:cNvPr>
@@ -5975,7 +6260,7 @@
           <a:p>
             <a:r>
               <a:rPr lang="en-US" dirty="0"/>
-              <a:t>ANALYSIS ON DIMENSIONALITY REDUCTION OUTCOMES USE ABOUT 1-2 SLIDES</a:t>
+              <a:t>1 SLIDE ON TCR LEVENSHTEIN DISTANCE CALCULATION </a:t>
             </a:r>
           </a:p>
         </p:txBody>
@@ -5985,7 +6270,7 @@
           <p:cNvPr id="3" name="Content Placeholder 2">
             <a:extLst>
               <a:ext uri="{FF2B5EF4-FFF2-40B4-BE49-F238E27FC236}">
-                <a16:creationId xmlns:a16="http://schemas.microsoft.com/office/drawing/2014/main" id="{8912B0F5-80EF-6C0A-8582-2BDBEB8C57A6}"/>
+                <a16:creationId xmlns:a16="http://schemas.microsoft.com/office/drawing/2014/main" id="{B5676DEC-A069-9D15-F75D-A46062812703}"/>
               </a:ext>
             </a:extLst>
           </p:cNvPr>
@@ -6003,7 +6288,7 @@
           <a:p>
             <a:r>
               <a:rPr lang="en-US" dirty="0"/>
-              <a:t>TO BE ADDED BY JIADONG AND TO BE EXPLAINED BY HIM IN THE PRESENTATION</a:t>
+              <a:t>LEVENSHTEIN DISTANCE CALCULATION TO BE ADDED HERE AND EXPLAINED BY FANGNAN</a:t>
             </a:r>
           </a:p>
           <a:p>
@@ -6014,7 +6299,7 @@
     </p:spTree>
     <p:extLst>
       <p:ext uri="{BB962C8B-B14F-4D97-AF65-F5344CB8AC3E}">
-        <p14:creationId xmlns:p14="http://schemas.microsoft.com/office/powerpoint/2010/main" val="2616143390"/>
+        <p14:creationId xmlns:p14="http://schemas.microsoft.com/office/powerpoint/2010/main" val="3260992492"/>
       </p:ext>
     </p:extLst>
   </p:cSld>
@@ -6046,7 +6331,7 @@
           <p:cNvPr id="2" name="Title 1">
             <a:extLst>
               <a:ext uri="{FF2B5EF4-FFF2-40B4-BE49-F238E27FC236}">
-                <a16:creationId xmlns:a16="http://schemas.microsoft.com/office/drawing/2014/main" id="{A5EBCF6C-F3B7-D40C-4116-938723043DC0}"/>
+                <a16:creationId xmlns:a16="http://schemas.microsoft.com/office/drawing/2014/main" id="{8FF5C523-683A-0BB4-7A9C-CFE3D1DC2C5B}"/>
               </a:ext>
             </a:extLst>
           </p:cNvPr>
@@ -6066,7 +6351,7 @@
           <a:p>
             <a:r>
               <a:rPr lang="en-US" dirty="0"/>
-              <a:t>1 SLIDE ANALYSIS ON CLUSTERING RESULTS</a:t>
+              <a:t>ANALYSIS ON DIMENSIONALITY REDUCTION OUTCOMES USE ABOUT 1-2 SLIDES</a:t>
             </a:r>
           </a:p>
         </p:txBody>
@@ -6076,7 +6361,7 @@
           <p:cNvPr id="3" name="Content Placeholder 2">
             <a:extLst>
               <a:ext uri="{FF2B5EF4-FFF2-40B4-BE49-F238E27FC236}">
-                <a16:creationId xmlns:a16="http://schemas.microsoft.com/office/drawing/2014/main" id="{502B6705-E1B7-84F3-6D9A-BA8C0DB780B8}"/>
+                <a16:creationId xmlns:a16="http://schemas.microsoft.com/office/drawing/2014/main" id="{8912B0F5-80EF-6C0A-8582-2BDBEB8C57A6}"/>
               </a:ext>
             </a:extLst>
           </p:cNvPr>
@@ -6094,15 +6379,18 @@
           <a:p>
             <a:r>
               <a:rPr lang="en-US" dirty="0"/>
-              <a:t>CLUSTERING RESULTS (DBSCAN)TO BE ADDED HERE AND EXPLAINED BY JIADONG</a:t>
-            </a:r>
+              <a:t>TO BE ADDED BY JIADONG AND TO BE EXPLAINED BY HIM IN THE PRESENTATION</a:t>
+            </a:r>
+          </a:p>
+          <a:p>
+            <a:endParaRPr lang="en-US" dirty="0"/>
           </a:p>
         </p:txBody>
       </p:sp>
     </p:spTree>
     <p:extLst>
       <p:ext uri="{BB962C8B-B14F-4D97-AF65-F5344CB8AC3E}">
-        <p14:creationId xmlns:p14="http://schemas.microsoft.com/office/powerpoint/2010/main" val="3384461454"/>
+        <p14:creationId xmlns:p14="http://schemas.microsoft.com/office/powerpoint/2010/main" val="2616143390"/>
       </p:ext>
     </p:extLst>
   </p:cSld>
@@ -6182,7 +6470,7 @@
           <a:p>
             <a:r>
               <a:rPr lang="en-US" dirty="0"/>
-              <a:t>CLUSTERING RESULTS (AGGLOMERATIVE)TO BE ADDED HERE AND EXPLAINED BY FANGNAN</a:t>
+              <a:t>CLUSTERING RESULTS (DBSCAN)TO BE ADDED HERE AND EXPLAINED BY JIADONG</a:t>
             </a:r>
           </a:p>
         </p:txBody>
@@ -6190,7 +6478,7 @@
     </p:spTree>
     <p:extLst>
       <p:ext uri="{BB962C8B-B14F-4D97-AF65-F5344CB8AC3E}">
-        <p14:creationId xmlns:p14="http://schemas.microsoft.com/office/powerpoint/2010/main" val="722228977"/>
+        <p14:creationId xmlns:p14="http://schemas.microsoft.com/office/powerpoint/2010/main" val="3384461454"/>
       </p:ext>
     </p:extLst>
   </p:cSld>

--- a/summative presentation/Summative Oral Presentation-Group 4.pptx
+++ b/summative presentation/Summative Oral Presentation-Group 4.pptx
@@ -11,10 +11,12 @@
     <p:sldId id="265" r:id="rId5"/>
     <p:sldId id="260" r:id="rId6"/>
     <p:sldId id="262" r:id="rId7"/>
-    <p:sldId id="259" r:id="rId8"/>
-    <p:sldId id="263" r:id="rId9"/>
-    <p:sldId id="261" r:id="rId10"/>
-    <p:sldId id="264" r:id="rId11"/>
+    <p:sldId id="267" r:id="rId8"/>
+    <p:sldId id="259" r:id="rId9"/>
+    <p:sldId id="263" r:id="rId10"/>
+    <p:sldId id="261" r:id="rId11"/>
+    <p:sldId id="269" r:id="rId12"/>
+    <p:sldId id="264" r:id="rId13"/>
   </p:sldIdLst>
   <p:sldSz cx="12192000" cy="6858000"/>
   <p:notesSz cx="6858000" cy="9144000"/>
@@ -121,6 +123,72 @@
 </p:presentation>
 </file>
 
+<file path=ppt/revisionInfo.xml><?xml version="1.0" encoding="utf-8"?>
+<p1510:revInfo xmlns:a="http://schemas.openxmlformats.org/drawingml/2006/main" xmlns:r="http://schemas.openxmlformats.org/officeDocument/2006/relationships" xmlns:p1510="http://schemas.microsoft.com/office/powerpoint/2015/10/main">
+  <p1510:revLst>
+    <p1510:client id="{A52F8CC4-C187-42A6-8D2F-EA89B8D623D8}" v="2" dt="2024-05-07T21:16:55.987"/>
+  </p1510:revLst>
+</p1510:revInfo>
+</file>
+
+<file path=ppt/changesInfos/changesInfo1.xml><?xml version="1.0" encoding="utf-8"?>
+<pc:chgInfo xmlns:a="http://schemas.openxmlformats.org/drawingml/2006/main" xmlns:r="http://schemas.openxmlformats.org/officeDocument/2006/relationships" xmlns:ac="http://schemas.microsoft.com/office/drawing/2013/main/command" xmlns:pc="http://schemas.microsoft.com/office/powerpoint/2013/main/command">
+  <pc:docChgLst>
+    <pc:chgData name="Fangnan Wei" userId="1c1d01cd-2500-49b1-abd0-d9b9393f4555" providerId="ADAL" clId="{A52F8CC4-C187-42A6-8D2F-EA89B8D623D8}"/>
+    <pc:docChg chg="addSld delSld modSld">
+      <pc:chgData name="Fangnan Wei" userId="1c1d01cd-2500-49b1-abd0-d9b9393f4555" providerId="ADAL" clId="{A52F8CC4-C187-42A6-8D2F-EA89B8D623D8}" dt="2024-05-07T21:16:59.504" v="11" actId="2696"/>
+      <pc:docMkLst>
+        <pc:docMk/>
+      </pc:docMkLst>
+      <pc:sldChg chg="modSp new del mod">
+        <pc:chgData name="Fangnan Wei" userId="1c1d01cd-2500-49b1-abd0-d9b9393f4555" providerId="ADAL" clId="{A52F8CC4-C187-42A6-8D2F-EA89B8D623D8}" dt="2024-05-07T21:16:26.541" v="8" actId="2696"/>
+        <pc:sldMkLst>
+          <pc:docMk/>
+          <pc:sldMk cId="795654661" sldId="266"/>
+        </pc:sldMkLst>
+        <pc:spChg chg="mod">
+          <ac:chgData name="Fangnan Wei" userId="1c1d01cd-2500-49b1-abd0-d9b9393f4555" providerId="ADAL" clId="{A52F8CC4-C187-42A6-8D2F-EA89B8D623D8}" dt="2024-05-06T10:45:10.358" v="4" actId="1076"/>
+          <ac:spMkLst>
+            <pc:docMk/>
+            <pc:sldMk cId="795654661" sldId="266"/>
+            <ac:spMk id="2" creationId="{393CC19F-CA02-41DC-60DE-BDD34656347F}"/>
+          </ac:spMkLst>
+        </pc:spChg>
+        <pc:spChg chg="mod">
+          <ac:chgData name="Fangnan Wei" userId="1c1d01cd-2500-49b1-abd0-d9b9393f4555" providerId="ADAL" clId="{A52F8CC4-C187-42A6-8D2F-EA89B8D623D8}" dt="2024-05-06T10:45:20.341" v="6" actId="14100"/>
+          <ac:spMkLst>
+            <pc:docMk/>
+            <pc:sldMk cId="795654661" sldId="266"/>
+            <ac:spMk id="3" creationId="{0352373B-40AE-5247-56DA-56B9AEBC446A}"/>
+          </ac:spMkLst>
+        </pc:spChg>
+      </pc:sldChg>
+      <pc:sldChg chg="add">
+        <pc:chgData name="Fangnan Wei" userId="1c1d01cd-2500-49b1-abd0-d9b9393f4555" providerId="ADAL" clId="{A52F8CC4-C187-42A6-8D2F-EA89B8D623D8}" dt="2024-05-07T21:16:20.579" v="7"/>
+        <pc:sldMkLst>
+          <pc:docMk/>
+          <pc:sldMk cId="3224059382" sldId="267"/>
+        </pc:sldMkLst>
+      </pc:sldChg>
+      <pc:sldChg chg="new del">
+        <pc:chgData name="Fangnan Wei" userId="1c1d01cd-2500-49b1-abd0-d9b9393f4555" providerId="ADAL" clId="{A52F8CC4-C187-42A6-8D2F-EA89B8D623D8}" dt="2024-05-07T21:16:59.504" v="11" actId="2696"/>
+        <pc:sldMkLst>
+          <pc:docMk/>
+          <pc:sldMk cId="3520050958" sldId="268"/>
+        </pc:sldMkLst>
+      </pc:sldChg>
+      <pc:sldChg chg="add">
+        <pc:chgData name="Fangnan Wei" userId="1c1d01cd-2500-49b1-abd0-d9b9393f4555" providerId="ADAL" clId="{A52F8CC4-C187-42A6-8D2F-EA89B8D623D8}" dt="2024-05-07T21:16:55.985" v="10"/>
+        <pc:sldMkLst>
+          <pc:docMk/>
+          <pc:sldMk cId="1500812702" sldId="269"/>
+        </pc:sldMkLst>
+      </pc:sldChg>
+    </pc:docChg>
+  </pc:docChgLst>
+</pc:chgInfo>
+</file>
+
 <file path=ppt/slideLayouts/slideLayout1.xml><?xml version="1.0" encoding="utf-8"?>
 <p:sldLayout xmlns:a="http://schemas.openxmlformats.org/drawingml/2006/main" xmlns:r="http://schemas.openxmlformats.org/officeDocument/2006/relationships" xmlns:p="http://schemas.openxmlformats.org/presentationml/2006/main" showMasterSp="0" type="title" preserve="1">
   <p:cSld name="Title Slide">
@@ -378,7 +446,7 @@
           <a:p>
             <a:fld id="{3341EE12-F28E-4B03-A404-A8FCAE0F6316}" type="datetime1">
               <a:rPr lang="en-US" smtClean="0"/>
-              <a:t>5/4/24</a:t>
+              <a:t>5/7/2024</a:t>
             </a:fld>
             <a:endParaRPr lang="en-US" dirty="0"/>
           </a:p>
@@ -663,7 +731,7 @@
           <a:p>
             <a:fld id="{B68B8189-0D9C-48A6-9FA3-862227B094CE}" type="datetime1">
               <a:rPr lang="en-US" smtClean="0"/>
-              <a:t>5/4/24</a:t>
+              <a:t>5/7/2024</a:t>
             </a:fld>
             <a:endParaRPr lang="en-US"/>
           </a:p>
@@ -1027,7 +1095,7 @@
           <a:p>
             <a:fld id="{26ADDCAE-6443-42C3-9C19-F95985500186}" type="datetime1">
               <a:rPr lang="en-US" smtClean="0"/>
-              <a:t>5/4/24</a:t>
+              <a:t>5/7/2024</a:t>
             </a:fld>
             <a:endParaRPr lang="en-US" dirty="0"/>
           </a:p>
@@ -1289,7 +1357,7 @@
           <a:p>
             <a:fld id="{1962799E-EB8E-4038-8063-81BB57C732D4}" type="datetime1">
               <a:rPr lang="en-US" smtClean="0"/>
-              <a:t>5/4/24</a:t>
+              <a:t>5/7/2024</a:t>
             </a:fld>
             <a:endParaRPr lang="en-US"/>
           </a:p>
@@ -1719,7 +1787,7 @@
           <a:p>
             <a:fld id="{217A73C3-B243-44D3-809D-EF8FDFBD85D4}" type="datetime1">
               <a:rPr lang="en-US" smtClean="0"/>
-              <a:t>5/4/24</a:t>
+              <a:t>5/7/2024</a:t>
             </a:fld>
             <a:endParaRPr lang="en-US" dirty="0"/>
           </a:p>
@@ -2050,7 +2118,7 @@
           <a:p>
             <a:fld id="{C9B6D3E3-28E2-4380-A113-67698215C5F8}" type="datetime1">
               <a:rPr lang="en-US" smtClean="0"/>
-              <a:t>5/4/24</a:t>
+              <a:t>5/7/2024</a:t>
             </a:fld>
             <a:endParaRPr lang="en-US" dirty="0"/>
           </a:p>
@@ -2483,7 +2551,7 @@
           <a:p>
             <a:fld id="{A9EFCB61-04AD-47C9-BF79-2BD8B9CEC07A}" type="datetime1">
               <a:rPr lang="en-US" smtClean="0"/>
-              <a:t>5/4/24</a:t>
+              <a:t>5/7/2024</a:t>
             </a:fld>
             <a:endParaRPr lang="en-US" dirty="0"/>
           </a:p>
@@ -2635,7 +2703,7 @@
           <a:p>
             <a:fld id="{A4535E0C-D585-492F-8146-7493F4086301}" type="datetime1">
               <a:rPr lang="en-US" smtClean="0"/>
-              <a:t>5/4/24</a:t>
+              <a:t>5/7/2024</a:t>
             </a:fld>
             <a:endParaRPr lang="en-US"/>
           </a:p>
@@ -2798,7 +2866,7 @@
           <a:p>
             <a:fld id="{8CE48390-48B5-49AB-B019-A7C8FB8C31F6}" type="datetime1">
               <a:rPr lang="en-US" smtClean="0"/>
-              <a:t>5/4/24</a:t>
+              <a:t>5/7/2024</a:t>
             </a:fld>
             <a:endParaRPr lang="en-US"/>
           </a:p>
@@ -3327,7 +3395,7 @@
           <a:p>
             <a:fld id="{962E767E-8A14-4E70-91B9-2101CBC4D7BD}" type="datetime1">
               <a:rPr lang="en-US" smtClean="0"/>
-              <a:t>5/4/24</a:t>
+              <a:t>5/7/2024</a:t>
             </a:fld>
             <a:endParaRPr lang="en-US" dirty="0"/>
           </a:p>
@@ -3848,7 +3916,7 @@
           <a:p>
             <a:fld id="{01AF0C4B-5A4A-45CA-ABEC-10F107160D33}" type="datetime1">
               <a:rPr lang="en-US" smtClean="0"/>
-              <a:t>5/4/24</a:t>
+              <a:t>5/7/2024</a:t>
             </a:fld>
             <a:endParaRPr lang="en-US" dirty="0"/>
           </a:p>
@@ -4398,7 +4466,7 @@
           <a:p>
             <a:fld id="{6989806E-8E94-473C-AEE7-BE6F15F85533}" type="datetime1">
               <a:rPr lang="en-US" smtClean="0"/>
-              <a:t>5/4/24</a:t>
+              <a:t>5/7/2024</a:t>
             </a:fld>
             <a:endParaRPr lang="en-US" dirty="0"/>
           </a:p>
@@ -5430,6 +5498,441 @@
           <p:cNvPr id="2" name="Title 1">
             <a:extLst>
               <a:ext uri="{FF2B5EF4-FFF2-40B4-BE49-F238E27FC236}">
+                <a16:creationId xmlns:a16="http://schemas.microsoft.com/office/drawing/2014/main" id="{A5EBCF6C-F3B7-D40C-4116-938723043DC0}"/>
+              </a:ext>
+            </a:extLst>
+          </p:cNvPr>
+          <p:cNvSpPr>
+            <a:spLocks noGrp="1"/>
+          </p:cNvSpPr>
+          <p:nvPr>
+            <p:ph type="title"/>
+          </p:nvPr>
+        </p:nvSpPr>
+        <p:spPr/>
+        <p:txBody>
+          <a:bodyPr>
+            <a:normAutofit fontScale="90000"/>
+          </a:bodyPr>
+          <a:lstStyle/>
+          <a:p>
+            <a:r>
+              <a:rPr lang="en-US" dirty="0"/>
+              <a:t>1 SLIDE ANALYSIS ON CLUSTERING RESULTS</a:t>
+            </a:r>
+          </a:p>
+        </p:txBody>
+      </p:sp>
+      <p:sp>
+        <p:nvSpPr>
+          <p:cNvPr id="3" name="Content Placeholder 2">
+            <a:extLst>
+              <a:ext uri="{FF2B5EF4-FFF2-40B4-BE49-F238E27FC236}">
+                <a16:creationId xmlns:a16="http://schemas.microsoft.com/office/drawing/2014/main" id="{502B6705-E1B7-84F3-6D9A-BA8C0DB780B8}"/>
+              </a:ext>
+            </a:extLst>
+          </p:cNvPr>
+          <p:cNvSpPr>
+            <a:spLocks noGrp="1"/>
+          </p:cNvSpPr>
+          <p:nvPr>
+            <p:ph idx="1"/>
+          </p:nvPr>
+        </p:nvSpPr>
+        <p:spPr/>
+        <p:txBody>
+          <a:bodyPr/>
+          <a:lstStyle/>
+          <a:p>
+            <a:r>
+              <a:rPr lang="en-US" dirty="0"/>
+              <a:t>CLUSTERING RESULTS (AGGLOMERATIVE)TO BE ADDED HERE AND EXPLAINED BY FANGNAN</a:t>
+            </a:r>
+          </a:p>
+        </p:txBody>
+      </p:sp>
+    </p:spTree>
+    <p:extLst>
+      <p:ext uri="{BB962C8B-B14F-4D97-AF65-F5344CB8AC3E}">
+        <p14:creationId xmlns:p14="http://schemas.microsoft.com/office/powerpoint/2010/main" val="722228977"/>
+      </p:ext>
+    </p:extLst>
+  </p:cSld>
+  <p:clrMapOvr>
+    <a:masterClrMapping/>
+  </p:clrMapOvr>
+</p:sld>
+</file>
+
+<file path=ppt/slides/slide11.xml><?xml version="1.0" encoding="utf-8"?>
+<p:sld xmlns:a="http://schemas.openxmlformats.org/drawingml/2006/main" xmlns:r="http://schemas.openxmlformats.org/officeDocument/2006/relationships" xmlns:p="http://schemas.openxmlformats.org/presentationml/2006/main">
+  <p:cSld>
+    <p:spTree>
+      <p:nvGrpSpPr>
+        <p:cNvPr id="1" name=""/>
+        <p:cNvGrpSpPr/>
+        <p:nvPr/>
+      </p:nvGrpSpPr>
+      <p:grpSpPr>
+        <a:xfrm>
+          <a:off x="0" y="0"/>
+          <a:ext cx="0" cy="0"/>
+          <a:chOff x="0" y="0"/>
+          <a:chExt cx="0" cy="0"/>
+        </a:xfrm>
+      </p:grpSpPr>
+      <p:sp>
+        <p:nvSpPr>
+          <p:cNvPr id="2" name="标题 1">
+            <a:extLst>
+              <a:ext uri="{FF2B5EF4-FFF2-40B4-BE49-F238E27FC236}">
+                <a16:creationId xmlns:a16="http://schemas.microsoft.com/office/drawing/2014/main" id="{61479695-F3B8-4212-F024-62833181F511}"/>
+              </a:ext>
+            </a:extLst>
+          </p:cNvPr>
+          <p:cNvSpPr>
+            <a:spLocks noGrp="1"/>
+          </p:cNvSpPr>
+          <p:nvPr>
+            <p:ph type="title"/>
+          </p:nvPr>
+        </p:nvSpPr>
+        <p:spPr>
+          <a:xfrm>
+            <a:off x="806875" y="73720"/>
+            <a:ext cx="6362013" cy="650841"/>
+          </a:xfrm>
+        </p:spPr>
+        <p:txBody>
+          <a:bodyPr>
+            <a:normAutofit/>
+          </a:bodyPr>
+          <a:lstStyle/>
+          <a:p>
+            <a:r>
+              <a:rPr lang="en-US" altLang="zh-CN" sz="2000" dirty="0"/>
+              <a:t>ANALYSIS ON CLUSTERING RESULTS</a:t>
+            </a:r>
+            <a:endParaRPr lang="zh-CN" altLang="en-US" sz="2000" dirty="0"/>
+          </a:p>
+        </p:txBody>
+      </p:sp>
+      <p:pic>
+        <p:nvPicPr>
+          <p:cNvPr id="17" name="内容占位符 16" descr="图表, 折线图&#10;&#10;描述已自动生成">
+            <a:extLst>
+              <a:ext uri="{FF2B5EF4-FFF2-40B4-BE49-F238E27FC236}">
+                <a16:creationId xmlns:a16="http://schemas.microsoft.com/office/drawing/2014/main" id="{0F2EA432-3261-A558-F2AE-2DC2145B1597}"/>
+              </a:ext>
+            </a:extLst>
+          </p:cNvPr>
+          <p:cNvPicPr>
+            <a:picLocks noGrp="1" noChangeAspect="1"/>
+          </p:cNvPicPr>
+          <p:nvPr>
+            <p:ph idx="1"/>
+          </p:nvPr>
+        </p:nvPicPr>
+        <p:blipFill>
+          <a:blip r:embed="rId2"/>
+          <a:stretch>
+            <a:fillRect/>
+          </a:stretch>
+        </p:blipFill>
+        <p:spPr>
+          <a:xfrm>
+            <a:off x="637292" y="885552"/>
+            <a:ext cx="2665889" cy="1717388"/>
+          </a:xfrm>
+        </p:spPr>
+      </p:pic>
+      <p:pic>
+        <p:nvPicPr>
+          <p:cNvPr id="19" name="图片 18" descr="图表, 折线图&#10;&#10;描述已自动生成">
+            <a:extLst>
+              <a:ext uri="{FF2B5EF4-FFF2-40B4-BE49-F238E27FC236}">
+                <a16:creationId xmlns:a16="http://schemas.microsoft.com/office/drawing/2014/main" id="{769996E1-AA65-3757-3B40-1BBBE93EB3FC}"/>
+              </a:ext>
+            </a:extLst>
+          </p:cNvPr>
+          <p:cNvPicPr>
+            <a:picLocks noChangeAspect="1"/>
+          </p:cNvPicPr>
+          <p:nvPr/>
+        </p:nvPicPr>
+        <p:blipFill>
+          <a:blip r:embed="rId3"/>
+          <a:stretch>
+            <a:fillRect/>
+          </a:stretch>
+        </p:blipFill>
+        <p:spPr>
+          <a:xfrm>
+            <a:off x="3688965" y="885548"/>
+            <a:ext cx="2665889" cy="1717387"/>
+          </a:xfrm>
+          <a:prstGeom prst="rect">
+            <a:avLst/>
+          </a:prstGeom>
+        </p:spPr>
+      </p:pic>
+      <p:pic>
+        <p:nvPicPr>
+          <p:cNvPr id="21" name="图片 20" descr="图表, 折线图&#10;&#10;描述已自动生成">
+            <a:extLst>
+              <a:ext uri="{FF2B5EF4-FFF2-40B4-BE49-F238E27FC236}">
+                <a16:creationId xmlns:a16="http://schemas.microsoft.com/office/drawing/2014/main" id="{E7485E84-8291-D12B-27A4-879963369A76}"/>
+              </a:ext>
+            </a:extLst>
+          </p:cNvPr>
+          <p:cNvPicPr>
+            <a:picLocks noChangeAspect="1"/>
+          </p:cNvPicPr>
+          <p:nvPr/>
+        </p:nvPicPr>
+        <p:blipFill>
+          <a:blip r:embed="rId4"/>
+          <a:stretch>
+            <a:fillRect/>
+          </a:stretch>
+        </p:blipFill>
+        <p:spPr>
+          <a:xfrm>
+            <a:off x="6740638" y="885547"/>
+            <a:ext cx="2665889" cy="1717387"/>
+          </a:xfrm>
+          <a:prstGeom prst="rect">
+            <a:avLst/>
+          </a:prstGeom>
+        </p:spPr>
+      </p:pic>
+      <p:pic>
+        <p:nvPicPr>
+          <p:cNvPr id="23" name="图片 22" descr="图表, 折线图&#10;&#10;描述已自动生成">
+            <a:extLst>
+              <a:ext uri="{FF2B5EF4-FFF2-40B4-BE49-F238E27FC236}">
+                <a16:creationId xmlns:a16="http://schemas.microsoft.com/office/drawing/2014/main" id="{2293A320-7991-0C0A-2BB7-BEBCA7E353ED}"/>
+              </a:ext>
+            </a:extLst>
+          </p:cNvPr>
+          <p:cNvPicPr>
+            <a:picLocks noChangeAspect="1"/>
+          </p:cNvPicPr>
+          <p:nvPr/>
+        </p:nvPicPr>
+        <p:blipFill>
+          <a:blip r:embed="rId5"/>
+          <a:stretch>
+            <a:fillRect/>
+          </a:stretch>
+        </p:blipFill>
+        <p:spPr>
+          <a:xfrm>
+            <a:off x="625539" y="2602935"/>
+            <a:ext cx="2665889" cy="1717388"/>
+          </a:xfrm>
+          <a:prstGeom prst="rect">
+            <a:avLst/>
+          </a:prstGeom>
+        </p:spPr>
+      </p:pic>
+      <p:pic>
+        <p:nvPicPr>
+          <p:cNvPr id="25" name="图片 24" descr="图表, 折线图&#10;&#10;描述已自动生成">
+            <a:extLst>
+              <a:ext uri="{FF2B5EF4-FFF2-40B4-BE49-F238E27FC236}">
+                <a16:creationId xmlns:a16="http://schemas.microsoft.com/office/drawing/2014/main" id="{DE5D75D5-4D7D-EE13-635A-C9929E280870}"/>
+              </a:ext>
+            </a:extLst>
+          </p:cNvPr>
+          <p:cNvPicPr>
+            <a:picLocks noChangeAspect="1"/>
+          </p:cNvPicPr>
+          <p:nvPr/>
+        </p:nvPicPr>
+        <p:blipFill>
+          <a:blip r:embed="rId6"/>
+          <a:stretch>
+            <a:fillRect/>
+          </a:stretch>
+        </p:blipFill>
+        <p:spPr>
+          <a:xfrm>
+            <a:off x="3684971" y="2602934"/>
+            <a:ext cx="2665889" cy="1717387"/>
+          </a:xfrm>
+          <a:prstGeom prst="rect">
+            <a:avLst/>
+          </a:prstGeom>
+        </p:spPr>
+      </p:pic>
+      <p:pic>
+        <p:nvPicPr>
+          <p:cNvPr id="27" name="图片 26" descr="图表, 折线图&#10;&#10;描述已自动生成">
+            <a:extLst>
+              <a:ext uri="{FF2B5EF4-FFF2-40B4-BE49-F238E27FC236}">
+                <a16:creationId xmlns:a16="http://schemas.microsoft.com/office/drawing/2014/main" id="{6BE9918B-8FAB-DA9B-FDD8-4EDE07CC47A8}"/>
+              </a:ext>
+            </a:extLst>
+          </p:cNvPr>
+          <p:cNvPicPr>
+            <a:picLocks noChangeAspect="1"/>
+          </p:cNvPicPr>
+          <p:nvPr/>
+        </p:nvPicPr>
+        <p:blipFill>
+          <a:blip r:embed="rId7"/>
+          <a:stretch>
+            <a:fillRect/>
+          </a:stretch>
+        </p:blipFill>
+        <p:spPr>
+          <a:xfrm>
+            <a:off x="6728885" y="2602933"/>
+            <a:ext cx="2665888" cy="1717387"/>
+          </a:xfrm>
+          <a:prstGeom prst="rect">
+            <a:avLst/>
+          </a:prstGeom>
+        </p:spPr>
+      </p:pic>
+      <p:sp>
+        <p:nvSpPr>
+          <p:cNvPr id="29" name="文本框 28">
+            <a:extLst>
+              <a:ext uri="{FF2B5EF4-FFF2-40B4-BE49-F238E27FC236}">
+                <a16:creationId xmlns:a16="http://schemas.microsoft.com/office/drawing/2014/main" id="{5628B892-0D5D-A548-D2D4-430BEDA79223}"/>
+              </a:ext>
+            </a:extLst>
+          </p:cNvPr>
+          <p:cNvSpPr txBox="1"/>
+          <p:nvPr/>
+        </p:nvSpPr>
+        <p:spPr>
+          <a:xfrm>
+            <a:off x="625539" y="4430333"/>
+            <a:ext cx="10881734" cy="2339102"/>
+          </a:xfrm>
+          <a:prstGeom prst="rect">
+            <a:avLst/>
+          </a:prstGeom>
+          <a:noFill/>
+        </p:spPr>
+        <p:txBody>
+          <a:bodyPr wrap="square" rtlCol="0">
+            <a:spAutoFit/>
+          </a:bodyPr>
+          <a:lstStyle/>
+          <a:p>
+            <a:r>
+              <a:rPr lang="en-US" altLang="zh-CN" sz="1600" dirty="0" err="1">
+                <a:latin typeface="Times New Roman" panose="02020603050405020304" pitchFamily="18" charset="0"/>
+                <a:cs typeface="Times New Roman" panose="02020603050405020304" pitchFamily="18" charset="0"/>
+              </a:rPr>
+              <a:t>calculate_purity</a:t>
+            </a:r>
+            <a:r>
+              <a:rPr lang="en-US" altLang="zh-CN" sz="1600" dirty="0">
+                <a:latin typeface="Times New Roman" panose="02020603050405020304" pitchFamily="18" charset="0"/>
+                <a:cs typeface="Times New Roman" panose="02020603050405020304" pitchFamily="18" charset="0"/>
+              </a:rPr>
+              <a:t>: Determine the purity of each cluster by calculating the proportion of the most common target labels in each cluster.</a:t>
+            </a:r>
+          </a:p>
+          <a:p>
+            <a:r>
+              <a:rPr lang="en-US" altLang="zh-CN" sz="1600" dirty="0" err="1">
+                <a:latin typeface="Times New Roman" panose="02020603050405020304" pitchFamily="18" charset="0"/>
+                <a:cs typeface="Times New Roman" panose="02020603050405020304" pitchFamily="18" charset="0"/>
+              </a:rPr>
+              <a:t>pure_clusters_fraction</a:t>
+            </a:r>
+            <a:r>
+              <a:rPr lang="en-US" altLang="zh-CN" sz="1600" dirty="0">
+                <a:latin typeface="Times New Roman" panose="02020603050405020304" pitchFamily="18" charset="0"/>
+                <a:cs typeface="Times New Roman" panose="02020603050405020304" pitchFamily="18" charset="0"/>
+              </a:rPr>
+              <a:t>: Calculate the proportion of clusters with perfect purity (purity of 1).</a:t>
+            </a:r>
+          </a:p>
+          <a:p>
+            <a:r>
+              <a:rPr lang="en-US" altLang="zh-CN" sz="1600" dirty="0" err="1">
+                <a:latin typeface="Times New Roman" panose="02020603050405020304" pitchFamily="18" charset="0"/>
+                <a:cs typeface="Times New Roman" panose="02020603050405020304" pitchFamily="18" charset="0"/>
+              </a:rPr>
+              <a:t>pure_cluster_retention</a:t>
+            </a:r>
+            <a:r>
+              <a:rPr lang="en-US" altLang="zh-CN" sz="1600" dirty="0">
+                <a:latin typeface="Times New Roman" panose="02020603050405020304" pitchFamily="18" charset="0"/>
+                <a:cs typeface="Times New Roman" panose="02020603050405020304" pitchFamily="18" charset="0"/>
+              </a:rPr>
+              <a:t>: Evaluates the proportion of samples in all data that belong to completely pure clusters.</a:t>
+            </a:r>
+            <a:endParaRPr lang="zh-CN" altLang="en-US" sz="1600" b="0" i="0" dirty="0">
+              <a:solidFill>
+                <a:srgbClr val="0D0D0D"/>
+              </a:solidFill>
+              <a:effectLst/>
+              <a:latin typeface="Times New Roman" panose="02020603050405020304" pitchFamily="18" charset="0"/>
+              <a:cs typeface="Times New Roman" panose="02020603050405020304" pitchFamily="18" charset="0"/>
+            </a:endParaRPr>
+          </a:p>
+          <a:p>
+            <a:r>
+              <a:rPr lang="en-US" altLang="zh-CN" sz="1600" b="0" i="0" dirty="0">
+                <a:solidFill>
+                  <a:srgbClr val="0D0D0D"/>
+                </a:solidFill>
+                <a:effectLst/>
+                <a:latin typeface="Times New Roman" panose="02020603050405020304" pitchFamily="18" charset="0"/>
+                <a:cs typeface="Times New Roman" panose="02020603050405020304" pitchFamily="18" charset="0"/>
+              </a:rPr>
+              <a:t>These six figures show the impact of cluster number on Purity Fraction, Purity Retention and NMI. It can be observed that as the number of clusters increases, Purity Fraction and NMI generally show an upward trend, indicating that the refinement of clustering helps to improve the consistency of clustering and the increase of NMI. Purity Retention increases slowly in some cases because although the number of high-purity clusters increases, the proportion of samples belonging to these clusters in the overall data does not necessarily increase significantly.</a:t>
+            </a:r>
+            <a:endParaRPr lang="zh-CN" altLang="en-US" sz="1600" dirty="0">
+              <a:latin typeface="Times New Roman" panose="02020603050405020304" pitchFamily="18" charset="0"/>
+              <a:cs typeface="Times New Roman" panose="02020603050405020304" pitchFamily="18" charset="0"/>
+            </a:endParaRPr>
+          </a:p>
+        </p:txBody>
+      </p:sp>
+    </p:spTree>
+    <p:extLst>
+      <p:ext uri="{BB962C8B-B14F-4D97-AF65-F5344CB8AC3E}">
+        <p14:creationId xmlns:p14="http://schemas.microsoft.com/office/powerpoint/2010/main" val="1500812702"/>
+      </p:ext>
+    </p:extLst>
+  </p:cSld>
+  <p:clrMapOvr>
+    <a:masterClrMapping/>
+  </p:clrMapOvr>
+</p:sld>
+</file>
+
+<file path=ppt/slides/slide12.xml><?xml version="1.0" encoding="utf-8"?>
+<p:sld xmlns:a="http://schemas.openxmlformats.org/drawingml/2006/main" xmlns:r="http://schemas.openxmlformats.org/officeDocument/2006/relationships" xmlns:p="http://schemas.openxmlformats.org/presentationml/2006/main">
+  <p:cSld>
+    <p:spTree>
+      <p:nvGrpSpPr>
+        <p:cNvPr id="1" name=""/>
+        <p:cNvGrpSpPr/>
+        <p:nvPr/>
+      </p:nvGrpSpPr>
+      <p:grpSpPr>
+        <a:xfrm>
+          <a:off x="0" y="0"/>
+          <a:ext cx="0" cy="0"/>
+          <a:chOff x="0" y="0"/>
+          <a:chExt cx="0" cy="0"/>
+        </a:xfrm>
+      </p:grpSpPr>
+      <p:sp>
+        <p:nvSpPr>
+          <p:cNvPr id="2" name="Title 1">
+            <a:extLst>
+              <a:ext uri="{FF2B5EF4-FFF2-40B4-BE49-F238E27FC236}">
                 <a16:creationId xmlns:a16="http://schemas.microsoft.com/office/drawing/2014/main" id="{D8A2CCAF-115E-5664-3704-23FB5C19A9A5}"/>
               </a:ext>
             </a:extLst>
@@ -5952,10 +6455,10 @@
       </p:grpSpPr>
       <p:sp>
         <p:nvSpPr>
-          <p:cNvPr id="2" name="Title 1">
-            <a:extLst>
-              <a:ext uri="{FF2B5EF4-FFF2-40B4-BE49-F238E27FC236}">
-                <a16:creationId xmlns:a16="http://schemas.microsoft.com/office/drawing/2014/main" id="{8FF5C523-683A-0BB4-7A9C-CFE3D1DC2C5B}"/>
+          <p:cNvPr id="2" name="标题 1">
+            <a:extLst>
+              <a:ext uri="{FF2B5EF4-FFF2-40B4-BE49-F238E27FC236}">
+                <a16:creationId xmlns:a16="http://schemas.microsoft.com/office/drawing/2014/main" id="{393CC19F-CA02-41DC-60DE-BDD34656347F}"/>
               </a:ext>
             </a:extLst>
           </p:cNvPr>
@@ -5966,26 +6469,32 @@
             <p:ph type="title"/>
           </p:nvPr>
         </p:nvSpPr>
-        <p:spPr/>
+        <p:spPr>
+          <a:xfrm>
+            <a:off x="761799" y="263560"/>
+            <a:ext cx="5390906" cy="934376"/>
+          </a:xfrm>
+        </p:spPr>
         <p:txBody>
           <a:bodyPr>
-            <a:normAutofit fontScale="90000"/>
+            <a:normAutofit/>
           </a:bodyPr>
           <a:lstStyle/>
           <a:p>
             <a:r>
-              <a:rPr lang="en-US" dirty="0"/>
-              <a:t>ANALYSIS ON DIMENSIONALITY REDUCTION OUTCOMES USE ABOUT 1-2 SLIDES</a:t>
-            </a:r>
-          </a:p>
-        </p:txBody>
-      </p:sp>
-      <p:sp>
-        <p:nvSpPr>
-          <p:cNvPr id="3" name="Content Placeholder 2">
-            <a:extLst>
-              <a:ext uri="{FF2B5EF4-FFF2-40B4-BE49-F238E27FC236}">
-                <a16:creationId xmlns:a16="http://schemas.microsoft.com/office/drawing/2014/main" id="{8912B0F5-80EF-6C0A-8582-2BDBEB8C57A6}"/>
+              <a:rPr lang="en-US" altLang="zh-CN" sz="2000" dirty="0"/>
+              <a:t>LEVENSHTEIN DISTANCE CALCULATION</a:t>
+            </a:r>
+            <a:endParaRPr lang="zh-CN" altLang="en-US" sz="2000" dirty="0"/>
+          </a:p>
+        </p:txBody>
+      </p:sp>
+      <p:sp>
+        <p:nvSpPr>
+          <p:cNvPr id="3" name="内容占位符 2">
+            <a:extLst>
+              <a:ext uri="{FF2B5EF4-FFF2-40B4-BE49-F238E27FC236}">
+                <a16:creationId xmlns:a16="http://schemas.microsoft.com/office/drawing/2014/main" id="{0352373B-40AE-5247-56DA-56B9AEBC446A}"/>
               </a:ext>
             </a:extLst>
           </p:cNvPr>
@@ -5996,25 +6505,380 @@
             <p:ph idx="1"/>
           </p:nvPr>
         </p:nvSpPr>
-        <p:spPr/>
-        <p:txBody>
-          <a:bodyPr/>
-          <a:lstStyle/>
-          <a:p>
-            <a:r>
-              <a:rPr lang="en-US" dirty="0"/>
-              <a:t>TO BE ADDED BY JIADONG AND TO BE EXPLAINED BY HIM IN THE PRESENTATION</a:t>
-            </a:r>
-          </a:p>
-          <a:p>
-            <a:endParaRPr lang="en-US" dirty="0"/>
+        <p:spPr>
+          <a:xfrm>
+            <a:off x="761799" y="1105786"/>
+            <a:ext cx="10381205" cy="5488653"/>
+          </a:xfrm>
+        </p:spPr>
+        <p:txBody>
+          <a:bodyPr>
+            <a:normAutofit fontScale="62500" lnSpcReduction="20000"/>
+          </a:bodyPr>
+          <a:lstStyle/>
+          <a:p>
+            <a:r>
+              <a:rPr lang="en-US" altLang="zh-CN" dirty="0">
+                <a:latin typeface="Times New Roman" panose="02020603050405020304" pitchFamily="18" charset="0"/>
+                <a:cs typeface="Times New Roman" panose="02020603050405020304" pitchFamily="18" charset="0"/>
+              </a:rPr>
+              <a:t>P</a:t>
+            </a:r>
+            <a:r>
+              <a:rPr lang="en-GB" altLang="zh-CN" dirty="0" err="1">
+                <a:latin typeface="Times New Roman" panose="02020603050405020304" pitchFamily="18" charset="0"/>
+                <a:cs typeface="Times New Roman" panose="02020603050405020304" pitchFamily="18" charset="0"/>
+              </a:rPr>
+              <a:t>rinciple</a:t>
+            </a:r>
+            <a:r>
+              <a:rPr lang="zh-CN" altLang="en-US" dirty="0">
+                <a:latin typeface="Times New Roman" panose="02020603050405020304" pitchFamily="18" charset="0"/>
+                <a:cs typeface="Times New Roman" panose="02020603050405020304" pitchFamily="18" charset="0"/>
+              </a:rPr>
+              <a:t>：</a:t>
+            </a:r>
+            <a:endParaRPr lang="en-US" altLang="zh-CN" dirty="0">
+              <a:latin typeface="Times New Roman" panose="02020603050405020304" pitchFamily="18" charset="0"/>
+              <a:cs typeface="Times New Roman" panose="02020603050405020304" pitchFamily="18" charset="0"/>
+            </a:endParaRPr>
+          </a:p>
+          <a:p>
+            <a:pPr>
+              <a:lnSpc>
+                <a:spcPct val="120000"/>
+              </a:lnSpc>
+            </a:pPr>
+            <a:r>
+              <a:rPr lang="en-US" altLang="zh-CN" dirty="0">
+                <a:latin typeface="Times New Roman" panose="02020603050405020304" pitchFamily="18" charset="0"/>
+                <a:cs typeface="Times New Roman" panose="02020603050405020304" pitchFamily="18" charset="0"/>
+              </a:rPr>
+              <a:t>The minimum number of single-character edits (insertions, deletions, or substitutions) required to convert one string into another.</a:t>
+            </a:r>
+          </a:p>
+          <a:p>
+            <a:pPr>
+              <a:lnSpc>
+                <a:spcPct val="120000"/>
+              </a:lnSpc>
+            </a:pPr>
+            <a:r>
+              <a:rPr lang="en-US" altLang="zh-CN" dirty="0">
+                <a:latin typeface="Times New Roman" panose="02020603050405020304" pitchFamily="18" charset="0"/>
+                <a:cs typeface="Times New Roman" panose="02020603050405020304" pitchFamily="18" charset="0"/>
+              </a:rPr>
+              <a:t>Create a matrix of size </a:t>
+            </a:r>
+            <a:r>
+              <a:rPr lang="en-US" altLang="zh-CN" b="1" i="1" dirty="0">
+                <a:latin typeface="Times New Roman" panose="02020603050405020304" pitchFamily="18" charset="0"/>
+                <a:cs typeface="Times New Roman" panose="02020603050405020304" pitchFamily="18" charset="0"/>
+              </a:rPr>
+              <a:t>(m+1) x (n+1)</a:t>
+            </a:r>
+            <a:r>
+              <a:rPr lang="en-US" altLang="zh-CN" dirty="0">
+                <a:latin typeface="Times New Roman" panose="02020603050405020304" pitchFamily="18" charset="0"/>
+                <a:cs typeface="Times New Roman" panose="02020603050405020304" pitchFamily="18" charset="0"/>
+              </a:rPr>
+              <a:t>, where m and n are the lengths of the two strings.</a:t>
+            </a:r>
+          </a:p>
+          <a:p>
+            <a:pPr>
+              <a:lnSpc>
+                <a:spcPct val="120000"/>
+              </a:lnSpc>
+            </a:pPr>
+            <a:r>
+              <a:rPr lang="en-US" altLang="zh-CN" dirty="0">
+                <a:latin typeface="Times New Roman" panose="02020603050405020304" pitchFamily="18" charset="0"/>
+                <a:cs typeface="Times New Roman" panose="02020603050405020304" pitchFamily="18" charset="0"/>
+              </a:rPr>
+              <a:t>If the two current characters are the same (i.e. the </a:t>
+            </a:r>
+            <a:r>
+              <a:rPr lang="en-US" altLang="zh-CN" dirty="0" err="1">
+                <a:latin typeface="Times New Roman" panose="02020603050405020304" pitchFamily="18" charset="0"/>
+                <a:cs typeface="Times New Roman" panose="02020603050405020304" pitchFamily="18" charset="0"/>
+              </a:rPr>
+              <a:t>i-th</a:t>
+            </a:r>
+            <a:r>
+              <a:rPr lang="en-US" altLang="zh-CN" dirty="0">
+                <a:latin typeface="Times New Roman" panose="02020603050405020304" pitchFamily="18" charset="0"/>
+                <a:cs typeface="Times New Roman" panose="02020603050405020304" pitchFamily="18" charset="0"/>
+              </a:rPr>
+              <a:t> character of the first string and the j-</a:t>
+            </a:r>
+            <a:r>
+              <a:rPr lang="en-US" altLang="zh-CN" dirty="0" err="1">
+                <a:latin typeface="Times New Roman" panose="02020603050405020304" pitchFamily="18" charset="0"/>
+                <a:cs typeface="Times New Roman" panose="02020603050405020304" pitchFamily="18" charset="0"/>
+              </a:rPr>
+              <a:t>th</a:t>
+            </a:r>
+            <a:r>
+              <a:rPr lang="en-US" altLang="zh-CN" dirty="0">
+                <a:latin typeface="Times New Roman" panose="02020603050405020304" pitchFamily="18" charset="0"/>
+                <a:cs typeface="Times New Roman" panose="02020603050405020304" pitchFamily="18" charset="0"/>
+              </a:rPr>
+              <a:t> character of the second string), then </a:t>
+            </a:r>
+            <a:r>
+              <a:rPr lang="pl-PL" altLang="zh-CN" b="1" i="1" dirty="0">
+                <a:latin typeface="Times New Roman" panose="02020603050405020304" pitchFamily="18" charset="0"/>
+                <a:cs typeface="Times New Roman" panose="02020603050405020304" pitchFamily="18" charset="0"/>
+              </a:rPr>
+              <a:t>d[i][j]=d[i−1][j−1] </a:t>
+            </a:r>
+            <a:r>
+              <a:rPr lang="en-US" altLang="zh-CN" dirty="0">
+                <a:latin typeface="Times New Roman" panose="02020603050405020304" pitchFamily="18" charset="0"/>
+                <a:cs typeface="Times New Roman" panose="02020603050405020304" pitchFamily="18" charset="0"/>
+              </a:rPr>
+              <a:t>(no additional editing is required).</a:t>
+            </a:r>
+          </a:p>
+          <a:p>
+            <a:pPr>
+              <a:lnSpc>
+                <a:spcPct val="120000"/>
+              </a:lnSpc>
+            </a:pPr>
+            <a:r>
+              <a:rPr lang="en-US" altLang="zh-CN" dirty="0">
+                <a:latin typeface="Times New Roman" panose="02020603050405020304" pitchFamily="18" charset="0"/>
+                <a:cs typeface="Times New Roman" panose="02020603050405020304" pitchFamily="18" charset="0"/>
+              </a:rPr>
+              <a:t>If different, choose the smallest edit distance among the three operations:</a:t>
+            </a:r>
+          </a:p>
+          <a:p>
+            <a:pPr>
+              <a:lnSpc>
+                <a:spcPct val="120000"/>
+              </a:lnSpc>
+            </a:pPr>
+            <a:r>
+              <a:rPr lang="en-US" altLang="zh-CN" dirty="0">
+                <a:latin typeface="Times New Roman" panose="02020603050405020304" pitchFamily="18" charset="0"/>
+                <a:cs typeface="Times New Roman" panose="02020603050405020304" pitchFamily="18" charset="0"/>
+              </a:rPr>
+              <a:t>Delete</a:t>
+            </a:r>
+            <a:r>
+              <a:rPr lang="en-US" altLang="zh-CN" b="1" i="1" dirty="0">
+                <a:latin typeface="Times New Roman" panose="02020603050405020304" pitchFamily="18" charset="0"/>
+                <a:cs typeface="Times New Roman" panose="02020603050405020304" pitchFamily="18" charset="0"/>
+              </a:rPr>
+              <a:t>: </a:t>
+            </a:r>
+            <a:r>
+              <a:rPr lang="zh-CN" altLang="en-US" b="1" i="1" dirty="0">
+                <a:latin typeface="Times New Roman" panose="02020603050405020304" pitchFamily="18" charset="0"/>
+                <a:cs typeface="Times New Roman" panose="02020603050405020304" pitchFamily="18" charset="0"/>
+              </a:rPr>
+              <a:t>𝑑 </a:t>
+            </a:r>
+            <a:r>
+              <a:rPr lang="en-US" altLang="zh-CN" b="1" i="1" dirty="0">
+                <a:latin typeface="Times New Roman" panose="02020603050405020304" pitchFamily="18" charset="0"/>
+                <a:cs typeface="Times New Roman" panose="02020603050405020304" pitchFamily="18" charset="0"/>
+              </a:rPr>
+              <a:t>[i−1][j]+1</a:t>
+            </a:r>
+          </a:p>
+          <a:p>
+            <a:pPr>
+              <a:lnSpc>
+                <a:spcPct val="120000"/>
+              </a:lnSpc>
+            </a:pPr>
+            <a:r>
+              <a:rPr lang="en-US" altLang="zh-CN" dirty="0">
+                <a:latin typeface="Times New Roman" panose="02020603050405020304" pitchFamily="18" charset="0"/>
+                <a:cs typeface="Times New Roman" panose="02020603050405020304" pitchFamily="18" charset="0"/>
+              </a:rPr>
+              <a:t>Insertion: </a:t>
+            </a:r>
+            <a:r>
+              <a:rPr lang="zh-CN" altLang="en-US" b="1" i="1" dirty="0">
+                <a:latin typeface="Times New Roman" panose="02020603050405020304" pitchFamily="18" charset="0"/>
+                <a:cs typeface="Times New Roman" panose="02020603050405020304" pitchFamily="18" charset="0"/>
+              </a:rPr>
+              <a:t>𝑑 </a:t>
+            </a:r>
+            <a:r>
+              <a:rPr lang="en-US" altLang="zh-CN" b="1" i="1" dirty="0">
+                <a:latin typeface="Times New Roman" panose="02020603050405020304" pitchFamily="18" charset="0"/>
+                <a:cs typeface="Times New Roman" panose="02020603050405020304" pitchFamily="18" charset="0"/>
+              </a:rPr>
+              <a:t>[</a:t>
+            </a:r>
+            <a:r>
+              <a:rPr lang="en-US" altLang="zh-CN" b="1" i="1" dirty="0" err="1">
+                <a:latin typeface="Times New Roman" panose="02020603050405020304" pitchFamily="18" charset="0"/>
+                <a:cs typeface="Times New Roman" panose="02020603050405020304" pitchFamily="18" charset="0"/>
+              </a:rPr>
+              <a:t>i</a:t>
+            </a:r>
+            <a:r>
+              <a:rPr lang="en-US" altLang="zh-CN" b="1" i="1" dirty="0">
+                <a:latin typeface="Times New Roman" panose="02020603050405020304" pitchFamily="18" charset="0"/>
+                <a:cs typeface="Times New Roman" panose="02020603050405020304" pitchFamily="18" charset="0"/>
+              </a:rPr>
+              <a:t>][j−1]+1</a:t>
+            </a:r>
+          </a:p>
+          <a:p>
+            <a:pPr>
+              <a:lnSpc>
+                <a:spcPct val="120000"/>
+              </a:lnSpc>
+            </a:pPr>
+            <a:r>
+              <a:rPr lang="en-US" altLang="zh-CN" dirty="0">
+                <a:latin typeface="Times New Roman" panose="02020603050405020304" pitchFamily="18" charset="0"/>
+                <a:cs typeface="Times New Roman" panose="02020603050405020304" pitchFamily="18" charset="0"/>
+              </a:rPr>
+              <a:t>Replacement: </a:t>
+            </a:r>
+            <a:r>
+              <a:rPr lang="zh-CN" altLang="en-US" b="1" i="1" dirty="0">
+                <a:latin typeface="Times New Roman" panose="02020603050405020304" pitchFamily="18" charset="0"/>
+                <a:cs typeface="Times New Roman" panose="02020603050405020304" pitchFamily="18" charset="0"/>
+              </a:rPr>
+              <a:t>𝑑 </a:t>
+            </a:r>
+            <a:r>
+              <a:rPr lang="en-US" altLang="zh-CN" b="1" i="1" dirty="0">
+                <a:latin typeface="Times New Roman" panose="02020603050405020304" pitchFamily="18" charset="0"/>
+                <a:cs typeface="Times New Roman" panose="02020603050405020304" pitchFamily="18" charset="0"/>
+              </a:rPr>
+              <a:t>[i−1][j−1]+1</a:t>
+            </a:r>
+          </a:p>
+          <a:p>
+            <a:pPr>
+              <a:lnSpc>
+                <a:spcPct val="120000"/>
+              </a:lnSpc>
+            </a:pPr>
+            <a:r>
+              <a:rPr lang="en-US" altLang="zh-CN" dirty="0">
+                <a:latin typeface="Times New Roman" panose="02020603050405020304" pitchFamily="18" charset="0"/>
+                <a:cs typeface="Times New Roman" panose="02020603050405020304" pitchFamily="18" charset="0"/>
+              </a:rPr>
+              <a:t>The last element of the matrix, d[m][n], contains the minimum number of edit operations required to convert the entire first string into the second string.</a:t>
+            </a:r>
+          </a:p>
+          <a:p>
+            <a:pPr>
+              <a:lnSpc>
+                <a:spcPct val="120000"/>
+              </a:lnSpc>
+            </a:pPr>
+            <a:r>
+              <a:rPr lang="en-GB" altLang="zh-CN" dirty="0">
+                <a:latin typeface="Times New Roman" panose="02020603050405020304" pitchFamily="18" charset="0"/>
+                <a:cs typeface="Times New Roman" panose="02020603050405020304" pitchFamily="18" charset="0"/>
+              </a:rPr>
+              <a:t>Advantage</a:t>
+            </a:r>
+            <a:r>
+              <a:rPr lang="zh-CN" altLang="en-US" dirty="0">
+                <a:latin typeface="Times New Roman" panose="02020603050405020304" pitchFamily="18" charset="0"/>
+                <a:cs typeface="Times New Roman" panose="02020603050405020304" pitchFamily="18" charset="0"/>
+              </a:rPr>
+              <a:t>：</a:t>
+            </a:r>
+            <a:endParaRPr lang="en-US" altLang="zh-CN" dirty="0">
+              <a:latin typeface="Times New Roman" panose="02020603050405020304" pitchFamily="18" charset="0"/>
+              <a:cs typeface="Times New Roman" panose="02020603050405020304" pitchFamily="18" charset="0"/>
+            </a:endParaRPr>
+          </a:p>
+          <a:p>
+            <a:pPr>
+              <a:lnSpc>
+                <a:spcPct val="120000"/>
+              </a:lnSpc>
+            </a:pPr>
+            <a:r>
+              <a:rPr lang="en-US" altLang="zh-CN" dirty="0">
+                <a:latin typeface="Times New Roman" panose="02020603050405020304" pitchFamily="18" charset="0"/>
+                <a:cs typeface="Times New Roman" panose="02020603050405020304" pitchFamily="18" charset="0"/>
+              </a:rPr>
+              <a:t>1. Simplicity and intuitiveness: The calculation of </a:t>
+            </a:r>
+            <a:r>
+              <a:rPr lang="en-US" altLang="zh-CN" dirty="0" err="1">
+                <a:latin typeface="Times New Roman" panose="02020603050405020304" pitchFamily="18" charset="0"/>
+                <a:cs typeface="Times New Roman" panose="02020603050405020304" pitchFamily="18" charset="0"/>
+              </a:rPr>
+              <a:t>Levenshtein</a:t>
+            </a:r>
+            <a:r>
+              <a:rPr lang="en-US" altLang="zh-CN" dirty="0">
+                <a:latin typeface="Times New Roman" panose="02020603050405020304" pitchFamily="18" charset="0"/>
+                <a:cs typeface="Times New Roman" panose="02020603050405020304" pitchFamily="18" charset="0"/>
+              </a:rPr>
+              <a:t> distance is based on three basic string operations: insertion, deletion and replacement.</a:t>
+            </a:r>
+          </a:p>
+          <a:p>
+            <a:pPr>
+              <a:lnSpc>
+                <a:spcPct val="120000"/>
+              </a:lnSpc>
+            </a:pPr>
+            <a:r>
+              <a:rPr lang="en-US" altLang="zh-CN" dirty="0">
+                <a:latin typeface="Times New Roman" panose="02020603050405020304" pitchFamily="18" charset="0"/>
+                <a:cs typeface="Times New Roman" panose="02020603050405020304" pitchFamily="18" charset="0"/>
+              </a:rPr>
+              <a:t>2. Computational efficiency: Although calculating the entire matrix requires high time complexity, by using dynamic programming, the calculation of </a:t>
+            </a:r>
+            <a:r>
+              <a:rPr lang="en-US" altLang="zh-CN" dirty="0" err="1">
+                <a:latin typeface="Times New Roman" panose="02020603050405020304" pitchFamily="18" charset="0"/>
+                <a:cs typeface="Times New Roman" panose="02020603050405020304" pitchFamily="18" charset="0"/>
+              </a:rPr>
+              <a:t>Levenshtein</a:t>
+            </a:r>
+            <a:r>
+              <a:rPr lang="en-US" altLang="zh-CN" dirty="0">
+                <a:latin typeface="Times New Roman" panose="02020603050405020304" pitchFamily="18" charset="0"/>
+                <a:cs typeface="Times New Roman" panose="02020603050405020304" pitchFamily="18" charset="0"/>
+              </a:rPr>
+              <a:t> distance can achieve acceptable execution speed through appropriate optimization.</a:t>
+            </a:r>
+          </a:p>
+          <a:p>
+            <a:pPr>
+              <a:lnSpc>
+                <a:spcPct val="120000"/>
+              </a:lnSpc>
+            </a:pPr>
+            <a:r>
+              <a:rPr lang="en-US" altLang="zh-CN" dirty="0">
+                <a:latin typeface="Times New Roman" panose="02020603050405020304" pitchFamily="18" charset="0"/>
+                <a:cs typeface="Times New Roman" panose="02020603050405020304" pitchFamily="18" charset="0"/>
+              </a:rPr>
+              <a:t>3. Wide range of applicability: This method can not only be applied to text data, but can also be extended to any data type that can be serialized.</a:t>
+            </a:r>
+            <a:endParaRPr lang="zh-CN" altLang="en-US" dirty="0">
+              <a:latin typeface="Times New Roman" panose="02020603050405020304" pitchFamily="18" charset="0"/>
+              <a:cs typeface="Times New Roman" panose="02020603050405020304" pitchFamily="18" charset="0"/>
+            </a:endParaRPr>
           </a:p>
         </p:txBody>
       </p:sp>
     </p:spTree>
     <p:extLst>
       <p:ext uri="{BB962C8B-B14F-4D97-AF65-F5344CB8AC3E}">
-        <p14:creationId xmlns:p14="http://schemas.microsoft.com/office/powerpoint/2010/main" val="2616143390"/>
+        <p14:creationId xmlns:p14="http://schemas.microsoft.com/office/powerpoint/2010/main" val="3224059382"/>
       </p:ext>
     </p:extLst>
   </p:cSld>
@@ -6046,7 +6910,7 @@
           <p:cNvPr id="2" name="Title 1">
             <a:extLst>
               <a:ext uri="{FF2B5EF4-FFF2-40B4-BE49-F238E27FC236}">
-                <a16:creationId xmlns:a16="http://schemas.microsoft.com/office/drawing/2014/main" id="{A5EBCF6C-F3B7-D40C-4116-938723043DC0}"/>
+                <a16:creationId xmlns:a16="http://schemas.microsoft.com/office/drawing/2014/main" id="{8FF5C523-683A-0BB4-7A9C-CFE3D1DC2C5B}"/>
               </a:ext>
             </a:extLst>
           </p:cNvPr>
@@ -6066,7 +6930,7 @@
           <a:p>
             <a:r>
               <a:rPr lang="en-US" dirty="0"/>
-              <a:t>1 SLIDE ANALYSIS ON CLUSTERING RESULTS</a:t>
+              <a:t>ANALYSIS ON DIMENSIONALITY REDUCTION OUTCOMES USE ABOUT 1-2 SLIDES</a:t>
             </a:r>
           </a:p>
         </p:txBody>
@@ -6076,7 +6940,7 @@
           <p:cNvPr id="3" name="Content Placeholder 2">
             <a:extLst>
               <a:ext uri="{FF2B5EF4-FFF2-40B4-BE49-F238E27FC236}">
-                <a16:creationId xmlns:a16="http://schemas.microsoft.com/office/drawing/2014/main" id="{502B6705-E1B7-84F3-6D9A-BA8C0DB780B8}"/>
+                <a16:creationId xmlns:a16="http://schemas.microsoft.com/office/drawing/2014/main" id="{8912B0F5-80EF-6C0A-8582-2BDBEB8C57A6}"/>
               </a:ext>
             </a:extLst>
           </p:cNvPr>
@@ -6094,15 +6958,18 @@
           <a:p>
             <a:r>
               <a:rPr lang="en-US" dirty="0"/>
-              <a:t>CLUSTERING RESULTS (DBSCAN)TO BE ADDED HERE AND EXPLAINED BY JIADONG</a:t>
-            </a:r>
+              <a:t>TO BE ADDED BY JIADONG AND TO BE EXPLAINED BY HIM IN THE PRESENTATION</a:t>
+            </a:r>
+          </a:p>
+          <a:p>
+            <a:endParaRPr lang="en-US" dirty="0"/>
           </a:p>
         </p:txBody>
       </p:sp>
     </p:spTree>
     <p:extLst>
       <p:ext uri="{BB962C8B-B14F-4D97-AF65-F5344CB8AC3E}">
-        <p14:creationId xmlns:p14="http://schemas.microsoft.com/office/powerpoint/2010/main" val="3384461454"/>
+        <p14:creationId xmlns:p14="http://schemas.microsoft.com/office/powerpoint/2010/main" val="2616143390"/>
       </p:ext>
     </p:extLst>
   </p:cSld>
@@ -6182,7 +7049,7 @@
           <a:p>
             <a:r>
               <a:rPr lang="en-US" dirty="0"/>
-              <a:t>CLUSTERING RESULTS (AGGLOMERATIVE)TO BE ADDED HERE AND EXPLAINED BY FANGNAN</a:t>
+              <a:t>CLUSTERING RESULTS (DBSCAN)TO BE ADDED HERE AND EXPLAINED BY JIADONG</a:t>
             </a:r>
           </a:p>
         </p:txBody>
@@ -6190,7 +7057,7 @@
     </p:spTree>
     <p:extLst>
       <p:ext uri="{BB962C8B-B14F-4D97-AF65-F5344CB8AC3E}">
-        <p14:creationId xmlns:p14="http://schemas.microsoft.com/office/powerpoint/2010/main" val="722228977"/>
+        <p14:creationId xmlns:p14="http://schemas.microsoft.com/office/powerpoint/2010/main" val="3384461454"/>
       </p:ext>
     </p:extLst>
   </p:cSld>

--- a/summative presentation/Summative Oral Presentation-Group 4.pptx
+++ b/summative presentation/Summative Oral Presentation-Group 4.pptx
@@ -136,7 +136,7 @@
   <pc:docChgLst>
     <pc:chgData name="Fangnan Wei" userId="1c1d01cd-2500-49b1-abd0-d9b9393f4555" providerId="ADAL" clId="{A52F8CC4-C187-42A6-8D2F-EA89B8D623D8}"/>
     <pc:docChg chg="addSld delSld modSld">
-      <pc:chgData name="Fangnan Wei" userId="1c1d01cd-2500-49b1-abd0-d9b9393f4555" providerId="ADAL" clId="{A52F8CC4-C187-42A6-8D2F-EA89B8D623D8}" dt="2024-05-07T21:16:59.504" v="11" actId="2696"/>
+      <pc:chgData name="Fangnan Wei" userId="1c1d01cd-2500-49b1-abd0-d9b9393f4555" providerId="ADAL" clId="{A52F8CC4-C187-42A6-8D2F-EA89B8D623D8}" dt="2024-05-08T12:29:25.385" v="48" actId="1035"/>
       <pc:docMkLst>
         <pc:docMk/>
       </pc:docMkLst>
@@ -177,12 +177,68 @@
           <pc:sldMk cId="3520050958" sldId="268"/>
         </pc:sldMkLst>
       </pc:sldChg>
-      <pc:sldChg chg="add">
-        <pc:chgData name="Fangnan Wei" userId="1c1d01cd-2500-49b1-abd0-d9b9393f4555" providerId="ADAL" clId="{A52F8CC4-C187-42A6-8D2F-EA89B8D623D8}" dt="2024-05-07T21:16:55.985" v="10"/>
+      <pc:sldChg chg="modSp add mod">
+        <pc:chgData name="Fangnan Wei" userId="1c1d01cd-2500-49b1-abd0-d9b9393f4555" providerId="ADAL" clId="{A52F8CC4-C187-42A6-8D2F-EA89B8D623D8}" dt="2024-05-08T12:29:25.385" v="48" actId="1035"/>
         <pc:sldMkLst>
           <pc:docMk/>
           <pc:sldMk cId="1500812702" sldId="269"/>
         </pc:sldMkLst>
+        <pc:spChg chg="mod">
+          <ac:chgData name="Fangnan Wei" userId="1c1d01cd-2500-49b1-abd0-d9b9393f4555" providerId="ADAL" clId="{A52F8CC4-C187-42A6-8D2F-EA89B8D623D8}" dt="2024-05-08T12:29:25.385" v="48" actId="1035"/>
+          <ac:spMkLst>
+            <pc:docMk/>
+            <pc:sldMk cId="1500812702" sldId="269"/>
+            <ac:spMk id="29" creationId="{5628B892-0D5D-A548-D2D4-430BEDA79223}"/>
+          </ac:spMkLst>
+        </pc:spChg>
+        <pc:picChg chg="mod">
+          <ac:chgData name="Fangnan Wei" userId="1c1d01cd-2500-49b1-abd0-d9b9393f4555" providerId="ADAL" clId="{A52F8CC4-C187-42A6-8D2F-EA89B8D623D8}" dt="2024-05-08T12:29:21.070" v="42" actId="1035"/>
+          <ac:picMkLst>
+            <pc:docMk/>
+            <pc:sldMk cId="1500812702" sldId="269"/>
+            <ac:picMk id="17" creationId="{0F2EA432-3261-A558-F2AE-2DC2145B1597}"/>
+          </ac:picMkLst>
+        </pc:picChg>
+        <pc:picChg chg="mod">
+          <ac:chgData name="Fangnan Wei" userId="1c1d01cd-2500-49b1-abd0-d9b9393f4555" providerId="ADAL" clId="{A52F8CC4-C187-42A6-8D2F-EA89B8D623D8}" dt="2024-05-08T12:29:21.070" v="42" actId="1035"/>
+          <ac:picMkLst>
+            <pc:docMk/>
+            <pc:sldMk cId="1500812702" sldId="269"/>
+            <ac:picMk id="19" creationId="{769996E1-AA65-3757-3B40-1BBBE93EB3FC}"/>
+          </ac:picMkLst>
+        </pc:picChg>
+        <pc:picChg chg="mod">
+          <ac:chgData name="Fangnan Wei" userId="1c1d01cd-2500-49b1-abd0-d9b9393f4555" providerId="ADAL" clId="{A52F8CC4-C187-42A6-8D2F-EA89B8D623D8}" dt="2024-05-08T12:29:21.070" v="42" actId="1035"/>
+          <ac:picMkLst>
+            <pc:docMk/>
+            <pc:sldMk cId="1500812702" sldId="269"/>
+            <ac:picMk id="21" creationId="{E7485E84-8291-D12B-27A4-879963369A76}"/>
+          </ac:picMkLst>
+        </pc:picChg>
+        <pc:picChg chg="mod">
+          <ac:chgData name="Fangnan Wei" userId="1c1d01cd-2500-49b1-abd0-d9b9393f4555" providerId="ADAL" clId="{A52F8CC4-C187-42A6-8D2F-EA89B8D623D8}" dt="2024-05-08T12:29:21.070" v="42" actId="1035"/>
+          <ac:picMkLst>
+            <pc:docMk/>
+            <pc:sldMk cId="1500812702" sldId="269"/>
+            <ac:picMk id="23" creationId="{2293A320-7991-0C0A-2BB7-BEBCA7E353ED}"/>
+          </ac:picMkLst>
+        </pc:picChg>
+        <pc:picChg chg="mod">
+          <ac:chgData name="Fangnan Wei" userId="1c1d01cd-2500-49b1-abd0-d9b9393f4555" providerId="ADAL" clId="{A52F8CC4-C187-42A6-8D2F-EA89B8D623D8}" dt="2024-05-08T12:29:21.070" v="42" actId="1035"/>
+          <ac:picMkLst>
+            <pc:docMk/>
+            <pc:sldMk cId="1500812702" sldId="269"/>
+            <ac:picMk id="25" creationId="{DE5D75D5-4D7D-EE13-635A-C9929E280870}"/>
+          </ac:picMkLst>
+        </pc:picChg>
+        <pc:picChg chg="mod">
+          <ac:chgData name="Fangnan Wei" userId="1c1d01cd-2500-49b1-abd0-d9b9393f4555" providerId="ADAL" clId="{A52F8CC4-C187-42A6-8D2F-EA89B8D623D8}" dt="2024-05-08T12:29:21.070" v="42" actId="1035"/>
+          <ac:picMkLst>
+            <pc:docMk/>
+            <pc:sldMk cId="1500812702" sldId="269"/>
+            <ac:picMk id="27" creationId="{6BE9918B-8FAB-DA9B-FDD8-4EDE07CC47A8}"/>
+          </ac:picMkLst>
+        </pc:picChg>
       </pc:sldChg>
     </pc:docChg>
   </pc:docChgLst>
@@ -446,7 +502,7 @@
           <a:p>
             <a:fld id="{3341EE12-F28E-4B03-A404-A8FCAE0F6316}" type="datetime1">
               <a:rPr lang="en-US" smtClean="0"/>
-              <a:t>5/7/2024</a:t>
+              <a:t>5/8/2024</a:t>
             </a:fld>
             <a:endParaRPr lang="en-US" dirty="0"/>
           </a:p>
@@ -731,7 +787,7 @@
           <a:p>
             <a:fld id="{B68B8189-0D9C-48A6-9FA3-862227B094CE}" type="datetime1">
               <a:rPr lang="en-US" smtClean="0"/>
-              <a:t>5/7/2024</a:t>
+              <a:t>5/8/2024</a:t>
             </a:fld>
             <a:endParaRPr lang="en-US"/>
           </a:p>
@@ -1095,7 +1151,7 @@
           <a:p>
             <a:fld id="{26ADDCAE-6443-42C3-9C19-F95985500186}" type="datetime1">
               <a:rPr lang="en-US" smtClean="0"/>
-              <a:t>5/7/2024</a:t>
+              <a:t>5/8/2024</a:t>
             </a:fld>
             <a:endParaRPr lang="en-US" dirty="0"/>
           </a:p>
@@ -1357,7 +1413,7 @@
           <a:p>
             <a:fld id="{1962799E-EB8E-4038-8063-81BB57C732D4}" type="datetime1">
               <a:rPr lang="en-US" smtClean="0"/>
-              <a:t>5/7/2024</a:t>
+              <a:t>5/8/2024</a:t>
             </a:fld>
             <a:endParaRPr lang="en-US"/>
           </a:p>
@@ -1787,7 +1843,7 @@
           <a:p>
             <a:fld id="{217A73C3-B243-44D3-809D-EF8FDFBD85D4}" type="datetime1">
               <a:rPr lang="en-US" smtClean="0"/>
-              <a:t>5/7/2024</a:t>
+              <a:t>5/8/2024</a:t>
             </a:fld>
             <a:endParaRPr lang="en-US" dirty="0"/>
           </a:p>
@@ -2118,7 +2174,7 @@
           <a:p>
             <a:fld id="{C9B6D3E3-28E2-4380-A113-67698215C5F8}" type="datetime1">
               <a:rPr lang="en-US" smtClean="0"/>
-              <a:t>5/7/2024</a:t>
+              <a:t>5/8/2024</a:t>
             </a:fld>
             <a:endParaRPr lang="en-US" dirty="0"/>
           </a:p>
@@ -2551,7 +2607,7 @@
           <a:p>
             <a:fld id="{A9EFCB61-04AD-47C9-BF79-2BD8B9CEC07A}" type="datetime1">
               <a:rPr lang="en-US" smtClean="0"/>
-              <a:t>5/7/2024</a:t>
+              <a:t>5/8/2024</a:t>
             </a:fld>
             <a:endParaRPr lang="en-US" dirty="0"/>
           </a:p>
@@ -2703,7 +2759,7 @@
           <a:p>
             <a:fld id="{A4535E0C-D585-492F-8146-7493F4086301}" type="datetime1">
               <a:rPr lang="en-US" smtClean="0"/>
-              <a:t>5/7/2024</a:t>
+              <a:t>5/8/2024</a:t>
             </a:fld>
             <a:endParaRPr lang="en-US"/>
           </a:p>
@@ -2866,7 +2922,7 @@
           <a:p>
             <a:fld id="{8CE48390-48B5-49AB-B019-A7C8FB8C31F6}" type="datetime1">
               <a:rPr lang="en-US" smtClean="0"/>
-              <a:t>5/7/2024</a:t>
+              <a:t>5/8/2024</a:t>
             </a:fld>
             <a:endParaRPr lang="en-US"/>
           </a:p>
@@ -3395,7 +3451,7 @@
           <a:p>
             <a:fld id="{962E767E-8A14-4E70-91B9-2101CBC4D7BD}" type="datetime1">
               <a:rPr lang="en-US" smtClean="0"/>
-              <a:t>5/7/2024</a:t>
+              <a:t>5/8/2024</a:t>
             </a:fld>
             <a:endParaRPr lang="en-US" dirty="0"/>
           </a:p>
@@ -3916,7 +3972,7 @@
           <a:p>
             <a:fld id="{01AF0C4B-5A4A-45CA-ABEC-10F107160D33}" type="datetime1">
               <a:rPr lang="en-US" smtClean="0"/>
-              <a:t>5/7/2024</a:t>
+              <a:t>5/8/2024</a:t>
             </a:fld>
             <a:endParaRPr lang="en-US" dirty="0"/>
           </a:p>
@@ -4466,7 +4522,7 @@
           <a:p>
             <a:fld id="{6989806E-8E94-473C-AEE7-BE6F15F85533}" type="datetime1">
               <a:rPr lang="en-US" smtClean="0"/>
-              <a:t>5/7/2024</a:t>
+              <a:t>5/8/2024</a:t>
             </a:fld>
             <a:endParaRPr lang="en-US" dirty="0"/>
           </a:p>
@@ -5641,7 +5697,7 @@
         </p:blipFill>
         <p:spPr>
           <a:xfrm>
-            <a:off x="637292" y="885552"/>
+            <a:off x="637292" y="665822"/>
             <a:ext cx="2665889" cy="1717388"/>
           </a:xfrm>
         </p:spPr>
@@ -5668,7 +5724,7 @@
         </p:blipFill>
         <p:spPr>
           <a:xfrm>
-            <a:off x="3688965" y="885548"/>
+            <a:off x="3688965" y="665818"/>
             <a:ext cx="2665889" cy="1717387"/>
           </a:xfrm>
           <a:prstGeom prst="rect">
@@ -5698,7 +5754,7 @@
         </p:blipFill>
         <p:spPr>
           <a:xfrm>
-            <a:off x="6740638" y="885547"/>
+            <a:off x="6740638" y="665817"/>
             <a:ext cx="2665889" cy="1717387"/>
           </a:xfrm>
           <a:prstGeom prst="rect">
@@ -5728,7 +5784,7 @@
         </p:blipFill>
         <p:spPr>
           <a:xfrm>
-            <a:off x="625539" y="2602935"/>
+            <a:off x="625539" y="2383205"/>
             <a:ext cx="2665889" cy="1717388"/>
           </a:xfrm>
           <a:prstGeom prst="rect">
@@ -5758,7 +5814,7 @@
         </p:blipFill>
         <p:spPr>
           <a:xfrm>
-            <a:off x="3684971" y="2602934"/>
+            <a:off x="3684971" y="2383204"/>
             <a:ext cx="2665889" cy="1717387"/>
           </a:xfrm>
           <a:prstGeom prst="rect">
@@ -5788,7 +5844,7 @@
         </p:blipFill>
         <p:spPr>
           <a:xfrm>
-            <a:off x="6728885" y="2602933"/>
+            <a:off x="6728885" y="2383203"/>
             <a:ext cx="2665888" cy="1717387"/>
           </a:xfrm>
           <a:prstGeom prst="rect">
@@ -5810,8 +5866,8 @@
         </p:nvSpPr>
         <p:spPr>
           <a:xfrm>
-            <a:off x="625539" y="4430333"/>
-            <a:ext cx="10881734" cy="2339102"/>
+            <a:off x="625539" y="4277789"/>
+            <a:ext cx="10881734" cy="2554545"/>
           </a:xfrm>
           <a:prstGeom prst="rect">
             <a:avLst/>
@@ -5870,6 +5926,8 @@
               </a:rPr>
               <a:t>: Evaluates the proportion of samples in all data that belong to completely pure clusters.</a:t>
             </a:r>
+          </a:p>
+          <a:p>
             <a:endParaRPr lang="zh-CN" altLang="en-US" sz="1600" b="0" i="0" dirty="0">
               <a:solidFill>
                 <a:srgbClr val="0D0D0D"/>

--- a/summative presentation/Summative Oral Presentation-Group 4.pptx
+++ b/summative presentation/Summative Oral Presentation-Group 4.pptx
@@ -4,19 +4,31 @@
   <p:sldMasterIdLst>
     <p:sldMasterId id="2147483738" r:id="rId1"/>
   </p:sldMasterIdLst>
+  <p:notesMasterIdLst>
+    <p:notesMasterId r:id="rId23"/>
+  </p:notesMasterIdLst>
   <p:sldIdLst>
     <p:sldId id="256" r:id="rId2"/>
-    <p:sldId id="257" r:id="rId3"/>
-    <p:sldId id="258" r:id="rId4"/>
-    <p:sldId id="265" r:id="rId5"/>
-    <p:sldId id="260" r:id="rId6"/>
-    <p:sldId id="262" r:id="rId7"/>
+    <p:sldId id="270" r:id="rId3"/>
+    <p:sldId id="271" r:id="rId4"/>
+    <p:sldId id="266" r:id="rId5"/>
+    <p:sldId id="265" r:id="rId6"/>
+    <p:sldId id="260" r:id="rId7"/>
     <p:sldId id="267" r:id="rId8"/>
-    <p:sldId id="259" r:id="rId9"/>
-    <p:sldId id="263" r:id="rId10"/>
-    <p:sldId id="261" r:id="rId11"/>
-    <p:sldId id="269" r:id="rId12"/>
-    <p:sldId id="264" r:id="rId13"/>
+    <p:sldId id="277" r:id="rId9"/>
+    <p:sldId id="278" r:id="rId10"/>
+    <p:sldId id="279" r:id="rId11"/>
+    <p:sldId id="280" r:id="rId12"/>
+    <p:sldId id="281" r:id="rId13"/>
+    <p:sldId id="282" r:id="rId14"/>
+    <p:sldId id="268" r:id="rId15"/>
+    <p:sldId id="269" r:id="rId16"/>
+    <p:sldId id="264" r:id="rId17"/>
+    <p:sldId id="273" r:id="rId18"/>
+    <p:sldId id="275" r:id="rId19"/>
+    <p:sldId id="276" r:id="rId20"/>
+    <p:sldId id="272" r:id="rId21"/>
+    <p:sldId id="274" r:id="rId22"/>
   </p:sldIdLst>
   <p:sldSz cx="12192000" cy="6858000"/>
   <p:notesSz cx="6858000" cy="9144000"/>
@@ -136,7 +148,7 @@
   <pc:docChgLst>
     <pc:chgData name="Fangnan Wei" userId="1c1d01cd-2500-49b1-abd0-d9b9393f4555" providerId="ADAL" clId="{A52F8CC4-C187-42A6-8D2F-EA89B8D623D8}"/>
     <pc:docChg chg="addSld delSld modSld">
-      <pc:chgData name="Fangnan Wei" userId="1c1d01cd-2500-49b1-abd0-d9b9393f4555" providerId="ADAL" clId="{A52F8CC4-C187-42A6-8D2F-EA89B8D623D8}" dt="2024-05-08T12:29:25.385" v="48" actId="1035"/>
+      <pc:chgData name="Fangnan Wei" userId="1c1d01cd-2500-49b1-abd0-d9b9393f4555" providerId="ADAL" clId="{A52F8CC4-C187-42A6-8D2F-EA89B8D623D8}" dt="2024-05-07T21:16:59.504" v="11" actId="2696"/>
       <pc:docMkLst>
         <pc:docMk/>
       </pc:docMkLst>
@@ -177,72 +189,454 @@
           <pc:sldMk cId="3520050958" sldId="268"/>
         </pc:sldMkLst>
       </pc:sldChg>
-      <pc:sldChg chg="modSp add mod">
-        <pc:chgData name="Fangnan Wei" userId="1c1d01cd-2500-49b1-abd0-d9b9393f4555" providerId="ADAL" clId="{A52F8CC4-C187-42A6-8D2F-EA89B8D623D8}" dt="2024-05-08T12:29:25.385" v="48" actId="1035"/>
+      <pc:sldChg chg="add">
+        <pc:chgData name="Fangnan Wei" userId="1c1d01cd-2500-49b1-abd0-d9b9393f4555" providerId="ADAL" clId="{A52F8CC4-C187-42A6-8D2F-EA89B8D623D8}" dt="2024-05-07T21:16:55.985" v="10"/>
         <pc:sldMkLst>
           <pc:docMk/>
           <pc:sldMk cId="1500812702" sldId="269"/>
         </pc:sldMkLst>
-        <pc:spChg chg="mod">
-          <ac:chgData name="Fangnan Wei" userId="1c1d01cd-2500-49b1-abd0-d9b9393f4555" providerId="ADAL" clId="{A52F8CC4-C187-42A6-8D2F-EA89B8D623D8}" dt="2024-05-08T12:29:25.385" v="48" actId="1035"/>
-          <ac:spMkLst>
-            <pc:docMk/>
-            <pc:sldMk cId="1500812702" sldId="269"/>
-            <ac:spMk id="29" creationId="{5628B892-0D5D-A548-D2D4-430BEDA79223}"/>
-          </ac:spMkLst>
-        </pc:spChg>
-        <pc:picChg chg="mod">
-          <ac:chgData name="Fangnan Wei" userId="1c1d01cd-2500-49b1-abd0-d9b9393f4555" providerId="ADAL" clId="{A52F8CC4-C187-42A6-8D2F-EA89B8D623D8}" dt="2024-05-08T12:29:21.070" v="42" actId="1035"/>
-          <ac:picMkLst>
-            <pc:docMk/>
-            <pc:sldMk cId="1500812702" sldId="269"/>
-            <ac:picMk id="17" creationId="{0F2EA432-3261-A558-F2AE-2DC2145B1597}"/>
-          </ac:picMkLst>
-        </pc:picChg>
-        <pc:picChg chg="mod">
-          <ac:chgData name="Fangnan Wei" userId="1c1d01cd-2500-49b1-abd0-d9b9393f4555" providerId="ADAL" clId="{A52F8CC4-C187-42A6-8D2F-EA89B8D623D8}" dt="2024-05-08T12:29:21.070" v="42" actId="1035"/>
-          <ac:picMkLst>
-            <pc:docMk/>
-            <pc:sldMk cId="1500812702" sldId="269"/>
-            <ac:picMk id="19" creationId="{769996E1-AA65-3757-3B40-1BBBE93EB3FC}"/>
-          </ac:picMkLst>
-        </pc:picChg>
-        <pc:picChg chg="mod">
-          <ac:chgData name="Fangnan Wei" userId="1c1d01cd-2500-49b1-abd0-d9b9393f4555" providerId="ADAL" clId="{A52F8CC4-C187-42A6-8D2F-EA89B8D623D8}" dt="2024-05-08T12:29:21.070" v="42" actId="1035"/>
-          <ac:picMkLst>
-            <pc:docMk/>
-            <pc:sldMk cId="1500812702" sldId="269"/>
-            <ac:picMk id="21" creationId="{E7485E84-8291-D12B-27A4-879963369A76}"/>
-          </ac:picMkLst>
-        </pc:picChg>
-        <pc:picChg chg="mod">
-          <ac:chgData name="Fangnan Wei" userId="1c1d01cd-2500-49b1-abd0-d9b9393f4555" providerId="ADAL" clId="{A52F8CC4-C187-42A6-8D2F-EA89B8D623D8}" dt="2024-05-08T12:29:21.070" v="42" actId="1035"/>
-          <ac:picMkLst>
-            <pc:docMk/>
-            <pc:sldMk cId="1500812702" sldId="269"/>
-            <ac:picMk id="23" creationId="{2293A320-7991-0C0A-2BB7-BEBCA7E353ED}"/>
-          </ac:picMkLst>
-        </pc:picChg>
-        <pc:picChg chg="mod">
-          <ac:chgData name="Fangnan Wei" userId="1c1d01cd-2500-49b1-abd0-d9b9393f4555" providerId="ADAL" clId="{A52F8CC4-C187-42A6-8D2F-EA89B8D623D8}" dt="2024-05-08T12:29:21.070" v="42" actId="1035"/>
-          <ac:picMkLst>
-            <pc:docMk/>
-            <pc:sldMk cId="1500812702" sldId="269"/>
-            <ac:picMk id="25" creationId="{DE5D75D5-4D7D-EE13-635A-C9929E280870}"/>
-          </ac:picMkLst>
-        </pc:picChg>
-        <pc:picChg chg="mod">
-          <ac:chgData name="Fangnan Wei" userId="1c1d01cd-2500-49b1-abd0-d9b9393f4555" providerId="ADAL" clId="{A52F8CC4-C187-42A6-8D2F-EA89B8D623D8}" dt="2024-05-08T12:29:21.070" v="42" actId="1035"/>
-          <ac:picMkLst>
-            <pc:docMk/>
-            <pc:sldMk cId="1500812702" sldId="269"/>
-            <ac:picMk id="27" creationId="{6BE9918B-8FAB-DA9B-FDD8-4EDE07CC47A8}"/>
-          </ac:picMkLst>
-        </pc:picChg>
       </pc:sldChg>
     </pc:docChg>
   </pc:docChgLst>
 </pc:chgInfo>
+</file>
+
+<file path=ppt/notesMasters/notesMaster1.xml><?xml version="1.0" encoding="utf-8"?>
+<p:notesMaster xmlns:a="http://schemas.openxmlformats.org/drawingml/2006/main" xmlns:r="http://schemas.openxmlformats.org/officeDocument/2006/relationships" xmlns:p="http://schemas.openxmlformats.org/presentationml/2006/main">
+  <p:cSld>
+    <p:bg>
+      <p:bgRef idx="1001">
+        <a:schemeClr val="bg1"/>
+      </p:bgRef>
+    </p:bg>
+    <p:spTree>
+      <p:nvGrpSpPr>
+        <p:cNvPr id="1" name=""/>
+        <p:cNvGrpSpPr/>
+        <p:nvPr/>
+      </p:nvGrpSpPr>
+      <p:grpSpPr>
+        <a:xfrm>
+          <a:off x="0" y="0"/>
+          <a:ext cx="0" cy="0"/>
+          <a:chOff x="0" y="0"/>
+          <a:chExt cx="0" cy="0"/>
+        </a:xfrm>
+      </p:grpSpPr>
+      <p:sp>
+        <p:nvSpPr>
+          <p:cNvPr id="2" name="Header Placeholder 1"/>
+          <p:cNvSpPr>
+            <a:spLocks noGrp="1"/>
+          </p:cNvSpPr>
+          <p:nvPr>
+            <p:ph type="hdr" sz="quarter"/>
+          </p:nvPr>
+        </p:nvSpPr>
+        <p:spPr>
+          <a:xfrm>
+            <a:off x="0" y="0"/>
+            <a:ext cx="2971800" cy="458788"/>
+          </a:xfrm>
+          <a:prstGeom prst="rect">
+            <a:avLst/>
+          </a:prstGeom>
+        </p:spPr>
+        <p:txBody>
+          <a:bodyPr vert="horz" lIns="91440" tIns="45720" rIns="91440" bIns="45720" rtlCol="0"/>
+          <a:lstStyle>
+            <a:lvl1pPr algn="l">
+              <a:defRPr sz="1200"/>
+            </a:lvl1pPr>
+          </a:lstStyle>
+          <a:p>
+            <a:endParaRPr lang="en-US"/>
+          </a:p>
+        </p:txBody>
+      </p:sp>
+      <p:sp>
+        <p:nvSpPr>
+          <p:cNvPr id="3" name="Date Placeholder 2"/>
+          <p:cNvSpPr>
+            <a:spLocks noGrp="1"/>
+          </p:cNvSpPr>
+          <p:nvPr>
+            <p:ph type="dt" idx="1"/>
+          </p:nvPr>
+        </p:nvSpPr>
+        <p:spPr>
+          <a:xfrm>
+            <a:off x="3884613" y="0"/>
+            <a:ext cx="2971800" cy="458788"/>
+          </a:xfrm>
+          <a:prstGeom prst="rect">
+            <a:avLst/>
+          </a:prstGeom>
+        </p:spPr>
+        <p:txBody>
+          <a:bodyPr vert="horz" lIns="91440" tIns="45720" rIns="91440" bIns="45720" rtlCol="0"/>
+          <a:lstStyle>
+            <a:lvl1pPr algn="r">
+              <a:defRPr sz="1200"/>
+            </a:lvl1pPr>
+          </a:lstStyle>
+          <a:p>
+            <a:fld id="{F639A5E2-6E83-014F-97C5-6ED19623C635}" type="datetimeFigureOut">
+              <a:rPr lang="en-US" smtClean="0"/>
+              <a:t>5/8/24</a:t>
+            </a:fld>
+            <a:endParaRPr lang="en-US"/>
+          </a:p>
+        </p:txBody>
+      </p:sp>
+      <p:sp>
+        <p:nvSpPr>
+          <p:cNvPr id="4" name="Slide Image Placeholder 3"/>
+          <p:cNvSpPr>
+            <a:spLocks noGrp="1" noRot="1" noChangeAspect="1"/>
+          </p:cNvSpPr>
+          <p:nvPr>
+            <p:ph type="sldImg" idx="2"/>
+          </p:nvPr>
+        </p:nvSpPr>
+        <p:spPr>
+          <a:xfrm>
+            <a:off x="685800" y="1143000"/>
+            <a:ext cx="5486400" cy="3086100"/>
+          </a:xfrm>
+          <a:prstGeom prst="rect">
+            <a:avLst/>
+          </a:prstGeom>
+          <a:noFill/>
+          <a:ln w="12700">
+            <a:solidFill>
+              <a:prstClr val="black"/>
+            </a:solidFill>
+          </a:ln>
+        </p:spPr>
+        <p:txBody>
+          <a:bodyPr vert="horz" lIns="91440" tIns="45720" rIns="91440" bIns="45720" rtlCol="0" anchor="ctr"/>
+          <a:lstStyle/>
+          <a:p>
+            <a:endParaRPr lang="en-US"/>
+          </a:p>
+        </p:txBody>
+      </p:sp>
+      <p:sp>
+        <p:nvSpPr>
+          <p:cNvPr id="5" name="Notes Placeholder 4"/>
+          <p:cNvSpPr>
+            <a:spLocks noGrp="1"/>
+          </p:cNvSpPr>
+          <p:nvPr>
+            <p:ph type="body" sz="quarter" idx="3"/>
+          </p:nvPr>
+        </p:nvSpPr>
+        <p:spPr>
+          <a:xfrm>
+            <a:off x="685800" y="4400550"/>
+            <a:ext cx="5486400" cy="3600450"/>
+          </a:xfrm>
+          <a:prstGeom prst="rect">
+            <a:avLst/>
+          </a:prstGeom>
+        </p:spPr>
+        <p:txBody>
+          <a:bodyPr vert="horz" lIns="91440" tIns="45720" rIns="91440" bIns="45720" rtlCol="0"/>
+          <a:lstStyle/>
+          <a:p>
+            <a:pPr lvl="0"/>
+            <a:r>
+              <a:rPr lang="en-GB"/>
+              <a:t>Click to edit Master text styles</a:t>
+            </a:r>
+          </a:p>
+          <a:p>
+            <a:pPr lvl="1"/>
+            <a:r>
+              <a:rPr lang="en-GB"/>
+              <a:t>Second level</a:t>
+            </a:r>
+          </a:p>
+          <a:p>
+            <a:pPr lvl="2"/>
+            <a:r>
+              <a:rPr lang="en-GB"/>
+              <a:t>Third level</a:t>
+            </a:r>
+          </a:p>
+          <a:p>
+            <a:pPr lvl="3"/>
+            <a:r>
+              <a:rPr lang="en-GB"/>
+              <a:t>Fourth level</a:t>
+            </a:r>
+          </a:p>
+          <a:p>
+            <a:pPr lvl="4"/>
+            <a:r>
+              <a:rPr lang="en-GB"/>
+              <a:t>Fifth level</a:t>
+            </a:r>
+            <a:endParaRPr lang="en-US"/>
+          </a:p>
+        </p:txBody>
+      </p:sp>
+      <p:sp>
+        <p:nvSpPr>
+          <p:cNvPr id="6" name="Footer Placeholder 5"/>
+          <p:cNvSpPr>
+            <a:spLocks noGrp="1"/>
+          </p:cNvSpPr>
+          <p:nvPr>
+            <p:ph type="ftr" sz="quarter" idx="4"/>
+          </p:nvPr>
+        </p:nvSpPr>
+        <p:spPr>
+          <a:xfrm>
+            <a:off x="0" y="8685213"/>
+            <a:ext cx="2971800" cy="458787"/>
+          </a:xfrm>
+          <a:prstGeom prst="rect">
+            <a:avLst/>
+          </a:prstGeom>
+        </p:spPr>
+        <p:txBody>
+          <a:bodyPr vert="horz" lIns="91440" tIns="45720" rIns="91440" bIns="45720" rtlCol="0" anchor="b"/>
+          <a:lstStyle>
+            <a:lvl1pPr algn="l">
+              <a:defRPr sz="1200"/>
+            </a:lvl1pPr>
+          </a:lstStyle>
+          <a:p>
+            <a:endParaRPr lang="en-US"/>
+          </a:p>
+        </p:txBody>
+      </p:sp>
+      <p:sp>
+        <p:nvSpPr>
+          <p:cNvPr id="7" name="Slide Number Placeholder 6"/>
+          <p:cNvSpPr>
+            <a:spLocks noGrp="1"/>
+          </p:cNvSpPr>
+          <p:nvPr>
+            <p:ph type="sldNum" sz="quarter" idx="5"/>
+          </p:nvPr>
+        </p:nvSpPr>
+        <p:spPr>
+          <a:xfrm>
+            <a:off x="3884613" y="8685213"/>
+            <a:ext cx="2971800" cy="458787"/>
+          </a:xfrm>
+          <a:prstGeom prst="rect">
+            <a:avLst/>
+          </a:prstGeom>
+        </p:spPr>
+        <p:txBody>
+          <a:bodyPr vert="horz" lIns="91440" tIns="45720" rIns="91440" bIns="45720" rtlCol="0" anchor="b"/>
+          <a:lstStyle>
+            <a:lvl1pPr algn="r">
+              <a:defRPr sz="1200"/>
+            </a:lvl1pPr>
+          </a:lstStyle>
+          <a:p>
+            <a:fld id="{2667C9A1-B83B-3444-9227-7F428830A628}" type="slidenum">
+              <a:rPr lang="en-US" smtClean="0"/>
+              <a:t>‹#›</a:t>
+            </a:fld>
+            <a:endParaRPr lang="en-US"/>
+          </a:p>
+        </p:txBody>
+      </p:sp>
+    </p:spTree>
+    <p:extLst>
+      <p:ext uri="{BB962C8B-B14F-4D97-AF65-F5344CB8AC3E}">
+        <p14:creationId xmlns:p14="http://schemas.microsoft.com/office/powerpoint/2010/main" val="1958769788"/>
+      </p:ext>
+    </p:extLst>
+  </p:cSld>
+  <p:clrMap bg1="lt1" tx1="dk1" bg2="lt2" tx2="dk2" accent1="accent1" accent2="accent2" accent3="accent3" accent4="accent4" accent5="accent5" accent6="accent6" hlink="hlink" folHlink="folHlink"/>
+  <p:notesStyle>
+    <a:lvl1pPr marL="0" algn="l" defTabSz="914400" rtl="0" eaLnBrk="1" latinLnBrk="0" hangingPunct="1">
+      <a:defRPr sz="1200" kern="1200">
+        <a:solidFill>
+          <a:schemeClr val="tx1"/>
+        </a:solidFill>
+        <a:latin typeface="+mn-lt"/>
+        <a:ea typeface="+mn-ea"/>
+        <a:cs typeface="+mn-cs"/>
+      </a:defRPr>
+    </a:lvl1pPr>
+    <a:lvl2pPr marL="457200" algn="l" defTabSz="914400" rtl="0" eaLnBrk="1" latinLnBrk="0" hangingPunct="1">
+      <a:defRPr sz="1200" kern="1200">
+        <a:solidFill>
+          <a:schemeClr val="tx1"/>
+        </a:solidFill>
+        <a:latin typeface="+mn-lt"/>
+        <a:ea typeface="+mn-ea"/>
+        <a:cs typeface="+mn-cs"/>
+      </a:defRPr>
+    </a:lvl2pPr>
+    <a:lvl3pPr marL="914400" algn="l" defTabSz="914400" rtl="0" eaLnBrk="1" latinLnBrk="0" hangingPunct="1">
+      <a:defRPr sz="1200" kern="1200">
+        <a:solidFill>
+          <a:schemeClr val="tx1"/>
+        </a:solidFill>
+        <a:latin typeface="+mn-lt"/>
+        <a:ea typeface="+mn-ea"/>
+        <a:cs typeface="+mn-cs"/>
+      </a:defRPr>
+    </a:lvl3pPr>
+    <a:lvl4pPr marL="1371600" algn="l" defTabSz="914400" rtl="0" eaLnBrk="1" latinLnBrk="0" hangingPunct="1">
+      <a:defRPr sz="1200" kern="1200">
+        <a:solidFill>
+          <a:schemeClr val="tx1"/>
+        </a:solidFill>
+        <a:latin typeface="+mn-lt"/>
+        <a:ea typeface="+mn-ea"/>
+        <a:cs typeface="+mn-cs"/>
+      </a:defRPr>
+    </a:lvl4pPr>
+    <a:lvl5pPr marL="1828800" algn="l" defTabSz="914400" rtl="0" eaLnBrk="1" latinLnBrk="0" hangingPunct="1">
+      <a:defRPr sz="1200" kern="1200">
+        <a:solidFill>
+          <a:schemeClr val="tx1"/>
+        </a:solidFill>
+        <a:latin typeface="+mn-lt"/>
+        <a:ea typeface="+mn-ea"/>
+        <a:cs typeface="+mn-cs"/>
+      </a:defRPr>
+    </a:lvl5pPr>
+    <a:lvl6pPr marL="2286000" algn="l" defTabSz="914400" rtl="0" eaLnBrk="1" latinLnBrk="0" hangingPunct="1">
+      <a:defRPr sz="1200" kern="1200">
+        <a:solidFill>
+          <a:schemeClr val="tx1"/>
+        </a:solidFill>
+        <a:latin typeface="+mn-lt"/>
+        <a:ea typeface="+mn-ea"/>
+        <a:cs typeface="+mn-cs"/>
+      </a:defRPr>
+    </a:lvl6pPr>
+    <a:lvl7pPr marL="2743200" algn="l" defTabSz="914400" rtl="0" eaLnBrk="1" latinLnBrk="0" hangingPunct="1">
+      <a:defRPr sz="1200" kern="1200">
+        <a:solidFill>
+          <a:schemeClr val="tx1"/>
+        </a:solidFill>
+        <a:latin typeface="+mn-lt"/>
+        <a:ea typeface="+mn-ea"/>
+        <a:cs typeface="+mn-cs"/>
+      </a:defRPr>
+    </a:lvl7pPr>
+    <a:lvl8pPr marL="3200400" algn="l" defTabSz="914400" rtl="0" eaLnBrk="1" latinLnBrk="0" hangingPunct="1">
+      <a:defRPr sz="1200" kern="1200">
+        <a:solidFill>
+          <a:schemeClr val="tx1"/>
+        </a:solidFill>
+        <a:latin typeface="+mn-lt"/>
+        <a:ea typeface="+mn-ea"/>
+        <a:cs typeface="+mn-cs"/>
+      </a:defRPr>
+    </a:lvl8pPr>
+    <a:lvl9pPr marL="3657600" algn="l" defTabSz="914400" rtl="0" eaLnBrk="1" latinLnBrk="0" hangingPunct="1">
+      <a:defRPr sz="1200" kern="1200">
+        <a:solidFill>
+          <a:schemeClr val="tx1"/>
+        </a:solidFill>
+        <a:latin typeface="+mn-lt"/>
+        <a:ea typeface="+mn-ea"/>
+        <a:cs typeface="+mn-cs"/>
+      </a:defRPr>
+    </a:lvl9pPr>
+  </p:notesStyle>
+</p:notesMaster>
+</file>
+
+<file path=ppt/notesSlides/notesSlide1.xml><?xml version="1.0" encoding="utf-8"?>
+<p:notes xmlns:a="http://schemas.openxmlformats.org/drawingml/2006/main" xmlns:r="http://schemas.openxmlformats.org/officeDocument/2006/relationships" xmlns:p="http://schemas.openxmlformats.org/presentationml/2006/main">
+  <p:cSld>
+    <p:spTree>
+      <p:nvGrpSpPr>
+        <p:cNvPr id="1" name=""/>
+        <p:cNvGrpSpPr/>
+        <p:nvPr/>
+      </p:nvGrpSpPr>
+      <p:grpSpPr>
+        <a:xfrm>
+          <a:off x="0" y="0"/>
+          <a:ext cx="0" cy="0"/>
+          <a:chOff x="0" y="0"/>
+          <a:chExt cx="0" cy="0"/>
+        </a:xfrm>
+      </p:grpSpPr>
+      <p:sp>
+        <p:nvSpPr>
+          <p:cNvPr id="2" name="幻灯片图像占位符 1"/>
+          <p:cNvSpPr>
+            <a:spLocks noGrp="1" noRot="1" noChangeAspect="1"/>
+          </p:cNvSpPr>
+          <p:nvPr>
+            <p:ph type="sldImg"/>
+          </p:nvPr>
+        </p:nvSpPr>
+        <p:spPr/>
+      </p:sp>
+      <p:sp>
+        <p:nvSpPr>
+          <p:cNvPr id="3" name="备注占位符 2"/>
+          <p:cNvSpPr>
+            <a:spLocks noGrp="1"/>
+          </p:cNvSpPr>
+          <p:nvPr>
+            <p:ph type="body" idx="1"/>
+          </p:nvPr>
+        </p:nvSpPr>
+        <p:spPr/>
+        <p:txBody>
+          <a:bodyPr/>
+          <a:lstStyle/>
+          <a:p>
+            <a:r>
+              <a:rPr lang="en-US" altLang="zh-CN" dirty="0"/>
+              <a:t>The shortcomings of DBSCAN and the advantages of hierarchical clustering are presented here.</a:t>
+            </a:r>
+            <a:endParaRPr lang="zh-CN" altLang="en-US" dirty="0"/>
+          </a:p>
+        </p:txBody>
+      </p:sp>
+      <p:sp>
+        <p:nvSpPr>
+          <p:cNvPr id="4" name="灯片编号占位符 3"/>
+          <p:cNvSpPr>
+            <a:spLocks noGrp="1"/>
+          </p:cNvSpPr>
+          <p:nvPr>
+            <p:ph type="sldNum" sz="quarter" idx="5"/>
+          </p:nvPr>
+        </p:nvSpPr>
+        <p:spPr/>
+        <p:txBody>
+          <a:bodyPr/>
+          <a:lstStyle/>
+          <a:p>
+            <a:fld id="{FDF5A797-DF59-42FB-9C4F-582F14BEC284}" type="slidenum">
+              <a:rPr lang="zh-CN" altLang="en-US" smtClean="0"/>
+              <a:t>12</a:t>
+            </a:fld>
+            <a:endParaRPr lang="zh-CN" altLang="en-US"/>
+          </a:p>
+        </p:txBody>
+      </p:sp>
+    </p:spTree>
+    <p:extLst>
+      <p:ext uri="{BB962C8B-B14F-4D97-AF65-F5344CB8AC3E}">
+        <p14:creationId xmlns:p14="http://schemas.microsoft.com/office/powerpoint/2010/main" val="3716443617"/>
+      </p:ext>
+    </p:extLst>
+  </p:cSld>
+  <p:clrMapOvr>
+    <a:masterClrMapping/>
+  </p:clrMapOvr>
+</p:notes>
 </file>
 
 <file path=ppt/slideLayouts/slideLayout1.xml><?xml version="1.0" encoding="utf-8"?>
@@ -502,7 +896,7 @@
           <a:p>
             <a:fld id="{3341EE12-F28E-4B03-A404-A8FCAE0F6316}" type="datetime1">
               <a:rPr lang="en-US" smtClean="0"/>
-              <a:t>5/8/2024</a:t>
+              <a:t>5/8/24</a:t>
             </a:fld>
             <a:endParaRPr lang="en-US" dirty="0"/>
           </a:p>
@@ -787,7 +1181,7 @@
           <a:p>
             <a:fld id="{B68B8189-0D9C-48A6-9FA3-862227B094CE}" type="datetime1">
               <a:rPr lang="en-US" smtClean="0"/>
-              <a:t>5/8/2024</a:t>
+              <a:t>5/8/24</a:t>
             </a:fld>
             <a:endParaRPr lang="en-US"/>
           </a:p>
@@ -1151,7 +1545,7 @@
           <a:p>
             <a:fld id="{26ADDCAE-6443-42C3-9C19-F95985500186}" type="datetime1">
               <a:rPr lang="en-US" smtClean="0"/>
-              <a:t>5/8/2024</a:t>
+              <a:t>5/8/24</a:t>
             </a:fld>
             <a:endParaRPr lang="en-US" dirty="0"/>
           </a:p>
@@ -1413,7 +1807,7 @@
           <a:p>
             <a:fld id="{1962799E-EB8E-4038-8063-81BB57C732D4}" type="datetime1">
               <a:rPr lang="en-US" smtClean="0"/>
-              <a:t>5/8/2024</a:t>
+              <a:t>5/8/24</a:t>
             </a:fld>
             <a:endParaRPr lang="en-US"/>
           </a:p>
@@ -1843,7 +2237,7 @@
           <a:p>
             <a:fld id="{217A73C3-B243-44D3-809D-EF8FDFBD85D4}" type="datetime1">
               <a:rPr lang="en-US" smtClean="0"/>
-              <a:t>5/8/2024</a:t>
+              <a:t>5/8/24</a:t>
             </a:fld>
             <a:endParaRPr lang="en-US" dirty="0"/>
           </a:p>
@@ -2174,7 +2568,7 @@
           <a:p>
             <a:fld id="{C9B6D3E3-28E2-4380-A113-67698215C5F8}" type="datetime1">
               <a:rPr lang="en-US" smtClean="0"/>
-              <a:t>5/8/2024</a:t>
+              <a:t>5/8/24</a:t>
             </a:fld>
             <a:endParaRPr lang="en-US" dirty="0"/>
           </a:p>
@@ -2607,7 +3001,7 @@
           <a:p>
             <a:fld id="{A9EFCB61-04AD-47C9-BF79-2BD8B9CEC07A}" type="datetime1">
               <a:rPr lang="en-US" smtClean="0"/>
-              <a:t>5/8/2024</a:t>
+              <a:t>5/8/24</a:t>
             </a:fld>
             <a:endParaRPr lang="en-US" dirty="0"/>
           </a:p>
@@ -2759,7 +3153,7 @@
           <a:p>
             <a:fld id="{A4535E0C-D585-492F-8146-7493F4086301}" type="datetime1">
               <a:rPr lang="en-US" smtClean="0"/>
-              <a:t>5/8/2024</a:t>
+              <a:t>5/8/24</a:t>
             </a:fld>
             <a:endParaRPr lang="en-US"/>
           </a:p>
@@ -2922,7 +3316,7 @@
           <a:p>
             <a:fld id="{8CE48390-48B5-49AB-B019-A7C8FB8C31F6}" type="datetime1">
               <a:rPr lang="en-US" smtClean="0"/>
-              <a:t>5/8/2024</a:t>
+              <a:t>5/8/24</a:t>
             </a:fld>
             <a:endParaRPr lang="en-US"/>
           </a:p>
@@ -3451,7 +3845,7 @@
           <a:p>
             <a:fld id="{962E767E-8A14-4E70-91B9-2101CBC4D7BD}" type="datetime1">
               <a:rPr lang="en-US" smtClean="0"/>
-              <a:t>5/8/2024</a:t>
+              <a:t>5/8/24</a:t>
             </a:fld>
             <a:endParaRPr lang="en-US" dirty="0"/>
           </a:p>
@@ -3972,7 +4366,7 @@
           <a:p>
             <a:fld id="{01AF0C4B-5A4A-45CA-ABEC-10F107160D33}" type="datetime1">
               <a:rPr lang="en-US" smtClean="0"/>
-              <a:t>5/8/2024</a:t>
+              <a:t>5/8/24</a:t>
             </a:fld>
             <a:endParaRPr lang="en-US" dirty="0"/>
           </a:p>
@@ -4522,7 +4916,7 @@
           <a:p>
             <a:fld id="{6989806E-8E94-473C-AEE7-BE6F15F85533}" type="datetime1">
               <a:rPr lang="en-US" smtClean="0"/>
-              <a:t>5/8/2024</a:t>
+              <a:t>5/8/24</a:t>
             </a:fld>
             <a:endParaRPr lang="en-US" dirty="0"/>
           </a:p>
@@ -5551,10 +5945,10 @@
       </p:grpSpPr>
       <p:sp>
         <p:nvSpPr>
-          <p:cNvPr id="2" name="Title 1">
-            <a:extLst>
-              <a:ext uri="{FF2B5EF4-FFF2-40B4-BE49-F238E27FC236}">
-                <a16:creationId xmlns:a16="http://schemas.microsoft.com/office/drawing/2014/main" id="{A5EBCF6C-F3B7-D40C-4116-938723043DC0}"/>
+          <p:cNvPr id="5" name="标题 4">
+            <a:extLst>
+              <a:ext uri="{FF2B5EF4-FFF2-40B4-BE49-F238E27FC236}">
+                <a16:creationId xmlns:a16="http://schemas.microsoft.com/office/drawing/2014/main" id="{360AC2A2-FECE-23AD-8298-6E22713B5EF0}"/>
               </a:ext>
             </a:extLst>
           </p:cNvPr>
@@ -5567,50 +5961,180 @@
         </p:nvSpPr>
         <p:spPr/>
         <p:txBody>
-          <a:bodyPr>
-            <a:normAutofit fontScale="90000"/>
+          <a:bodyPr/>
+          <a:lstStyle/>
+          <a:p>
+            <a:r>
+              <a:rPr lang="en-US" altLang="zh-CN" dirty="0"/>
+              <a:t>Alpha vs. Beta vs. Combined Chains</a:t>
+            </a:r>
+            <a:endParaRPr lang="zh-CN" altLang="en-US" dirty="0"/>
+          </a:p>
+        </p:txBody>
+      </p:sp>
+      <p:pic>
+        <p:nvPicPr>
+          <p:cNvPr id="6" name="图片 5">
+            <a:extLst>
+              <a:ext uri="{FF2B5EF4-FFF2-40B4-BE49-F238E27FC236}">
+                <a16:creationId xmlns:a16="http://schemas.microsoft.com/office/drawing/2014/main" id="{FE6F41A9-3B68-B477-BD99-B72D8C8CF3B7}"/>
+              </a:ext>
+            </a:extLst>
+          </p:cNvPr>
+          <p:cNvPicPr>
+            <a:picLocks noChangeAspect="1"/>
+          </p:cNvPicPr>
+          <p:nvPr/>
+        </p:nvPicPr>
+        <p:blipFill>
+          <a:blip r:embed="rId2"/>
+          <a:stretch>
+            <a:fillRect/>
+          </a:stretch>
+        </p:blipFill>
+        <p:spPr>
+          <a:xfrm>
+            <a:off x="6978963" y="2652588"/>
+            <a:ext cx="4008531" cy="3924532"/>
+          </a:xfrm>
+          <a:prstGeom prst="rect">
+            <a:avLst/>
+          </a:prstGeom>
+        </p:spPr>
+      </p:pic>
+      <p:sp>
+        <p:nvSpPr>
+          <p:cNvPr id="4" name="文本框 3">
+            <a:extLst>
+              <a:ext uri="{FF2B5EF4-FFF2-40B4-BE49-F238E27FC236}">
+                <a16:creationId xmlns:a16="http://schemas.microsoft.com/office/drawing/2014/main" id="{99AC9060-C9E7-3865-045B-B6841F38AE6E}"/>
+              </a:ext>
+            </a:extLst>
+          </p:cNvPr>
+          <p:cNvSpPr txBox="1"/>
+          <p:nvPr/>
+        </p:nvSpPr>
+        <p:spPr>
+          <a:xfrm>
+            <a:off x="761801" y="3187843"/>
+            <a:ext cx="4716398" cy="646331"/>
+          </a:xfrm>
+          <a:prstGeom prst="rect">
+            <a:avLst/>
+          </a:prstGeom>
+          <a:noFill/>
+          <a:ln>
+            <a:solidFill>
+              <a:srgbClr val="FF0000"/>
+            </a:solidFill>
+          </a:ln>
+        </p:spPr>
+        <p:txBody>
+          <a:bodyPr wrap="square">
+            <a:spAutoFit/>
           </a:bodyPr>
           <a:lstStyle/>
           <a:p>
             <a:r>
-              <a:rPr lang="en-US" dirty="0"/>
-              <a:t>1 SLIDE ANALYSIS ON CLUSTERING RESULTS</a:t>
+              <a:rPr lang="zh-CN" altLang="en-US" dirty="0"/>
+              <a:t>A large number of points overlap completely</a:t>
+            </a:r>
+            <a:r>
+              <a:rPr lang="en-US" altLang="zh-CN" dirty="0"/>
+              <a:t>. </a:t>
+            </a:r>
+          </a:p>
+          <a:p>
+            <a:r>
+              <a:rPr lang="en-US" altLang="zh-CN" dirty="0"/>
+              <a:t>Many small dispersed clusters.</a:t>
             </a:r>
           </a:p>
         </p:txBody>
       </p:sp>
       <p:sp>
         <p:nvSpPr>
-          <p:cNvPr id="3" name="Content Placeholder 2">
-            <a:extLst>
-              <a:ext uri="{FF2B5EF4-FFF2-40B4-BE49-F238E27FC236}">
-                <a16:creationId xmlns:a16="http://schemas.microsoft.com/office/drawing/2014/main" id="{502B6705-E1B7-84F3-6D9A-BA8C0DB780B8}"/>
-              </a:ext>
-            </a:extLst>
-          </p:cNvPr>
-          <p:cNvSpPr>
-            <a:spLocks noGrp="1"/>
-          </p:cNvSpPr>
-          <p:nvPr>
-            <p:ph idx="1"/>
-          </p:nvPr>
-        </p:nvSpPr>
-        <p:spPr/>
-        <p:txBody>
-          <a:bodyPr/>
+          <p:cNvPr id="7" name="文本框 6">
+            <a:extLst>
+              <a:ext uri="{FF2B5EF4-FFF2-40B4-BE49-F238E27FC236}">
+                <a16:creationId xmlns:a16="http://schemas.microsoft.com/office/drawing/2014/main" id="{AC92E457-FCF0-AC49-574E-1E03A0C36E5D}"/>
+              </a:ext>
+            </a:extLst>
+          </p:cNvPr>
+          <p:cNvSpPr txBox="1"/>
+          <p:nvPr/>
+        </p:nvSpPr>
+        <p:spPr>
+          <a:xfrm>
+            <a:off x="761801" y="4738496"/>
+            <a:ext cx="4716398" cy="646331"/>
+          </a:xfrm>
+          <a:prstGeom prst="rect">
+            <a:avLst/>
+          </a:prstGeom>
+          <a:noFill/>
+          <a:ln>
+            <a:solidFill>
+              <a:srgbClr val="00B0F0"/>
+            </a:solidFill>
+          </a:ln>
+        </p:spPr>
+        <p:txBody>
+          <a:bodyPr wrap="square">
+            <a:spAutoFit/>
+          </a:bodyPr>
           <a:lstStyle/>
           <a:p>
             <a:r>
-              <a:rPr lang="en-US" dirty="0"/>
-              <a:t>CLUSTERING RESULTS (AGGLOMERATIVE)TO BE ADDED HERE AND EXPLAINED BY FANGNAN</a:t>
-            </a:r>
+              <a:rPr lang="en-GB" altLang="zh-CN" sz="1800" dirty="0">
+                <a:solidFill>
+                  <a:srgbClr val="0D0D0D"/>
+                </a:solidFill>
+                <a:effectLst/>
+                <a:highlight>
+                  <a:srgbClr val="FFFFFF"/>
+                </a:highlight>
+                <a:latin typeface="Segoe UI" panose="020B0502040204020203" pitchFamily="34" charset="0"/>
+                <a:ea typeface="等线" panose="02010600030101010101" pitchFamily="2" charset="-122"/>
+              </a:rPr>
+              <a:t>Alpha </a:t>
+            </a:r>
+            <a:r>
+              <a:rPr lang="en-GB" altLang="zh-CN" sz="1800" dirty="0">
+                <a:solidFill>
+                  <a:srgbClr val="000000"/>
+                </a:solidFill>
+                <a:effectLst/>
+                <a:highlight>
+                  <a:srgbClr val="FFFFFF"/>
+                </a:highlight>
+                <a:latin typeface="Segoe UI" panose="020B0502040204020203" pitchFamily="34" charset="0"/>
+                <a:ea typeface="等线" panose="02010600030101010101" pitchFamily="2" charset="-122"/>
+              </a:rPr>
+              <a:t>chains </a:t>
+            </a:r>
+            <a:r>
+              <a:rPr lang="en-GB" altLang="zh-CN" sz="1800" dirty="0">
+                <a:solidFill>
+                  <a:srgbClr val="0D0D0D"/>
+                </a:solidFill>
+                <a:effectLst/>
+                <a:highlight>
+                  <a:srgbClr val="FFFFFF"/>
+                </a:highlight>
+                <a:latin typeface="Segoe UI" panose="020B0502040204020203" pitchFamily="34" charset="0"/>
+                <a:ea typeface="等线" panose="02010600030101010101" pitchFamily="2" charset="-122"/>
+              </a:rPr>
+              <a:t>do not have a D region and only undergoes VJ rearrangement</a:t>
+            </a:r>
+            <a:endParaRPr lang="en-US" altLang="zh-CN" dirty="0"/>
           </a:p>
         </p:txBody>
       </p:sp>
     </p:spTree>
     <p:extLst>
       <p:ext uri="{BB962C8B-B14F-4D97-AF65-F5344CB8AC3E}">
-        <p14:creationId xmlns:p14="http://schemas.microsoft.com/office/powerpoint/2010/main" val="722228977"/>
+        <p14:creationId xmlns:p14="http://schemas.microsoft.com/office/powerpoint/2010/main" val="520467755"/>
       </p:ext>
     </p:extLst>
   </p:cSld>
@@ -5639,10 +6163,10 @@
       </p:grpSpPr>
       <p:sp>
         <p:nvSpPr>
-          <p:cNvPr id="2" name="标题 1">
-            <a:extLst>
-              <a:ext uri="{FF2B5EF4-FFF2-40B4-BE49-F238E27FC236}">
-                <a16:creationId xmlns:a16="http://schemas.microsoft.com/office/drawing/2014/main" id="{61479695-F3B8-4212-F024-62833181F511}"/>
+          <p:cNvPr id="5" name="标题 4">
+            <a:extLst>
+              <a:ext uri="{FF2B5EF4-FFF2-40B4-BE49-F238E27FC236}">
+                <a16:creationId xmlns:a16="http://schemas.microsoft.com/office/drawing/2014/main" id="{360AC2A2-FECE-23AD-8298-6E22713B5EF0}"/>
               </a:ext>
             </a:extLst>
           </p:cNvPr>
@@ -5653,41 +6177,32 @@
             <p:ph type="title"/>
           </p:nvPr>
         </p:nvSpPr>
-        <p:spPr>
-          <a:xfrm>
-            <a:off x="806875" y="73720"/>
-            <a:ext cx="6362013" cy="650841"/>
-          </a:xfrm>
-        </p:spPr>
-        <p:txBody>
-          <a:bodyPr>
-            <a:normAutofit/>
-          </a:bodyPr>
+        <p:spPr/>
+        <p:txBody>
+          <a:bodyPr/>
           <a:lstStyle/>
           <a:p>
             <a:r>
-              <a:rPr lang="en-US" altLang="zh-CN" sz="2000" dirty="0"/>
-              <a:t>ANALYSIS ON CLUSTERING RESULTS</a:t>
-            </a:r>
-            <a:endParaRPr lang="zh-CN" altLang="en-US" sz="2000" dirty="0"/>
+              <a:rPr lang="en-US" altLang="zh-CN" dirty="0"/>
+              <a:t>Alpha vs. Beta vs. Combined Chains</a:t>
+            </a:r>
+            <a:endParaRPr lang="zh-CN" altLang="en-US" dirty="0"/>
           </a:p>
         </p:txBody>
       </p:sp>
       <p:pic>
         <p:nvPicPr>
-          <p:cNvPr id="17" name="内容占位符 16" descr="图表, 折线图&#10;&#10;描述已自动生成">
-            <a:extLst>
-              <a:ext uri="{FF2B5EF4-FFF2-40B4-BE49-F238E27FC236}">
-                <a16:creationId xmlns:a16="http://schemas.microsoft.com/office/drawing/2014/main" id="{0F2EA432-3261-A558-F2AE-2DC2145B1597}"/>
+          <p:cNvPr id="8" name="图片 7">
+            <a:extLst>
+              <a:ext uri="{FF2B5EF4-FFF2-40B4-BE49-F238E27FC236}">
+                <a16:creationId xmlns:a16="http://schemas.microsoft.com/office/drawing/2014/main" id="{CDCE6CA9-1312-A3F3-B42F-7E422ECA9E7A}"/>
               </a:ext>
             </a:extLst>
           </p:cNvPr>
           <p:cNvPicPr>
-            <a:picLocks noGrp="1" noChangeAspect="1"/>
+            <a:picLocks noChangeAspect="1"/>
           </p:cNvPicPr>
-          <p:nvPr>
-            <p:ph idx="1"/>
-          </p:nvPr>
+          <p:nvPr/>
         </p:nvPicPr>
         <p:blipFill>
           <a:blip r:embed="rId2"/>
@@ -5697,167 +6212,20 @@
         </p:blipFill>
         <p:spPr>
           <a:xfrm>
-            <a:off x="637292" y="665822"/>
-            <a:ext cx="2665889" cy="1717388"/>
-          </a:xfrm>
-        </p:spPr>
-      </p:pic>
-      <p:pic>
-        <p:nvPicPr>
-          <p:cNvPr id="19" name="图片 18" descr="图表, 折线图&#10;&#10;描述已自动生成">
-            <a:extLst>
-              <a:ext uri="{FF2B5EF4-FFF2-40B4-BE49-F238E27FC236}">
-                <a16:creationId xmlns:a16="http://schemas.microsoft.com/office/drawing/2014/main" id="{769996E1-AA65-3757-3B40-1BBBE93EB3FC}"/>
-              </a:ext>
-            </a:extLst>
-          </p:cNvPr>
-          <p:cNvPicPr>
-            <a:picLocks noChangeAspect="1"/>
-          </p:cNvPicPr>
-          <p:nvPr/>
-        </p:nvPicPr>
-        <p:blipFill>
-          <a:blip r:embed="rId3"/>
-          <a:stretch>
-            <a:fillRect/>
-          </a:stretch>
-        </p:blipFill>
-        <p:spPr>
-          <a:xfrm>
-            <a:off x="3688965" y="665818"/>
-            <a:ext cx="2665889" cy="1717387"/>
+            <a:off x="7479256" y="2696123"/>
+            <a:ext cx="3888218" cy="3897397"/>
           </a:xfrm>
           <a:prstGeom prst="rect">
             <a:avLst/>
           </a:prstGeom>
         </p:spPr>
       </p:pic>
-      <p:pic>
-        <p:nvPicPr>
-          <p:cNvPr id="21" name="图片 20" descr="图表, 折线图&#10;&#10;描述已自动生成">
-            <a:extLst>
-              <a:ext uri="{FF2B5EF4-FFF2-40B4-BE49-F238E27FC236}">
-                <a16:creationId xmlns:a16="http://schemas.microsoft.com/office/drawing/2014/main" id="{E7485E84-8291-D12B-27A4-879963369A76}"/>
-              </a:ext>
-            </a:extLst>
-          </p:cNvPr>
-          <p:cNvPicPr>
-            <a:picLocks noChangeAspect="1"/>
-          </p:cNvPicPr>
-          <p:nvPr/>
-        </p:nvPicPr>
-        <p:blipFill>
-          <a:blip r:embed="rId4"/>
-          <a:stretch>
-            <a:fillRect/>
-          </a:stretch>
-        </p:blipFill>
-        <p:spPr>
-          <a:xfrm>
-            <a:off x="6740638" y="665817"/>
-            <a:ext cx="2665889" cy="1717387"/>
-          </a:xfrm>
-          <a:prstGeom prst="rect">
-            <a:avLst/>
-          </a:prstGeom>
-        </p:spPr>
-      </p:pic>
-      <p:pic>
-        <p:nvPicPr>
-          <p:cNvPr id="23" name="图片 22" descr="图表, 折线图&#10;&#10;描述已自动生成">
-            <a:extLst>
-              <a:ext uri="{FF2B5EF4-FFF2-40B4-BE49-F238E27FC236}">
-                <a16:creationId xmlns:a16="http://schemas.microsoft.com/office/drawing/2014/main" id="{2293A320-7991-0C0A-2BB7-BEBCA7E353ED}"/>
-              </a:ext>
-            </a:extLst>
-          </p:cNvPr>
-          <p:cNvPicPr>
-            <a:picLocks noChangeAspect="1"/>
-          </p:cNvPicPr>
-          <p:nvPr/>
-        </p:nvPicPr>
-        <p:blipFill>
-          <a:blip r:embed="rId5"/>
-          <a:stretch>
-            <a:fillRect/>
-          </a:stretch>
-        </p:blipFill>
-        <p:spPr>
-          <a:xfrm>
-            <a:off x="625539" y="2383205"/>
-            <a:ext cx="2665889" cy="1717388"/>
-          </a:xfrm>
-          <a:prstGeom prst="rect">
-            <a:avLst/>
-          </a:prstGeom>
-        </p:spPr>
-      </p:pic>
-      <p:pic>
-        <p:nvPicPr>
-          <p:cNvPr id="25" name="图片 24" descr="图表, 折线图&#10;&#10;描述已自动生成">
-            <a:extLst>
-              <a:ext uri="{FF2B5EF4-FFF2-40B4-BE49-F238E27FC236}">
-                <a16:creationId xmlns:a16="http://schemas.microsoft.com/office/drawing/2014/main" id="{DE5D75D5-4D7D-EE13-635A-C9929E280870}"/>
-              </a:ext>
-            </a:extLst>
-          </p:cNvPr>
-          <p:cNvPicPr>
-            <a:picLocks noChangeAspect="1"/>
-          </p:cNvPicPr>
-          <p:nvPr/>
-        </p:nvPicPr>
-        <p:blipFill>
-          <a:blip r:embed="rId6"/>
-          <a:stretch>
-            <a:fillRect/>
-          </a:stretch>
-        </p:blipFill>
-        <p:spPr>
-          <a:xfrm>
-            <a:off x="3684971" y="2383204"/>
-            <a:ext cx="2665889" cy="1717387"/>
-          </a:xfrm>
-          <a:prstGeom prst="rect">
-            <a:avLst/>
-          </a:prstGeom>
-        </p:spPr>
-      </p:pic>
-      <p:pic>
-        <p:nvPicPr>
-          <p:cNvPr id="27" name="图片 26" descr="图表, 折线图&#10;&#10;描述已自动生成">
-            <a:extLst>
-              <a:ext uri="{FF2B5EF4-FFF2-40B4-BE49-F238E27FC236}">
-                <a16:creationId xmlns:a16="http://schemas.microsoft.com/office/drawing/2014/main" id="{6BE9918B-8FAB-DA9B-FDD8-4EDE07CC47A8}"/>
-              </a:ext>
-            </a:extLst>
-          </p:cNvPr>
-          <p:cNvPicPr>
-            <a:picLocks noChangeAspect="1"/>
-          </p:cNvPicPr>
-          <p:nvPr/>
-        </p:nvPicPr>
-        <p:blipFill>
-          <a:blip r:embed="rId7"/>
-          <a:stretch>
-            <a:fillRect/>
-          </a:stretch>
-        </p:blipFill>
-        <p:spPr>
-          <a:xfrm>
-            <a:off x="6728885" y="2383203"/>
-            <a:ext cx="2665888" cy="1717387"/>
-          </a:xfrm>
-          <a:prstGeom prst="rect">
-            <a:avLst/>
-          </a:prstGeom>
-        </p:spPr>
-      </p:pic>
       <p:sp>
         <p:nvSpPr>
-          <p:cNvPr id="29" name="文本框 28">
-            <a:extLst>
-              <a:ext uri="{FF2B5EF4-FFF2-40B4-BE49-F238E27FC236}">
-                <a16:creationId xmlns:a16="http://schemas.microsoft.com/office/drawing/2014/main" id="{5628B892-0D5D-A548-D2D4-430BEDA79223}"/>
+          <p:cNvPr id="14" name="文本框 13">
+            <a:extLst>
+              <a:ext uri="{FF2B5EF4-FFF2-40B4-BE49-F238E27FC236}">
+                <a16:creationId xmlns:a16="http://schemas.microsoft.com/office/drawing/2014/main" id="{36430968-075B-B277-BEC5-ABB4E125BA80}"/>
               </a:ext>
             </a:extLst>
           </p:cNvPr>
@@ -5866,100 +6234,157 @@
         </p:nvSpPr>
         <p:spPr>
           <a:xfrm>
-            <a:off x="625539" y="4277789"/>
-            <a:ext cx="10881734" cy="2554545"/>
+            <a:off x="824526" y="3206252"/>
+            <a:ext cx="5591645" cy="923330"/>
           </a:xfrm>
           <a:prstGeom prst="rect">
             <a:avLst/>
           </a:prstGeom>
           <a:noFill/>
-        </p:spPr>
-        <p:txBody>
-          <a:bodyPr wrap="square" rtlCol="0">
+          <a:ln>
+            <a:solidFill>
+              <a:srgbClr val="FF0000"/>
+            </a:solidFill>
+          </a:ln>
+        </p:spPr>
+        <p:txBody>
+          <a:bodyPr wrap="square">
             <a:spAutoFit/>
           </a:bodyPr>
           <a:lstStyle/>
           <a:p>
-            <a:r>
-              <a:rPr lang="en-US" altLang="zh-CN" sz="1600" dirty="0" err="1">
-                <a:latin typeface="Times New Roman" panose="02020603050405020304" pitchFamily="18" charset="0"/>
-                <a:cs typeface="Times New Roman" panose="02020603050405020304" pitchFamily="18" charset="0"/>
-              </a:rPr>
-              <a:t>calculate_purity</a:t>
-            </a:r>
-            <a:r>
-              <a:rPr lang="en-US" altLang="zh-CN" sz="1600" dirty="0">
-                <a:latin typeface="Times New Roman" panose="02020603050405020304" pitchFamily="18" charset="0"/>
-                <a:cs typeface="Times New Roman" panose="02020603050405020304" pitchFamily="18" charset="0"/>
-              </a:rPr>
-              <a:t>: Determine the purity of each cluster by calculating the proportion of the most common target labels in each cluster.</a:t>
-            </a:r>
-          </a:p>
-          <a:p>
-            <a:r>
-              <a:rPr lang="en-US" altLang="zh-CN" sz="1600" dirty="0" err="1">
-                <a:latin typeface="Times New Roman" panose="02020603050405020304" pitchFamily="18" charset="0"/>
-                <a:cs typeface="Times New Roman" panose="02020603050405020304" pitchFamily="18" charset="0"/>
-              </a:rPr>
-              <a:t>pure_clusters_fraction</a:t>
-            </a:r>
-            <a:r>
-              <a:rPr lang="en-US" altLang="zh-CN" sz="1600" dirty="0">
-                <a:latin typeface="Times New Roman" panose="02020603050405020304" pitchFamily="18" charset="0"/>
-                <a:cs typeface="Times New Roman" panose="02020603050405020304" pitchFamily="18" charset="0"/>
-              </a:rPr>
-              <a:t>: Calculate the proportion of clusters with perfect purity (purity of 1).</a:t>
-            </a:r>
-          </a:p>
-          <a:p>
-            <a:r>
-              <a:rPr lang="en-US" altLang="zh-CN" sz="1600" dirty="0" err="1">
-                <a:latin typeface="Times New Roman" panose="02020603050405020304" pitchFamily="18" charset="0"/>
-                <a:cs typeface="Times New Roman" panose="02020603050405020304" pitchFamily="18" charset="0"/>
-              </a:rPr>
-              <a:t>pure_cluster_retention</a:t>
-            </a:r>
-            <a:r>
-              <a:rPr lang="en-US" altLang="zh-CN" sz="1600" dirty="0">
-                <a:latin typeface="Times New Roman" panose="02020603050405020304" pitchFamily="18" charset="0"/>
-                <a:cs typeface="Times New Roman" panose="02020603050405020304" pitchFamily="18" charset="0"/>
-              </a:rPr>
-              <a:t>: Evaluates the proportion of samples in all data that belong to completely pure clusters.</a:t>
-            </a:r>
-          </a:p>
-          <a:p>
-            <a:endParaRPr lang="zh-CN" altLang="en-US" sz="1600" b="0" i="0" dirty="0">
-              <a:solidFill>
-                <a:srgbClr val="0D0D0D"/>
-              </a:solidFill>
-              <a:effectLst/>
-              <a:latin typeface="Times New Roman" panose="02020603050405020304" pitchFamily="18" charset="0"/>
-              <a:cs typeface="Times New Roman" panose="02020603050405020304" pitchFamily="18" charset="0"/>
-            </a:endParaRPr>
-          </a:p>
-          <a:p>
-            <a:r>
-              <a:rPr lang="en-US" altLang="zh-CN" sz="1600" b="0" i="0" dirty="0">
+            <a:pPr marL="285750" indent="-285750">
+              <a:buFont typeface="Arial" panose="020B0604020202020204" pitchFamily="34" charset="0"/>
+              <a:buChar char="•"/>
+            </a:pPr>
+            <a:r>
+              <a:rPr lang="en-GB" altLang="zh-CN" sz="1800" dirty="0">
+                <a:effectLst/>
+                <a:cs typeface="Times New Roman" panose="02020603050405020304" pitchFamily="18" charset="0"/>
+              </a:rPr>
+              <a:t>Clusters with relatively distinct boundaries. </a:t>
+            </a:r>
+          </a:p>
+          <a:p>
+            <a:pPr marL="285750" indent="-285750">
+              <a:buFont typeface="Arial" panose="020B0604020202020204" pitchFamily="34" charset="0"/>
+              <a:buChar char="•"/>
+            </a:pPr>
+            <a:r>
+              <a:rPr lang="en-US" altLang="zh-CN" b="0" i="0" dirty="0">
                 <a:solidFill>
                   <a:srgbClr val="0D0D0D"/>
                 </a:solidFill>
                 <a:effectLst/>
-                <a:latin typeface="Times New Roman" panose="02020603050405020304" pitchFamily="18" charset="0"/>
-                <a:cs typeface="Times New Roman" panose="02020603050405020304" pitchFamily="18" charset="0"/>
-              </a:rPr>
-              <a:t>These six figures show the impact of cluster number on Purity Fraction, Purity Retention and NMI. It can be observed that as the number of clusters increases, Purity Fraction and NMI generally show an upward trend, indicating that the refinement of clustering helps to improve the consistency of clustering and the increase of NMI. Purity Retention increases slowly in some cases because although the number of high-purity clusters increases, the proportion of samples belonging to these clusters in the overall data does not necessarily increase significantly.</a:t>
-            </a:r>
-            <a:endParaRPr lang="zh-CN" altLang="en-US" sz="1600" dirty="0">
-              <a:latin typeface="Times New Roman" panose="02020603050405020304" pitchFamily="18" charset="0"/>
-              <a:cs typeface="Times New Roman" panose="02020603050405020304" pitchFamily="18" charset="0"/>
-            </a:endParaRPr>
+                <a:highlight>
+                  <a:srgbClr val="FFFFFF"/>
+                </a:highlight>
+                <a:latin typeface="Söhne"/>
+              </a:rPr>
+              <a:t>Loose internally and closer together.</a:t>
+            </a:r>
+          </a:p>
+          <a:p>
+            <a:pPr marL="285750" indent="-285750">
+              <a:buFont typeface="Arial" panose="020B0604020202020204" pitchFamily="34" charset="0"/>
+              <a:buChar char="•"/>
+            </a:pPr>
+            <a:r>
+              <a:rPr lang="en-US" altLang="zh-CN" dirty="0"/>
+              <a:t>Clusters do not have higher purity.</a:t>
+            </a:r>
+            <a:endParaRPr lang="zh-CN" altLang="en-US" dirty="0"/>
+          </a:p>
+        </p:txBody>
+      </p:sp>
+      <p:sp>
+        <p:nvSpPr>
+          <p:cNvPr id="4" name="文本框 3">
+            <a:extLst>
+              <a:ext uri="{FF2B5EF4-FFF2-40B4-BE49-F238E27FC236}">
+                <a16:creationId xmlns:a16="http://schemas.microsoft.com/office/drawing/2014/main" id="{32069FEF-9A99-0551-88F5-C3631DD35A1F}"/>
+              </a:ext>
+            </a:extLst>
+          </p:cNvPr>
+          <p:cNvSpPr txBox="1"/>
+          <p:nvPr/>
+        </p:nvSpPr>
+        <p:spPr>
+          <a:xfrm>
+            <a:off x="853229" y="4644821"/>
+            <a:ext cx="5591644" cy="1200329"/>
+          </a:xfrm>
+          <a:prstGeom prst="rect">
+            <a:avLst/>
+          </a:prstGeom>
+          <a:noFill/>
+          <a:ln>
+            <a:solidFill>
+              <a:srgbClr val="00B0F0"/>
+            </a:solidFill>
+          </a:ln>
+        </p:spPr>
+        <p:txBody>
+          <a:bodyPr wrap="square">
+            <a:spAutoFit/>
+          </a:bodyPr>
+          <a:lstStyle/>
+          <a:p>
+            <a:pPr marL="285750" indent="-285750">
+              <a:buFont typeface="Arial" panose="020B0604020202020204" pitchFamily="34" charset="0"/>
+              <a:buChar char="•"/>
+            </a:pPr>
+            <a:r>
+              <a:rPr lang="en-US" altLang="zh-CN" sz="1800" dirty="0">
+                <a:solidFill>
+                  <a:srgbClr val="0D0D0D"/>
+                </a:solidFill>
+                <a:effectLst/>
+                <a:highlight>
+                  <a:srgbClr val="FFFFFF"/>
+                </a:highlight>
+                <a:latin typeface="Segoe UI" panose="020B0502040204020203" pitchFamily="34" charset="0"/>
+                <a:ea typeface="等线" panose="02010600030101010101" pitchFamily="2" charset="-122"/>
+              </a:rPr>
+              <a:t>Contains more V region and D region gene segments offering higher diversity.</a:t>
+            </a:r>
+          </a:p>
+          <a:p>
+            <a:pPr marL="285750" indent="-285750">
+              <a:buFont typeface="Arial" panose="020B0604020202020204" pitchFamily="34" charset="0"/>
+              <a:buChar char="•"/>
+            </a:pPr>
+            <a:r>
+              <a:rPr lang="en-US" altLang="zh-CN" sz="1800" dirty="0">
+                <a:solidFill>
+                  <a:srgbClr val="0D0D0D"/>
+                </a:solidFill>
+                <a:effectLst/>
+                <a:highlight>
+                  <a:srgbClr val="FFFFFF"/>
+                </a:highlight>
+                <a:latin typeface="Segoe UI" panose="020B0502040204020203" pitchFamily="34" charset="0"/>
+                <a:ea typeface="等线" panose="02010600030101010101" pitchFamily="2" charset="-122"/>
+              </a:rPr>
+              <a:t>Some TCR Beta chains are closer to each other.</a:t>
+            </a:r>
+          </a:p>
+          <a:p>
+            <a:pPr marL="285750" indent="-285750">
+              <a:buFont typeface="Arial" panose="020B0604020202020204" pitchFamily="34" charset="0"/>
+              <a:buChar char="•"/>
+            </a:pPr>
+            <a:r>
+              <a:rPr lang="en-US" altLang="zh-CN" dirty="0"/>
+              <a:t> A broader epitope recognition.</a:t>
+            </a:r>
           </a:p>
         </p:txBody>
       </p:sp>
     </p:spTree>
     <p:extLst>
       <p:ext uri="{BB962C8B-B14F-4D97-AF65-F5344CB8AC3E}">
-        <p14:creationId xmlns:p14="http://schemas.microsoft.com/office/powerpoint/2010/main" val="1500812702"/>
+        <p14:creationId xmlns:p14="http://schemas.microsoft.com/office/powerpoint/2010/main" val="2924801721"/>
       </p:ext>
     </p:extLst>
   </p:cSld>
@@ -5988,10 +6413,10 @@
       </p:grpSpPr>
       <p:sp>
         <p:nvSpPr>
-          <p:cNvPr id="2" name="Title 1">
-            <a:extLst>
-              <a:ext uri="{FF2B5EF4-FFF2-40B4-BE49-F238E27FC236}">
-                <a16:creationId xmlns:a16="http://schemas.microsoft.com/office/drawing/2014/main" id="{D8A2CCAF-115E-5664-3704-23FB5C19A9A5}"/>
+          <p:cNvPr id="7" name="标题 6">
+            <a:extLst>
+              <a:ext uri="{FF2B5EF4-FFF2-40B4-BE49-F238E27FC236}">
+                <a16:creationId xmlns:a16="http://schemas.microsoft.com/office/drawing/2014/main" id="{8695EF42-AF12-C103-1819-CBE4A5AF67A6}"/>
               </a:ext>
             </a:extLst>
           </p:cNvPr>
@@ -6004,24 +6429,23 @@
         </p:nvSpPr>
         <p:spPr/>
         <p:txBody>
-          <a:bodyPr>
-            <a:normAutofit fontScale="90000"/>
-          </a:bodyPr>
+          <a:bodyPr/>
           <a:lstStyle/>
           <a:p>
             <a:r>
-              <a:rPr lang="en-US" dirty="0"/>
-              <a:t>MODEL CREATION AND OUTCOMES 1-2 SLIDES</a:t>
-            </a:r>
+              <a:rPr lang="en-US" altLang="zh-CN" dirty="0"/>
+              <a:t>Clustering</a:t>
+            </a:r>
+            <a:endParaRPr lang="zh-CN" altLang="en-US" dirty="0"/>
           </a:p>
         </p:txBody>
       </p:sp>
       <p:sp>
         <p:nvSpPr>
-          <p:cNvPr id="3" name="Content Placeholder 2">
-            <a:extLst>
-              <a:ext uri="{FF2B5EF4-FFF2-40B4-BE49-F238E27FC236}">
-                <a16:creationId xmlns:a16="http://schemas.microsoft.com/office/drawing/2014/main" id="{DAC1B921-FEC6-F70F-E466-211D8202B556}"/>
+          <p:cNvPr id="3" name="内容占位符 2">
+            <a:extLst>
+              <a:ext uri="{FF2B5EF4-FFF2-40B4-BE49-F238E27FC236}">
+                <a16:creationId xmlns:a16="http://schemas.microsoft.com/office/drawing/2014/main" id="{38EB1253-3FB9-9EC9-5D03-C127F420F949}"/>
               </a:ext>
             </a:extLst>
           </p:cNvPr>
@@ -6032,14 +6456,1261 @@
             <p:ph idx="1"/>
           </p:nvPr>
         </p:nvSpPr>
+        <p:spPr>
+          <a:xfrm>
+            <a:off x="400050" y="2750126"/>
+            <a:ext cx="6058156" cy="4212649"/>
+          </a:xfrm>
+        </p:spPr>
+        <p:txBody>
+          <a:bodyPr>
+            <a:normAutofit fontScale="92500" lnSpcReduction="20000"/>
+          </a:bodyPr>
+          <a:lstStyle/>
+          <a:p>
+            <a:r>
+              <a:rPr lang="en-US" altLang="zh-CN" dirty="0"/>
+              <a:t>2 Methods</a:t>
+            </a:r>
+          </a:p>
+          <a:p>
+            <a:pPr marL="342900" indent="-342900">
+              <a:buFont typeface="Arial" panose="020B0604020202020204" pitchFamily="34" charset="0"/>
+              <a:buChar char="•"/>
+            </a:pPr>
+            <a:r>
+              <a:rPr lang="en-US" altLang="zh-CN" dirty="0"/>
+              <a:t>DBSCAN: An effective density-based clustering method which can identified the clusters as high-density regions separated from low-density regions. It do not need the number of clusters and can find arbitrarily-shaped clusters. It cannot cluster data well with large differences in densities.</a:t>
+            </a:r>
+          </a:p>
+          <a:p>
+            <a:pPr marL="342900" indent="-342900">
+              <a:buFont typeface="Arial" panose="020B0604020202020204" pitchFamily="34" charset="0"/>
+              <a:buChar char="•"/>
+            </a:pPr>
+            <a:r>
+              <a:rPr lang="en-ID" altLang="zh-CN" dirty="0"/>
+              <a:t>Hierarchical Clustering:</a:t>
+            </a:r>
+            <a:r>
+              <a:rPr lang="en-US" altLang="zh-CN" dirty="0"/>
+              <a:t> A bottom-up clustering algorithm that gradually merges data points into clusters, and represents the similarity relationship between data points through a tree-like structure. It probes the data at different levels of granularity and can discover hierarchical structure.</a:t>
+            </a:r>
+            <a:endParaRPr lang="zh-CN" altLang="en-US" dirty="0"/>
+          </a:p>
+        </p:txBody>
+      </p:sp>
+      <p:sp>
+        <p:nvSpPr>
+          <p:cNvPr id="4" name="内容占位符 2">
+            <a:extLst>
+              <a:ext uri="{FF2B5EF4-FFF2-40B4-BE49-F238E27FC236}">
+                <a16:creationId xmlns:a16="http://schemas.microsoft.com/office/drawing/2014/main" id="{FEDDA1D0-3724-1885-1006-0DC7A5A80FFF}"/>
+              </a:ext>
+            </a:extLst>
+          </p:cNvPr>
+          <p:cNvSpPr txBox="1">
+            <a:spLocks/>
+          </p:cNvSpPr>
+          <p:nvPr/>
+        </p:nvSpPr>
+        <p:spPr>
+          <a:xfrm>
+            <a:off x="6458206" y="2786651"/>
+            <a:ext cx="5121460" cy="3261789"/>
+          </a:xfrm>
+          <a:prstGeom prst="rect">
+            <a:avLst/>
+          </a:prstGeom>
+        </p:spPr>
+        <p:txBody>
+          <a:bodyPr vert="horz" lIns="91440" tIns="45720" rIns="91440" bIns="45720" rtlCol="0">
+            <a:normAutofit fontScale="92500" lnSpcReduction="20000"/>
+          </a:bodyPr>
+          <a:lstStyle>
+            <a:lvl1pPr marL="0" indent="0" algn="l" defTabSz="914400" rtl="0" eaLnBrk="1" latinLnBrk="0" hangingPunct="1">
+              <a:lnSpc>
+                <a:spcPct val="110000"/>
+              </a:lnSpc>
+              <a:spcBef>
+                <a:spcPts val="1000"/>
+              </a:spcBef>
+              <a:buFont typeface="Arial" panose="020B0604020202020204" pitchFamily="34" charset="0"/>
+              <a:buNone/>
+              <a:defRPr sz="2200" kern="1200">
+                <a:solidFill>
+                  <a:schemeClr val="tx1"/>
+                </a:solidFill>
+                <a:latin typeface="+mn-lt"/>
+                <a:ea typeface="+mn-ea"/>
+                <a:cs typeface="+mn-cs"/>
+              </a:defRPr>
+            </a:lvl1pPr>
+            <a:lvl2pPr marL="228600" indent="0" algn="l" defTabSz="914400" rtl="0" eaLnBrk="1" latinLnBrk="0" hangingPunct="1">
+              <a:lnSpc>
+                <a:spcPct val="110000"/>
+              </a:lnSpc>
+              <a:spcBef>
+                <a:spcPts val="500"/>
+              </a:spcBef>
+              <a:buFont typeface="Arial" panose="020B0604020202020204" pitchFamily="34" charset="0"/>
+              <a:buNone/>
+              <a:defRPr sz="2000" kern="1200">
+                <a:solidFill>
+                  <a:schemeClr val="tx1"/>
+                </a:solidFill>
+                <a:latin typeface="+mn-lt"/>
+                <a:ea typeface="+mn-ea"/>
+                <a:cs typeface="+mn-cs"/>
+              </a:defRPr>
+            </a:lvl2pPr>
+            <a:lvl3pPr marL="457200" indent="0" algn="l" defTabSz="914400" rtl="0" eaLnBrk="1" latinLnBrk="0" hangingPunct="1">
+              <a:lnSpc>
+                <a:spcPct val="110000"/>
+              </a:lnSpc>
+              <a:spcBef>
+                <a:spcPts val="500"/>
+              </a:spcBef>
+              <a:buFont typeface="Arial" panose="020B0604020202020204" pitchFamily="34" charset="0"/>
+              <a:buNone/>
+              <a:defRPr sz="1800" kern="1200">
+                <a:solidFill>
+                  <a:schemeClr val="tx1"/>
+                </a:solidFill>
+                <a:latin typeface="+mn-lt"/>
+                <a:ea typeface="+mn-ea"/>
+                <a:cs typeface="+mn-cs"/>
+              </a:defRPr>
+            </a:lvl3pPr>
+            <a:lvl4pPr marL="685800" indent="0" algn="l" defTabSz="914400" rtl="0" eaLnBrk="1" latinLnBrk="0" hangingPunct="1">
+              <a:lnSpc>
+                <a:spcPct val="110000"/>
+              </a:lnSpc>
+              <a:spcBef>
+                <a:spcPts val="500"/>
+              </a:spcBef>
+              <a:buFont typeface="Arial" panose="020B0604020202020204" pitchFamily="34" charset="0"/>
+              <a:buNone/>
+              <a:defRPr sz="1600" kern="1200">
+                <a:solidFill>
+                  <a:schemeClr val="tx1"/>
+                </a:solidFill>
+                <a:latin typeface="+mn-lt"/>
+                <a:ea typeface="+mn-ea"/>
+                <a:cs typeface="+mn-cs"/>
+              </a:defRPr>
+            </a:lvl4pPr>
+            <a:lvl5pPr marL="914400" indent="0" algn="l" defTabSz="914400" rtl="0" eaLnBrk="1" latinLnBrk="0" hangingPunct="1">
+              <a:lnSpc>
+                <a:spcPct val="110000"/>
+              </a:lnSpc>
+              <a:spcBef>
+                <a:spcPts val="500"/>
+              </a:spcBef>
+              <a:buFont typeface="Arial" panose="020B0604020202020204" pitchFamily="34" charset="0"/>
+              <a:buNone/>
+              <a:defRPr sz="1600" kern="1200">
+                <a:solidFill>
+                  <a:schemeClr val="tx1"/>
+                </a:solidFill>
+                <a:latin typeface="+mn-lt"/>
+                <a:ea typeface="+mn-ea"/>
+                <a:cs typeface="+mn-cs"/>
+              </a:defRPr>
+            </a:lvl5pPr>
+            <a:lvl6pPr marL="2514600" indent="-228600" algn="l" defTabSz="914400" rtl="0" eaLnBrk="1" latinLnBrk="0" hangingPunct="1">
+              <a:lnSpc>
+                <a:spcPct val="90000"/>
+              </a:lnSpc>
+              <a:spcBef>
+                <a:spcPts val="500"/>
+              </a:spcBef>
+              <a:buFont typeface="Arial" panose="020B0604020202020204" pitchFamily="34" charset="0"/>
+              <a:buChar char="•"/>
+              <a:defRPr sz="1800" kern="1200">
+                <a:solidFill>
+                  <a:schemeClr val="tx1"/>
+                </a:solidFill>
+                <a:latin typeface="+mn-lt"/>
+                <a:ea typeface="+mn-ea"/>
+                <a:cs typeface="+mn-cs"/>
+              </a:defRPr>
+            </a:lvl6pPr>
+            <a:lvl7pPr marL="2971800" indent="-228600" algn="l" defTabSz="914400" rtl="0" eaLnBrk="1" latinLnBrk="0" hangingPunct="1">
+              <a:lnSpc>
+                <a:spcPct val="90000"/>
+              </a:lnSpc>
+              <a:spcBef>
+                <a:spcPts val="500"/>
+              </a:spcBef>
+              <a:buFont typeface="Arial" panose="020B0604020202020204" pitchFamily="34" charset="0"/>
+              <a:buChar char="•"/>
+              <a:defRPr sz="1800" kern="1200">
+                <a:solidFill>
+                  <a:schemeClr val="tx1"/>
+                </a:solidFill>
+                <a:latin typeface="+mn-lt"/>
+                <a:ea typeface="+mn-ea"/>
+                <a:cs typeface="+mn-cs"/>
+              </a:defRPr>
+            </a:lvl7pPr>
+            <a:lvl8pPr marL="3429000" indent="-228600" algn="l" defTabSz="914400" rtl="0" eaLnBrk="1" latinLnBrk="0" hangingPunct="1">
+              <a:lnSpc>
+                <a:spcPct val="90000"/>
+              </a:lnSpc>
+              <a:spcBef>
+                <a:spcPts val="500"/>
+              </a:spcBef>
+              <a:buFont typeface="Arial" panose="020B0604020202020204" pitchFamily="34" charset="0"/>
+              <a:buChar char="•"/>
+              <a:defRPr sz="1800" kern="1200">
+                <a:solidFill>
+                  <a:schemeClr val="tx1"/>
+                </a:solidFill>
+                <a:latin typeface="+mn-lt"/>
+                <a:ea typeface="+mn-ea"/>
+                <a:cs typeface="+mn-cs"/>
+              </a:defRPr>
+            </a:lvl8pPr>
+            <a:lvl9pPr marL="3886200" indent="-228600" algn="l" defTabSz="914400" rtl="0" eaLnBrk="1" latinLnBrk="0" hangingPunct="1">
+              <a:lnSpc>
+                <a:spcPct val="90000"/>
+              </a:lnSpc>
+              <a:spcBef>
+                <a:spcPts val="500"/>
+              </a:spcBef>
+              <a:buFont typeface="Arial" panose="020B0604020202020204" pitchFamily="34" charset="0"/>
+              <a:buChar char="•"/>
+              <a:defRPr sz="1800" kern="1200">
+                <a:solidFill>
+                  <a:schemeClr val="tx1"/>
+                </a:solidFill>
+                <a:latin typeface="+mn-lt"/>
+                <a:ea typeface="+mn-ea"/>
+                <a:cs typeface="+mn-cs"/>
+              </a:defRPr>
+            </a:lvl9pPr>
+          </a:lstStyle>
+          <a:p>
+            <a:r>
+              <a:rPr lang="en-US" altLang="zh-CN" dirty="0"/>
+              <a:t>3 Metrices</a:t>
+            </a:r>
+          </a:p>
+          <a:p>
+            <a:pPr marL="342900" indent="-342900">
+              <a:buFont typeface="Arial" panose="020B0604020202020204" pitchFamily="34" charset="0"/>
+              <a:buChar char="•"/>
+            </a:pPr>
+            <a:r>
+              <a:rPr lang="en-ID" altLang="zh-CN" dirty="0"/>
+              <a:t>Pure Cluster Fraction</a:t>
+            </a:r>
+            <a:r>
+              <a:rPr lang="en-US" altLang="zh-CN" dirty="0"/>
+              <a:t>: The percentage of pure clusters out of all clusters.</a:t>
+            </a:r>
+          </a:p>
+          <a:p>
+            <a:pPr marL="342900" indent="-342900">
+              <a:buFont typeface="Arial" panose="020B0604020202020204" pitchFamily="34" charset="0"/>
+              <a:buChar char="•"/>
+            </a:pPr>
+            <a:r>
+              <a:rPr lang="en-ID" altLang="zh-CN" dirty="0"/>
+              <a:t>Pure Cluster Retention: </a:t>
+            </a:r>
+            <a:r>
+              <a:rPr lang="en-US" altLang="zh-CN" dirty="0"/>
+              <a:t>The percentage of TCRs classified as pure clusters out of all TCRs.</a:t>
+            </a:r>
+          </a:p>
+          <a:p>
+            <a:pPr marL="342900" indent="-342900">
+              <a:buFont typeface="Arial" panose="020B0604020202020204" pitchFamily="34" charset="0"/>
+              <a:buChar char="•"/>
+            </a:pPr>
+            <a:r>
+              <a:rPr lang="en-ID" altLang="zh-CN" dirty="0"/>
+              <a:t>Normalized Mutual Information(NMI): </a:t>
+            </a:r>
+            <a:r>
+              <a:rPr lang="en-US" altLang="zh-CN" dirty="0"/>
+              <a:t>Twice the mutual information divided by the sum of the entropies of the two labels(</a:t>
+            </a:r>
+            <a:r>
+              <a:rPr lang="en-ID" altLang="zh-CN" dirty="0"/>
+              <a:t>cluster label and specificity</a:t>
+            </a:r>
+            <a:r>
+              <a:rPr lang="en-US" altLang="zh-CN" dirty="0"/>
+              <a:t>).</a:t>
+            </a:r>
+            <a:endParaRPr lang="zh-CN" altLang="en-US" dirty="0"/>
+          </a:p>
+        </p:txBody>
+      </p:sp>
+    </p:spTree>
+    <p:extLst>
+      <p:ext uri="{BB962C8B-B14F-4D97-AF65-F5344CB8AC3E}">
+        <p14:creationId xmlns:p14="http://schemas.microsoft.com/office/powerpoint/2010/main" val="425046755"/>
+      </p:ext>
+    </p:extLst>
+  </p:cSld>
+  <p:clrMapOvr>
+    <a:masterClrMapping/>
+  </p:clrMapOvr>
+</p:sld>
+</file>
+
+<file path=ppt/slides/slide13.xml><?xml version="1.0" encoding="utf-8"?>
+<p:sld xmlns:a="http://schemas.openxmlformats.org/drawingml/2006/main" xmlns:r="http://schemas.openxmlformats.org/officeDocument/2006/relationships" xmlns:p="http://schemas.openxmlformats.org/presentationml/2006/main">
+  <p:cSld>
+    <p:spTree>
+      <p:nvGrpSpPr>
+        <p:cNvPr id="1" name=""/>
+        <p:cNvGrpSpPr/>
+        <p:nvPr/>
+      </p:nvGrpSpPr>
+      <p:grpSpPr>
+        <a:xfrm>
+          <a:off x="0" y="0"/>
+          <a:ext cx="0" cy="0"/>
+          <a:chOff x="0" y="0"/>
+          <a:chExt cx="0" cy="0"/>
+        </a:xfrm>
+      </p:grpSpPr>
+      <p:pic>
+        <p:nvPicPr>
+          <p:cNvPr id="11" name="内容占位符 10">
+            <a:extLst>
+              <a:ext uri="{FF2B5EF4-FFF2-40B4-BE49-F238E27FC236}">
+                <a16:creationId xmlns:a16="http://schemas.microsoft.com/office/drawing/2014/main" id="{56519AA8-FC18-531A-7476-125362D3C4B3}"/>
+              </a:ext>
+            </a:extLst>
+          </p:cNvPr>
+          <p:cNvPicPr>
+            <a:picLocks noGrp="1" noChangeAspect="1"/>
+          </p:cNvPicPr>
+          <p:nvPr>
+            <p:ph idx="1"/>
+          </p:nvPr>
+        </p:nvPicPr>
+        <p:blipFill>
+          <a:blip r:embed="rId2"/>
+          <a:stretch>
+            <a:fillRect/>
+          </a:stretch>
+        </p:blipFill>
+        <p:spPr>
+          <a:xfrm>
+            <a:off x="4819659" y="3163048"/>
+            <a:ext cx="6972658" cy="2044805"/>
+          </a:xfrm>
+        </p:spPr>
+      </p:pic>
+      <p:sp>
+        <p:nvSpPr>
+          <p:cNvPr id="7" name="标题 6">
+            <a:extLst>
+              <a:ext uri="{FF2B5EF4-FFF2-40B4-BE49-F238E27FC236}">
+                <a16:creationId xmlns:a16="http://schemas.microsoft.com/office/drawing/2014/main" id="{8695EF42-AF12-C103-1819-CBE4A5AF67A6}"/>
+              </a:ext>
+            </a:extLst>
+          </p:cNvPr>
+          <p:cNvSpPr>
+            <a:spLocks noGrp="1"/>
+          </p:cNvSpPr>
+          <p:nvPr>
+            <p:ph type="title"/>
+          </p:nvPr>
+        </p:nvSpPr>
         <p:spPr/>
         <p:txBody>
           <a:bodyPr/>
           <a:lstStyle/>
           <a:p>
             <a:r>
+              <a:rPr lang="en-US" altLang="zh-CN" dirty="0"/>
+              <a:t>Human vs. Mouse</a:t>
+            </a:r>
+            <a:endParaRPr lang="zh-CN" altLang="en-US" dirty="0"/>
+          </a:p>
+        </p:txBody>
+      </p:sp>
+      <p:sp>
+        <p:nvSpPr>
+          <p:cNvPr id="12" name="文本框 11">
+            <a:extLst>
+              <a:ext uri="{FF2B5EF4-FFF2-40B4-BE49-F238E27FC236}">
+                <a16:creationId xmlns:a16="http://schemas.microsoft.com/office/drawing/2014/main" id="{5753E2E0-CB77-D857-EF46-D5C7137C31C3}"/>
+              </a:ext>
+            </a:extLst>
+          </p:cNvPr>
+          <p:cNvSpPr txBox="1"/>
+          <p:nvPr/>
+        </p:nvSpPr>
+        <p:spPr>
+          <a:xfrm>
+            <a:off x="299332" y="2960525"/>
+            <a:ext cx="4375179" cy="923330"/>
+          </a:xfrm>
+          <a:prstGeom prst="rect">
+            <a:avLst/>
+          </a:prstGeom>
+          <a:noFill/>
+          <a:ln>
+            <a:solidFill>
+              <a:srgbClr val="FF0000"/>
+            </a:solidFill>
+          </a:ln>
+        </p:spPr>
+        <p:txBody>
+          <a:bodyPr wrap="square" rtlCol="0">
+            <a:spAutoFit/>
+          </a:bodyPr>
+          <a:lstStyle/>
+          <a:p>
+            <a:r>
+              <a:rPr lang="en-US" altLang="zh-CN" dirty="0"/>
+              <a:t>Hierarchical clustering performs better on human TCR and DBSCAN performs better on mouse TCR.</a:t>
+            </a:r>
+            <a:endParaRPr lang="en-GB" altLang="zh-CN" sz="1800" dirty="0">
+              <a:solidFill>
+                <a:srgbClr val="0D0D0D"/>
+              </a:solidFill>
+              <a:effectLst/>
+              <a:highlight>
+                <a:srgbClr val="FFFFFF"/>
+              </a:highlight>
+              <a:latin typeface="Segoe UI" panose="020B0502040204020203" pitchFamily="34" charset="0"/>
+              <a:ea typeface="等线" panose="02010600030101010101" pitchFamily="2" charset="-122"/>
+            </a:endParaRPr>
+          </a:p>
+        </p:txBody>
+      </p:sp>
+      <p:sp>
+        <p:nvSpPr>
+          <p:cNvPr id="3" name="文本框 2">
+            <a:extLst>
+              <a:ext uri="{FF2B5EF4-FFF2-40B4-BE49-F238E27FC236}">
+                <a16:creationId xmlns:a16="http://schemas.microsoft.com/office/drawing/2014/main" id="{F2471B7B-EEF6-CCBB-C635-7D9F39C44992}"/>
+              </a:ext>
+            </a:extLst>
+          </p:cNvPr>
+          <p:cNvSpPr txBox="1"/>
+          <p:nvPr/>
+        </p:nvSpPr>
+        <p:spPr>
+          <a:xfrm>
+            <a:off x="299332" y="4229959"/>
+            <a:ext cx="4203700" cy="1200329"/>
+          </a:xfrm>
+          <a:prstGeom prst="rect">
+            <a:avLst/>
+          </a:prstGeom>
+          <a:noFill/>
+          <a:ln>
+            <a:solidFill>
+              <a:srgbClr val="00B0F0"/>
+            </a:solidFill>
+          </a:ln>
+        </p:spPr>
+        <p:txBody>
+          <a:bodyPr wrap="square">
+            <a:spAutoFit/>
+          </a:bodyPr>
+          <a:lstStyle/>
+          <a:p>
+            <a:pPr marL="285750" indent="-285750">
+              <a:buFont typeface="Arial" panose="020B0604020202020204" pitchFamily="34" charset="0"/>
+              <a:buChar char="•"/>
+            </a:pPr>
+            <a:r>
+              <a:rPr lang="en-US" altLang="zh-CN" dirty="0">
+                <a:latin typeface="Söhne"/>
+                <a:cs typeface="Times New Roman" panose="02020603050405020304" pitchFamily="18" charset="0"/>
+              </a:rPr>
+              <a:t>H</a:t>
+            </a:r>
+            <a:r>
+              <a:rPr lang="en-US" altLang="zh-CN" sz="1800" dirty="0">
+                <a:effectLst/>
+                <a:latin typeface="Söhne"/>
+                <a:cs typeface="Times New Roman" panose="02020603050405020304" pitchFamily="18" charset="0"/>
+              </a:rPr>
+              <a:t>uman TCR data distribution have a more apparent hierarchical structure.</a:t>
+            </a:r>
+          </a:p>
+          <a:p>
+            <a:pPr marL="285750" indent="-285750">
+              <a:buFont typeface="Arial" panose="020B0604020202020204" pitchFamily="34" charset="0"/>
+              <a:buChar char="•"/>
+            </a:pPr>
+            <a:r>
+              <a:rPr lang="en-US" altLang="zh-CN" sz="1800" dirty="0">
+                <a:effectLst/>
+                <a:latin typeface="Söhne"/>
+                <a:cs typeface="Times New Roman" panose="02020603050405020304" pitchFamily="18" charset="0"/>
+              </a:rPr>
+              <a:t>Mouse TCR density distribution is less dispersed or variable.</a:t>
+            </a:r>
+          </a:p>
+        </p:txBody>
+      </p:sp>
+    </p:spTree>
+    <p:extLst>
+      <p:ext uri="{BB962C8B-B14F-4D97-AF65-F5344CB8AC3E}">
+        <p14:creationId xmlns:p14="http://schemas.microsoft.com/office/powerpoint/2010/main" val="1656236313"/>
+      </p:ext>
+    </p:extLst>
+  </p:cSld>
+  <p:clrMapOvr>
+    <a:masterClrMapping/>
+  </p:clrMapOvr>
+</p:sld>
+</file>
+
+<file path=ppt/slides/slide14.xml><?xml version="1.0" encoding="utf-8"?>
+<p:sld xmlns:a="http://schemas.openxmlformats.org/drawingml/2006/main" xmlns:r="http://schemas.openxmlformats.org/officeDocument/2006/relationships" xmlns:p="http://schemas.openxmlformats.org/presentationml/2006/main">
+  <p:cSld>
+    <p:spTree>
+      <p:nvGrpSpPr>
+        <p:cNvPr id="1" name=""/>
+        <p:cNvGrpSpPr/>
+        <p:nvPr/>
+      </p:nvGrpSpPr>
+      <p:grpSpPr>
+        <a:xfrm>
+          <a:off x="0" y="0"/>
+          <a:ext cx="0" cy="0"/>
+          <a:chOff x="0" y="0"/>
+          <a:chExt cx="0" cy="0"/>
+        </a:xfrm>
+      </p:grpSpPr>
+      <p:pic>
+        <p:nvPicPr>
+          <p:cNvPr id="11" name="内容占位符 10">
+            <a:extLst>
+              <a:ext uri="{FF2B5EF4-FFF2-40B4-BE49-F238E27FC236}">
+                <a16:creationId xmlns:a16="http://schemas.microsoft.com/office/drawing/2014/main" id="{56519AA8-FC18-531A-7476-125362D3C4B3}"/>
+              </a:ext>
+            </a:extLst>
+          </p:cNvPr>
+          <p:cNvPicPr>
+            <a:picLocks noGrp="1" noChangeAspect="1"/>
+          </p:cNvPicPr>
+          <p:nvPr>
+            <p:ph idx="1"/>
+          </p:nvPr>
+        </p:nvPicPr>
+        <p:blipFill>
+          <a:blip r:embed="rId2"/>
+          <a:stretch>
+            <a:fillRect/>
+          </a:stretch>
+        </p:blipFill>
+        <p:spPr>
+          <a:xfrm>
+            <a:off x="4707466" y="3917210"/>
+            <a:ext cx="6903671" cy="2044805"/>
+          </a:xfrm>
+        </p:spPr>
+      </p:pic>
+      <p:sp>
+        <p:nvSpPr>
+          <p:cNvPr id="7" name="标题 6">
+            <a:extLst>
+              <a:ext uri="{FF2B5EF4-FFF2-40B4-BE49-F238E27FC236}">
+                <a16:creationId xmlns:a16="http://schemas.microsoft.com/office/drawing/2014/main" id="{8695EF42-AF12-C103-1819-CBE4A5AF67A6}"/>
+              </a:ext>
+            </a:extLst>
+          </p:cNvPr>
+          <p:cNvSpPr>
+            <a:spLocks noGrp="1"/>
+          </p:cNvSpPr>
+          <p:nvPr>
+            <p:ph type="title"/>
+          </p:nvPr>
+        </p:nvSpPr>
+        <p:spPr/>
+        <p:txBody>
+          <a:bodyPr>
+            <a:normAutofit fontScale="90000"/>
+          </a:bodyPr>
+          <a:lstStyle/>
+          <a:p>
+            <a:r>
+              <a:rPr lang="en-ID" altLang="zh-CN" dirty="0"/>
+              <a:t>Agglomerative Hierarchical Clustering</a:t>
+            </a:r>
+            <a:br>
+              <a:rPr lang="en-ID" altLang="zh-CN" dirty="0"/>
+            </a:br>
+            <a:r>
+              <a:rPr lang="en-US" altLang="zh-CN" dirty="0"/>
+              <a:t> vs. </a:t>
+            </a:r>
+            <a:br>
+              <a:rPr lang="en-US" altLang="zh-CN" dirty="0"/>
+            </a:br>
+            <a:r>
+              <a:rPr lang="en-US" altLang="zh-CN" dirty="0"/>
+              <a:t>DBSCAN</a:t>
+            </a:r>
+            <a:endParaRPr lang="zh-CN" altLang="en-US" dirty="0"/>
+          </a:p>
+        </p:txBody>
+      </p:sp>
+      <p:sp>
+        <p:nvSpPr>
+          <p:cNvPr id="3" name="文本框 2">
+            <a:extLst>
+              <a:ext uri="{FF2B5EF4-FFF2-40B4-BE49-F238E27FC236}">
+                <a16:creationId xmlns:a16="http://schemas.microsoft.com/office/drawing/2014/main" id="{55C7BAEF-154A-6AD1-2901-8FE5EFFD0088}"/>
+              </a:ext>
+            </a:extLst>
+          </p:cNvPr>
+          <p:cNvSpPr txBox="1"/>
+          <p:nvPr/>
+        </p:nvSpPr>
+        <p:spPr>
+          <a:xfrm>
+            <a:off x="380459" y="2896383"/>
+            <a:ext cx="10169995" cy="923330"/>
+          </a:xfrm>
+          <a:prstGeom prst="rect">
+            <a:avLst/>
+          </a:prstGeom>
+          <a:noFill/>
+          <a:ln>
+            <a:solidFill>
+              <a:srgbClr val="FF0000"/>
+            </a:solidFill>
+          </a:ln>
+        </p:spPr>
+        <p:txBody>
+          <a:bodyPr wrap="square">
+            <a:spAutoFit/>
+          </a:bodyPr>
+          <a:lstStyle/>
+          <a:p>
+            <a:pPr marL="285750" indent="-285750">
+              <a:buFont typeface="Arial" panose="020B0604020202020204" pitchFamily="34" charset="0"/>
+              <a:buChar char="•"/>
+            </a:pPr>
+            <a:r>
+              <a:rPr lang="en-US" altLang="zh-CN" dirty="0">
+                <a:ea typeface="+mj-ea"/>
+                <a:cs typeface="Times New Roman" panose="02020603050405020304" pitchFamily="18" charset="0"/>
+              </a:rPr>
+              <a:t>P</a:t>
+            </a:r>
+            <a:r>
+              <a:rPr lang="en-US" altLang="zh-CN" sz="1800" dirty="0">
+                <a:effectLst/>
+                <a:ea typeface="+mj-ea"/>
+                <a:cs typeface="Times New Roman" panose="02020603050405020304" pitchFamily="18" charset="0"/>
+              </a:rPr>
+              <a:t>urity fraction: DBSCAN results is half of hierarchical clustering.</a:t>
+            </a:r>
+          </a:p>
+          <a:p>
+            <a:pPr marL="285750" indent="-285750">
+              <a:buFont typeface="Arial" panose="020B0604020202020204" pitchFamily="34" charset="0"/>
+              <a:buChar char="•"/>
+            </a:pPr>
+            <a:r>
+              <a:rPr lang="en-US" altLang="zh-CN" dirty="0">
+                <a:ea typeface="+mj-ea"/>
+                <a:cs typeface="Times New Roman" panose="02020603050405020304" pitchFamily="18" charset="0"/>
+              </a:rPr>
+              <a:t>P</a:t>
+            </a:r>
+            <a:r>
+              <a:rPr lang="en-US" altLang="zh-CN" sz="1800" dirty="0">
+                <a:effectLst/>
+                <a:ea typeface="+mj-ea"/>
+                <a:cs typeface="Times New Roman" panose="02020603050405020304" pitchFamily="18" charset="0"/>
+              </a:rPr>
+              <a:t>urity retention: DBSCAN  is nearly only a quarter of hierarchical clustering.</a:t>
+            </a:r>
+          </a:p>
+          <a:p>
+            <a:pPr marL="285750" indent="-285750">
+              <a:buFont typeface="Arial" panose="020B0604020202020204" pitchFamily="34" charset="0"/>
+              <a:buChar char="•"/>
+            </a:pPr>
+            <a:r>
+              <a:rPr lang="en-US" altLang="zh-CN" sz="1800" dirty="0">
+                <a:effectLst/>
+                <a:ea typeface="+mj-ea"/>
+                <a:cs typeface="Times New Roman" panose="02020603050405020304" pitchFamily="18" charset="0"/>
+              </a:rPr>
+              <a:t>NMI: DBSCAN has a relatively small gap with hierarchical clustering.</a:t>
+            </a:r>
+            <a:endParaRPr lang="zh-CN" altLang="en-US" dirty="0">
+              <a:ea typeface="+mj-ea"/>
+            </a:endParaRPr>
+          </a:p>
+        </p:txBody>
+      </p:sp>
+      <p:sp>
+        <p:nvSpPr>
+          <p:cNvPr id="2" name="文本框 1">
+            <a:extLst>
+              <a:ext uri="{FF2B5EF4-FFF2-40B4-BE49-F238E27FC236}">
+                <a16:creationId xmlns:a16="http://schemas.microsoft.com/office/drawing/2014/main" id="{D1D944F4-4619-5C70-521A-1B26AB1EA113}"/>
+              </a:ext>
+            </a:extLst>
+          </p:cNvPr>
+          <p:cNvSpPr txBox="1"/>
+          <p:nvPr/>
+        </p:nvSpPr>
+        <p:spPr>
+          <a:xfrm>
+            <a:off x="380459" y="4152566"/>
+            <a:ext cx="4327007" cy="1477328"/>
+          </a:xfrm>
+          <a:prstGeom prst="rect">
+            <a:avLst/>
+          </a:prstGeom>
+          <a:noFill/>
+          <a:ln>
+            <a:solidFill>
+              <a:srgbClr val="00B0F0"/>
+            </a:solidFill>
+          </a:ln>
+        </p:spPr>
+        <p:txBody>
+          <a:bodyPr wrap="square">
+            <a:spAutoFit/>
+          </a:bodyPr>
+          <a:lstStyle/>
+          <a:p>
+            <a:pPr marL="285750" indent="-285750">
+              <a:buFont typeface="Arial" panose="020B0604020202020204" pitchFamily="34" charset="0"/>
+              <a:buChar char="•"/>
+            </a:pPr>
+            <a:r>
+              <a:rPr lang="en-US" altLang="zh-CN" dirty="0">
+                <a:ea typeface="+mj-ea"/>
+              </a:rPr>
+              <a:t>The density distribution of TCR chains can be very heterogeneous.</a:t>
+            </a:r>
+          </a:p>
+          <a:p>
+            <a:pPr marL="285750" indent="-285750">
+              <a:buFont typeface="Arial" panose="020B0604020202020204" pitchFamily="34" charset="0"/>
+              <a:buChar char="•"/>
+            </a:pPr>
+            <a:r>
+              <a:rPr lang="en-US" altLang="zh-CN" dirty="0">
+                <a:ea typeface="+mj-ea"/>
+              </a:rPr>
+              <a:t>Hierarchical clustering is more robust and able to handle</a:t>
+            </a:r>
+            <a:r>
+              <a:rPr lang="en-US" altLang="zh-CN" dirty="0">
+                <a:solidFill>
+                  <a:srgbClr val="0D0D0D"/>
+                </a:solidFill>
+                <a:highlight>
+                  <a:srgbClr val="FFFFFF"/>
+                </a:highlight>
+                <a:latin typeface="Segoe UI" panose="020B0502040204020203" pitchFamily="34" charset="0"/>
+                <a:ea typeface="等线" panose="02010600030101010101" pitchFamily="2" charset="-122"/>
+              </a:rPr>
+              <a:t> complex and variable TCR distributions</a:t>
+            </a:r>
+            <a:endParaRPr lang="en-US" altLang="zh-CN" dirty="0">
+              <a:ea typeface="+mj-ea"/>
+            </a:endParaRPr>
+          </a:p>
+        </p:txBody>
+      </p:sp>
+    </p:spTree>
+    <p:extLst>
+      <p:ext uri="{BB962C8B-B14F-4D97-AF65-F5344CB8AC3E}">
+        <p14:creationId xmlns:p14="http://schemas.microsoft.com/office/powerpoint/2010/main" val="1873876021"/>
+      </p:ext>
+    </p:extLst>
+  </p:cSld>
+  <p:clrMapOvr>
+    <a:masterClrMapping/>
+  </p:clrMapOvr>
+</p:sld>
+</file>
+
+<file path=ppt/slides/slide15.xml><?xml version="1.0" encoding="utf-8"?>
+<p:sld xmlns:a="http://schemas.openxmlformats.org/drawingml/2006/main" xmlns:r="http://schemas.openxmlformats.org/officeDocument/2006/relationships" xmlns:p="http://schemas.openxmlformats.org/presentationml/2006/main">
+  <p:cSld>
+    <p:spTree>
+      <p:nvGrpSpPr>
+        <p:cNvPr id="1" name=""/>
+        <p:cNvGrpSpPr/>
+        <p:nvPr/>
+      </p:nvGrpSpPr>
+      <p:grpSpPr>
+        <a:xfrm>
+          <a:off x="0" y="0"/>
+          <a:ext cx="0" cy="0"/>
+          <a:chOff x="0" y="0"/>
+          <a:chExt cx="0" cy="0"/>
+        </a:xfrm>
+      </p:grpSpPr>
+      <p:sp>
+        <p:nvSpPr>
+          <p:cNvPr id="2" name="标题 1">
+            <a:extLst>
+              <a:ext uri="{FF2B5EF4-FFF2-40B4-BE49-F238E27FC236}">
+                <a16:creationId xmlns:a16="http://schemas.microsoft.com/office/drawing/2014/main" id="{61479695-F3B8-4212-F024-62833181F511}"/>
+              </a:ext>
+            </a:extLst>
+          </p:cNvPr>
+          <p:cNvSpPr>
+            <a:spLocks noGrp="1"/>
+          </p:cNvSpPr>
+          <p:nvPr>
+            <p:ph type="title"/>
+          </p:nvPr>
+        </p:nvSpPr>
+        <p:spPr>
+          <a:xfrm>
+            <a:off x="806875" y="73720"/>
+            <a:ext cx="6362013" cy="650841"/>
+          </a:xfrm>
+        </p:spPr>
+        <p:txBody>
+          <a:bodyPr>
+            <a:normAutofit/>
+          </a:bodyPr>
+          <a:lstStyle/>
+          <a:p>
+            <a:r>
+              <a:rPr lang="en-US" altLang="zh-CN" sz="2000" dirty="0"/>
+              <a:t>ANALYSIS ON CLUSTERING RESULTS (AGGLOMERATIVE)</a:t>
+            </a:r>
+            <a:endParaRPr lang="zh-CN" altLang="en-US" sz="2000" dirty="0"/>
+          </a:p>
+        </p:txBody>
+      </p:sp>
+      <p:pic>
+        <p:nvPicPr>
+          <p:cNvPr id="17" name="内容占位符 16" descr="图表, 折线图&#10;&#10;描述已自动生成">
+            <a:extLst>
+              <a:ext uri="{FF2B5EF4-FFF2-40B4-BE49-F238E27FC236}">
+                <a16:creationId xmlns:a16="http://schemas.microsoft.com/office/drawing/2014/main" id="{0F2EA432-3261-A558-F2AE-2DC2145B1597}"/>
+              </a:ext>
+            </a:extLst>
+          </p:cNvPr>
+          <p:cNvPicPr>
+            <a:picLocks noGrp="1" noChangeAspect="1"/>
+          </p:cNvPicPr>
+          <p:nvPr>
+            <p:ph idx="1"/>
+          </p:nvPr>
+        </p:nvPicPr>
+        <p:blipFill>
+          <a:blip r:embed="rId2"/>
+          <a:stretch>
+            <a:fillRect/>
+          </a:stretch>
+        </p:blipFill>
+        <p:spPr>
+          <a:xfrm>
+            <a:off x="637292" y="885552"/>
+            <a:ext cx="2665889" cy="1717388"/>
+          </a:xfrm>
+        </p:spPr>
+      </p:pic>
+      <p:pic>
+        <p:nvPicPr>
+          <p:cNvPr id="19" name="图片 18" descr="图表, 折线图&#10;&#10;描述已自动生成">
+            <a:extLst>
+              <a:ext uri="{FF2B5EF4-FFF2-40B4-BE49-F238E27FC236}">
+                <a16:creationId xmlns:a16="http://schemas.microsoft.com/office/drawing/2014/main" id="{769996E1-AA65-3757-3B40-1BBBE93EB3FC}"/>
+              </a:ext>
+            </a:extLst>
+          </p:cNvPr>
+          <p:cNvPicPr>
+            <a:picLocks noChangeAspect="1"/>
+          </p:cNvPicPr>
+          <p:nvPr/>
+        </p:nvPicPr>
+        <p:blipFill>
+          <a:blip r:embed="rId3"/>
+          <a:stretch>
+            <a:fillRect/>
+          </a:stretch>
+        </p:blipFill>
+        <p:spPr>
+          <a:xfrm>
+            <a:off x="3688965" y="885548"/>
+            <a:ext cx="2665889" cy="1717387"/>
+          </a:xfrm>
+          <a:prstGeom prst="rect">
+            <a:avLst/>
+          </a:prstGeom>
+        </p:spPr>
+      </p:pic>
+      <p:pic>
+        <p:nvPicPr>
+          <p:cNvPr id="21" name="图片 20" descr="图表, 折线图&#10;&#10;描述已自动生成">
+            <a:extLst>
+              <a:ext uri="{FF2B5EF4-FFF2-40B4-BE49-F238E27FC236}">
+                <a16:creationId xmlns:a16="http://schemas.microsoft.com/office/drawing/2014/main" id="{E7485E84-8291-D12B-27A4-879963369A76}"/>
+              </a:ext>
+            </a:extLst>
+          </p:cNvPr>
+          <p:cNvPicPr>
+            <a:picLocks noChangeAspect="1"/>
+          </p:cNvPicPr>
+          <p:nvPr/>
+        </p:nvPicPr>
+        <p:blipFill>
+          <a:blip r:embed="rId4"/>
+          <a:stretch>
+            <a:fillRect/>
+          </a:stretch>
+        </p:blipFill>
+        <p:spPr>
+          <a:xfrm>
+            <a:off x="6740638" y="885547"/>
+            <a:ext cx="2665889" cy="1717387"/>
+          </a:xfrm>
+          <a:prstGeom prst="rect">
+            <a:avLst/>
+          </a:prstGeom>
+        </p:spPr>
+      </p:pic>
+      <p:pic>
+        <p:nvPicPr>
+          <p:cNvPr id="23" name="图片 22" descr="图表, 折线图&#10;&#10;描述已自动生成">
+            <a:extLst>
+              <a:ext uri="{FF2B5EF4-FFF2-40B4-BE49-F238E27FC236}">
+                <a16:creationId xmlns:a16="http://schemas.microsoft.com/office/drawing/2014/main" id="{2293A320-7991-0C0A-2BB7-BEBCA7E353ED}"/>
+              </a:ext>
+            </a:extLst>
+          </p:cNvPr>
+          <p:cNvPicPr>
+            <a:picLocks noChangeAspect="1"/>
+          </p:cNvPicPr>
+          <p:nvPr/>
+        </p:nvPicPr>
+        <p:blipFill>
+          <a:blip r:embed="rId5"/>
+          <a:stretch>
+            <a:fillRect/>
+          </a:stretch>
+        </p:blipFill>
+        <p:spPr>
+          <a:xfrm>
+            <a:off x="625539" y="2602935"/>
+            <a:ext cx="2665889" cy="1717388"/>
+          </a:xfrm>
+          <a:prstGeom prst="rect">
+            <a:avLst/>
+          </a:prstGeom>
+        </p:spPr>
+      </p:pic>
+      <p:pic>
+        <p:nvPicPr>
+          <p:cNvPr id="25" name="图片 24" descr="图表, 折线图&#10;&#10;描述已自动生成">
+            <a:extLst>
+              <a:ext uri="{FF2B5EF4-FFF2-40B4-BE49-F238E27FC236}">
+                <a16:creationId xmlns:a16="http://schemas.microsoft.com/office/drawing/2014/main" id="{DE5D75D5-4D7D-EE13-635A-C9929E280870}"/>
+              </a:ext>
+            </a:extLst>
+          </p:cNvPr>
+          <p:cNvPicPr>
+            <a:picLocks noChangeAspect="1"/>
+          </p:cNvPicPr>
+          <p:nvPr/>
+        </p:nvPicPr>
+        <p:blipFill>
+          <a:blip r:embed="rId6"/>
+          <a:stretch>
+            <a:fillRect/>
+          </a:stretch>
+        </p:blipFill>
+        <p:spPr>
+          <a:xfrm>
+            <a:off x="3684971" y="2602934"/>
+            <a:ext cx="2665889" cy="1717387"/>
+          </a:xfrm>
+          <a:prstGeom prst="rect">
+            <a:avLst/>
+          </a:prstGeom>
+        </p:spPr>
+      </p:pic>
+      <p:pic>
+        <p:nvPicPr>
+          <p:cNvPr id="27" name="图片 26" descr="图表, 折线图&#10;&#10;描述已自动生成">
+            <a:extLst>
+              <a:ext uri="{FF2B5EF4-FFF2-40B4-BE49-F238E27FC236}">
+                <a16:creationId xmlns:a16="http://schemas.microsoft.com/office/drawing/2014/main" id="{6BE9918B-8FAB-DA9B-FDD8-4EDE07CC47A8}"/>
+              </a:ext>
+            </a:extLst>
+          </p:cNvPr>
+          <p:cNvPicPr>
+            <a:picLocks noChangeAspect="1"/>
+          </p:cNvPicPr>
+          <p:nvPr/>
+        </p:nvPicPr>
+        <p:blipFill>
+          <a:blip r:embed="rId7"/>
+          <a:stretch>
+            <a:fillRect/>
+          </a:stretch>
+        </p:blipFill>
+        <p:spPr>
+          <a:xfrm>
+            <a:off x="6728885" y="2602933"/>
+            <a:ext cx="2665888" cy="1717387"/>
+          </a:xfrm>
+          <a:prstGeom prst="rect">
+            <a:avLst/>
+          </a:prstGeom>
+        </p:spPr>
+      </p:pic>
+      <p:sp>
+        <p:nvSpPr>
+          <p:cNvPr id="29" name="文本框 28">
+            <a:extLst>
+              <a:ext uri="{FF2B5EF4-FFF2-40B4-BE49-F238E27FC236}">
+                <a16:creationId xmlns:a16="http://schemas.microsoft.com/office/drawing/2014/main" id="{5628B892-0D5D-A548-D2D4-430BEDA79223}"/>
+              </a:ext>
+            </a:extLst>
+          </p:cNvPr>
+          <p:cNvSpPr txBox="1"/>
+          <p:nvPr/>
+        </p:nvSpPr>
+        <p:spPr>
+          <a:xfrm>
+            <a:off x="625539" y="4430333"/>
+            <a:ext cx="10881734" cy="2339102"/>
+          </a:xfrm>
+          <a:prstGeom prst="rect">
+            <a:avLst/>
+          </a:prstGeom>
+          <a:noFill/>
+        </p:spPr>
+        <p:txBody>
+          <a:bodyPr wrap="square" rtlCol="0">
+            <a:spAutoFit/>
+          </a:bodyPr>
+          <a:lstStyle/>
+          <a:p>
+            <a:r>
+              <a:rPr lang="en-US" altLang="zh-CN" sz="1600" dirty="0" err="1">
+                <a:latin typeface="Times New Roman" panose="02020603050405020304" pitchFamily="18" charset="0"/>
+                <a:cs typeface="Times New Roman" panose="02020603050405020304" pitchFamily="18" charset="0"/>
+              </a:rPr>
+              <a:t>calculate_purity</a:t>
+            </a:r>
+            <a:r>
+              <a:rPr lang="en-US" altLang="zh-CN" sz="1600" dirty="0">
+                <a:latin typeface="Times New Roman" panose="02020603050405020304" pitchFamily="18" charset="0"/>
+                <a:cs typeface="Times New Roman" panose="02020603050405020304" pitchFamily="18" charset="0"/>
+              </a:rPr>
+              <a:t>: Determine the purity of each cluster by calculating the proportion of the most common target labels in each cluster.</a:t>
+            </a:r>
+          </a:p>
+          <a:p>
+            <a:r>
+              <a:rPr lang="en-US" altLang="zh-CN" sz="1600" dirty="0" err="1">
+                <a:latin typeface="Times New Roman" panose="02020603050405020304" pitchFamily="18" charset="0"/>
+                <a:cs typeface="Times New Roman" panose="02020603050405020304" pitchFamily="18" charset="0"/>
+              </a:rPr>
+              <a:t>pure_clusters_fraction</a:t>
+            </a:r>
+            <a:r>
+              <a:rPr lang="en-US" altLang="zh-CN" sz="1600" dirty="0">
+                <a:latin typeface="Times New Roman" panose="02020603050405020304" pitchFamily="18" charset="0"/>
+                <a:cs typeface="Times New Roman" panose="02020603050405020304" pitchFamily="18" charset="0"/>
+              </a:rPr>
+              <a:t>: Calculate the proportion of clusters with perfect purity (purity of 1).</a:t>
+            </a:r>
+          </a:p>
+          <a:p>
+            <a:r>
+              <a:rPr lang="en-US" altLang="zh-CN" sz="1600" dirty="0" err="1">
+                <a:latin typeface="Times New Roman" panose="02020603050405020304" pitchFamily="18" charset="0"/>
+                <a:cs typeface="Times New Roman" panose="02020603050405020304" pitchFamily="18" charset="0"/>
+              </a:rPr>
+              <a:t>pure_cluster_retention</a:t>
+            </a:r>
+            <a:r>
+              <a:rPr lang="en-US" altLang="zh-CN" sz="1600" dirty="0">
+                <a:latin typeface="Times New Roman" panose="02020603050405020304" pitchFamily="18" charset="0"/>
+                <a:cs typeface="Times New Roman" panose="02020603050405020304" pitchFamily="18" charset="0"/>
+              </a:rPr>
+              <a:t>: Evaluates the proportion of samples in all data that belong to completely pure clusters.</a:t>
+            </a:r>
+            <a:endParaRPr lang="zh-CN" altLang="en-US" sz="1600" b="0" i="0" dirty="0">
+              <a:solidFill>
+                <a:srgbClr val="0D0D0D"/>
+              </a:solidFill>
+              <a:effectLst/>
+              <a:latin typeface="Times New Roman" panose="02020603050405020304" pitchFamily="18" charset="0"/>
+              <a:cs typeface="Times New Roman" panose="02020603050405020304" pitchFamily="18" charset="0"/>
+            </a:endParaRPr>
+          </a:p>
+          <a:p>
+            <a:r>
+              <a:rPr lang="en-US" altLang="zh-CN" sz="1600" b="0" i="0" dirty="0">
+                <a:solidFill>
+                  <a:srgbClr val="0D0D0D"/>
+                </a:solidFill>
+                <a:effectLst/>
+                <a:latin typeface="Times New Roman" panose="02020603050405020304" pitchFamily="18" charset="0"/>
+                <a:cs typeface="Times New Roman" panose="02020603050405020304" pitchFamily="18" charset="0"/>
+              </a:rPr>
+              <a:t>These six figures show the impact of cluster number on Purity Fraction, Purity Retention and NMI. It can be observed that as the number of clusters increases, Purity Fraction and NMI generally show an upward trend, indicating that the refinement of clustering helps to improve the consistency of clustering and the increase of NMI. Purity Retention increases slowly in some cases because although the number of high-purity clusters increases, the proportion of samples belonging to these clusters in the overall data does not necessarily increase significantly.</a:t>
+            </a:r>
+            <a:endParaRPr lang="zh-CN" altLang="en-US" sz="1600" dirty="0">
+              <a:latin typeface="Times New Roman" panose="02020603050405020304" pitchFamily="18" charset="0"/>
+              <a:cs typeface="Times New Roman" panose="02020603050405020304" pitchFamily="18" charset="0"/>
+            </a:endParaRPr>
+          </a:p>
+        </p:txBody>
+      </p:sp>
+    </p:spTree>
+    <p:extLst>
+      <p:ext uri="{BB962C8B-B14F-4D97-AF65-F5344CB8AC3E}">
+        <p14:creationId xmlns:p14="http://schemas.microsoft.com/office/powerpoint/2010/main" val="1500812702"/>
+      </p:ext>
+    </p:extLst>
+  </p:cSld>
+  <p:clrMapOvr>
+    <a:masterClrMapping/>
+  </p:clrMapOvr>
+</p:sld>
+</file>
+
+<file path=ppt/slides/slide16.xml><?xml version="1.0" encoding="utf-8"?>
+<p:sld xmlns:a="http://schemas.openxmlformats.org/drawingml/2006/main" xmlns:r="http://schemas.openxmlformats.org/officeDocument/2006/relationships" xmlns:p="http://schemas.openxmlformats.org/presentationml/2006/main">
+  <p:cSld>
+    <p:spTree>
+      <p:nvGrpSpPr>
+        <p:cNvPr id="1" name=""/>
+        <p:cNvGrpSpPr/>
+        <p:nvPr/>
+      </p:nvGrpSpPr>
+      <p:grpSpPr>
+        <a:xfrm>
+          <a:off x="0" y="0"/>
+          <a:ext cx="0" cy="0"/>
+          <a:chOff x="0" y="0"/>
+          <a:chExt cx="0" cy="0"/>
+        </a:xfrm>
+      </p:grpSpPr>
+      <p:sp>
+        <p:nvSpPr>
+          <p:cNvPr id="2" name="Title 1">
+            <a:extLst>
+              <a:ext uri="{FF2B5EF4-FFF2-40B4-BE49-F238E27FC236}">
+                <a16:creationId xmlns:a16="http://schemas.microsoft.com/office/drawing/2014/main" id="{D8A2CCAF-115E-5664-3704-23FB5C19A9A5}"/>
+              </a:ext>
+            </a:extLst>
+          </p:cNvPr>
+          <p:cNvSpPr>
+            <a:spLocks noGrp="1"/>
+          </p:cNvSpPr>
+          <p:nvPr>
+            <p:ph type="title"/>
+          </p:nvPr>
+        </p:nvSpPr>
+        <p:spPr>
+          <a:xfrm>
+            <a:off x="761799" y="42130"/>
+            <a:ext cx="10381205" cy="1138084"/>
+          </a:xfrm>
+        </p:spPr>
+        <p:txBody>
+          <a:bodyPr>
+            <a:normAutofit/>
+          </a:bodyPr>
+          <a:lstStyle/>
+          <a:p>
+            <a:r>
               <a:rPr lang="en-US" dirty="0"/>
-              <a:t>WILL BE ADDED AND EXPLAINED BY ME</a:t>
+              <a:t>MODEL CREATION AND OUTCOMES:</a:t>
+            </a:r>
+          </a:p>
+        </p:txBody>
+      </p:sp>
+      <p:sp>
+        <p:nvSpPr>
+          <p:cNvPr id="3" name="Content Placeholder 2">
+            <a:extLst>
+              <a:ext uri="{FF2B5EF4-FFF2-40B4-BE49-F238E27FC236}">
+                <a16:creationId xmlns:a16="http://schemas.microsoft.com/office/drawing/2014/main" id="{DAC1B921-FEC6-F70F-E466-211D8202B556}"/>
+              </a:ext>
+            </a:extLst>
+          </p:cNvPr>
+          <p:cNvSpPr>
+            <a:spLocks noGrp="1"/>
+          </p:cNvSpPr>
+          <p:nvPr>
+            <p:ph idx="1"/>
+          </p:nvPr>
+        </p:nvSpPr>
+        <p:spPr>
+          <a:xfrm>
+            <a:off x="233915" y="1180213"/>
+            <a:ext cx="11196285" cy="5507665"/>
+          </a:xfrm>
+        </p:spPr>
+        <p:txBody>
+          <a:bodyPr>
+            <a:normAutofit fontScale="92500" lnSpcReduction="10000"/>
+          </a:bodyPr>
+          <a:lstStyle/>
+          <a:p>
+            <a:r>
+              <a:rPr lang="en-US" dirty="0">
+                <a:latin typeface="Times New Roman" panose="02020603050405020304" pitchFamily="18" charset="0"/>
+                <a:cs typeface="Times New Roman" panose="02020603050405020304" pitchFamily="18" charset="0"/>
+              </a:rPr>
+              <a:t>- A decision to focus exclusively on Human Species (Homo Sapiens) was made for model building and predictions due to the significantly larger volume of data available—51,535 entries for humans compared to just 4,173 for mice (Mus Musculus). </a:t>
+            </a:r>
+          </a:p>
+          <a:p>
+            <a:r>
+              <a:rPr lang="en-US" dirty="0">
+                <a:latin typeface="Times New Roman" panose="02020603050405020304" pitchFamily="18" charset="0"/>
+                <a:cs typeface="Times New Roman" panose="02020603050405020304" pitchFamily="18" charset="0"/>
+              </a:rPr>
+              <a:t>- Focusing on human data aligns with the primary goal of applying findings directly to human medicine, avoiding the risks of undertraining and overfitting associated with the limited mouse data. This approach not only makes efficient use of the extensive human data but also enhances the clinical relevance of the predictions.    </a:t>
+            </a:r>
+          </a:p>
+          <a:p>
+            <a:r>
+              <a:rPr lang="en-US" dirty="0">
+                <a:latin typeface="Times New Roman" panose="02020603050405020304" pitchFamily="18" charset="0"/>
+                <a:cs typeface="Times New Roman" panose="02020603050405020304" pitchFamily="18" charset="0"/>
+              </a:rPr>
+              <a:t>- Model evaluation was performed by segmenting the data set to obtain alpha and beta chains. Each chain potentially interacts differently with antigens, influencing the specificity and strength of immune responses. </a:t>
+            </a:r>
+          </a:p>
+          <a:p>
+            <a:r>
+              <a:rPr lang="en-US" dirty="0">
+                <a:latin typeface="Times New Roman" panose="02020603050405020304" pitchFamily="18" charset="0"/>
+                <a:cs typeface="Times New Roman" panose="02020603050405020304" pitchFamily="18" charset="0"/>
+              </a:rPr>
+              <a:t>- By analyzing them separately, it’s possible to isolate and understand the unique contributions of each chain in the antigen recognition process. This approach can help us perform a more nuanced analysis of TCR behavior, providing insights that may be obscured in combined model. </a:t>
+            </a:r>
+          </a:p>
+          <a:p>
+            <a:r>
+              <a:rPr lang="en-US" dirty="0">
+                <a:latin typeface="Times New Roman" panose="02020603050405020304" pitchFamily="18" charset="0"/>
+                <a:cs typeface="Times New Roman" panose="02020603050405020304" pitchFamily="18" charset="0"/>
+              </a:rPr>
+              <a:t>- In this study, we used accuracy and F1 score as key evaluation metrics for our models. Accuracy measures the overall correctness of the model across all classes, while the F1 score provides a balance between precision and recall, especially important in situations with class imbalance, assessing the model’s ability to correctly classify each class.</a:t>
             </a:r>
           </a:p>
         </p:txBody>
@@ -6048,6 +7719,936 @@
     <p:extLst>
       <p:ext uri="{BB962C8B-B14F-4D97-AF65-F5344CB8AC3E}">
         <p14:creationId xmlns:p14="http://schemas.microsoft.com/office/powerpoint/2010/main" val="1121782628"/>
+      </p:ext>
+    </p:extLst>
+  </p:cSld>
+  <p:clrMapOvr>
+    <a:masterClrMapping/>
+  </p:clrMapOvr>
+</p:sld>
+</file>
+
+<file path=ppt/slides/slide17.xml><?xml version="1.0" encoding="utf-8"?>
+<p:sld xmlns:a="http://schemas.openxmlformats.org/drawingml/2006/main" xmlns:r="http://schemas.openxmlformats.org/officeDocument/2006/relationships" xmlns:p="http://schemas.openxmlformats.org/presentationml/2006/main">
+  <p:cSld>
+    <p:spTree>
+      <p:nvGrpSpPr>
+        <p:cNvPr id="1" name=""/>
+        <p:cNvGrpSpPr/>
+        <p:nvPr/>
+      </p:nvGrpSpPr>
+      <p:grpSpPr>
+        <a:xfrm>
+          <a:off x="0" y="0"/>
+          <a:ext cx="0" cy="0"/>
+          <a:chOff x="0" y="0"/>
+          <a:chExt cx="0" cy="0"/>
+        </a:xfrm>
+      </p:grpSpPr>
+      <p:sp>
+        <p:nvSpPr>
+          <p:cNvPr id="2" name="TextBox 1">
+            <a:extLst>
+              <a:ext uri="{FF2B5EF4-FFF2-40B4-BE49-F238E27FC236}">
+                <a16:creationId xmlns:a16="http://schemas.microsoft.com/office/drawing/2014/main" id="{79CCA305-B4A1-1CF2-D251-015AA6B48E90}"/>
+              </a:ext>
+            </a:extLst>
+          </p:cNvPr>
+          <p:cNvSpPr txBox="1"/>
+          <p:nvPr/>
+        </p:nvSpPr>
+        <p:spPr>
+          <a:xfrm>
+            <a:off x="159488" y="2041451"/>
+            <a:ext cx="11653284" cy="5016758"/>
+          </a:xfrm>
+          <a:prstGeom prst="rect">
+            <a:avLst/>
+          </a:prstGeom>
+          <a:noFill/>
+        </p:spPr>
+        <p:txBody>
+          <a:bodyPr wrap="square" rtlCol="0">
+            <a:spAutoFit/>
+          </a:bodyPr>
+          <a:lstStyle/>
+          <a:p>
+            <a:r>
+              <a:rPr lang="en-US" b="1" dirty="0">
+                <a:latin typeface="Times New Roman" panose="02020603050405020304" pitchFamily="18" charset="0"/>
+                <a:cs typeface="Times New Roman" panose="02020603050405020304" pitchFamily="18" charset="0"/>
+              </a:rPr>
+              <a:t>Logistic Regression Classifier Results:</a:t>
+            </a:r>
+          </a:p>
+          <a:p>
+            <a:endParaRPr lang="en-US" b="1" dirty="0">
+              <a:latin typeface="Times New Roman" panose="02020603050405020304" pitchFamily="18" charset="0"/>
+              <a:cs typeface="Times New Roman" panose="02020603050405020304" pitchFamily="18" charset="0"/>
+            </a:endParaRPr>
+          </a:p>
+          <a:p>
+            <a:r>
+              <a:rPr lang="en-US" dirty="0">
+                <a:latin typeface="Times New Roman" panose="02020603050405020304" pitchFamily="18" charset="0"/>
+                <a:cs typeface="Times New Roman" panose="02020603050405020304" pitchFamily="18" charset="0"/>
+              </a:rPr>
+              <a:t>-Logistic regression was chosen as the baseline model for predicting TCR specificity due to the robustness of the logistic regression model and the simplicity of the binary classification task driving the choice. </a:t>
+            </a:r>
+          </a:p>
+          <a:p>
+            <a:r>
+              <a:rPr lang="en-US" dirty="0">
+                <a:latin typeface="Times New Roman" panose="02020603050405020304" pitchFamily="18" charset="0"/>
+                <a:cs typeface="Times New Roman" panose="02020603050405020304" pitchFamily="18" charset="0"/>
+              </a:rPr>
+              <a:t>-Verifying the model's performance on unseen data was done by dividing the data set into a training set and a test set. The primary evaluation metric chosen is the F1 score because the accuracy of the model can be misleading due to the unbalanced nature of the dataset. This is particularly important given the variability in epitope representation within the dataset. </a:t>
+            </a:r>
+          </a:p>
+          <a:p>
+            <a:r>
+              <a:rPr lang="en-US" dirty="0">
+                <a:latin typeface="Times New Roman" panose="02020603050405020304" pitchFamily="18" charset="0"/>
+                <a:cs typeface="Times New Roman" panose="02020603050405020304" pitchFamily="18" charset="0"/>
+              </a:rPr>
+              <a:t>- Model evaluation revealed that while the overall accuracy appeared high at approximately 87.5% for the alpha chains and 87.75% for the beta chains, the F1 scores for many classes were very low, indicating poor performance in correctly classifying many specific epitopes. </a:t>
+            </a:r>
+          </a:p>
+          <a:p>
+            <a:r>
+              <a:rPr lang="en-US" dirty="0">
+                <a:latin typeface="Times New Roman" panose="02020603050405020304" pitchFamily="18" charset="0"/>
+                <a:cs typeface="Times New Roman" panose="02020603050405020304" pitchFamily="18" charset="0"/>
+              </a:rPr>
+              <a:t>- This discrepancy between high accuracy and low F1 scores highlighted the challenges of working with imbalanced datasets and underscored the necessity of choosing appropriate metrics for performance evaluation. The classification report showed substantial variability in precision, recall, and F1 scores across different classes, with many classes showing zero values in these metrics, suggesting that the model struggled with minority classes. </a:t>
+            </a:r>
+          </a:p>
+          <a:p>
+            <a:r>
+              <a:rPr lang="en-US" dirty="0">
+                <a:latin typeface="Times New Roman" panose="02020603050405020304" pitchFamily="18" charset="0"/>
+                <a:cs typeface="Times New Roman" panose="02020603050405020304" pitchFamily="18" charset="0"/>
+              </a:rPr>
+              <a:t>- This outcome stresses the importance of further model adjustments and potentially exploring more complex models or resampling techniques to better handle class imbalance and improve the model's ability to generalize across less frequent classes.</a:t>
+            </a:r>
+          </a:p>
+          <a:p>
+            <a:endParaRPr lang="en-US" sz="1400" dirty="0">
+              <a:latin typeface="Times New Roman" panose="02020603050405020304" pitchFamily="18" charset="0"/>
+              <a:cs typeface="Times New Roman" panose="02020603050405020304" pitchFamily="18" charset="0"/>
+            </a:endParaRPr>
+          </a:p>
+        </p:txBody>
+      </p:sp>
+      <p:graphicFrame>
+        <p:nvGraphicFramePr>
+          <p:cNvPr id="3" name="Table 2">
+            <a:extLst>
+              <a:ext uri="{FF2B5EF4-FFF2-40B4-BE49-F238E27FC236}">
+                <a16:creationId xmlns:a16="http://schemas.microsoft.com/office/drawing/2014/main" id="{0E5FA4B9-A090-F512-5999-761CA36DA346}"/>
+              </a:ext>
+            </a:extLst>
+          </p:cNvPr>
+          <p:cNvGraphicFramePr>
+            <a:graphicFrameLocks noGrp="1"/>
+          </p:cNvGraphicFramePr>
+          <p:nvPr>
+            <p:extLst>
+              <p:ext uri="{D42A27DB-BD31-4B8C-83A1-F6EECF244321}">
+                <p14:modId xmlns:p14="http://schemas.microsoft.com/office/powerpoint/2010/main" val="3321440043"/>
+              </p:ext>
+            </p:extLst>
+          </p:nvPr>
+        </p:nvGraphicFramePr>
+        <p:xfrm>
+          <a:off x="4572000" y="372138"/>
+          <a:ext cx="6815470" cy="1350336"/>
+        </p:xfrm>
+        <a:graphic>
+          <a:graphicData uri="http://schemas.openxmlformats.org/drawingml/2006/table">
+            <a:tbl>
+              <a:tblPr firstRow="1" bandRow="1">
+                <a:tableStyleId>{073A0DAA-6AF3-43AB-8588-CEC1D06C72B9}</a:tableStyleId>
+              </a:tblPr>
+              <a:tblGrid>
+                <a:gridCol w="1746312">
+                  <a:extLst>
+                    <a:ext uri="{9D8B030D-6E8A-4147-A177-3AD203B41FA5}">
+                      <a16:colId xmlns:a16="http://schemas.microsoft.com/office/drawing/2014/main" val="1831081933"/>
+                    </a:ext>
+                  </a:extLst>
+                </a:gridCol>
+                <a:gridCol w="1636402">
+                  <a:extLst>
+                    <a:ext uri="{9D8B030D-6E8A-4147-A177-3AD203B41FA5}">
+                      <a16:colId xmlns:a16="http://schemas.microsoft.com/office/drawing/2014/main" val="3123670197"/>
+                    </a:ext>
+                  </a:extLst>
+                </a:gridCol>
+                <a:gridCol w="3432756">
+                  <a:extLst>
+                    <a:ext uri="{9D8B030D-6E8A-4147-A177-3AD203B41FA5}">
+                      <a16:colId xmlns:a16="http://schemas.microsoft.com/office/drawing/2014/main" val="3832109899"/>
+                    </a:ext>
+                  </a:extLst>
+                </a:gridCol>
+              </a:tblGrid>
+              <a:tr h="450112">
+                <a:tc>
+                  <a:txBody>
+                    <a:bodyPr/>
+                    <a:lstStyle/>
+                    <a:p>
+                      <a:r>
+                        <a:rPr lang="en-US" dirty="0"/>
+                        <a:t>CHAIN TYPE</a:t>
+                      </a:r>
+                    </a:p>
+                  </a:txBody>
+                  <a:tcPr/>
+                </a:tc>
+                <a:tc>
+                  <a:txBody>
+                    <a:bodyPr/>
+                    <a:lstStyle/>
+                    <a:p>
+                      <a:r>
+                        <a:rPr lang="en-US" dirty="0"/>
+                        <a:t>ACCURACY</a:t>
+                      </a:r>
+                    </a:p>
+                  </a:txBody>
+                  <a:tcPr/>
+                </a:tc>
+                <a:tc>
+                  <a:txBody>
+                    <a:bodyPr/>
+                    <a:lstStyle/>
+                    <a:p>
+                      <a:r>
+                        <a:rPr lang="en-US" dirty="0"/>
+                        <a:t>F1-SCORE(WEIGHTED AVG)</a:t>
+                      </a:r>
+                    </a:p>
+                  </a:txBody>
+                  <a:tcPr/>
+                </a:tc>
+                <a:extLst>
+                  <a:ext uri="{0D108BD9-81ED-4DB2-BD59-A6C34878D82A}">
+                    <a16:rowId xmlns:a16="http://schemas.microsoft.com/office/drawing/2014/main" val="2248592048"/>
+                  </a:ext>
+                </a:extLst>
+              </a:tr>
+              <a:tr h="450112">
+                <a:tc>
+                  <a:txBody>
+                    <a:bodyPr/>
+                    <a:lstStyle/>
+                    <a:p>
+                      <a:r>
+                        <a:rPr lang="en-US" dirty="0"/>
+                        <a:t>ALPHA</a:t>
+                      </a:r>
+                    </a:p>
+                  </a:txBody>
+                  <a:tcPr/>
+                </a:tc>
+                <a:tc>
+                  <a:txBody>
+                    <a:bodyPr/>
+                    <a:lstStyle/>
+                    <a:p>
+                      <a:r>
+                        <a:rPr lang="en-US" dirty="0"/>
+                        <a:t>87.5</a:t>
+                      </a:r>
+                    </a:p>
+                  </a:txBody>
+                  <a:tcPr/>
+                </a:tc>
+                <a:tc>
+                  <a:txBody>
+                    <a:bodyPr/>
+                    <a:lstStyle/>
+                    <a:p>
+                      <a:r>
+                        <a:rPr lang="en-US" dirty="0"/>
+                        <a:t>85</a:t>
+                      </a:r>
+                    </a:p>
+                  </a:txBody>
+                  <a:tcPr/>
+                </a:tc>
+                <a:extLst>
+                  <a:ext uri="{0D108BD9-81ED-4DB2-BD59-A6C34878D82A}">
+                    <a16:rowId xmlns:a16="http://schemas.microsoft.com/office/drawing/2014/main" val="1288252921"/>
+                  </a:ext>
+                </a:extLst>
+              </a:tr>
+              <a:tr h="450112">
+                <a:tc>
+                  <a:txBody>
+                    <a:bodyPr/>
+                    <a:lstStyle/>
+                    <a:p>
+                      <a:r>
+                        <a:rPr lang="en-US" dirty="0"/>
+                        <a:t>BETA</a:t>
+                      </a:r>
+                    </a:p>
+                  </a:txBody>
+                  <a:tcPr/>
+                </a:tc>
+                <a:tc>
+                  <a:txBody>
+                    <a:bodyPr/>
+                    <a:lstStyle/>
+                    <a:p>
+                      <a:r>
+                        <a:rPr lang="en-US" dirty="0"/>
+                        <a:t>87.75</a:t>
+                      </a:r>
+                    </a:p>
+                  </a:txBody>
+                  <a:tcPr/>
+                </a:tc>
+                <a:tc>
+                  <a:txBody>
+                    <a:bodyPr/>
+                    <a:lstStyle/>
+                    <a:p>
+                      <a:r>
+                        <a:rPr lang="en-US" dirty="0"/>
+                        <a:t>85</a:t>
+                      </a:r>
+                    </a:p>
+                  </a:txBody>
+                  <a:tcPr/>
+                </a:tc>
+                <a:extLst>
+                  <a:ext uri="{0D108BD9-81ED-4DB2-BD59-A6C34878D82A}">
+                    <a16:rowId xmlns:a16="http://schemas.microsoft.com/office/drawing/2014/main" val="154423610"/>
+                  </a:ext>
+                </a:extLst>
+              </a:tr>
+            </a:tbl>
+          </a:graphicData>
+        </a:graphic>
+      </p:graphicFrame>
+    </p:spTree>
+    <p:extLst>
+      <p:ext uri="{BB962C8B-B14F-4D97-AF65-F5344CB8AC3E}">
+        <p14:creationId xmlns:p14="http://schemas.microsoft.com/office/powerpoint/2010/main" val="2318888261"/>
+      </p:ext>
+    </p:extLst>
+  </p:cSld>
+  <p:clrMapOvr>
+    <a:masterClrMapping/>
+  </p:clrMapOvr>
+</p:sld>
+</file>
+
+<file path=ppt/slides/slide18.xml><?xml version="1.0" encoding="utf-8"?>
+<p:sld xmlns:a="http://schemas.openxmlformats.org/drawingml/2006/main" xmlns:r="http://schemas.openxmlformats.org/officeDocument/2006/relationships" xmlns:p="http://schemas.openxmlformats.org/presentationml/2006/main">
+  <p:cSld>
+    <p:spTree>
+      <p:nvGrpSpPr>
+        <p:cNvPr id="1" name=""/>
+        <p:cNvGrpSpPr/>
+        <p:nvPr/>
+      </p:nvGrpSpPr>
+      <p:grpSpPr>
+        <a:xfrm>
+          <a:off x="0" y="0"/>
+          <a:ext cx="0" cy="0"/>
+          <a:chOff x="0" y="0"/>
+          <a:chExt cx="0" cy="0"/>
+        </a:xfrm>
+      </p:grpSpPr>
+      <p:sp>
+        <p:nvSpPr>
+          <p:cNvPr id="3" name="TextBox 2">
+            <a:extLst>
+              <a:ext uri="{FF2B5EF4-FFF2-40B4-BE49-F238E27FC236}">
+                <a16:creationId xmlns:a16="http://schemas.microsoft.com/office/drawing/2014/main" id="{92A7D9F5-8FAD-26E4-0866-4761D79BC082}"/>
+              </a:ext>
+            </a:extLst>
+          </p:cNvPr>
+          <p:cNvSpPr txBox="1"/>
+          <p:nvPr/>
+        </p:nvSpPr>
+        <p:spPr>
+          <a:xfrm>
+            <a:off x="255181" y="2083981"/>
+            <a:ext cx="11111023" cy="3970318"/>
+          </a:xfrm>
+          <a:prstGeom prst="rect">
+            <a:avLst/>
+          </a:prstGeom>
+          <a:noFill/>
+        </p:spPr>
+        <p:txBody>
+          <a:bodyPr wrap="square">
+            <a:spAutoFit/>
+          </a:bodyPr>
+          <a:lstStyle/>
+          <a:p>
+            <a:r>
+              <a:rPr lang="en-US" sz="1800" b="1" dirty="0">
+                <a:latin typeface="Times New Roman" panose="02020603050405020304" pitchFamily="18" charset="0"/>
+                <a:cs typeface="Times New Roman" panose="02020603050405020304" pitchFamily="18" charset="0"/>
+              </a:rPr>
+              <a:t>SVM Results:</a:t>
+            </a:r>
+          </a:p>
+          <a:p>
+            <a:endParaRPr lang="en-US" sz="1800" b="1" dirty="0">
+              <a:latin typeface="Times New Roman" panose="02020603050405020304" pitchFamily="18" charset="0"/>
+              <a:cs typeface="Times New Roman" panose="02020603050405020304" pitchFamily="18" charset="0"/>
+            </a:endParaRPr>
+          </a:p>
+          <a:p>
+            <a:r>
+              <a:rPr lang="en-US" sz="1800" dirty="0">
+                <a:latin typeface="Times New Roman" panose="02020603050405020304" pitchFamily="18" charset="0"/>
+                <a:cs typeface="Times New Roman" panose="02020603050405020304" pitchFamily="18" charset="0"/>
+              </a:rPr>
+              <a:t>- The SVM classifier recorded accuracy rates of about 87.51% for alpha chains and 89% for beta chains. This performance is quite similar to what was observed with the logistic regression model, indicating comparable overall effectiveness across the dataset. </a:t>
+            </a:r>
+          </a:p>
+          <a:p>
+            <a:r>
+              <a:rPr lang="en-US" sz="1800" dirty="0">
+                <a:latin typeface="Times New Roman" panose="02020603050405020304" pitchFamily="18" charset="0"/>
+                <a:cs typeface="Times New Roman" panose="02020603050405020304" pitchFamily="18" charset="0"/>
+              </a:rPr>
+              <a:t>- A closer examination of the F1 scores from the classification report reveals that the SVM faces difficulties with several classes, with many achieving zero F1 scores. This highlights the challenge of dealing with minority classes in an imbalanced dataset. </a:t>
+            </a:r>
+          </a:p>
+          <a:p>
+            <a:r>
+              <a:rPr lang="en-US" sz="1800" dirty="0">
+                <a:latin typeface="Times New Roman" panose="02020603050405020304" pitchFamily="18" charset="0"/>
+                <a:cs typeface="Times New Roman" panose="02020603050405020304" pitchFamily="18" charset="0"/>
+              </a:rPr>
+              <a:t>- Nonetheless, the SVM does excel in specific areas, achieving perfect F1 scores in some classes where logistic regression struggles. This shows the SVM's strength in handling certain segments of data where its optimization techniques are most effective, particularly in balancing precision and recall, as reflected by a weighted average F1 score of 0.88 for both alpha and beta chains. Although the accuracy of the SVM is similar to that of logistic regression, its higher F1 scores in certain classes suggest it could offer more dependable predictions for specific T-cell receptor specificities.</a:t>
+            </a:r>
+          </a:p>
+        </p:txBody>
+      </p:sp>
+      <p:graphicFrame>
+        <p:nvGraphicFramePr>
+          <p:cNvPr id="6" name="Table 5">
+            <a:extLst>
+              <a:ext uri="{FF2B5EF4-FFF2-40B4-BE49-F238E27FC236}">
+                <a16:creationId xmlns:a16="http://schemas.microsoft.com/office/drawing/2014/main" id="{7289CFC4-8FC1-5E43-5029-9DF71D874624}"/>
+              </a:ext>
+            </a:extLst>
+          </p:cNvPr>
+          <p:cNvGraphicFramePr>
+            <a:graphicFrameLocks noGrp="1"/>
+          </p:cNvGraphicFramePr>
+          <p:nvPr>
+            <p:extLst>
+              <p:ext uri="{D42A27DB-BD31-4B8C-83A1-F6EECF244321}">
+                <p14:modId xmlns:p14="http://schemas.microsoft.com/office/powerpoint/2010/main" val="1300724404"/>
+              </p:ext>
+            </p:extLst>
+          </p:nvPr>
+        </p:nvGraphicFramePr>
+        <p:xfrm>
+          <a:off x="3338623" y="691115"/>
+          <a:ext cx="7868093" cy="1421092"/>
+        </p:xfrm>
+        <a:graphic>
+          <a:graphicData uri="http://schemas.openxmlformats.org/drawingml/2006/table">
+            <a:tbl>
+              <a:tblPr firstRow="1" bandRow="1">
+                <a:tableStyleId>{073A0DAA-6AF3-43AB-8588-CEC1D06C72B9}</a:tableStyleId>
+              </a:tblPr>
+              <a:tblGrid>
+                <a:gridCol w="2330117">
+                  <a:extLst>
+                    <a:ext uri="{9D8B030D-6E8A-4147-A177-3AD203B41FA5}">
+                      <a16:colId xmlns:a16="http://schemas.microsoft.com/office/drawing/2014/main" val="1645793292"/>
+                    </a:ext>
+                  </a:extLst>
+                </a:gridCol>
+                <a:gridCol w="2159622">
+                  <a:extLst>
+                    <a:ext uri="{9D8B030D-6E8A-4147-A177-3AD203B41FA5}">
+                      <a16:colId xmlns:a16="http://schemas.microsoft.com/office/drawing/2014/main" val="22928338"/>
+                    </a:ext>
+                  </a:extLst>
+                </a:gridCol>
+                <a:gridCol w="3378354">
+                  <a:extLst>
+                    <a:ext uri="{9D8B030D-6E8A-4147-A177-3AD203B41FA5}">
+                      <a16:colId xmlns:a16="http://schemas.microsoft.com/office/drawing/2014/main" val="2200613063"/>
+                    </a:ext>
+                  </a:extLst>
+                </a:gridCol>
+              </a:tblGrid>
+              <a:tr h="611855">
+                <a:tc>
+                  <a:txBody>
+                    <a:bodyPr/>
+                    <a:lstStyle/>
+                    <a:p>
+                      <a:r>
+                        <a:rPr lang="en-US" dirty="0"/>
+                        <a:t>CHAIN TYPE</a:t>
+                      </a:r>
+                    </a:p>
+                  </a:txBody>
+                  <a:tcPr/>
+                </a:tc>
+                <a:tc>
+                  <a:txBody>
+                    <a:bodyPr/>
+                    <a:lstStyle/>
+                    <a:p>
+                      <a:r>
+                        <a:rPr lang="en-US" dirty="0"/>
+                        <a:t>ACCURACY</a:t>
+                      </a:r>
+                    </a:p>
+                  </a:txBody>
+                  <a:tcPr/>
+                </a:tc>
+                <a:tc>
+                  <a:txBody>
+                    <a:bodyPr/>
+                    <a:lstStyle/>
+                    <a:p>
+                      <a:pPr marL="0" marR="0" lvl="0" indent="0" algn="l" defTabSz="914400" rtl="0" eaLnBrk="1" fontAlgn="auto" latinLnBrk="0" hangingPunct="1">
+                        <a:lnSpc>
+                          <a:spcPct val="100000"/>
+                        </a:lnSpc>
+                        <a:spcBef>
+                          <a:spcPts val="0"/>
+                        </a:spcBef>
+                        <a:spcAft>
+                          <a:spcPts val="0"/>
+                        </a:spcAft>
+                        <a:buClrTx/>
+                        <a:buSzTx/>
+                        <a:buFontTx/>
+                        <a:buNone/>
+                        <a:tabLst/>
+                        <a:defRPr/>
+                      </a:pPr>
+                      <a:r>
+                        <a:rPr lang="en-US" dirty="0"/>
+                        <a:t>F1-SCORE(WEIGHTED AVG)</a:t>
+                      </a:r>
+                    </a:p>
+                    <a:p>
+                      <a:endParaRPr lang="en-US" dirty="0"/>
+                    </a:p>
+                  </a:txBody>
+                  <a:tcPr/>
+                </a:tc>
+                <a:extLst>
+                  <a:ext uri="{0D108BD9-81ED-4DB2-BD59-A6C34878D82A}">
+                    <a16:rowId xmlns:a16="http://schemas.microsoft.com/office/drawing/2014/main" val="280604680"/>
+                  </a:ext>
+                </a:extLst>
+              </a:tr>
+              <a:tr h="390506">
+                <a:tc>
+                  <a:txBody>
+                    <a:bodyPr/>
+                    <a:lstStyle/>
+                    <a:p>
+                      <a:r>
+                        <a:rPr lang="en-US" dirty="0"/>
+                        <a:t>ALPHA</a:t>
+                      </a:r>
+                    </a:p>
+                  </a:txBody>
+                  <a:tcPr/>
+                </a:tc>
+                <a:tc>
+                  <a:txBody>
+                    <a:bodyPr/>
+                    <a:lstStyle/>
+                    <a:p>
+                      <a:r>
+                        <a:rPr lang="en-US" dirty="0"/>
+                        <a:t>89</a:t>
+                      </a:r>
+                    </a:p>
+                  </a:txBody>
+                  <a:tcPr/>
+                </a:tc>
+                <a:tc>
+                  <a:txBody>
+                    <a:bodyPr/>
+                    <a:lstStyle/>
+                    <a:p>
+                      <a:r>
+                        <a:rPr lang="en-US" dirty="0"/>
+                        <a:t>88</a:t>
+                      </a:r>
+                    </a:p>
+                  </a:txBody>
+                  <a:tcPr/>
+                </a:tc>
+                <a:extLst>
+                  <a:ext uri="{0D108BD9-81ED-4DB2-BD59-A6C34878D82A}">
+                    <a16:rowId xmlns:a16="http://schemas.microsoft.com/office/drawing/2014/main" val="3616305459"/>
+                  </a:ext>
+                </a:extLst>
+              </a:tr>
+              <a:tr h="390506">
+                <a:tc>
+                  <a:txBody>
+                    <a:bodyPr/>
+                    <a:lstStyle/>
+                    <a:p>
+                      <a:r>
+                        <a:rPr lang="en-US" dirty="0"/>
+                        <a:t>BETA</a:t>
+                      </a:r>
+                    </a:p>
+                  </a:txBody>
+                  <a:tcPr/>
+                </a:tc>
+                <a:tc>
+                  <a:txBody>
+                    <a:bodyPr/>
+                    <a:lstStyle/>
+                    <a:p>
+                      <a:r>
+                        <a:rPr lang="en-US" dirty="0"/>
+                        <a:t>89</a:t>
+                      </a:r>
+                    </a:p>
+                  </a:txBody>
+                  <a:tcPr/>
+                </a:tc>
+                <a:tc>
+                  <a:txBody>
+                    <a:bodyPr/>
+                    <a:lstStyle/>
+                    <a:p>
+                      <a:r>
+                        <a:rPr lang="en-US" dirty="0"/>
+                        <a:t>88</a:t>
+                      </a:r>
+                    </a:p>
+                  </a:txBody>
+                  <a:tcPr/>
+                </a:tc>
+                <a:extLst>
+                  <a:ext uri="{0D108BD9-81ED-4DB2-BD59-A6C34878D82A}">
+                    <a16:rowId xmlns:a16="http://schemas.microsoft.com/office/drawing/2014/main" val="769371377"/>
+                  </a:ext>
+                </a:extLst>
+              </a:tr>
+            </a:tbl>
+          </a:graphicData>
+        </a:graphic>
+      </p:graphicFrame>
+    </p:spTree>
+    <p:extLst>
+      <p:ext uri="{BB962C8B-B14F-4D97-AF65-F5344CB8AC3E}">
+        <p14:creationId xmlns:p14="http://schemas.microsoft.com/office/powerpoint/2010/main" val="2902475832"/>
+      </p:ext>
+    </p:extLst>
+  </p:cSld>
+  <p:clrMapOvr>
+    <a:masterClrMapping/>
+  </p:clrMapOvr>
+</p:sld>
+</file>
+
+<file path=ppt/slides/slide19.xml><?xml version="1.0" encoding="utf-8"?>
+<p:sld xmlns:a="http://schemas.openxmlformats.org/drawingml/2006/main" xmlns:r="http://schemas.openxmlformats.org/officeDocument/2006/relationships" xmlns:p="http://schemas.openxmlformats.org/presentationml/2006/main">
+  <p:cSld>
+    <p:spTree>
+      <p:nvGrpSpPr>
+        <p:cNvPr id="1" name=""/>
+        <p:cNvGrpSpPr/>
+        <p:nvPr/>
+      </p:nvGrpSpPr>
+      <p:grpSpPr>
+        <a:xfrm>
+          <a:off x="0" y="0"/>
+          <a:ext cx="0" cy="0"/>
+          <a:chOff x="0" y="0"/>
+          <a:chExt cx="0" cy="0"/>
+        </a:xfrm>
+      </p:grpSpPr>
+      <p:sp>
+        <p:nvSpPr>
+          <p:cNvPr id="3" name="TextBox 2">
+            <a:extLst>
+              <a:ext uri="{FF2B5EF4-FFF2-40B4-BE49-F238E27FC236}">
+                <a16:creationId xmlns:a16="http://schemas.microsoft.com/office/drawing/2014/main" id="{5BAFA6BC-200C-13EF-C907-353C4C09C174}"/>
+              </a:ext>
+            </a:extLst>
+          </p:cNvPr>
+          <p:cNvSpPr txBox="1"/>
+          <p:nvPr/>
+        </p:nvSpPr>
+        <p:spPr>
+          <a:xfrm>
+            <a:off x="329609" y="2328530"/>
+            <a:ext cx="11419368" cy="3970318"/>
+          </a:xfrm>
+          <a:prstGeom prst="rect">
+            <a:avLst/>
+          </a:prstGeom>
+          <a:noFill/>
+        </p:spPr>
+        <p:txBody>
+          <a:bodyPr wrap="square">
+            <a:spAutoFit/>
+          </a:bodyPr>
+          <a:lstStyle/>
+          <a:p>
+            <a:r>
+              <a:rPr lang="en-US" sz="1800" b="1" dirty="0">
+                <a:latin typeface="Times New Roman" panose="02020603050405020304" pitchFamily="18" charset="0"/>
+                <a:cs typeface="Times New Roman" panose="02020603050405020304" pitchFamily="18" charset="0"/>
+              </a:rPr>
+              <a:t>Random Forest Classifier Results:</a:t>
+            </a:r>
+          </a:p>
+          <a:p>
+            <a:endParaRPr lang="en-US" sz="1800" b="1" dirty="0">
+              <a:latin typeface="Times New Roman" panose="02020603050405020304" pitchFamily="18" charset="0"/>
+              <a:cs typeface="Times New Roman" panose="02020603050405020304" pitchFamily="18" charset="0"/>
+            </a:endParaRPr>
+          </a:p>
+          <a:p>
+            <a:r>
+              <a:rPr lang="en-US" sz="1800" dirty="0">
+                <a:latin typeface="Times New Roman" panose="02020603050405020304" pitchFamily="18" charset="0"/>
+                <a:cs typeface="Times New Roman" panose="02020603050405020304" pitchFamily="18" charset="0"/>
+              </a:rPr>
+              <a:t>- The Random Forest classifier, when applied separately to the Alpha and Beta chains, shows notable strengths and weaknesses in performance. Both chains achieve high accuracy levels, with approximately 90% for Alpha and 92% for Beta, indicating the model's strong overall predictive power across the dataset. -  - However, a more detailed analysis using F1 scores reveals varied performance across different epitopes. Many classes exhibit low or even zero F1 scores, indicating challenges in classifying minority classes within the imbalanced dataset. On the other hand, some classes achieve high F1 scores, demonstrating the model's ability to accurately identify specific classes.</a:t>
+            </a:r>
+          </a:p>
+          <a:p>
+            <a:endParaRPr lang="en-US" sz="1800" dirty="0">
+              <a:latin typeface="Times New Roman" panose="02020603050405020304" pitchFamily="18" charset="0"/>
+              <a:cs typeface="Times New Roman" panose="02020603050405020304" pitchFamily="18" charset="0"/>
+            </a:endParaRPr>
+          </a:p>
+          <a:p>
+            <a:r>
+              <a:rPr lang="en-US" sz="1800" dirty="0">
+                <a:latin typeface="Times New Roman" panose="02020603050405020304" pitchFamily="18" charset="0"/>
+                <a:cs typeface="Times New Roman" panose="02020603050405020304" pitchFamily="18" charset="0"/>
+              </a:rPr>
+              <a:t>- This variation highlights the Random Forest model's capacity to handle complex data through its ensemble approach, which captures multiple decision-making pathways and minimizes variance compared to simpler models like logistic regression. The notable weighted average F1 scores of 0.91 for Alpha and 0.92 for Beta underscore its effectiveness in balancing precision and recall among diverse classes, positioning it as a strong option for addressing the complexities of TCR specificity. </a:t>
+            </a:r>
+            <a:endParaRPr lang="en-US" dirty="0"/>
+          </a:p>
+        </p:txBody>
+      </p:sp>
+      <p:graphicFrame>
+        <p:nvGraphicFramePr>
+          <p:cNvPr id="4" name="Table 3">
+            <a:extLst>
+              <a:ext uri="{FF2B5EF4-FFF2-40B4-BE49-F238E27FC236}">
+                <a16:creationId xmlns:a16="http://schemas.microsoft.com/office/drawing/2014/main" id="{AF76CC3E-230F-0C22-3930-A9D1D245C39C}"/>
+              </a:ext>
+            </a:extLst>
+          </p:cNvPr>
+          <p:cNvGraphicFramePr>
+            <a:graphicFrameLocks noGrp="1"/>
+          </p:cNvGraphicFramePr>
+          <p:nvPr>
+            <p:extLst>
+              <p:ext uri="{D42A27DB-BD31-4B8C-83A1-F6EECF244321}">
+                <p14:modId xmlns:p14="http://schemas.microsoft.com/office/powerpoint/2010/main" val="756555987"/>
+              </p:ext>
+            </p:extLst>
+          </p:nvPr>
+        </p:nvGraphicFramePr>
+        <p:xfrm>
+          <a:off x="4678327" y="308345"/>
+          <a:ext cx="7070650" cy="1488558"/>
+        </p:xfrm>
+        <a:graphic>
+          <a:graphicData uri="http://schemas.openxmlformats.org/drawingml/2006/table">
+            <a:tbl>
+              <a:tblPr firstRow="1" bandRow="1">
+                <a:tableStyleId>{073A0DAA-6AF3-43AB-8588-CEC1D06C72B9}</a:tableStyleId>
+              </a:tblPr>
+              <a:tblGrid>
+                <a:gridCol w="1685171">
+                  <a:extLst>
+                    <a:ext uri="{9D8B030D-6E8A-4147-A177-3AD203B41FA5}">
+                      <a16:colId xmlns:a16="http://schemas.microsoft.com/office/drawing/2014/main" val="1645793292"/>
+                    </a:ext>
+                  </a:extLst>
+                </a:gridCol>
+                <a:gridCol w="1850153">
+                  <a:extLst>
+                    <a:ext uri="{9D8B030D-6E8A-4147-A177-3AD203B41FA5}">
+                      <a16:colId xmlns:a16="http://schemas.microsoft.com/office/drawing/2014/main" val="22928338"/>
+                    </a:ext>
+                  </a:extLst>
+                </a:gridCol>
+                <a:gridCol w="3535326">
+                  <a:extLst>
+                    <a:ext uri="{9D8B030D-6E8A-4147-A177-3AD203B41FA5}">
+                      <a16:colId xmlns:a16="http://schemas.microsoft.com/office/drawing/2014/main" val="2200613063"/>
+                    </a:ext>
+                  </a:extLst>
+                </a:gridCol>
+              </a:tblGrid>
+              <a:tr h="496186">
+                <a:tc>
+                  <a:txBody>
+                    <a:bodyPr/>
+                    <a:lstStyle/>
+                    <a:p>
+                      <a:r>
+                        <a:rPr lang="en-US" dirty="0"/>
+                        <a:t>CHAIN TYPE</a:t>
+                      </a:r>
+                    </a:p>
+                  </a:txBody>
+                  <a:tcPr/>
+                </a:tc>
+                <a:tc>
+                  <a:txBody>
+                    <a:bodyPr/>
+                    <a:lstStyle/>
+                    <a:p>
+                      <a:r>
+                        <a:rPr lang="en-US" dirty="0"/>
+                        <a:t>ACCURACY</a:t>
+                      </a:r>
+                    </a:p>
+                  </a:txBody>
+                  <a:tcPr/>
+                </a:tc>
+                <a:tc>
+                  <a:txBody>
+                    <a:bodyPr/>
+                    <a:lstStyle/>
+                    <a:p>
+                      <a:r>
+                        <a:rPr lang="en-US" dirty="0"/>
+                        <a:t>F1-SCORE(WEIGHTED AVG)</a:t>
+                      </a:r>
+                    </a:p>
+                  </a:txBody>
+                  <a:tcPr/>
+                </a:tc>
+                <a:extLst>
+                  <a:ext uri="{0D108BD9-81ED-4DB2-BD59-A6C34878D82A}">
+                    <a16:rowId xmlns:a16="http://schemas.microsoft.com/office/drawing/2014/main" val="280604680"/>
+                  </a:ext>
+                </a:extLst>
+              </a:tr>
+              <a:tr h="496186">
+                <a:tc>
+                  <a:txBody>
+                    <a:bodyPr/>
+                    <a:lstStyle/>
+                    <a:p>
+                      <a:r>
+                        <a:rPr lang="en-US" dirty="0"/>
+                        <a:t>ALPHA</a:t>
+                      </a:r>
+                    </a:p>
+                  </a:txBody>
+                  <a:tcPr/>
+                </a:tc>
+                <a:tc>
+                  <a:txBody>
+                    <a:bodyPr/>
+                    <a:lstStyle/>
+                    <a:p>
+                      <a:r>
+                        <a:rPr lang="en-US" dirty="0"/>
+                        <a:t>92</a:t>
+                      </a:r>
+                    </a:p>
+                  </a:txBody>
+                  <a:tcPr/>
+                </a:tc>
+                <a:tc>
+                  <a:txBody>
+                    <a:bodyPr/>
+                    <a:lstStyle/>
+                    <a:p>
+                      <a:r>
+                        <a:rPr lang="en-US" dirty="0"/>
+                        <a:t>91</a:t>
+                      </a:r>
+                    </a:p>
+                  </a:txBody>
+                  <a:tcPr/>
+                </a:tc>
+                <a:extLst>
+                  <a:ext uri="{0D108BD9-81ED-4DB2-BD59-A6C34878D82A}">
+                    <a16:rowId xmlns:a16="http://schemas.microsoft.com/office/drawing/2014/main" val="3616305459"/>
+                  </a:ext>
+                </a:extLst>
+              </a:tr>
+              <a:tr h="496186">
+                <a:tc>
+                  <a:txBody>
+                    <a:bodyPr/>
+                    <a:lstStyle/>
+                    <a:p>
+                      <a:r>
+                        <a:rPr lang="en-US" dirty="0"/>
+                        <a:t>BETA</a:t>
+                      </a:r>
+                    </a:p>
+                  </a:txBody>
+                  <a:tcPr/>
+                </a:tc>
+                <a:tc>
+                  <a:txBody>
+                    <a:bodyPr/>
+                    <a:lstStyle/>
+                    <a:p>
+                      <a:r>
+                        <a:rPr lang="en-US" dirty="0"/>
+                        <a:t>92.5</a:t>
+                      </a:r>
+                    </a:p>
+                  </a:txBody>
+                  <a:tcPr/>
+                </a:tc>
+                <a:tc>
+                  <a:txBody>
+                    <a:bodyPr/>
+                    <a:lstStyle/>
+                    <a:p>
+                      <a:r>
+                        <a:rPr lang="en-US" dirty="0"/>
+                        <a:t>91</a:t>
+                      </a:r>
+                    </a:p>
+                  </a:txBody>
+                  <a:tcPr/>
+                </a:tc>
+                <a:extLst>
+                  <a:ext uri="{0D108BD9-81ED-4DB2-BD59-A6C34878D82A}">
+                    <a16:rowId xmlns:a16="http://schemas.microsoft.com/office/drawing/2014/main" val="769371377"/>
+                  </a:ext>
+                </a:extLst>
+              </a:tr>
+            </a:tbl>
+          </a:graphicData>
+        </a:graphic>
+      </p:graphicFrame>
+    </p:spTree>
+    <p:extLst>
+      <p:ext uri="{BB962C8B-B14F-4D97-AF65-F5344CB8AC3E}">
+        <p14:creationId xmlns:p14="http://schemas.microsoft.com/office/powerpoint/2010/main" val="1354872191"/>
       </p:ext>
     </p:extLst>
   </p:cSld>
@@ -6090,14 +8691,21 @@
             <p:ph type="title"/>
           </p:nvPr>
         </p:nvSpPr>
-        <p:spPr/>
-        <p:txBody>
-          <a:bodyPr/>
+        <p:spPr>
+          <a:xfrm>
+            <a:off x="797441" y="510362"/>
+            <a:ext cx="10345563" cy="701751"/>
+          </a:xfrm>
+        </p:spPr>
+        <p:txBody>
+          <a:bodyPr>
+            <a:normAutofit fontScale="90000"/>
+          </a:bodyPr>
           <a:lstStyle/>
           <a:p>
             <a:r>
               <a:rPr lang="en-US" dirty="0"/>
-              <a:t>PRE-PROCESSING STEPS(1-2 slides):</a:t>
+              <a:t>PRE-PROCESSING STEPS:</a:t>
             </a:r>
           </a:p>
         </p:txBody>
@@ -6118,14 +8726,272 @@
             <p:ph idx="1"/>
           </p:nvPr>
         </p:nvSpPr>
-        <p:spPr/>
-        <p:txBody>
-          <a:bodyPr/>
+        <p:spPr>
+          <a:xfrm>
+            <a:off x="361507" y="1733108"/>
+            <a:ext cx="11238614" cy="4614530"/>
+          </a:xfrm>
+        </p:spPr>
+        <p:txBody>
+          <a:bodyPr>
+            <a:noAutofit/>
+          </a:bodyPr>
           <a:lstStyle/>
           <a:p>
             <a:r>
-              <a:rPr lang="en-US" dirty="0"/>
-              <a:t>TO BE ADDED BY JIAHUI AND TO BE EXPLAINED BY HER IN THE PRESENTATION</a:t>
+              <a:rPr lang="en-US" altLang="zh-CN" sz="2000" dirty="0">
+                <a:latin typeface="Times New Roman" panose="02020603050405020304" pitchFamily="18" charset="0"/>
+                <a:cs typeface="Times New Roman" panose="02020603050405020304" pitchFamily="18" charset="0"/>
+              </a:rPr>
+              <a:t>Data preprocessing includes four steps: retaining relevant columns of data, deleting rows with missing values, deleting duplicate rows, and deleting rows with </a:t>
+            </a:r>
+            <a:r>
+              <a:rPr lang="zh-CN" altLang="en-US" sz="2000" dirty="0">
+                <a:latin typeface="Times New Roman" panose="02020603050405020304" pitchFamily="18" charset="0"/>
+                <a:cs typeface="Times New Roman" panose="02020603050405020304" pitchFamily="18" charset="0"/>
+              </a:rPr>
+              <a:t>‘</a:t>
+            </a:r>
+            <a:r>
+              <a:rPr lang="en-US" altLang="zh-CN" sz="2000" dirty="0" err="1">
+                <a:latin typeface="Times New Roman" panose="02020603050405020304" pitchFamily="18" charset="0"/>
+                <a:cs typeface="Times New Roman" panose="02020603050405020304" pitchFamily="18" charset="0"/>
+              </a:rPr>
+              <a:t>vdjdb.score</a:t>
+            </a:r>
+            <a:r>
+              <a:rPr lang="zh-CN" altLang="en-US" sz="2000" dirty="0">
+                <a:latin typeface="Times New Roman" panose="02020603050405020304" pitchFamily="18" charset="0"/>
+                <a:cs typeface="Times New Roman" panose="02020603050405020304" pitchFamily="18" charset="0"/>
+              </a:rPr>
+              <a:t>’ </a:t>
+            </a:r>
+            <a:r>
+              <a:rPr lang="en-US" altLang="zh-CN" sz="2000" dirty="0">
+                <a:latin typeface="Times New Roman" panose="02020603050405020304" pitchFamily="18" charset="0"/>
+                <a:cs typeface="Times New Roman" panose="02020603050405020304" pitchFamily="18" charset="0"/>
+              </a:rPr>
+              <a:t>= 0.</a:t>
+            </a:r>
+          </a:p>
+          <a:p>
+            <a:pPr marL="342900" indent="-342900">
+              <a:buFont typeface="Arial" panose="020B0604020202020204" pitchFamily="34" charset="0"/>
+              <a:buChar char="•"/>
+            </a:pPr>
+            <a:r>
+              <a:rPr lang="en-US" altLang="zh-CN" sz="2000" dirty="0">
+                <a:latin typeface="Times New Roman" panose="02020603050405020304" pitchFamily="18" charset="0"/>
+                <a:cs typeface="Times New Roman" panose="02020603050405020304" pitchFamily="18" charset="0"/>
+              </a:rPr>
+              <a:t>Extract relevant columns: 'complex.id', 'gene', 'cdr3', '</a:t>
+            </a:r>
+            <a:r>
+              <a:rPr lang="en-US" altLang="zh-CN" sz="2000" dirty="0" err="1">
+                <a:latin typeface="Times New Roman" panose="02020603050405020304" pitchFamily="18" charset="0"/>
+                <a:cs typeface="Times New Roman" panose="02020603050405020304" pitchFamily="18" charset="0"/>
+              </a:rPr>
+              <a:t>v.segm</a:t>
+            </a:r>
+            <a:r>
+              <a:rPr lang="en-US" altLang="zh-CN" sz="2000" dirty="0">
+                <a:latin typeface="Times New Roman" panose="02020603050405020304" pitchFamily="18" charset="0"/>
+                <a:cs typeface="Times New Roman" panose="02020603050405020304" pitchFamily="18" charset="0"/>
+              </a:rPr>
+              <a:t>', '</a:t>
+            </a:r>
+            <a:r>
+              <a:rPr lang="en-US" altLang="zh-CN" sz="2000" dirty="0" err="1">
+                <a:latin typeface="Times New Roman" panose="02020603050405020304" pitchFamily="18" charset="0"/>
+                <a:cs typeface="Times New Roman" panose="02020603050405020304" pitchFamily="18" charset="0"/>
+              </a:rPr>
+              <a:t>j.segm</a:t>
+            </a:r>
+            <a:r>
+              <a:rPr lang="en-US" altLang="zh-CN" sz="2000" dirty="0">
+                <a:latin typeface="Times New Roman" panose="02020603050405020304" pitchFamily="18" charset="0"/>
+                <a:cs typeface="Times New Roman" panose="02020603050405020304" pitchFamily="18" charset="0"/>
+              </a:rPr>
+              <a:t>', 'species', '</a:t>
+            </a:r>
+            <a:r>
+              <a:rPr lang="en-US" altLang="zh-CN" sz="2000" dirty="0" err="1">
+                <a:latin typeface="Times New Roman" panose="02020603050405020304" pitchFamily="18" charset="0"/>
+                <a:cs typeface="Times New Roman" panose="02020603050405020304" pitchFamily="18" charset="0"/>
+              </a:rPr>
+              <a:t>mhc.a</a:t>
+            </a:r>
+            <a:r>
+              <a:rPr lang="en-US" altLang="zh-CN" sz="2000" dirty="0">
+                <a:latin typeface="Times New Roman" panose="02020603050405020304" pitchFamily="18" charset="0"/>
+                <a:cs typeface="Times New Roman" panose="02020603050405020304" pitchFamily="18" charset="0"/>
+              </a:rPr>
+              <a:t>', '</a:t>
+            </a:r>
+            <a:r>
+              <a:rPr lang="en-US" altLang="zh-CN" sz="2000" dirty="0" err="1">
+                <a:latin typeface="Times New Roman" panose="02020603050405020304" pitchFamily="18" charset="0"/>
+                <a:cs typeface="Times New Roman" panose="02020603050405020304" pitchFamily="18" charset="0"/>
+              </a:rPr>
+              <a:t>mhc.b</a:t>
+            </a:r>
+            <a:r>
+              <a:rPr lang="en-US" altLang="zh-CN" sz="2000" dirty="0">
+                <a:latin typeface="Times New Roman" panose="02020603050405020304" pitchFamily="18" charset="0"/>
+                <a:cs typeface="Times New Roman" panose="02020603050405020304" pitchFamily="18" charset="0"/>
+              </a:rPr>
+              <a:t>', ' from the original data set mhc.class', '</a:t>
+            </a:r>
+            <a:r>
+              <a:rPr lang="en-US" altLang="zh-CN" sz="2000" dirty="0" err="1">
+                <a:latin typeface="Times New Roman" panose="02020603050405020304" pitchFamily="18" charset="0"/>
+                <a:cs typeface="Times New Roman" panose="02020603050405020304" pitchFamily="18" charset="0"/>
+              </a:rPr>
+              <a:t>antigen.epitope</a:t>
+            </a:r>
+            <a:r>
+              <a:rPr lang="en-US" altLang="zh-CN" sz="2000" dirty="0">
+                <a:latin typeface="Times New Roman" panose="02020603050405020304" pitchFamily="18" charset="0"/>
+                <a:cs typeface="Times New Roman" panose="02020603050405020304" pitchFamily="18" charset="0"/>
+              </a:rPr>
+              <a:t>', '</a:t>
+            </a:r>
+            <a:r>
+              <a:rPr lang="en-US" altLang="zh-CN" sz="2000" dirty="0" err="1">
+                <a:latin typeface="Times New Roman" panose="02020603050405020304" pitchFamily="18" charset="0"/>
+                <a:cs typeface="Times New Roman" panose="02020603050405020304" pitchFamily="18" charset="0"/>
+              </a:rPr>
+              <a:t>vdjdb.score</a:t>
+            </a:r>
+            <a:r>
+              <a:rPr lang="en-US" altLang="zh-CN" sz="2000" dirty="0">
+                <a:latin typeface="Times New Roman" panose="02020603050405020304" pitchFamily="18" charset="0"/>
+                <a:cs typeface="Times New Roman" panose="02020603050405020304" pitchFamily="18" charset="0"/>
+              </a:rPr>
+              <a:t>’.</a:t>
+            </a:r>
+          </a:p>
+          <a:p>
+            <a:pPr marL="342900" indent="-342900">
+              <a:buFont typeface="Arial" panose="020B0604020202020204" pitchFamily="34" charset="0"/>
+              <a:buChar char="•"/>
+            </a:pPr>
+            <a:r>
+              <a:rPr lang="en-US" altLang="zh-CN" sz="2000" dirty="0">
+                <a:latin typeface="Times New Roman" panose="02020603050405020304" pitchFamily="18" charset="0"/>
+                <a:cs typeface="Times New Roman" panose="02020603050405020304" pitchFamily="18" charset="0"/>
+              </a:rPr>
+              <a:t>Find the missing values and find that there are missing values in the ‘</a:t>
+            </a:r>
+            <a:r>
+              <a:rPr lang="en-US" altLang="zh-CN" sz="2000" dirty="0" err="1">
+                <a:latin typeface="Times New Roman" panose="02020603050405020304" pitchFamily="18" charset="0"/>
+                <a:cs typeface="Times New Roman" panose="02020603050405020304" pitchFamily="18" charset="0"/>
+              </a:rPr>
+              <a:t>v.segm</a:t>
+            </a:r>
+            <a:r>
+              <a:rPr lang="en-US" altLang="zh-CN" sz="2000" dirty="0">
+                <a:latin typeface="Times New Roman" panose="02020603050405020304" pitchFamily="18" charset="0"/>
+                <a:cs typeface="Times New Roman" panose="02020603050405020304" pitchFamily="18" charset="0"/>
+              </a:rPr>
+              <a:t>’ and ‘</a:t>
+            </a:r>
+            <a:r>
+              <a:rPr lang="en-US" altLang="zh-CN" sz="2000" dirty="0" err="1">
+                <a:latin typeface="Times New Roman" panose="02020603050405020304" pitchFamily="18" charset="0"/>
+                <a:cs typeface="Times New Roman" panose="02020603050405020304" pitchFamily="18" charset="0"/>
+              </a:rPr>
+              <a:t>j.segm</a:t>
+            </a:r>
+            <a:r>
+              <a:rPr lang="en-US" altLang="zh-CN" sz="2000" dirty="0">
+                <a:latin typeface="Times New Roman" panose="02020603050405020304" pitchFamily="18" charset="0"/>
+                <a:cs typeface="Times New Roman" panose="02020603050405020304" pitchFamily="18" charset="0"/>
+              </a:rPr>
+              <a:t>’ columns. Delete the rows where these missing values are located.</a:t>
+            </a:r>
+          </a:p>
+          <a:p>
+            <a:pPr marL="342900" indent="-342900">
+              <a:buFont typeface="Arial" panose="020B0604020202020204" pitchFamily="34" charset="0"/>
+              <a:buChar char="•"/>
+            </a:pPr>
+            <a:r>
+              <a:rPr lang="en-US" altLang="zh-CN" sz="2000" dirty="0">
+                <a:latin typeface="Times New Roman" panose="02020603050405020304" pitchFamily="18" charset="0"/>
+                <a:cs typeface="Times New Roman" panose="02020603050405020304" pitchFamily="18" charset="0"/>
+              </a:rPr>
+              <a:t>Remove duplicate rows</a:t>
+            </a:r>
+          </a:p>
+          <a:p>
+            <a:pPr marL="342900" indent="-342900">
+              <a:buFont typeface="Arial" panose="020B0604020202020204" pitchFamily="34" charset="0"/>
+              <a:buChar char="•"/>
+            </a:pPr>
+            <a:r>
+              <a:rPr lang="en-US" altLang="zh-CN" sz="2000" dirty="0">
+                <a:latin typeface="Times New Roman" panose="02020603050405020304" pitchFamily="18" charset="0"/>
+                <a:cs typeface="Times New Roman" panose="02020603050405020304" pitchFamily="18" charset="0"/>
+              </a:rPr>
+              <a:t>Because the data entry of </a:t>
+            </a:r>
+            <a:r>
+              <a:rPr lang="zh-CN" altLang="en-US" sz="2000" dirty="0">
+                <a:latin typeface="Times New Roman" panose="02020603050405020304" pitchFamily="18" charset="0"/>
+                <a:cs typeface="Times New Roman" panose="02020603050405020304" pitchFamily="18" charset="0"/>
+              </a:rPr>
+              <a:t>‘</a:t>
+            </a:r>
+            <a:r>
+              <a:rPr lang="en-US" altLang="zh-CN" sz="2000" dirty="0" err="1">
+                <a:latin typeface="Times New Roman" panose="02020603050405020304" pitchFamily="18" charset="0"/>
+                <a:cs typeface="Times New Roman" panose="02020603050405020304" pitchFamily="18" charset="0"/>
+              </a:rPr>
+              <a:t>vdjdb.score</a:t>
+            </a:r>
+            <a:r>
+              <a:rPr lang="zh-CN" altLang="en-US" sz="2000" dirty="0">
+                <a:latin typeface="Times New Roman" panose="02020603050405020304" pitchFamily="18" charset="0"/>
+                <a:cs typeface="Times New Roman" panose="02020603050405020304" pitchFamily="18" charset="0"/>
+              </a:rPr>
+              <a:t>’ </a:t>
+            </a:r>
+            <a:r>
+              <a:rPr lang="en-US" altLang="zh-CN" sz="2000" dirty="0">
+                <a:latin typeface="Times New Roman" panose="02020603050405020304" pitchFamily="18" charset="0"/>
+                <a:cs typeface="Times New Roman" panose="02020603050405020304" pitchFamily="18" charset="0"/>
+              </a:rPr>
+              <a:t>= 0 has no reference significance, delete the row where </a:t>
+            </a:r>
+            <a:r>
+              <a:rPr lang="zh-CN" altLang="en-US" sz="2000" dirty="0">
+                <a:latin typeface="Times New Roman" panose="02020603050405020304" pitchFamily="18" charset="0"/>
+                <a:cs typeface="Times New Roman" panose="02020603050405020304" pitchFamily="18" charset="0"/>
+              </a:rPr>
+              <a:t>‘</a:t>
+            </a:r>
+            <a:r>
+              <a:rPr lang="en-US" altLang="zh-CN" sz="2000" dirty="0" err="1">
+                <a:latin typeface="Times New Roman" panose="02020603050405020304" pitchFamily="18" charset="0"/>
+                <a:cs typeface="Times New Roman" panose="02020603050405020304" pitchFamily="18" charset="0"/>
+              </a:rPr>
+              <a:t>vdjdb.score</a:t>
+            </a:r>
+            <a:r>
+              <a:rPr lang="zh-CN" altLang="en-US" sz="2000" dirty="0">
+                <a:latin typeface="Times New Roman" panose="02020603050405020304" pitchFamily="18" charset="0"/>
+                <a:cs typeface="Times New Roman" panose="02020603050405020304" pitchFamily="18" charset="0"/>
+              </a:rPr>
+              <a:t>’ </a:t>
+            </a:r>
+            <a:r>
+              <a:rPr lang="en-US" altLang="zh-CN" sz="2000" dirty="0">
+                <a:latin typeface="Times New Roman" panose="02020603050405020304" pitchFamily="18" charset="0"/>
+                <a:cs typeface="Times New Roman" panose="02020603050405020304" pitchFamily="18" charset="0"/>
+              </a:rPr>
+              <a:t>= 0 is located.</a:t>
             </a:r>
           </a:p>
         </p:txBody>
@@ -6133,7 +8999,845 @@
     </p:spTree>
     <p:extLst>
       <p:ext uri="{BB962C8B-B14F-4D97-AF65-F5344CB8AC3E}">
-        <p14:creationId xmlns:p14="http://schemas.microsoft.com/office/powerpoint/2010/main" val="966534024"/>
+        <p14:creationId xmlns:p14="http://schemas.microsoft.com/office/powerpoint/2010/main" val="2403448404"/>
+      </p:ext>
+    </p:extLst>
+  </p:cSld>
+  <p:clrMapOvr>
+    <a:masterClrMapping/>
+  </p:clrMapOvr>
+</p:sld>
+</file>
+
+<file path=ppt/slides/slide20.xml><?xml version="1.0" encoding="utf-8"?>
+<p:sld xmlns:a="http://schemas.openxmlformats.org/drawingml/2006/main" xmlns:r="http://schemas.openxmlformats.org/officeDocument/2006/relationships" xmlns:p="http://schemas.openxmlformats.org/presentationml/2006/main">
+  <p:cSld>
+    <p:spTree>
+      <p:nvGrpSpPr>
+        <p:cNvPr id="1" name=""/>
+        <p:cNvGrpSpPr/>
+        <p:nvPr/>
+      </p:nvGrpSpPr>
+      <p:grpSpPr>
+        <a:xfrm>
+          <a:off x="0" y="0"/>
+          <a:ext cx="0" cy="0"/>
+          <a:chOff x="0" y="0"/>
+          <a:chExt cx="0" cy="0"/>
+        </a:xfrm>
+      </p:grpSpPr>
+      <p:pic>
+        <p:nvPicPr>
+          <p:cNvPr id="3" name="Picture 2" descr="A graph of different colored bars&#10;&#10;Description automatically generated with medium confidence">
+            <a:extLst>
+              <a:ext uri="{FF2B5EF4-FFF2-40B4-BE49-F238E27FC236}">
+                <a16:creationId xmlns:a16="http://schemas.microsoft.com/office/drawing/2014/main" id="{2DB288DC-C157-65D2-2E3A-085ED248644A}"/>
+              </a:ext>
+            </a:extLst>
+          </p:cNvPr>
+          <p:cNvPicPr>
+            <a:picLocks noChangeAspect="1"/>
+          </p:cNvPicPr>
+          <p:nvPr/>
+        </p:nvPicPr>
+        <p:blipFill>
+          <a:blip r:embed="rId2"/>
+          <a:stretch>
+            <a:fillRect/>
+          </a:stretch>
+        </p:blipFill>
+        <p:spPr>
+          <a:xfrm>
+            <a:off x="1476972" y="417863"/>
+            <a:ext cx="4335181" cy="3062596"/>
+          </a:xfrm>
+          <a:prstGeom prst="rect">
+            <a:avLst/>
+          </a:prstGeom>
+        </p:spPr>
+      </p:pic>
+      <p:sp>
+        <p:nvSpPr>
+          <p:cNvPr id="4" name="TextBox 3">
+            <a:extLst>
+              <a:ext uri="{FF2B5EF4-FFF2-40B4-BE49-F238E27FC236}">
+                <a16:creationId xmlns:a16="http://schemas.microsoft.com/office/drawing/2014/main" id="{AE012B33-F4B4-19DB-6289-C0A169FDA5CC}"/>
+              </a:ext>
+            </a:extLst>
+          </p:cNvPr>
+          <p:cNvSpPr txBox="1"/>
+          <p:nvPr/>
+        </p:nvSpPr>
+        <p:spPr>
+          <a:xfrm>
+            <a:off x="6602819" y="669850"/>
+            <a:ext cx="5124893" cy="2308324"/>
+          </a:xfrm>
+          <a:prstGeom prst="rect">
+            <a:avLst/>
+          </a:prstGeom>
+          <a:noFill/>
+        </p:spPr>
+        <p:txBody>
+          <a:bodyPr wrap="square" rtlCol="0">
+            <a:spAutoFit/>
+          </a:bodyPr>
+          <a:lstStyle/>
+          <a:p>
+            <a:r>
+              <a:rPr lang="en-US" dirty="0">
+                <a:latin typeface="Times New Roman" panose="02020603050405020304" pitchFamily="18" charset="0"/>
+                <a:cs typeface="Times New Roman" panose="02020603050405020304" pitchFamily="18" charset="0"/>
+              </a:rPr>
+              <a:t>-Despite the Random Forest model’s success in general accuracy and class-specific predictions, there is still room for enhancement in precision, suggesting a need for further model refinement and strategy development.</a:t>
+            </a:r>
+          </a:p>
+          <a:p>
+            <a:r>
+              <a:rPr lang="en-US" dirty="0">
+                <a:latin typeface="Times New Roman" panose="02020603050405020304" pitchFamily="18" charset="0"/>
+                <a:cs typeface="Times New Roman" panose="02020603050405020304" pitchFamily="18" charset="0"/>
+              </a:rPr>
+              <a:t>- We performed hyperparameter tuning on the Random Forest Model to see if there could be an improvement in the performance</a:t>
+            </a:r>
+          </a:p>
+        </p:txBody>
+      </p:sp>
+      <p:sp>
+        <p:nvSpPr>
+          <p:cNvPr id="5" name="TextBox 4">
+            <a:extLst>
+              <a:ext uri="{FF2B5EF4-FFF2-40B4-BE49-F238E27FC236}">
+                <a16:creationId xmlns:a16="http://schemas.microsoft.com/office/drawing/2014/main" id="{5BCD0C10-DB1E-C40B-864C-965BA198DD63}"/>
+              </a:ext>
+            </a:extLst>
+          </p:cNvPr>
+          <p:cNvSpPr txBox="1"/>
+          <p:nvPr/>
+        </p:nvSpPr>
+        <p:spPr>
+          <a:xfrm>
+            <a:off x="318977" y="3480459"/>
+            <a:ext cx="10685721" cy="2585323"/>
+          </a:xfrm>
+          <a:prstGeom prst="rect">
+            <a:avLst/>
+          </a:prstGeom>
+          <a:noFill/>
+        </p:spPr>
+        <p:txBody>
+          <a:bodyPr wrap="square" rtlCol="0">
+            <a:spAutoFit/>
+          </a:bodyPr>
+          <a:lstStyle/>
+          <a:p>
+            <a:r>
+              <a:rPr lang="en-US" b="1" dirty="0">
+                <a:latin typeface="Times New Roman" panose="02020603050405020304" pitchFamily="18" charset="0"/>
+                <a:cs typeface="Times New Roman" panose="02020603050405020304" pitchFamily="18" charset="0"/>
+              </a:rPr>
+              <a:t>AFTER TUNING:</a:t>
+            </a:r>
+          </a:p>
+          <a:p>
+            <a:r>
+              <a:rPr lang="en-US" dirty="0">
+                <a:latin typeface="Times New Roman" panose="02020603050405020304" pitchFamily="18" charset="0"/>
+                <a:cs typeface="Times New Roman" panose="02020603050405020304" pitchFamily="18" charset="0"/>
+              </a:rPr>
+              <a:t>-After refining the model's settings, we noticed clear improvements. – For both the chains we get an accuracy of 93%. For the Alpha chain, adjusting the hyperparameters boosted the weighted average F1 score to 0.91, demonstrating enhanced balance in predicting various classes accurately. </a:t>
+            </a:r>
+          </a:p>
+          <a:p>
+            <a:r>
+              <a:rPr lang="en-US" dirty="0">
+                <a:latin typeface="Times New Roman" panose="02020603050405020304" pitchFamily="18" charset="0"/>
+                <a:cs typeface="Times New Roman" panose="02020603050405020304" pitchFamily="18" charset="0"/>
+              </a:rPr>
+              <a:t>- The Beta chain exhibited similar improvements, achieving a weighted average F1 score of 0.91 as well. </a:t>
+            </a:r>
+          </a:p>
+          <a:p>
+            <a:r>
+              <a:rPr lang="en-US" dirty="0">
+                <a:latin typeface="Times New Roman" panose="02020603050405020304" pitchFamily="18" charset="0"/>
+                <a:cs typeface="Times New Roman" panose="02020603050405020304" pitchFamily="18" charset="0"/>
+              </a:rPr>
+              <a:t>- These improvements suggest that the refined Random Forest model handles the dataset's varied and skewed distributions more effectively, resulting in more dependable predictions. </a:t>
+            </a:r>
+          </a:p>
+          <a:p>
+            <a:r>
+              <a:rPr lang="en-US" dirty="0">
+                <a:latin typeface="Times New Roman" panose="02020603050405020304" pitchFamily="18" charset="0"/>
+                <a:cs typeface="Times New Roman" panose="02020603050405020304" pitchFamily="18" charset="0"/>
+              </a:rPr>
+              <a:t>- Such enhancements are especially valuable in clinical environments, where precise model predictions are essential for designing effective T-cell receptor-based immunotherapies.</a:t>
+            </a:r>
+          </a:p>
+        </p:txBody>
+      </p:sp>
+    </p:spTree>
+    <p:extLst>
+      <p:ext uri="{BB962C8B-B14F-4D97-AF65-F5344CB8AC3E}">
+        <p14:creationId xmlns:p14="http://schemas.microsoft.com/office/powerpoint/2010/main" val="1388774526"/>
+      </p:ext>
+    </p:extLst>
+  </p:cSld>
+  <p:clrMapOvr>
+    <a:masterClrMapping/>
+  </p:clrMapOvr>
+</p:sld>
+</file>
+
+<file path=ppt/slides/slide21.xml><?xml version="1.0" encoding="utf-8"?>
+<p:sld xmlns:a="http://schemas.openxmlformats.org/drawingml/2006/main" xmlns:r="http://schemas.openxmlformats.org/officeDocument/2006/relationships" xmlns:p="http://schemas.openxmlformats.org/presentationml/2006/main">
+  <p:cSld>
+    <p:bg>
+      <p:bgPr>
+        <a:solidFill>
+          <a:schemeClr val="bg1"/>
+        </a:solidFill>
+        <a:effectLst/>
+      </p:bgPr>
+    </p:bg>
+    <p:spTree>
+      <p:nvGrpSpPr>
+        <p:cNvPr id="1" name=""/>
+        <p:cNvGrpSpPr/>
+        <p:nvPr/>
+      </p:nvGrpSpPr>
+      <p:grpSpPr>
+        <a:xfrm>
+          <a:off x="0" y="0"/>
+          <a:ext cx="0" cy="0"/>
+          <a:chOff x="0" y="0"/>
+          <a:chExt cx="0" cy="0"/>
+        </a:xfrm>
+      </p:grpSpPr>
+      <p:sp useBgFill="1">
+        <p:nvSpPr>
+          <p:cNvPr id="26" name="Rectangle 25">
+            <a:extLst>
+              <a:ext uri="{FF2B5EF4-FFF2-40B4-BE49-F238E27FC236}">
+                <a16:creationId xmlns:a16="http://schemas.microsoft.com/office/drawing/2014/main" id="{038E7D36-B1C9-463C-983F-AEA5810A60D0}"/>
+              </a:ext>
+              <a:ext uri="{C183D7F6-B498-43B3-948B-1728B52AA6E4}">
+                <adec:decorative xmlns:adec="http://schemas.microsoft.com/office/drawing/2017/decorative" val="1"/>
+              </a:ext>
+            </a:extLst>
+          </p:cNvPr>
+          <p:cNvSpPr>
+            <a:spLocks noGrp="1" noRot="1" noChangeAspect="1" noMove="1" noResize="1" noEditPoints="1" noAdjustHandles="1" noChangeArrowheads="1" noChangeShapeType="1" noTextEdit="1"/>
+          </p:cNvSpPr>
+          <p:nvPr>
+            <p:extLst>
+              <p:ext uri="{386F3935-93C4-4BCD-93E2-E3B085C9AB24}">
+                <p16:designElem xmlns:p16="http://schemas.microsoft.com/office/powerpoint/2015/main" val="1"/>
+              </p:ext>
+            </p:extLst>
+          </p:nvPr>
+        </p:nvSpPr>
+        <p:spPr>
+          <a:xfrm>
+            <a:off x="0" y="0"/>
+            <a:ext cx="12188952" cy="6858000"/>
+          </a:xfrm>
+          <a:prstGeom prst="rect">
+            <a:avLst/>
+          </a:prstGeom>
+          <a:ln>
+            <a:noFill/>
+          </a:ln>
+        </p:spPr>
+        <p:style>
+          <a:lnRef idx="2">
+            <a:schemeClr val="accent1">
+              <a:shade val="50000"/>
+            </a:schemeClr>
+          </a:lnRef>
+          <a:fillRef idx="1">
+            <a:schemeClr val="accent1"/>
+          </a:fillRef>
+          <a:effectRef idx="0">
+            <a:schemeClr val="accent1"/>
+          </a:effectRef>
+          <a:fontRef idx="minor">
+            <a:schemeClr val="lt1"/>
+          </a:fontRef>
+        </p:style>
+        <p:txBody>
+          <a:bodyPr rtlCol="0" anchor="ctr"/>
+          <a:lstStyle/>
+          <a:p>
+            <a:pPr algn="ctr"/>
+            <a:endParaRPr lang="en-US" dirty="0"/>
+          </a:p>
+        </p:txBody>
+      </p:sp>
+      <p:sp>
+        <p:nvSpPr>
+          <p:cNvPr id="27" name="Rectangle 26">
+            <a:extLst>
+              <a:ext uri="{FF2B5EF4-FFF2-40B4-BE49-F238E27FC236}">
+                <a16:creationId xmlns:a16="http://schemas.microsoft.com/office/drawing/2014/main" id="{37B9A221-B33F-47C2-85FF-2C8F363D797B}"/>
+              </a:ext>
+              <a:ext uri="{C183D7F6-B498-43B3-948B-1728B52AA6E4}">
+                <adec:decorative xmlns:adec="http://schemas.microsoft.com/office/drawing/2017/decorative" val="1"/>
+              </a:ext>
+            </a:extLst>
+          </p:cNvPr>
+          <p:cNvSpPr>
+            <a:spLocks noGrp="1" noRot="1" noChangeAspect="1" noMove="1" noResize="1" noEditPoints="1" noAdjustHandles="1" noChangeArrowheads="1" noChangeShapeType="1" noTextEdit="1"/>
+          </p:cNvSpPr>
+          <p:nvPr>
+            <p:extLst>
+              <p:ext uri="{386F3935-93C4-4BCD-93E2-E3B085C9AB24}">
+                <p16:designElem xmlns:p16="http://schemas.microsoft.com/office/powerpoint/2015/main" val="1"/>
+              </p:ext>
+            </p:extLst>
+          </p:nvPr>
+        </p:nvSpPr>
+        <p:spPr>
+          <a:xfrm>
+            <a:off x="0" y="0"/>
+            <a:ext cx="12188952" cy="6858000"/>
+          </a:xfrm>
+          <a:prstGeom prst="rect">
+            <a:avLst/>
+          </a:prstGeom>
+          <a:solidFill>
+            <a:schemeClr val="bg2">
+              <a:alpha val="40000"/>
+            </a:schemeClr>
+          </a:solidFill>
+          <a:ln>
+            <a:noFill/>
+          </a:ln>
+        </p:spPr>
+        <p:style>
+          <a:lnRef idx="2">
+            <a:schemeClr val="accent1">
+              <a:shade val="50000"/>
+            </a:schemeClr>
+          </a:lnRef>
+          <a:fillRef idx="1">
+            <a:schemeClr val="accent1"/>
+          </a:fillRef>
+          <a:effectRef idx="0">
+            <a:schemeClr val="accent1"/>
+          </a:effectRef>
+          <a:fontRef idx="minor">
+            <a:schemeClr val="lt1"/>
+          </a:fontRef>
+        </p:style>
+        <p:txBody>
+          <a:bodyPr rtlCol="0" anchor="ctr"/>
+          <a:lstStyle/>
+          <a:p>
+            <a:pPr algn="ctr"/>
+            <a:endParaRPr lang="en-US" dirty="0"/>
+          </a:p>
+        </p:txBody>
+      </p:sp>
+      <p:sp useBgFill="1">
+        <p:nvSpPr>
+          <p:cNvPr id="28" name="Rectangle 27">
+            <a:extLst>
+              <a:ext uri="{FF2B5EF4-FFF2-40B4-BE49-F238E27FC236}">
+                <a16:creationId xmlns:a16="http://schemas.microsoft.com/office/drawing/2014/main" id="{CD0E0EF1-7626-4514-9337-271DD661B1EB}"/>
+              </a:ext>
+              <a:ext uri="{C183D7F6-B498-43B3-948B-1728B52AA6E4}">
+                <adec:decorative xmlns:adec="http://schemas.microsoft.com/office/drawing/2017/decorative" val="1"/>
+              </a:ext>
+            </a:extLst>
+          </p:cNvPr>
+          <p:cNvSpPr>
+            <a:spLocks noGrp="1" noRot="1" noChangeAspect="1" noMove="1" noResize="1" noEditPoints="1" noAdjustHandles="1" noChangeArrowheads="1" noChangeShapeType="1" noTextEdit="1"/>
+          </p:cNvSpPr>
+          <p:nvPr>
+            <p:extLst>
+              <p:ext uri="{386F3935-93C4-4BCD-93E2-E3B085C9AB24}">
+                <p16:designElem xmlns:p16="http://schemas.microsoft.com/office/powerpoint/2015/main" val="1"/>
+              </p:ext>
+            </p:extLst>
+          </p:nvPr>
+        </p:nvSpPr>
+        <p:spPr>
+          <a:xfrm>
+            <a:off x="0" y="0"/>
+            <a:ext cx="12188952" cy="6858000"/>
+          </a:xfrm>
+          <a:prstGeom prst="rect">
+            <a:avLst/>
+          </a:prstGeom>
+          <a:ln>
+            <a:noFill/>
+          </a:ln>
+          <a:effectLst/>
+        </p:spPr>
+        <p:style>
+          <a:lnRef idx="2">
+            <a:schemeClr val="accent1">
+              <a:shade val="50000"/>
+            </a:schemeClr>
+          </a:lnRef>
+          <a:fillRef idx="1">
+            <a:schemeClr val="accent1"/>
+          </a:fillRef>
+          <a:effectRef idx="0">
+            <a:schemeClr val="accent1"/>
+          </a:effectRef>
+          <a:fontRef idx="minor">
+            <a:schemeClr val="lt1"/>
+          </a:fontRef>
+        </p:style>
+        <p:txBody>
+          <a:bodyPr rtlCol="0" anchor="ctr"/>
+          <a:lstStyle/>
+          <a:p>
+            <a:pPr algn="ctr"/>
+            <a:endParaRPr lang="en-US"/>
+          </a:p>
+        </p:txBody>
+      </p:sp>
+      <p:sp useBgFill="1">
+        <p:nvSpPr>
+          <p:cNvPr id="29" name="Rectangle 28">
+            <a:extLst>
+              <a:ext uri="{FF2B5EF4-FFF2-40B4-BE49-F238E27FC236}">
+                <a16:creationId xmlns:a16="http://schemas.microsoft.com/office/drawing/2014/main" id="{5F0B1492-9A00-4F80-8771-0BB2C2C4353C}"/>
+              </a:ext>
+              <a:ext uri="{C183D7F6-B498-43B3-948B-1728B52AA6E4}">
+                <adec:decorative xmlns:adec="http://schemas.microsoft.com/office/drawing/2017/decorative" val="1"/>
+              </a:ext>
+            </a:extLst>
+          </p:cNvPr>
+          <p:cNvSpPr>
+            <a:spLocks noGrp="1" noRot="1" noChangeAspect="1" noMove="1" noResize="1" noEditPoints="1" noAdjustHandles="1" noChangeArrowheads="1" noChangeShapeType="1" noTextEdit="1"/>
+          </p:cNvSpPr>
+          <p:nvPr>
+            <p:extLst>
+              <p:ext uri="{386F3935-93C4-4BCD-93E2-E3B085C9AB24}">
+                <p16:designElem xmlns:p16="http://schemas.microsoft.com/office/powerpoint/2015/main" val="1"/>
+              </p:ext>
+            </p:extLst>
+          </p:nvPr>
+        </p:nvSpPr>
+        <p:spPr>
+          <a:xfrm>
+            <a:off x="0" y="-2"/>
+            <a:ext cx="12188952" cy="2544415"/>
+          </a:xfrm>
+          <a:prstGeom prst="rect">
+            <a:avLst/>
+          </a:prstGeom>
+          <a:ln>
+            <a:noFill/>
+          </a:ln>
+          <a:effectLst>
+            <a:outerShdw blurRad="190500" dist="127000" dir="5460000" sx="94000" sy="94000" algn="t" rotWithShape="0">
+              <a:srgbClr val="000000">
+                <a:alpha val="30000"/>
+              </a:srgbClr>
+            </a:outerShdw>
+          </a:effectLst>
+        </p:spPr>
+        <p:style>
+          <a:lnRef idx="2">
+            <a:schemeClr val="accent1">
+              <a:shade val="50000"/>
+            </a:schemeClr>
+          </a:lnRef>
+          <a:fillRef idx="1">
+            <a:schemeClr val="accent1"/>
+          </a:fillRef>
+          <a:effectRef idx="0">
+            <a:schemeClr val="accent1"/>
+          </a:effectRef>
+          <a:fontRef idx="minor">
+            <a:schemeClr val="lt1"/>
+          </a:fontRef>
+        </p:style>
+        <p:txBody>
+          <a:bodyPr rtlCol="0" anchor="ctr"/>
+          <a:lstStyle/>
+          <a:p>
+            <a:pPr algn="ctr"/>
+            <a:endParaRPr lang="en-US" dirty="0"/>
+          </a:p>
+        </p:txBody>
+      </p:sp>
+      <p:cxnSp>
+        <p:nvCxnSpPr>
+          <p:cNvPr id="30" name="Straight Connector 29">
+            <a:extLst>
+              <a:ext uri="{FF2B5EF4-FFF2-40B4-BE49-F238E27FC236}">
+                <a16:creationId xmlns:a16="http://schemas.microsoft.com/office/drawing/2014/main" id="{7FAC7B62-8ACC-41ED-80AB-8D1CDF38B9E4}"/>
+              </a:ext>
+              <a:ext uri="{C183D7F6-B498-43B3-948B-1728B52AA6E4}">
+                <adec:decorative xmlns:adec="http://schemas.microsoft.com/office/drawing/2017/decorative" val="1"/>
+              </a:ext>
+            </a:extLst>
+          </p:cNvPr>
+          <p:cNvCxnSpPr>
+            <a:cxnSpLocks noGrp="1" noRot="1" noChangeAspect="1" noMove="1" noResize="1" noEditPoints="1" noAdjustHandles="1" noChangeArrowheads="1" noChangeShapeType="1"/>
+          </p:cNvCxnSpPr>
+          <p:nvPr>
+            <p:extLst>
+              <p:ext uri="{386F3935-93C4-4BCD-93E2-E3B085C9AB24}">
+                <p16:designElem xmlns:p16="http://schemas.microsoft.com/office/powerpoint/2015/main" val="1"/>
+              </p:ext>
+            </p:extLst>
+          </p:nvPr>
+        </p:nvCxnSpPr>
+        <p:spPr>
+          <a:xfrm>
+            <a:off x="11668155" y="5641010"/>
+            <a:ext cx="0" cy="599069"/>
+          </a:xfrm>
+          <a:prstGeom prst="line">
+            <a:avLst/>
+          </a:prstGeom>
+          <a:ln w="38100">
+            <a:solidFill>
+              <a:schemeClr val="tx1"/>
+            </a:solidFill>
+          </a:ln>
+        </p:spPr>
+        <p:style>
+          <a:lnRef idx="1">
+            <a:schemeClr val="accent1"/>
+          </a:lnRef>
+          <a:fillRef idx="0">
+            <a:schemeClr val="accent1"/>
+          </a:fillRef>
+          <a:effectRef idx="0">
+            <a:schemeClr val="accent1"/>
+          </a:effectRef>
+          <a:fontRef idx="minor">
+            <a:schemeClr val="tx1"/>
+          </a:fontRef>
+        </p:style>
+      </p:cxnSp>
+      <p:cxnSp>
+        <p:nvCxnSpPr>
+          <p:cNvPr id="31" name="Straight Connector 30">
+            <a:extLst>
+              <a:ext uri="{FF2B5EF4-FFF2-40B4-BE49-F238E27FC236}">
+                <a16:creationId xmlns:a16="http://schemas.microsoft.com/office/drawing/2014/main" id="{945FF525-9A83-4625-99D9-B267BDE077E7}"/>
+              </a:ext>
+              <a:ext uri="{C183D7F6-B498-43B3-948B-1728B52AA6E4}">
+                <adec:decorative xmlns:adec="http://schemas.microsoft.com/office/drawing/2017/decorative" val="1"/>
+              </a:ext>
+            </a:extLst>
+          </p:cNvPr>
+          <p:cNvCxnSpPr>
+            <a:cxnSpLocks noGrp="1" noRot="1" noChangeAspect="1" noMove="1" noResize="1" noEditPoints="1" noAdjustHandles="1" noChangeArrowheads="1" noChangeShapeType="1"/>
+          </p:cNvCxnSpPr>
+          <p:nvPr>
+            <p:extLst>
+              <p:ext uri="{386F3935-93C4-4BCD-93E2-E3B085C9AB24}">
+                <p16:designElem xmlns:p16="http://schemas.microsoft.com/office/powerpoint/2015/main" val="1"/>
+              </p:ext>
+            </p:extLst>
+          </p:nvPr>
+        </p:nvCxnSpPr>
+        <p:spPr>
+          <a:xfrm>
+            <a:off x="11668155" y="5641010"/>
+            <a:ext cx="0" cy="599069"/>
+          </a:xfrm>
+          <a:prstGeom prst="line">
+            <a:avLst/>
+          </a:prstGeom>
+          <a:ln w="38100">
+            <a:solidFill>
+              <a:schemeClr val="tx1"/>
+            </a:solidFill>
+          </a:ln>
+        </p:spPr>
+        <p:style>
+          <a:lnRef idx="1">
+            <a:schemeClr val="accent1"/>
+          </a:lnRef>
+          <a:fillRef idx="0">
+            <a:schemeClr val="accent1"/>
+          </a:fillRef>
+          <a:effectRef idx="0">
+            <a:schemeClr val="accent1"/>
+          </a:effectRef>
+          <a:fontRef idx="minor">
+            <a:schemeClr val="tx1"/>
+          </a:fontRef>
+        </p:style>
+      </p:cxnSp>
+      <p:sp useBgFill="1">
+        <p:nvSpPr>
+          <p:cNvPr id="32" name="Slide Background">
+            <a:extLst>
+              <a:ext uri="{FF2B5EF4-FFF2-40B4-BE49-F238E27FC236}">
+                <a16:creationId xmlns:a16="http://schemas.microsoft.com/office/drawing/2014/main" id="{B210AC1D-4063-4C6E-9528-FA9C4C0C18E6}"/>
+              </a:ext>
+              <a:ext uri="{C183D7F6-B498-43B3-948B-1728B52AA6E4}">
+                <adec:decorative xmlns:adec="http://schemas.microsoft.com/office/drawing/2017/decorative" val="1"/>
+              </a:ext>
+            </a:extLst>
+          </p:cNvPr>
+          <p:cNvSpPr>
+            <a:spLocks noGrp="1" noRot="1" noChangeAspect="1" noMove="1" noResize="1" noEditPoints="1" noAdjustHandles="1" noChangeArrowheads="1" noChangeShapeType="1" noTextEdit="1"/>
+          </p:cNvSpPr>
+          <p:nvPr>
+            <p:extLst>
+              <p:ext uri="{386F3935-93C4-4BCD-93E2-E3B085C9AB24}">
+                <p16:designElem xmlns:p16="http://schemas.microsoft.com/office/powerpoint/2015/main" val="1"/>
+              </p:ext>
+            </p:extLst>
+          </p:nvPr>
+        </p:nvSpPr>
+        <p:spPr>
+          <a:xfrm>
+            <a:off x="0" y="0"/>
+            <a:ext cx="12192000" cy="6858000"/>
+          </a:xfrm>
+          <a:prstGeom prst="rect">
+            <a:avLst/>
+          </a:prstGeom>
+          <a:ln>
+            <a:noFill/>
+          </a:ln>
+        </p:spPr>
+        <p:style>
+          <a:lnRef idx="2">
+            <a:schemeClr val="accent1">
+              <a:shade val="50000"/>
+            </a:schemeClr>
+          </a:lnRef>
+          <a:fillRef idx="1">
+            <a:schemeClr val="accent1"/>
+          </a:fillRef>
+          <a:effectRef idx="0">
+            <a:schemeClr val="accent1"/>
+          </a:effectRef>
+          <a:fontRef idx="minor">
+            <a:schemeClr val="lt1"/>
+          </a:fontRef>
+        </p:style>
+        <p:txBody>
+          <a:bodyPr rtlCol="0" anchor="ctr"/>
+          <a:lstStyle/>
+          <a:p>
+            <a:pPr algn="ctr"/>
+            <a:endParaRPr lang="en-US"/>
+          </a:p>
+        </p:txBody>
+      </p:sp>
+      <p:sp useBgFill="1">
+        <p:nvSpPr>
+          <p:cNvPr id="33" name="Rectangle 32">
+            <a:extLst>
+              <a:ext uri="{FF2B5EF4-FFF2-40B4-BE49-F238E27FC236}">
+                <a16:creationId xmlns:a16="http://schemas.microsoft.com/office/drawing/2014/main" id="{02F8C595-E68C-4306-AED8-DC7826A0A506}"/>
+              </a:ext>
+              <a:ext uri="{C183D7F6-B498-43B3-948B-1728B52AA6E4}">
+                <adec:decorative xmlns:adec="http://schemas.microsoft.com/office/drawing/2017/decorative" val="1"/>
+              </a:ext>
+            </a:extLst>
+          </p:cNvPr>
+          <p:cNvSpPr>
+            <a:spLocks noGrp="1" noRot="1" noChangeAspect="1" noMove="1" noResize="1" noEditPoints="1" noAdjustHandles="1" noChangeArrowheads="1" noChangeShapeType="1" noTextEdit="1"/>
+          </p:cNvSpPr>
+          <p:nvPr>
+            <p:extLst>
+              <p:ext uri="{386F3935-93C4-4BCD-93E2-E3B085C9AB24}">
+                <p16:designElem xmlns:p16="http://schemas.microsoft.com/office/powerpoint/2015/main" val="1"/>
+              </p:ext>
+            </p:extLst>
+          </p:nvPr>
+        </p:nvSpPr>
+        <p:spPr>
+          <a:xfrm>
+            <a:off x="0" y="0"/>
+            <a:ext cx="11144310" cy="6858000"/>
+          </a:xfrm>
+          <a:prstGeom prst="rect">
+            <a:avLst/>
+          </a:prstGeom>
+          <a:ln>
+            <a:noFill/>
+          </a:ln>
+          <a:effectLst>
+            <a:outerShdw blurRad="889000" dist="406400" dir="21540000" sx="90000" sy="90000" algn="t" rotWithShape="0">
+              <a:srgbClr val="000000">
+                <a:alpha val="20000"/>
+              </a:srgbClr>
+            </a:outerShdw>
+          </a:effectLst>
+        </p:spPr>
+        <p:style>
+          <a:lnRef idx="2">
+            <a:schemeClr val="accent1">
+              <a:shade val="50000"/>
+            </a:schemeClr>
+          </a:lnRef>
+          <a:fillRef idx="1">
+            <a:schemeClr val="accent1"/>
+          </a:fillRef>
+          <a:effectRef idx="0">
+            <a:schemeClr val="accent1"/>
+          </a:effectRef>
+          <a:fontRef idx="minor">
+            <a:schemeClr val="lt1"/>
+          </a:fontRef>
+        </p:style>
+        <p:txBody>
+          <a:bodyPr rtlCol="0" anchor="ctr"/>
+          <a:lstStyle/>
+          <a:p>
+            <a:pPr algn="ctr"/>
+            <a:endParaRPr lang="en-US"/>
+          </a:p>
+        </p:txBody>
+      </p:sp>
+      <p:pic>
+        <p:nvPicPr>
+          <p:cNvPr id="34" name="Picture 33" descr="Question mark on green pastel background">
+            <a:extLst>
+              <a:ext uri="{FF2B5EF4-FFF2-40B4-BE49-F238E27FC236}">
+                <a16:creationId xmlns:a16="http://schemas.microsoft.com/office/drawing/2014/main" id="{94658352-E0F9-C73E-2A71-0481A2B82C4A}"/>
+              </a:ext>
+            </a:extLst>
+          </p:cNvPr>
+          <p:cNvPicPr>
+            <a:picLocks noChangeAspect="1"/>
+          </p:cNvPicPr>
+          <p:nvPr/>
+        </p:nvPicPr>
+        <p:blipFill rotWithShape="1">
+          <a:blip r:embed="rId2">
+            <a:extLst>
+              <a:ext uri="{BEBA8EAE-BF5A-486C-A8C5-ECC9F3942E4B}">
+                <a14:imgProps xmlns:a14="http://schemas.microsoft.com/office/drawing/2010/main">
+                  <a14:imgLayer r:embed="rId3">
+                    <a14:imgEffect>
+                      <a14:colorTemperature colorTemp="4700"/>
+                    </a14:imgEffect>
+                  </a14:imgLayer>
+                </a14:imgProps>
+              </a:ext>
+            </a:extLst>
+          </a:blip>
+          <a:srcRect l="30283"/>
+          <a:stretch/>
+        </p:blipFill>
+        <p:spPr>
+          <a:xfrm>
+            <a:off x="-1" y="-2"/>
+            <a:ext cx="6374929" cy="6858002"/>
+          </a:xfrm>
+          <a:prstGeom prst="rect">
+            <a:avLst/>
+          </a:prstGeom>
+        </p:spPr>
+      </p:pic>
+      <p:sp>
+        <p:nvSpPr>
+          <p:cNvPr id="2" name="TextBox 1">
+            <a:extLst>
+              <a:ext uri="{FF2B5EF4-FFF2-40B4-BE49-F238E27FC236}">
+                <a16:creationId xmlns:a16="http://schemas.microsoft.com/office/drawing/2014/main" id="{DD578DC1-FF8E-04A6-3D40-87C4C61DCCC4}"/>
+              </a:ext>
+            </a:extLst>
+          </p:cNvPr>
+          <p:cNvSpPr txBox="1"/>
+          <p:nvPr/>
+        </p:nvSpPr>
+        <p:spPr>
+          <a:xfrm>
+            <a:off x="6898773" y="552894"/>
+            <a:ext cx="3858592" cy="5687186"/>
+          </a:xfrm>
+          <a:prstGeom prst="rect">
+            <a:avLst/>
+          </a:prstGeom>
+        </p:spPr>
+        <p:txBody>
+          <a:bodyPr vert="horz" lIns="91440" tIns="45720" rIns="91440" bIns="45720" rtlCol="0" anchor="ctr">
+            <a:normAutofit/>
+          </a:bodyPr>
+          <a:lstStyle/>
+          <a:p>
+            <a:pPr>
+              <a:lnSpc>
+                <a:spcPct val="110000"/>
+              </a:lnSpc>
+              <a:spcAft>
+                <a:spcPts val="600"/>
+              </a:spcAft>
+            </a:pPr>
+            <a:r>
+              <a:rPr lang="en-US" sz="6000" dirty="0"/>
+              <a:t>Q &amp; A</a:t>
+            </a:r>
+          </a:p>
+        </p:txBody>
+      </p:sp>
+      <p:cxnSp>
+        <p:nvCxnSpPr>
+          <p:cNvPr id="35" name="Straight Connector 34">
+            <a:extLst>
+              <a:ext uri="{FF2B5EF4-FFF2-40B4-BE49-F238E27FC236}">
+                <a16:creationId xmlns:a16="http://schemas.microsoft.com/office/drawing/2014/main" id="{E58B1629-F209-47B0-BA59-6BD937DBB08F}"/>
+              </a:ext>
+              <a:ext uri="{C183D7F6-B498-43B3-948B-1728B52AA6E4}">
+                <adec:decorative xmlns:adec="http://schemas.microsoft.com/office/drawing/2017/decorative" val="1"/>
+              </a:ext>
+            </a:extLst>
+          </p:cNvPr>
+          <p:cNvCxnSpPr>
+            <a:cxnSpLocks noGrp="1" noRot="1" noChangeAspect="1" noMove="1" noResize="1" noEditPoints="1" noAdjustHandles="1" noChangeArrowheads="1" noChangeShapeType="1"/>
+          </p:cNvCxnSpPr>
+          <p:nvPr>
+            <p:extLst>
+              <p:ext uri="{386F3935-93C4-4BCD-93E2-E3B085C9AB24}">
+                <p16:designElem xmlns:p16="http://schemas.microsoft.com/office/powerpoint/2015/main" val="1"/>
+              </p:ext>
+            </p:extLst>
+          </p:nvPr>
+        </p:nvCxnSpPr>
+        <p:spPr>
+          <a:xfrm>
+            <a:off x="11668155" y="5641010"/>
+            <a:ext cx="0" cy="599069"/>
+          </a:xfrm>
+          <a:prstGeom prst="line">
+            <a:avLst/>
+          </a:prstGeom>
+          <a:ln w="38100">
+            <a:solidFill>
+              <a:schemeClr val="tx1"/>
+            </a:solidFill>
+          </a:ln>
+        </p:spPr>
+        <p:style>
+          <a:lnRef idx="1">
+            <a:schemeClr val="accent1"/>
+          </a:lnRef>
+          <a:fillRef idx="0">
+            <a:schemeClr val="accent1"/>
+          </a:fillRef>
+          <a:effectRef idx="0">
+            <a:schemeClr val="accent1"/>
+          </a:effectRef>
+          <a:fontRef idx="minor">
+            <a:schemeClr val="tx1"/>
+          </a:fontRef>
+        </p:style>
+      </p:cxnSp>
+    </p:spTree>
+    <p:extLst>
+      <p:ext uri="{BB962C8B-B14F-4D97-AF65-F5344CB8AC3E}">
+        <p14:creationId xmlns:p14="http://schemas.microsoft.com/office/powerpoint/2010/main" val="1500966209"/>
       </p:ext>
     </p:extLst>
   </p:cSld>
@@ -6178,13 +9882,27 @@
         </p:nvSpPr>
         <p:spPr/>
         <p:txBody>
-          <a:bodyPr/>
+          <a:bodyPr>
+            <a:normAutofit fontScale="90000"/>
+          </a:bodyPr>
           <a:lstStyle/>
           <a:p>
             <a:r>
               <a:rPr lang="en-US" dirty="0"/>
-              <a:t>ENCODING METHODS USED:</a:t>
-            </a:r>
+              <a:t>ENCODING METHODS USED: </a:t>
+            </a:r>
+            <a:r>
+              <a:rPr lang="en-US" altLang="zh-CN" dirty="0"/>
+              <a:t>ONE-HOT</a:t>
+            </a:r>
+            <a:br>
+              <a:rPr lang="en-US" dirty="0"/>
+            </a:br>
+            <a:r>
+              <a:rPr lang="en-US" altLang="zh-CN" sz="2700" dirty="0"/>
+              <a:t>We use three methods for encoding, they are  ONE-HOT, BLOSUM 62 and GIANA ENCODING.</a:t>
+            </a:r>
+            <a:endParaRPr lang="en-US" sz="2700" dirty="0"/>
           </a:p>
         </p:txBody>
       </p:sp>
@@ -6206,20 +9924,47 @@
         </p:nvSpPr>
         <p:spPr/>
         <p:txBody>
-          <a:bodyPr/>
+          <a:bodyPr>
+            <a:noAutofit/>
+          </a:bodyPr>
           <a:lstStyle/>
           <a:p>
             <a:r>
-              <a:rPr lang="en-US" dirty="0"/>
-              <a:t>WRITE ABOUT ONE-HOT, BLOSUM 62 AND GIANA ENCODING USE ABOUT 2 SLIDES – TO BE ADDED BY JIAHUI AND TO BE EXPLAINED BY HER IN THE PRESENTATION</a:t>
-            </a:r>
+              <a:rPr lang="en-US" altLang="zh-CN" sz="2100" b="1" dirty="0">
+                <a:latin typeface="Times New Roman" panose="02020603050405020304" pitchFamily="18" charset="0"/>
+                <a:cs typeface="Times New Roman" panose="02020603050405020304" pitchFamily="18" charset="0"/>
+              </a:rPr>
+              <a:t>ONE-HOT:</a:t>
+            </a:r>
+          </a:p>
+          <a:p>
+            <a:r>
+              <a:rPr lang="en-US" altLang="zh-CN" sz="2100" dirty="0">
+                <a:latin typeface="Times New Roman" panose="02020603050405020304" pitchFamily="18" charset="0"/>
+                <a:cs typeface="Times New Roman" panose="02020603050405020304" pitchFamily="18" charset="0"/>
+              </a:rPr>
+              <a:t>ONE-HOT is one of the most basic and common encoding methods, which can represent categorical variables as binary vectors. Each vector has a vector representing its possible values, and the length of the vector is the same as the length of the possible values. In this vector, only one element is 1, which is used to represent the category; the other elements are 0.</a:t>
+            </a:r>
+          </a:p>
+          <a:p>
+            <a:r>
+              <a:rPr lang="en-US" altLang="zh-CN" sz="2100" dirty="0">
+                <a:latin typeface="Times New Roman" panose="02020603050405020304" pitchFamily="18" charset="0"/>
+                <a:cs typeface="Times New Roman" panose="02020603050405020304" pitchFamily="18" charset="0"/>
+              </a:rPr>
+              <a:t>Although ONE-HOT can achieve encoding, it cannot capture the sequential nature of amino acids, which will lead to the loss of important structural and functional information. Therefore, we have also tried other encoding methods, such as BLOSUM 62 and GIANA ENCODING.</a:t>
+            </a:r>
+            <a:endParaRPr lang="en-US" sz="2100" dirty="0">
+              <a:latin typeface="Times New Roman" panose="02020603050405020304" pitchFamily="18" charset="0"/>
+              <a:cs typeface="Times New Roman" panose="02020603050405020304" pitchFamily="18" charset="0"/>
+            </a:endParaRPr>
           </a:p>
         </p:txBody>
       </p:sp>
     </p:spTree>
     <p:extLst>
       <p:ext uri="{BB962C8B-B14F-4D97-AF65-F5344CB8AC3E}">
-        <p14:creationId xmlns:p14="http://schemas.microsoft.com/office/powerpoint/2010/main" val="2944249423"/>
+        <p14:creationId xmlns:p14="http://schemas.microsoft.com/office/powerpoint/2010/main" val="1200542528"/>
       </p:ext>
     </p:extLst>
   </p:cSld>
@@ -6251,7 +9996,7 @@
           <p:cNvPr id="2" name="Title 1">
             <a:extLst>
               <a:ext uri="{FF2B5EF4-FFF2-40B4-BE49-F238E27FC236}">
-                <a16:creationId xmlns:a16="http://schemas.microsoft.com/office/drawing/2014/main" id="{DF7B6175-6705-A7BA-DB24-80FD7F0D8CF2}"/>
+                <a16:creationId xmlns:a16="http://schemas.microsoft.com/office/drawing/2014/main" id="{AFB17DC1-6558-B41B-127E-740EF8794760}"/>
               </a:ext>
             </a:extLst>
           </p:cNvPr>
@@ -6271,8 +10016,13 @@
           <a:p>
             <a:r>
               <a:rPr lang="en-US" dirty="0"/>
-              <a:t>1 SLIDE ON DATA EXPLORATION INSIGHTS:</a:t>
-            </a:r>
+              <a:t>ENCODING METHODS USED:</a:t>
+            </a:r>
+            <a:r>
+              <a:rPr lang="en-US" altLang="zh-CN" sz="4400" dirty="0"/>
+              <a:t> BLOSUM 62 AND GIANA ENCODING </a:t>
+            </a:r>
+            <a:endParaRPr lang="en-US" dirty="0"/>
           </a:p>
         </p:txBody>
       </p:sp>
@@ -6281,7 +10031,7 @@
           <p:cNvPr id="3" name="Content Placeholder 2">
             <a:extLst>
               <a:ext uri="{FF2B5EF4-FFF2-40B4-BE49-F238E27FC236}">
-                <a16:creationId xmlns:a16="http://schemas.microsoft.com/office/drawing/2014/main" id="{73F2844E-7FAF-D533-CD63-55E6C4C6493A}"/>
+                <a16:creationId xmlns:a16="http://schemas.microsoft.com/office/drawing/2014/main" id="{0B4B63FD-3276-851C-FF68-89C9DAF522AC}"/>
               </a:ext>
             </a:extLst>
           </p:cNvPr>
@@ -6292,22 +10042,63 @@
             <p:ph idx="1"/>
           </p:nvPr>
         </p:nvSpPr>
-        <p:spPr/>
-        <p:txBody>
-          <a:bodyPr/>
+        <p:spPr>
+          <a:xfrm>
+            <a:off x="478465" y="2583712"/>
+            <a:ext cx="10738884" cy="4008474"/>
+          </a:xfrm>
+        </p:spPr>
+        <p:txBody>
+          <a:bodyPr>
+            <a:normAutofit fontScale="85000" lnSpcReduction="10000"/>
+          </a:bodyPr>
           <a:lstStyle/>
           <a:p>
             <a:r>
-              <a:rPr lang="en-US" dirty="0"/>
-              <a:t>THIS WILL BE ADDED AND EXPLAINED BY ME ON THE PRESENTATION DAY</a:t>
-            </a:r>
+              <a:rPr lang="en-US" altLang="zh-CN" sz="2400" b="1" dirty="0">
+                <a:latin typeface="Times New Roman" panose="02020603050405020304" pitchFamily="18" charset="0"/>
+                <a:cs typeface="Times New Roman" panose="02020603050405020304" pitchFamily="18" charset="0"/>
+              </a:rPr>
+              <a:t>BLOSUM 62:</a:t>
+            </a:r>
+          </a:p>
+          <a:p>
+            <a:r>
+              <a:rPr lang="en-US" altLang="zh-CN" sz="2400" dirty="0">
+                <a:latin typeface="Times New Roman" panose="02020603050405020304" pitchFamily="18" charset="0"/>
+                <a:cs typeface="Times New Roman" panose="02020603050405020304" pitchFamily="18" charset="0"/>
+              </a:rPr>
+              <a:t>BLOSUM 62 is a protein sequence encoding method based on the statistical analysis of a large number of known protein sequences. It scores amino acids based on the frequency of pairs of amino acids observed in related proteins, capturing similarities and differences between sequences in a biologically meaningful way. In this study, each amino acid is mapped to a vector whose length is equal to the number of rows of the matrix, and each element in the vector represents the similarity score of that amino acid to the corresponding row in the substitution matrix.</a:t>
+            </a:r>
+          </a:p>
+          <a:p>
+            <a:r>
+              <a:rPr lang="en-US" altLang="zh-CN" sz="2400" b="1" dirty="0">
+                <a:latin typeface="Times New Roman" panose="02020603050405020304" pitchFamily="18" charset="0"/>
+                <a:cs typeface="Times New Roman" panose="02020603050405020304" pitchFamily="18" charset="0"/>
+              </a:rPr>
+              <a:t>GIANA ENCODING:</a:t>
+            </a:r>
+          </a:p>
+          <a:p>
+            <a:r>
+              <a:rPr lang="en-US" altLang="zh-CN" sz="2400" dirty="0">
+                <a:latin typeface="Times New Roman" panose="02020603050405020304" pitchFamily="18" charset="0"/>
+                <a:cs typeface="Times New Roman" panose="02020603050405020304" pitchFamily="18" charset="0"/>
+              </a:rPr>
+              <a:t>GIANA ENCODING is a mathematical framework for converting CDR3 sequences, converting sequence comparisons into nearest neighbor searches in high-dimensional Euclidean space. We used the GIANA package in Python to encode alpha chain, beta chain, chain with alpha and beta respectively.</a:t>
+            </a:r>
+            <a:endParaRPr lang="en-US" dirty="0">
+              <a:latin typeface="Times New Roman" panose="02020603050405020304" pitchFamily="18" charset="0"/>
+              <a:cs typeface="Times New Roman" panose="02020603050405020304" pitchFamily="18" charset="0"/>
+            </a:endParaRPr>
           </a:p>
         </p:txBody>
       </p:sp>
     </p:spTree>
     <p:extLst>
       <p:ext uri="{BB962C8B-B14F-4D97-AF65-F5344CB8AC3E}">
-        <p14:creationId xmlns:p14="http://schemas.microsoft.com/office/powerpoint/2010/main" val="2756991189"/>
+        <p14:creationId xmlns:p14="http://schemas.microsoft.com/office/powerpoint/2010/main" val="3099030540"/>
       </p:ext>
     </p:extLst>
   </p:cSld>
@@ -6339,7 +10130,7 @@
           <p:cNvPr id="2" name="Title 1">
             <a:extLst>
               <a:ext uri="{FF2B5EF4-FFF2-40B4-BE49-F238E27FC236}">
-                <a16:creationId xmlns:a16="http://schemas.microsoft.com/office/drawing/2014/main" id="{3434913F-3039-3DC3-BB5E-EBE70668FCBC}"/>
+                <a16:creationId xmlns:a16="http://schemas.microsoft.com/office/drawing/2014/main" id="{DF7B6175-6705-A7BA-DB24-80FD7F0D8CF2}"/>
               </a:ext>
             </a:extLst>
           </p:cNvPr>
@@ -6350,42 +10141,102 @@
             <p:ph type="title"/>
           </p:nvPr>
         </p:nvSpPr>
-        <p:spPr/>
-        <p:txBody>
-          <a:bodyPr/>
+        <p:spPr>
+          <a:xfrm>
+            <a:off x="662941" y="868680"/>
+            <a:ext cx="10218419" cy="1303020"/>
+          </a:xfrm>
+        </p:spPr>
+        <p:txBody>
+          <a:bodyPr>
+            <a:normAutofit/>
+          </a:bodyPr>
           <a:lstStyle/>
           <a:p>
             <a:r>
               <a:rPr lang="en-US" dirty="0"/>
-              <a:t>1 SLIDE ON TCR DISTANCE CALCULATION</a:t>
-            </a:r>
-          </a:p>
-        </p:txBody>
-      </p:sp>
-      <p:sp>
-        <p:nvSpPr>
-          <p:cNvPr id="3" name="Content Placeholder 2">
-            <a:extLst>
-              <a:ext uri="{FF2B5EF4-FFF2-40B4-BE49-F238E27FC236}">
-                <a16:creationId xmlns:a16="http://schemas.microsoft.com/office/drawing/2014/main" id="{2A040857-44C5-7E5D-D556-8AA09D347EAC}"/>
-              </a:ext>
-            </a:extLst>
-          </p:cNvPr>
-          <p:cNvSpPr>
-            <a:spLocks noGrp="1"/>
-          </p:cNvSpPr>
+              <a:t>DATA EXPLORATION INSIGHTS:</a:t>
+            </a:r>
+          </a:p>
+        </p:txBody>
+      </p:sp>
+      <p:pic>
+        <p:nvPicPr>
+          <p:cNvPr id="5" name="Content Placeholder 4" descr="A graph of a bar with a line&#10;&#10;Description automatically generated with medium confidence">
+            <a:extLst>
+              <a:ext uri="{FF2B5EF4-FFF2-40B4-BE49-F238E27FC236}">
+                <a16:creationId xmlns:a16="http://schemas.microsoft.com/office/drawing/2014/main" id="{446DFC59-BF0A-9103-1B88-479B19DC8805}"/>
+              </a:ext>
+            </a:extLst>
+          </p:cNvPr>
+          <p:cNvPicPr>
+            <a:picLocks noGrp="1" noChangeAspect="1"/>
+          </p:cNvPicPr>
           <p:nvPr>
             <p:ph idx="1"/>
           </p:nvPr>
-        </p:nvSpPr>
-        <p:spPr/>
-        <p:txBody>
-          <a:bodyPr/>
+        </p:nvPicPr>
+        <p:blipFill>
+          <a:blip r:embed="rId2"/>
+          <a:stretch>
+            <a:fillRect/>
+          </a:stretch>
+        </p:blipFill>
+        <p:spPr>
+          <a:xfrm>
+            <a:off x="7304440" y="3140568"/>
+            <a:ext cx="3576920" cy="2714400"/>
+          </a:xfrm>
+        </p:spPr>
+      </p:pic>
+      <p:sp>
+        <p:nvSpPr>
+          <p:cNvPr id="7" name="TextBox 6">
+            <a:extLst>
+              <a:ext uri="{FF2B5EF4-FFF2-40B4-BE49-F238E27FC236}">
+                <a16:creationId xmlns:a16="http://schemas.microsoft.com/office/drawing/2014/main" id="{E7F72AA7-B695-4246-CD4A-D79D1C1BE1C1}"/>
+              </a:ext>
+            </a:extLst>
+          </p:cNvPr>
+          <p:cNvSpPr txBox="1"/>
+          <p:nvPr/>
+        </p:nvSpPr>
+        <p:spPr>
+          <a:xfrm>
+            <a:off x="393405" y="2664460"/>
+            <a:ext cx="6578895" cy="3416320"/>
+          </a:xfrm>
+          <a:prstGeom prst="rect">
+            <a:avLst/>
+          </a:prstGeom>
+          <a:noFill/>
+        </p:spPr>
+        <p:txBody>
+          <a:bodyPr wrap="square">
+            <a:spAutoFit/>
+          </a:bodyPr>
           <a:lstStyle/>
           <a:p>
+            <a:pPr marL="285750" indent="-285750">
+              <a:buFontTx/>
+              <a:buChar char="-"/>
+            </a:pPr>
             <a:r>
               <a:rPr lang="en-US" dirty="0"/>
-              <a:t>TCR DISTANCE CALCULATION THIS WILL BE ADDED AND EXPLAINED BY ME ON THE PRESENTATION DAY</a:t>
+              <a:t>Epitopes with fewer than 10 occurrences are considered insufficient for reliable modeling and are thus filtered out. This focuses the dataset on more common epitopes, which improves the model's ability to learn relevant patterns and make accurate predictions. </a:t>
+            </a:r>
+          </a:p>
+          <a:p>
+            <a:endParaRPr lang="en-US" dirty="0"/>
+          </a:p>
+          <a:p>
+            <a:pPr marL="285750" indent="-285750">
+              <a:buFontTx/>
+              <a:buChar char="-"/>
+            </a:pPr>
+            <a:r>
+              <a:rPr lang="en-US" dirty="0"/>
+              <a:t>Calculation of the length of each CDR3 sequence and retaining those within a practical range (10 to 20 amino acids) is done as depicted by the box plot shown in Fig , as very short or very long sequences might represent sequencing errors or unusual variations that could skew the model training.</a:t>
             </a:r>
           </a:p>
         </p:txBody>
@@ -6393,7 +10244,7 @@
     </p:spTree>
     <p:extLst>
       <p:ext uri="{BB962C8B-B14F-4D97-AF65-F5344CB8AC3E}">
-        <p14:creationId xmlns:p14="http://schemas.microsoft.com/office/powerpoint/2010/main" val="1117451437"/>
+        <p14:creationId xmlns:p14="http://schemas.microsoft.com/office/powerpoint/2010/main" val="2756991189"/>
       </p:ext>
     </p:extLst>
   </p:cSld>
@@ -6425,7 +10276,7 @@
           <p:cNvPr id="2" name="Title 1">
             <a:extLst>
               <a:ext uri="{FF2B5EF4-FFF2-40B4-BE49-F238E27FC236}">
-                <a16:creationId xmlns:a16="http://schemas.microsoft.com/office/drawing/2014/main" id="{3B14A0EC-38F9-0ADC-D203-BD136C5BA041}"/>
+                <a16:creationId xmlns:a16="http://schemas.microsoft.com/office/drawing/2014/main" id="{3434913F-3039-3DC3-BB5E-EBE70668FCBC}"/>
               </a:ext>
             </a:extLst>
           </p:cNvPr>
@@ -6436,7 +10287,12 @@
             <p:ph type="title"/>
           </p:nvPr>
         </p:nvSpPr>
-        <p:spPr/>
+        <p:spPr>
+          <a:xfrm>
+            <a:off x="861237" y="858983"/>
+            <a:ext cx="10653823" cy="599456"/>
+          </a:xfrm>
+        </p:spPr>
         <p:txBody>
           <a:bodyPr>
             <a:normAutofit fontScale="90000"/>
@@ -6445,46 +10301,142 @@
           <a:p>
             <a:r>
               <a:rPr lang="en-US" dirty="0"/>
-              <a:t>1 SLIDE ON TCR LEVENSHTEIN DISTANCE CALCULATION </a:t>
-            </a:r>
-          </a:p>
-        </p:txBody>
-      </p:sp>
-      <p:sp>
-        <p:nvSpPr>
-          <p:cNvPr id="3" name="Content Placeholder 2">
-            <a:extLst>
-              <a:ext uri="{FF2B5EF4-FFF2-40B4-BE49-F238E27FC236}">
-                <a16:creationId xmlns:a16="http://schemas.microsoft.com/office/drawing/2014/main" id="{B5676DEC-A069-9D15-F75D-A46062812703}"/>
-              </a:ext>
-            </a:extLst>
-          </p:cNvPr>
-          <p:cNvSpPr>
-            <a:spLocks noGrp="1"/>
-          </p:cNvSpPr>
+              <a:t>TCR DISTANCE CALCULATION USING TCRDist:</a:t>
+            </a:r>
+          </a:p>
+        </p:txBody>
+      </p:sp>
+      <p:pic>
+        <p:nvPicPr>
+          <p:cNvPr id="5" name="Content Placeholder 4" descr="A diagram of a computer&#10;&#10;Description automatically generated">
+            <a:extLst>
+              <a:ext uri="{FF2B5EF4-FFF2-40B4-BE49-F238E27FC236}">
+                <a16:creationId xmlns:a16="http://schemas.microsoft.com/office/drawing/2014/main" id="{7E75B9D1-C1AF-DCBF-1F33-DF4D57D48BEB}"/>
+              </a:ext>
+            </a:extLst>
+          </p:cNvPr>
+          <p:cNvPicPr>
+            <a:picLocks noGrp="1" noChangeAspect="1"/>
+          </p:cNvPicPr>
           <p:nvPr>
             <p:ph idx="1"/>
           </p:nvPr>
-        </p:nvSpPr>
-        <p:spPr/>
-        <p:txBody>
-          <a:bodyPr/>
+        </p:nvPicPr>
+        <p:blipFill>
+          <a:blip r:embed="rId2"/>
+          <a:stretch>
+            <a:fillRect/>
+          </a:stretch>
+        </p:blipFill>
+        <p:spPr>
+          <a:xfrm>
+            <a:off x="0" y="2998693"/>
+            <a:ext cx="3347145" cy="2702859"/>
+          </a:xfrm>
+        </p:spPr>
+      </p:pic>
+      <p:pic>
+        <p:nvPicPr>
+          <p:cNvPr id="7" name="Picture 6" descr="A graph of a heat map&#10;&#10;Description automatically generated with medium confidence">
+            <a:extLst>
+              <a:ext uri="{FF2B5EF4-FFF2-40B4-BE49-F238E27FC236}">
+                <a16:creationId xmlns:a16="http://schemas.microsoft.com/office/drawing/2014/main" id="{EA7BFEC3-B5D7-D7FB-9A3A-8DA454C4BC6E}"/>
+              </a:ext>
+            </a:extLst>
+          </p:cNvPr>
+          <p:cNvPicPr>
+            <a:picLocks noChangeAspect="1"/>
+          </p:cNvPicPr>
+          <p:nvPr/>
+        </p:nvPicPr>
+        <p:blipFill>
+          <a:blip r:embed="rId3"/>
+          <a:stretch>
+            <a:fillRect/>
+          </a:stretch>
+        </p:blipFill>
+        <p:spPr>
+          <a:xfrm>
+            <a:off x="7394347" y="2614886"/>
+            <a:ext cx="4797653" cy="3903720"/>
+          </a:xfrm>
+          <a:prstGeom prst="rect">
+            <a:avLst/>
+          </a:prstGeom>
+        </p:spPr>
+      </p:pic>
+      <p:sp>
+        <p:nvSpPr>
+          <p:cNvPr id="8" name="TextBox 7">
+            <a:extLst>
+              <a:ext uri="{FF2B5EF4-FFF2-40B4-BE49-F238E27FC236}">
+                <a16:creationId xmlns:a16="http://schemas.microsoft.com/office/drawing/2014/main" id="{B7C3FFC7-1A97-D56D-6CBD-963DF6D61AC8}"/>
+              </a:ext>
+            </a:extLst>
+          </p:cNvPr>
+          <p:cNvSpPr txBox="1"/>
+          <p:nvPr/>
+        </p:nvSpPr>
+        <p:spPr>
+          <a:xfrm>
+            <a:off x="3347146" y="1860698"/>
+            <a:ext cx="4180705" cy="4832092"/>
+          </a:xfrm>
+          <a:prstGeom prst="rect">
+            <a:avLst/>
+          </a:prstGeom>
+          <a:noFill/>
+        </p:spPr>
+        <p:txBody>
+          <a:bodyPr wrap="square" rtlCol="0">
+            <a:spAutoFit/>
+          </a:bodyPr>
           <a:lstStyle/>
           <a:p>
             <a:r>
-              <a:rPr lang="en-US" dirty="0"/>
-              <a:t>LEVENSHTEIN DISTANCE CALCULATION TO BE ADDED HERE AND EXPLAINED BY FANGNAN</a:t>
-            </a:r>
-          </a:p>
-          <a:p>
-            <a:endParaRPr lang="en-US" dirty="0"/>
+              <a:rPr lang="en-US" sz="1400" dirty="0">
+                <a:latin typeface="Times New Roman" panose="02020603050405020304" pitchFamily="18" charset="0"/>
+                <a:cs typeface="Times New Roman" panose="02020603050405020304" pitchFamily="18" charset="0"/>
+              </a:rPr>
+              <a:t>-TCRdist which is a specialized tool for computing pairwise distances between T-cell receptor sequences was used. The dataset was divided into six subsets: human alpha, human beta, combined human alpha-beta, mouse alpha, mouse beta, and combined mouse alpha-beta as shown in the Fig on the left which shows the subdivision of data for TCR Distance Matrix Calculation. </a:t>
+            </a:r>
+          </a:p>
+          <a:p>
+            <a:endParaRPr lang="en-US" sz="1400" dirty="0">
+              <a:latin typeface="Times New Roman" panose="02020603050405020304" pitchFamily="18" charset="0"/>
+              <a:cs typeface="Times New Roman" panose="02020603050405020304" pitchFamily="18" charset="0"/>
+            </a:endParaRPr>
+          </a:p>
+          <a:p>
+            <a:r>
+              <a:rPr lang="en-US" sz="1400" dirty="0">
+                <a:latin typeface="Times New Roman" panose="02020603050405020304" pitchFamily="18" charset="0"/>
+                <a:cs typeface="Times New Roman" panose="02020603050405020304" pitchFamily="18" charset="0"/>
+              </a:rPr>
+              <a:t>-Each subset was processed to calculate the TCR distance matrix for both alpha and beta chains. The distance matrices were essential for quantifying the similarity between TCR sequences, which is a crucial step for further analysis such as clustering and dimensionality reduction. </a:t>
+            </a:r>
+          </a:p>
+          <a:p>
+            <a:endParaRPr lang="en-US" sz="1400" dirty="0">
+              <a:latin typeface="Times New Roman" panose="02020603050405020304" pitchFamily="18" charset="0"/>
+              <a:cs typeface="Times New Roman" panose="02020603050405020304" pitchFamily="18" charset="0"/>
+            </a:endParaRPr>
+          </a:p>
+          <a:p>
+            <a:r>
+              <a:rPr lang="en-US" sz="1400" dirty="0">
+                <a:latin typeface="Times New Roman" panose="02020603050405020304" pitchFamily="18" charset="0"/>
+                <a:cs typeface="Times New Roman" panose="02020603050405020304" pitchFamily="18" charset="0"/>
+              </a:rPr>
+              <a:t>-For a given set of TCR sequences, the distances between all possible pairs are calculated, and the results are formed into a distance matrix as shown in the Fig on the right, each element in the matrix represents the distance or similarity between the pairs, and once the distance matrix is calculated.</a:t>
+            </a:r>
           </a:p>
         </p:txBody>
       </p:sp>
     </p:spTree>
     <p:extLst>
       <p:ext uri="{BB962C8B-B14F-4D97-AF65-F5344CB8AC3E}">
-        <p14:creationId xmlns:p14="http://schemas.microsoft.com/office/powerpoint/2010/main" val="3260992492"/>
+        <p14:creationId xmlns:p14="http://schemas.microsoft.com/office/powerpoint/2010/main" val="1117451437"/>
       </p:ext>
     </p:extLst>
   </p:cSld>
@@ -6529,8 +10481,8 @@
         </p:nvSpPr>
         <p:spPr>
           <a:xfrm>
-            <a:off x="761799" y="263560"/>
-            <a:ext cx="5390906" cy="934376"/>
+            <a:off x="560296" y="263560"/>
+            <a:ext cx="11071410" cy="934376"/>
           </a:xfrm>
         </p:spPr>
         <p:txBody>
@@ -6540,8 +10492,12 @@
           <a:lstStyle/>
           <a:p>
             <a:r>
+              <a:rPr lang="en-US" sz="2000" dirty="0"/>
+              <a:t>TCR DISTANCE CALCULATION USING </a:t>
+            </a:r>
+            <a:r>
               <a:rPr lang="en-US" altLang="zh-CN" sz="2000" dirty="0"/>
-              <a:t>LEVENSHTEIN DISTANCE CALCULATION</a:t>
+              <a:t>LEVENSHTEIN DISTANCE:</a:t>
             </a:r>
             <a:endParaRPr lang="zh-CN" altLang="en-US" sz="2000" dirty="0"/>
           </a:p>
@@ -6565,8 +10521,8 @@
         </p:nvSpPr>
         <p:spPr>
           <a:xfrm>
-            <a:off x="761799" y="1105786"/>
-            <a:ext cx="10381205" cy="5488653"/>
+            <a:off x="560295" y="999460"/>
+            <a:ext cx="10954765" cy="5594980"/>
           </a:xfrm>
         </p:spPr>
         <p:txBody>
@@ -6576,27 +10532,27 @@
           <a:lstStyle/>
           <a:p>
             <a:r>
-              <a:rPr lang="en-US" altLang="zh-CN" dirty="0">
+              <a:rPr lang="en-US" altLang="zh-CN" b="1" dirty="0">
                 <a:latin typeface="Times New Roman" panose="02020603050405020304" pitchFamily="18" charset="0"/>
                 <a:cs typeface="Times New Roman" panose="02020603050405020304" pitchFamily="18" charset="0"/>
               </a:rPr>
               <a:t>P</a:t>
             </a:r>
             <a:r>
-              <a:rPr lang="en-GB" altLang="zh-CN" dirty="0" err="1">
+              <a:rPr lang="en-GB" altLang="zh-CN" b="1" dirty="0">
                 <a:latin typeface="Times New Roman" panose="02020603050405020304" pitchFamily="18" charset="0"/>
                 <a:cs typeface="Times New Roman" panose="02020603050405020304" pitchFamily="18" charset="0"/>
               </a:rPr>
-              <a:t>rinciple</a:t>
-            </a:r>
-            <a:r>
-              <a:rPr lang="zh-CN" altLang="en-US" dirty="0">
+              <a:t>RINCIPLE</a:t>
+            </a:r>
+            <a:r>
+              <a:rPr lang="zh-CN" altLang="en-US" b="1" dirty="0">
                 <a:latin typeface="Times New Roman" panose="02020603050405020304" pitchFamily="18" charset="0"/>
                 <a:cs typeface="Times New Roman" panose="02020603050405020304" pitchFamily="18" charset="0"/>
               </a:rPr>
               <a:t>：</a:t>
             </a:r>
-            <a:endParaRPr lang="en-US" altLang="zh-CN" dirty="0">
+            <a:endParaRPr lang="en-US" altLang="zh-CN" b="1" dirty="0">
               <a:latin typeface="Times New Roman" panose="02020603050405020304" pitchFamily="18" charset="0"/>
               <a:cs typeface="Times New Roman" panose="02020603050405020304" pitchFamily="18" charset="0"/>
             </a:endParaRPr>
@@ -6839,20 +10795,20 @@
               </a:lnSpc>
             </a:pPr>
             <a:r>
-              <a:rPr lang="en-GB" altLang="zh-CN" dirty="0">
+              <a:rPr lang="en-GB" altLang="zh-CN" b="1" dirty="0">
                 <a:latin typeface="Times New Roman" panose="02020603050405020304" pitchFamily="18" charset="0"/>
                 <a:cs typeface="Times New Roman" panose="02020603050405020304" pitchFamily="18" charset="0"/>
               </a:rPr>
-              <a:t>Advantage</a:t>
-            </a:r>
-            <a:r>
-              <a:rPr lang="zh-CN" altLang="en-US" dirty="0">
+              <a:t>ADVANTAGE</a:t>
+            </a:r>
+            <a:r>
+              <a:rPr lang="zh-CN" altLang="en-US" b="1" dirty="0">
                 <a:latin typeface="Times New Roman" panose="02020603050405020304" pitchFamily="18" charset="0"/>
                 <a:cs typeface="Times New Roman" panose="02020603050405020304" pitchFamily="18" charset="0"/>
               </a:rPr>
               <a:t>：</a:t>
             </a:r>
-            <a:endParaRPr lang="en-US" altLang="zh-CN" dirty="0">
+            <a:endParaRPr lang="en-US" altLang="zh-CN" b="1" dirty="0">
               <a:latin typeface="Times New Roman" panose="02020603050405020304" pitchFamily="18" charset="0"/>
               <a:cs typeface="Times New Roman" panose="02020603050405020304" pitchFamily="18" charset="0"/>
             </a:endParaRPr>
@@ -6924,7 +10880,7 @@
                 <a:latin typeface="Times New Roman" panose="02020603050405020304" pitchFamily="18" charset="0"/>
                 <a:cs typeface="Times New Roman" panose="02020603050405020304" pitchFamily="18" charset="0"/>
               </a:rPr>
-              <a:t>3. Wide range of applicability: This method can not only be applied to text data, but can also be extended to any data type that can be serialized.</a:t>
+              <a:t>3. Wide range of applicability: This method can not only be applied to text data but can also be extended to any data type that can be serialized.</a:t>
             </a:r>
             <a:endParaRPr lang="zh-CN" altLang="en-US" dirty="0">
               <a:latin typeface="Times New Roman" panose="02020603050405020304" pitchFamily="18" charset="0"/>
@@ -6965,10 +10921,10 @@
       </p:grpSpPr>
       <p:sp>
         <p:nvSpPr>
-          <p:cNvPr id="2" name="Title 1">
-            <a:extLst>
-              <a:ext uri="{FF2B5EF4-FFF2-40B4-BE49-F238E27FC236}">
-                <a16:creationId xmlns:a16="http://schemas.microsoft.com/office/drawing/2014/main" id="{8FF5C523-683A-0BB4-7A9C-CFE3D1DC2C5B}"/>
+          <p:cNvPr id="5" name="标题 4">
+            <a:extLst>
+              <a:ext uri="{FF2B5EF4-FFF2-40B4-BE49-F238E27FC236}">
+                <a16:creationId xmlns:a16="http://schemas.microsoft.com/office/drawing/2014/main" id="{360AC2A2-FECE-23AD-8298-6E22713B5EF0}"/>
               </a:ext>
             </a:extLst>
           </p:cNvPr>
@@ -6981,24 +10937,23 @@
         </p:nvSpPr>
         <p:spPr/>
         <p:txBody>
-          <a:bodyPr>
-            <a:normAutofit fontScale="90000"/>
-          </a:bodyPr>
+          <a:bodyPr/>
           <a:lstStyle/>
           <a:p>
             <a:r>
-              <a:rPr lang="en-US" dirty="0"/>
-              <a:t>ANALYSIS ON DIMENSIONALITY REDUCTION OUTCOMES USE ABOUT 1-2 SLIDES</a:t>
-            </a:r>
+              <a:rPr lang="en-US" altLang="zh-CN" dirty="0"/>
+              <a:t>UMAP Dimensionality Reduction</a:t>
+            </a:r>
+            <a:endParaRPr lang="zh-CN" altLang="en-US" dirty="0"/>
           </a:p>
         </p:txBody>
       </p:sp>
       <p:sp>
         <p:nvSpPr>
-          <p:cNvPr id="3" name="Content Placeholder 2">
-            <a:extLst>
-              <a:ext uri="{FF2B5EF4-FFF2-40B4-BE49-F238E27FC236}">
-                <a16:creationId xmlns:a16="http://schemas.microsoft.com/office/drawing/2014/main" id="{8912B0F5-80EF-6C0A-8582-2BDBEB8C57A6}"/>
+          <p:cNvPr id="13" name="内容占位符 12">
+            <a:extLst>
+              <a:ext uri="{FF2B5EF4-FFF2-40B4-BE49-F238E27FC236}">
+                <a16:creationId xmlns:a16="http://schemas.microsoft.com/office/drawing/2014/main" id="{70B504AA-8512-75AA-3B44-8A9BFB92A855}"/>
               </a:ext>
             </a:extLst>
           </p:cNvPr>
@@ -7009,25 +10964,108 @@
             <p:ph idx="1"/>
           </p:nvPr>
         </p:nvSpPr>
-        <p:spPr/>
+        <p:spPr>
+          <a:xfrm>
+            <a:off x="761167" y="2737229"/>
+            <a:ext cx="10381205" cy="3261789"/>
+          </a:xfrm>
+        </p:spPr>
         <p:txBody>
           <a:bodyPr/>
           <a:lstStyle/>
           <a:p>
             <a:r>
-              <a:rPr lang="en-US" dirty="0"/>
-              <a:t>TO BE ADDED BY JIADONG AND TO BE EXPLAINED BY HIM IN THE PRESENTATION</a:t>
-            </a:r>
-          </a:p>
-          <a:p>
-            <a:endParaRPr lang="en-US" dirty="0"/>
+              <a:rPr lang="en-US" altLang="zh-CN" b="0" i="0" dirty="0">
+                <a:solidFill>
+                  <a:srgbClr val="0D0D0D"/>
+                </a:solidFill>
+                <a:effectLst/>
+                <a:highlight>
+                  <a:srgbClr val="FFFFFF"/>
+                </a:highlight>
+                <a:latin typeface="Söhne"/>
+              </a:rPr>
+              <a:t>UMAP (Uniform Manifold Approximation and Projection): A popular nonlinear dimensionality reduction technique based on the theory of manifold learning. This method examines the local structure in the data, constructs a weighted neighborhood graph of high-dimensional data, and uses the minimization of cross-entropy loss between high-dimensional and low-dimensional spaces to find a low-dimensional representation.</a:t>
+            </a:r>
+            <a:endParaRPr lang="zh-CN" altLang="en-US" dirty="0"/>
+          </a:p>
+        </p:txBody>
+      </p:sp>
+      <p:sp>
+        <p:nvSpPr>
+          <p:cNvPr id="3" name="文本框 2">
+            <a:extLst>
+              <a:ext uri="{FF2B5EF4-FFF2-40B4-BE49-F238E27FC236}">
+                <a16:creationId xmlns:a16="http://schemas.microsoft.com/office/drawing/2014/main" id="{A3B36737-C979-9577-6079-F2528107E5E5}"/>
+              </a:ext>
+            </a:extLst>
+          </p:cNvPr>
+          <p:cNvSpPr txBox="1"/>
+          <p:nvPr/>
+        </p:nvSpPr>
+        <p:spPr>
+          <a:xfrm>
+            <a:off x="761167" y="4897841"/>
+            <a:ext cx="10485278" cy="707886"/>
+          </a:xfrm>
+          <a:prstGeom prst="rect">
+            <a:avLst/>
+          </a:prstGeom>
+          <a:noFill/>
+        </p:spPr>
+        <p:txBody>
+          <a:bodyPr wrap="square">
+            <a:spAutoFit/>
+          </a:bodyPr>
+          <a:lstStyle/>
+          <a:p>
+            <a:r>
+              <a:rPr lang="en-US" altLang="zh-CN" sz="2000" dirty="0">
+                <a:latin typeface="Söhne"/>
+                <a:cs typeface="Times New Roman" panose="02020603050405020304" pitchFamily="18" charset="0"/>
+              </a:rPr>
+              <a:t>Before </a:t>
+            </a:r>
+            <a:r>
+              <a:rPr lang="en-US" altLang="zh-CN" sz="2000" dirty="0">
+                <a:latin typeface="Söhne"/>
+              </a:rPr>
+              <a:t>dimensionality reduction, </a:t>
+            </a:r>
+            <a:r>
+              <a:rPr lang="en-US" altLang="zh-CN" sz="2000" dirty="0">
+                <a:latin typeface="Söhne"/>
+                <a:cs typeface="Times New Roman" panose="02020603050405020304" pitchFamily="18" charset="0"/>
+              </a:rPr>
+              <a:t>t</a:t>
+            </a:r>
+            <a:r>
+              <a:rPr lang="en-US" altLang="zh-CN" sz="2000" dirty="0">
+                <a:effectLst/>
+                <a:latin typeface="Söhne"/>
+                <a:cs typeface="Times New Roman" panose="02020603050405020304" pitchFamily="18" charset="0"/>
+              </a:rPr>
+              <a:t>he TCR data was divided into human and mouse categories</a:t>
+            </a:r>
+            <a:r>
+              <a:rPr lang="en-US" altLang="zh-CN" sz="2000" dirty="0">
+                <a:latin typeface="Söhne"/>
+                <a:cs typeface="Times New Roman" panose="02020603050405020304" pitchFamily="18" charset="0"/>
+              </a:rPr>
+              <a:t>, encoded by GIANA encoding.</a:t>
+            </a:r>
+            <a:endParaRPr lang="en-US" altLang="zh-CN" sz="2000" dirty="0">
+              <a:effectLst/>
+              <a:latin typeface="Söhne"/>
+              <a:cs typeface="Times New Roman" panose="02020603050405020304" pitchFamily="18" charset="0"/>
+            </a:endParaRPr>
           </a:p>
         </p:txBody>
       </p:sp>
     </p:spTree>
     <p:extLst>
       <p:ext uri="{BB962C8B-B14F-4D97-AF65-F5344CB8AC3E}">
-        <p14:creationId xmlns:p14="http://schemas.microsoft.com/office/powerpoint/2010/main" val="2616143390"/>
+        <p14:creationId xmlns:p14="http://schemas.microsoft.com/office/powerpoint/2010/main" val="3412462423"/>
       </p:ext>
     </p:extLst>
   </p:cSld>
@@ -7056,10 +11094,10 @@
       </p:grpSpPr>
       <p:sp>
         <p:nvSpPr>
-          <p:cNvPr id="2" name="Title 1">
-            <a:extLst>
-              <a:ext uri="{FF2B5EF4-FFF2-40B4-BE49-F238E27FC236}">
-                <a16:creationId xmlns:a16="http://schemas.microsoft.com/office/drawing/2014/main" id="{A5EBCF6C-F3B7-D40C-4116-938723043DC0}"/>
+          <p:cNvPr id="5" name="标题 4">
+            <a:extLst>
+              <a:ext uri="{FF2B5EF4-FFF2-40B4-BE49-F238E27FC236}">
+                <a16:creationId xmlns:a16="http://schemas.microsoft.com/office/drawing/2014/main" id="{360AC2A2-FECE-23AD-8298-6E22713B5EF0}"/>
               </a:ext>
             </a:extLst>
           </p:cNvPr>
@@ -7070,52 +11108,583 @@
             <p:ph type="title"/>
           </p:nvPr>
         </p:nvSpPr>
-        <p:spPr/>
-        <p:txBody>
-          <a:bodyPr>
-            <a:normAutofit fontScale="90000"/>
-          </a:bodyPr>
+        <p:spPr>
+          <a:xfrm>
+            <a:off x="761801" y="194709"/>
+            <a:ext cx="10380573" cy="1432273"/>
+          </a:xfrm>
+        </p:spPr>
+        <p:txBody>
+          <a:bodyPr/>
           <a:lstStyle/>
           <a:p>
             <a:r>
-              <a:rPr lang="en-US" dirty="0"/>
-              <a:t>1 SLIDE ANALYSIS ON CLUSTERING RESULTS</a:t>
-            </a:r>
-          </a:p>
-        </p:txBody>
-      </p:sp>
-      <p:sp>
-        <p:nvSpPr>
-          <p:cNvPr id="3" name="Content Placeholder 2">
-            <a:extLst>
-              <a:ext uri="{FF2B5EF4-FFF2-40B4-BE49-F238E27FC236}">
-                <a16:creationId xmlns:a16="http://schemas.microsoft.com/office/drawing/2014/main" id="{502B6705-E1B7-84F3-6D9A-BA8C0DB780B8}"/>
-              </a:ext>
-            </a:extLst>
-          </p:cNvPr>
-          <p:cNvSpPr>
-            <a:spLocks noGrp="1"/>
-          </p:cNvSpPr>
+              <a:rPr lang="en-US" altLang="zh-CN" dirty="0"/>
+              <a:t>Human vs. Mouse</a:t>
+            </a:r>
+            <a:endParaRPr lang="zh-CN" altLang="en-US" dirty="0"/>
+          </a:p>
+        </p:txBody>
+      </p:sp>
+      <p:pic>
+        <p:nvPicPr>
+          <p:cNvPr id="9" name="内容占位符 8">
+            <a:extLst>
+              <a:ext uri="{FF2B5EF4-FFF2-40B4-BE49-F238E27FC236}">
+                <a16:creationId xmlns:a16="http://schemas.microsoft.com/office/drawing/2014/main" id="{2A6E8A90-CE72-56BA-C013-81EF721376DF}"/>
+              </a:ext>
+            </a:extLst>
+          </p:cNvPr>
+          <p:cNvPicPr>
+            <a:picLocks noGrp="1" noChangeAspect="1"/>
+          </p:cNvPicPr>
           <p:nvPr>
             <p:ph idx="1"/>
           </p:nvPr>
-        </p:nvSpPr>
-        <p:spPr/>
-        <p:txBody>
-          <a:bodyPr/>
+        </p:nvPicPr>
+        <p:blipFill>
+          <a:blip r:embed="rId2"/>
+          <a:stretch>
+            <a:fillRect/>
+          </a:stretch>
+        </p:blipFill>
+        <p:spPr>
+          <a:xfrm>
+            <a:off x="7901564" y="0"/>
+            <a:ext cx="3528635" cy="3524425"/>
+          </a:xfrm>
+        </p:spPr>
+      </p:pic>
+      <p:pic>
+        <p:nvPicPr>
+          <p:cNvPr id="11" name="图片 10">
+            <a:extLst>
+              <a:ext uri="{FF2B5EF4-FFF2-40B4-BE49-F238E27FC236}">
+                <a16:creationId xmlns:a16="http://schemas.microsoft.com/office/drawing/2014/main" id="{90208C04-1173-9C84-FCA9-33CDAF5367F8}"/>
+              </a:ext>
+            </a:extLst>
+          </p:cNvPr>
+          <p:cNvPicPr>
+            <a:picLocks noChangeAspect="1"/>
+          </p:cNvPicPr>
+          <p:nvPr/>
+        </p:nvPicPr>
+        <p:blipFill>
+          <a:blip r:embed="rId3"/>
+          <a:stretch>
+            <a:fillRect/>
+          </a:stretch>
+        </p:blipFill>
+        <p:spPr>
+          <a:xfrm>
+            <a:off x="7831858" y="3307126"/>
+            <a:ext cx="3774888" cy="3489673"/>
+          </a:xfrm>
+          <a:prstGeom prst="rect">
+            <a:avLst/>
+          </a:prstGeom>
+        </p:spPr>
+      </p:pic>
+      <p:sp>
+        <p:nvSpPr>
+          <p:cNvPr id="2" name="文本框 1">
+            <a:extLst>
+              <a:ext uri="{FF2B5EF4-FFF2-40B4-BE49-F238E27FC236}">
+                <a16:creationId xmlns:a16="http://schemas.microsoft.com/office/drawing/2014/main" id="{E1C2F52B-4FBC-A9E9-AEF0-E48A5B573A28}"/>
+              </a:ext>
+            </a:extLst>
+          </p:cNvPr>
+          <p:cNvSpPr txBox="1"/>
+          <p:nvPr/>
+        </p:nvSpPr>
+        <p:spPr>
+          <a:xfrm>
+            <a:off x="118913" y="2472765"/>
+            <a:ext cx="4010239" cy="3970318"/>
+          </a:xfrm>
+          <a:prstGeom prst="rect">
+            <a:avLst/>
+          </a:prstGeom>
+          <a:noFill/>
+          <a:ln>
+            <a:solidFill>
+              <a:srgbClr val="FF0000"/>
+            </a:solidFill>
+          </a:ln>
+        </p:spPr>
+        <p:txBody>
+          <a:bodyPr wrap="square" rtlCol="0">
+            <a:spAutoFit/>
+          </a:bodyPr>
           <a:lstStyle/>
           <a:p>
             <a:r>
-              <a:rPr lang="en-US" dirty="0"/>
-              <a:t>CLUSTERING RESULTS (DBSCAN)TO BE ADDED HERE AND EXPLAINED BY JIADONG</a:t>
-            </a:r>
+              <a:rPr lang="en-US" altLang="zh-CN" dirty="0"/>
+              <a:t>Human TCR:</a:t>
+            </a:r>
+          </a:p>
+          <a:p>
+            <a:pPr marL="285750" indent="-285750">
+              <a:buFont typeface="Arial" panose="020B0604020202020204" pitchFamily="34" charset="0"/>
+              <a:buChar char="•"/>
+            </a:pPr>
+            <a:r>
+              <a:rPr lang="en-GB" altLang="zh-CN" sz="1800" dirty="0">
+                <a:solidFill>
+                  <a:srgbClr val="0D0D0D"/>
+                </a:solidFill>
+                <a:effectLst/>
+                <a:highlight>
+                  <a:srgbClr val="FFFFFF"/>
+                </a:highlight>
+                <a:latin typeface="Segoe UI" panose="020B0502040204020203" pitchFamily="34" charset="0"/>
+                <a:ea typeface="等线" panose="02010600030101010101" pitchFamily="2" charset="-122"/>
+              </a:rPr>
+              <a:t>More dispersed</a:t>
+            </a:r>
+            <a:endParaRPr lang="en-US" altLang="zh-CN" sz="1800" dirty="0">
+              <a:solidFill>
+                <a:srgbClr val="0D0D0D"/>
+              </a:solidFill>
+              <a:effectLst/>
+              <a:highlight>
+                <a:srgbClr val="FFFFFF"/>
+              </a:highlight>
+              <a:latin typeface="Segoe UI" panose="020B0502040204020203" pitchFamily="34" charset="0"/>
+              <a:ea typeface="等线" panose="02010600030101010101" pitchFamily="2" charset="-122"/>
+            </a:endParaRPr>
+          </a:p>
+          <a:p>
+            <a:pPr marL="285750" indent="-285750">
+              <a:buFont typeface="Arial" panose="020B0604020202020204" pitchFamily="34" charset="0"/>
+              <a:buChar char="•"/>
+            </a:pPr>
+            <a:r>
+              <a:rPr lang="en-ID" altLang="zh-CN" dirty="0"/>
+              <a:t>Some small tightly clustered </a:t>
+            </a:r>
+            <a:r>
+              <a:rPr lang="en-US" altLang="zh-CN" dirty="0"/>
+              <a:t>group</a:t>
+            </a:r>
+          </a:p>
+          <a:p>
+            <a:pPr marL="285750" indent="-285750">
+              <a:buFont typeface="Arial" panose="020B0604020202020204" pitchFamily="34" charset="0"/>
+              <a:buChar char="•"/>
+            </a:pPr>
+            <a:r>
+              <a:rPr lang="en-US" altLang="zh-CN" dirty="0"/>
+              <a:t>Different </a:t>
+            </a:r>
+            <a:r>
+              <a:rPr lang="en-GB" altLang="zh-CN" sz="1800" dirty="0">
+                <a:solidFill>
+                  <a:srgbClr val="0D0D0D"/>
+                </a:solidFill>
+                <a:effectLst/>
+                <a:highlight>
+                  <a:srgbClr val="FFFFFF"/>
+                </a:highlight>
+                <a:latin typeface="Segoe UI" panose="020B0502040204020203" pitchFamily="34" charset="0"/>
+                <a:ea typeface="等线" panose="02010600030101010101" pitchFamily="2" charset="-122"/>
+              </a:rPr>
+              <a:t>specificity mixed together and difficult to form distinct high-purity clusters</a:t>
+            </a:r>
+          </a:p>
+          <a:p>
+            <a:pPr marL="285750" indent="-285750">
+              <a:buFont typeface="Arial" panose="020B0604020202020204" pitchFamily="34" charset="0"/>
+              <a:buChar char="•"/>
+            </a:pPr>
+            <a:endParaRPr lang="en-US" altLang="zh-CN" dirty="0"/>
+          </a:p>
+          <a:p>
+            <a:pPr marL="285750" indent="-285750">
+              <a:buFont typeface="Arial" panose="020B0604020202020204" pitchFamily="34" charset="0"/>
+              <a:buChar char="•"/>
+            </a:pPr>
+            <a:endParaRPr lang="en-US" altLang="zh-CN" dirty="0"/>
+          </a:p>
+          <a:p>
+            <a:r>
+              <a:rPr lang="en-US" altLang="zh-CN" dirty="0"/>
+              <a:t>Mouse TCR:</a:t>
+            </a:r>
+          </a:p>
+          <a:p>
+            <a:pPr marL="285750" indent="-285750">
+              <a:buFont typeface="Arial" panose="020B0604020202020204" pitchFamily="34" charset="0"/>
+              <a:buChar char="•"/>
+            </a:pPr>
+            <a:r>
+              <a:rPr lang="en-GB" altLang="zh-CN" sz="1800" dirty="0">
+                <a:solidFill>
+                  <a:srgbClr val="0D0D0D"/>
+                </a:solidFill>
+                <a:effectLst/>
+                <a:highlight>
+                  <a:srgbClr val="FFFFFF"/>
+                </a:highlight>
+                <a:latin typeface="Segoe UI" panose="020B0502040204020203" pitchFamily="34" charset="0"/>
+                <a:ea typeface="等线" panose="02010600030101010101" pitchFamily="2" charset="-122"/>
+              </a:rPr>
+              <a:t>Relatively compact</a:t>
+            </a:r>
+          </a:p>
+          <a:p>
+            <a:pPr marL="285750" indent="-285750">
+              <a:buFont typeface="Arial" panose="020B0604020202020204" pitchFamily="34" charset="0"/>
+              <a:buChar char="•"/>
+            </a:pPr>
+            <a:r>
+              <a:rPr lang="en-GB" altLang="zh-CN" dirty="0">
+                <a:solidFill>
+                  <a:srgbClr val="0D0D0D"/>
+                </a:solidFill>
+                <a:highlight>
+                  <a:srgbClr val="FFFFFF"/>
+                </a:highlight>
+                <a:latin typeface="Segoe UI" panose="020B0502040204020203" pitchFamily="34" charset="0"/>
+                <a:ea typeface="等线" panose="02010600030101010101" pitchFamily="2" charset="-122"/>
+              </a:rPr>
+              <a:t>O</a:t>
+            </a:r>
+            <a:r>
+              <a:rPr lang="en-GB" altLang="zh-CN" sz="1800" dirty="0">
+                <a:solidFill>
+                  <a:srgbClr val="0D0D0D"/>
+                </a:solidFill>
+                <a:effectLst/>
+                <a:highlight>
+                  <a:srgbClr val="FFFFFF"/>
+                </a:highlight>
+                <a:latin typeface="Segoe UI" panose="020B0502040204020203" pitchFamily="34" charset="0"/>
+                <a:ea typeface="等线" panose="02010600030101010101" pitchFamily="2" charset="-122"/>
+              </a:rPr>
+              <a:t>bvious boundaries and distances between clusters</a:t>
+            </a:r>
+          </a:p>
+          <a:p>
+            <a:pPr marL="285750" indent="-285750">
+              <a:buFont typeface="Arial" panose="020B0604020202020204" pitchFamily="34" charset="0"/>
+              <a:buChar char="•"/>
+            </a:pPr>
+            <a:r>
+              <a:rPr lang="en-GB" altLang="zh-CN" sz="1800" dirty="0">
+                <a:solidFill>
+                  <a:srgbClr val="0D0D0D"/>
+                </a:solidFill>
+                <a:effectLst/>
+                <a:highlight>
+                  <a:srgbClr val="FFFFFF"/>
+                </a:highlight>
+                <a:latin typeface="Segoe UI" panose="020B0502040204020203" pitchFamily="34" charset="0"/>
+                <a:ea typeface="等线" panose="02010600030101010101" pitchFamily="2" charset="-122"/>
+              </a:rPr>
+              <a:t>More concentrated specificity</a:t>
+            </a:r>
+          </a:p>
+          <a:p>
+            <a:endParaRPr lang="zh-CN" altLang="en-US" dirty="0"/>
+          </a:p>
+        </p:txBody>
+      </p:sp>
+      <p:sp>
+        <p:nvSpPr>
+          <p:cNvPr id="3" name="文本框 2">
+            <a:extLst>
+              <a:ext uri="{FF2B5EF4-FFF2-40B4-BE49-F238E27FC236}">
+                <a16:creationId xmlns:a16="http://schemas.microsoft.com/office/drawing/2014/main" id="{ECA231BF-0DE6-50FC-5DA0-3A80CD899CC5}"/>
+              </a:ext>
+            </a:extLst>
+          </p:cNvPr>
+          <p:cNvSpPr txBox="1"/>
+          <p:nvPr/>
+        </p:nvSpPr>
+        <p:spPr>
+          <a:xfrm>
+            <a:off x="4170156" y="2472765"/>
+            <a:ext cx="3731408" cy="3970318"/>
+          </a:xfrm>
+          <a:prstGeom prst="rect">
+            <a:avLst/>
+          </a:prstGeom>
+          <a:noFill/>
+          <a:ln>
+            <a:solidFill>
+              <a:srgbClr val="00B0F0"/>
+            </a:solidFill>
+          </a:ln>
+        </p:spPr>
+        <p:txBody>
+          <a:bodyPr wrap="square" rtlCol="0">
+            <a:spAutoFit/>
+          </a:bodyPr>
+          <a:lstStyle/>
+          <a:p>
+            <a:r>
+              <a:rPr lang="en-US" altLang="zh-CN" dirty="0"/>
+              <a:t>Human:</a:t>
+            </a:r>
+          </a:p>
+          <a:p>
+            <a:pPr marL="285750" indent="-285750">
+              <a:buFont typeface="Arial" panose="020B0604020202020204" pitchFamily="34" charset="0"/>
+              <a:buChar char="•"/>
+            </a:pPr>
+            <a:r>
+              <a:rPr lang="en-GB" altLang="zh-CN" sz="1800" dirty="0">
+                <a:solidFill>
+                  <a:srgbClr val="0D0D0D"/>
+                </a:solidFill>
+                <a:effectLst/>
+                <a:highlight>
+                  <a:srgbClr val="FFFFFF"/>
+                </a:highlight>
+                <a:latin typeface="Segoe UI" panose="020B0502040204020203" pitchFamily="34" charset="0"/>
+                <a:ea typeface="等线" panose="02010600030101010101" pitchFamily="2" charset="-122"/>
+              </a:rPr>
+              <a:t>Higher genetic diversity</a:t>
+            </a:r>
+          </a:p>
+          <a:p>
+            <a:pPr marL="285750" indent="-285750">
+              <a:buFont typeface="Arial" panose="020B0604020202020204" pitchFamily="34" charset="0"/>
+              <a:buChar char="•"/>
+            </a:pPr>
+            <a:r>
+              <a:rPr lang="en-GB" altLang="zh-CN" sz="1800" dirty="0">
+                <a:solidFill>
+                  <a:srgbClr val="0D0D0D"/>
+                </a:solidFill>
+                <a:effectLst/>
+                <a:highlight>
+                  <a:srgbClr val="FFFFFF"/>
+                </a:highlight>
+                <a:latin typeface="Segoe UI" panose="020B0502040204020203" pitchFamily="34" charset="0"/>
+                <a:ea typeface="等线" panose="02010600030101010101" pitchFamily="2" charset="-122"/>
+              </a:rPr>
+              <a:t>More complex immune system</a:t>
+            </a:r>
+          </a:p>
+          <a:p>
+            <a:pPr marL="285750" indent="-285750">
+              <a:buFont typeface="Arial" panose="020B0604020202020204" pitchFamily="34" charset="0"/>
+              <a:buChar char="•"/>
+            </a:pPr>
+            <a:r>
+              <a:rPr lang="en-GB" altLang="zh-CN" sz="1800" dirty="0">
+                <a:solidFill>
+                  <a:srgbClr val="0D0D0D"/>
+                </a:solidFill>
+                <a:effectLst/>
+                <a:highlight>
+                  <a:srgbClr val="FFFFFF"/>
+                </a:highlight>
+                <a:latin typeface="Segoe UI" panose="020B0502040204020203" pitchFamily="34" charset="0"/>
+                <a:ea typeface="等线" panose="02010600030101010101" pitchFamily="2" charset="-122"/>
+              </a:rPr>
+              <a:t>Exposure to a wide variety of pathogens in different environments</a:t>
+            </a:r>
+          </a:p>
+          <a:p>
+            <a:pPr marL="285750" indent="-285750">
+              <a:buFont typeface="Arial" panose="020B0604020202020204" pitchFamily="34" charset="0"/>
+              <a:buChar char="•"/>
+            </a:pPr>
+            <a:r>
+              <a:rPr lang="en-GB" altLang="zh-CN" dirty="0">
+                <a:solidFill>
+                  <a:srgbClr val="0D0D0D"/>
+                </a:solidFill>
+                <a:highlight>
+                  <a:srgbClr val="FFFFFF"/>
+                </a:highlight>
+                <a:latin typeface="Segoe UI" panose="020B0502040204020203" pitchFamily="34" charset="0"/>
+                <a:ea typeface="等线" panose="02010600030101010101" pitchFamily="2" charset="-122"/>
+              </a:rPr>
+              <a:t>Complex</a:t>
+            </a:r>
+            <a:r>
+              <a:rPr lang="en-US" altLang="zh-CN" dirty="0">
+                <a:solidFill>
+                  <a:srgbClr val="0D0D0D"/>
+                </a:solidFill>
+                <a:highlight>
+                  <a:srgbClr val="FFFFFF"/>
+                </a:highlight>
+                <a:latin typeface="Segoe UI" panose="020B0502040204020203" pitchFamily="34" charset="0"/>
+                <a:ea typeface="等线" panose="02010600030101010101" pitchFamily="2" charset="-122"/>
+              </a:rPr>
+              <a:t> distribution which hard to be captured by UMAP</a:t>
+            </a:r>
+            <a:endParaRPr lang="en-US" altLang="zh-CN" dirty="0"/>
+          </a:p>
+          <a:p>
+            <a:r>
+              <a:rPr lang="en-US" altLang="zh-CN" dirty="0"/>
+              <a:t>Mouse:</a:t>
+            </a:r>
+          </a:p>
+          <a:p>
+            <a:pPr marL="285750" indent="-285750">
+              <a:buFont typeface="Arial" panose="020B0604020202020204" pitchFamily="34" charset="0"/>
+              <a:buChar char="•"/>
+            </a:pPr>
+            <a:r>
+              <a:rPr lang="en-GB" altLang="zh-CN" sz="1800" dirty="0">
+                <a:solidFill>
+                  <a:srgbClr val="0D0D0D"/>
+                </a:solidFill>
+                <a:effectLst/>
+                <a:highlight>
+                  <a:srgbClr val="FFFFFF"/>
+                </a:highlight>
+                <a:latin typeface="Segoe UI" panose="020B0502040204020203" pitchFamily="34" charset="0"/>
+                <a:ea typeface="等线" panose="02010600030101010101" pitchFamily="2" charset="-122"/>
+              </a:rPr>
+              <a:t>Lower genetic diversity</a:t>
+            </a:r>
+          </a:p>
+          <a:p>
+            <a:pPr marL="285750" indent="-285750">
+              <a:buFont typeface="Arial" panose="020B0604020202020204" pitchFamily="34" charset="0"/>
+              <a:buChar char="•"/>
+            </a:pPr>
+            <a:r>
+              <a:rPr lang="en-GB" altLang="zh-CN" sz="1800" dirty="0">
+                <a:solidFill>
+                  <a:srgbClr val="0D0D0D"/>
+                </a:solidFill>
+                <a:effectLst/>
+                <a:highlight>
+                  <a:srgbClr val="FFFFFF"/>
+                </a:highlight>
+                <a:latin typeface="Segoe UI" panose="020B0502040204020203" pitchFamily="34" charset="0"/>
+                <a:ea typeface="等线" panose="02010600030101010101" pitchFamily="2" charset="-122"/>
+              </a:rPr>
+              <a:t>Simpler immune system</a:t>
+            </a:r>
+          </a:p>
+          <a:p>
+            <a:pPr marL="285750" indent="-285750">
+              <a:buFont typeface="Arial" panose="020B0604020202020204" pitchFamily="34" charset="0"/>
+              <a:buChar char="•"/>
+            </a:pPr>
+            <a:r>
+              <a:rPr lang="en-GB" altLang="zh-CN" sz="1800" dirty="0">
+                <a:solidFill>
+                  <a:srgbClr val="0D0D0D"/>
+                </a:solidFill>
+                <a:effectLst/>
+                <a:highlight>
+                  <a:srgbClr val="FFFFFF"/>
+                </a:highlight>
+                <a:latin typeface="Segoe UI" panose="020B0502040204020203" pitchFamily="34" charset="0"/>
+                <a:ea typeface="等线" panose="02010600030101010101" pitchFamily="2" charset="-122"/>
+              </a:rPr>
+              <a:t>Bred in the lab</a:t>
+            </a:r>
+          </a:p>
+          <a:p>
+            <a:pPr marL="285750" indent="-285750">
+              <a:buFont typeface="Arial" panose="020B0604020202020204" pitchFamily="34" charset="0"/>
+              <a:buChar char="•"/>
+            </a:pPr>
+            <a:endParaRPr lang="en-GB" altLang="zh-CN" sz="1800" dirty="0">
+              <a:solidFill>
+                <a:srgbClr val="0D0D0D"/>
+              </a:solidFill>
+              <a:effectLst/>
+              <a:highlight>
+                <a:srgbClr val="FFFFFF"/>
+              </a:highlight>
+              <a:latin typeface="Segoe UI" panose="020B0502040204020203" pitchFamily="34" charset="0"/>
+              <a:ea typeface="等线" panose="02010600030101010101" pitchFamily="2" charset="-122"/>
+            </a:endParaRPr>
+          </a:p>
+          <a:p>
+            <a:endParaRPr lang="zh-CN" altLang="en-US" dirty="0"/>
+          </a:p>
+        </p:txBody>
+      </p:sp>
+      <p:sp>
+        <p:nvSpPr>
+          <p:cNvPr id="4" name="文本框 3">
+            <a:extLst>
+              <a:ext uri="{FF2B5EF4-FFF2-40B4-BE49-F238E27FC236}">
+                <a16:creationId xmlns:a16="http://schemas.microsoft.com/office/drawing/2014/main" id="{4EB55EA6-8B59-FF39-4A37-7CED02779E21}"/>
+              </a:ext>
+            </a:extLst>
+          </p:cNvPr>
+          <p:cNvSpPr txBox="1"/>
+          <p:nvPr/>
+        </p:nvSpPr>
+        <p:spPr>
+          <a:xfrm>
+            <a:off x="4820784" y="2005388"/>
+            <a:ext cx="2430152" cy="461665"/>
+          </a:xfrm>
+          <a:prstGeom prst="rect">
+            <a:avLst/>
+          </a:prstGeom>
+          <a:noFill/>
+        </p:spPr>
+        <p:txBody>
+          <a:bodyPr wrap="none" rtlCol="0">
+            <a:spAutoFit/>
+          </a:bodyPr>
+          <a:lstStyle/>
+          <a:p>
+            <a:r>
+              <a:rPr lang="en-US" altLang="zh-CN" sz="2400" dirty="0"/>
+              <a:t>Possible reasons</a:t>
+            </a:r>
+            <a:endParaRPr lang="zh-CN" altLang="en-US" dirty="0"/>
+          </a:p>
+        </p:txBody>
+      </p:sp>
+      <p:sp>
+        <p:nvSpPr>
+          <p:cNvPr id="6" name="文本框 5">
+            <a:extLst>
+              <a:ext uri="{FF2B5EF4-FFF2-40B4-BE49-F238E27FC236}">
+                <a16:creationId xmlns:a16="http://schemas.microsoft.com/office/drawing/2014/main" id="{1F0CB016-887D-310F-4446-BBFFCDC5D0D6}"/>
+              </a:ext>
+            </a:extLst>
+          </p:cNvPr>
+          <p:cNvSpPr txBox="1"/>
+          <p:nvPr/>
+        </p:nvSpPr>
+        <p:spPr>
+          <a:xfrm>
+            <a:off x="1534252" y="2050908"/>
+            <a:ext cx="1177117" cy="461665"/>
+          </a:xfrm>
+          <a:prstGeom prst="rect">
+            <a:avLst/>
+          </a:prstGeom>
+          <a:noFill/>
+        </p:spPr>
+        <p:txBody>
+          <a:bodyPr wrap="none" rtlCol="0">
+            <a:spAutoFit/>
+          </a:bodyPr>
+          <a:lstStyle/>
+          <a:p>
+            <a:r>
+              <a:rPr lang="en-US" altLang="zh-CN" sz="2400" dirty="0"/>
+              <a:t>Results</a:t>
+            </a:r>
+            <a:endParaRPr lang="zh-CN" altLang="en-US" dirty="0"/>
           </a:p>
         </p:txBody>
       </p:sp>
     </p:spTree>
     <p:extLst>
       <p:ext uri="{BB962C8B-B14F-4D97-AF65-F5344CB8AC3E}">
-        <p14:creationId xmlns:p14="http://schemas.microsoft.com/office/powerpoint/2010/main" val="3384461454"/>
+        <p14:creationId xmlns:p14="http://schemas.microsoft.com/office/powerpoint/2010/main" val="1700337735"/>
       </p:ext>
     </p:extLst>
   </p:cSld>
@@ -7324,4 +11893,319 @@
     </a:ext>
   </a:extLst>
 </a:theme>
+</file>
+
+<file path=ppt/theme/theme2.xml><?xml version="1.0" encoding="utf-8"?>
+<a:theme xmlns:a="http://schemas.openxmlformats.org/drawingml/2006/main" name="Office Theme">
+  <a:themeElements>
+    <a:clrScheme name="Office">
+      <a:dk1>
+        <a:sysClr val="windowText" lastClr="000000"/>
+      </a:dk1>
+      <a:lt1>
+        <a:sysClr val="window" lastClr="FFFFFF"/>
+      </a:lt1>
+      <a:dk2>
+        <a:srgbClr val="0E2841"/>
+      </a:dk2>
+      <a:lt2>
+        <a:srgbClr val="E8E8E8"/>
+      </a:lt2>
+      <a:accent1>
+        <a:srgbClr val="156082"/>
+      </a:accent1>
+      <a:accent2>
+        <a:srgbClr val="E97132"/>
+      </a:accent2>
+      <a:accent3>
+        <a:srgbClr val="196B24"/>
+      </a:accent3>
+      <a:accent4>
+        <a:srgbClr val="0F9ED5"/>
+      </a:accent4>
+      <a:accent5>
+        <a:srgbClr val="A02B93"/>
+      </a:accent5>
+      <a:accent6>
+        <a:srgbClr val="4EA72E"/>
+      </a:accent6>
+      <a:hlink>
+        <a:srgbClr val="467886"/>
+      </a:hlink>
+      <a:folHlink>
+        <a:srgbClr val="96607D"/>
+      </a:folHlink>
+    </a:clrScheme>
+    <a:fontScheme name="Office">
+      <a:majorFont>
+        <a:latin typeface="Aptos Display" panose="02110004020202020204"/>
+        <a:ea typeface=""/>
+        <a:cs typeface=""/>
+        <a:font script="Jpan" typeface="游ゴシック Light"/>
+        <a:font script="Hang" typeface="맑은 고딕"/>
+        <a:font script="Hans" typeface="等线 Light"/>
+        <a:font script="Hant" typeface="新細明體"/>
+        <a:font script="Arab" typeface="Times New Roman"/>
+        <a:font script="Hebr" typeface="Times New Roman"/>
+        <a:font script="Thai" typeface="Angsana New"/>
+        <a:font script="Ethi" typeface="Nyala"/>
+        <a:font script="Beng" typeface="Vrinda"/>
+        <a:font script="Gujr" typeface="Shruti"/>
+        <a:font script="Khmr" typeface="MoolBoran"/>
+        <a:font script="Knda" typeface="Tunga"/>
+        <a:font script="Guru" typeface="Raavi"/>
+        <a:font script="Cans" typeface="Euphemia"/>
+        <a:font script="Cher" typeface="Plantagenet Cherokee"/>
+        <a:font script="Yiii" typeface="Microsoft Yi Baiti"/>
+        <a:font script="Tibt" typeface="Microsoft Himalaya"/>
+        <a:font script="Thaa" typeface="MV Boli"/>
+        <a:font script="Deva" typeface="Mangal"/>
+        <a:font script="Telu" typeface="Gautami"/>
+        <a:font script="Taml" typeface="Latha"/>
+        <a:font script="Syrc" typeface="Estrangelo Edessa"/>
+        <a:font script="Orya" typeface="Kalinga"/>
+        <a:font script="Mlym" typeface="Kartika"/>
+        <a:font script="Laoo" typeface="DokChampa"/>
+        <a:font script="Sinh" typeface="Iskoola Pota"/>
+        <a:font script="Mong" typeface="Mongolian Baiti"/>
+        <a:font script="Viet" typeface="Times New Roman"/>
+        <a:font script="Uigh" typeface="Microsoft Uighur"/>
+        <a:font script="Geor" typeface="Sylfaen"/>
+        <a:font script="Armn" typeface="Arial"/>
+        <a:font script="Bugi" typeface="Leelawadee UI"/>
+        <a:font script="Bopo" typeface="Microsoft JhengHei"/>
+        <a:font script="Java" typeface="Javanese Text"/>
+        <a:font script="Lisu" typeface="Segoe UI"/>
+        <a:font script="Mymr" typeface="Myanmar Text"/>
+        <a:font script="Nkoo" typeface="Ebrima"/>
+        <a:font script="Olck" typeface="Nirmala UI"/>
+        <a:font script="Osma" typeface="Ebrima"/>
+        <a:font script="Phag" typeface="Phagspa"/>
+        <a:font script="Syrn" typeface="Estrangelo Edessa"/>
+        <a:font script="Syrj" typeface="Estrangelo Edessa"/>
+        <a:font script="Syre" typeface="Estrangelo Edessa"/>
+        <a:font script="Sora" typeface="Nirmala UI"/>
+        <a:font script="Tale" typeface="Microsoft Tai Le"/>
+        <a:font script="Talu" typeface="Microsoft New Tai Lue"/>
+        <a:font script="Tfng" typeface="Ebrima"/>
+      </a:majorFont>
+      <a:minorFont>
+        <a:latin typeface="Aptos" panose="02110004020202020204"/>
+        <a:ea typeface=""/>
+        <a:cs typeface=""/>
+        <a:font script="Jpan" typeface="游ゴシック"/>
+        <a:font script="Hang" typeface="맑은 고딕"/>
+        <a:font script="Hans" typeface="等线"/>
+        <a:font script="Hant" typeface="新細明體"/>
+        <a:font script="Arab" typeface="Arial"/>
+        <a:font script="Hebr" typeface="Arial"/>
+        <a:font script="Thai" typeface="Cordia New"/>
+        <a:font script="Ethi" typeface="Nyala"/>
+        <a:font script="Beng" typeface="Vrinda"/>
+        <a:font script="Gujr" typeface="Shruti"/>
+        <a:font script="Khmr" typeface="DaunPenh"/>
+        <a:font script="Knda" typeface="Tunga"/>
+        <a:font script="Guru" typeface="Raavi"/>
+        <a:font script="Cans" typeface="Euphemia"/>
+        <a:font script="Cher" typeface="Plantagenet Cherokee"/>
+        <a:font script="Yiii" typeface="Microsoft Yi Baiti"/>
+        <a:font script="Tibt" typeface="Microsoft Himalaya"/>
+        <a:font script="Thaa" typeface="MV Boli"/>
+        <a:font script="Deva" typeface="Mangal"/>
+        <a:font script="Telu" typeface="Gautami"/>
+        <a:font script="Taml" typeface="Latha"/>
+        <a:font script="Syrc" typeface="Estrangelo Edessa"/>
+        <a:font script="Orya" typeface="Kalinga"/>
+        <a:font script="Mlym" typeface="Kartika"/>
+        <a:font script="Laoo" typeface="DokChampa"/>
+        <a:font script="Sinh" typeface="Iskoola Pota"/>
+        <a:font script="Mong" typeface="Mongolian Baiti"/>
+        <a:font script="Viet" typeface="Arial"/>
+        <a:font script="Uigh" typeface="Microsoft Uighur"/>
+        <a:font script="Geor" typeface="Sylfaen"/>
+        <a:font script="Armn" typeface="Arial"/>
+        <a:font script="Bugi" typeface="Leelawadee UI"/>
+        <a:font script="Bopo" typeface="Microsoft JhengHei"/>
+        <a:font script="Java" typeface="Javanese Text"/>
+        <a:font script="Lisu" typeface="Segoe UI"/>
+        <a:font script="Mymr" typeface="Myanmar Text"/>
+        <a:font script="Nkoo" typeface="Ebrima"/>
+        <a:font script="Olck" typeface="Nirmala UI"/>
+        <a:font script="Osma" typeface="Ebrima"/>
+        <a:font script="Phag" typeface="Phagspa"/>
+        <a:font script="Syrn" typeface="Estrangelo Edessa"/>
+        <a:font script="Syrj" typeface="Estrangelo Edessa"/>
+        <a:font script="Syre" typeface="Estrangelo Edessa"/>
+        <a:font script="Sora" typeface="Nirmala UI"/>
+        <a:font script="Tale" typeface="Microsoft Tai Le"/>
+        <a:font script="Talu" typeface="Microsoft New Tai Lue"/>
+        <a:font script="Tfng" typeface="Ebrima"/>
+      </a:minorFont>
+    </a:fontScheme>
+    <a:fmtScheme name="Office">
+      <a:fillStyleLst>
+        <a:solidFill>
+          <a:schemeClr val="phClr"/>
+        </a:solidFill>
+        <a:gradFill rotWithShape="1">
+          <a:gsLst>
+            <a:gs pos="0">
+              <a:schemeClr val="phClr">
+                <a:lumMod val="110000"/>
+                <a:satMod val="105000"/>
+                <a:tint val="67000"/>
+              </a:schemeClr>
+            </a:gs>
+            <a:gs pos="50000">
+              <a:schemeClr val="phClr">
+                <a:lumMod val="105000"/>
+                <a:satMod val="103000"/>
+                <a:tint val="73000"/>
+              </a:schemeClr>
+            </a:gs>
+            <a:gs pos="100000">
+              <a:schemeClr val="phClr">
+                <a:lumMod val="105000"/>
+                <a:satMod val="109000"/>
+                <a:tint val="81000"/>
+              </a:schemeClr>
+            </a:gs>
+          </a:gsLst>
+          <a:lin ang="5400000" scaled="0"/>
+        </a:gradFill>
+        <a:gradFill rotWithShape="1">
+          <a:gsLst>
+            <a:gs pos="0">
+              <a:schemeClr val="phClr">
+                <a:satMod val="103000"/>
+                <a:lumMod val="102000"/>
+                <a:tint val="94000"/>
+              </a:schemeClr>
+            </a:gs>
+            <a:gs pos="50000">
+              <a:schemeClr val="phClr">
+                <a:satMod val="110000"/>
+                <a:lumMod val="100000"/>
+                <a:shade val="100000"/>
+              </a:schemeClr>
+            </a:gs>
+            <a:gs pos="100000">
+              <a:schemeClr val="phClr">
+                <a:lumMod val="99000"/>
+                <a:satMod val="120000"/>
+                <a:shade val="78000"/>
+              </a:schemeClr>
+            </a:gs>
+          </a:gsLst>
+          <a:lin ang="5400000" scaled="0"/>
+        </a:gradFill>
+      </a:fillStyleLst>
+      <a:lnStyleLst>
+        <a:ln w="12700" cap="flat" cmpd="sng" algn="ctr">
+          <a:solidFill>
+            <a:schemeClr val="phClr"/>
+          </a:solidFill>
+          <a:prstDash val="solid"/>
+          <a:miter lim="800000"/>
+        </a:ln>
+        <a:ln w="19050" cap="flat" cmpd="sng" algn="ctr">
+          <a:solidFill>
+            <a:schemeClr val="phClr"/>
+          </a:solidFill>
+          <a:prstDash val="solid"/>
+          <a:miter lim="800000"/>
+        </a:ln>
+        <a:ln w="25400" cap="flat" cmpd="sng" algn="ctr">
+          <a:solidFill>
+            <a:schemeClr val="phClr"/>
+          </a:solidFill>
+          <a:prstDash val="solid"/>
+          <a:miter lim="800000"/>
+        </a:ln>
+      </a:lnStyleLst>
+      <a:effectStyleLst>
+        <a:effectStyle>
+          <a:effectLst/>
+        </a:effectStyle>
+        <a:effectStyle>
+          <a:effectLst/>
+        </a:effectStyle>
+        <a:effectStyle>
+          <a:effectLst>
+            <a:outerShdw blurRad="57150" dist="19050" dir="5400000" algn="ctr" rotWithShape="0">
+              <a:srgbClr val="000000">
+                <a:alpha val="63000"/>
+              </a:srgbClr>
+            </a:outerShdw>
+          </a:effectLst>
+        </a:effectStyle>
+      </a:effectStyleLst>
+      <a:bgFillStyleLst>
+        <a:solidFill>
+          <a:schemeClr val="phClr"/>
+        </a:solidFill>
+        <a:solidFill>
+          <a:schemeClr val="phClr">
+            <a:tint val="95000"/>
+            <a:satMod val="170000"/>
+          </a:schemeClr>
+        </a:solidFill>
+        <a:gradFill rotWithShape="1">
+          <a:gsLst>
+            <a:gs pos="0">
+              <a:schemeClr val="phClr">
+                <a:tint val="93000"/>
+                <a:satMod val="150000"/>
+                <a:shade val="98000"/>
+                <a:lumMod val="102000"/>
+              </a:schemeClr>
+            </a:gs>
+            <a:gs pos="50000">
+              <a:schemeClr val="phClr">
+                <a:tint val="98000"/>
+                <a:satMod val="130000"/>
+                <a:shade val="90000"/>
+                <a:lumMod val="103000"/>
+              </a:schemeClr>
+            </a:gs>
+            <a:gs pos="100000">
+              <a:schemeClr val="phClr">
+                <a:shade val="63000"/>
+                <a:satMod val="120000"/>
+              </a:schemeClr>
+            </a:gs>
+          </a:gsLst>
+          <a:lin ang="5400000" scaled="0"/>
+        </a:gradFill>
+      </a:bgFillStyleLst>
+    </a:fmtScheme>
+  </a:themeElements>
+  <a:objectDefaults>
+    <a:lnDef>
+      <a:spPr/>
+      <a:bodyPr/>
+      <a:lstStyle/>
+      <a:style>
+        <a:lnRef idx="2">
+          <a:schemeClr val="accent1"/>
+        </a:lnRef>
+        <a:fillRef idx="0">
+          <a:schemeClr val="accent1"/>
+        </a:fillRef>
+        <a:effectRef idx="1">
+          <a:schemeClr val="accent1"/>
+        </a:effectRef>
+        <a:fontRef idx="minor">
+          <a:schemeClr val="tx1"/>
+        </a:fontRef>
+      </a:style>
+    </a:lnDef>
+  </a:objectDefaults>
+  <a:extraClrSchemeLst/>
+  <a:extLst>
+    <a:ext uri="{05A4C25C-085E-4340-85A3-A5531E510DB2}">
+      <thm15:themeFamily xmlns:thm15="http://schemas.microsoft.com/office/thememl/2012/main" name="Office Theme" id="{2E142A2C-CD16-42D6-873A-C26D2A0506FA}" vid="{1BDDFF52-6CD6-40A5-AB3C-68EB2F1E4D0A}"/>
+    </a:ext>
+  </a:extLst>
+</a:theme>
 </file>
--- a/summative presentation/Summative Oral Presentation-Group 4.pptx
+++ b/summative presentation/Summative Oral Presentation-Group 4.pptx
@@ -9,20 +9,20 @@
   </p:notesMasterIdLst>
   <p:sldIdLst>
     <p:sldId id="256" r:id="rId2"/>
-    <p:sldId id="270" r:id="rId3"/>
-    <p:sldId id="271" r:id="rId4"/>
-    <p:sldId id="266" r:id="rId5"/>
-    <p:sldId id="265" r:id="rId6"/>
-    <p:sldId id="260" r:id="rId7"/>
-    <p:sldId id="267" r:id="rId8"/>
-    <p:sldId id="277" r:id="rId9"/>
-    <p:sldId id="278" r:id="rId10"/>
-    <p:sldId id="279" r:id="rId11"/>
-    <p:sldId id="280" r:id="rId12"/>
-    <p:sldId id="281" r:id="rId13"/>
-    <p:sldId id="282" r:id="rId14"/>
-    <p:sldId id="268" r:id="rId15"/>
-    <p:sldId id="269" r:id="rId16"/>
+    <p:sldId id="283" r:id="rId3"/>
+    <p:sldId id="270" r:id="rId4"/>
+    <p:sldId id="271" r:id="rId5"/>
+    <p:sldId id="266" r:id="rId6"/>
+    <p:sldId id="265" r:id="rId7"/>
+    <p:sldId id="260" r:id="rId8"/>
+    <p:sldId id="267" r:id="rId9"/>
+    <p:sldId id="277" r:id="rId10"/>
+    <p:sldId id="278" r:id="rId11"/>
+    <p:sldId id="279" r:id="rId12"/>
+    <p:sldId id="280" r:id="rId13"/>
+    <p:sldId id="281" r:id="rId14"/>
+    <p:sldId id="282" r:id="rId15"/>
+    <p:sldId id="268" r:id="rId16"/>
     <p:sldId id="264" r:id="rId17"/>
     <p:sldId id="273" r:id="rId18"/>
     <p:sldId id="275" r:id="rId19"/>
@@ -597,7 +597,18 @@
           <a:p>
             <a:r>
               <a:rPr lang="en-US" altLang="zh-CN" dirty="0"/>
-              <a:t>The shortcomings of DBSCAN and the advantages of hierarchical clustering are presented here.</a:t>
+              <a:t>Recently, research on TCR has always been a hotspot. However, </a:t>
+            </a:r>
+            <a:r>
+              <a:rPr lang="en-US" altLang="zh-CN" sz="1200" dirty="0">
+                <a:solidFill>
+                  <a:srgbClr val="000000"/>
+                </a:solidFill>
+                <a:effectLst/>
+                <a:latin typeface="Calibri" panose="020F0502020204030204" pitchFamily="34" charset="0"/>
+                <a:ea typeface="Calibri" panose="020F0502020204030204" pitchFamily="34" charset="0"/>
+              </a:rPr>
+              <a:t>existing studies often rely on traditional biostatistical methods or high-demand deep learning techniques to analyze TCR data. In this study, we use advanced machine learning methods to analyze TCR sequence data. </a:t>
             </a:r>
             <a:endParaRPr lang="zh-CN" altLang="en-US" dirty="0"/>
           </a:p>
@@ -618,9 +629,97 @@
           <a:bodyPr/>
           <a:lstStyle/>
           <a:p>
+            <a:fld id="{9A2B931E-580F-45D5-B01E-2461E1A42CEE}" type="slidenum">
+              <a:rPr lang="zh-CN" altLang="en-US" smtClean="0"/>
+              <a:t>2</a:t>
+            </a:fld>
+            <a:endParaRPr lang="zh-CN" altLang="en-US"/>
+          </a:p>
+        </p:txBody>
+      </p:sp>
+    </p:spTree>
+    <p:extLst>
+      <p:ext uri="{BB962C8B-B14F-4D97-AF65-F5344CB8AC3E}">
+        <p14:creationId xmlns:p14="http://schemas.microsoft.com/office/powerpoint/2010/main" val="63352979"/>
+      </p:ext>
+    </p:extLst>
+  </p:cSld>
+  <p:clrMapOvr>
+    <a:masterClrMapping/>
+  </p:clrMapOvr>
+</p:notes>
+</file>
+
+<file path=ppt/notesSlides/notesSlide2.xml><?xml version="1.0" encoding="utf-8"?>
+<p:notes xmlns:a="http://schemas.openxmlformats.org/drawingml/2006/main" xmlns:r="http://schemas.openxmlformats.org/officeDocument/2006/relationships" xmlns:p="http://schemas.openxmlformats.org/presentationml/2006/main">
+  <p:cSld>
+    <p:spTree>
+      <p:nvGrpSpPr>
+        <p:cNvPr id="1" name=""/>
+        <p:cNvGrpSpPr/>
+        <p:nvPr/>
+      </p:nvGrpSpPr>
+      <p:grpSpPr>
+        <a:xfrm>
+          <a:off x="0" y="0"/>
+          <a:ext cx="0" cy="0"/>
+          <a:chOff x="0" y="0"/>
+          <a:chExt cx="0" cy="0"/>
+        </a:xfrm>
+      </p:grpSpPr>
+      <p:sp>
+        <p:nvSpPr>
+          <p:cNvPr id="2" name="幻灯片图像占位符 1"/>
+          <p:cNvSpPr>
+            <a:spLocks noGrp="1" noRot="1" noChangeAspect="1"/>
+          </p:cNvSpPr>
+          <p:nvPr>
+            <p:ph type="sldImg"/>
+          </p:nvPr>
+        </p:nvSpPr>
+        <p:spPr/>
+      </p:sp>
+      <p:sp>
+        <p:nvSpPr>
+          <p:cNvPr id="3" name="备注占位符 2"/>
+          <p:cNvSpPr>
+            <a:spLocks noGrp="1"/>
+          </p:cNvSpPr>
+          <p:nvPr>
+            <p:ph type="body" idx="1"/>
+          </p:nvPr>
+        </p:nvSpPr>
+        <p:spPr/>
+        <p:txBody>
+          <a:bodyPr/>
+          <a:lstStyle/>
+          <a:p>
+            <a:r>
+              <a:rPr lang="en-US" altLang="zh-CN" dirty="0"/>
+              <a:t>The shortcomings of DBSCAN and the advantages of hierarchical clustering are presented here.</a:t>
+            </a:r>
+            <a:endParaRPr lang="zh-CN" altLang="en-US" dirty="0"/>
+          </a:p>
+        </p:txBody>
+      </p:sp>
+      <p:sp>
+        <p:nvSpPr>
+          <p:cNvPr id="4" name="灯片编号占位符 3"/>
+          <p:cNvSpPr>
+            <a:spLocks noGrp="1"/>
+          </p:cNvSpPr>
+          <p:nvPr>
+            <p:ph type="sldNum" sz="quarter" idx="5"/>
+          </p:nvPr>
+        </p:nvSpPr>
+        <p:spPr/>
+        <p:txBody>
+          <a:bodyPr/>
+          <a:lstStyle/>
+          <a:p>
             <a:fld id="{FDF5A797-DF59-42FB-9C4F-582F14BEC284}" type="slidenum">
               <a:rPr lang="zh-CN" altLang="en-US" smtClean="0"/>
-              <a:t>12</a:t>
+              <a:t>13</a:t>
             </a:fld>
             <a:endParaRPr lang="zh-CN" altLang="en-US"/>
           </a:p>
@@ -5959,14 +6058,19 @@
             <p:ph type="title"/>
           </p:nvPr>
         </p:nvSpPr>
-        <p:spPr/>
+        <p:spPr>
+          <a:xfrm>
+            <a:off x="761801" y="194709"/>
+            <a:ext cx="10380573" cy="1432273"/>
+          </a:xfrm>
+        </p:spPr>
         <p:txBody>
           <a:bodyPr/>
           <a:lstStyle/>
           <a:p>
             <a:r>
               <a:rPr lang="en-US" altLang="zh-CN" dirty="0"/>
-              <a:t>Alpha vs. Beta vs. Combined Chains</a:t>
+              <a:t>Human vs. Mouse</a:t>
             </a:r>
             <a:endParaRPr lang="zh-CN" altLang="en-US" dirty="0"/>
           </a:p>
@@ -5974,17 +6078,19 @@
       </p:sp>
       <p:pic>
         <p:nvPicPr>
-          <p:cNvPr id="6" name="图片 5">
-            <a:extLst>
-              <a:ext uri="{FF2B5EF4-FFF2-40B4-BE49-F238E27FC236}">
-                <a16:creationId xmlns:a16="http://schemas.microsoft.com/office/drawing/2014/main" id="{FE6F41A9-3B68-B477-BD99-B72D8C8CF3B7}"/>
+          <p:cNvPr id="9" name="内容占位符 8">
+            <a:extLst>
+              <a:ext uri="{FF2B5EF4-FFF2-40B4-BE49-F238E27FC236}">
+                <a16:creationId xmlns:a16="http://schemas.microsoft.com/office/drawing/2014/main" id="{2A6E8A90-CE72-56BA-C013-81EF721376DF}"/>
               </a:ext>
             </a:extLst>
           </p:cNvPr>
           <p:cNvPicPr>
-            <a:picLocks noChangeAspect="1"/>
+            <a:picLocks noGrp="1" noChangeAspect="1"/>
           </p:cNvPicPr>
-          <p:nvPr/>
+          <p:nvPr>
+            <p:ph idx="1"/>
+          </p:nvPr>
         </p:nvPicPr>
         <p:blipFill>
           <a:blip r:embed="rId2"/>
@@ -5994,8 +6100,35 @@
         </p:blipFill>
         <p:spPr>
           <a:xfrm>
-            <a:off x="6978963" y="2652588"/>
-            <a:ext cx="4008531" cy="3924532"/>
+            <a:off x="7901564" y="0"/>
+            <a:ext cx="3528635" cy="3524425"/>
+          </a:xfrm>
+        </p:spPr>
+      </p:pic>
+      <p:pic>
+        <p:nvPicPr>
+          <p:cNvPr id="11" name="图片 10">
+            <a:extLst>
+              <a:ext uri="{FF2B5EF4-FFF2-40B4-BE49-F238E27FC236}">
+                <a16:creationId xmlns:a16="http://schemas.microsoft.com/office/drawing/2014/main" id="{90208C04-1173-9C84-FCA9-33CDAF5367F8}"/>
+              </a:ext>
+            </a:extLst>
+          </p:cNvPr>
+          <p:cNvPicPr>
+            <a:picLocks noChangeAspect="1"/>
+          </p:cNvPicPr>
+          <p:nvPr/>
+        </p:nvPicPr>
+        <p:blipFill>
+          <a:blip r:embed="rId3"/>
+          <a:stretch>
+            <a:fillRect/>
+          </a:stretch>
+        </p:blipFill>
+        <p:spPr>
+          <a:xfrm>
+            <a:off x="7831858" y="3307126"/>
+            <a:ext cx="3774888" cy="3489673"/>
           </a:xfrm>
           <a:prstGeom prst="rect">
             <a:avLst/>
@@ -6004,10 +6137,10 @@
       </p:pic>
       <p:sp>
         <p:nvSpPr>
-          <p:cNvPr id="4" name="文本框 3">
-            <a:extLst>
-              <a:ext uri="{FF2B5EF4-FFF2-40B4-BE49-F238E27FC236}">
-                <a16:creationId xmlns:a16="http://schemas.microsoft.com/office/drawing/2014/main" id="{99AC9060-C9E7-3865-045B-B6841F38AE6E}"/>
+          <p:cNvPr id="2" name="文本框 1">
+            <a:extLst>
+              <a:ext uri="{FF2B5EF4-FFF2-40B4-BE49-F238E27FC236}">
+                <a16:creationId xmlns:a16="http://schemas.microsoft.com/office/drawing/2014/main" id="{E1C2F52B-4FBC-A9E9-AEF0-E48A5B573A28}"/>
               </a:ext>
             </a:extLst>
           </p:cNvPr>
@@ -6016,8 +6149,8 @@
         </p:nvSpPr>
         <p:spPr>
           <a:xfrm>
-            <a:off x="761801" y="3187843"/>
-            <a:ext cx="4716398" cy="646331"/>
+            <a:off x="118913" y="2472765"/>
+            <a:ext cx="4010239" cy="3970318"/>
           </a:xfrm>
           <a:prstGeom prst="rect">
             <a:avLst/>
@@ -6030,61 +6163,21 @@
           </a:ln>
         </p:spPr>
         <p:txBody>
-          <a:bodyPr wrap="square">
+          <a:bodyPr wrap="square" rtlCol="0">
             <a:spAutoFit/>
           </a:bodyPr>
           <a:lstStyle/>
           <a:p>
             <a:r>
-              <a:rPr lang="zh-CN" altLang="en-US" dirty="0"/>
-              <a:t>A large number of points overlap completely</a:t>
-            </a:r>
-            <a:r>
               <a:rPr lang="en-US" altLang="zh-CN" dirty="0"/>
-              <a:t>. </a:t>
-            </a:r>
-          </a:p>
-          <a:p>
-            <a:r>
-              <a:rPr lang="en-US" altLang="zh-CN" dirty="0"/>
-              <a:t>Many small dispersed clusters.</a:t>
-            </a:r>
-          </a:p>
-        </p:txBody>
-      </p:sp>
-      <p:sp>
-        <p:nvSpPr>
-          <p:cNvPr id="7" name="文本框 6">
-            <a:extLst>
-              <a:ext uri="{FF2B5EF4-FFF2-40B4-BE49-F238E27FC236}">
-                <a16:creationId xmlns:a16="http://schemas.microsoft.com/office/drawing/2014/main" id="{AC92E457-FCF0-AC49-574E-1E03A0C36E5D}"/>
-              </a:ext>
-            </a:extLst>
-          </p:cNvPr>
-          <p:cNvSpPr txBox="1"/>
-          <p:nvPr/>
-        </p:nvSpPr>
-        <p:spPr>
-          <a:xfrm>
-            <a:off x="761801" y="4738496"/>
-            <a:ext cx="4716398" cy="646331"/>
-          </a:xfrm>
-          <a:prstGeom prst="rect">
-            <a:avLst/>
-          </a:prstGeom>
-          <a:noFill/>
-          <a:ln>
-            <a:solidFill>
-              <a:srgbClr val="00B0F0"/>
-            </a:solidFill>
-          </a:ln>
-        </p:spPr>
-        <p:txBody>
-          <a:bodyPr wrap="square">
-            <a:spAutoFit/>
-          </a:bodyPr>
-          <a:lstStyle/>
-          <a:p>
+              <a:t>Human TCR:</a:t>
+            </a:r>
+          </a:p>
+          <a:p>
+            <a:pPr marL="285750" indent="-285750">
+              <a:buFont typeface="Arial" panose="020B0604020202020204" pitchFamily="34" charset="0"/>
+              <a:buChar char="•"/>
+            </a:pPr>
             <a:r>
               <a:rPr lang="en-GB" altLang="zh-CN" sz="1800" dirty="0">
                 <a:solidFill>
@@ -6097,21 +6190,42 @@
                 <a:latin typeface="Segoe UI" panose="020B0502040204020203" pitchFamily="34" charset="0"/>
                 <a:ea typeface="等线" panose="02010600030101010101" pitchFamily="2" charset="-122"/>
               </a:rPr>
-              <a:t>Alpha </a:t>
-            </a:r>
-            <a:r>
-              <a:rPr lang="en-GB" altLang="zh-CN" sz="1800" dirty="0">
-                <a:solidFill>
-                  <a:srgbClr val="000000"/>
-                </a:solidFill>
-                <a:effectLst/>
-                <a:highlight>
-                  <a:srgbClr val="FFFFFF"/>
-                </a:highlight>
-                <a:latin typeface="Segoe UI" panose="020B0502040204020203" pitchFamily="34" charset="0"/>
-                <a:ea typeface="等线" panose="02010600030101010101" pitchFamily="2" charset="-122"/>
-              </a:rPr>
-              <a:t>chains </a:t>
+              <a:t>More dispersed</a:t>
+            </a:r>
+            <a:endParaRPr lang="en-US" altLang="zh-CN" sz="1800" dirty="0">
+              <a:solidFill>
+                <a:srgbClr val="0D0D0D"/>
+              </a:solidFill>
+              <a:effectLst/>
+              <a:highlight>
+                <a:srgbClr val="FFFFFF"/>
+              </a:highlight>
+              <a:latin typeface="Segoe UI" panose="020B0502040204020203" pitchFamily="34" charset="0"/>
+              <a:ea typeface="等线" panose="02010600030101010101" pitchFamily="2" charset="-122"/>
+            </a:endParaRPr>
+          </a:p>
+          <a:p>
+            <a:pPr marL="285750" indent="-285750">
+              <a:buFont typeface="Arial" panose="020B0604020202020204" pitchFamily="34" charset="0"/>
+              <a:buChar char="•"/>
+            </a:pPr>
+            <a:r>
+              <a:rPr lang="en-ID" altLang="zh-CN" dirty="0"/>
+              <a:t>Some small tightly clustered </a:t>
+            </a:r>
+            <a:r>
+              <a:rPr lang="en-US" altLang="zh-CN" dirty="0"/>
+              <a:t>group</a:t>
+            </a:r>
+          </a:p>
+          <a:p>
+            <a:pPr marL="285750" indent="-285750">
+              <a:buFont typeface="Arial" panose="020B0604020202020204" pitchFamily="34" charset="0"/>
+              <a:buChar char="•"/>
+            </a:pPr>
+            <a:r>
+              <a:rPr lang="en-US" altLang="zh-CN" dirty="0"/>
+              <a:t>Different </a:t>
             </a:r>
             <a:r>
               <a:rPr lang="en-GB" altLang="zh-CN" sz="1800" dirty="0">
@@ -6125,16 +6239,402 @@
                 <a:latin typeface="Segoe UI" panose="020B0502040204020203" pitchFamily="34" charset="0"/>
                 <a:ea typeface="等线" panose="02010600030101010101" pitchFamily="2" charset="-122"/>
               </a:rPr>
-              <a:t>do not have a D region and only undergoes VJ rearrangement</a:t>
-            </a:r>
+              <a:t>specificity mixed together and difficult to form distinct high-purity clusters</a:t>
+            </a:r>
+          </a:p>
+          <a:p>
+            <a:pPr marL="285750" indent="-285750">
+              <a:buFont typeface="Arial" panose="020B0604020202020204" pitchFamily="34" charset="0"/>
+              <a:buChar char="•"/>
+            </a:pPr>
             <a:endParaRPr lang="en-US" altLang="zh-CN" dirty="0"/>
+          </a:p>
+          <a:p>
+            <a:pPr marL="285750" indent="-285750">
+              <a:buFont typeface="Arial" panose="020B0604020202020204" pitchFamily="34" charset="0"/>
+              <a:buChar char="•"/>
+            </a:pPr>
+            <a:endParaRPr lang="en-US" altLang="zh-CN" dirty="0"/>
+          </a:p>
+          <a:p>
+            <a:r>
+              <a:rPr lang="en-US" altLang="zh-CN" dirty="0"/>
+              <a:t>Mouse TCR:</a:t>
+            </a:r>
+          </a:p>
+          <a:p>
+            <a:pPr marL="285750" indent="-285750">
+              <a:buFont typeface="Arial" panose="020B0604020202020204" pitchFamily="34" charset="0"/>
+              <a:buChar char="•"/>
+            </a:pPr>
+            <a:r>
+              <a:rPr lang="en-GB" altLang="zh-CN" sz="1800" dirty="0">
+                <a:solidFill>
+                  <a:srgbClr val="0D0D0D"/>
+                </a:solidFill>
+                <a:effectLst/>
+                <a:highlight>
+                  <a:srgbClr val="FFFFFF"/>
+                </a:highlight>
+                <a:latin typeface="Segoe UI" panose="020B0502040204020203" pitchFamily="34" charset="0"/>
+                <a:ea typeface="等线" panose="02010600030101010101" pitchFamily="2" charset="-122"/>
+              </a:rPr>
+              <a:t>Relatively compact</a:t>
+            </a:r>
+          </a:p>
+          <a:p>
+            <a:pPr marL="285750" indent="-285750">
+              <a:buFont typeface="Arial" panose="020B0604020202020204" pitchFamily="34" charset="0"/>
+              <a:buChar char="•"/>
+            </a:pPr>
+            <a:r>
+              <a:rPr lang="en-GB" altLang="zh-CN" dirty="0">
+                <a:solidFill>
+                  <a:srgbClr val="0D0D0D"/>
+                </a:solidFill>
+                <a:highlight>
+                  <a:srgbClr val="FFFFFF"/>
+                </a:highlight>
+                <a:latin typeface="Segoe UI" panose="020B0502040204020203" pitchFamily="34" charset="0"/>
+                <a:ea typeface="等线" panose="02010600030101010101" pitchFamily="2" charset="-122"/>
+              </a:rPr>
+              <a:t>O</a:t>
+            </a:r>
+            <a:r>
+              <a:rPr lang="en-GB" altLang="zh-CN" sz="1800" dirty="0">
+                <a:solidFill>
+                  <a:srgbClr val="0D0D0D"/>
+                </a:solidFill>
+                <a:effectLst/>
+                <a:highlight>
+                  <a:srgbClr val="FFFFFF"/>
+                </a:highlight>
+                <a:latin typeface="Segoe UI" panose="020B0502040204020203" pitchFamily="34" charset="0"/>
+                <a:ea typeface="等线" panose="02010600030101010101" pitchFamily="2" charset="-122"/>
+              </a:rPr>
+              <a:t>bvious boundaries and distances between clusters</a:t>
+            </a:r>
+          </a:p>
+          <a:p>
+            <a:pPr marL="285750" indent="-285750">
+              <a:buFont typeface="Arial" panose="020B0604020202020204" pitchFamily="34" charset="0"/>
+              <a:buChar char="•"/>
+            </a:pPr>
+            <a:r>
+              <a:rPr lang="en-GB" altLang="zh-CN" sz="1800" dirty="0">
+                <a:solidFill>
+                  <a:srgbClr val="0D0D0D"/>
+                </a:solidFill>
+                <a:effectLst/>
+                <a:highlight>
+                  <a:srgbClr val="FFFFFF"/>
+                </a:highlight>
+                <a:latin typeface="Segoe UI" panose="020B0502040204020203" pitchFamily="34" charset="0"/>
+                <a:ea typeface="等线" panose="02010600030101010101" pitchFamily="2" charset="-122"/>
+              </a:rPr>
+              <a:t>More concentrated specificity</a:t>
+            </a:r>
+          </a:p>
+          <a:p>
+            <a:endParaRPr lang="zh-CN" altLang="en-US" dirty="0"/>
+          </a:p>
+        </p:txBody>
+      </p:sp>
+      <p:sp>
+        <p:nvSpPr>
+          <p:cNvPr id="3" name="文本框 2">
+            <a:extLst>
+              <a:ext uri="{FF2B5EF4-FFF2-40B4-BE49-F238E27FC236}">
+                <a16:creationId xmlns:a16="http://schemas.microsoft.com/office/drawing/2014/main" id="{ECA231BF-0DE6-50FC-5DA0-3A80CD899CC5}"/>
+              </a:ext>
+            </a:extLst>
+          </p:cNvPr>
+          <p:cNvSpPr txBox="1"/>
+          <p:nvPr/>
+        </p:nvSpPr>
+        <p:spPr>
+          <a:xfrm>
+            <a:off x="4170156" y="2472765"/>
+            <a:ext cx="3731408" cy="3970318"/>
+          </a:xfrm>
+          <a:prstGeom prst="rect">
+            <a:avLst/>
+          </a:prstGeom>
+          <a:noFill/>
+          <a:ln>
+            <a:solidFill>
+              <a:srgbClr val="00B0F0"/>
+            </a:solidFill>
+          </a:ln>
+        </p:spPr>
+        <p:txBody>
+          <a:bodyPr wrap="square" rtlCol="0">
+            <a:spAutoFit/>
+          </a:bodyPr>
+          <a:lstStyle/>
+          <a:p>
+            <a:r>
+              <a:rPr lang="en-US" altLang="zh-CN" dirty="0"/>
+              <a:t>Human:</a:t>
+            </a:r>
+          </a:p>
+          <a:p>
+            <a:pPr marL="285750" indent="-285750">
+              <a:buFont typeface="Arial" panose="020B0604020202020204" pitchFamily="34" charset="0"/>
+              <a:buChar char="•"/>
+            </a:pPr>
+            <a:r>
+              <a:rPr lang="en-GB" altLang="zh-CN" sz="1800" dirty="0">
+                <a:solidFill>
+                  <a:srgbClr val="0D0D0D"/>
+                </a:solidFill>
+                <a:effectLst/>
+                <a:highlight>
+                  <a:srgbClr val="FFFFFF"/>
+                </a:highlight>
+                <a:latin typeface="Segoe UI" panose="020B0502040204020203" pitchFamily="34" charset="0"/>
+                <a:ea typeface="等线" panose="02010600030101010101" pitchFamily="2" charset="-122"/>
+              </a:rPr>
+              <a:t>Higher genetic diversity</a:t>
+            </a:r>
+          </a:p>
+          <a:p>
+            <a:pPr marL="285750" indent="-285750">
+              <a:buFont typeface="Arial" panose="020B0604020202020204" pitchFamily="34" charset="0"/>
+              <a:buChar char="•"/>
+            </a:pPr>
+            <a:r>
+              <a:rPr lang="en-GB" altLang="zh-CN" sz="1800" dirty="0">
+                <a:solidFill>
+                  <a:srgbClr val="0D0D0D"/>
+                </a:solidFill>
+                <a:effectLst/>
+                <a:highlight>
+                  <a:srgbClr val="FFFFFF"/>
+                </a:highlight>
+                <a:latin typeface="Segoe UI" panose="020B0502040204020203" pitchFamily="34" charset="0"/>
+                <a:ea typeface="等线" panose="02010600030101010101" pitchFamily="2" charset="-122"/>
+              </a:rPr>
+              <a:t>More complex immune system</a:t>
+            </a:r>
+          </a:p>
+          <a:p>
+            <a:pPr marL="285750" indent="-285750">
+              <a:buFont typeface="Arial" panose="020B0604020202020204" pitchFamily="34" charset="0"/>
+              <a:buChar char="•"/>
+            </a:pPr>
+            <a:r>
+              <a:rPr lang="en-GB" altLang="zh-CN" sz="1800" dirty="0">
+                <a:solidFill>
+                  <a:srgbClr val="0D0D0D"/>
+                </a:solidFill>
+                <a:effectLst/>
+                <a:highlight>
+                  <a:srgbClr val="FFFFFF"/>
+                </a:highlight>
+                <a:latin typeface="Segoe UI" panose="020B0502040204020203" pitchFamily="34" charset="0"/>
+                <a:ea typeface="等线" panose="02010600030101010101" pitchFamily="2" charset="-122"/>
+              </a:rPr>
+              <a:t>Exposure to a wide variety of pathogens in different environments</a:t>
+            </a:r>
+          </a:p>
+          <a:p>
+            <a:pPr marL="285750" indent="-285750">
+              <a:buFont typeface="Arial" panose="020B0604020202020204" pitchFamily="34" charset="0"/>
+              <a:buChar char="•"/>
+            </a:pPr>
+            <a:r>
+              <a:rPr lang="en-GB" altLang="zh-CN" dirty="0">
+                <a:solidFill>
+                  <a:srgbClr val="0D0D0D"/>
+                </a:solidFill>
+                <a:highlight>
+                  <a:srgbClr val="FFFFFF"/>
+                </a:highlight>
+                <a:latin typeface="Segoe UI" panose="020B0502040204020203" pitchFamily="34" charset="0"/>
+                <a:ea typeface="等线" panose="02010600030101010101" pitchFamily="2" charset="-122"/>
+              </a:rPr>
+              <a:t>Complex</a:t>
+            </a:r>
+            <a:r>
+              <a:rPr lang="en-US" altLang="zh-CN" dirty="0">
+                <a:solidFill>
+                  <a:srgbClr val="0D0D0D"/>
+                </a:solidFill>
+                <a:highlight>
+                  <a:srgbClr val="FFFFFF"/>
+                </a:highlight>
+                <a:latin typeface="Segoe UI" panose="020B0502040204020203" pitchFamily="34" charset="0"/>
+                <a:ea typeface="等线" panose="02010600030101010101" pitchFamily="2" charset="-122"/>
+              </a:rPr>
+              <a:t> distribution which hard to be captured by UMAP</a:t>
+            </a:r>
+            <a:endParaRPr lang="en-US" altLang="zh-CN" dirty="0"/>
+          </a:p>
+          <a:p>
+            <a:r>
+              <a:rPr lang="en-US" altLang="zh-CN" dirty="0"/>
+              <a:t>Mouse:</a:t>
+            </a:r>
+          </a:p>
+          <a:p>
+            <a:pPr marL="285750" indent="-285750">
+              <a:buFont typeface="Arial" panose="020B0604020202020204" pitchFamily="34" charset="0"/>
+              <a:buChar char="•"/>
+            </a:pPr>
+            <a:r>
+              <a:rPr lang="en-GB" altLang="zh-CN" sz="1800" dirty="0">
+                <a:solidFill>
+                  <a:srgbClr val="0D0D0D"/>
+                </a:solidFill>
+                <a:effectLst/>
+                <a:highlight>
+                  <a:srgbClr val="FFFFFF"/>
+                </a:highlight>
+                <a:latin typeface="Segoe UI" panose="020B0502040204020203" pitchFamily="34" charset="0"/>
+                <a:ea typeface="等线" panose="02010600030101010101" pitchFamily="2" charset="-122"/>
+              </a:rPr>
+              <a:t>Lower genetic diversity</a:t>
+            </a:r>
+          </a:p>
+          <a:p>
+            <a:pPr marL="285750" indent="-285750">
+              <a:buFont typeface="Arial" panose="020B0604020202020204" pitchFamily="34" charset="0"/>
+              <a:buChar char="•"/>
+            </a:pPr>
+            <a:r>
+              <a:rPr lang="en-GB" altLang="zh-CN" sz="1800" dirty="0">
+                <a:solidFill>
+                  <a:srgbClr val="0D0D0D"/>
+                </a:solidFill>
+                <a:effectLst/>
+                <a:highlight>
+                  <a:srgbClr val="FFFFFF"/>
+                </a:highlight>
+                <a:latin typeface="Segoe UI" panose="020B0502040204020203" pitchFamily="34" charset="0"/>
+                <a:ea typeface="等线" panose="02010600030101010101" pitchFamily="2" charset="-122"/>
+              </a:rPr>
+              <a:t>Simpler immune system</a:t>
+            </a:r>
+          </a:p>
+          <a:p>
+            <a:pPr marL="285750" indent="-285750">
+              <a:buFont typeface="Arial" panose="020B0604020202020204" pitchFamily="34" charset="0"/>
+              <a:buChar char="•"/>
+            </a:pPr>
+            <a:r>
+              <a:rPr lang="en-GB" altLang="zh-CN" sz="1800" dirty="0">
+                <a:solidFill>
+                  <a:srgbClr val="0D0D0D"/>
+                </a:solidFill>
+                <a:effectLst/>
+                <a:highlight>
+                  <a:srgbClr val="FFFFFF"/>
+                </a:highlight>
+                <a:latin typeface="Segoe UI" panose="020B0502040204020203" pitchFamily="34" charset="0"/>
+                <a:ea typeface="等线" panose="02010600030101010101" pitchFamily="2" charset="-122"/>
+              </a:rPr>
+              <a:t>Bred in the lab</a:t>
+            </a:r>
+          </a:p>
+          <a:p>
+            <a:pPr marL="285750" indent="-285750">
+              <a:buFont typeface="Arial" panose="020B0604020202020204" pitchFamily="34" charset="0"/>
+              <a:buChar char="•"/>
+            </a:pPr>
+            <a:endParaRPr lang="en-GB" altLang="zh-CN" sz="1800" dirty="0">
+              <a:solidFill>
+                <a:srgbClr val="0D0D0D"/>
+              </a:solidFill>
+              <a:effectLst/>
+              <a:highlight>
+                <a:srgbClr val="FFFFFF"/>
+              </a:highlight>
+              <a:latin typeface="Segoe UI" panose="020B0502040204020203" pitchFamily="34" charset="0"/>
+              <a:ea typeface="等线" panose="02010600030101010101" pitchFamily="2" charset="-122"/>
+            </a:endParaRPr>
+          </a:p>
+          <a:p>
+            <a:endParaRPr lang="zh-CN" altLang="en-US" dirty="0"/>
+          </a:p>
+        </p:txBody>
+      </p:sp>
+      <p:sp>
+        <p:nvSpPr>
+          <p:cNvPr id="4" name="文本框 3">
+            <a:extLst>
+              <a:ext uri="{FF2B5EF4-FFF2-40B4-BE49-F238E27FC236}">
+                <a16:creationId xmlns:a16="http://schemas.microsoft.com/office/drawing/2014/main" id="{4EB55EA6-8B59-FF39-4A37-7CED02779E21}"/>
+              </a:ext>
+            </a:extLst>
+          </p:cNvPr>
+          <p:cNvSpPr txBox="1"/>
+          <p:nvPr/>
+        </p:nvSpPr>
+        <p:spPr>
+          <a:xfrm>
+            <a:off x="4820784" y="2005388"/>
+            <a:ext cx="2430152" cy="461665"/>
+          </a:xfrm>
+          <a:prstGeom prst="rect">
+            <a:avLst/>
+          </a:prstGeom>
+          <a:noFill/>
+        </p:spPr>
+        <p:txBody>
+          <a:bodyPr wrap="none" rtlCol="0">
+            <a:spAutoFit/>
+          </a:bodyPr>
+          <a:lstStyle/>
+          <a:p>
+            <a:r>
+              <a:rPr lang="en-US" altLang="zh-CN" sz="2400" dirty="0"/>
+              <a:t>Possible reasons</a:t>
+            </a:r>
+            <a:endParaRPr lang="zh-CN" altLang="en-US" dirty="0"/>
+          </a:p>
+        </p:txBody>
+      </p:sp>
+      <p:sp>
+        <p:nvSpPr>
+          <p:cNvPr id="6" name="文本框 5">
+            <a:extLst>
+              <a:ext uri="{FF2B5EF4-FFF2-40B4-BE49-F238E27FC236}">
+                <a16:creationId xmlns:a16="http://schemas.microsoft.com/office/drawing/2014/main" id="{1F0CB016-887D-310F-4446-BBFFCDC5D0D6}"/>
+              </a:ext>
+            </a:extLst>
+          </p:cNvPr>
+          <p:cNvSpPr txBox="1"/>
+          <p:nvPr/>
+        </p:nvSpPr>
+        <p:spPr>
+          <a:xfrm>
+            <a:off x="1534252" y="2050908"/>
+            <a:ext cx="1177117" cy="461665"/>
+          </a:xfrm>
+          <a:prstGeom prst="rect">
+            <a:avLst/>
+          </a:prstGeom>
+          <a:noFill/>
+        </p:spPr>
+        <p:txBody>
+          <a:bodyPr wrap="none" rtlCol="0">
+            <a:spAutoFit/>
+          </a:bodyPr>
+          <a:lstStyle/>
+          <a:p>
+            <a:r>
+              <a:rPr lang="en-US" altLang="zh-CN" sz="2400" dirty="0"/>
+              <a:t>Results</a:t>
+            </a:r>
+            <a:endParaRPr lang="zh-CN" altLang="en-US" dirty="0"/>
           </a:p>
         </p:txBody>
       </p:sp>
     </p:spTree>
     <p:extLst>
       <p:ext uri="{BB962C8B-B14F-4D97-AF65-F5344CB8AC3E}">
-        <p14:creationId xmlns:p14="http://schemas.microsoft.com/office/powerpoint/2010/main" val="520467755"/>
+        <p14:creationId xmlns:p14="http://schemas.microsoft.com/office/powerpoint/2010/main" val="1700337735"/>
       </p:ext>
     </p:extLst>
   </p:cSld>
@@ -6192,10 +6692,10 @@
       </p:sp>
       <p:pic>
         <p:nvPicPr>
-          <p:cNvPr id="8" name="图片 7">
-            <a:extLst>
-              <a:ext uri="{FF2B5EF4-FFF2-40B4-BE49-F238E27FC236}">
-                <a16:creationId xmlns:a16="http://schemas.microsoft.com/office/drawing/2014/main" id="{CDCE6CA9-1312-A3F3-B42F-7E422ECA9E7A}"/>
+          <p:cNvPr id="6" name="图片 5">
+            <a:extLst>
+              <a:ext uri="{FF2B5EF4-FFF2-40B4-BE49-F238E27FC236}">
+                <a16:creationId xmlns:a16="http://schemas.microsoft.com/office/drawing/2014/main" id="{FE6F41A9-3B68-B477-BD99-B72D8C8CF3B7}"/>
               </a:ext>
             </a:extLst>
           </p:cNvPr>
@@ -6212,8 +6712,8 @@
         </p:blipFill>
         <p:spPr>
           <a:xfrm>
-            <a:off x="7479256" y="2696123"/>
-            <a:ext cx="3888218" cy="3897397"/>
+            <a:off x="6978963" y="2652588"/>
+            <a:ext cx="4008531" cy="3924532"/>
           </a:xfrm>
           <a:prstGeom prst="rect">
             <a:avLst/>
@@ -6222,10 +6722,10 @@
       </p:pic>
       <p:sp>
         <p:nvSpPr>
-          <p:cNvPr id="14" name="文本框 13">
-            <a:extLst>
-              <a:ext uri="{FF2B5EF4-FFF2-40B4-BE49-F238E27FC236}">
-                <a16:creationId xmlns:a16="http://schemas.microsoft.com/office/drawing/2014/main" id="{36430968-075B-B277-BEC5-ABB4E125BA80}"/>
+          <p:cNvPr id="4" name="文本框 3">
+            <a:extLst>
+              <a:ext uri="{FF2B5EF4-FFF2-40B4-BE49-F238E27FC236}">
+                <a16:creationId xmlns:a16="http://schemas.microsoft.com/office/drawing/2014/main" id="{99AC9060-C9E7-3865-045B-B6841F38AE6E}"/>
               </a:ext>
             </a:extLst>
           </p:cNvPr>
@@ -6234,8 +6734,8 @@
         </p:nvSpPr>
         <p:spPr>
           <a:xfrm>
-            <a:off x="824526" y="3206252"/>
-            <a:ext cx="5591645" cy="923330"/>
+            <a:off x="761801" y="3187843"/>
+            <a:ext cx="4716398" cy="646331"/>
           </a:xfrm>
           <a:prstGeom prst="rect">
             <a:avLst/>
@@ -6253,56 +6753,29 @@
           </a:bodyPr>
           <a:lstStyle/>
           <a:p>
-            <a:pPr marL="285750" indent="-285750">
-              <a:buFont typeface="Arial" panose="020B0604020202020204" pitchFamily="34" charset="0"/>
-              <a:buChar char="•"/>
-            </a:pPr>
-            <a:r>
-              <a:rPr lang="en-GB" altLang="zh-CN" sz="1800" dirty="0">
-                <a:effectLst/>
-                <a:cs typeface="Times New Roman" panose="02020603050405020304" pitchFamily="18" charset="0"/>
-              </a:rPr>
-              <a:t>Clusters with relatively distinct boundaries. </a:t>
-            </a:r>
-          </a:p>
-          <a:p>
-            <a:pPr marL="285750" indent="-285750">
-              <a:buFont typeface="Arial" panose="020B0604020202020204" pitchFamily="34" charset="0"/>
-              <a:buChar char="•"/>
-            </a:pPr>
-            <a:r>
-              <a:rPr lang="en-US" altLang="zh-CN" b="0" i="0" dirty="0">
-                <a:solidFill>
-                  <a:srgbClr val="0D0D0D"/>
-                </a:solidFill>
-                <a:effectLst/>
-                <a:highlight>
-                  <a:srgbClr val="FFFFFF"/>
-                </a:highlight>
-                <a:latin typeface="Söhne"/>
-              </a:rPr>
-              <a:t>Loose internally and closer together.</a:t>
-            </a:r>
-          </a:p>
-          <a:p>
-            <a:pPr marL="285750" indent="-285750">
-              <a:buFont typeface="Arial" panose="020B0604020202020204" pitchFamily="34" charset="0"/>
-              <a:buChar char="•"/>
-            </a:pPr>
+            <a:r>
+              <a:rPr lang="zh-CN" altLang="en-US" dirty="0"/>
+              <a:t>A large number of points overlap completely</a:t>
+            </a:r>
             <a:r>
               <a:rPr lang="en-US" altLang="zh-CN" dirty="0"/>
-              <a:t>Clusters do not have higher purity.</a:t>
-            </a:r>
-            <a:endParaRPr lang="zh-CN" altLang="en-US" dirty="0"/>
-          </a:p>
-        </p:txBody>
-      </p:sp>
-      <p:sp>
-        <p:nvSpPr>
-          <p:cNvPr id="4" name="文本框 3">
-            <a:extLst>
-              <a:ext uri="{FF2B5EF4-FFF2-40B4-BE49-F238E27FC236}">
-                <a16:creationId xmlns:a16="http://schemas.microsoft.com/office/drawing/2014/main" id="{32069FEF-9A99-0551-88F5-C3631DD35A1F}"/>
+              <a:t>. </a:t>
+            </a:r>
+          </a:p>
+          <a:p>
+            <a:r>
+              <a:rPr lang="en-US" altLang="zh-CN" dirty="0"/>
+              <a:t>Many small dispersed clusters.</a:t>
+            </a:r>
+          </a:p>
+        </p:txBody>
+      </p:sp>
+      <p:sp>
+        <p:nvSpPr>
+          <p:cNvPr id="7" name="文本框 6">
+            <a:extLst>
+              <a:ext uri="{FF2B5EF4-FFF2-40B4-BE49-F238E27FC236}">
+                <a16:creationId xmlns:a16="http://schemas.microsoft.com/office/drawing/2014/main" id="{AC92E457-FCF0-AC49-574E-1E03A0C36E5D}"/>
               </a:ext>
             </a:extLst>
           </p:cNvPr>
@@ -6311,8 +6784,8 @@
         </p:nvSpPr>
         <p:spPr>
           <a:xfrm>
-            <a:off x="853229" y="4644821"/>
-            <a:ext cx="5591644" cy="1200329"/>
+            <a:off x="761801" y="4738496"/>
+            <a:ext cx="4716398" cy="646331"/>
           </a:xfrm>
           <a:prstGeom prst="rect">
             <a:avLst/>
@@ -6330,12 +6803,8 @@
           </a:bodyPr>
           <a:lstStyle/>
           <a:p>
-            <a:pPr marL="285750" indent="-285750">
-              <a:buFont typeface="Arial" panose="020B0604020202020204" pitchFamily="34" charset="0"/>
-              <a:buChar char="•"/>
-            </a:pPr>
-            <a:r>
-              <a:rPr lang="en-US" altLang="zh-CN" sz="1800" dirty="0">
+            <a:r>
+              <a:rPr lang="en-GB" altLang="zh-CN" sz="1800" dirty="0">
                 <a:solidFill>
                   <a:srgbClr val="0D0D0D"/>
                 </a:solidFill>
@@ -6346,16 +6815,24 @@
                 <a:latin typeface="Segoe UI" panose="020B0502040204020203" pitchFamily="34" charset="0"/>
                 <a:ea typeface="等线" panose="02010600030101010101" pitchFamily="2" charset="-122"/>
               </a:rPr>
-              <a:t>Contains more V region and D region gene segments offering higher diversity.</a:t>
-            </a:r>
-          </a:p>
-          <a:p>
-            <a:pPr marL="285750" indent="-285750">
-              <a:buFont typeface="Arial" panose="020B0604020202020204" pitchFamily="34" charset="0"/>
-              <a:buChar char="•"/>
-            </a:pPr>
-            <a:r>
-              <a:rPr lang="en-US" altLang="zh-CN" sz="1800" dirty="0">
+              <a:t>Alpha </a:t>
+            </a:r>
+            <a:r>
+              <a:rPr lang="en-GB" altLang="zh-CN" sz="1800" dirty="0">
+                <a:solidFill>
+                  <a:srgbClr val="000000"/>
+                </a:solidFill>
+                <a:effectLst/>
+                <a:highlight>
+                  <a:srgbClr val="FFFFFF"/>
+                </a:highlight>
+                <a:latin typeface="Segoe UI" panose="020B0502040204020203" pitchFamily="34" charset="0"/>
+                <a:ea typeface="等线" panose="02010600030101010101" pitchFamily="2" charset="-122"/>
+              </a:rPr>
+              <a:t>chains </a:t>
+            </a:r>
+            <a:r>
+              <a:rPr lang="en-GB" altLang="zh-CN" sz="1800" dirty="0">
                 <a:solidFill>
                   <a:srgbClr val="0D0D0D"/>
                 </a:solidFill>
@@ -6366,25 +6843,16 @@
                 <a:latin typeface="Segoe UI" panose="020B0502040204020203" pitchFamily="34" charset="0"/>
                 <a:ea typeface="等线" panose="02010600030101010101" pitchFamily="2" charset="-122"/>
               </a:rPr>
-              <a:t>Some TCR Beta chains are closer to each other.</a:t>
-            </a:r>
-          </a:p>
-          <a:p>
-            <a:pPr marL="285750" indent="-285750">
-              <a:buFont typeface="Arial" panose="020B0604020202020204" pitchFamily="34" charset="0"/>
-              <a:buChar char="•"/>
-            </a:pPr>
-            <a:r>
-              <a:rPr lang="en-US" altLang="zh-CN" dirty="0"/>
-              <a:t> A broader epitope recognition.</a:t>
-            </a:r>
+              <a:t>do not have a D region and only undergoes VJ rearrangement</a:t>
+            </a:r>
+            <a:endParaRPr lang="en-US" altLang="zh-CN" dirty="0"/>
           </a:p>
         </p:txBody>
       </p:sp>
     </p:spTree>
     <p:extLst>
       <p:ext uri="{BB962C8B-B14F-4D97-AF65-F5344CB8AC3E}">
-        <p14:creationId xmlns:p14="http://schemas.microsoft.com/office/powerpoint/2010/main" val="2924801721"/>
+        <p14:creationId xmlns:p14="http://schemas.microsoft.com/office/powerpoint/2010/main" val="520467755"/>
       </p:ext>
     </p:extLst>
   </p:cSld>
@@ -6413,10 +6881,10 @@
       </p:grpSpPr>
       <p:sp>
         <p:nvSpPr>
-          <p:cNvPr id="7" name="标题 6">
-            <a:extLst>
-              <a:ext uri="{FF2B5EF4-FFF2-40B4-BE49-F238E27FC236}">
-                <a16:creationId xmlns:a16="http://schemas.microsoft.com/office/drawing/2014/main" id="{8695EF42-AF12-C103-1819-CBE4A5AF67A6}"/>
+          <p:cNvPr id="5" name="标题 4">
+            <a:extLst>
+              <a:ext uri="{FF2B5EF4-FFF2-40B4-BE49-F238E27FC236}">
+                <a16:creationId xmlns:a16="http://schemas.microsoft.com/office/drawing/2014/main" id="{360AC2A2-FECE-23AD-8298-6E22713B5EF0}"/>
               </a:ext>
             </a:extLst>
           </p:cNvPr>
@@ -6434,6 +6902,256 @@
           <a:p>
             <a:r>
               <a:rPr lang="en-US" altLang="zh-CN" dirty="0"/>
+              <a:t>Alpha vs. Beta vs. Combined Chains</a:t>
+            </a:r>
+            <a:endParaRPr lang="zh-CN" altLang="en-US" dirty="0"/>
+          </a:p>
+        </p:txBody>
+      </p:sp>
+      <p:pic>
+        <p:nvPicPr>
+          <p:cNvPr id="8" name="图片 7">
+            <a:extLst>
+              <a:ext uri="{FF2B5EF4-FFF2-40B4-BE49-F238E27FC236}">
+                <a16:creationId xmlns:a16="http://schemas.microsoft.com/office/drawing/2014/main" id="{CDCE6CA9-1312-A3F3-B42F-7E422ECA9E7A}"/>
+              </a:ext>
+            </a:extLst>
+          </p:cNvPr>
+          <p:cNvPicPr>
+            <a:picLocks noChangeAspect="1"/>
+          </p:cNvPicPr>
+          <p:nvPr/>
+        </p:nvPicPr>
+        <p:blipFill>
+          <a:blip r:embed="rId2"/>
+          <a:stretch>
+            <a:fillRect/>
+          </a:stretch>
+        </p:blipFill>
+        <p:spPr>
+          <a:xfrm>
+            <a:off x="7479256" y="2696123"/>
+            <a:ext cx="3888218" cy="3897397"/>
+          </a:xfrm>
+          <a:prstGeom prst="rect">
+            <a:avLst/>
+          </a:prstGeom>
+        </p:spPr>
+      </p:pic>
+      <p:sp>
+        <p:nvSpPr>
+          <p:cNvPr id="14" name="文本框 13">
+            <a:extLst>
+              <a:ext uri="{FF2B5EF4-FFF2-40B4-BE49-F238E27FC236}">
+                <a16:creationId xmlns:a16="http://schemas.microsoft.com/office/drawing/2014/main" id="{36430968-075B-B277-BEC5-ABB4E125BA80}"/>
+              </a:ext>
+            </a:extLst>
+          </p:cNvPr>
+          <p:cNvSpPr txBox="1"/>
+          <p:nvPr/>
+        </p:nvSpPr>
+        <p:spPr>
+          <a:xfrm>
+            <a:off x="824526" y="3206252"/>
+            <a:ext cx="5591645" cy="923330"/>
+          </a:xfrm>
+          <a:prstGeom prst="rect">
+            <a:avLst/>
+          </a:prstGeom>
+          <a:noFill/>
+          <a:ln>
+            <a:solidFill>
+              <a:srgbClr val="FF0000"/>
+            </a:solidFill>
+          </a:ln>
+        </p:spPr>
+        <p:txBody>
+          <a:bodyPr wrap="square">
+            <a:spAutoFit/>
+          </a:bodyPr>
+          <a:lstStyle/>
+          <a:p>
+            <a:pPr marL="285750" indent="-285750">
+              <a:buFont typeface="Arial" panose="020B0604020202020204" pitchFamily="34" charset="0"/>
+              <a:buChar char="•"/>
+            </a:pPr>
+            <a:r>
+              <a:rPr lang="en-GB" altLang="zh-CN" sz="1800" dirty="0">
+                <a:effectLst/>
+                <a:cs typeface="Times New Roman" panose="02020603050405020304" pitchFamily="18" charset="0"/>
+              </a:rPr>
+              <a:t>Clusters with relatively distinct boundaries. </a:t>
+            </a:r>
+          </a:p>
+          <a:p>
+            <a:pPr marL="285750" indent="-285750">
+              <a:buFont typeface="Arial" panose="020B0604020202020204" pitchFamily="34" charset="0"/>
+              <a:buChar char="•"/>
+            </a:pPr>
+            <a:r>
+              <a:rPr lang="en-US" altLang="zh-CN" b="0" i="0" dirty="0">
+                <a:solidFill>
+                  <a:srgbClr val="0D0D0D"/>
+                </a:solidFill>
+                <a:effectLst/>
+                <a:highlight>
+                  <a:srgbClr val="FFFFFF"/>
+                </a:highlight>
+                <a:latin typeface="Söhne"/>
+              </a:rPr>
+              <a:t>Loose internally and closer together.</a:t>
+            </a:r>
+          </a:p>
+          <a:p>
+            <a:pPr marL="285750" indent="-285750">
+              <a:buFont typeface="Arial" panose="020B0604020202020204" pitchFamily="34" charset="0"/>
+              <a:buChar char="•"/>
+            </a:pPr>
+            <a:r>
+              <a:rPr lang="en-US" altLang="zh-CN" dirty="0"/>
+              <a:t>Clusters do not have higher purity.</a:t>
+            </a:r>
+            <a:endParaRPr lang="zh-CN" altLang="en-US" dirty="0"/>
+          </a:p>
+        </p:txBody>
+      </p:sp>
+      <p:sp>
+        <p:nvSpPr>
+          <p:cNvPr id="4" name="文本框 3">
+            <a:extLst>
+              <a:ext uri="{FF2B5EF4-FFF2-40B4-BE49-F238E27FC236}">
+                <a16:creationId xmlns:a16="http://schemas.microsoft.com/office/drawing/2014/main" id="{32069FEF-9A99-0551-88F5-C3631DD35A1F}"/>
+              </a:ext>
+            </a:extLst>
+          </p:cNvPr>
+          <p:cNvSpPr txBox="1"/>
+          <p:nvPr/>
+        </p:nvSpPr>
+        <p:spPr>
+          <a:xfrm>
+            <a:off x="853229" y="4644821"/>
+            <a:ext cx="5591644" cy="1200329"/>
+          </a:xfrm>
+          <a:prstGeom prst="rect">
+            <a:avLst/>
+          </a:prstGeom>
+          <a:noFill/>
+          <a:ln>
+            <a:solidFill>
+              <a:srgbClr val="00B0F0"/>
+            </a:solidFill>
+          </a:ln>
+        </p:spPr>
+        <p:txBody>
+          <a:bodyPr wrap="square">
+            <a:spAutoFit/>
+          </a:bodyPr>
+          <a:lstStyle/>
+          <a:p>
+            <a:pPr marL="285750" indent="-285750">
+              <a:buFont typeface="Arial" panose="020B0604020202020204" pitchFamily="34" charset="0"/>
+              <a:buChar char="•"/>
+            </a:pPr>
+            <a:r>
+              <a:rPr lang="en-US" altLang="zh-CN" sz="1800" dirty="0">
+                <a:solidFill>
+                  <a:srgbClr val="0D0D0D"/>
+                </a:solidFill>
+                <a:effectLst/>
+                <a:highlight>
+                  <a:srgbClr val="FFFFFF"/>
+                </a:highlight>
+                <a:latin typeface="Segoe UI" panose="020B0502040204020203" pitchFamily="34" charset="0"/>
+                <a:ea typeface="等线" panose="02010600030101010101" pitchFamily="2" charset="-122"/>
+              </a:rPr>
+              <a:t>Contains more V region and D region gene segments offering higher diversity.</a:t>
+            </a:r>
+          </a:p>
+          <a:p>
+            <a:pPr marL="285750" indent="-285750">
+              <a:buFont typeface="Arial" panose="020B0604020202020204" pitchFamily="34" charset="0"/>
+              <a:buChar char="•"/>
+            </a:pPr>
+            <a:r>
+              <a:rPr lang="en-US" altLang="zh-CN" sz="1800" dirty="0">
+                <a:solidFill>
+                  <a:srgbClr val="0D0D0D"/>
+                </a:solidFill>
+                <a:effectLst/>
+                <a:highlight>
+                  <a:srgbClr val="FFFFFF"/>
+                </a:highlight>
+                <a:latin typeface="Segoe UI" panose="020B0502040204020203" pitchFamily="34" charset="0"/>
+                <a:ea typeface="等线" panose="02010600030101010101" pitchFamily="2" charset="-122"/>
+              </a:rPr>
+              <a:t>Some TCR Beta chains are closer to each other.</a:t>
+            </a:r>
+          </a:p>
+          <a:p>
+            <a:pPr marL="285750" indent="-285750">
+              <a:buFont typeface="Arial" panose="020B0604020202020204" pitchFamily="34" charset="0"/>
+              <a:buChar char="•"/>
+            </a:pPr>
+            <a:r>
+              <a:rPr lang="en-US" altLang="zh-CN" dirty="0"/>
+              <a:t> A broader epitope recognition.</a:t>
+            </a:r>
+          </a:p>
+        </p:txBody>
+      </p:sp>
+    </p:spTree>
+    <p:extLst>
+      <p:ext uri="{BB962C8B-B14F-4D97-AF65-F5344CB8AC3E}">
+        <p14:creationId xmlns:p14="http://schemas.microsoft.com/office/powerpoint/2010/main" val="2924801721"/>
+      </p:ext>
+    </p:extLst>
+  </p:cSld>
+  <p:clrMapOvr>
+    <a:masterClrMapping/>
+  </p:clrMapOvr>
+</p:sld>
+</file>
+
+<file path=ppt/slides/slide13.xml><?xml version="1.0" encoding="utf-8"?>
+<p:sld xmlns:a="http://schemas.openxmlformats.org/drawingml/2006/main" xmlns:r="http://schemas.openxmlformats.org/officeDocument/2006/relationships" xmlns:p="http://schemas.openxmlformats.org/presentationml/2006/main">
+  <p:cSld>
+    <p:spTree>
+      <p:nvGrpSpPr>
+        <p:cNvPr id="1" name=""/>
+        <p:cNvGrpSpPr/>
+        <p:nvPr/>
+      </p:nvGrpSpPr>
+      <p:grpSpPr>
+        <a:xfrm>
+          <a:off x="0" y="0"/>
+          <a:ext cx="0" cy="0"/>
+          <a:chOff x="0" y="0"/>
+          <a:chExt cx="0" cy="0"/>
+        </a:xfrm>
+      </p:grpSpPr>
+      <p:sp>
+        <p:nvSpPr>
+          <p:cNvPr id="7" name="标题 6">
+            <a:extLst>
+              <a:ext uri="{FF2B5EF4-FFF2-40B4-BE49-F238E27FC236}">
+                <a16:creationId xmlns:a16="http://schemas.microsoft.com/office/drawing/2014/main" id="{8695EF42-AF12-C103-1819-CBE4A5AF67A6}"/>
+              </a:ext>
+            </a:extLst>
+          </p:cNvPr>
+          <p:cNvSpPr>
+            <a:spLocks noGrp="1"/>
+          </p:cNvSpPr>
+          <p:nvPr>
+            <p:ph type="title"/>
+          </p:nvPr>
+        </p:nvSpPr>
+        <p:spPr/>
+        <p:txBody>
+          <a:bodyPr/>
+          <a:lstStyle/>
+          <a:p>
+            <a:r>
+              <a:rPr lang="en-US" altLang="zh-CN" dirty="0"/>
               <a:t>Clustering</a:t>
             </a:r>
             <a:endParaRPr lang="zh-CN" altLang="en-US" dirty="0"/>
@@ -6494,7 +7212,7 @@
             </a:r>
             <a:r>
               <a:rPr lang="en-US" altLang="zh-CN" dirty="0"/>
-              <a:t> A bottom-up clustering algorithm that gradually merges data points into clusters, and represents the similarity relationship between data points through a tree-like structure. It probes the data at different levels of granularity and can discover hierarchical structure.</a:t>
+              <a:t> A bottom-up clustering algorithm that gradually merges data points into clusters and represents the similarity relationship between data points through a tree-like structure. It probes the data at different levels of granularity and can discover hierarchical structure.</a:t>
             </a:r>
             <a:endParaRPr lang="zh-CN" altLang="en-US" dirty="0"/>
           </a:p>
@@ -6694,7 +7412,7 @@
           <a:p>
             <a:r>
               <a:rPr lang="en-US" altLang="zh-CN" dirty="0"/>
-              <a:t>3 Metrices</a:t>
+              <a:t>3 Metrics</a:t>
             </a:r>
           </a:p>
           <a:p>
@@ -6754,214 +7472,6 @@
     <p:extLst>
       <p:ext uri="{BB962C8B-B14F-4D97-AF65-F5344CB8AC3E}">
         <p14:creationId xmlns:p14="http://schemas.microsoft.com/office/powerpoint/2010/main" val="425046755"/>
-      </p:ext>
-    </p:extLst>
-  </p:cSld>
-  <p:clrMapOvr>
-    <a:masterClrMapping/>
-  </p:clrMapOvr>
-</p:sld>
-</file>
-
-<file path=ppt/slides/slide13.xml><?xml version="1.0" encoding="utf-8"?>
-<p:sld xmlns:a="http://schemas.openxmlformats.org/drawingml/2006/main" xmlns:r="http://schemas.openxmlformats.org/officeDocument/2006/relationships" xmlns:p="http://schemas.openxmlformats.org/presentationml/2006/main">
-  <p:cSld>
-    <p:spTree>
-      <p:nvGrpSpPr>
-        <p:cNvPr id="1" name=""/>
-        <p:cNvGrpSpPr/>
-        <p:nvPr/>
-      </p:nvGrpSpPr>
-      <p:grpSpPr>
-        <a:xfrm>
-          <a:off x="0" y="0"/>
-          <a:ext cx="0" cy="0"/>
-          <a:chOff x="0" y="0"/>
-          <a:chExt cx="0" cy="0"/>
-        </a:xfrm>
-      </p:grpSpPr>
-      <p:pic>
-        <p:nvPicPr>
-          <p:cNvPr id="11" name="内容占位符 10">
-            <a:extLst>
-              <a:ext uri="{FF2B5EF4-FFF2-40B4-BE49-F238E27FC236}">
-                <a16:creationId xmlns:a16="http://schemas.microsoft.com/office/drawing/2014/main" id="{56519AA8-FC18-531A-7476-125362D3C4B3}"/>
-              </a:ext>
-            </a:extLst>
-          </p:cNvPr>
-          <p:cNvPicPr>
-            <a:picLocks noGrp="1" noChangeAspect="1"/>
-          </p:cNvPicPr>
-          <p:nvPr>
-            <p:ph idx="1"/>
-          </p:nvPr>
-        </p:nvPicPr>
-        <p:blipFill>
-          <a:blip r:embed="rId2"/>
-          <a:stretch>
-            <a:fillRect/>
-          </a:stretch>
-        </p:blipFill>
-        <p:spPr>
-          <a:xfrm>
-            <a:off x="4819659" y="3163048"/>
-            <a:ext cx="6972658" cy="2044805"/>
-          </a:xfrm>
-        </p:spPr>
-      </p:pic>
-      <p:sp>
-        <p:nvSpPr>
-          <p:cNvPr id="7" name="标题 6">
-            <a:extLst>
-              <a:ext uri="{FF2B5EF4-FFF2-40B4-BE49-F238E27FC236}">
-                <a16:creationId xmlns:a16="http://schemas.microsoft.com/office/drawing/2014/main" id="{8695EF42-AF12-C103-1819-CBE4A5AF67A6}"/>
-              </a:ext>
-            </a:extLst>
-          </p:cNvPr>
-          <p:cNvSpPr>
-            <a:spLocks noGrp="1"/>
-          </p:cNvSpPr>
-          <p:nvPr>
-            <p:ph type="title"/>
-          </p:nvPr>
-        </p:nvSpPr>
-        <p:spPr/>
-        <p:txBody>
-          <a:bodyPr/>
-          <a:lstStyle/>
-          <a:p>
-            <a:r>
-              <a:rPr lang="en-US" altLang="zh-CN" dirty="0"/>
-              <a:t>Human vs. Mouse</a:t>
-            </a:r>
-            <a:endParaRPr lang="zh-CN" altLang="en-US" dirty="0"/>
-          </a:p>
-        </p:txBody>
-      </p:sp>
-      <p:sp>
-        <p:nvSpPr>
-          <p:cNvPr id="12" name="文本框 11">
-            <a:extLst>
-              <a:ext uri="{FF2B5EF4-FFF2-40B4-BE49-F238E27FC236}">
-                <a16:creationId xmlns:a16="http://schemas.microsoft.com/office/drawing/2014/main" id="{5753E2E0-CB77-D857-EF46-D5C7137C31C3}"/>
-              </a:ext>
-            </a:extLst>
-          </p:cNvPr>
-          <p:cNvSpPr txBox="1"/>
-          <p:nvPr/>
-        </p:nvSpPr>
-        <p:spPr>
-          <a:xfrm>
-            <a:off x="299332" y="2960525"/>
-            <a:ext cx="4375179" cy="923330"/>
-          </a:xfrm>
-          <a:prstGeom prst="rect">
-            <a:avLst/>
-          </a:prstGeom>
-          <a:noFill/>
-          <a:ln>
-            <a:solidFill>
-              <a:srgbClr val="FF0000"/>
-            </a:solidFill>
-          </a:ln>
-        </p:spPr>
-        <p:txBody>
-          <a:bodyPr wrap="square" rtlCol="0">
-            <a:spAutoFit/>
-          </a:bodyPr>
-          <a:lstStyle/>
-          <a:p>
-            <a:r>
-              <a:rPr lang="en-US" altLang="zh-CN" dirty="0"/>
-              <a:t>Hierarchical clustering performs better on human TCR and DBSCAN performs better on mouse TCR.</a:t>
-            </a:r>
-            <a:endParaRPr lang="en-GB" altLang="zh-CN" sz="1800" dirty="0">
-              <a:solidFill>
-                <a:srgbClr val="0D0D0D"/>
-              </a:solidFill>
-              <a:effectLst/>
-              <a:highlight>
-                <a:srgbClr val="FFFFFF"/>
-              </a:highlight>
-              <a:latin typeface="Segoe UI" panose="020B0502040204020203" pitchFamily="34" charset="0"/>
-              <a:ea typeface="等线" panose="02010600030101010101" pitchFamily="2" charset="-122"/>
-            </a:endParaRPr>
-          </a:p>
-        </p:txBody>
-      </p:sp>
-      <p:sp>
-        <p:nvSpPr>
-          <p:cNvPr id="3" name="文本框 2">
-            <a:extLst>
-              <a:ext uri="{FF2B5EF4-FFF2-40B4-BE49-F238E27FC236}">
-                <a16:creationId xmlns:a16="http://schemas.microsoft.com/office/drawing/2014/main" id="{F2471B7B-EEF6-CCBB-C635-7D9F39C44992}"/>
-              </a:ext>
-            </a:extLst>
-          </p:cNvPr>
-          <p:cNvSpPr txBox="1"/>
-          <p:nvPr/>
-        </p:nvSpPr>
-        <p:spPr>
-          <a:xfrm>
-            <a:off x="299332" y="4229959"/>
-            <a:ext cx="4203700" cy="1200329"/>
-          </a:xfrm>
-          <a:prstGeom prst="rect">
-            <a:avLst/>
-          </a:prstGeom>
-          <a:noFill/>
-          <a:ln>
-            <a:solidFill>
-              <a:srgbClr val="00B0F0"/>
-            </a:solidFill>
-          </a:ln>
-        </p:spPr>
-        <p:txBody>
-          <a:bodyPr wrap="square">
-            <a:spAutoFit/>
-          </a:bodyPr>
-          <a:lstStyle/>
-          <a:p>
-            <a:pPr marL="285750" indent="-285750">
-              <a:buFont typeface="Arial" panose="020B0604020202020204" pitchFamily="34" charset="0"/>
-              <a:buChar char="•"/>
-            </a:pPr>
-            <a:r>
-              <a:rPr lang="en-US" altLang="zh-CN" dirty="0">
-                <a:latin typeface="Söhne"/>
-                <a:cs typeface="Times New Roman" panose="02020603050405020304" pitchFamily="18" charset="0"/>
-              </a:rPr>
-              <a:t>H</a:t>
-            </a:r>
-            <a:r>
-              <a:rPr lang="en-US" altLang="zh-CN" sz="1800" dirty="0">
-                <a:effectLst/>
-                <a:latin typeface="Söhne"/>
-                <a:cs typeface="Times New Roman" panose="02020603050405020304" pitchFamily="18" charset="0"/>
-              </a:rPr>
-              <a:t>uman TCR data distribution have a more apparent hierarchical structure.</a:t>
-            </a:r>
-          </a:p>
-          <a:p>
-            <a:pPr marL="285750" indent="-285750">
-              <a:buFont typeface="Arial" panose="020B0604020202020204" pitchFamily="34" charset="0"/>
-              <a:buChar char="•"/>
-            </a:pPr>
-            <a:r>
-              <a:rPr lang="en-US" altLang="zh-CN" sz="1800" dirty="0">
-                <a:effectLst/>
-                <a:latin typeface="Söhne"/>
-                <a:cs typeface="Times New Roman" panose="02020603050405020304" pitchFamily="18" charset="0"/>
-              </a:rPr>
-              <a:t>Mouse TCR density distribution is less dispersed or variable.</a:t>
-            </a:r>
-          </a:p>
-        </p:txBody>
-      </p:sp>
-    </p:spTree>
-    <p:extLst>
-      <p:ext uri="{BB962C8B-B14F-4D97-AF65-F5344CB8AC3E}">
-        <p14:creationId xmlns:p14="http://schemas.microsoft.com/office/powerpoint/2010/main" val="1656236313"/>
       </p:ext>
     </p:extLst>
   </p:cSld>
@@ -7012,8 +7522,8 @@
         </p:blipFill>
         <p:spPr>
           <a:xfrm>
-            <a:off x="4707466" y="3917210"/>
-            <a:ext cx="6903671" cy="2044805"/>
+            <a:off x="4819659" y="3163048"/>
+            <a:ext cx="6972658" cy="2044805"/>
           </a:xfrm>
         </p:spPr>
       </p:pic>
@@ -7035,28 +7545,12 @@
         </p:nvSpPr>
         <p:spPr/>
         <p:txBody>
-          <a:bodyPr>
-            <a:normAutofit fontScale="90000"/>
-          </a:bodyPr>
-          <a:lstStyle/>
-          <a:p>
-            <a:r>
-              <a:rPr lang="en-ID" altLang="zh-CN" dirty="0"/>
-              <a:t>Agglomerative Hierarchical Clustering</a:t>
-            </a:r>
-            <a:br>
-              <a:rPr lang="en-ID" altLang="zh-CN" dirty="0"/>
-            </a:br>
+          <a:bodyPr/>
+          <a:lstStyle/>
+          <a:p>
             <a:r>
               <a:rPr lang="en-US" altLang="zh-CN" dirty="0"/>
-              <a:t> vs. </a:t>
-            </a:r>
-            <a:br>
-              <a:rPr lang="en-US" altLang="zh-CN" dirty="0"/>
-            </a:br>
-            <a:r>
-              <a:rPr lang="en-US" altLang="zh-CN" dirty="0"/>
-              <a:t>DBSCAN</a:t>
+              <a:t>Human vs. Mouse</a:t>
             </a:r>
             <a:endParaRPr lang="zh-CN" altLang="en-US" dirty="0"/>
           </a:p>
@@ -7064,10 +7558,10 @@
       </p:sp>
       <p:sp>
         <p:nvSpPr>
-          <p:cNvPr id="3" name="文本框 2">
-            <a:extLst>
-              <a:ext uri="{FF2B5EF4-FFF2-40B4-BE49-F238E27FC236}">
-                <a16:creationId xmlns:a16="http://schemas.microsoft.com/office/drawing/2014/main" id="{55C7BAEF-154A-6AD1-2901-8FE5EFFD0088}"/>
+          <p:cNvPr id="12" name="文本框 11">
+            <a:extLst>
+              <a:ext uri="{FF2B5EF4-FFF2-40B4-BE49-F238E27FC236}">
+                <a16:creationId xmlns:a16="http://schemas.microsoft.com/office/drawing/2014/main" id="{5753E2E0-CB77-D857-EF46-D5C7137C31C3}"/>
               </a:ext>
             </a:extLst>
           </p:cNvPr>
@@ -7076,8 +7570,8 @@
         </p:nvSpPr>
         <p:spPr>
           <a:xfrm>
-            <a:off x="380459" y="2896383"/>
-            <a:ext cx="10169995" cy="923330"/>
+            <a:off x="299332" y="2960525"/>
+            <a:ext cx="4375179" cy="923330"/>
           </a:xfrm>
           <a:prstGeom prst="rect">
             <a:avLst/>
@@ -7090,77 +7584,35 @@
           </a:ln>
         </p:spPr>
         <p:txBody>
-          <a:bodyPr wrap="square">
+          <a:bodyPr wrap="square" rtlCol="0">
             <a:spAutoFit/>
           </a:bodyPr>
           <a:lstStyle/>
           <a:p>
-            <a:pPr marL="285750" indent="-285750">
-              <a:buFont typeface="Arial" panose="020B0604020202020204" pitchFamily="34" charset="0"/>
-              <a:buChar char="•"/>
-            </a:pPr>
-            <a:r>
-              <a:rPr lang="en-US" altLang="zh-CN" dirty="0">
-                <a:ea typeface="+mj-ea"/>
-                <a:cs typeface="Times New Roman" panose="02020603050405020304" pitchFamily="18" charset="0"/>
-              </a:rPr>
-              <a:t>P</a:t>
-            </a:r>
-            <a:r>
-              <a:rPr lang="en-US" altLang="zh-CN" sz="1800" dirty="0">
-                <a:effectLst/>
-                <a:ea typeface="+mj-ea"/>
-                <a:cs typeface="Times New Roman" panose="02020603050405020304" pitchFamily="18" charset="0"/>
-              </a:rPr>
-              <a:t>urity fraction: DBSCAN results is half of hierarchical clustering.</a:t>
-            </a:r>
-          </a:p>
-          <a:p>
-            <a:pPr marL="285750" indent="-285750">
-              <a:buFont typeface="Arial" panose="020B0604020202020204" pitchFamily="34" charset="0"/>
-              <a:buChar char="•"/>
-            </a:pPr>
-            <a:r>
-              <a:rPr lang="en-US" altLang="zh-CN" dirty="0">
-                <a:ea typeface="+mj-ea"/>
-                <a:cs typeface="Times New Roman" panose="02020603050405020304" pitchFamily="18" charset="0"/>
-              </a:rPr>
-              <a:t>P</a:t>
-            </a:r>
-            <a:r>
-              <a:rPr lang="en-US" altLang="zh-CN" sz="1800" dirty="0">
-                <a:effectLst/>
-                <a:ea typeface="+mj-ea"/>
-                <a:cs typeface="Times New Roman" panose="02020603050405020304" pitchFamily="18" charset="0"/>
-              </a:rPr>
-              <a:t>urity retention: DBSCAN  is nearly only a quarter of hierarchical clustering.</a:t>
-            </a:r>
-          </a:p>
-          <a:p>
-            <a:pPr marL="285750" indent="-285750">
-              <a:buFont typeface="Arial" panose="020B0604020202020204" pitchFamily="34" charset="0"/>
-              <a:buChar char="•"/>
-            </a:pPr>
-            <a:r>
-              <a:rPr lang="en-US" altLang="zh-CN" sz="1800" dirty="0">
-                <a:effectLst/>
-                <a:ea typeface="+mj-ea"/>
-                <a:cs typeface="Times New Roman" panose="02020603050405020304" pitchFamily="18" charset="0"/>
-              </a:rPr>
-              <a:t>NMI: DBSCAN has a relatively small gap with hierarchical clustering.</a:t>
-            </a:r>
-            <a:endParaRPr lang="zh-CN" altLang="en-US" dirty="0">
-              <a:ea typeface="+mj-ea"/>
+            <a:r>
+              <a:rPr lang="en-US" altLang="zh-CN" dirty="0"/>
+              <a:t>Hierarchical clustering performs better on human TCR and DBSCAN performs better on mouse TCR.</a:t>
+            </a:r>
+            <a:endParaRPr lang="en-GB" altLang="zh-CN" sz="1800" dirty="0">
+              <a:solidFill>
+                <a:srgbClr val="0D0D0D"/>
+              </a:solidFill>
+              <a:effectLst/>
+              <a:highlight>
+                <a:srgbClr val="FFFFFF"/>
+              </a:highlight>
+              <a:latin typeface="Segoe UI" panose="020B0502040204020203" pitchFamily="34" charset="0"/>
+              <a:ea typeface="等线" panose="02010600030101010101" pitchFamily="2" charset="-122"/>
             </a:endParaRPr>
           </a:p>
         </p:txBody>
       </p:sp>
       <p:sp>
         <p:nvSpPr>
-          <p:cNvPr id="2" name="文本框 1">
-            <a:extLst>
-              <a:ext uri="{FF2B5EF4-FFF2-40B4-BE49-F238E27FC236}">
-                <a16:creationId xmlns:a16="http://schemas.microsoft.com/office/drawing/2014/main" id="{D1D944F4-4619-5C70-521A-1B26AB1EA113}"/>
+          <p:cNvPr id="3" name="文本框 2">
+            <a:extLst>
+              <a:ext uri="{FF2B5EF4-FFF2-40B4-BE49-F238E27FC236}">
+                <a16:creationId xmlns:a16="http://schemas.microsoft.com/office/drawing/2014/main" id="{F2471B7B-EEF6-CCBB-C635-7D9F39C44992}"/>
               </a:ext>
             </a:extLst>
           </p:cNvPr>
@@ -7169,8 +7621,8 @@
         </p:nvSpPr>
         <p:spPr>
           <a:xfrm>
-            <a:off x="380459" y="4152566"/>
-            <a:ext cx="4327007" cy="1477328"/>
+            <a:off x="299332" y="4229959"/>
+            <a:ext cx="4203700" cy="1200329"/>
           </a:xfrm>
           <a:prstGeom prst="rect">
             <a:avLst/>
@@ -7194,9 +7646,18 @@
             </a:pPr>
             <a:r>
               <a:rPr lang="en-US" altLang="zh-CN" dirty="0">
-                <a:ea typeface="+mj-ea"/>
-              </a:rPr>
-              <a:t>The density distribution of TCR chains can be very heterogeneous.</a:t>
+                <a:latin typeface="Söhne"/>
+                <a:cs typeface="Times New Roman" panose="02020603050405020304" pitchFamily="18" charset="0"/>
+              </a:rPr>
+              <a:t>H</a:t>
+            </a:r>
+            <a:r>
+              <a:rPr lang="en-US" altLang="zh-CN" sz="1800" dirty="0">
+                <a:effectLst/>
+                <a:latin typeface="Söhne"/>
+                <a:cs typeface="Times New Roman" panose="02020603050405020304" pitchFamily="18" charset="0"/>
+              </a:rPr>
+              <a:t>uman TCR data distribution have a more apparent hierarchical structure.</a:t>
             </a:r>
           </a:p>
           <a:p>
@@ -7205,34 +7666,20 @@
               <a:buChar char="•"/>
             </a:pPr>
             <a:r>
-              <a:rPr lang="en-US" altLang="zh-CN" dirty="0">
-                <a:ea typeface="+mj-ea"/>
-              </a:rPr>
-              <a:t>Hierarchical clustering is more robust and able to handle</a:t>
-            </a:r>
-            <a:r>
-              <a:rPr lang="en-US" altLang="zh-CN" dirty="0">
-                <a:solidFill>
-                  <a:srgbClr val="0D0D0D"/>
-                </a:solidFill>
-                <a:highlight>
-                  <a:srgbClr val="FFFFFF"/>
-                </a:highlight>
-                <a:latin typeface="Segoe UI" panose="020B0502040204020203" pitchFamily="34" charset="0"/>
-                <a:ea typeface="等线" panose="02010600030101010101" pitchFamily="2" charset="-122"/>
-              </a:rPr>
-              <a:t> complex and variable TCR distributions</a:t>
-            </a:r>
-            <a:endParaRPr lang="en-US" altLang="zh-CN" dirty="0">
-              <a:ea typeface="+mj-ea"/>
-            </a:endParaRPr>
+              <a:rPr lang="en-US" altLang="zh-CN" sz="1800" dirty="0">
+                <a:effectLst/>
+                <a:latin typeface="Söhne"/>
+                <a:cs typeface="Times New Roman" panose="02020603050405020304" pitchFamily="18" charset="0"/>
+              </a:rPr>
+              <a:t>Mouse TCR density distribution is less dispersed or variable.</a:t>
+            </a:r>
           </a:p>
         </p:txBody>
       </p:sp>
     </p:spTree>
     <p:extLst>
       <p:ext uri="{BB962C8B-B14F-4D97-AF65-F5344CB8AC3E}">
-        <p14:creationId xmlns:p14="http://schemas.microsoft.com/office/powerpoint/2010/main" val="1873876021"/>
+        <p14:creationId xmlns:p14="http://schemas.microsoft.com/office/powerpoint/2010/main" val="1656236313"/>
       </p:ext>
     </p:extLst>
   </p:cSld>
@@ -7259,48 +7706,12 @@
           <a:chExt cx="0" cy="0"/>
         </a:xfrm>
       </p:grpSpPr>
-      <p:sp>
-        <p:nvSpPr>
-          <p:cNvPr id="2" name="标题 1">
-            <a:extLst>
-              <a:ext uri="{FF2B5EF4-FFF2-40B4-BE49-F238E27FC236}">
-                <a16:creationId xmlns:a16="http://schemas.microsoft.com/office/drawing/2014/main" id="{61479695-F3B8-4212-F024-62833181F511}"/>
-              </a:ext>
-            </a:extLst>
-          </p:cNvPr>
-          <p:cNvSpPr>
-            <a:spLocks noGrp="1"/>
-          </p:cNvSpPr>
-          <p:nvPr>
-            <p:ph type="title"/>
-          </p:nvPr>
-        </p:nvSpPr>
-        <p:spPr>
-          <a:xfrm>
-            <a:off x="806875" y="73720"/>
-            <a:ext cx="6362013" cy="650841"/>
-          </a:xfrm>
-        </p:spPr>
-        <p:txBody>
-          <a:bodyPr>
-            <a:normAutofit/>
-          </a:bodyPr>
-          <a:lstStyle/>
-          <a:p>
-            <a:r>
-              <a:rPr lang="en-US" altLang="zh-CN" sz="2000" dirty="0"/>
-              <a:t>ANALYSIS ON CLUSTERING RESULTS (AGGLOMERATIVE)</a:t>
-            </a:r>
-            <a:endParaRPr lang="zh-CN" altLang="en-US" sz="2000" dirty="0"/>
-          </a:p>
-        </p:txBody>
-      </p:sp>
       <p:pic>
         <p:nvPicPr>
-          <p:cNvPr id="17" name="内容占位符 16" descr="图表, 折线图&#10;&#10;描述已自动生成">
-            <a:extLst>
-              <a:ext uri="{FF2B5EF4-FFF2-40B4-BE49-F238E27FC236}">
-                <a16:creationId xmlns:a16="http://schemas.microsoft.com/office/drawing/2014/main" id="{0F2EA432-3261-A558-F2AE-2DC2145B1597}"/>
+          <p:cNvPr id="11" name="内容占位符 10">
+            <a:extLst>
+              <a:ext uri="{FF2B5EF4-FFF2-40B4-BE49-F238E27FC236}">
+                <a16:creationId xmlns:a16="http://schemas.microsoft.com/office/drawing/2014/main" id="{56519AA8-FC18-531A-7476-125362D3C4B3}"/>
               </a:ext>
             </a:extLst>
           </p:cNvPr>
@@ -7319,167 +7730,62 @@
         </p:blipFill>
         <p:spPr>
           <a:xfrm>
-            <a:off x="637292" y="885552"/>
-            <a:ext cx="2665889" cy="1717388"/>
+            <a:off x="4707466" y="3917210"/>
+            <a:ext cx="6903671" cy="2044805"/>
           </a:xfrm>
         </p:spPr>
       </p:pic>
-      <p:pic>
-        <p:nvPicPr>
-          <p:cNvPr id="19" name="图片 18" descr="图表, 折线图&#10;&#10;描述已自动生成">
-            <a:extLst>
-              <a:ext uri="{FF2B5EF4-FFF2-40B4-BE49-F238E27FC236}">
-                <a16:creationId xmlns:a16="http://schemas.microsoft.com/office/drawing/2014/main" id="{769996E1-AA65-3757-3B40-1BBBE93EB3FC}"/>
-              </a:ext>
-            </a:extLst>
-          </p:cNvPr>
-          <p:cNvPicPr>
-            <a:picLocks noChangeAspect="1"/>
-          </p:cNvPicPr>
-          <p:nvPr/>
-        </p:nvPicPr>
-        <p:blipFill>
-          <a:blip r:embed="rId3"/>
-          <a:stretch>
-            <a:fillRect/>
-          </a:stretch>
-        </p:blipFill>
-        <p:spPr>
-          <a:xfrm>
-            <a:off x="3688965" y="885548"/>
-            <a:ext cx="2665889" cy="1717387"/>
-          </a:xfrm>
-          <a:prstGeom prst="rect">
-            <a:avLst/>
-          </a:prstGeom>
-        </p:spPr>
-      </p:pic>
-      <p:pic>
-        <p:nvPicPr>
-          <p:cNvPr id="21" name="图片 20" descr="图表, 折线图&#10;&#10;描述已自动生成">
-            <a:extLst>
-              <a:ext uri="{FF2B5EF4-FFF2-40B4-BE49-F238E27FC236}">
-                <a16:creationId xmlns:a16="http://schemas.microsoft.com/office/drawing/2014/main" id="{E7485E84-8291-D12B-27A4-879963369A76}"/>
-              </a:ext>
-            </a:extLst>
-          </p:cNvPr>
-          <p:cNvPicPr>
-            <a:picLocks noChangeAspect="1"/>
-          </p:cNvPicPr>
-          <p:nvPr/>
-        </p:nvPicPr>
-        <p:blipFill>
-          <a:blip r:embed="rId4"/>
-          <a:stretch>
-            <a:fillRect/>
-          </a:stretch>
-        </p:blipFill>
-        <p:spPr>
-          <a:xfrm>
-            <a:off x="6740638" y="885547"/>
-            <a:ext cx="2665889" cy="1717387"/>
-          </a:xfrm>
-          <a:prstGeom prst="rect">
-            <a:avLst/>
-          </a:prstGeom>
-        </p:spPr>
-      </p:pic>
-      <p:pic>
-        <p:nvPicPr>
-          <p:cNvPr id="23" name="图片 22" descr="图表, 折线图&#10;&#10;描述已自动生成">
-            <a:extLst>
-              <a:ext uri="{FF2B5EF4-FFF2-40B4-BE49-F238E27FC236}">
-                <a16:creationId xmlns:a16="http://schemas.microsoft.com/office/drawing/2014/main" id="{2293A320-7991-0C0A-2BB7-BEBCA7E353ED}"/>
-              </a:ext>
-            </a:extLst>
-          </p:cNvPr>
-          <p:cNvPicPr>
-            <a:picLocks noChangeAspect="1"/>
-          </p:cNvPicPr>
-          <p:nvPr/>
-        </p:nvPicPr>
-        <p:blipFill>
-          <a:blip r:embed="rId5"/>
-          <a:stretch>
-            <a:fillRect/>
-          </a:stretch>
-        </p:blipFill>
-        <p:spPr>
-          <a:xfrm>
-            <a:off x="625539" y="2602935"/>
-            <a:ext cx="2665889" cy="1717388"/>
-          </a:xfrm>
-          <a:prstGeom prst="rect">
-            <a:avLst/>
-          </a:prstGeom>
-        </p:spPr>
-      </p:pic>
-      <p:pic>
-        <p:nvPicPr>
-          <p:cNvPr id="25" name="图片 24" descr="图表, 折线图&#10;&#10;描述已自动生成">
-            <a:extLst>
-              <a:ext uri="{FF2B5EF4-FFF2-40B4-BE49-F238E27FC236}">
-                <a16:creationId xmlns:a16="http://schemas.microsoft.com/office/drawing/2014/main" id="{DE5D75D5-4D7D-EE13-635A-C9929E280870}"/>
-              </a:ext>
-            </a:extLst>
-          </p:cNvPr>
-          <p:cNvPicPr>
-            <a:picLocks noChangeAspect="1"/>
-          </p:cNvPicPr>
-          <p:nvPr/>
-        </p:nvPicPr>
-        <p:blipFill>
-          <a:blip r:embed="rId6"/>
-          <a:stretch>
-            <a:fillRect/>
-          </a:stretch>
-        </p:blipFill>
-        <p:spPr>
-          <a:xfrm>
-            <a:off x="3684971" y="2602934"/>
-            <a:ext cx="2665889" cy="1717387"/>
-          </a:xfrm>
-          <a:prstGeom prst="rect">
-            <a:avLst/>
-          </a:prstGeom>
-        </p:spPr>
-      </p:pic>
-      <p:pic>
-        <p:nvPicPr>
-          <p:cNvPr id="27" name="图片 26" descr="图表, 折线图&#10;&#10;描述已自动生成">
-            <a:extLst>
-              <a:ext uri="{FF2B5EF4-FFF2-40B4-BE49-F238E27FC236}">
-                <a16:creationId xmlns:a16="http://schemas.microsoft.com/office/drawing/2014/main" id="{6BE9918B-8FAB-DA9B-FDD8-4EDE07CC47A8}"/>
-              </a:ext>
-            </a:extLst>
-          </p:cNvPr>
-          <p:cNvPicPr>
-            <a:picLocks noChangeAspect="1"/>
-          </p:cNvPicPr>
-          <p:nvPr/>
-        </p:nvPicPr>
-        <p:blipFill>
-          <a:blip r:embed="rId7"/>
-          <a:stretch>
-            <a:fillRect/>
-          </a:stretch>
-        </p:blipFill>
-        <p:spPr>
-          <a:xfrm>
-            <a:off x="6728885" y="2602933"/>
-            <a:ext cx="2665888" cy="1717387"/>
-          </a:xfrm>
-          <a:prstGeom prst="rect">
-            <a:avLst/>
-          </a:prstGeom>
-        </p:spPr>
-      </p:pic>
-      <p:sp>
-        <p:nvSpPr>
-          <p:cNvPr id="29" name="文本框 28">
-            <a:extLst>
-              <a:ext uri="{FF2B5EF4-FFF2-40B4-BE49-F238E27FC236}">
-                <a16:creationId xmlns:a16="http://schemas.microsoft.com/office/drawing/2014/main" id="{5628B892-0D5D-A548-D2D4-430BEDA79223}"/>
+      <p:sp>
+        <p:nvSpPr>
+          <p:cNvPr id="7" name="标题 6">
+            <a:extLst>
+              <a:ext uri="{FF2B5EF4-FFF2-40B4-BE49-F238E27FC236}">
+                <a16:creationId xmlns:a16="http://schemas.microsoft.com/office/drawing/2014/main" id="{8695EF42-AF12-C103-1819-CBE4A5AF67A6}"/>
+              </a:ext>
+            </a:extLst>
+          </p:cNvPr>
+          <p:cNvSpPr>
+            <a:spLocks noGrp="1"/>
+          </p:cNvSpPr>
+          <p:nvPr>
+            <p:ph type="title"/>
+          </p:nvPr>
+        </p:nvSpPr>
+        <p:spPr/>
+        <p:txBody>
+          <a:bodyPr>
+            <a:normAutofit fontScale="90000"/>
+          </a:bodyPr>
+          <a:lstStyle/>
+          <a:p>
+            <a:r>
+              <a:rPr lang="en-ID" altLang="zh-CN" dirty="0"/>
+              <a:t>Agglomerative Hierarchical Clustering</a:t>
+            </a:r>
+            <a:br>
+              <a:rPr lang="en-ID" altLang="zh-CN" dirty="0"/>
+            </a:br>
+            <a:r>
+              <a:rPr lang="en-US" altLang="zh-CN" dirty="0"/>
+              <a:t> vs. </a:t>
+            </a:r>
+            <a:br>
+              <a:rPr lang="en-US" altLang="zh-CN" dirty="0"/>
+            </a:br>
+            <a:r>
+              <a:rPr lang="en-US" altLang="zh-CN" dirty="0"/>
+              <a:t>DBSCAN</a:t>
+            </a:r>
+            <a:endParaRPr lang="zh-CN" altLang="en-US" dirty="0"/>
+          </a:p>
+        </p:txBody>
+      </p:sp>
+      <p:sp>
+        <p:nvSpPr>
+          <p:cNvPr id="3" name="文本框 2">
+            <a:extLst>
+              <a:ext uri="{FF2B5EF4-FFF2-40B4-BE49-F238E27FC236}">
+                <a16:creationId xmlns:a16="http://schemas.microsoft.com/office/drawing/2014/main" id="{55C7BAEF-154A-6AD1-2901-8FE5EFFD0088}"/>
               </a:ext>
             </a:extLst>
           </p:cNvPr>
@@ -7488,90 +7794,155 @@
         </p:nvSpPr>
         <p:spPr>
           <a:xfrm>
-            <a:off x="625539" y="4430333"/>
-            <a:ext cx="10881734" cy="2339102"/>
+            <a:off x="380459" y="2896383"/>
+            <a:ext cx="10169995" cy="923330"/>
           </a:xfrm>
           <a:prstGeom prst="rect">
             <a:avLst/>
           </a:prstGeom>
           <a:noFill/>
-        </p:spPr>
-        <p:txBody>
-          <a:bodyPr wrap="square" rtlCol="0">
+          <a:ln>
+            <a:solidFill>
+              <a:srgbClr val="FF0000"/>
+            </a:solidFill>
+          </a:ln>
+        </p:spPr>
+        <p:txBody>
+          <a:bodyPr wrap="square">
             <a:spAutoFit/>
           </a:bodyPr>
           <a:lstStyle/>
           <a:p>
-            <a:r>
-              <a:rPr lang="en-US" altLang="zh-CN" sz="1600" dirty="0" err="1">
-                <a:latin typeface="Times New Roman" panose="02020603050405020304" pitchFamily="18" charset="0"/>
-                <a:cs typeface="Times New Roman" panose="02020603050405020304" pitchFamily="18" charset="0"/>
-              </a:rPr>
-              <a:t>calculate_purity</a:t>
-            </a:r>
-            <a:r>
-              <a:rPr lang="en-US" altLang="zh-CN" sz="1600" dirty="0">
-                <a:latin typeface="Times New Roman" panose="02020603050405020304" pitchFamily="18" charset="0"/>
-                <a:cs typeface="Times New Roman" panose="02020603050405020304" pitchFamily="18" charset="0"/>
-              </a:rPr>
-              <a:t>: Determine the purity of each cluster by calculating the proportion of the most common target labels in each cluster.</a:t>
-            </a:r>
-          </a:p>
-          <a:p>
-            <a:r>
-              <a:rPr lang="en-US" altLang="zh-CN" sz="1600" dirty="0" err="1">
-                <a:latin typeface="Times New Roman" panose="02020603050405020304" pitchFamily="18" charset="0"/>
-                <a:cs typeface="Times New Roman" panose="02020603050405020304" pitchFamily="18" charset="0"/>
-              </a:rPr>
-              <a:t>pure_clusters_fraction</a:t>
-            </a:r>
-            <a:r>
-              <a:rPr lang="en-US" altLang="zh-CN" sz="1600" dirty="0">
-                <a:latin typeface="Times New Roman" panose="02020603050405020304" pitchFamily="18" charset="0"/>
-                <a:cs typeface="Times New Roman" panose="02020603050405020304" pitchFamily="18" charset="0"/>
-              </a:rPr>
-              <a:t>: Calculate the proportion of clusters with perfect purity (purity of 1).</a:t>
-            </a:r>
-          </a:p>
-          <a:p>
-            <a:r>
-              <a:rPr lang="en-US" altLang="zh-CN" sz="1600" dirty="0" err="1">
-                <a:latin typeface="Times New Roman" panose="02020603050405020304" pitchFamily="18" charset="0"/>
-                <a:cs typeface="Times New Roman" panose="02020603050405020304" pitchFamily="18" charset="0"/>
-              </a:rPr>
-              <a:t>pure_cluster_retention</a:t>
-            </a:r>
-            <a:r>
-              <a:rPr lang="en-US" altLang="zh-CN" sz="1600" dirty="0">
-                <a:latin typeface="Times New Roman" panose="02020603050405020304" pitchFamily="18" charset="0"/>
-                <a:cs typeface="Times New Roman" panose="02020603050405020304" pitchFamily="18" charset="0"/>
-              </a:rPr>
-              <a:t>: Evaluates the proportion of samples in all data that belong to completely pure clusters.</a:t>
-            </a:r>
-            <a:endParaRPr lang="zh-CN" altLang="en-US" sz="1600" b="0" i="0" dirty="0">
-              <a:solidFill>
-                <a:srgbClr val="0D0D0D"/>
-              </a:solidFill>
-              <a:effectLst/>
-              <a:latin typeface="Times New Roman" panose="02020603050405020304" pitchFamily="18" charset="0"/>
-              <a:cs typeface="Times New Roman" panose="02020603050405020304" pitchFamily="18" charset="0"/>
+            <a:pPr marL="285750" indent="-285750">
+              <a:buFont typeface="Arial" panose="020B0604020202020204" pitchFamily="34" charset="0"/>
+              <a:buChar char="•"/>
+            </a:pPr>
+            <a:r>
+              <a:rPr lang="en-US" altLang="zh-CN" dirty="0">
+                <a:ea typeface="+mj-ea"/>
+                <a:cs typeface="Times New Roman" panose="02020603050405020304" pitchFamily="18" charset="0"/>
+              </a:rPr>
+              <a:t>P</a:t>
+            </a:r>
+            <a:r>
+              <a:rPr lang="en-US" altLang="zh-CN" sz="1800" dirty="0">
+                <a:effectLst/>
+                <a:ea typeface="+mj-ea"/>
+                <a:cs typeface="Times New Roman" panose="02020603050405020304" pitchFamily="18" charset="0"/>
+              </a:rPr>
+              <a:t>urity fraction: DBSCAN results is half of hierarchical clustering.</a:t>
+            </a:r>
+          </a:p>
+          <a:p>
+            <a:pPr marL="285750" indent="-285750">
+              <a:buFont typeface="Arial" panose="020B0604020202020204" pitchFamily="34" charset="0"/>
+              <a:buChar char="•"/>
+            </a:pPr>
+            <a:r>
+              <a:rPr lang="en-US" altLang="zh-CN" dirty="0">
+                <a:ea typeface="+mj-ea"/>
+                <a:cs typeface="Times New Roman" panose="02020603050405020304" pitchFamily="18" charset="0"/>
+              </a:rPr>
+              <a:t>P</a:t>
+            </a:r>
+            <a:r>
+              <a:rPr lang="en-US" altLang="zh-CN" sz="1800" dirty="0">
+                <a:effectLst/>
+                <a:ea typeface="+mj-ea"/>
+                <a:cs typeface="Times New Roman" panose="02020603050405020304" pitchFamily="18" charset="0"/>
+              </a:rPr>
+              <a:t>urity retention: DBSCAN  is nearly only a quarter of hierarchical clustering.</a:t>
+            </a:r>
+          </a:p>
+          <a:p>
+            <a:pPr marL="285750" indent="-285750">
+              <a:buFont typeface="Arial" panose="020B0604020202020204" pitchFamily="34" charset="0"/>
+              <a:buChar char="•"/>
+            </a:pPr>
+            <a:r>
+              <a:rPr lang="en-US" altLang="zh-CN" sz="1800" dirty="0">
+                <a:effectLst/>
+                <a:ea typeface="+mj-ea"/>
+                <a:cs typeface="Times New Roman" panose="02020603050405020304" pitchFamily="18" charset="0"/>
+              </a:rPr>
+              <a:t>NMI: DBSCAN has a relatively small gap with hierarchical clustering.</a:t>
+            </a:r>
+            <a:endParaRPr lang="zh-CN" altLang="en-US" dirty="0">
+              <a:ea typeface="+mj-ea"/>
             </a:endParaRPr>
           </a:p>
-          <a:p>
-            <a:r>
-              <a:rPr lang="en-US" altLang="zh-CN" sz="1600" b="0" i="0" dirty="0">
+        </p:txBody>
+      </p:sp>
+      <p:sp>
+        <p:nvSpPr>
+          <p:cNvPr id="2" name="文本框 1">
+            <a:extLst>
+              <a:ext uri="{FF2B5EF4-FFF2-40B4-BE49-F238E27FC236}">
+                <a16:creationId xmlns:a16="http://schemas.microsoft.com/office/drawing/2014/main" id="{D1D944F4-4619-5C70-521A-1B26AB1EA113}"/>
+              </a:ext>
+            </a:extLst>
+          </p:cNvPr>
+          <p:cNvSpPr txBox="1"/>
+          <p:nvPr/>
+        </p:nvSpPr>
+        <p:spPr>
+          <a:xfrm>
+            <a:off x="380459" y="4152566"/>
+            <a:ext cx="4327007" cy="1477328"/>
+          </a:xfrm>
+          <a:prstGeom prst="rect">
+            <a:avLst/>
+          </a:prstGeom>
+          <a:noFill/>
+          <a:ln>
+            <a:solidFill>
+              <a:srgbClr val="00B0F0"/>
+            </a:solidFill>
+          </a:ln>
+        </p:spPr>
+        <p:txBody>
+          <a:bodyPr wrap="square">
+            <a:spAutoFit/>
+          </a:bodyPr>
+          <a:lstStyle/>
+          <a:p>
+            <a:pPr marL="285750" indent="-285750">
+              <a:buFont typeface="Arial" panose="020B0604020202020204" pitchFamily="34" charset="0"/>
+              <a:buChar char="•"/>
+            </a:pPr>
+            <a:r>
+              <a:rPr lang="en-US" altLang="zh-CN" dirty="0">
+                <a:ea typeface="+mj-ea"/>
+              </a:rPr>
+              <a:t>The density distribution of TCR chains can be very heterogeneous.</a:t>
+            </a:r>
+          </a:p>
+          <a:p>
+            <a:pPr marL="285750" indent="-285750">
+              <a:buFont typeface="Arial" panose="020B0604020202020204" pitchFamily="34" charset="0"/>
+              <a:buChar char="•"/>
+            </a:pPr>
+            <a:r>
+              <a:rPr lang="en-US" altLang="zh-CN" dirty="0">
+                <a:ea typeface="+mj-ea"/>
+              </a:rPr>
+              <a:t>Hierarchical clustering is more robust and able to handle</a:t>
+            </a:r>
+            <a:r>
+              <a:rPr lang="en-US" altLang="zh-CN" dirty="0">
                 <a:solidFill>
                   <a:srgbClr val="0D0D0D"/>
                 </a:solidFill>
-                <a:effectLst/>
-                <a:latin typeface="Times New Roman" panose="02020603050405020304" pitchFamily="18" charset="0"/>
-                <a:cs typeface="Times New Roman" panose="02020603050405020304" pitchFamily="18" charset="0"/>
-              </a:rPr>
-              <a:t>These six figures show the impact of cluster number on Purity Fraction, Purity Retention and NMI. It can be observed that as the number of clusters increases, Purity Fraction and NMI generally show an upward trend, indicating that the refinement of clustering helps to improve the consistency of clustering and the increase of NMI. Purity Retention increases slowly in some cases because although the number of high-purity clusters increases, the proportion of samples belonging to these clusters in the overall data does not necessarily increase significantly.</a:t>
-            </a:r>
-            <a:endParaRPr lang="zh-CN" altLang="en-US" sz="1600" dirty="0">
-              <a:latin typeface="Times New Roman" panose="02020603050405020304" pitchFamily="18" charset="0"/>
-              <a:cs typeface="Times New Roman" panose="02020603050405020304" pitchFamily="18" charset="0"/>
+                <a:highlight>
+                  <a:srgbClr val="FFFFFF"/>
+                </a:highlight>
+                <a:latin typeface="Segoe UI" panose="020B0502040204020203" pitchFamily="34" charset="0"/>
+                <a:ea typeface="等线" panose="02010600030101010101" pitchFamily="2" charset="-122"/>
+              </a:rPr>
+              <a:t> complex and variable TCR distributions</a:t>
+            </a:r>
+            <a:endParaRPr lang="en-US" altLang="zh-CN" dirty="0">
+              <a:ea typeface="+mj-ea"/>
             </a:endParaRPr>
           </a:p>
         </p:txBody>
@@ -7579,7 +7950,7 @@
     </p:spTree>
     <p:extLst>
       <p:ext uri="{BB962C8B-B14F-4D97-AF65-F5344CB8AC3E}">
-        <p14:creationId xmlns:p14="http://schemas.microsoft.com/office/powerpoint/2010/main" val="1500812702"/>
+        <p14:creationId xmlns:p14="http://schemas.microsoft.com/office/powerpoint/2010/main" val="1873876021"/>
       </p:ext>
     </p:extLst>
   </p:cSld>
@@ -8705,7 +9076,7 @@
           <a:p>
             <a:r>
               <a:rPr lang="en-US" dirty="0"/>
-              <a:t>PRE-PROCESSING STEPS:</a:t>
+              <a:t>INTRODUCTION:</a:t>
             </a:r>
           </a:p>
         </p:txBody>
@@ -8739,267 +9110,118 @@
           <a:lstStyle/>
           <a:p>
             <a:r>
-              <a:rPr lang="en-US" altLang="zh-CN" sz="2000" dirty="0">
+              <a:rPr lang="en-US" altLang="zh-CN" sz="2400" dirty="0">
+                <a:solidFill>
+                  <a:srgbClr val="000000"/>
+                </a:solidFill>
+                <a:effectLst/>
+                <a:latin typeface="Calibri" panose="020F0502020204030204" pitchFamily="34" charset="0"/>
+                <a:ea typeface="Calibri" panose="020F0502020204030204" pitchFamily="34" charset="0"/>
+              </a:rPr>
+              <a:t>In the field of immunology, research on T cell receptors (TCR) has always been a hotspot. TCRs activate T cells by recognizing and binding to peptide-MHC complexes on the surface of antigen-presenting cells</a:t>
+            </a:r>
+            <a:r>
+              <a:rPr lang="en-US" altLang="zh-CN" sz="2400" dirty="0">
+                <a:solidFill>
+                  <a:srgbClr val="000000"/>
+                </a:solidFill>
+                <a:effectLst/>
                 <a:latin typeface="Times New Roman" panose="02020603050405020304" pitchFamily="18" charset="0"/>
-                <a:cs typeface="Times New Roman" panose="02020603050405020304" pitchFamily="18" charset="0"/>
-              </a:rPr>
-              <a:t>Data preprocessing includes four steps: retaining relevant columns of data, deleting rows with missing values, deleting duplicate rows, and deleting rows with </a:t>
-            </a:r>
-            <a:r>
-              <a:rPr lang="zh-CN" altLang="en-US" sz="2000" dirty="0">
+                <a:ea typeface="Calibri" panose="020F0502020204030204" pitchFamily="34" charset="0"/>
+                <a:cs typeface="Times New Roman" panose="02020603050405020304" pitchFamily="18" charset="0"/>
+              </a:rPr>
+              <a:t>.</a:t>
+            </a:r>
+          </a:p>
+          <a:p>
+            <a:r>
+              <a:rPr lang="en-US" altLang="zh-CN" sz="2400" dirty="0">
+                <a:solidFill>
+                  <a:srgbClr val="000000"/>
+                </a:solidFill>
+                <a:effectLst/>
+                <a:latin typeface="Calibri" panose="020F0502020204030204" pitchFamily="34" charset="0"/>
+                <a:ea typeface="Calibri" panose="020F0502020204030204" pitchFamily="34" charset="0"/>
+              </a:rPr>
+              <a:t>However, existing studies often rely on traditional biostatistical methods or high-demand deep learning techniques to analyze TCR data.</a:t>
+            </a:r>
+            <a:endParaRPr lang="en-US" altLang="zh-CN" sz="2400" dirty="0">
+              <a:solidFill>
+                <a:srgbClr val="000000"/>
+              </a:solidFill>
+              <a:latin typeface="Times New Roman" panose="02020603050405020304" pitchFamily="18" charset="0"/>
+              <a:ea typeface="Calibri" panose="020F0502020204030204" pitchFamily="34" charset="0"/>
+              <a:cs typeface="Times New Roman" panose="02020603050405020304" pitchFamily="18" charset="0"/>
+            </a:endParaRPr>
+          </a:p>
+          <a:p>
+            <a:r>
+              <a:rPr lang="en-US" altLang="zh-CN" sz="2400" dirty="0">
+                <a:solidFill>
+                  <a:srgbClr val="000000"/>
+                </a:solidFill>
+                <a:effectLst/>
+                <a:latin typeface="Calibri" panose="020F0502020204030204" pitchFamily="34" charset="0"/>
+                <a:ea typeface="Calibri" panose="020F0502020204030204" pitchFamily="34" charset="0"/>
+              </a:rPr>
+              <a:t>These methods often fall short when handling complex biological data</a:t>
+            </a:r>
+            <a:r>
+              <a:rPr lang="en-US" altLang="zh-CN" sz="2400" dirty="0">
+                <a:solidFill>
+                  <a:srgbClr val="000000"/>
+                </a:solidFill>
+                <a:effectLst/>
                 <a:latin typeface="Times New Roman" panose="02020603050405020304" pitchFamily="18" charset="0"/>
-                <a:cs typeface="Times New Roman" panose="02020603050405020304" pitchFamily="18" charset="0"/>
-              </a:rPr>
-              <a:t>‘</a:t>
-            </a:r>
-            <a:r>
-              <a:rPr lang="en-US" altLang="zh-CN" sz="2000" dirty="0" err="1">
-                <a:latin typeface="Times New Roman" panose="02020603050405020304" pitchFamily="18" charset="0"/>
-                <a:cs typeface="Times New Roman" panose="02020603050405020304" pitchFamily="18" charset="0"/>
-              </a:rPr>
-              <a:t>vdjdb.score</a:t>
-            </a:r>
-            <a:r>
-              <a:rPr lang="zh-CN" altLang="en-US" sz="2000" dirty="0">
-                <a:latin typeface="Times New Roman" panose="02020603050405020304" pitchFamily="18" charset="0"/>
-                <a:cs typeface="Times New Roman" panose="02020603050405020304" pitchFamily="18" charset="0"/>
-              </a:rPr>
-              <a:t>’ </a:t>
-            </a:r>
-            <a:r>
-              <a:rPr lang="en-US" altLang="zh-CN" sz="2000" dirty="0">
-                <a:latin typeface="Times New Roman" panose="02020603050405020304" pitchFamily="18" charset="0"/>
-                <a:cs typeface="Times New Roman" panose="02020603050405020304" pitchFamily="18" charset="0"/>
-              </a:rPr>
-              <a:t>= 0.</a:t>
-            </a:r>
-          </a:p>
-          <a:p>
-            <a:pPr marL="342900" indent="-342900">
-              <a:buFont typeface="Arial" panose="020B0604020202020204" pitchFamily="34" charset="0"/>
-              <a:buChar char="•"/>
-            </a:pPr>
-            <a:r>
-              <a:rPr lang="en-US" altLang="zh-CN" sz="2000" dirty="0">
-                <a:latin typeface="Times New Roman" panose="02020603050405020304" pitchFamily="18" charset="0"/>
-                <a:cs typeface="Times New Roman" panose="02020603050405020304" pitchFamily="18" charset="0"/>
-              </a:rPr>
-              <a:t>Extract relevant columns: 'complex.id', 'gene', 'cdr3', '</a:t>
-            </a:r>
-            <a:r>
-              <a:rPr lang="en-US" altLang="zh-CN" sz="2000" dirty="0" err="1">
-                <a:latin typeface="Times New Roman" panose="02020603050405020304" pitchFamily="18" charset="0"/>
-                <a:cs typeface="Times New Roman" panose="02020603050405020304" pitchFamily="18" charset="0"/>
-              </a:rPr>
-              <a:t>v.segm</a:t>
-            </a:r>
-            <a:r>
-              <a:rPr lang="en-US" altLang="zh-CN" sz="2000" dirty="0">
-                <a:latin typeface="Times New Roman" panose="02020603050405020304" pitchFamily="18" charset="0"/>
-                <a:cs typeface="Times New Roman" panose="02020603050405020304" pitchFamily="18" charset="0"/>
-              </a:rPr>
-              <a:t>', '</a:t>
-            </a:r>
-            <a:r>
-              <a:rPr lang="en-US" altLang="zh-CN" sz="2000" dirty="0" err="1">
-                <a:latin typeface="Times New Roman" panose="02020603050405020304" pitchFamily="18" charset="0"/>
-                <a:cs typeface="Times New Roman" panose="02020603050405020304" pitchFamily="18" charset="0"/>
-              </a:rPr>
-              <a:t>j.segm</a:t>
-            </a:r>
-            <a:r>
-              <a:rPr lang="en-US" altLang="zh-CN" sz="2000" dirty="0">
-                <a:latin typeface="Times New Roman" panose="02020603050405020304" pitchFamily="18" charset="0"/>
-                <a:cs typeface="Times New Roman" panose="02020603050405020304" pitchFamily="18" charset="0"/>
-              </a:rPr>
-              <a:t>', 'species', '</a:t>
-            </a:r>
-            <a:r>
-              <a:rPr lang="en-US" altLang="zh-CN" sz="2000" dirty="0" err="1">
-                <a:latin typeface="Times New Roman" panose="02020603050405020304" pitchFamily="18" charset="0"/>
-                <a:cs typeface="Times New Roman" panose="02020603050405020304" pitchFamily="18" charset="0"/>
-              </a:rPr>
-              <a:t>mhc.a</a:t>
-            </a:r>
-            <a:r>
-              <a:rPr lang="en-US" altLang="zh-CN" sz="2000" dirty="0">
-                <a:latin typeface="Times New Roman" panose="02020603050405020304" pitchFamily="18" charset="0"/>
-                <a:cs typeface="Times New Roman" panose="02020603050405020304" pitchFamily="18" charset="0"/>
-              </a:rPr>
-              <a:t>', '</a:t>
-            </a:r>
-            <a:r>
-              <a:rPr lang="en-US" altLang="zh-CN" sz="2000" dirty="0" err="1">
-                <a:latin typeface="Times New Roman" panose="02020603050405020304" pitchFamily="18" charset="0"/>
-                <a:cs typeface="Times New Roman" panose="02020603050405020304" pitchFamily="18" charset="0"/>
-              </a:rPr>
-              <a:t>mhc.b</a:t>
-            </a:r>
-            <a:r>
-              <a:rPr lang="en-US" altLang="zh-CN" sz="2000" dirty="0">
-                <a:latin typeface="Times New Roman" panose="02020603050405020304" pitchFamily="18" charset="0"/>
-                <a:cs typeface="Times New Roman" panose="02020603050405020304" pitchFamily="18" charset="0"/>
-              </a:rPr>
-              <a:t>', ' from the original data set mhc.class', '</a:t>
-            </a:r>
-            <a:r>
-              <a:rPr lang="en-US" altLang="zh-CN" sz="2000" dirty="0" err="1">
-                <a:latin typeface="Times New Roman" panose="02020603050405020304" pitchFamily="18" charset="0"/>
-                <a:cs typeface="Times New Roman" panose="02020603050405020304" pitchFamily="18" charset="0"/>
-              </a:rPr>
-              <a:t>antigen.epitope</a:t>
-            </a:r>
-            <a:r>
-              <a:rPr lang="en-US" altLang="zh-CN" sz="2000" dirty="0">
-                <a:latin typeface="Times New Roman" panose="02020603050405020304" pitchFamily="18" charset="0"/>
-                <a:cs typeface="Times New Roman" panose="02020603050405020304" pitchFamily="18" charset="0"/>
-              </a:rPr>
-              <a:t>', '</a:t>
-            </a:r>
-            <a:r>
-              <a:rPr lang="en-US" altLang="zh-CN" sz="2000" dirty="0" err="1">
-                <a:latin typeface="Times New Roman" panose="02020603050405020304" pitchFamily="18" charset="0"/>
-                <a:cs typeface="Times New Roman" panose="02020603050405020304" pitchFamily="18" charset="0"/>
-              </a:rPr>
-              <a:t>vdjdb.score</a:t>
-            </a:r>
-            <a:r>
-              <a:rPr lang="en-US" altLang="zh-CN" sz="2000" dirty="0">
-                <a:latin typeface="Times New Roman" panose="02020603050405020304" pitchFamily="18" charset="0"/>
-                <a:cs typeface="Times New Roman" panose="02020603050405020304" pitchFamily="18" charset="0"/>
-              </a:rPr>
-              <a:t>’.</a:t>
-            </a:r>
-          </a:p>
-          <a:p>
-            <a:pPr marL="342900" indent="-342900">
-              <a:buFont typeface="Arial" panose="020B0604020202020204" pitchFamily="34" charset="0"/>
-              <a:buChar char="•"/>
-            </a:pPr>
-            <a:r>
-              <a:rPr lang="en-US" altLang="zh-CN" sz="2000" dirty="0">
-                <a:latin typeface="Times New Roman" panose="02020603050405020304" pitchFamily="18" charset="0"/>
-                <a:cs typeface="Times New Roman" panose="02020603050405020304" pitchFamily="18" charset="0"/>
-              </a:rPr>
-              <a:t>Find the missing values and find that there are missing values in the ‘</a:t>
-            </a:r>
-            <a:r>
-              <a:rPr lang="en-US" altLang="zh-CN" sz="2000" dirty="0" err="1">
-                <a:latin typeface="Times New Roman" panose="02020603050405020304" pitchFamily="18" charset="0"/>
-                <a:cs typeface="Times New Roman" panose="02020603050405020304" pitchFamily="18" charset="0"/>
-              </a:rPr>
-              <a:t>v.segm</a:t>
-            </a:r>
-            <a:r>
-              <a:rPr lang="en-US" altLang="zh-CN" sz="2000" dirty="0">
-                <a:latin typeface="Times New Roman" panose="02020603050405020304" pitchFamily="18" charset="0"/>
-                <a:cs typeface="Times New Roman" panose="02020603050405020304" pitchFamily="18" charset="0"/>
-              </a:rPr>
-              <a:t>’ and ‘</a:t>
-            </a:r>
-            <a:r>
-              <a:rPr lang="en-US" altLang="zh-CN" sz="2000" dirty="0" err="1">
-                <a:latin typeface="Times New Roman" panose="02020603050405020304" pitchFamily="18" charset="0"/>
-                <a:cs typeface="Times New Roman" panose="02020603050405020304" pitchFamily="18" charset="0"/>
-              </a:rPr>
-              <a:t>j.segm</a:t>
-            </a:r>
-            <a:r>
-              <a:rPr lang="en-US" altLang="zh-CN" sz="2000" dirty="0">
-                <a:latin typeface="Times New Roman" panose="02020603050405020304" pitchFamily="18" charset="0"/>
-                <a:cs typeface="Times New Roman" panose="02020603050405020304" pitchFamily="18" charset="0"/>
-              </a:rPr>
-              <a:t>’ columns. Delete the rows where these missing values are located.</a:t>
-            </a:r>
-          </a:p>
-          <a:p>
-            <a:pPr marL="342900" indent="-342900">
-              <a:buFont typeface="Arial" panose="020B0604020202020204" pitchFamily="34" charset="0"/>
-              <a:buChar char="•"/>
-            </a:pPr>
-            <a:r>
-              <a:rPr lang="en-US" altLang="zh-CN" sz="2000" dirty="0">
-                <a:latin typeface="Times New Roman" panose="02020603050405020304" pitchFamily="18" charset="0"/>
-                <a:cs typeface="Times New Roman" panose="02020603050405020304" pitchFamily="18" charset="0"/>
-              </a:rPr>
-              <a:t>Remove duplicate rows</a:t>
-            </a:r>
-          </a:p>
-          <a:p>
-            <a:pPr marL="342900" indent="-342900">
-              <a:buFont typeface="Arial" panose="020B0604020202020204" pitchFamily="34" charset="0"/>
-              <a:buChar char="•"/>
-            </a:pPr>
-            <a:r>
-              <a:rPr lang="en-US" altLang="zh-CN" sz="2000" dirty="0">
-                <a:latin typeface="Times New Roman" panose="02020603050405020304" pitchFamily="18" charset="0"/>
-                <a:cs typeface="Times New Roman" panose="02020603050405020304" pitchFamily="18" charset="0"/>
-              </a:rPr>
-              <a:t>Because the data entry of </a:t>
-            </a:r>
-            <a:r>
-              <a:rPr lang="zh-CN" altLang="en-US" sz="2000" dirty="0">
-                <a:latin typeface="Times New Roman" panose="02020603050405020304" pitchFamily="18" charset="0"/>
-                <a:cs typeface="Times New Roman" panose="02020603050405020304" pitchFamily="18" charset="0"/>
-              </a:rPr>
-              <a:t>‘</a:t>
-            </a:r>
-            <a:r>
-              <a:rPr lang="en-US" altLang="zh-CN" sz="2000" dirty="0" err="1">
-                <a:latin typeface="Times New Roman" panose="02020603050405020304" pitchFamily="18" charset="0"/>
-                <a:cs typeface="Times New Roman" panose="02020603050405020304" pitchFamily="18" charset="0"/>
-              </a:rPr>
-              <a:t>vdjdb.score</a:t>
-            </a:r>
-            <a:r>
-              <a:rPr lang="zh-CN" altLang="en-US" sz="2000" dirty="0">
-                <a:latin typeface="Times New Roman" panose="02020603050405020304" pitchFamily="18" charset="0"/>
-                <a:cs typeface="Times New Roman" panose="02020603050405020304" pitchFamily="18" charset="0"/>
-              </a:rPr>
-              <a:t>’ </a:t>
-            </a:r>
-            <a:r>
-              <a:rPr lang="en-US" altLang="zh-CN" sz="2000" dirty="0">
-                <a:latin typeface="Times New Roman" panose="02020603050405020304" pitchFamily="18" charset="0"/>
-                <a:cs typeface="Times New Roman" panose="02020603050405020304" pitchFamily="18" charset="0"/>
-              </a:rPr>
-              <a:t>= 0 has no reference significance, delete the row where </a:t>
-            </a:r>
-            <a:r>
-              <a:rPr lang="zh-CN" altLang="en-US" sz="2000" dirty="0">
-                <a:latin typeface="Times New Roman" panose="02020603050405020304" pitchFamily="18" charset="0"/>
-                <a:cs typeface="Times New Roman" panose="02020603050405020304" pitchFamily="18" charset="0"/>
-              </a:rPr>
-              <a:t>‘</a:t>
-            </a:r>
-            <a:r>
-              <a:rPr lang="en-US" altLang="zh-CN" sz="2000" dirty="0" err="1">
-                <a:latin typeface="Times New Roman" panose="02020603050405020304" pitchFamily="18" charset="0"/>
-                <a:cs typeface="Times New Roman" panose="02020603050405020304" pitchFamily="18" charset="0"/>
-              </a:rPr>
-              <a:t>vdjdb.score</a:t>
-            </a:r>
-            <a:r>
-              <a:rPr lang="zh-CN" altLang="en-US" sz="2000" dirty="0">
-                <a:latin typeface="Times New Roman" panose="02020603050405020304" pitchFamily="18" charset="0"/>
-                <a:cs typeface="Times New Roman" panose="02020603050405020304" pitchFamily="18" charset="0"/>
-              </a:rPr>
-              <a:t>’ </a:t>
-            </a:r>
-            <a:r>
-              <a:rPr lang="en-US" altLang="zh-CN" sz="2000" dirty="0">
-                <a:latin typeface="Times New Roman" panose="02020603050405020304" pitchFamily="18" charset="0"/>
-                <a:cs typeface="Times New Roman" panose="02020603050405020304" pitchFamily="18" charset="0"/>
-              </a:rPr>
-              <a:t>= 0 is located.</a:t>
-            </a:r>
+                <a:ea typeface="Calibri" panose="020F0502020204030204" pitchFamily="34" charset="0"/>
+                <a:cs typeface="Times New Roman" panose="02020603050405020304" pitchFamily="18" charset="0"/>
+              </a:rPr>
+              <a:t>, </a:t>
+            </a:r>
+            <a:r>
+              <a:rPr lang="en-US" altLang="zh-CN" sz="2400" dirty="0">
+                <a:solidFill>
+                  <a:srgbClr val="000000"/>
+                </a:solidFill>
+                <a:effectLst/>
+                <a:latin typeface="Calibri" panose="020F0502020204030204" pitchFamily="34" charset="0"/>
+                <a:ea typeface="Calibri" panose="020F0502020204030204" pitchFamily="34" charset="0"/>
+              </a:rPr>
+              <a:t>limiting their application in precision medicine and personalized immunotherapy.</a:t>
+            </a:r>
+            <a:endParaRPr lang="en-US" altLang="zh-CN" sz="2400" dirty="0">
+              <a:solidFill>
+                <a:srgbClr val="000000"/>
+              </a:solidFill>
+              <a:effectLst/>
+              <a:latin typeface="Times New Roman" panose="02020603050405020304" pitchFamily="18" charset="0"/>
+              <a:ea typeface="Calibri" panose="020F0502020204030204" pitchFamily="34" charset="0"/>
+              <a:cs typeface="Times New Roman" panose="02020603050405020304" pitchFamily="18" charset="0"/>
+            </a:endParaRPr>
+          </a:p>
+          <a:p>
+            <a:r>
+              <a:rPr lang="en-US" altLang="zh-CN" sz="2400" dirty="0">
+                <a:solidFill>
+                  <a:srgbClr val="000000"/>
+                </a:solidFill>
+                <a:effectLst/>
+                <a:latin typeface="Calibri" panose="020F0502020204030204" pitchFamily="34" charset="0"/>
+                <a:ea typeface="Calibri" panose="020F0502020204030204" pitchFamily="34" charset="0"/>
+              </a:rPr>
+              <a:t>In this study, we use advanced machine learning methods to analyze TCR sequence data. We compare the performance of traditional methods and new algorithms,  the potential applications of these new technologies in TCR research were explored. </a:t>
+            </a:r>
+            <a:endParaRPr lang="en-US" altLang="zh-CN" sz="2400" dirty="0">
+              <a:latin typeface="Times New Roman" panose="02020603050405020304" pitchFamily="18" charset="0"/>
+              <a:cs typeface="Times New Roman" panose="02020603050405020304" pitchFamily="18" charset="0"/>
+            </a:endParaRPr>
           </a:p>
         </p:txBody>
       </p:sp>
     </p:spTree>
     <p:extLst>
       <p:ext uri="{BB962C8B-B14F-4D97-AF65-F5344CB8AC3E}">
-        <p14:creationId xmlns:p14="http://schemas.microsoft.com/office/powerpoint/2010/main" val="2403448404"/>
+        <p14:creationId xmlns:p14="http://schemas.microsoft.com/office/powerpoint/2010/main" val="1438906345"/>
       </p:ext>
     </p:extLst>
   </p:cSld>
@@ -9869,7 +10091,7 @@
           <p:cNvPr id="2" name="Title 1">
             <a:extLst>
               <a:ext uri="{FF2B5EF4-FFF2-40B4-BE49-F238E27FC236}">
-                <a16:creationId xmlns:a16="http://schemas.microsoft.com/office/drawing/2014/main" id="{AFB17DC1-6558-B41B-127E-740EF8794760}"/>
+                <a16:creationId xmlns:a16="http://schemas.microsoft.com/office/drawing/2014/main" id="{F8F01A10-00D7-352E-1302-779550F657B0}"/>
               </a:ext>
             </a:extLst>
           </p:cNvPr>
@@ -9880,7 +10102,12 @@
             <p:ph type="title"/>
           </p:nvPr>
         </p:nvSpPr>
-        <p:spPr/>
+        <p:spPr>
+          <a:xfrm>
+            <a:off x="797441" y="510362"/>
+            <a:ext cx="10345563" cy="701751"/>
+          </a:xfrm>
+        </p:spPr>
         <p:txBody>
           <a:bodyPr>
             <a:normAutofit fontScale="90000"/>
@@ -9889,20 +10116,8 @@
           <a:p>
             <a:r>
               <a:rPr lang="en-US" dirty="0"/>
-              <a:t>ENCODING METHODS USED: </a:t>
-            </a:r>
-            <a:r>
-              <a:rPr lang="en-US" altLang="zh-CN" dirty="0"/>
-              <a:t>ONE-HOT</a:t>
-            </a:r>
-            <a:br>
-              <a:rPr lang="en-US" dirty="0"/>
-            </a:br>
-            <a:r>
-              <a:rPr lang="en-US" altLang="zh-CN" sz="2700" dirty="0"/>
-              <a:t>We use three methods for encoding, they are  ONE-HOT, BLOSUM 62 and GIANA ENCODING.</a:t>
-            </a:r>
-            <a:endParaRPr lang="en-US" sz="2700" dirty="0"/>
+              <a:t>PRE-PROCESSING STEPS:</a:t>
+            </a:r>
           </a:p>
         </p:txBody>
       </p:sp>
@@ -9911,7 +10126,7 @@
           <p:cNvPr id="3" name="Content Placeholder 2">
             <a:extLst>
               <a:ext uri="{FF2B5EF4-FFF2-40B4-BE49-F238E27FC236}">
-                <a16:creationId xmlns:a16="http://schemas.microsoft.com/office/drawing/2014/main" id="{0B4B63FD-3276-851C-FF68-89C9DAF522AC}"/>
+                <a16:creationId xmlns:a16="http://schemas.microsoft.com/office/drawing/2014/main" id="{C219F858-47C0-88BA-1C54-9B1DF10DEC39}"/>
               </a:ext>
             </a:extLst>
           </p:cNvPr>
@@ -9922,7 +10137,12 @@
             <p:ph idx="1"/>
           </p:nvPr>
         </p:nvSpPr>
-        <p:spPr/>
+        <p:spPr>
+          <a:xfrm>
+            <a:off x="361507" y="1733108"/>
+            <a:ext cx="11238614" cy="4614530"/>
+          </a:xfrm>
+        </p:spPr>
         <p:txBody>
           <a:bodyPr>
             <a:noAutofit/>
@@ -9930,41 +10150,267 @@
           <a:lstStyle/>
           <a:p>
             <a:r>
-              <a:rPr lang="en-US" altLang="zh-CN" sz="2100" b="1" dirty="0">
+              <a:rPr lang="en-US" altLang="zh-CN" sz="2000" dirty="0">
                 <a:latin typeface="Times New Roman" panose="02020603050405020304" pitchFamily="18" charset="0"/>
                 <a:cs typeface="Times New Roman" panose="02020603050405020304" pitchFamily="18" charset="0"/>
               </a:rPr>
-              <a:t>ONE-HOT:</a:t>
-            </a:r>
-          </a:p>
-          <a:p>
-            <a:r>
-              <a:rPr lang="en-US" altLang="zh-CN" sz="2100" dirty="0">
+              <a:t>Data preprocessing includes four steps: retaining relevant columns of data, deleting rows with missing values, deleting duplicate rows, and deleting rows with </a:t>
+            </a:r>
+            <a:r>
+              <a:rPr lang="zh-CN" altLang="en-US" sz="2000" dirty="0">
                 <a:latin typeface="Times New Roman" panose="02020603050405020304" pitchFamily="18" charset="0"/>
                 <a:cs typeface="Times New Roman" panose="02020603050405020304" pitchFamily="18" charset="0"/>
               </a:rPr>
-              <a:t>ONE-HOT is one of the most basic and common encoding methods, which can represent categorical variables as binary vectors. Each vector has a vector representing its possible values, and the length of the vector is the same as the length of the possible values. In this vector, only one element is 1, which is used to represent the category; the other elements are 0.</a:t>
-            </a:r>
-          </a:p>
-          <a:p>
-            <a:r>
-              <a:rPr lang="en-US" altLang="zh-CN" sz="2100" dirty="0">
+              <a:t>‘</a:t>
+            </a:r>
+            <a:r>
+              <a:rPr lang="en-US" altLang="zh-CN" sz="2000" dirty="0" err="1">
                 <a:latin typeface="Times New Roman" panose="02020603050405020304" pitchFamily="18" charset="0"/>
                 <a:cs typeface="Times New Roman" panose="02020603050405020304" pitchFamily="18" charset="0"/>
               </a:rPr>
-              <a:t>Although ONE-HOT can achieve encoding, it cannot capture the sequential nature of amino acids, which will lead to the loss of important structural and functional information. Therefore, we have also tried other encoding methods, such as BLOSUM 62 and GIANA ENCODING.</a:t>
-            </a:r>
-            <a:endParaRPr lang="en-US" sz="2100" dirty="0">
-              <a:latin typeface="Times New Roman" panose="02020603050405020304" pitchFamily="18" charset="0"/>
-              <a:cs typeface="Times New Roman" panose="02020603050405020304" pitchFamily="18" charset="0"/>
-            </a:endParaRPr>
+              <a:t>vdjdb.score</a:t>
+            </a:r>
+            <a:r>
+              <a:rPr lang="zh-CN" altLang="en-US" sz="2000" dirty="0">
+                <a:latin typeface="Times New Roman" panose="02020603050405020304" pitchFamily="18" charset="0"/>
+                <a:cs typeface="Times New Roman" panose="02020603050405020304" pitchFamily="18" charset="0"/>
+              </a:rPr>
+              <a:t>’ </a:t>
+            </a:r>
+            <a:r>
+              <a:rPr lang="en-US" altLang="zh-CN" sz="2000" dirty="0">
+                <a:latin typeface="Times New Roman" panose="02020603050405020304" pitchFamily="18" charset="0"/>
+                <a:cs typeface="Times New Roman" panose="02020603050405020304" pitchFamily="18" charset="0"/>
+              </a:rPr>
+              <a:t>= 0.</a:t>
+            </a:r>
+          </a:p>
+          <a:p>
+            <a:pPr marL="342900" indent="-342900">
+              <a:buFont typeface="Arial" panose="020B0604020202020204" pitchFamily="34" charset="0"/>
+              <a:buChar char="•"/>
+            </a:pPr>
+            <a:r>
+              <a:rPr lang="en-US" altLang="zh-CN" sz="2000" dirty="0">
+                <a:latin typeface="Times New Roman" panose="02020603050405020304" pitchFamily="18" charset="0"/>
+                <a:cs typeface="Times New Roman" panose="02020603050405020304" pitchFamily="18" charset="0"/>
+              </a:rPr>
+              <a:t>Extract relevant columns: 'complex.id', 'gene', 'cdr3', '</a:t>
+            </a:r>
+            <a:r>
+              <a:rPr lang="en-US" altLang="zh-CN" sz="2000" dirty="0" err="1">
+                <a:latin typeface="Times New Roman" panose="02020603050405020304" pitchFamily="18" charset="0"/>
+                <a:cs typeface="Times New Roman" panose="02020603050405020304" pitchFamily="18" charset="0"/>
+              </a:rPr>
+              <a:t>v.segm</a:t>
+            </a:r>
+            <a:r>
+              <a:rPr lang="en-US" altLang="zh-CN" sz="2000" dirty="0">
+                <a:latin typeface="Times New Roman" panose="02020603050405020304" pitchFamily="18" charset="0"/>
+                <a:cs typeface="Times New Roman" panose="02020603050405020304" pitchFamily="18" charset="0"/>
+              </a:rPr>
+              <a:t>', '</a:t>
+            </a:r>
+            <a:r>
+              <a:rPr lang="en-US" altLang="zh-CN" sz="2000" dirty="0" err="1">
+                <a:latin typeface="Times New Roman" panose="02020603050405020304" pitchFamily="18" charset="0"/>
+                <a:cs typeface="Times New Roman" panose="02020603050405020304" pitchFamily="18" charset="0"/>
+              </a:rPr>
+              <a:t>j.segm</a:t>
+            </a:r>
+            <a:r>
+              <a:rPr lang="en-US" altLang="zh-CN" sz="2000" dirty="0">
+                <a:latin typeface="Times New Roman" panose="02020603050405020304" pitchFamily="18" charset="0"/>
+                <a:cs typeface="Times New Roman" panose="02020603050405020304" pitchFamily="18" charset="0"/>
+              </a:rPr>
+              <a:t>', 'species', '</a:t>
+            </a:r>
+            <a:r>
+              <a:rPr lang="en-US" altLang="zh-CN" sz="2000" dirty="0" err="1">
+                <a:latin typeface="Times New Roman" panose="02020603050405020304" pitchFamily="18" charset="0"/>
+                <a:cs typeface="Times New Roman" panose="02020603050405020304" pitchFamily="18" charset="0"/>
+              </a:rPr>
+              <a:t>mhc.a</a:t>
+            </a:r>
+            <a:r>
+              <a:rPr lang="en-US" altLang="zh-CN" sz="2000" dirty="0">
+                <a:latin typeface="Times New Roman" panose="02020603050405020304" pitchFamily="18" charset="0"/>
+                <a:cs typeface="Times New Roman" panose="02020603050405020304" pitchFamily="18" charset="0"/>
+              </a:rPr>
+              <a:t>', '</a:t>
+            </a:r>
+            <a:r>
+              <a:rPr lang="en-US" altLang="zh-CN" sz="2000" dirty="0" err="1">
+                <a:latin typeface="Times New Roman" panose="02020603050405020304" pitchFamily="18" charset="0"/>
+                <a:cs typeface="Times New Roman" panose="02020603050405020304" pitchFamily="18" charset="0"/>
+              </a:rPr>
+              <a:t>mhc.b</a:t>
+            </a:r>
+            <a:r>
+              <a:rPr lang="en-US" altLang="zh-CN" sz="2000" dirty="0">
+                <a:latin typeface="Times New Roman" panose="02020603050405020304" pitchFamily="18" charset="0"/>
+                <a:cs typeface="Times New Roman" panose="02020603050405020304" pitchFamily="18" charset="0"/>
+              </a:rPr>
+              <a:t>', ' from the original data set mhc.class', '</a:t>
+            </a:r>
+            <a:r>
+              <a:rPr lang="en-US" altLang="zh-CN" sz="2000" dirty="0" err="1">
+                <a:latin typeface="Times New Roman" panose="02020603050405020304" pitchFamily="18" charset="0"/>
+                <a:cs typeface="Times New Roman" panose="02020603050405020304" pitchFamily="18" charset="0"/>
+              </a:rPr>
+              <a:t>antigen.epitope</a:t>
+            </a:r>
+            <a:r>
+              <a:rPr lang="en-US" altLang="zh-CN" sz="2000" dirty="0">
+                <a:latin typeface="Times New Roman" panose="02020603050405020304" pitchFamily="18" charset="0"/>
+                <a:cs typeface="Times New Roman" panose="02020603050405020304" pitchFamily="18" charset="0"/>
+              </a:rPr>
+              <a:t>', '</a:t>
+            </a:r>
+            <a:r>
+              <a:rPr lang="en-US" altLang="zh-CN" sz="2000" dirty="0" err="1">
+                <a:latin typeface="Times New Roman" panose="02020603050405020304" pitchFamily="18" charset="0"/>
+                <a:cs typeface="Times New Roman" panose="02020603050405020304" pitchFamily="18" charset="0"/>
+              </a:rPr>
+              <a:t>vdjdb.score</a:t>
+            </a:r>
+            <a:r>
+              <a:rPr lang="en-US" altLang="zh-CN" sz="2000" dirty="0">
+                <a:latin typeface="Times New Roman" panose="02020603050405020304" pitchFamily="18" charset="0"/>
+                <a:cs typeface="Times New Roman" panose="02020603050405020304" pitchFamily="18" charset="0"/>
+              </a:rPr>
+              <a:t>’.</a:t>
+            </a:r>
+          </a:p>
+          <a:p>
+            <a:pPr marL="342900" indent="-342900">
+              <a:buFont typeface="Arial" panose="020B0604020202020204" pitchFamily="34" charset="0"/>
+              <a:buChar char="•"/>
+            </a:pPr>
+            <a:r>
+              <a:rPr lang="en-US" altLang="zh-CN" sz="2000" dirty="0">
+                <a:latin typeface="Times New Roman" panose="02020603050405020304" pitchFamily="18" charset="0"/>
+                <a:cs typeface="Times New Roman" panose="02020603050405020304" pitchFamily="18" charset="0"/>
+              </a:rPr>
+              <a:t>Find the missing values and find that there are missing values in the ‘</a:t>
+            </a:r>
+            <a:r>
+              <a:rPr lang="en-US" altLang="zh-CN" sz="2000" dirty="0" err="1">
+                <a:latin typeface="Times New Roman" panose="02020603050405020304" pitchFamily="18" charset="0"/>
+                <a:cs typeface="Times New Roman" panose="02020603050405020304" pitchFamily="18" charset="0"/>
+              </a:rPr>
+              <a:t>v.segm</a:t>
+            </a:r>
+            <a:r>
+              <a:rPr lang="en-US" altLang="zh-CN" sz="2000" dirty="0">
+                <a:latin typeface="Times New Roman" panose="02020603050405020304" pitchFamily="18" charset="0"/>
+                <a:cs typeface="Times New Roman" panose="02020603050405020304" pitchFamily="18" charset="0"/>
+              </a:rPr>
+              <a:t>’ and ‘</a:t>
+            </a:r>
+            <a:r>
+              <a:rPr lang="en-US" altLang="zh-CN" sz="2000" dirty="0" err="1">
+                <a:latin typeface="Times New Roman" panose="02020603050405020304" pitchFamily="18" charset="0"/>
+                <a:cs typeface="Times New Roman" panose="02020603050405020304" pitchFamily="18" charset="0"/>
+              </a:rPr>
+              <a:t>j.segm</a:t>
+            </a:r>
+            <a:r>
+              <a:rPr lang="en-US" altLang="zh-CN" sz="2000" dirty="0">
+                <a:latin typeface="Times New Roman" panose="02020603050405020304" pitchFamily="18" charset="0"/>
+                <a:cs typeface="Times New Roman" panose="02020603050405020304" pitchFamily="18" charset="0"/>
+              </a:rPr>
+              <a:t>’ columns. Delete the rows where these missing values are located.</a:t>
+            </a:r>
+          </a:p>
+          <a:p>
+            <a:pPr marL="342900" indent="-342900">
+              <a:buFont typeface="Arial" panose="020B0604020202020204" pitchFamily="34" charset="0"/>
+              <a:buChar char="•"/>
+            </a:pPr>
+            <a:r>
+              <a:rPr lang="en-US" altLang="zh-CN" sz="2000" dirty="0">
+                <a:latin typeface="Times New Roman" panose="02020603050405020304" pitchFamily="18" charset="0"/>
+                <a:cs typeface="Times New Roman" panose="02020603050405020304" pitchFamily="18" charset="0"/>
+              </a:rPr>
+              <a:t>Remove duplicate rows</a:t>
+            </a:r>
+          </a:p>
+          <a:p>
+            <a:pPr marL="342900" indent="-342900">
+              <a:buFont typeface="Arial" panose="020B0604020202020204" pitchFamily="34" charset="0"/>
+              <a:buChar char="•"/>
+            </a:pPr>
+            <a:r>
+              <a:rPr lang="en-US" altLang="zh-CN" sz="2000" dirty="0">
+                <a:latin typeface="Times New Roman" panose="02020603050405020304" pitchFamily="18" charset="0"/>
+                <a:cs typeface="Times New Roman" panose="02020603050405020304" pitchFamily="18" charset="0"/>
+              </a:rPr>
+              <a:t>Because the data entry of </a:t>
+            </a:r>
+            <a:r>
+              <a:rPr lang="zh-CN" altLang="en-US" sz="2000" dirty="0">
+                <a:latin typeface="Times New Roman" panose="02020603050405020304" pitchFamily="18" charset="0"/>
+                <a:cs typeface="Times New Roman" panose="02020603050405020304" pitchFamily="18" charset="0"/>
+              </a:rPr>
+              <a:t>‘</a:t>
+            </a:r>
+            <a:r>
+              <a:rPr lang="en-US" altLang="zh-CN" sz="2000" dirty="0" err="1">
+                <a:latin typeface="Times New Roman" panose="02020603050405020304" pitchFamily="18" charset="0"/>
+                <a:cs typeface="Times New Roman" panose="02020603050405020304" pitchFamily="18" charset="0"/>
+              </a:rPr>
+              <a:t>vdjdb.score</a:t>
+            </a:r>
+            <a:r>
+              <a:rPr lang="zh-CN" altLang="en-US" sz="2000" dirty="0">
+                <a:latin typeface="Times New Roman" panose="02020603050405020304" pitchFamily="18" charset="0"/>
+                <a:cs typeface="Times New Roman" panose="02020603050405020304" pitchFamily="18" charset="0"/>
+              </a:rPr>
+              <a:t>’ </a:t>
+            </a:r>
+            <a:r>
+              <a:rPr lang="en-US" altLang="zh-CN" sz="2000" dirty="0">
+                <a:latin typeface="Times New Roman" panose="02020603050405020304" pitchFamily="18" charset="0"/>
+                <a:cs typeface="Times New Roman" panose="02020603050405020304" pitchFamily="18" charset="0"/>
+              </a:rPr>
+              <a:t>= 0 has no reference significance, delete the row where </a:t>
+            </a:r>
+            <a:r>
+              <a:rPr lang="zh-CN" altLang="en-US" sz="2000" dirty="0">
+                <a:latin typeface="Times New Roman" panose="02020603050405020304" pitchFamily="18" charset="0"/>
+                <a:cs typeface="Times New Roman" panose="02020603050405020304" pitchFamily="18" charset="0"/>
+              </a:rPr>
+              <a:t>‘</a:t>
+            </a:r>
+            <a:r>
+              <a:rPr lang="en-US" altLang="zh-CN" sz="2000" dirty="0" err="1">
+                <a:latin typeface="Times New Roman" panose="02020603050405020304" pitchFamily="18" charset="0"/>
+                <a:cs typeface="Times New Roman" panose="02020603050405020304" pitchFamily="18" charset="0"/>
+              </a:rPr>
+              <a:t>vdjdb.score</a:t>
+            </a:r>
+            <a:r>
+              <a:rPr lang="zh-CN" altLang="en-US" sz="2000" dirty="0">
+                <a:latin typeface="Times New Roman" panose="02020603050405020304" pitchFamily="18" charset="0"/>
+                <a:cs typeface="Times New Roman" panose="02020603050405020304" pitchFamily="18" charset="0"/>
+              </a:rPr>
+              <a:t>’ </a:t>
+            </a:r>
+            <a:r>
+              <a:rPr lang="en-US" altLang="zh-CN" sz="2000" dirty="0">
+                <a:latin typeface="Times New Roman" panose="02020603050405020304" pitchFamily="18" charset="0"/>
+                <a:cs typeface="Times New Roman" panose="02020603050405020304" pitchFamily="18" charset="0"/>
+              </a:rPr>
+              <a:t>= 0 is located.</a:t>
+            </a:r>
           </a:p>
         </p:txBody>
       </p:sp>
     </p:spTree>
     <p:extLst>
       <p:ext uri="{BB962C8B-B14F-4D97-AF65-F5344CB8AC3E}">
-        <p14:creationId xmlns:p14="http://schemas.microsoft.com/office/powerpoint/2010/main" val="1200542528"/>
+        <p14:creationId xmlns:p14="http://schemas.microsoft.com/office/powerpoint/2010/main" val="2403448404"/>
       </p:ext>
     </p:extLst>
   </p:cSld>
@@ -10016,13 +10462,20 @@
           <a:p>
             <a:r>
               <a:rPr lang="en-US" dirty="0"/>
-              <a:t>ENCODING METHODS USED:</a:t>
-            </a:r>
-            <a:r>
-              <a:rPr lang="en-US" altLang="zh-CN" sz="4400" dirty="0"/>
-              <a:t> BLOSUM 62 AND GIANA ENCODING </a:t>
-            </a:r>
-            <a:endParaRPr lang="en-US" dirty="0"/>
+              <a:t>ENCODING METHODS USED: </a:t>
+            </a:r>
+            <a:r>
+              <a:rPr lang="en-US" altLang="zh-CN" dirty="0"/>
+              <a:t>ONE-HOT</a:t>
+            </a:r>
+            <a:br>
+              <a:rPr lang="en-US" dirty="0"/>
+            </a:br>
+            <a:r>
+              <a:rPr lang="en-US" altLang="zh-CN" sz="2700" dirty="0"/>
+              <a:t>We use three methods for encoding, they are  ONE-HOT, BLOSUM 62 and GIANA ENCODING.</a:t>
+            </a:r>
+            <a:endParaRPr lang="en-US" sz="2700" dirty="0"/>
           </a:p>
         </p:txBody>
       </p:sp>
@@ -10042,53 +10495,39 @@
             <p:ph idx="1"/>
           </p:nvPr>
         </p:nvSpPr>
-        <p:spPr>
-          <a:xfrm>
-            <a:off x="478465" y="2583712"/>
-            <a:ext cx="10738884" cy="4008474"/>
-          </a:xfrm>
-        </p:spPr>
+        <p:spPr/>
         <p:txBody>
           <a:bodyPr>
-            <a:normAutofit fontScale="85000" lnSpcReduction="10000"/>
+            <a:noAutofit/>
           </a:bodyPr>
           <a:lstStyle/>
           <a:p>
             <a:r>
-              <a:rPr lang="en-US" altLang="zh-CN" sz="2400" b="1" dirty="0">
+              <a:rPr lang="en-US" altLang="zh-CN" sz="2100" b="1" dirty="0">
                 <a:latin typeface="Times New Roman" panose="02020603050405020304" pitchFamily="18" charset="0"/>
                 <a:cs typeface="Times New Roman" panose="02020603050405020304" pitchFamily="18" charset="0"/>
               </a:rPr>
-              <a:t>BLOSUM 62:</a:t>
-            </a:r>
-          </a:p>
-          <a:p>
-            <a:r>
-              <a:rPr lang="en-US" altLang="zh-CN" sz="2400" dirty="0">
+              <a:t>ONE-HOT:</a:t>
+            </a:r>
+          </a:p>
+          <a:p>
+            <a:r>
+              <a:rPr lang="en-US" altLang="zh-CN" sz="2100" dirty="0">
                 <a:latin typeface="Times New Roman" panose="02020603050405020304" pitchFamily="18" charset="0"/>
                 <a:cs typeface="Times New Roman" panose="02020603050405020304" pitchFamily="18" charset="0"/>
               </a:rPr>
-              <a:t>BLOSUM 62 is a protein sequence encoding method based on the statistical analysis of a large number of known protein sequences. It scores amino acids based on the frequency of pairs of amino acids observed in related proteins, capturing similarities and differences between sequences in a biologically meaningful way. In this study, each amino acid is mapped to a vector whose length is equal to the number of rows of the matrix, and each element in the vector represents the similarity score of that amino acid to the corresponding row in the substitution matrix.</a:t>
-            </a:r>
-          </a:p>
-          <a:p>
-            <a:r>
-              <a:rPr lang="en-US" altLang="zh-CN" sz="2400" b="1" dirty="0">
+              <a:t>ONE-HOT is one of the most basic and common encoding methods, which can represent categorical variables as binary vectors. Each vector has a vector representing its possible values, and the length of the vector is the same as the length of the possible values. In this vector, only one element is 1, which is used to represent the category; the other elements are 0.</a:t>
+            </a:r>
+          </a:p>
+          <a:p>
+            <a:r>
+              <a:rPr lang="en-US" altLang="zh-CN" sz="2100" dirty="0">
                 <a:latin typeface="Times New Roman" panose="02020603050405020304" pitchFamily="18" charset="0"/>
                 <a:cs typeface="Times New Roman" panose="02020603050405020304" pitchFamily="18" charset="0"/>
               </a:rPr>
-              <a:t>GIANA ENCODING:</a:t>
-            </a:r>
-          </a:p>
-          <a:p>
-            <a:r>
-              <a:rPr lang="en-US" altLang="zh-CN" sz="2400" dirty="0">
-                <a:latin typeface="Times New Roman" panose="02020603050405020304" pitchFamily="18" charset="0"/>
-                <a:cs typeface="Times New Roman" panose="02020603050405020304" pitchFamily="18" charset="0"/>
-              </a:rPr>
-              <a:t>GIANA ENCODING is a mathematical framework for converting CDR3 sequences, converting sequence comparisons into nearest neighbor searches in high-dimensional Euclidean space. We used the GIANA package in Python to encode alpha chain, beta chain, chain with alpha and beta respectively.</a:t>
-            </a:r>
-            <a:endParaRPr lang="en-US" dirty="0">
+              <a:t>Although ONE-HOT can achieve encoding, it cannot capture the sequential nature of amino acids, which will lead to the loss of important structural and functional information. Therefore, we have also tried other encoding methods, such as BLOSUM 62 and GIANA ENCODING.</a:t>
+            </a:r>
+            <a:endParaRPr lang="en-US" sz="2100" dirty="0">
               <a:latin typeface="Times New Roman" panose="02020603050405020304" pitchFamily="18" charset="0"/>
               <a:cs typeface="Times New Roman" panose="02020603050405020304" pitchFamily="18" charset="0"/>
             </a:endParaRPr>
@@ -10098,7 +10537,7 @@
     </p:spTree>
     <p:extLst>
       <p:ext uri="{BB962C8B-B14F-4D97-AF65-F5344CB8AC3E}">
-        <p14:creationId xmlns:p14="http://schemas.microsoft.com/office/powerpoint/2010/main" val="3099030540"/>
+        <p14:creationId xmlns:p14="http://schemas.microsoft.com/office/powerpoint/2010/main" val="1200542528"/>
       </p:ext>
     </p:extLst>
   </p:cSld>
@@ -10130,7 +10569,7 @@
           <p:cNvPr id="2" name="Title 1">
             <a:extLst>
               <a:ext uri="{FF2B5EF4-FFF2-40B4-BE49-F238E27FC236}">
-                <a16:creationId xmlns:a16="http://schemas.microsoft.com/office/drawing/2014/main" id="{DF7B6175-6705-A7BA-DB24-80FD7F0D8CF2}"/>
+                <a16:creationId xmlns:a16="http://schemas.microsoft.com/office/drawing/2014/main" id="{AFB17DC1-6558-B41B-127E-740EF8794760}"/>
               </a:ext>
             </a:extLst>
           </p:cNvPr>
@@ -10141,110 +10580,98 @@
             <p:ph type="title"/>
           </p:nvPr>
         </p:nvSpPr>
-        <p:spPr>
-          <a:xfrm>
-            <a:off x="662941" y="868680"/>
-            <a:ext cx="10218419" cy="1303020"/>
-          </a:xfrm>
-        </p:spPr>
+        <p:spPr/>
         <p:txBody>
           <a:bodyPr>
-            <a:normAutofit/>
+            <a:normAutofit fontScale="90000"/>
           </a:bodyPr>
           <a:lstStyle/>
           <a:p>
             <a:r>
               <a:rPr lang="en-US" dirty="0"/>
-              <a:t>DATA EXPLORATION INSIGHTS:</a:t>
-            </a:r>
-          </a:p>
-        </p:txBody>
-      </p:sp>
-      <p:pic>
-        <p:nvPicPr>
-          <p:cNvPr id="5" name="Content Placeholder 4" descr="A graph of a bar with a line&#10;&#10;Description automatically generated with medium confidence">
-            <a:extLst>
-              <a:ext uri="{FF2B5EF4-FFF2-40B4-BE49-F238E27FC236}">
-                <a16:creationId xmlns:a16="http://schemas.microsoft.com/office/drawing/2014/main" id="{446DFC59-BF0A-9103-1B88-479B19DC8805}"/>
-              </a:ext>
-            </a:extLst>
-          </p:cNvPr>
-          <p:cNvPicPr>
-            <a:picLocks noGrp="1" noChangeAspect="1"/>
-          </p:cNvPicPr>
+              <a:t>ENCODING METHODS USED:</a:t>
+            </a:r>
+            <a:r>
+              <a:rPr lang="en-US" altLang="zh-CN" sz="4400" dirty="0"/>
+              <a:t> BLOSUM 62 AND GIANA ENCODING </a:t>
+            </a:r>
+            <a:endParaRPr lang="en-US" dirty="0"/>
+          </a:p>
+        </p:txBody>
+      </p:sp>
+      <p:sp>
+        <p:nvSpPr>
+          <p:cNvPr id="3" name="Content Placeholder 2">
+            <a:extLst>
+              <a:ext uri="{FF2B5EF4-FFF2-40B4-BE49-F238E27FC236}">
+                <a16:creationId xmlns:a16="http://schemas.microsoft.com/office/drawing/2014/main" id="{0B4B63FD-3276-851C-FF68-89C9DAF522AC}"/>
+              </a:ext>
+            </a:extLst>
+          </p:cNvPr>
+          <p:cNvSpPr>
+            <a:spLocks noGrp="1"/>
+          </p:cNvSpPr>
           <p:nvPr>
             <p:ph idx="1"/>
           </p:nvPr>
-        </p:nvPicPr>
-        <p:blipFill>
-          <a:blip r:embed="rId2"/>
-          <a:stretch>
-            <a:fillRect/>
-          </a:stretch>
-        </p:blipFill>
-        <p:spPr>
-          <a:xfrm>
-            <a:off x="7304440" y="3140568"/>
-            <a:ext cx="3576920" cy="2714400"/>
-          </a:xfrm>
-        </p:spPr>
-      </p:pic>
-      <p:sp>
-        <p:nvSpPr>
-          <p:cNvPr id="7" name="TextBox 6">
-            <a:extLst>
-              <a:ext uri="{FF2B5EF4-FFF2-40B4-BE49-F238E27FC236}">
-                <a16:creationId xmlns:a16="http://schemas.microsoft.com/office/drawing/2014/main" id="{E7F72AA7-B695-4246-CD4A-D79D1C1BE1C1}"/>
-              </a:ext>
-            </a:extLst>
-          </p:cNvPr>
-          <p:cNvSpPr txBox="1"/>
-          <p:nvPr/>
-        </p:nvSpPr>
-        <p:spPr>
-          <a:xfrm>
-            <a:off x="393405" y="2664460"/>
-            <a:ext cx="6578895" cy="3416320"/>
-          </a:xfrm>
-          <a:prstGeom prst="rect">
-            <a:avLst/>
-          </a:prstGeom>
-          <a:noFill/>
-        </p:spPr>
-        <p:txBody>
-          <a:bodyPr wrap="square">
-            <a:spAutoFit/>
+        </p:nvSpPr>
+        <p:spPr>
+          <a:xfrm>
+            <a:off x="478465" y="2583712"/>
+            <a:ext cx="10738884" cy="4008474"/>
+          </a:xfrm>
+        </p:spPr>
+        <p:txBody>
+          <a:bodyPr>
+            <a:normAutofit fontScale="85000" lnSpcReduction="10000"/>
           </a:bodyPr>
           <a:lstStyle/>
           <a:p>
-            <a:pPr marL="285750" indent="-285750">
-              <a:buFontTx/>
-              <a:buChar char="-"/>
-            </a:pPr>
-            <a:r>
-              <a:rPr lang="en-US" dirty="0"/>
-              <a:t>Epitopes with fewer than 10 occurrences are considered insufficient for reliable modeling and are thus filtered out. This focuses the dataset on more common epitopes, which improves the model's ability to learn relevant patterns and make accurate predictions. </a:t>
-            </a:r>
-          </a:p>
-          <a:p>
-            <a:endParaRPr lang="en-US" dirty="0"/>
-          </a:p>
-          <a:p>
-            <a:pPr marL="285750" indent="-285750">
-              <a:buFontTx/>
-              <a:buChar char="-"/>
-            </a:pPr>
-            <a:r>
-              <a:rPr lang="en-US" dirty="0"/>
-              <a:t>Calculation of the length of each CDR3 sequence and retaining those within a practical range (10 to 20 amino acids) is done as depicted by the box plot shown in Fig , as very short or very long sequences might represent sequencing errors or unusual variations that could skew the model training.</a:t>
-            </a:r>
+            <a:r>
+              <a:rPr lang="en-US" altLang="zh-CN" sz="2400" b="1" dirty="0">
+                <a:latin typeface="Times New Roman" panose="02020603050405020304" pitchFamily="18" charset="0"/>
+                <a:cs typeface="Times New Roman" panose="02020603050405020304" pitchFamily="18" charset="0"/>
+              </a:rPr>
+              <a:t>BLOSUM 62:</a:t>
+            </a:r>
+          </a:p>
+          <a:p>
+            <a:r>
+              <a:rPr lang="en-US" altLang="zh-CN" sz="2400" dirty="0">
+                <a:latin typeface="Times New Roman" panose="02020603050405020304" pitchFamily="18" charset="0"/>
+                <a:cs typeface="Times New Roman" panose="02020603050405020304" pitchFamily="18" charset="0"/>
+              </a:rPr>
+              <a:t>BLOSUM 62 is a protein sequence encoding method based on the statistical analysis of a large number of known protein sequences. It scores amino acids based on the frequency of pairs of amino acids observed in related proteins, capturing similarities and differences between sequences in a biologically meaningful way. In this study, each amino acid is mapped to a vector whose length is equal to the number of rows of the matrix, and each element in the vector represents the similarity score of that amino acid to the corresponding row in the substitution matrix.</a:t>
+            </a:r>
+          </a:p>
+          <a:p>
+            <a:r>
+              <a:rPr lang="en-US" altLang="zh-CN" sz="2400" b="1" dirty="0">
+                <a:latin typeface="Times New Roman" panose="02020603050405020304" pitchFamily="18" charset="0"/>
+                <a:cs typeface="Times New Roman" panose="02020603050405020304" pitchFamily="18" charset="0"/>
+              </a:rPr>
+              <a:t>GIANA ENCODING:</a:t>
+            </a:r>
+          </a:p>
+          <a:p>
+            <a:r>
+              <a:rPr lang="en-US" altLang="zh-CN" sz="2400" dirty="0">
+                <a:latin typeface="Times New Roman" panose="02020603050405020304" pitchFamily="18" charset="0"/>
+                <a:cs typeface="Times New Roman" panose="02020603050405020304" pitchFamily="18" charset="0"/>
+              </a:rPr>
+              <a:t>GIANA ENCODING is a mathematical framework for converting CDR3 sequences, converting sequence comparisons into nearest neighbor searches in high-dimensional Euclidean space. We used the GIANA package in Python to encode alpha chain, beta chain, chain with alpha and beta respectively.</a:t>
+            </a:r>
+            <a:endParaRPr lang="en-US" dirty="0">
+              <a:latin typeface="Times New Roman" panose="02020603050405020304" pitchFamily="18" charset="0"/>
+              <a:cs typeface="Times New Roman" panose="02020603050405020304" pitchFamily="18" charset="0"/>
+            </a:endParaRPr>
           </a:p>
         </p:txBody>
       </p:sp>
     </p:spTree>
     <p:extLst>
       <p:ext uri="{BB962C8B-B14F-4D97-AF65-F5344CB8AC3E}">
-        <p14:creationId xmlns:p14="http://schemas.microsoft.com/office/powerpoint/2010/main" val="2756991189"/>
+        <p14:creationId xmlns:p14="http://schemas.microsoft.com/office/powerpoint/2010/main" val="3099030540"/>
       </p:ext>
     </p:extLst>
   </p:cSld>
@@ -10276,7 +10703,7 @@
           <p:cNvPr id="2" name="Title 1">
             <a:extLst>
               <a:ext uri="{FF2B5EF4-FFF2-40B4-BE49-F238E27FC236}">
-                <a16:creationId xmlns:a16="http://schemas.microsoft.com/office/drawing/2014/main" id="{3434913F-3039-3DC3-BB5E-EBE70668FCBC}"/>
+                <a16:creationId xmlns:a16="http://schemas.microsoft.com/office/drawing/2014/main" id="{DF7B6175-6705-A7BA-DB24-80FD7F0D8CF2}"/>
               </a:ext>
             </a:extLst>
           </p:cNvPr>
@@ -10289,29 +10716,29 @@
         </p:nvSpPr>
         <p:spPr>
           <a:xfrm>
-            <a:off x="861237" y="858983"/>
-            <a:ext cx="10653823" cy="599456"/>
+            <a:off x="662941" y="868680"/>
+            <a:ext cx="10218419" cy="1303020"/>
           </a:xfrm>
         </p:spPr>
         <p:txBody>
           <a:bodyPr>
-            <a:normAutofit fontScale="90000"/>
+            <a:normAutofit/>
           </a:bodyPr>
           <a:lstStyle/>
           <a:p>
             <a:r>
               <a:rPr lang="en-US" dirty="0"/>
-              <a:t>TCR DISTANCE CALCULATION USING TCRDist:</a:t>
+              <a:t>DATA EXPLORATION INSIGHTS:</a:t>
             </a:r>
           </a:p>
         </p:txBody>
       </p:sp>
       <p:pic>
         <p:nvPicPr>
-          <p:cNvPr id="5" name="Content Placeholder 4" descr="A diagram of a computer&#10;&#10;Description automatically generated">
-            <a:extLst>
-              <a:ext uri="{FF2B5EF4-FFF2-40B4-BE49-F238E27FC236}">
-                <a16:creationId xmlns:a16="http://schemas.microsoft.com/office/drawing/2014/main" id="{7E75B9D1-C1AF-DCBF-1F33-DF4D57D48BEB}"/>
+          <p:cNvPr id="5" name="Content Placeholder 4" descr="A graph of a bar with a line&#10;&#10;Description automatically generated with medium confidence">
+            <a:extLst>
+              <a:ext uri="{FF2B5EF4-FFF2-40B4-BE49-F238E27FC236}">
+                <a16:creationId xmlns:a16="http://schemas.microsoft.com/office/drawing/2014/main" id="{446DFC59-BF0A-9103-1B88-479B19DC8805}"/>
               </a:ext>
             </a:extLst>
           </p:cNvPr>
@@ -10330,47 +10757,17 @@
         </p:blipFill>
         <p:spPr>
           <a:xfrm>
-            <a:off x="0" y="2998693"/>
-            <a:ext cx="3347145" cy="2702859"/>
+            <a:off x="7304440" y="3140568"/>
+            <a:ext cx="3576920" cy="2714400"/>
           </a:xfrm>
         </p:spPr>
       </p:pic>
-      <p:pic>
-        <p:nvPicPr>
-          <p:cNvPr id="7" name="Picture 6" descr="A graph of a heat map&#10;&#10;Description automatically generated with medium confidence">
-            <a:extLst>
-              <a:ext uri="{FF2B5EF4-FFF2-40B4-BE49-F238E27FC236}">
-                <a16:creationId xmlns:a16="http://schemas.microsoft.com/office/drawing/2014/main" id="{EA7BFEC3-B5D7-D7FB-9A3A-8DA454C4BC6E}"/>
-              </a:ext>
-            </a:extLst>
-          </p:cNvPr>
-          <p:cNvPicPr>
-            <a:picLocks noChangeAspect="1"/>
-          </p:cNvPicPr>
-          <p:nvPr/>
-        </p:nvPicPr>
-        <p:blipFill>
-          <a:blip r:embed="rId3"/>
-          <a:stretch>
-            <a:fillRect/>
-          </a:stretch>
-        </p:blipFill>
-        <p:spPr>
-          <a:xfrm>
-            <a:off x="7394347" y="2614886"/>
-            <a:ext cx="4797653" cy="3903720"/>
-          </a:xfrm>
-          <a:prstGeom prst="rect">
-            <a:avLst/>
-          </a:prstGeom>
-        </p:spPr>
-      </p:pic>
-      <p:sp>
-        <p:nvSpPr>
-          <p:cNvPr id="8" name="TextBox 7">
-            <a:extLst>
-              <a:ext uri="{FF2B5EF4-FFF2-40B4-BE49-F238E27FC236}">
-                <a16:creationId xmlns:a16="http://schemas.microsoft.com/office/drawing/2014/main" id="{B7C3FFC7-1A97-D56D-6CBD-963DF6D61AC8}"/>
+      <p:sp>
+        <p:nvSpPr>
+          <p:cNvPr id="7" name="TextBox 6">
+            <a:extLst>
+              <a:ext uri="{FF2B5EF4-FFF2-40B4-BE49-F238E27FC236}">
+                <a16:creationId xmlns:a16="http://schemas.microsoft.com/office/drawing/2014/main" id="{E7F72AA7-B695-4246-CD4A-D79D1C1BE1C1}"/>
               </a:ext>
             </a:extLst>
           </p:cNvPr>
@@ -10379,8 +10776,8 @@
         </p:nvSpPr>
         <p:spPr>
           <a:xfrm>
-            <a:off x="3347146" y="1860698"/>
-            <a:ext cx="4180705" cy="4832092"/>
+            <a:off x="393405" y="2664460"/>
+            <a:ext cx="6578895" cy="3416320"/>
           </a:xfrm>
           <a:prstGeom prst="rect">
             <a:avLst/>
@@ -10388,47 +10785,31 @@
           <a:noFill/>
         </p:spPr>
         <p:txBody>
-          <a:bodyPr wrap="square" rtlCol="0">
+          <a:bodyPr wrap="square">
             <a:spAutoFit/>
           </a:bodyPr>
           <a:lstStyle/>
           <a:p>
-            <a:r>
-              <a:rPr lang="en-US" sz="1400" dirty="0">
-                <a:latin typeface="Times New Roman" panose="02020603050405020304" pitchFamily="18" charset="0"/>
-                <a:cs typeface="Times New Roman" panose="02020603050405020304" pitchFamily="18" charset="0"/>
-              </a:rPr>
-              <a:t>-TCRdist which is a specialized tool for computing pairwise distances between T-cell receptor sequences was used. The dataset was divided into six subsets: human alpha, human beta, combined human alpha-beta, mouse alpha, mouse beta, and combined mouse alpha-beta as shown in the Fig on the left which shows the subdivision of data for TCR Distance Matrix Calculation. </a:t>
-            </a:r>
-          </a:p>
-          <a:p>
-            <a:endParaRPr lang="en-US" sz="1400" dirty="0">
-              <a:latin typeface="Times New Roman" panose="02020603050405020304" pitchFamily="18" charset="0"/>
-              <a:cs typeface="Times New Roman" panose="02020603050405020304" pitchFamily="18" charset="0"/>
-            </a:endParaRPr>
-          </a:p>
-          <a:p>
-            <a:r>
-              <a:rPr lang="en-US" sz="1400" dirty="0">
-                <a:latin typeface="Times New Roman" panose="02020603050405020304" pitchFamily="18" charset="0"/>
-                <a:cs typeface="Times New Roman" panose="02020603050405020304" pitchFamily="18" charset="0"/>
-              </a:rPr>
-              <a:t>-Each subset was processed to calculate the TCR distance matrix for both alpha and beta chains. The distance matrices were essential for quantifying the similarity between TCR sequences, which is a crucial step for further analysis such as clustering and dimensionality reduction. </a:t>
-            </a:r>
-          </a:p>
-          <a:p>
-            <a:endParaRPr lang="en-US" sz="1400" dirty="0">
-              <a:latin typeface="Times New Roman" panose="02020603050405020304" pitchFamily="18" charset="0"/>
-              <a:cs typeface="Times New Roman" panose="02020603050405020304" pitchFamily="18" charset="0"/>
-            </a:endParaRPr>
-          </a:p>
-          <a:p>
-            <a:r>
-              <a:rPr lang="en-US" sz="1400" dirty="0">
-                <a:latin typeface="Times New Roman" panose="02020603050405020304" pitchFamily="18" charset="0"/>
-                <a:cs typeface="Times New Roman" panose="02020603050405020304" pitchFamily="18" charset="0"/>
-              </a:rPr>
-              <a:t>-For a given set of TCR sequences, the distances between all possible pairs are calculated, and the results are formed into a distance matrix as shown in the Fig on the right, each element in the matrix represents the distance or similarity between the pairs, and once the distance matrix is calculated.</a:t>
+            <a:pPr marL="285750" indent="-285750">
+              <a:buFontTx/>
+              <a:buChar char="-"/>
+            </a:pPr>
+            <a:r>
+              <a:rPr lang="en-US" dirty="0"/>
+              <a:t>Epitopes with fewer than 10 occurrences are considered insufficient for reliable modeling and are thus filtered out. This focuses the dataset on more common epitopes, which improves the model's ability to learn relevant patterns and make accurate predictions. </a:t>
+            </a:r>
+          </a:p>
+          <a:p>
+            <a:endParaRPr lang="en-US" dirty="0"/>
+          </a:p>
+          <a:p>
+            <a:pPr marL="285750" indent="-285750">
+              <a:buFontTx/>
+              <a:buChar char="-"/>
+            </a:pPr>
+            <a:r>
+              <a:rPr lang="en-US" dirty="0"/>
+              <a:t>Calculation of the length of each CDR3 sequence and retaining those within a practical range (10 to 20 amino acids) is done as depicted by the box plot shown in Fig , as very short or very long sequences might represent sequencing errors or unusual variations that could skew the model training.</a:t>
             </a:r>
           </a:p>
         </p:txBody>
@@ -10436,7 +10817,7 @@
     </p:spTree>
     <p:extLst>
       <p:ext uri="{BB962C8B-B14F-4D97-AF65-F5344CB8AC3E}">
-        <p14:creationId xmlns:p14="http://schemas.microsoft.com/office/powerpoint/2010/main" val="1117451437"/>
+        <p14:creationId xmlns:p14="http://schemas.microsoft.com/office/powerpoint/2010/main" val="2756991189"/>
       </p:ext>
     </p:extLst>
   </p:cSld>
@@ -10465,10 +10846,10 @@
       </p:grpSpPr>
       <p:sp>
         <p:nvSpPr>
-          <p:cNvPr id="2" name="标题 1">
-            <a:extLst>
-              <a:ext uri="{FF2B5EF4-FFF2-40B4-BE49-F238E27FC236}">
-                <a16:creationId xmlns:a16="http://schemas.microsoft.com/office/drawing/2014/main" id="{393CC19F-CA02-41DC-60DE-BDD34656347F}"/>
+          <p:cNvPr id="2" name="Title 1">
+            <a:extLst>
+              <a:ext uri="{FF2B5EF4-FFF2-40B4-BE49-F238E27FC236}">
+                <a16:creationId xmlns:a16="http://schemas.microsoft.com/office/drawing/2014/main" id="{3434913F-3039-3DC3-BB5E-EBE70668FCBC}"/>
               </a:ext>
             </a:extLst>
           </p:cNvPr>
@@ -10481,418 +10862,154 @@
         </p:nvSpPr>
         <p:spPr>
           <a:xfrm>
-            <a:off x="560296" y="263560"/>
-            <a:ext cx="11071410" cy="934376"/>
+            <a:off x="861237" y="858983"/>
+            <a:ext cx="10653823" cy="599456"/>
           </a:xfrm>
         </p:spPr>
         <p:txBody>
           <a:bodyPr>
-            <a:normAutofit/>
+            <a:normAutofit fontScale="90000"/>
           </a:bodyPr>
           <a:lstStyle/>
           <a:p>
             <a:r>
-              <a:rPr lang="en-US" sz="2000" dirty="0"/>
-              <a:t>TCR DISTANCE CALCULATION USING </a:t>
-            </a:r>
-            <a:r>
-              <a:rPr lang="en-US" altLang="zh-CN" sz="2000" dirty="0"/>
-              <a:t>LEVENSHTEIN DISTANCE:</a:t>
-            </a:r>
-            <a:endParaRPr lang="zh-CN" altLang="en-US" sz="2000" dirty="0"/>
-          </a:p>
-        </p:txBody>
-      </p:sp>
-      <p:sp>
-        <p:nvSpPr>
-          <p:cNvPr id="3" name="内容占位符 2">
-            <a:extLst>
-              <a:ext uri="{FF2B5EF4-FFF2-40B4-BE49-F238E27FC236}">
-                <a16:creationId xmlns:a16="http://schemas.microsoft.com/office/drawing/2014/main" id="{0352373B-40AE-5247-56DA-56B9AEBC446A}"/>
-              </a:ext>
-            </a:extLst>
-          </p:cNvPr>
-          <p:cNvSpPr>
-            <a:spLocks noGrp="1"/>
-          </p:cNvSpPr>
+              <a:rPr lang="en-US" dirty="0"/>
+              <a:t>TCR DISTANCE CALCULATION USING TCRDist:</a:t>
+            </a:r>
+          </a:p>
+        </p:txBody>
+      </p:sp>
+      <p:pic>
+        <p:nvPicPr>
+          <p:cNvPr id="5" name="Content Placeholder 4" descr="A diagram of a computer&#10;&#10;Description automatically generated">
+            <a:extLst>
+              <a:ext uri="{FF2B5EF4-FFF2-40B4-BE49-F238E27FC236}">
+                <a16:creationId xmlns:a16="http://schemas.microsoft.com/office/drawing/2014/main" id="{7E75B9D1-C1AF-DCBF-1F33-DF4D57D48BEB}"/>
+              </a:ext>
+            </a:extLst>
+          </p:cNvPr>
+          <p:cNvPicPr>
+            <a:picLocks noGrp="1" noChangeAspect="1"/>
+          </p:cNvPicPr>
           <p:nvPr>
             <p:ph idx="1"/>
           </p:nvPr>
-        </p:nvSpPr>
-        <p:spPr>
-          <a:xfrm>
-            <a:off x="560295" y="999460"/>
-            <a:ext cx="10954765" cy="5594980"/>
-          </a:xfrm>
-        </p:spPr>
-        <p:txBody>
-          <a:bodyPr>
-            <a:normAutofit fontScale="62500" lnSpcReduction="20000"/>
+        </p:nvPicPr>
+        <p:blipFill>
+          <a:blip r:embed="rId2"/>
+          <a:stretch>
+            <a:fillRect/>
+          </a:stretch>
+        </p:blipFill>
+        <p:spPr>
+          <a:xfrm>
+            <a:off x="0" y="2998693"/>
+            <a:ext cx="3347145" cy="2702859"/>
+          </a:xfrm>
+        </p:spPr>
+      </p:pic>
+      <p:pic>
+        <p:nvPicPr>
+          <p:cNvPr id="7" name="Picture 6" descr="A graph of a heat map&#10;&#10;Description automatically generated with medium confidence">
+            <a:extLst>
+              <a:ext uri="{FF2B5EF4-FFF2-40B4-BE49-F238E27FC236}">
+                <a16:creationId xmlns:a16="http://schemas.microsoft.com/office/drawing/2014/main" id="{EA7BFEC3-B5D7-D7FB-9A3A-8DA454C4BC6E}"/>
+              </a:ext>
+            </a:extLst>
+          </p:cNvPr>
+          <p:cNvPicPr>
+            <a:picLocks noChangeAspect="1"/>
+          </p:cNvPicPr>
+          <p:nvPr/>
+        </p:nvPicPr>
+        <p:blipFill>
+          <a:blip r:embed="rId3"/>
+          <a:stretch>
+            <a:fillRect/>
+          </a:stretch>
+        </p:blipFill>
+        <p:spPr>
+          <a:xfrm>
+            <a:off x="7394347" y="2614886"/>
+            <a:ext cx="4797653" cy="3903720"/>
+          </a:xfrm>
+          <a:prstGeom prst="rect">
+            <a:avLst/>
+          </a:prstGeom>
+        </p:spPr>
+      </p:pic>
+      <p:sp>
+        <p:nvSpPr>
+          <p:cNvPr id="8" name="TextBox 7">
+            <a:extLst>
+              <a:ext uri="{FF2B5EF4-FFF2-40B4-BE49-F238E27FC236}">
+                <a16:creationId xmlns:a16="http://schemas.microsoft.com/office/drawing/2014/main" id="{B7C3FFC7-1A97-D56D-6CBD-963DF6D61AC8}"/>
+              </a:ext>
+            </a:extLst>
+          </p:cNvPr>
+          <p:cNvSpPr txBox="1"/>
+          <p:nvPr/>
+        </p:nvSpPr>
+        <p:spPr>
+          <a:xfrm>
+            <a:off x="3347146" y="1860698"/>
+            <a:ext cx="4180705" cy="4832092"/>
+          </a:xfrm>
+          <a:prstGeom prst="rect">
+            <a:avLst/>
+          </a:prstGeom>
+          <a:noFill/>
+        </p:spPr>
+        <p:txBody>
+          <a:bodyPr wrap="square" rtlCol="0">
+            <a:spAutoFit/>
           </a:bodyPr>
           <a:lstStyle/>
           <a:p>
             <a:r>
-              <a:rPr lang="en-US" altLang="zh-CN" b="1" dirty="0">
+              <a:rPr lang="en-US" sz="1400" dirty="0">
                 <a:latin typeface="Times New Roman" panose="02020603050405020304" pitchFamily="18" charset="0"/>
                 <a:cs typeface="Times New Roman" panose="02020603050405020304" pitchFamily="18" charset="0"/>
               </a:rPr>
-              <a:t>P</a:t>
-            </a:r>
-            <a:r>
-              <a:rPr lang="en-GB" altLang="zh-CN" b="1" dirty="0">
-                <a:latin typeface="Times New Roman" panose="02020603050405020304" pitchFamily="18" charset="0"/>
-                <a:cs typeface="Times New Roman" panose="02020603050405020304" pitchFamily="18" charset="0"/>
-              </a:rPr>
-              <a:t>RINCIPLE</a:t>
-            </a:r>
-            <a:r>
-              <a:rPr lang="zh-CN" altLang="en-US" b="1" dirty="0">
-                <a:latin typeface="Times New Roman" panose="02020603050405020304" pitchFamily="18" charset="0"/>
-                <a:cs typeface="Times New Roman" panose="02020603050405020304" pitchFamily="18" charset="0"/>
-              </a:rPr>
-              <a:t>：</a:t>
-            </a:r>
-            <a:endParaRPr lang="en-US" altLang="zh-CN" b="1" dirty="0">
+              <a:t>-TCRdist which is a specialized tool for computing pairwise distances between T-cell receptor sequences was used. The dataset was divided into six subsets: human alpha, human beta, combined human alpha-beta, mouse alpha, mouse beta, and combined mouse alpha-beta as shown in the Fig on the left which shows the subdivision of data for TCR Distance Matrix Calculation. </a:t>
+            </a:r>
+          </a:p>
+          <a:p>
+            <a:endParaRPr lang="en-US" sz="1400" dirty="0">
               <a:latin typeface="Times New Roman" panose="02020603050405020304" pitchFamily="18" charset="0"/>
               <a:cs typeface="Times New Roman" panose="02020603050405020304" pitchFamily="18" charset="0"/>
             </a:endParaRPr>
           </a:p>
           <a:p>
-            <a:pPr>
-              <a:lnSpc>
-                <a:spcPct val="120000"/>
-              </a:lnSpc>
-            </a:pPr>
-            <a:r>
-              <a:rPr lang="en-US" altLang="zh-CN" dirty="0">
+            <a:r>
+              <a:rPr lang="en-US" sz="1400" dirty="0">
                 <a:latin typeface="Times New Roman" panose="02020603050405020304" pitchFamily="18" charset="0"/>
                 <a:cs typeface="Times New Roman" panose="02020603050405020304" pitchFamily="18" charset="0"/>
               </a:rPr>
-              <a:t>The minimum number of single-character edits (insertions, deletions, or substitutions) required to convert one string into another.</a:t>
-            </a:r>
-          </a:p>
-          <a:p>
-            <a:pPr>
-              <a:lnSpc>
-                <a:spcPct val="120000"/>
-              </a:lnSpc>
-            </a:pPr>
-            <a:r>
-              <a:rPr lang="en-US" altLang="zh-CN" dirty="0">
-                <a:latin typeface="Times New Roman" panose="02020603050405020304" pitchFamily="18" charset="0"/>
-                <a:cs typeface="Times New Roman" panose="02020603050405020304" pitchFamily="18" charset="0"/>
-              </a:rPr>
-              <a:t>Create a matrix of size </a:t>
-            </a:r>
-            <a:r>
-              <a:rPr lang="en-US" altLang="zh-CN" b="1" i="1" dirty="0">
-                <a:latin typeface="Times New Roman" panose="02020603050405020304" pitchFamily="18" charset="0"/>
-                <a:cs typeface="Times New Roman" panose="02020603050405020304" pitchFamily="18" charset="0"/>
-              </a:rPr>
-              <a:t>(m+1) x (n+1)</a:t>
-            </a:r>
-            <a:r>
-              <a:rPr lang="en-US" altLang="zh-CN" dirty="0">
-                <a:latin typeface="Times New Roman" panose="02020603050405020304" pitchFamily="18" charset="0"/>
-                <a:cs typeface="Times New Roman" panose="02020603050405020304" pitchFamily="18" charset="0"/>
-              </a:rPr>
-              <a:t>, where m and n are the lengths of the two strings.</a:t>
-            </a:r>
-          </a:p>
-          <a:p>
-            <a:pPr>
-              <a:lnSpc>
-                <a:spcPct val="120000"/>
-              </a:lnSpc>
-            </a:pPr>
-            <a:r>
-              <a:rPr lang="en-US" altLang="zh-CN" dirty="0">
-                <a:latin typeface="Times New Roman" panose="02020603050405020304" pitchFamily="18" charset="0"/>
-                <a:cs typeface="Times New Roman" panose="02020603050405020304" pitchFamily="18" charset="0"/>
-              </a:rPr>
-              <a:t>If the two current characters are the same (i.e. the </a:t>
-            </a:r>
-            <a:r>
-              <a:rPr lang="en-US" altLang="zh-CN" dirty="0" err="1">
-                <a:latin typeface="Times New Roman" panose="02020603050405020304" pitchFamily="18" charset="0"/>
-                <a:cs typeface="Times New Roman" panose="02020603050405020304" pitchFamily="18" charset="0"/>
-              </a:rPr>
-              <a:t>i-th</a:t>
-            </a:r>
-            <a:r>
-              <a:rPr lang="en-US" altLang="zh-CN" dirty="0">
-                <a:latin typeface="Times New Roman" panose="02020603050405020304" pitchFamily="18" charset="0"/>
-                <a:cs typeface="Times New Roman" panose="02020603050405020304" pitchFamily="18" charset="0"/>
-              </a:rPr>
-              <a:t> character of the first string and the j-</a:t>
-            </a:r>
-            <a:r>
-              <a:rPr lang="en-US" altLang="zh-CN" dirty="0" err="1">
-                <a:latin typeface="Times New Roman" panose="02020603050405020304" pitchFamily="18" charset="0"/>
-                <a:cs typeface="Times New Roman" panose="02020603050405020304" pitchFamily="18" charset="0"/>
-              </a:rPr>
-              <a:t>th</a:t>
-            </a:r>
-            <a:r>
-              <a:rPr lang="en-US" altLang="zh-CN" dirty="0">
-                <a:latin typeface="Times New Roman" panose="02020603050405020304" pitchFamily="18" charset="0"/>
-                <a:cs typeface="Times New Roman" panose="02020603050405020304" pitchFamily="18" charset="0"/>
-              </a:rPr>
-              <a:t> character of the second string), then </a:t>
-            </a:r>
-            <a:r>
-              <a:rPr lang="pl-PL" altLang="zh-CN" b="1" i="1" dirty="0">
-                <a:latin typeface="Times New Roman" panose="02020603050405020304" pitchFamily="18" charset="0"/>
-                <a:cs typeface="Times New Roman" panose="02020603050405020304" pitchFamily="18" charset="0"/>
-              </a:rPr>
-              <a:t>d[i][j]=d[i−1][j−1] </a:t>
-            </a:r>
-            <a:r>
-              <a:rPr lang="en-US" altLang="zh-CN" dirty="0">
-                <a:latin typeface="Times New Roman" panose="02020603050405020304" pitchFamily="18" charset="0"/>
-                <a:cs typeface="Times New Roman" panose="02020603050405020304" pitchFamily="18" charset="0"/>
-              </a:rPr>
-              <a:t>(no additional editing is required).</a:t>
-            </a:r>
-          </a:p>
-          <a:p>
-            <a:pPr>
-              <a:lnSpc>
-                <a:spcPct val="120000"/>
-              </a:lnSpc>
-            </a:pPr>
-            <a:r>
-              <a:rPr lang="en-US" altLang="zh-CN" dirty="0">
-                <a:latin typeface="Times New Roman" panose="02020603050405020304" pitchFamily="18" charset="0"/>
-                <a:cs typeface="Times New Roman" panose="02020603050405020304" pitchFamily="18" charset="0"/>
-              </a:rPr>
-              <a:t>If different, choose the smallest edit distance among the three operations:</a:t>
-            </a:r>
-          </a:p>
-          <a:p>
-            <a:pPr>
-              <a:lnSpc>
-                <a:spcPct val="120000"/>
-              </a:lnSpc>
-            </a:pPr>
-            <a:r>
-              <a:rPr lang="en-US" altLang="zh-CN" dirty="0">
-                <a:latin typeface="Times New Roman" panose="02020603050405020304" pitchFamily="18" charset="0"/>
-                <a:cs typeface="Times New Roman" panose="02020603050405020304" pitchFamily="18" charset="0"/>
-              </a:rPr>
-              <a:t>Delete</a:t>
-            </a:r>
-            <a:r>
-              <a:rPr lang="en-US" altLang="zh-CN" b="1" i="1" dirty="0">
-                <a:latin typeface="Times New Roman" panose="02020603050405020304" pitchFamily="18" charset="0"/>
-                <a:cs typeface="Times New Roman" panose="02020603050405020304" pitchFamily="18" charset="0"/>
-              </a:rPr>
-              <a:t>: </a:t>
-            </a:r>
-            <a:r>
-              <a:rPr lang="zh-CN" altLang="en-US" b="1" i="1" dirty="0">
-                <a:latin typeface="Times New Roman" panose="02020603050405020304" pitchFamily="18" charset="0"/>
-                <a:cs typeface="Times New Roman" panose="02020603050405020304" pitchFamily="18" charset="0"/>
-              </a:rPr>
-              <a:t>𝑑 </a:t>
-            </a:r>
-            <a:r>
-              <a:rPr lang="en-US" altLang="zh-CN" b="1" i="1" dirty="0">
-                <a:latin typeface="Times New Roman" panose="02020603050405020304" pitchFamily="18" charset="0"/>
-                <a:cs typeface="Times New Roman" panose="02020603050405020304" pitchFamily="18" charset="0"/>
-              </a:rPr>
-              <a:t>[i−1][j]+1</a:t>
-            </a:r>
-          </a:p>
-          <a:p>
-            <a:pPr>
-              <a:lnSpc>
-                <a:spcPct val="120000"/>
-              </a:lnSpc>
-            </a:pPr>
-            <a:r>
-              <a:rPr lang="en-US" altLang="zh-CN" dirty="0">
-                <a:latin typeface="Times New Roman" panose="02020603050405020304" pitchFamily="18" charset="0"/>
-                <a:cs typeface="Times New Roman" panose="02020603050405020304" pitchFamily="18" charset="0"/>
-              </a:rPr>
-              <a:t>Insertion: </a:t>
-            </a:r>
-            <a:r>
-              <a:rPr lang="zh-CN" altLang="en-US" b="1" i="1" dirty="0">
-                <a:latin typeface="Times New Roman" panose="02020603050405020304" pitchFamily="18" charset="0"/>
-                <a:cs typeface="Times New Roman" panose="02020603050405020304" pitchFamily="18" charset="0"/>
-              </a:rPr>
-              <a:t>𝑑 </a:t>
-            </a:r>
-            <a:r>
-              <a:rPr lang="en-US" altLang="zh-CN" b="1" i="1" dirty="0">
-                <a:latin typeface="Times New Roman" panose="02020603050405020304" pitchFamily="18" charset="0"/>
-                <a:cs typeface="Times New Roman" panose="02020603050405020304" pitchFamily="18" charset="0"/>
-              </a:rPr>
-              <a:t>[</a:t>
-            </a:r>
-            <a:r>
-              <a:rPr lang="en-US" altLang="zh-CN" b="1" i="1" dirty="0" err="1">
-                <a:latin typeface="Times New Roman" panose="02020603050405020304" pitchFamily="18" charset="0"/>
-                <a:cs typeface="Times New Roman" panose="02020603050405020304" pitchFamily="18" charset="0"/>
-              </a:rPr>
-              <a:t>i</a:t>
-            </a:r>
-            <a:r>
-              <a:rPr lang="en-US" altLang="zh-CN" b="1" i="1" dirty="0">
-                <a:latin typeface="Times New Roman" panose="02020603050405020304" pitchFamily="18" charset="0"/>
-                <a:cs typeface="Times New Roman" panose="02020603050405020304" pitchFamily="18" charset="0"/>
-              </a:rPr>
-              <a:t>][j−1]+1</a:t>
-            </a:r>
-          </a:p>
-          <a:p>
-            <a:pPr>
-              <a:lnSpc>
-                <a:spcPct val="120000"/>
-              </a:lnSpc>
-            </a:pPr>
-            <a:r>
-              <a:rPr lang="en-US" altLang="zh-CN" dirty="0">
-                <a:latin typeface="Times New Roman" panose="02020603050405020304" pitchFamily="18" charset="0"/>
-                <a:cs typeface="Times New Roman" panose="02020603050405020304" pitchFamily="18" charset="0"/>
-              </a:rPr>
-              <a:t>Replacement: </a:t>
-            </a:r>
-            <a:r>
-              <a:rPr lang="zh-CN" altLang="en-US" b="1" i="1" dirty="0">
-                <a:latin typeface="Times New Roman" panose="02020603050405020304" pitchFamily="18" charset="0"/>
-                <a:cs typeface="Times New Roman" panose="02020603050405020304" pitchFamily="18" charset="0"/>
-              </a:rPr>
-              <a:t>𝑑 </a:t>
-            </a:r>
-            <a:r>
-              <a:rPr lang="en-US" altLang="zh-CN" b="1" i="1" dirty="0">
-                <a:latin typeface="Times New Roman" panose="02020603050405020304" pitchFamily="18" charset="0"/>
-                <a:cs typeface="Times New Roman" panose="02020603050405020304" pitchFamily="18" charset="0"/>
-              </a:rPr>
-              <a:t>[i−1][j−1]+1</a:t>
-            </a:r>
-          </a:p>
-          <a:p>
-            <a:pPr>
-              <a:lnSpc>
-                <a:spcPct val="120000"/>
-              </a:lnSpc>
-            </a:pPr>
-            <a:r>
-              <a:rPr lang="en-US" altLang="zh-CN" dirty="0">
-                <a:latin typeface="Times New Roman" panose="02020603050405020304" pitchFamily="18" charset="0"/>
-                <a:cs typeface="Times New Roman" panose="02020603050405020304" pitchFamily="18" charset="0"/>
-              </a:rPr>
-              <a:t>The last element of the matrix, d[m][n], contains the minimum number of edit operations required to convert the entire first string into the second string.</a:t>
-            </a:r>
-          </a:p>
-          <a:p>
-            <a:pPr>
-              <a:lnSpc>
-                <a:spcPct val="120000"/>
-              </a:lnSpc>
-            </a:pPr>
-            <a:r>
-              <a:rPr lang="en-GB" altLang="zh-CN" b="1" dirty="0">
-                <a:latin typeface="Times New Roman" panose="02020603050405020304" pitchFamily="18" charset="0"/>
-                <a:cs typeface="Times New Roman" panose="02020603050405020304" pitchFamily="18" charset="0"/>
-              </a:rPr>
-              <a:t>ADVANTAGE</a:t>
-            </a:r>
-            <a:r>
-              <a:rPr lang="zh-CN" altLang="en-US" b="1" dirty="0">
-                <a:latin typeface="Times New Roman" panose="02020603050405020304" pitchFamily="18" charset="0"/>
-                <a:cs typeface="Times New Roman" panose="02020603050405020304" pitchFamily="18" charset="0"/>
-              </a:rPr>
-              <a:t>：</a:t>
-            </a:r>
-            <a:endParaRPr lang="en-US" altLang="zh-CN" b="1" dirty="0">
+              <a:t>-Each subset was processed to calculate the TCR distance matrix for both alpha and beta chains. The distance matrices were essential for quantifying the similarity between TCR sequences, which is a crucial step for further analysis such as clustering and dimensionality reduction. </a:t>
+            </a:r>
+          </a:p>
+          <a:p>
+            <a:endParaRPr lang="en-US" sz="1400" dirty="0">
               <a:latin typeface="Times New Roman" panose="02020603050405020304" pitchFamily="18" charset="0"/>
               <a:cs typeface="Times New Roman" panose="02020603050405020304" pitchFamily="18" charset="0"/>
             </a:endParaRPr>
           </a:p>
           <a:p>
-            <a:pPr>
-              <a:lnSpc>
-                <a:spcPct val="120000"/>
-              </a:lnSpc>
-            </a:pPr>
-            <a:r>
-              <a:rPr lang="en-US" altLang="zh-CN" dirty="0">
+            <a:r>
+              <a:rPr lang="en-US" sz="1400" dirty="0">
                 <a:latin typeface="Times New Roman" panose="02020603050405020304" pitchFamily="18" charset="0"/>
                 <a:cs typeface="Times New Roman" panose="02020603050405020304" pitchFamily="18" charset="0"/>
               </a:rPr>
-              <a:t>1. Simplicity and intuitiveness: The calculation of </a:t>
-            </a:r>
-            <a:r>
-              <a:rPr lang="en-US" altLang="zh-CN" dirty="0" err="1">
-                <a:latin typeface="Times New Roman" panose="02020603050405020304" pitchFamily="18" charset="0"/>
-                <a:cs typeface="Times New Roman" panose="02020603050405020304" pitchFamily="18" charset="0"/>
-              </a:rPr>
-              <a:t>Levenshtein</a:t>
-            </a:r>
-            <a:r>
-              <a:rPr lang="en-US" altLang="zh-CN" dirty="0">
-                <a:latin typeface="Times New Roman" panose="02020603050405020304" pitchFamily="18" charset="0"/>
-                <a:cs typeface="Times New Roman" panose="02020603050405020304" pitchFamily="18" charset="0"/>
-              </a:rPr>
-              <a:t> distance is based on three basic string operations: insertion, deletion and replacement.</a:t>
-            </a:r>
-          </a:p>
-          <a:p>
-            <a:pPr>
-              <a:lnSpc>
-                <a:spcPct val="120000"/>
-              </a:lnSpc>
-            </a:pPr>
-            <a:r>
-              <a:rPr lang="en-US" altLang="zh-CN" dirty="0">
-                <a:latin typeface="Times New Roman" panose="02020603050405020304" pitchFamily="18" charset="0"/>
-                <a:cs typeface="Times New Roman" panose="02020603050405020304" pitchFamily="18" charset="0"/>
-              </a:rPr>
-              <a:t>2. Computational efficiency: Although calculating the entire matrix requires high time complexity, by using dynamic programming, the calculation of </a:t>
-            </a:r>
-            <a:r>
-              <a:rPr lang="en-US" altLang="zh-CN" dirty="0" err="1">
-                <a:latin typeface="Times New Roman" panose="02020603050405020304" pitchFamily="18" charset="0"/>
-                <a:cs typeface="Times New Roman" panose="02020603050405020304" pitchFamily="18" charset="0"/>
-              </a:rPr>
-              <a:t>Levenshtein</a:t>
-            </a:r>
-            <a:r>
-              <a:rPr lang="en-US" altLang="zh-CN" dirty="0">
-                <a:latin typeface="Times New Roman" panose="02020603050405020304" pitchFamily="18" charset="0"/>
-                <a:cs typeface="Times New Roman" panose="02020603050405020304" pitchFamily="18" charset="0"/>
-              </a:rPr>
-              <a:t> distance can achieve acceptable execution speed through appropriate optimization.</a:t>
-            </a:r>
-          </a:p>
-          <a:p>
-            <a:pPr>
-              <a:lnSpc>
-                <a:spcPct val="120000"/>
-              </a:lnSpc>
-            </a:pPr>
-            <a:r>
-              <a:rPr lang="en-US" altLang="zh-CN" dirty="0">
-                <a:latin typeface="Times New Roman" panose="02020603050405020304" pitchFamily="18" charset="0"/>
-                <a:cs typeface="Times New Roman" panose="02020603050405020304" pitchFamily="18" charset="0"/>
-              </a:rPr>
-              <a:t>3. Wide range of applicability: This method can not only be applied to text data but can also be extended to any data type that can be serialized.</a:t>
-            </a:r>
-            <a:endParaRPr lang="zh-CN" altLang="en-US" dirty="0">
-              <a:latin typeface="Times New Roman" panose="02020603050405020304" pitchFamily="18" charset="0"/>
-              <a:cs typeface="Times New Roman" panose="02020603050405020304" pitchFamily="18" charset="0"/>
-            </a:endParaRPr>
+              <a:t>-For a given set of TCR sequences, the distances between all possible pairs are calculated, and the results are formed into a distance matrix as shown in the Fig on the right, each element in the matrix represents the distance or similarity between the pairs, and once the distance matrix is calculated.</a:t>
+            </a:r>
           </a:p>
         </p:txBody>
       </p:sp>
     </p:spTree>
     <p:extLst>
       <p:ext uri="{BB962C8B-B14F-4D97-AF65-F5344CB8AC3E}">
-        <p14:creationId xmlns:p14="http://schemas.microsoft.com/office/powerpoint/2010/main" val="3224059382"/>
+        <p14:creationId xmlns:p14="http://schemas.microsoft.com/office/powerpoint/2010/main" val="1117451437"/>
       </p:ext>
     </p:extLst>
   </p:cSld>
@@ -10921,10 +11038,10 @@
       </p:grpSpPr>
       <p:sp>
         <p:nvSpPr>
-          <p:cNvPr id="5" name="标题 4">
-            <a:extLst>
-              <a:ext uri="{FF2B5EF4-FFF2-40B4-BE49-F238E27FC236}">
-                <a16:creationId xmlns:a16="http://schemas.microsoft.com/office/drawing/2014/main" id="{360AC2A2-FECE-23AD-8298-6E22713B5EF0}"/>
+          <p:cNvPr id="2" name="标题 1">
+            <a:extLst>
+              <a:ext uri="{FF2B5EF4-FFF2-40B4-BE49-F238E27FC236}">
+                <a16:creationId xmlns:a16="http://schemas.microsoft.com/office/drawing/2014/main" id="{393CC19F-CA02-41DC-60DE-BDD34656347F}"/>
               </a:ext>
             </a:extLst>
           </p:cNvPr>
@@ -10935,25 +11052,36 @@
             <p:ph type="title"/>
           </p:nvPr>
         </p:nvSpPr>
-        <p:spPr/>
-        <p:txBody>
-          <a:bodyPr/>
-          <a:lstStyle/>
-          <a:p>
-            <a:r>
-              <a:rPr lang="en-US" altLang="zh-CN" dirty="0"/>
-              <a:t>UMAP Dimensionality Reduction</a:t>
-            </a:r>
-            <a:endParaRPr lang="zh-CN" altLang="en-US" dirty="0"/>
-          </a:p>
-        </p:txBody>
-      </p:sp>
-      <p:sp>
-        <p:nvSpPr>
-          <p:cNvPr id="13" name="内容占位符 12">
-            <a:extLst>
-              <a:ext uri="{FF2B5EF4-FFF2-40B4-BE49-F238E27FC236}">
-                <a16:creationId xmlns:a16="http://schemas.microsoft.com/office/drawing/2014/main" id="{70B504AA-8512-75AA-3B44-8A9BFB92A855}"/>
+        <p:spPr>
+          <a:xfrm>
+            <a:off x="560296" y="263560"/>
+            <a:ext cx="11071410" cy="934376"/>
+          </a:xfrm>
+        </p:spPr>
+        <p:txBody>
+          <a:bodyPr>
+            <a:normAutofit/>
+          </a:bodyPr>
+          <a:lstStyle/>
+          <a:p>
+            <a:r>
+              <a:rPr lang="en-US" sz="2000" dirty="0"/>
+              <a:t>TCR DISTANCE CALCULATION USING </a:t>
+            </a:r>
+            <a:r>
+              <a:rPr lang="en-US" altLang="zh-CN" sz="2000" dirty="0"/>
+              <a:t>LEVENSHTEIN DISTANCE:</a:t>
+            </a:r>
+            <a:endParaRPr lang="zh-CN" altLang="en-US" sz="2000" dirty="0"/>
+          </a:p>
+        </p:txBody>
+      </p:sp>
+      <p:sp>
+        <p:nvSpPr>
+          <p:cNvPr id="3" name="内容占位符 2">
+            <a:extLst>
+              <a:ext uri="{FF2B5EF4-FFF2-40B4-BE49-F238E27FC236}">
+                <a16:creationId xmlns:a16="http://schemas.microsoft.com/office/drawing/2014/main" id="{0352373B-40AE-5247-56DA-56B9AEBC446A}"/>
               </a:ext>
             </a:extLst>
           </p:cNvPr>
@@ -10966,97 +11094,369 @@
         </p:nvSpPr>
         <p:spPr>
           <a:xfrm>
-            <a:off x="761167" y="2737229"/>
-            <a:ext cx="10381205" cy="3261789"/>
-          </a:xfrm>
-        </p:spPr>
-        <p:txBody>
-          <a:bodyPr/>
-          <a:lstStyle/>
-          <a:p>
-            <a:r>
-              <a:rPr lang="en-US" altLang="zh-CN" b="0" i="0" dirty="0">
-                <a:solidFill>
-                  <a:srgbClr val="0D0D0D"/>
-                </a:solidFill>
-                <a:effectLst/>
-                <a:highlight>
-                  <a:srgbClr val="FFFFFF"/>
-                </a:highlight>
-                <a:latin typeface="Söhne"/>
-              </a:rPr>
-              <a:t>UMAP (Uniform Manifold Approximation and Projection): A popular nonlinear dimensionality reduction technique based on the theory of manifold learning. This method examines the local structure in the data, constructs a weighted neighborhood graph of high-dimensional data, and uses the minimization of cross-entropy loss between high-dimensional and low-dimensional spaces to find a low-dimensional representation.</a:t>
-            </a:r>
-            <a:endParaRPr lang="zh-CN" altLang="en-US" dirty="0"/>
-          </a:p>
-        </p:txBody>
-      </p:sp>
-      <p:sp>
-        <p:nvSpPr>
-          <p:cNvPr id="3" name="文本框 2">
-            <a:extLst>
-              <a:ext uri="{FF2B5EF4-FFF2-40B4-BE49-F238E27FC236}">
-                <a16:creationId xmlns:a16="http://schemas.microsoft.com/office/drawing/2014/main" id="{A3B36737-C979-9577-6079-F2528107E5E5}"/>
-              </a:ext>
-            </a:extLst>
-          </p:cNvPr>
-          <p:cNvSpPr txBox="1"/>
-          <p:nvPr/>
-        </p:nvSpPr>
-        <p:spPr>
-          <a:xfrm>
-            <a:off x="761167" y="4897841"/>
-            <a:ext cx="10485278" cy="707886"/>
-          </a:xfrm>
-          <a:prstGeom prst="rect">
-            <a:avLst/>
-          </a:prstGeom>
-          <a:noFill/>
-        </p:spPr>
-        <p:txBody>
-          <a:bodyPr wrap="square">
-            <a:spAutoFit/>
+            <a:off x="560295" y="999460"/>
+            <a:ext cx="10954765" cy="5594980"/>
+          </a:xfrm>
+        </p:spPr>
+        <p:txBody>
+          <a:bodyPr>
+            <a:normAutofit fontScale="62500" lnSpcReduction="20000"/>
           </a:bodyPr>
           <a:lstStyle/>
           <a:p>
             <a:r>
-              <a:rPr lang="en-US" altLang="zh-CN" sz="2000" dirty="0">
-                <a:latin typeface="Söhne"/>
-                <a:cs typeface="Times New Roman" panose="02020603050405020304" pitchFamily="18" charset="0"/>
-              </a:rPr>
-              <a:t>Before </a:t>
-            </a:r>
-            <a:r>
-              <a:rPr lang="en-US" altLang="zh-CN" sz="2000" dirty="0">
-                <a:latin typeface="Söhne"/>
-              </a:rPr>
-              <a:t>dimensionality reduction, </a:t>
-            </a:r>
-            <a:r>
-              <a:rPr lang="en-US" altLang="zh-CN" sz="2000" dirty="0">
-                <a:latin typeface="Söhne"/>
-                <a:cs typeface="Times New Roman" panose="02020603050405020304" pitchFamily="18" charset="0"/>
-              </a:rPr>
-              <a:t>t</a:t>
-            </a:r>
-            <a:r>
-              <a:rPr lang="en-US" altLang="zh-CN" sz="2000" dirty="0">
-                <a:effectLst/>
-                <a:latin typeface="Söhne"/>
-                <a:cs typeface="Times New Roman" panose="02020603050405020304" pitchFamily="18" charset="0"/>
-              </a:rPr>
-              <a:t>he TCR data was divided into human and mouse categories</a:t>
-            </a:r>
-            <a:r>
-              <a:rPr lang="en-US" altLang="zh-CN" sz="2000" dirty="0">
-                <a:latin typeface="Söhne"/>
-                <a:cs typeface="Times New Roman" panose="02020603050405020304" pitchFamily="18" charset="0"/>
-              </a:rPr>
-              <a:t>, encoded by GIANA encoding.</a:t>
-            </a:r>
-            <a:endParaRPr lang="en-US" altLang="zh-CN" sz="2000" dirty="0">
-              <a:effectLst/>
-              <a:latin typeface="Söhne"/>
+              <a:rPr lang="en-US" altLang="zh-CN" b="1" dirty="0">
+                <a:latin typeface="Times New Roman" panose="02020603050405020304" pitchFamily="18" charset="0"/>
+                <a:cs typeface="Times New Roman" panose="02020603050405020304" pitchFamily="18" charset="0"/>
+              </a:rPr>
+              <a:t>P</a:t>
+            </a:r>
+            <a:r>
+              <a:rPr lang="en-GB" altLang="zh-CN" b="1" dirty="0">
+                <a:latin typeface="Times New Roman" panose="02020603050405020304" pitchFamily="18" charset="0"/>
+                <a:cs typeface="Times New Roman" panose="02020603050405020304" pitchFamily="18" charset="0"/>
+              </a:rPr>
+              <a:t>RINCIPLE</a:t>
+            </a:r>
+            <a:r>
+              <a:rPr lang="zh-CN" altLang="en-US" b="1" dirty="0">
+                <a:latin typeface="Times New Roman" panose="02020603050405020304" pitchFamily="18" charset="0"/>
+                <a:cs typeface="Times New Roman" panose="02020603050405020304" pitchFamily="18" charset="0"/>
+              </a:rPr>
+              <a:t>：</a:t>
+            </a:r>
+            <a:endParaRPr lang="en-US" altLang="zh-CN" b="1" dirty="0">
+              <a:latin typeface="Times New Roman" panose="02020603050405020304" pitchFamily="18" charset="0"/>
+              <a:cs typeface="Times New Roman" panose="02020603050405020304" pitchFamily="18" charset="0"/>
+            </a:endParaRPr>
+          </a:p>
+          <a:p>
+            <a:pPr>
+              <a:lnSpc>
+                <a:spcPct val="120000"/>
+              </a:lnSpc>
+            </a:pPr>
+            <a:r>
+              <a:rPr lang="en-US" altLang="zh-CN" dirty="0">
+                <a:latin typeface="Times New Roman" panose="02020603050405020304" pitchFamily="18" charset="0"/>
+                <a:cs typeface="Times New Roman" panose="02020603050405020304" pitchFamily="18" charset="0"/>
+              </a:rPr>
+              <a:t>The minimum number of single-character edits (insertions, deletions, or substitutions) required to convert one string into another.</a:t>
+            </a:r>
+          </a:p>
+          <a:p>
+            <a:pPr>
+              <a:lnSpc>
+                <a:spcPct val="120000"/>
+              </a:lnSpc>
+            </a:pPr>
+            <a:r>
+              <a:rPr lang="en-US" altLang="zh-CN" dirty="0">
+                <a:latin typeface="Times New Roman" panose="02020603050405020304" pitchFamily="18" charset="0"/>
+                <a:cs typeface="Times New Roman" panose="02020603050405020304" pitchFamily="18" charset="0"/>
+              </a:rPr>
+              <a:t>Create a matrix of size </a:t>
+            </a:r>
+            <a:r>
+              <a:rPr lang="en-US" altLang="zh-CN" b="1" i="1" dirty="0">
+                <a:latin typeface="Times New Roman" panose="02020603050405020304" pitchFamily="18" charset="0"/>
+                <a:cs typeface="Times New Roman" panose="02020603050405020304" pitchFamily="18" charset="0"/>
+              </a:rPr>
+              <a:t>(m+1) x (n+1)</a:t>
+            </a:r>
+            <a:r>
+              <a:rPr lang="en-US" altLang="zh-CN" dirty="0">
+                <a:latin typeface="Times New Roman" panose="02020603050405020304" pitchFamily="18" charset="0"/>
+                <a:cs typeface="Times New Roman" panose="02020603050405020304" pitchFamily="18" charset="0"/>
+              </a:rPr>
+              <a:t>, where m and n are the lengths of the two strings.</a:t>
+            </a:r>
+          </a:p>
+          <a:p>
+            <a:pPr>
+              <a:lnSpc>
+                <a:spcPct val="120000"/>
+              </a:lnSpc>
+            </a:pPr>
+            <a:r>
+              <a:rPr lang="en-US" altLang="zh-CN" dirty="0">
+                <a:latin typeface="Times New Roman" panose="02020603050405020304" pitchFamily="18" charset="0"/>
+                <a:cs typeface="Times New Roman" panose="02020603050405020304" pitchFamily="18" charset="0"/>
+              </a:rPr>
+              <a:t>If the two current characters are the same (i.e. the </a:t>
+            </a:r>
+            <a:r>
+              <a:rPr lang="en-US" altLang="zh-CN" dirty="0" err="1">
+                <a:latin typeface="Times New Roman" panose="02020603050405020304" pitchFamily="18" charset="0"/>
+                <a:cs typeface="Times New Roman" panose="02020603050405020304" pitchFamily="18" charset="0"/>
+              </a:rPr>
+              <a:t>i-th</a:t>
+            </a:r>
+            <a:r>
+              <a:rPr lang="en-US" altLang="zh-CN" dirty="0">
+                <a:latin typeface="Times New Roman" panose="02020603050405020304" pitchFamily="18" charset="0"/>
+                <a:cs typeface="Times New Roman" panose="02020603050405020304" pitchFamily="18" charset="0"/>
+              </a:rPr>
+              <a:t> character of the first string and the j-</a:t>
+            </a:r>
+            <a:r>
+              <a:rPr lang="en-US" altLang="zh-CN" dirty="0" err="1">
+                <a:latin typeface="Times New Roman" panose="02020603050405020304" pitchFamily="18" charset="0"/>
+                <a:cs typeface="Times New Roman" panose="02020603050405020304" pitchFamily="18" charset="0"/>
+              </a:rPr>
+              <a:t>th</a:t>
+            </a:r>
+            <a:r>
+              <a:rPr lang="en-US" altLang="zh-CN" dirty="0">
+                <a:latin typeface="Times New Roman" panose="02020603050405020304" pitchFamily="18" charset="0"/>
+                <a:cs typeface="Times New Roman" panose="02020603050405020304" pitchFamily="18" charset="0"/>
+              </a:rPr>
+              <a:t> character of the second string), then </a:t>
+            </a:r>
+            <a:r>
+              <a:rPr lang="pl-PL" altLang="zh-CN" b="1" i="1" dirty="0">
+                <a:latin typeface="Times New Roman" panose="02020603050405020304" pitchFamily="18" charset="0"/>
+                <a:cs typeface="Times New Roman" panose="02020603050405020304" pitchFamily="18" charset="0"/>
+              </a:rPr>
+              <a:t>d[i][j]=d[i−1][j−1] </a:t>
+            </a:r>
+            <a:r>
+              <a:rPr lang="en-US" altLang="zh-CN" dirty="0">
+                <a:latin typeface="Times New Roman" panose="02020603050405020304" pitchFamily="18" charset="0"/>
+                <a:cs typeface="Times New Roman" panose="02020603050405020304" pitchFamily="18" charset="0"/>
+              </a:rPr>
+              <a:t>(no additional editing is required).</a:t>
+            </a:r>
+          </a:p>
+          <a:p>
+            <a:pPr>
+              <a:lnSpc>
+                <a:spcPct val="120000"/>
+              </a:lnSpc>
+            </a:pPr>
+            <a:r>
+              <a:rPr lang="en-US" altLang="zh-CN" dirty="0">
+                <a:latin typeface="Times New Roman" panose="02020603050405020304" pitchFamily="18" charset="0"/>
+                <a:cs typeface="Times New Roman" panose="02020603050405020304" pitchFamily="18" charset="0"/>
+              </a:rPr>
+              <a:t>If different, choose the smallest edit distance among the three operations:</a:t>
+            </a:r>
+          </a:p>
+          <a:p>
+            <a:pPr>
+              <a:lnSpc>
+                <a:spcPct val="120000"/>
+              </a:lnSpc>
+            </a:pPr>
+            <a:r>
+              <a:rPr lang="en-US" altLang="zh-CN" dirty="0">
+                <a:latin typeface="Times New Roman" panose="02020603050405020304" pitchFamily="18" charset="0"/>
+                <a:cs typeface="Times New Roman" panose="02020603050405020304" pitchFamily="18" charset="0"/>
+              </a:rPr>
+              <a:t>Delete</a:t>
+            </a:r>
+            <a:r>
+              <a:rPr lang="en-US" altLang="zh-CN" b="1" i="1" dirty="0">
+                <a:latin typeface="Times New Roman" panose="02020603050405020304" pitchFamily="18" charset="0"/>
+                <a:cs typeface="Times New Roman" panose="02020603050405020304" pitchFamily="18" charset="0"/>
+              </a:rPr>
+              <a:t>: </a:t>
+            </a:r>
+            <a:r>
+              <a:rPr lang="zh-CN" altLang="en-US" b="1" i="1" dirty="0">
+                <a:latin typeface="Times New Roman" panose="02020603050405020304" pitchFamily="18" charset="0"/>
+                <a:cs typeface="Times New Roman" panose="02020603050405020304" pitchFamily="18" charset="0"/>
+              </a:rPr>
+              <a:t>𝑑 </a:t>
+            </a:r>
+            <a:r>
+              <a:rPr lang="en-US" altLang="zh-CN" b="1" i="1" dirty="0">
+                <a:latin typeface="Times New Roman" panose="02020603050405020304" pitchFamily="18" charset="0"/>
+                <a:cs typeface="Times New Roman" panose="02020603050405020304" pitchFamily="18" charset="0"/>
+              </a:rPr>
+              <a:t>[i−1][j]+1</a:t>
+            </a:r>
+          </a:p>
+          <a:p>
+            <a:pPr>
+              <a:lnSpc>
+                <a:spcPct val="120000"/>
+              </a:lnSpc>
+            </a:pPr>
+            <a:r>
+              <a:rPr lang="en-US" altLang="zh-CN" dirty="0">
+                <a:latin typeface="Times New Roman" panose="02020603050405020304" pitchFamily="18" charset="0"/>
+                <a:cs typeface="Times New Roman" panose="02020603050405020304" pitchFamily="18" charset="0"/>
+              </a:rPr>
+              <a:t>Insertion: </a:t>
+            </a:r>
+            <a:r>
+              <a:rPr lang="zh-CN" altLang="en-US" b="1" i="1" dirty="0">
+                <a:latin typeface="Times New Roman" panose="02020603050405020304" pitchFamily="18" charset="0"/>
+                <a:cs typeface="Times New Roman" panose="02020603050405020304" pitchFamily="18" charset="0"/>
+              </a:rPr>
+              <a:t>𝑑 </a:t>
+            </a:r>
+            <a:r>
+              <a:rPr lang="en-US" altLang="zh-CN" b="1" i="1" dirty="0">
+                <a:latin typeface="Times New Roman" panose="02020603050405020304" pitchFamily="18" charset="0"/>
+                <a:cs typeface="Times New Roman" panose="02020603050405020304" pitchFamily="18" charset="0"/>
+              </a:rPr>
+              <a:t>[</a:t>
+            </a:r>
+            <a:r>
+              <a:rPr lang="en-US" altLang="zh-CN" b="1" i="1" dirty="0" err="1">
+                <a:latin typeface="Times New Roman" panose="02020603050405020304" pitchFamily="18" charset="0"/>
+                <a:cs typeface="Times New Roman" panose="02020603050405020304" pitchFamily="18" charset="0"/>
+              </a:rPr>
+              <a:t>i</a:t>
+            </a:r>
+            <a:r>
+              <a:rPr lang="en-US" altLang="zh-CN" b="1" i="1" dirty="0">
+                <a:latin typeface="Times New Roman" panose="02020603050405020304" pitchFamily="18" charset="0"/>
+                <a:cs typeface="Times New Roman" panose="02020603050405020304" pitchFamily="18" charset="0"/>
+              </a:rPr>
+              <a:t>][j−1]+1</a:t>
+            </a:r>
+          </a:p>
+          <a:p>
+            <a:pPr>
+              <a:lnSpc>
+                <a:spcPct val="120000"/>
+              </a:lnSpc>
+            </a:pPr>
+            <a:r>
+              <a:rPr lang="en-US" altLang="zh-CN" dirty="0">
+                <a:latin typeface="Times New Roman" panose="02020603050405020304" pitchFamily="18" charset="0"/>
+                <a:cs typeface="Times New Roman" panose="02020603050405020304" pitchFamily="18" charset="0"/>
+              </a:rPr>
+              <a:t>Replacement: </a:t>
+            </a:r>
+            <a:r>
+              <a:rPr lang="zh-CN" altLang="en-US" b="1" i="1" dirty="0">
+                <a:latin typeface="Times New Roman" panose="02020603050405020304" pitchFamily="18" charset="0"/>
+                <a:cs typeface="Times New Roman" panose="02020603050405020304" pitchFamily="18" charset="0"/>
+              </a:rPr>
+              <a:t>𝑑 </a:t>
+            </a:r>
+            <a:r>
+              <a:rPr lang="en-US" altLang="zh-CN" b="1" i="1" dirty="0">
+                <a:latin typeface="Times New Roman" panose="02020603050405020304" pitchFamily="18" charset="0"/>
+                <a:cs typeface="Times New Roman" panose="02020603050405020304" pitchFamily="18" charset="0"/>
+              </a:rPr>
+              <a:t>[i−1][j−1]+1</a:t>
+            </a:r>
+          </a:p>
+          <a:p>
+            <a:pPr>
+              <a:lnSpc>
+                <a:spcPct val="120000"/>
+              </a:lnSpc>
+            </a:pPr>
+            <a:r>
+              <a:rPr lang="en-US" altLang="zh-CN" dirty="0">
+                <a:latin typeface="Times New Roman" panose="02020603050405020304" pitchFamily="18" charset="0"/>
+                <a:cs typeface="Times New Roman" panose="02020603050405020304" pitchFamily="18" charset="0"/>
+              </a:rPr>
+              <a:t>The last element of the matrix, d[m][n], contains the minimum number of edit operations required to convert the entire first string into the second string.</a:t>
+            </a:r>
+          </a:p>
+          <a:p>
+            <a:pPr>
+              <a:lnSpc>
+                <a:spcPct val="120000"/>
+              </a:lnSpc>
+            </a:pPr>
+            <a:r>
+              <a:rPr lang="en-GB" altLang="zh-CN" b="1" dirty="0">
+                <a:latin typeface="Times New Roman" panose="02020603050405020304" pitchFamily="18" charset="0"/>
+                <a:cs typeface="Times New Roman" panose="02020603050405020304" pitchFamily="18" charset="0"/>
+              </a:rPr>
+              <a:t>ADVANTAGE</a:t>
+            </a:r>
+            <a:r>
+              <a:rPr lang="zh-CN" altLang="en-US" b="1" dirty="0">
+                <a:latin typeface="Times New Roman" panose="02020603050405020304" pitchFamily="18" charset="0"/>
+                <a:cs typeface="Times New Roman" panose="02020603050405020304" pitchFamily="18" charset="0"/>
+              </a:rPr>
+              <a:t>：</a:t>
+            </a:r>
+            <a:endParaRPr lang="en-US" altLang="zh-CN" b="1" dirty="0">
+              <a:latin typeface="Times New Roman" panose="02020603050405020304" pitchFamily="18" charset="0"/>
+              <a:cs typeface="Times New Roman" panose="02020603050405020304" pitchFamily="18" charset="0"/>
+            </a:endParaRPr>
+          </a:p>
+          <a:p>
+            <a:pPr>
+              <a:lnSpc>
+                <a:spcPct val="120000"/>
+              </a:lnSpc>
+            </a:pPr>
+            <a:r>
+              <a:rPr lang="en-US" altLang="zh-CN" dirty="0">
+                <a:latin typeface="Times New Roman" panose="02020603050405020304" pitchFamily="18" charset="0"/>
+                <a:cs typeface="Times New Roman" panose="02020603050405020304" pitchFamily="18" charset="0"/>
+              </a:rPr>
+              <a:t>1. Simplicity and intuitiveness: The calculation of </a:t>
+            </a:r>
+            <a:r>
+              <a:rPr lang="en-US" altLang="zh-CN" dirty="0" err="1">
+                <a:latin typeface="Times New Roman" panose="02020603050405020304" pitchFamily="18" charset="0"/>
+                <a:cs typeface="Times New Roman" panose="02020603050405020304" pitchFamily="18" charset="0"/>
+              </a:rPr>
+              <a:t>Levenshtein</a:t>
+            </a:r>
+            <a:r>
+              <a:rPr lang="en-US" altLang="zh-CN" dirty="0">
+                <a:latin typeface="Times New Roman" panose="02020603050405020304" pitchFamily="18" charset="0"/>
+                <a:cs typeface="Times New Roman" panose="02020603050405020304" pitchFamily="18" charset="0"/>
+              </a:rPr>
+              <a:t> distance is based on three basic string operations: insertion, deletion and replacement.</a:t>
+            </a:r>
+          </a:p>
+          <a:p>
+            <a:pPr>
+              <a:lnSpc>
+                <a:spcPct val="120000"/>
+              </a:lnSpc>
+            </a:pPr>
+            <a:r>
+              <a:rPr lang="en-US" altLang="zh-CN" dirty="0">
+                <a:latin typeface="Times New Roman" panose="02020603050405020304" pitchFamily="18" charset="0"/>
+                <a:cs typeface="Times New Roman" panose="02020603050405020304" pitchFamily="18" charset="0"/>
+              </a:rPr>
+              <a:t>2. Computational efficiency: Although calculating the entire matrix requires high time complexity, by using dynamic programming, the calculation of </a:t>
+            </a:r>
+            <a:r>
+              <a:rPr lang="en-US" altLang="zh-CN" dirty="0" err="1">
+                <a:latin typeface="Times New Roman" panose="02020603050405020304" pitchFamily="18" charset="0"/>
+                <a:cs typeface="Times New Roman" panose="02020603050405020304" pitchFamily="18" charset="0"/>
+              </a:rPr>
+              <a:t>Levenshtein</a:t>
+            </a:r>
+            <a:r>
+              <a:rPr lang="en-US" altLang="zh-CN" dirty="0">
+                <a:latin typeface="Times New Roman" panose="02020603050405020304" pitchFamily="18" charset="0"/>
+                <a:cs typeface="Times New Roman" panose="02020603050405020304" pitchFamily="18" charset="0"/>
+              </a:rPr>
+              <a:t> distance can achieve acceptable execution speed through appropriate optimization.</a:t>
+            </a:r>
+          </a:p>
+          <a:p>
+            <a:pPr>
+              <a:lnSpc>
+                <a:spcPct val="120000"/>
+              </a:lnSpc>
+            </a:pPr>
+            <a:r>
+              <a:rPr lang="en-US" altLang="zh-CN" dirty="0">
+                <a:latin typeface="Times New Roman" panose="02020603050405020304" pitchFamily="18" charset="0"/>
+                <a:cs typeface="Times New Roman" panose="02020603050405020304" pitchFamily="18" charset="0"/>
+              </a:rPr>
+              <a:t>3. Wide range of applicability: This method can not only be applied to text data but can also be extended to any data type that can be serialized.</a:t>
+            </a:r>
+            <a:endParaRPr lang="zh-CN" altLang="en-US" dirty="0">
+              <a:latin typeface="Times New Roman" panose="02020603050405020304" pitchFamily="18" charset="0"/>
               <a:cs typeface="Times New Roman" panose="02020603050405020304" pitchFamily="18" charset="0"/>
             </a:endParaRPr>
           </a:p>
@@ -11065,7 +11465,7 @@
     </p:spTree>
     <p:extLst>
       <p:ext uri="{BB962C8B-B14F-4D97-AF65-F5344CB8AC3E}">
-        <p14:creationId xmlns:p14="http://schemas.microsoft.com/office/powerpoint/2010/main" val="3412462423"/>
+        <p14:creationId xmlns:p14="http://schemas.microsoft.com/office/powerpoint/2010/main" val="3224059382"/>
       </p:ext>
     </p:extLst>
   </p:cSld>
@@ -11108,128 +11508,47 @@
             <p:ph type="title"/>
           </p:nvPr>
         </p:nvSpPr>
-        <p:spPr>
-          <a:xfrm>
-            <a:off x="761801" y="194709"/>
-            <a:ext cx="10380573" cy="1432273"/>
-          </a:xfrm>
-        </p:spPr>
+        <p:spPr/>
         <p:txBody>
           <a:bodyPr/>
           <a:lstStyle/>
           <a:p>
             <a:r>
               <a:rPr lang="en-US" altLang="zh-CN" dirty="0"/>
-              <a:t>Human vs. Mouse</a:t>
+              <a:t>UMAP Dimensionality Reduction</a:t>
             </a:r>
             <a:endParaRPr lang="zh-CN" altLang="en-US" dirty="0"/>
           </a:p>
         </p:txBody>
       </p:sp>
-      <p:pic>
-        <p:nvPicPr>
-          <p:cNvPr id="9" name="内容占位符 8">
-            <a:extLst>
-              <a:ext uri="{FF2B5EF4-FFF2-40B4-BE49-F238E27FC236}">
-                <a16:creationId xmlns:a16="http://schemas.microsoft.com/office/drawing/2014/main" id="{2A6E8A90-CE72-56BA-C013-81EF721376DF}"/>
-              </a:ext>
-            </a:extLst>
-          </p:cNvPr>
-          <p:cNvPicPr>
-            <a:picLocks noGrp="1" noChangeAspect="1"/>
-          </p:cNvPicPr>
+      <p:sp>
+        <p:nvSpPr>
+          <p:cNvPr id="13" name="内容占位符 12">
+            <a:extLst>
+              <a:ext uri="{FF2B5EF4-FFF2-40B4-BE49-F238E27FC236}">
+                <a16:creationId xmlns:a16="http://schemas.microsoft.com/office/drawing/2014/main" id="{70B504AA-8512-75AA-3B44-8A9BFB92A855}"/>
+              </a:ext>
+            </a:extLst>
+          </p:cNvPr>
+          <p:cNvSpPr>
+            <a:spLocks noGrp="1"/>
+          </p:cNvSpPr>
           <p:nvPr>
             <p:ph idx="1"/>
           </p:nvPr>
-        </p:nvPicPr>
-        <p:blipFill>
-          <a:blip r:embed="rId2"/>
-          <a:stretch>
-            <a:fillRect/>
-          </a:stretch>
-        </p:blipFill>
-        <p:spPr>
-          <a:xfrm>
-            <a:off x="7901564" y="0"/>
-            <a:ext cx="3528635" cy="3524425"/>
-          </a:xfrm>
-        </p:spPr>
-      </p:pic>
-      <p:pic>
-        <p:nvPicPr>
-          <p:cNvPr id="11" name="图片 10">
-            <a:extLst>
-              <a:ext uri="{FF2B5EF4-FFF2-40B4-BE49-F238E27FC236}">
-                <a16:creationId xmlns:a16="http://schemas.microsoft.com/office/drawing/2014/main" id="{90208C04-1173-9C84-FCA9-33CDAF5367F8}"/>
-              </a:ext>
-            </a:extLst>
-          </p:cNvPr>
-          <p:cNvPicPr>
-            <a:picLocks noChangeAspect="1"/>
-          </p:cNvPicPr>
-          <p:nvPr/>
-        </p:nvPicPr>
-        <p:blipFill>
-          <a:blip r:embed="rId3"/>
-          <a:stretch>
-            <a:fillRect/>
-          </a:stretch>
-        </p:blipFill>
-        <p:spPr>
-          <a:xfrm>
-            <a:off x="7831858" y="3307126"/>
-            <a:ext cx="3774888" cy="3489673"/>
-          </a:xfrm>
-          <a:prstGeom prst="rect">
-            <a:avLst/>
-          </a:prstGeom>
-        </p:spPr>
-      </p:pic>
-      <p:sp>
-        <p:nvSpPr>
-          <p:cNvPr id="2" name="文本框 1">
-            <a:extLst>
-              <a:ext uri="{FF2B5EF4-FFF2-40B4-BE49-F238E27FC236}">
-                <a16:creationId xmlns:a16="http://schemas.microsoft.com/office/drawing/2014/main" id="{E1C2F52B-4FBC-A9E9-AEF0-E48A5B573A28}"/>
-              </a:ext>
-            </a:extLst>
-          </p:cNvPr>
-          <p:cNvSpPr txBox="1"/>
-          <p:nvPr/>
-        </p:nvSpPr>
-        <p:spPr>
-          <a:xfrm>
-            <a:off x="118913" y="2472765"/>
-            <a:ext cx="4010239" cy="3970318"/>
-          </a:xfrm>
-          <a:prstGeom prst="rect">
-            <a:avLst/>
-          </a:prstGeom>
-          <a:noFill/>
-          <a:ln>
-            <a:solidFill>
-              <a:srgbClr val="FF0000"/>
-            </a:solidFill>
-          </a:ln>
-        </p:spPr>
-        <p:txBody>
-          <a:bodyPr wrap="square" rtlCol="0">
-            <a:spAutoFit/>
-          </a:bodyPr>
-          <a:lstStyle/>
-          <a:p>
-            <a:r>
-              <a:rPr lang="en-US" altLang="zh-CN" dirty="0"/>
-              <a:t>Human TCR:</a:t>
-            </a:r>
-          </a:p>
-          <a:p>
-            <a:pPr marL="285750" indent="-285750">
-              <a:buFont typeface="Arial" panose="020B0604020202020204" pitchFamily="34" charset="0"/>
-              <a:buChar char="•"/>
-            </a:pPr>
-            <a:r>
-              <a:rPr lang="en-GB" altLang="zh-CN" sz="1800" dirty="0">
+        </p:nvSpPr>
+        <p:spPr>
+          <a:xfrm>
+            <a:off x="761167" y="2737229"/>
+            <a:ext cx="10381205" cy="3261789"/>
+          </a:xfrm>
+        </p:spPr>
+        <p:txBody>
+          <a:bodyPr/>
+          <a:lstStyle/>
+          <a:p>
+            <a:r>
+              <a:rPr lang="en-US" altLang="zh-CN" b="0" i="0" dirty="0">
                 <a:solidFill>
                   <a:srgbClr val="0D0D0D"/>
                 </a:solidFill>
@@ -11237,155 +11556,10 @@
                 <a:highlight>
                   <a:srgbClr val="FFFFFF"/>
                 </a:highlight>
-                <a:latin typeface="Segoe UI" panose="020B0502040204020203" pitchFamily="34" charset="0"/>
-                <a:ea typeface="等线" panose="02010600030101010101" pitchFamily="2" charset="-122"/>
-              </a:rPr>
-              <a:t>More dispersed</a:t>
-            </a:r>
-            <a:endParaRPr lang="en-US" altLang="zh-CN" sz="1800" dirty="0">
-              <a:solidFill>
-                <a:srgbClr val="0D0D0D"/>
-              </a:solidFill>
-              <a:effectLst/>
-              <a:highlight>
-                <a:srgbClr val="FFFFFF"/>
-              </a:highlight>
-              <a:latin typeface="Segoe UI" panose="020B0502040204020203" pitchFamily="34" charset="0"/>
-              <a:ea typeface="等线" panose="02010600030101010101" pitchFamily="2" charset="-122"/>
-            </a:endParaRPr>
-          </a:p>
-          <a:p>
-            <a:pPr marL="285750" indent="-285750">
-              <a:buFont typeface="Arial" panose="020B0604020202020204" pitchFamily="34" charset="0"/>
-              <a:buChar char="•"/>
-            </a:pPr>
-            <a:r>
-              <a:rPr lang="en-ID" altLang="zh-CN" dirty="0"/>
-              <a:t>Some small tightly clustered </a:t>
-            </a:r>
-            <a:r>
-              <a:rPr lang="en-US" altLang="zh-CN" dirty="0"/>
-              <a:t>group</a:t>
-            </a:r>
-          </a:p>
-          <a:p>
-            <a:pPr marL="285750" indent="-285750">
-              <a:buFont typeface="Arial" panose="020B0604020202020204" pitchFamily="34" charset="0"/>
-              <a:buChar char="•"/>
-            </a:pPr>
-            <a:r>
-              <a:rPr lang="en-US" altLang="zh-CN" dirty="0"/>
-              <a:t>Different </a:t>
-            </a:r>
-            <a:r>
-              <a:rPr lang="en-GB" altLang="zh-CN" sz="1800" dirty="0">
-                <a:solidFill>
-                  <a:srgbClr val="0D0D0D"/>
-                </a:solidFill>
-                <a:effectLst/>
-                <a:highlight>
-                  <a:srgbClr val="FFFFFF"/>
-                </a:highlight>
-                <a:latin typeface="Segoe UI" panose="020B0502040204020203" pitchFamily="34" charset="0"/>
-                <a:ea typeface="等线" panose="02010600030101010101" pitchFamily="2" charset="-122"/>
-              </a:rPr>
-              <a:t>specificity mixed together and difficult to form distinct high-purity clusters</a:t>
-            </a:r>
-          </a:p>
-          <a:p>
-            <a:pPr marL="285750" indent="-285750">
-              <a:buFont typeface="Arial" panose="020B0604020202020204" pitchFamily="34" charset="0"/>
-              <a:buChar char="•"/>
-            </a:pPr>
-            <a:endParaRPr lang="en-US" altLang="zh-CN" dirty="0"/>
-          </a:p>
-          <a:p>
-            <a:pPr marL="285750" indent="-285750">
-              <a:buFont typeface="Arial" panose="020B0604020202020204" pitchFamily="34" charset="0"/>
-              <a:buChar char="•"/>
-            </a:pPr>
-            <a:endParaRPr lang="en-US" altLang="zh-CN" dirty="0"/>
-          </a:p>
-          <a:p>
-            <a:r>
-              <a:rPr lang="en-US" altLang="zh-CN" dirty="0"/>
-              <a:t>Mouse TCR:</a:t>
-            </a:r>
-          </a:p>
-          <a:p>
-            <a:pPr marL="285750" indent="-285750">
-              <a:buFont typeface="Arial" panose="020B0604020202020204" pitchFamily="34" charset="0"/>
-              <a:buChar char="•"/>
-            </a:pPr>
-            <a:r>
-              <a:rPr lang="en-GB" altLang="zh-CN" sz="1800" dirty="0">
-                <a:solidFill>
-                  <a:srgbClr val="0D0D0D"/>
-                </a:solidFill>
-                <a:effectLst/>
-                <a:highlight>
-                  <a:srgbClr val="FFFFFF"/>
-                </a:highlight>
-                <a:latin typeface="Segoe UI" panose="020B0502040204020203" pitchFamily="34" charset="0"/>
-                <a:ea typeface="等线" panose="02010600030101010101" pitchFamily="2" charset="-122"/>
-              </a:rPr>
-              <a:t>Relatively compact</a:t>
-            </a:r>
-          </a:p>
-          <a:p>
-            <a:pPr marL="285750" indent="-285750">
-              <a:buFont typeface="Arial" panose="020B0604020202020204" pitchFamily="34" charset="0"/>
-              <a:buChar char="•"/>
-            </a:pPr>
-            <a:r>
-              <a:rPr lang="en-GB" altLang="zh-CN" dirty="0">
-                <a:solidFill>
-                  <a:srgbClr val="0D0D0D"/>
-                </a:solidFill>
-                <a:highlight>
-                  <a:srgbClr val="FFFFFF"/>
-                </a:highlight>
-                <a:latin typeface="Segoe UI" panose="020B0502040204020203" pitchFamily="34" charset="0"/>
-                <a:ea typeface="等线" panose="02010600030101010101" pitchFamily="2" charset="-122"/>
-              </a:rPr>
-              <a:t>O</a:t>
-            </a:r>
-            <a:r>
-              <a:rPr lang="en-GB" altLang="zh-CN" sz="1800" dirty="0">
-                <a:solidFill>
-                  <a:srgbClr val="0D0D0D"/>
-                </a:solidFill>
-                <a:effectLst/>
-                <a:highlight>
-                  <a:srgbClr val="FFFFFF"/>
-                </a:highlight>
-                <a:latin typeface="Segoe UI" panose="020B0502040204020203" pitchFamily="34" charset="0"/>
-                <a:ea typeface="等线" panose="02010600030101010101" pitchFamily="2" charset="-122"/>
-              </a:rPr>
-              <a:t>bvious boundaries and distances between clusters</a:t>
-            </a:r>
-          </a:p>
-          <a:p>
-            <a:pPr marL="285750" indent="-285750">
-              <a:buFont typeface="Arial" panose="020B0604020202020204" pitchFamily="34" charset="0"/>
-              <a:buChar char="•"/>
-            </a:pPr>
-            <a:r>
-              <a:rPr lang="en-GB" altLang="zh-CN" sz="1800" dirty="0">
-                <a:solidFill>
-                  <a:srgbClr val="0D0D0D"/>
-                </a:solidFill>
-                <a:effectLst/>
-                <a:highlight>
-                  <a:srgbClr val="FFFFFF"/>
-                </a:highlight>
-                <a:latin typeface="Segoe UI" panose="020B0502040204020203" pitchFamily="34" charset="0"/>
-                <a:ea typeface="等线" panose="02010600030101010101" pitchFamily="2" charset="-122"/>
-              </a:rPr>
-              <a:t>More concentrated specificity</a:t>
-            </a:r>
-          </a:p>
-          <a:p>
+                <a:latin typeface="Söhne"/>
+              </a:rPr>
+              <a:t>UMAP (Uniform Manifold Approximation and Projection): A popular nonlinear dimensionality reduction technique based on the theory of manifold learning. This method examines the local structure in the data, constructs a weighted neighborhood graph of high-dimensional data, and uses the minimization of cross-entropy loss between high-dimensional and low-dimensional spaces to find a low-dimensional representation.</a:t>
+            </a:r>
             <a:endParaRPr lang="zh-CN" altLang="en-US" dirty="0"/>
           </a:p>
         </p:txBody>
@@ -11395,7 +11569,7 @@
           <p:cNvPr id="3" name="文本框 2">
             <a:extLst>
               <a:ext uri="{FF2B5EF4-FFF2-40B4-BE49-F238E27FC236}">
-                <a16:creationId xmlns:a16="http://schemas.microsoft.com/office/drawing/2014/main" id="{ECA231BF-0DE6-50FC-5DA0-3A80CD899CC5}"/>
+                <a16:creationId xmlns:a16="http://schemas.microsoft.com/office/drawing/2014/main" id="{A3B36737-C979-9577-6079-F2528107E5E5}"/>
               </a:ext>
             </a:extLst>
           </p:cNvPr>
@@ -11404,287 +11578,67 @@
         </p:nvSpPr>
         <p:spPr>
           <a:xfrm>
-            <a:off x="4170156" y="2472765"/>
-            <a:ext cx="3731408" cy="3970318"/>
+            <a:off x="761167" y="4897841"/>
+            <a:ext cx="10485278" cy="707886"/>
           </a:xfrm>
           <a:prstGeom prst="rect">
             <a:avLst/>
           </a:prstGeom>
           <a:noFill/>
-          <a:ln>
-            <a:solidFill>
-              <a:srgbClr val="00B0F0"/>
-            </a:solidFill>
-          </a:ln>
-        </p:spPr>
-        <p:txBody>
-          <a:bodyPr wrap="square" rtlCol="0">
+        </p:spPr>
+        <p:txBody>
+          <a:bodyPr wrap="square">
             <a:spAutoFit/>
           </a:bodyPr>
           <a:lstStyle/>
           <a:p>
             <a:r>
-              <a:rPr lang="en-US" altLang="zh-CN" dirty="0"/>
-              <a:t>Human:</a:t>
-            </a:r>
-          </a:p>
-          <a:p>
-            <a:pPr marL="285750" indent="-285750">
-              <a:buFont typeface="Arial" panose="020B0604020202020204" pitchFamily="34" charset="0"/>
-              <a:buChar char="•"/>
-            </a:pPr>
-            <a:r>
-              <a:rPr lang="en-GB" altLang="zh-CN" sz="1800" dirty="0">
-                <a:solidFill>
-                  <a:srgbClr val="0D0D0D"/>
-                </a:solidFill>
+              <a:rPr lang="en-US" altLang="zh-CN" sz="2000" dirty="0">
+                <a:latin typeface="Söhne"/>
+                <a:cs typeface="Times New Roman" panose="02020603050405020304" pitchFamily="18" charset="0"/>
+              </a:rPr>
+              <a:t>Before </a:t>
+            </a:r>
+            <a:r>
+              <a:rPr lang="en-US" altLang="zh-CN" sz="2000" dirty="0">
+                <a:latin typeface="Söhne"/>
+              </a:rPr>
+              <a:t>dimensionality reduction, </a:t>
+            </a:r>
+            <a:r>
+              <a:rPr lang="en-US" altLang="zh-CN" sz="2000" dirty="0">
+                <a:latin typeface="Söhne"/>
+                <a:cs typeface="Times New Roman" panose="02020603050405020304" pitchFamily="18" charset="0"/>
+              </a:rPr>
+              <a:t>t</a:t>
+            </a:r>
+            <a:r>
+              <a:rPr lang="en-US" altLang="zh-CN" sz="2000" dirty="0">
                 <a:effectLst/>
-                <a:highlight>
-                  <a:srgbClr val="FFFFFF"/>
-                </a:highlight>
-                <a:latin typeface="Segoe UI" panose="020B0502040204020203" pitchFamily="34" charset="0"/>
-                <a:ea typeface="等线" panose="02010600030101010101" pitchFamily="2" charset="-122"/>
-              </a:rPr>
-              <a:t>Higher genetic diversity</a:t>
-            </a:r>
-          </a:p>
-          <a:p>
-            <a:pPr marL="285750" indent="-285750">
-              <a:buFont typeface="Arial" panose="020B0604020202020204" pitchFamily="34" charset="0"/>
-              <a:buChar char="•"/>
-            </a:pPr>
-            <a:r>
-              <a:rPr lang="en-GB" altLang="zh-CN" sz="1800" dirty="0">
-                <a:solidFill>
-                  <a:srgbClr val="0D0D0D"/>
-                </a:solidFill>
-                <a:effectLst/>
-                <a:highlight>
-                  <a:srgbClr val="FFFFFF"/>
-                </a:highlight>
-                <a:latin typeface="Segoe UI" panose="020B0502040204020203" pitchFamily="34" charset="0"/>
-                <a:ea typeface="等线" panose="02010600030101010101" pitchFamily="2" charset="-122"/>
-              </a:rPr>
-              <a:t>More complex immune system</a:t>
-            </a:r>
-          </a:p>
-          <a:p>
-            <a:pPr marL="285750" indent="-285750">
-              <a:buFont typeface="Arial" panose="020B0604020202020204" pitchFamily="34" charset="0"/>
-              <a:buChar char="•"/>
-            </a:pPr>
-            <a:r>
-              <a:rPr lang="en-GB" altLang="zh-CN" sz="1800" dirty="0">
-                <a:solidFill>
-                  <a:srgbClr val="0D0D0D"/>
-                </a:solidFill>
-                <a:effectLst/>
-                <a:highlight>
-                  <a:srgbClr val="FFFFFF"/>
-                </a:highlight>
-                <a:latin typeface="Segoe UI" panose="020B0502040204020203" pitchFamily="34" charset="0"/>
-                <a:ea typeface="等线" panose="02010600030101010101" pitchFamily="2" charset="-122"/>
-              </a:rPr>
-              <a:t>Exposure to a wide variety of pathogens in different environments</a:t>
-            </a:r>
-          </a:p>
-          <a:p>
-            <a:pPr marL="285750" indent="-285750">
-              <a:buFont typeface="Arial" panose="020B0604020202020204" pitchFamily="34" charset="0"/>
-              <a:buChar char="•"/>
-            </a:pPr>
-            <a:r>
-              <a:rPr lang="en-GB" altLang="zh-CN" dirty="0">
-                <a:solidFill>
-                  <a:srgbClr val="0D0D0D"/>
-                </a:solidFill>
-                <a:highlight>
-                  <a:srgbClr val="FFFFFF"/>
-                </a:highlight>
-                <a:latin typeface="Segoe UI" panose="020B0502040204020203" pitchFamily="34" charset="0"/>
-                <a:ea typeface="等线" panose="02010600030101010101" pitchFamily="2" charset="-122"/>
-              </a:rPr>
-              <a:t>Complex</a:t>
-            </a:r>
-            <a:r>
-              <a:rPr lang="en-US" altLang="zh-CN" dirty="0">
-                <a:solidFill>
-                  <a:srgbClr val="0D0D0D"/>
-                </a:solidFill>
-                <a:highlight>
-                  <a:srgbClr val="FFFFFF"/>
-                </a:highlight>
-                <a:latin typeface="Segoe UI" panose="020B0502040204020203" pitchFamily="34" charset="0"/>
-                <a:ea typeface="等线" panose="02010600030101010101" pitchFamily="2" charset="-122"/>
-              </a:rPr>
-              <a:t> distribution which hard to be captured by UMAP</a:t>
-            </a:r>
-            <a:endParaRPr lang="en-US" altLang="zh-CN" dirty="0"/>
-          </a:p>
-          <a:p>
-            <a:r>
-              <a:rPr lang="en-US" altLang="zh-CN" dirty="0"/>
-              <a:t>Mouse:</a:t>
-            </a:r>
-          </a:p>
-          <a:p>
-            <a:pPr marL="285750" indent="-285750">
-              <a:buFont typeface="Arial" panose="020B0604020202020204" pitchFamily="34" charset="0"/>
-              <a:buChar char="•"/>
-            </a:pPr>
-            <a:r>
-              <a:rPr lang="en-GB" altLang="zh-CN" sz="1800" dirty="0">
-                <a:solidFill>
-                  <a:srgbClr val="0D0D0D"/>
-                </a:solidFill>
-                <a:effectLst/>
-                <a:highlight>
-                  <a:srgbClr val="FFFFFF"/>
-                </a:highlight>
-                <a:latin typeface="Segoe UI" panose="020B0502040204020203" pitchFamily="34" charset="0"/>
-                <a:ea typeface="等线" panose="02010600030101010101" pitchFamily="2" charset="-122"/>
-              </a:rPr>
-              <a:t>Lower genetic diversity</a:t>
-            </a:r>
-          </a:p>
-          <a:p>
-            <a:pPr marL="285750" indent="-285750">
-              <a:buFont typeface="Arial" panose="020B0604020202020204" pitchFamily="34" charset="0"/>
-              <a:buChar char="•"/>
-            </a:pPr>
-            <a:r>
-              <a:rPr lang="en-GB" altLang="zh-CN" sz="1800" dirty="0">
-                <a:solidFill>
-                  <a:srgbClr val="0D0D0D"/>
-                </a:solidFill>
-                <a:effectLst/>
-                <a:highlight>
-                  <a:srgbClr val="FFFFFF"/>
-                </a:highlight>
-                <a:latin typeface="Segoe UI" panose="020B0502040204020203" pitchFamily="34" charset="0"/>
-                <a:ea typeface="等线" panose="02010600030101010101" pitchFamily="2" charset="-122"/>
-              </a:rPr>
-              <a:t>Simpler immune system</a:t>
-            </a:r>
-          </a:p>
-          <a:p>
-            <a:pPr marL="285750" indent="-285750">
-              <a:buFont typeface="Arial" panose="020B0604020202020204" pitchFamily="34" charset="0"/>
-              <a:buChar char="•"/>
-            </a:pPr>
-            <a:r>
-              <a:rPr lang="en-GB" altLang="zh-CN" sz="1800" dirty="0">
-                <a:solidFill>
-                  <a:srgbClr val="0D0D0D"/>
-                </a:solidFill>
-                <a:effectLst/>
-                <a:highlight>
-                  <a:srgbClr val="FFFFFF"/>
-                </a:highlight>
-                <a:latin typeface="Segoe UI" panose="020B0502040204020203" pitchFamily="34" charset="0"/>
-                <a:ea typeface="等线" panose="02010600030101010101" pitchFamily="2" charset="-122"/>
-              </a:rPr>
-              <a:t>Bred in the lab</a:t>
-            </a:r>
-          </a:p>
-          <a:p>
-            <a:pPr marL="285750" indent="-285750">
-              <a:buFont typeface="Arial" panose="020B0604020202020204" pitchFamily="34" charset="0"/>
-              <a:buChar char="•"/>
-            </a:pPr>
-            <a:endParaRPr lang="en-GB" altLang="zh-CN" sz="1800" dirty="0">
-              <a:solidFill>
-                <a:srgbClr val="0D0D0D"/>
-              </a:solidFill>
+                <a:latin typeface="Söhne"/>
+                <a:cs typeface="Times New Roman" panose="02020603050405020304" pitchFamily="18" charset="0"/>
+              </a:rPr>
+              <a:t>he TCR data was divided into human and mouse categories</a:t>
+            </a:r>
+            <a:r>
+              <a:rPr lang="en-US" altLang="zh-CN" sz="2000" dirty="0">
+                <a:latin typeface="Söhne"/>
+                <a:cs typeface="Times New Roman" panose="02020603050405020304" pitchFamily="18" charset="0"/>
+              </a:rPr>
+              <a:t>, encoded by GIANA encoding.</a:t>
+            </a:r>
+            <a:endParaRPr lang="en-US" altLang="zh-CN" sz="2000" dirty="0">
               <a:effectLst/>
-              <a:highlight>
-                <a:srgbClr val="FFFFFF"/>
-              </a:highlight>
-              <a:latin typeface="Segoe UI" panose="020B0502040204020203" pitchFamily="34" charset="0"/>
-              <a:ea typeface="等线" panose="02010600030101010101" pitchFamily="2" charset="-122"/>
+              <a:latin typeface="Söhne"/>
+              <a:cs typeface="Times New Roman" panose="02020603050405020304" pitchFamily="18" charset="0"/>
             </a:endParaRPr>
-          </a:p>
-          <a:p>
-            <a:endParaRPr lang="zh-CN" altLang="en-US" dirty="0"/>
-          </a:p>
-        </p:txBody>
-      </p:sp>
-      <p:sp>
-        <p:nvSpPr>
-          <p:cNvPr id="4" name="文本框 3">
-            <a:extLst>
-              <a:ext uri="{FF2B5EF4-FFF2-40B4-BE49-F238E27FC236}">
-                <a16:creationId xmlns:a16="http://schemas.microsoft.com/office/drawing/2014/main" id="{4EB55EA6-8B59-FF39-4A37-7CED02779E21}"/>
-              </a:ext>
-            </a:extLst>
-          </p:cNvPr>
-          <p:cNvSpPr txBox="1"/>
-          <p:nvPr/>
-        </p:nvSpPr>
-        <p:spPr>
-          <a:xfrm>
-            <a:off x="4820784" y="2005388"/>
-            <a:ext cx="2430152" cy="461665"/>
-          </a:xfrm>
-          <a:prstGeom prst="rect">
-            <a:avLst/>
-          </a:prstGeom>
-          <a:noFill/>
-        </p:spPr>
-        <p:txBody>
-          <a:bodyPr wrap="none" rtlCol="0">
-            <a:spAutoFit/>
-          </a:bodyPr>
-          <a:lstStyle/>
-          <a:p>
-            <a:r>
-              <a:rPr lang="en-US" altLang="zh-CN" sz="2400" dirty="0"/>
-              <a:t>Possible reasons</a:t>
-            </a:r>
-            <a:endParaRPr lang="zh-CN" altLang="en-US" dirty="0"/>
-          </a:p>
-        </p:txBody>
-      </p:sp>
-      <p:sp>
-        <p:nvSpPr>
-          <p:cNvPr id="6" name="文本框 5">
-            <a:extLst>
-              <a:ext uri="{FF2B5EF4-FFF2-40B4-BE49-F238E27FC236}">
-                <a16:creationId xmlns:a16="http://schemas.microsoft.com/office/drawing/2014/main" id="{1F0CB016-887D-310F-4446-BBFFCDC5D0D6}"/>
-              </a:ext>
-            </a:extLst>
-          </p:cNvPr>
-          <p:cNvSpPr txBox="1"/>
-          <p:nvPr/>
-        </p:nvSpPr>
-        <p:spPr>
-          <a:xfrm>
-            <a:off x="1534252" y="2050908"/>
-            <a:ext cx="1177117" cy="461665"/>
-          </a:xfrm>
-          <a:prstGeom prst="rect">
-            <a:avLst/>
-          </a:prstGeom>
-          <a:noFill/>
-        </p:spPr>
-        <p:txBody>
-          <a:bodyPr wrap="none" rtlCol="0">
-            <a:spAutoFit/>
-          </a:bodyPr>
-          <a:lstStyle/>
-          <a:p>
-            <a:r>
-              <a:rPr lang="en-US" altLang="zh-CN" sz="2400" dirty="0"/>
-              <a:t>Results</a:t>
-            </a:r>
-            <a:endParaRPr lang="zh-CN" altLang="en-US" dirty="0"/>
           </a:p>
         </p:txBody>
       </p:sp>
     </p:spTree>
     <p:extLst>
       <p:ext uri="{BB962C8B-B14F-4D97-AF65-F5344CB8AC3E}">
-        <p14:creationId xmlns:p14="http://schemas.microsoft.com/office/powerpoint/2010/main" val="1700337735"/>
+        <p14:creationId xmlns:p14="http://schemas.microsoft.com/office/powerpoint/2010/main" val="3412462423"/>
       </p:ext>
     </p:extLst>
   </p:cSld>

--- a/summative presentation/Summative Oral Presentation-Group 4.pptx
+++ b/summative presentation/Summative Oral Presentation-Group 4.pptx
@@ -14,8 +14,8 @@
     <p:sldId id="271" r:id="rId5"/>
     <p:sldId id="266" r:id="rId6"/>
     <p:sldId id="265" r:id="rId7"/>
-    <p:sldId id="260" r:id="rId8"/>
-    <p:sldId id="267" r:id="rId9"/>
+    <p:sldId id="267" r:id="rId8"/>
+    <p:sldId id="260" r:id="rId9"/>
     <p:sldId id="277" r:id="rId10"/>
     <p:sldId id="278" r:id="rId11"/>
     <p:sldId id="279" r:id="rId12"/>
@@ -10846,10 +10846,10 @@
       </p:grpSpPr>
       <p:sp>
         <p:nvSpPr>
-          <p:cNvPr id="2" name="Title 1">
-            <a:extLst>
-              <a:ext uri="{FF2B5EF4-FFF2-40B4-BE49-F238E27FC236}">
-                <a16:creationId xmlns:a16="http://schemas.microsoft.com/office/drawing/2014/main" id="{3434913F-3039-3DC3-BB5E-EBE70668FCBC}"/>
+          <p:cNvPr id="2" name="标题 1">
+            <a:extLst>
+              <a:ext uri="{FF2B5EF4-FFF2-40B4-BE49-F238E27FC236}">
+                <a16:creationId xmlns:a16="http://schemas.microsoft.com/office/drawing/2014/main" id="{393CC19F-CA02-41DC-60DE-BDD34656347F}"/>
               </a:ext>
             </a:extLst>
           </p:cNvPr>
@@ -10862,154 +10862,418 @@
         </p:nvSpPr>
         <p:spPr>
           <a:xfrm>
-            <a:off x="861237" y="858983"/>
-            <a:ext cx="10653823" cy="599456"/>
+            <a:off x="560296" y="263560"/>
+            <a:ext cx="11071410" cy="934376"/>
           </a:xfrm>
         </p:spPr>
         <p:txBody>
           <a:bodyPr>
-            <a:normAutofit fontScale="90000"/>
+            <a:normAutofit/>
           </a:bodyPr>
           <a:lstStyle/>
           <a:p>
             <a:r>
-              <a:rPr lang="en-US" dirty="0"/>
-              <a:t>TCR DISTANCE CALCULATION USING TCRDist:</a:t>
-            </a:r>
-          </a:p>
-        </p:txBody>
-      </p:sp>
-      <p:pic>
-        <p:nvPicPr>
-          <p:cNvPr id="5" name="Content Placeholder 4" descr="A diagram of a computer&#10;&#10;Description automatically generated">
-            <a:extLst>
-              <a:ext uri="{FF2B5EF4-FFF2-40B4-BE49-F238E27FC236}">
-                <a16:creationId xmlns:a16="http://schemas.microsoft.com/office/drawing/2014/main" id="{7E75B9D1-C1AF-DCBF-1F33-DF4D57D48BEB}"/>
-              </a:ext>
-            </a:extLst>
-          </p:cNvPr>
-          <p:cNvPicPr>
-            <a:picLocks noGrp="1" noChangeAspect="1"/>
-          </p:cNvPicPr>
+              <a:rPr lang="en-US" sz="2000" dirty="0"/>
+              <a:t>TCR DISTANCE CALCULATION USING </a:t>
+            </a:r>
+            <a:r>
+              <a:rPr lang="en-US" altLang="zh-CN" sz="2000" dirty="0"/>
+              <a:t>LEVENSHTEIN DISTANCE:</a:t>
+            </a:r>
+            <a:endParaRPr lang="zh-CN" altLang="en-US" sz="2000" dirty="0"/>
+          </a:p>
+        </p:txBody>
+      </p:sp>
+      <p:sp>
+        <p:nvSpPr>
+          <p:cNvPr id="3" name="内容占位符 2">
+            <a:extLst>
+              <a:ext uri="{FF2B5EF4-FFF2-40B4-BE49-F238E27FC236}">
+                <a16:creationId xmlns:a16="http://schemas.microsoft.com/office/drawing/2014/main" id="{0352373B-40AE-5247-56DA-56B9AEBC446A}"/>
+              </a:ext>
+            </a:extLst>
+          </p:cNvPr>
+          <p:cNvSpPr>
+            <a:spLocks noGrp="1"/>
+          </p:cNvSpPr>
           <p:nvPr>
             <p:ph idx="1"/>
           </p:nvPr>
-        </p:nvPicPr>
-        <p:blipFill>
-          <a:blip r:embed="rId2"/>
-          <a:stretch>
-            <a:fillRect/>
-          </a:stretch>
-        </p:blipFill>
-        <p:spPr>
-          <a:xfrm>
-            <a:off x="0" y="2998693"/>
-            <a:ext cx="3347145" cy="2702859"/>
-          </a:xfrm>
-        </p:spPr>
-      </p:pic>
-      <p:pic>
-        <p:nvPicPr>
-          <p:cNvPr id="7" name="Picture 6" descr="A graph of a heat map&#10;&#10;Description automatically generated with medium confidence">
-            <a:extLst>
-              <a:ext uri="{FF2B5EF4-FFF2-40B4-BE49-F238E27FC236}">
-                <a16:creationId xmlns:a16="http://schemas.microsoft.com/office/drawing/2014/main" id="{EA7BFEC3-B5D7-D7FB-9A3A-8DA454C4BC6E}"/>
-              </a:ext>
-            </a:extLst>
-          </p:cNvPr>
-          <p:cNvPicPr>
-            <a:picLocks noChangeAspect="1"/>
-          </p:cNvPicPr>
-          <p:nvPr/>
-        </p:nvPicPr>
-        <p:blipFill>
-          <a:blip r:embed="rId3"/>
-          <a:stretch>
-            <a:fillRect/>
-          </a:stretch>
-        </p:blipFill>
-        <p:spPr>
-          <a:xfrm>
-            <a:off x="7394347" y="2614886"/>
-            <a:ext cx="4797653" cy="3903720"/>
-          </a:xfrm>
-          <a:prstGeom prst="rect">
-            <a:avLst/>
-          </a:prstGeom>
-        </p:spPr>
-      </p:pic>
-      <p:sp>
-        <p:nvSpPr>
-          <p:cNvPr id="8" name="TextBox 7">
-            <a:extLst>
-              <a:ext uri="{FF2B5EF4-FFF2-40B4-BE49-F238E27FC236}">
-                <a16:creationId xmlns:a16="http://schemas.microsoft.com/office/drawing/2014/main" id="{B7C3FFC7-1A97-D56D-6CBD-963DF6D61AC8}"/>
-              </a:ext>
-            </a:extLst>
-          </p:cNvPr>
-          <p:cNvSpPr txBox="1"/>
-          <p:nvPr/>
-        </p:nvSpPr>
-        <p:spPr>
-          <a:xfrm>
-            <a:off x="3347146" y="1860698"/>
-            <a:ext cx="4180705" cy="4832092"/>
-          </a:xfrm>
-          <a:prstGeom prst="rect">
-            <a:avLst/>
-          </a:prstGeom>
-          <a:noFill/>
-        </p:spPr>
-        <p:txBody>
-          <a:bodyPr wrap="square" rtlCol="0">
-            <a:spAutoFit/>
+        </p:nvSpPr>
+        <p:spPr>
+          <a:xfrm>
+            <a:off x="560295" y="999460"/>
+            <a:ext cx="10954765" cy="5594980"/>
+          </a:xfrm>
+        </p:spPr>
+        <p:txBody>
+          <a:bodyPr>
+            <a:normAutofit fontScale="62500" lnSpcReduction="20000"/>
           </a:bodyPr>
           <a:lstStyle/>
           <a:p>
             <a:r>
-              <a:rPr lang="en-US" sz="1400" dirty="0">
+              <a:rPr lang="en-US" altLang="zh-CN" b="1" dirty="0">
                 <a:latin typeface="Times New Roman" panose="02020603050405020304" pitchFamily="18" charset="0"/>
                 <a:cs typeface="Times New Roman" panose="02020603050405020304" pitchFamily="18" charset="0"/>
               </a:rPr>
-              <a:t>-TCRdist which is a specialized tool for computing pairwise distances between T-cell receptor sequences was used. The dataset was divided into six subsets: human alpha, human beta, combined human alpha-beta, mouse alpha, mouse beta, and combined mouse alpha-beta as shown in the Fig on the left which shows the subdivision of data for TCR Distance Matrix Calculation. </a:t>
-            </a:r>
-          </a:p>
-          <a:p>
-            <a:endParaRPr lang="en-US" sz="1400" dirty="0">
+              <a:t>P</a:t>
+            </a:r>
+            <a:r>
+              <a:rPr lang="en-GB" altLang="zh-CN" b="1" dirty="0">
+                <a:latin typeface="Times New Roman" panose="02020603050405020304" pitchFamily="18" charset="0"/>
+                <a:cs typeface="Times New Roman" panose="02020603050405020304" pitchFamily="18" charset="0"/>
+              </a:rPr>
+              <a:t>RINCIPLE</a:t>
+            </a:r>
+            <a:r>
+              <a:rPr lang="zh-CN" altLang="en-US" b="1" dirty="0">
+                <a:latin typeface="Times New Roman" panose="02020603050405020304" pitchFamily="18" charset="0"/>
+                <a:cs typeface="Times New Roman" panose="02020603050405020304" pitchFamily="18" charset="0"/>
+              </a:rPr>
+              <a:t>：</a:t>
+            </a:r>
+            <a:endParaRPr lang="en-US" altLang="zh-CN" b="1" dirty="0">
               <a:latin typeface="Times New Roman" panose="02020603050405020304" pitchFamily="18" charset="0"/>
               <a:cs typeface="Times New Roman" panose="02020603050405020304" pitchFamily="18" charset="0"/>
             </a:endParaRPr>
           </a:p>
           <a:p>
-            <a:r>
-              <a:rPr lang="en-US" sz="1400" dirty="0">
+            <a:pPr>
+              <a:lnSpc>
+                <a:spcPct val="120000"/>
+              </a:lnSpc>
+            </a:pPr>
+            <a:r>
+              <a:rPr lang="en-US" altLang="zh-CN" dirty="0">
                 <a:latin typeface="Times New Roman" panose="02020603050405020304" pitchFamily="18" charset="0"/>
                 <a:cs typeface="Times New Roman" panose="02020603050405020304" pitchFamily="18" charset="0"/>
               </a:rPr>
-              <a:t>-Each subset was processed to calculate the TCR distance matrix for both alpha and beta chains. The distance matrices were essential for quantifying the similarity between TCR sequences, which is a crucial step for further analysis such as clustering and dimensionality reduction. </a:t>
-            </a:r>
-          </a:p>
-          <a:p>
-            <a:endParaRPr lang="en-US" sz="1400" dirty="0">
+              <a:t>The minimum number of single-character edits (insertions, deletions, or substitutions) required to convert one string into another.</a:t>
+            </a:r>
+          </a:p>
+          <a:p>
+            <a:pPr>
+              <a:lnSpc>
+                <a:spcPct val="120000"/>
+              </a:lnSpc>
+            </a:pPr>
+            <a:r>
+              <a:rPr lang="en-US" altLang="zh-CN" dirty="0">
+                <a:latin typeface="Times New Roman" panose="02020603050405020304" pitchFamily="18" charset="0"/>
+                <a:cs typeface="Times New Roman" panose="02020603050405020304" pitchFamily="18" charset="0"/>
+              </a:rPr>
+              <a:t>Create a matrix of size </a:t>
+            </a:r>
+            <a:r>
+              <a:rPr lang="en-US" altLang="zh-CN" b="1" i="1" dirty="0">
+                <a:latin typeface="Times New Roman" panose="02020603050405020304" pitchFamily="18" charset="0"/>
+                <a:cs typeface="Times New Roman" panose="02020603050405020304" pitchFamily="18" charset="0"/>
+              </a:rPr>
+              <a:t>(m+1) x (n+1)</a:t>
+            </a:r>
+            <a:r>
+              <a:rPr lang="en-US" altLang="zh-CN" dirty="0">
+                <a:latin typeface="Times New Roman" panose="02020603050405020304" pitchFamily="18" charset="0"/>
+                <a:cs typeface="Times New Roman" panose="02020603050405020304" pitchFamily="18" charset="0"/>
+              </a:rPr>
+              <a:t>, where m and n are the lengths of the two strings.</a:t>
+            </a:r>
+          </a:p>
+          <a:p>
+            <a:pPr>
+              <a:lnSpc>
+                <a:spcPct val="120000"/>
+              </a:lnSpc>
+            </a:pPr>
+            <a:r>
+              <a:rPr lang="en-US" altLang="zh-CN" dirty="0">
+                <a:latin typeface="Times New Roman" panose="02020603050405020304" pitchFamily="18" charset="0"/>
+                <a:cs typeface="Times New Roman" panose="02020603050405020304" pitchFamily="18" charset="0"/>
+              </a:rPr>
+              <a:t>If the two current characters are the same (i.e. the </a:t>
+            </a:r>
+            <a:r>
+              <a:rPr lang="en-US" altLang="zh-CN" dirty="0" err="1">
+                <a:latin typeface="Times New Roman" panose="02020603050405020304" pitchFamily="18" charset="0"/>
+                <a:cs typeface="Times New Roman" panose="02020603050405020304" pitchFamily="18" charset="0"/>
+              </a:rPr>
+              <a:t>i-th</a:t>
+            </a:r>
+            <a:r>
+              <a:rPr lang="en-US" altLang="zh-CN" dirty="0">
+                <a:latin typeface="Times New Roman" panose="02020603050405020304" pitchFamily="18" charset="0"/>
+                <a:cs typeface="Times New Roman" panose="02020603050405020304" pitchFamily="18" charset="0"/>
+              </a:rPr>
+              <a:t> character of the first string and the j-</a:t>
+            </a:r>
+            <a:r>
+              <a:rPr lang="en-US" altLang="zh-CN" dirty="0" err="1">
+                <a:latin typeface="Times New Roman" panose="02020603050405020304" pitchFamily="18" charset="0"/>
+                <a:cs typeface="Times New Roman" panose="02020603050405020304" pitchFamily="18" charset="0"/>
+              </a:rPr>
+              <a:t>th</a:t>
+            </a:r>
+            <a:r>
+              <a:rPr lang="en-US" altLang="zh-CN" dirty="0">
+                <a:latin typeface="Times New Roman" panose="02020603050405020304" pitchFamily="18" charset="0"/>
+                <a:cs typeface="Times New Roman" panose="02020603050405020304" pitchFamily="18" charset="0"/>
+              </a:rPr>
+              <a:t> character of the second string), then </a:t>
+            </a:r>
+            <a:r>
+              <a:rPr lang="pl-PL" altLang="zh-CN" b="1" i="1" dirty="0">
+                <a:latin typeface="Times New Roman" panose="02020603050405020304" pitchFamily="18" charset="0"/>
+                <a:cs typeface="Times New Roman" panose="02020603050405020304" pitchFamily="18" charset="0"/>
+              </a:rPr>
+              <a:t>d[i][j]=d[i−1][j−1] </a:t>
+            </a:r>
+            <a:r>
+              <a:rPr lang="en-US" altLang="zh-CN" dirty="0">
+                <a:latin typeface="Times New Roman" panose="02020603050405020304" pitchFamily="18" charset="0"/>
+                <a:cs typeface="Times New Roman" panose="02020603050405020304" pitchFamily="18" charset="0"/>
+              </a:rPr>
+              <a:t>(no additional editing is required).</a:t>
+            </a:r>
+          </a:p>
+          <a:p>
+            <a:pPr>
+              <a:lnSpc>
+                <a:spcPct val="120000"/>
+              </a:lnSpc>
+            </a:pPr>
+            <a:r>
+              <a:rPr lang="en-US" altLang="zh-CN" dirty="0">
+                <a:latin typeface="Times New Roman" panose="02020603050405020304" pitchFamily="18" charset="0"/>
+                <a:cs typeface="Times New Roman" panose="02020603050405020304" pitchFamily="18" charset="0"/>
+              </a:rPr>
+              <a:t>If different, choose the smallest edit distance among the three operations:</a:t>
+            </a:r>
+          </a:p>
+          <a:p>
+            <a:pPr>
+              <a:lnSpc>
+                <a:spcPct val="120000"/>
+              </a:lnSpc>
+            </a:pPr>
+            <a:r>
+              <a:rPr lang="en-US" altLang="zh-CN" dirty="0">
+                <a:latin typeface="Times New Roman" panose="02020603050405020304" pitchFamily="18" charset="0"/>
+                <a:cs typeface="Times New Roman" panose="02020603050405020304" pitchFamily="18" charset="0"/>
+              </a:rPr>
+              <a:t>Delete</a:t>
+            </a:r>
+            <a:r>
+              <a:rPr lang="en-US" altLang="zh-CN" b="1" i="1" dirty="0">
+                <a:latin typeface="Times New Roman" panose="02020603050405020304" pitchFamily="18" charset="0"/>
+                <a:cs typeface="Times New Roman" panose="02020603050405020304" pitchFamily="18" charset="0"/>
+              </a:rPr>
+              <a:t>: </a:t>
+            </a:r>
+            <a:r>
+              <a:rPr lang="zh-CN" altLang="en-US" b="1" i="1" dirty="0">
+                <a:latin typeface="Times New Roman" panose="02020603050405020304" pitchFamily="18" charset="0"/>
+                <a:cs typeface="Times New Roman" panose="02020603050405020304" pitchFamily="18" charset="0"/>
+              </a:rPr>
+              <a:t>𝑑 </a:t>
+            </a:r>
+            <a:r>
+              <a:rPr lang="en-US" altLang="zh-CN" b="1" i="1" dirty="0">
+                <a:latin typeface="Times New Roman" panose="02020603050405020304" pitchFamily="18" charset="0"/>
+                <a:cs typeface="Times New Roman" panose="02020603050405020304" pitchFamily="18" charset="0"/>
+              </a:rPr>
+              <a:t>[i−1][j]+1</a:t>
+            </a:r>
+          </a:p>
+          <a:p>
+            <a:pPr>
+              <a:lnSpc>
+                <a:spcPct val="120000"/>
+              </a:lnSpc>
+            </a:pPr>
+            <a:r>
+              <a:rPr lang="en-US" altLang="zh-CN" dirty="0">
+                <a:latin typeface="Times New Roman" panose="02020603050405020304" pitchFamily="18" charset="0"/>
+                <a:cs typeface="Times New Roman" panose="02020603050405020304" pitchFamily="18" charset="0"/>
+              </a:rPr>
+              <a:t>Insertion: </a:t>
+            </a:r>
+            <a:r>
+              <a:rPr lang="zh-CN" altLang="en-US" b="1" i="1" dirty="0">
+                <a:latin typeface="Times New Roman" panose="02020603050405020304" pitchFamily="18" charset="0"/>
+                <a:cs typeface="Times New Roman" panose="02020603050405020304" pitchFamily="18" charset="0"/>
+              </a:rPr>
+              <a:t>𝑑 </a:t>
+            </a:r>
+            <a:r>
+              <a:rPr lang="en-US" altLang="zh-CN" b="1" i="1" dirty="0">
+                <a:latin typeface="Times New Roman" panose="02020603050405020304" pitchFamily="18" charset="0"/>
+                <a:cs typeface="Times New Roman" panose="02020603050405020304" pitchFamily="18" charset="0"/>
+              </a:rPr>
+              <a:t>[</a:t>
+            </a:r>
+            <a:r>
+              <a:rPr lang="en-US" altLang="zh-CN" b="1" i="1" dirty="0" err="1">
+                <a:latin typeface="Times New Roman" panose="02020603050405020304" pitchFamily="18" charset="0"/>
+                <a:cs typeface="Times New Roman" panose="02020603050405020304" pitchFamily="18" charset="0"/>
+              </a:rPr>
+              <a:t>i</a:t>
+            </a:r>
+            <a:r>
+              <a:rPr lang="en-US" altLang="zh-CN" b="1" i="1" dirty="0">
+                <a:latin typeface="Times New Roman" panose="02020603050405020304" pitchFamily="18" charset="0"/>
+                <a:cs typeface="Times New Roman" panose="02020603050405020304" pitchFamily="18" charset="0"/>
+              </a:rPr>
+              <a:t>][j−1]+1</a:t>
+            </a:r>
+          </a:p>
+          <a:p>
+            <a:pPr>
+              <a:lnSpc>
+                <a:spcPct val="120000"/>
+              </a:lnSpc>
+            </a:pPr>
+            <a:r>
+              <a:rPr lang="en-US" altLang="zh-CN" dirty="0">
+                <a:latin typeface="Times New Roman" panose="02020603050405020304" pitchFamily="18" charset="0"/>
+                <a:cs typeface="Times New Roman" panose="02020603050405020304" pitchFamily="18" charset="0"/>
+              </a:rPr>
+              <a:t>Replacement: </a:t>
+            </a:r>
+            <a:r>
+              <a:rPr lang="zh-CN" altLang="en-US" b="1" i="1" dirty="0">
+                <a:latin typeface="Times New Roman" panose="02020603050405020304" pitchFamily="18" charset="0"/>
+                <a:cs typeface="Times New Roman" panose="02020603050405020304" pitchFamily="18" charset="0"/>
+              </a:rPr>
+              <a:t>𝑑 </a:t>
+            </a:r>
+            <a:r>
+              <a:rPr lang="en-US" altLang="zh-CN" b="1" i="1" dirty="0">
+                <a:latin typeface="Times New Roman" panose="02020603050405020304" pitchFamily="18" charset="0"/>
+                <a:cs typeface="Times New Roman" panose="02020603050405020304" pitchFamily="18" charset="0"/>
+              </a:rPr>
+              <a:t>[i−1][j−1]+1</a:t>
+            </a:r>
+          </a:p>
+          <a:p>
+            <a:pPr>
+              <a:lnSpc>
+                <a:spcPct val="120000"/>
+              </a:lnSpc>
+            </a:pPr>
+            <a:r>
+              <a:rPr lang="en-US" altLang="zh-CN" dirty="0">
+                <a:latin typeface="Times New Roman" panose="02020603050405020304" pitchFamily="18" charset="0"/>
+                <a:cs typeface="Times New Roman" panose="02020603050405020304" pitchFamily="18" charset="0"/>
+              </a:rPr>
+              <a:t>The last element of the matrix, d[m][n], contains the minimum number of edit operations required to convert the entire first string into the second string.</a:t>
+            </a:r>
+          </a:p>
+          <a:p>
+            <a:pPr>
+              <a:lnSpc>
+                <a:spcPct val="120000"/>
+              </a:lnSpc>
+            </a:pPr>
+            <a:r>
+              <a:rPr lang="en-GB" altLang="zh-CN" b="1" dirty="0">
+                <a:latin typeface="Times New Roman" panose="02020603050405020304" pitchFamily="18" charset="0"/>
+                <a:cs typeface="Times New Roman" panose="02020603050405020304" pitchFamily="18" charset="0"/>
+              </a:rPr>
+              <a:t>ADVANTAGE</a:t>
+            </a:r>
+            <a:r>
+              <a:rPr lang="zh-CN" altLang="en-US" b="1" dirty="0">
+                <a:latin typeface="Times New Roman" panose="02020603050405020304" pitchFamily="18" charset="0"/>
+                <a:cs typeface="Times New Roman" panose="02020603050405020304" pitchFamily="18" charset="0"/>
+              </a:rPr>
+              <a:t>：</a:t>
+            </a:r>
+            <a:endParaRPr lang="en-US" altLang="zh-CN" b="1" dirty="0">
               <a:latin typeface="Times New Roman" panose="02020603050405020304" pitchFamily="18" charset="0"/>
               <a:cs typeface="Times New Roman" panose="02020603050405020304" pitchFamily="18" charset="0"/>
             </a:endParaRPr>
           </a:p>
           <a:p>
-            <a:r>
-              <a:rPr lang="en-US" sz="1400" dirty="0">
+            <a:pPr>
+              <a:lnSpc>
+                <a:spcPct val="120000"/>
+              </a:lnSpc>
+            </a:pPr>
+            <a:r>
+              <a:rPr lang="en-US" altLang="zh-CN" dirty="0">
                 <a:latin typeface="Times New Roman" panose="02020603050405020304" pitchFamily="18" charset="0"/>
                 <a:cs typeface="Times New Roman" panose="02020603050405020304" pitchFamily="18" charset="0"/>
               </a:rPr>
-              <a:t>-For a given set of TCR sequences, the distances between all possible pairs are calculated, and the results are formed into a distance matrix as shown in the Fig on the right, each element in the matrix represents the distance or similarity between the pairs, and once the distance matrix is calculated.</a:t>
-            </a:r>
+              <a:t>1. Simplicity and intuitiveness: The calculation of </a:t>
+            </a:r>
+            <a:r>
+              <a:rPr lang="en-US" altLang="zh-CN" dirty="0" err="1">
+                <a:latin typeface="Times New Roman" panose="02020603050405020304" pitchFamily="18" charset="0"/>
+                <a:cs typeface="Times New Roman" panose="02020603050405020304" pitchFamily="18" charset="0"/>
+              </a:rPr>
+              <a:t>Levenshtein</a:t>
+            </a:r>
+            <a:r>
+              <a:rPr lang="en-US" altLang="zh-CN" dirty="0">
+                <a:latin typeface="Times New Roman" panose="02020603050405020304" pitchFamily="18" charset="0"/>
+                <a:cs typeface="Times New Roman" panose="02020603050405020304" pitchFamily="18" charset="0"/>
+              </a:rPr>
+              <a:t> distance is based on three basic string operations: insertion, deletion and replacement.</a:t>
+            </a:r>
+          </a:p>
+          <a:p>
+            <a:pPr>
+              <a:lnSpc>
+                <a:spcPct val="120000"/>
+              </a:lnSpc>
+            </a:pPr>
+            <a:r>
+              <a:rPr lang="en-US" altLang="zh-CN" dirty="0">
+                <a:latin typeface="Times New Roman" panose="02020603050405020304" pitchFamily="18" charset="0"/>
+                <a:cs typeface="Times New Roman" panose="02020603050405020304" pitchFamily="18" charset="0"/>
+              </a:rPr>
+              <a:t>2. Computational efficiency: Although calculating the entire matrix requires high time complexity, by using dynamic programming, the calculation of </a:t>
+            </a:r>
+            <a:r>
+              <a:rPr lang="en-US" altLang="zh-CN" dirty="0" err="1">
+                <a:latin typeface="Times New Roman" panose="02020603050405020304" pitchFamily="18" charset="0"/>
+                <a:cs typeface="Times New Roman" panose="02020603050405020304" pitchFamily="18" charset="0"/>
+              </a:rPr>
+              <a:t>Levenshtein</a:t>
+            </a:r>
+            <a:r>
+              <a:rPr lang="en-US" altLang="zh-CN" dirty="0">
+                <a:latin typeface="Times New Roman" panose="02020603050405020304" pitchFamily="18" charset="0"/>
+                <a:cs typeface="Times New Roman" panose="02020603050405020304" pitchFamily="18" charset="0"/>
+              </a:rPr>
+              <a:t> distance can achieve acceptable execution speed through appropriate optimization.</a:t>
+            </a:r>
+          </a:p>
+          <a:p>
+            <a:pPr>
+              <a:lnSpc>
+                <a:spcPct val="120000"/>
+              </a:lnSpc>
+            </a:pPr>
+            <a:r>
+              <a:rPr lang="en-US" altLang="zh-CN" dirty="0">
+                <a:latin typeface="Times New Roman" panose="02020603050405020304" pitchFamily="18" charset="0"/>
+                <a:cs typeface="Times New Roman" panose="02020603050405020304" pitchFamily="18" charset="0"/>
+              </a:rPr>
+              <a:t>3. Wide range of applicability: This method can not only be applied to text data but can also be extended to any data type that can be serialized.</a:t>
+            </a:r>
+            <a:endParaRPr lang="zh-CN" altLang="en-US" dirty="0">
+              <a:latin typeface="Times New Roman" panose="02020603050405020304" pitchFamily="18" charset="0"/>
+              <a:cs typeface="Times New Roman" panose="02020603050405020304" pitchFamily="18" charset="0"/>
+            </a:endParaRPr>
           </a:p>
         </p:txBody>
       </p:sp>
     </p:spTree>
     <p:extLst>
       <p:ext uri="{BB962C8B-B14F-4D97-AF65-F5344CB8AC3E}">
-        <p14:creationId xmlns:p14="http://schemas.microsoft.com/office/powerpoint/2010/main" val="1117451437"/>
+        <p14:creationId xmlns:p14="http://schemas.microsoft.com/office/powerpoint/2010/main" val="3224059382"/>
       </p:ext>
     </p:extLst>
   </p:cSld>
@@ -11038,10 +11302,10 @@
       </p:grpSpPr>
       <p:sp>
         <p:nvSpPr>
-          <p:cNvPr id="2" name="标题 1">
-            <a:extLst>
-              <a:ext uri="{FF2B5EF4-FFF2-40B4-BE49-F238E27FC236}">
-                <a16:creationId xmlns:a16="http://schemas.microsoft.com/office/drawing/2014/main" id="{393CC19F-CA02-41DC-60DE-BDD34656347F}"/>
+          <p:cNvPr id="2" name="Title 1">
+            <a:extLst>
+              <a:ext uri="{FF2B5EF4-FFF2-40B4-BE49-F238E27FC236}">
+                <a16:creationId xmlns:a16="http://schemas.microsoft.com/office/drawing/2014/main" id="{3434913F-3039-3DC3-BB5E-EBE70668FCBC}"/>
               </a:ext>
             </a:extLst>
           </p:cNvPr>
@@ -11054,418 +11318,154 @@
         </p:nvSpPr>
         <p:spPr>
           <a:xfrm>
-            <a:off x="560296" y="263560"/>
-            <a:ext cx="11071410" cy="934376"/>
+            <a:off x="861237" y="858983"/>
+            <a:ext cx="10653823" cy="599456"/>
           </a:xfrm>
         </p:spPr>
         <p:txBody>
           <a:bodyPr>
-            <a:normAutofit/>
+            <a:normAutofit fontScale="90000"/>
           </a:bodyPr>
           <a:lstStyle/>
           <a:p>
             <a:r>
-              <a:rPr lang="en-US" sz="2000" dirty="0"/>
-              <a:t>TCR DISTANCE CALCULATION USING </a:t>
-            </a:r>
-            <a:r>
-              <a:rPr lang="en-US" altLang="zh-CN" sz="2000" dirty="0"/>
-              <a:t>LEVENSHTEIN DISTANCE:</a:t>
-            </a:r>
-            <a:endParaRPr lang="zh-CN" altLang="en-US" sz="2000" dirty="0"/>
-          </a:p>
-        </p:txBody>
-      </p:sp>
-      <p:sp>
-        <p:nvSpPr>
-          <p:cNvPr id="3" name="内容占位符 2">
-            <a:extLst>
-              <a:ext uri="{FF2B5EF4-FFF2-40B4-BE49-F238E27FC236}">
-                <a16:creationId xmlns:a16="http://schemas.microsoft.com/office/drawing/2014/main" id="{0352373B-40AE-5247-56DA-56B9AEBC446A}"/>
-              </a:ext>
-            </a:extLst>
-          </p:cNvPr>
-          <p:cNvSpPr>
-            <a:spLocks noGrp="1"/>
-          </p:cNvSpPr>
+              <a:rPr lang="en-US" dirty="0"/>
+              <a:t>TCR DISTANCE CALCULATION USING TCRDist:</a:t>
+            </a:r>
+          </a:p>
+        </p:txBody>
+      </p:sp>
+      <p:pic>
+        <p:nvPicPr>
+          <p:cNvPr id="5" name="Content Placeholder 4" descr="A diagram of a computer&#10;&#10;Description automatically generated">
+            <a:extLst>
+              <a:ext uri="{FF2B5EF4-FFF2-40B4-BE49-F238E27FC236}">
+                <a16:creationId xmlns:a16="http://schemas.microsoft.com/office/drawing/2014/main" id="{7E75B9D1-C1AF-DCBF-1F33-DF4D57D48BEB}"/>
+              </a:ext>
+            </a:extLst>
+          </p:cNvPr>
+          <p:cNvPicPr>
+            <a:picLocks noGrp="1" noChangeAspect="1"/>
+          </p:cNvPicPr>
           <p:nvPr>
             <p:ph idx="1"/>
           </p:nvPr>
-        </p:nvSpPr>
-        <p:spPr>
-          <a:xfrm>
-            <a:off x="560295" y="999460"/>
-            <a:ext cx="10954765" cy="5594980"/>
-          </a:xfrm>
-        </p:spPr>
-        <p:txBody>
-          <a:bodyPr>
-            <a:normAutofit fontScale="62500" lnSpcReduction="20000"/>
+        </p:nvPicPr>
+        <p:blipFill>
+          <a:blip r:embed="rId2"/>
+          <a:stretch>
+            <a:fillRect/>
+          </a:stretch>
+        </p:blipFill>
+        <p:spPr>
+          <a:xfrm>
+            <a:off x="0" y="2998693"/>
+            <a:ext cx="3347145" cy="2702859"/>
+          </a:xfrm>
+        </p:spPr>
+      </p:pic>
+      <p:pic>
+        <p:nvPicPr>
+          <p:cNvPr id="7" name="Picture 6" descr="A graph of a heat map&#10;&#10;Description automatically generated with medium confidence">
+            <a:extLst>
+              <a:ext uri="{FF2B5EF4-FFF2-40B4-BE49-F238E27FC236}">
+                <a16:creationId xmlns:a16="http://schemas.microsoft.com/office/drawing/2014/main" id="{EA7BFEC3-B5D7-D7FB-9A3A-8DA454C4BC6E}"/>
+              </a:ext>
+            </a:extLst>
+          </p:cNvPr>
+          <p:cNvPicPr>
+            <a:picLocks noChangeAspect="1"/>
+          </p:cNvPicPr>
+          <p:nvPr/>
+        </p:nvPicPr>
+        <p:blipFill>
+          <a:blip r:embed="rId3"/>
+          <a:stretch>
+            <a:fillRect/>
+          </a:stretch>
+        </p:blipFill>
+        <p:spPr>
+          <a:xfrm>
+            <a:off x="7394347" y="2614886"/>
+            <a:ext cx="4797653" cy="3903720"/>
+          </a:xfrm>
+          <a:prstGeom prst="rect">
+            <a:avLst/>
+          </a:prstGeom>
+        </p:spPr>
+      </p:pic>
+      <p:sp>
+        <p:nvSpPr>
+          <p:cNvPr id="8" name="TextBox 7">
+            <a:extLst>
+              <a:ext uri="{FF2B5EF4-FFF2-40B4-BE49-F238E27FC236}">
+                <a16:creationId xmlns:a16="http://schemas.microsoft.com/office/drawing/2014/main" id="{B7C3FFC7-1A97-D56D-6CBD-963DF6D61AC8}"/>
+              </a:ext>
+            </a:extLst>
+          </p:cNvPr>
+          <p:cNvSpPr txBox="1"/>
+          <p:nvPr/>
+        </p:nvSpPr>
+        <p:spPr>
+          <a:xfrm>
+            <a:off x="3347146" y="1860698"/>
+            <a:ext cx="4180705" cy="4832092"/>
+          </a:xfrm>
+          <a:prstGeom prst="rect">
+            <a:avLst/>
+          </a:prstGeom>
+          <a:noFill/>
+        </p:spPr>
+        <p:txBody>
+          <a:bodyPr wrap="square" rtlCol="0">
+            <a:spAutoFit/>
           </a:bodyPr>
           <a:lstStyle/>
           <a:p>
             <a:r>
-              <a:rPr lang="en-US" altLang="zh-CN" b="1" dirty="0">
+              <a:rPr lang="en-US" sz="1400" dirty="0">
                 <a:latin typeface="Times New Roman" panose="02020603050405020304" pitchFamily="18" charset="0"/>
                 <a:cs typeface="Times New Roman" panose="02020603050405020304" pitchFamily="18" charset="0"/>
               </a:rPr>
-              <a:t>P</a:t>
-            </a:r>
-            <a:r>
-              <a:rPr lang="en-GB" altLang="zh-CN" b="1" dirty="0">
-                <a:latin typeface="Times New Roman" panose="02020603050405020304" pitchFamily="18" charset="0"/>
-                <a:cs typeface="Times New Roman" panose="02020603050405020304" pitchFamily="18" charset="0"/>
-              </a:rPr>
-              <a:t>RINCIPLE</a:t>
-            </a:r>
-            <a:r>
-              <a:rPr lang="zh-CN" altLang="en-US" b="1" dirty="0">
-                <a:latin typeface="Times New Roman" panose="02020603050405020304" pitchFamily="18" charset="0"/>
-                <a:cs typeface="Times New Roman" panose="02020603050405020304" pitchFamily="18" charset="0"/>
-              </a:rPr>
-              <a:t>：</a:t>
-            </a:r>
-            <a:endParaRPr lang="en-US" altLang="zh-CN" b="1" dirty="0">
+              <a:t>-TCRdist which is a specialized tool for computing pairwise distances between T-cell receptor sequences was used. The dataset was divided into six subsets: human alpha, human beta, combined human alpha-beta, mouse alpha, mouse beta, and combined mouse alpha-beta as shown in the Fig on the left which shows the subdivision of data for TCR Distance Matrix Calculation. </a:t>
+            </a:r>
+          </a:p>
+          <a:p>
+            <a:endParaRPr lang="en-US" sz="1400" dirty="0">
               <a:latin typeface="Times New Roman" panose="02020603050405020304" pitchFamily="18" charset="0"/>
               <a:cs typeface="Times New Roman" panose="02020603050405020304" pitchFamily="18" charset="0"/>
             </a:endParaRPr>
           </a:p>
           <a:p>
-            <a:pPr>
-              <a:lnSpc>
-                <a:spcPct val="120000"/>
-              </a:lnSpc>
-            </a:pPr>
-            <a:r>
-              <a:rPr lang="en-US" altLang="zh-CN" dirty="0">
+            <a:r>
+              <a:rPr lang="en-US" sz="1400" dirty="0">
                 <a:latin typeface="Times New Roman" panose="02020603050405020304" pitchFamily="18" charset="0"/>
                 <a:cs typeface="Times New Roman" panose="02020603050405020304" pitchFamily="18" charset="0"/>
               </a:rPr>
-              <a:t>The minimum number of single-character edits (insertions, deletions, or substitutions) required to convert one string into another.</a:t>
-            </a:r>
-          </a:p>
-          <a:p>
-            <a:pPr>
-              <a:lnSpc>
-                <a:spcPct val="120000"/>
-              </a:lnSpc>
-            </a:pPr>
-            <a:r>
-              <a:rPr lang="en-US" altLang="zh-CN" dirty="0">
-                <a:latin typeface="Times New Roman" panose="02020603050405020304" pitchFamily="18" charset="0"/>
-                <a:cs typeface="Times New Roman" panose="02020603050405020304" pitchFamily="18" charset="0"/>
-              </a:rPr>
-              <a:t>Create a matrix of size </a:t>
-            </a:r>
-            <a:r>
-              <a:rPr lang="en-US" altLang="zh-CN" b="1" i="1" dirty="0">
-                <a:latin typeface="Times New Roman" panose="02020603050405020304" pitchFamily="18" charset="0"/>
-                <a:cs typeface="Times New Roman" panose="02020603050405020304" pitchFamily="18" charset="0"/>
-              </a:rPr>
-              <a:t>(m+1) x (n+1)</a:t>
-            </a:r>
-            <a:r>
-              <a:rPr lang="en-US" altLang="zh-CN" dirty="0">
-                <a:latin typeface="Times New Roman" panose="02020603050405020304" pitchFamily="18" charset="0"/>
-                <a:cs typeface="Times New Roman" panose="02020603050405020304" pitchFamily="18" charset="0"/>
-              </a:rPr>
-              <a:t>, where m and n are the lengths of the two strings.</a:t>
-            </a:r>
-          </a:p>
-          <a:p>
-            <a:pPr>
-              <a:lnSpc>
-                <a:spcPct val="120000"/>
-              </a:lnSpc>
-            </a:pPr>
-            <a:r>
-              <a:rPr lang="en-US" altLang="zh-CN" dirty="0">
-                <a:latin typeface="Times New Roman" panose="02020603050405020304" pitchFamily="18" charset="0"/>
-                <a:cs typeface="Times New Roman" panose="02020603050405020304" pitchFamily="18" charset="0"/>
-              </a:rPr>
-              <a:t>If the two current characters are the same (i.e. the </a:t>
-            </a:r>
-            <a:r>
-              <a:rPr lang="en-US" altLang="zh-CN" dirty="0" err="1">
-                <a:latin typeface="Times New Roman" panose="02020603050405020304" pitchFamily="18" charset="0"/>
-                <a:cs typeface="Times New Roman" panose="02020603050405020304" pitchFamily="18" charset="0"/>
-              </a:rPr>
-              <a:t>i-th</a:t>
-            </a:r>
-            <a:r>
-              <a:rPr lang="en-US" altLang="zh-CN" dirty="0">
-                <a:latin typeface="Times New Roman" panose="02020603050405020304" pitchFamily="18" charset="0"/>
-                <a:cs typeface="Times New Roman" panose="02020603050405020304" pitchFamily="18" charset="0"/>
-              </a:rPr>
-              <a:t> character of the first string and the j-</a:t>
-            </a:r>
-            <a:r>
-              <a:rPr lang="en-US" altLang="zh-CN" dirty="0" err="1">
-                <a:latin typeface="Times New Roman" panose="02020603050405020304" pitchFamily="18" charset="0"/>
-                <a:cs typeface="Times New Roman" panose="02020603050405020304" pitchFamily="18" charset="0"/>
-              </a:rPr>
-              <a:t>th</a:t>
-            </a:r>
-            <a:r>
-              <a:rPr lang="en-US" altLang="zh-CN" dirty="0">
-                <a:latin typeface="Times New Roman" panose="02020603050405020304" pitchFamily="18" charset="0"/>
-                <a:cs typeface="Times New Roman" panose="02020603050405020304" pitchFamily="18" charset="0"/>
-              </a:rPr>
-              <a:t> character of the second string), then </a:t>
-            </a:r>
-            <a:r>
-              <a:rPr lang="pl-PL" altLang="zh-CN" b="1" i="1" dirty="0">
-                <a:latin typeface="Times New Roman" panose="02020603050405020304" pitchFamily="18" charset="0"/>
-                <a:cs typeface="Times New Roman" panose="02020603050405020304" pitchFamily="18" charset="0"/>
-              </a:rPr>
-              <a:t>d[i][j]=d[i−1][j−1] </a:t>
-            </a:r>
-            <a:r>
-              <a:rPr lang="en-US" altLang="zh-CN" dirty="0">
-                <a:latin typeface="Times New Roman" panose="02020603050405020304" pitchFamily="18" charset="0"/>
-                <a:cs typeface="Times New Roman" panose="02020603050405020304" pitchFamily="18" charset="0"/>
-              </a:rPr>
-              <a:t>(no additional editing is required).</a:t>
-            </a:r>
-          </a:p>
-          <a:p>
-            <a:pPr>
-              <a:lnSpc>
-                <a:spcPct val="120000"/>
-              </a:lnSpc>
-            </a:pPr>
-            <a:r>
-              <a:rPr lang="en-US" altLang="zh-CN" dirty="0">
-                <a:latin typeface="Times New Roman" panose="02020603050405020304" pitchFamily="18" charset="0"/>
-                <a:cs typeface="Times New Roman" panose="02020603050405020304" pitchFamily="18" charset="0"/>
-              </a:rPr>
-              <a:t>If different, choose the smallest edit distance among the three operations:</a:t>
-            </a:r>
-          </a:p>
-          <a:p>
-            <a:pPr>
-              <a:lnSpc>
-                <a:spcPct val="120000"/>
-              </a:lnSpc>
-            </a:pPr>
-            <a:r>
-              <a:rPr lang="en-US" altLang="zh-CN" dirty="0">
-                <a:latin typeface="Times New Roman" panose="02020603050405020304" pitchFamily="18" charset="0"/>
-                <a:cs typeface="Times New Roman" panose="02020603050405020304" pitchFamily="18" charset="0"/>
-              </a:rPr>
-              <a:t>Delete</a:t>
-            </a:r>
-            <a:r>
-              <a:rPr lang="en-US" altLang="zh-CN" b="1" i="1" dirty="0">
-                <a:latin typeface="Times New Roman" panose="02020603050405020304" pitchFamily="18" charset="0"/>
-                <a:cs typeface="Times New Roman" panose="02020603050405020304" pitchFamily="18" charset="0"/>
-              </a:rPr>
-              <a:t>: </a:t>
-            </a:r>
-            <a:r>
-              <a:rPr lang="zh-CN" altLang="en-US" b="1" i="1" dirty="0">
-                <a:latin typeface="Times New Roman" panose="02020603050405020304" pitchFamily="18" charset="0"/>
-                <a:cs typeface="Times New Roman" panose="02020603050405020304" pitchFamily="18" charset="0"/>
-              </a:rPr>
-              <a:t>𝑑 </a:t>
-            </a:r>
-            <a:r>
-              <a:rPr lang="en-US" altLang="zh-CN" b="1" i="1" dirty="0">
-                <a:latin typeface="Times New Roman" panose="02020603050405020304" pitchFamily="18" charset="0"/>
-                <a:cs typeface="Times New Roman" panose="02020603050405020304" pitchFamily="18" charset="0"/>
-              </a:rPr>
-              <a:t>[i−1][j]+1</a:t>
-            </a:r>
-          </a:p>
-          <a:p>
-            <a:pPr>
-              <a:lnSpc>
-                <a:spcPct val="120000"/>
-              </a:lnSpc>
-            </a:pPr>
-            <a:r>
-              <a:rPr lang="en-US" altLang="zh-CN" dirty="0">
-                <a:latin typeface="Times New Roman" panose="02020603050405020304" pitchFamily="18" charset="0"/>
-                <a:cs typeface="Times New Roman" panose="02020603050405020304" pitchFamily="18" charset="0"/>
-              </a:rPr>
-              <a:t>Insertion: </a:t>
-            </a:r>
-            <a:r>
-              <a:rPr lang="zh-CN" altLang="en-US" b="1" i="1" dirty="0">
-                <a:latin typeface="Times New Roman" panose="02020603050405020304" pitchFamily="18" charset="0"/>
-                <a:cs typeface="Times New Roman" panose="02020603050405020304" pitchFamily="18" charset="0"/>
-              </a:rPr>
-              <a:t>𝑑 </a:t>
-            </a:r>
-            <a:r>
-              <a:rPr lang="en-US" altLang="zh-CN" b="1" i="1" dirty="0">
-                <a:latin typeface="Times New Roman" panose="02020603050405020304" pitchFamily="18" charset="0"/>
-                <a:cs typeface="Times New Roman" panose="02020603050405020304" pitchFamily="18" charset="0"/>
-              </a:rPr>
-              <a:t>[</a:t>
-            </a:r>
-            <a:r>
-              <a:rPr lang="en-US" altLang="zh-CN" b="1" i="1" dirty="0" err="1">
-                <a:latin typeface="Times New Roman" panose="02020603050405020304" pitchFamily="18" charset="0"/>
-                <a:cs typeface="Times New Roman" panose="02020603050405020304" pitchFamily="18" charset="0"/>
-              </a:rPr>
-              <a:t>i</a:t>
-            </a:r>
-            <a:r>
-              <a:rPr lang="en-US" altLang="zh-CN" b="1" i="1" dirty="0">
-                <a:latin typeface="Times New Roman" panose="02020603050405020304" pitchFamily="18" charset="0"/>
-                <a:cs typeface="Times New Roman" panose="02020603050405020304" pitchFamily="18" charset="0"/>
-              </a:rPr>
-              <a:t>][j−1]+1</a:t>
-            </a:r>
-          </a:p>
-          <a:p>
-            <a:pPr>
-              <a:lnSpc>
-                <a:spcPct val="120000"/>
-              </a:lnSpc>
-            </a:pPr>
-            <a:r>
-              <a:rPr lang="en-US" altLang="zh-CN" dirty="0">
-                <a:latin typeface="Times New Roman" panose="02020603050405020304" pitchFamily="18" charset="0"/>
-                <a:cs typeface="Times New Roman" panose="02020603050405020304" pitchFamily="18" charset="0"/>
-              </a:rPr>
-              <a:t>Replacement: </a:t>
-            </a:r>
-            <a:r>
-              <a:rPr lang="zh-CN" altLang="en-US" b="1" i="1" dirty="0">
-                <a:latin typeface="Times New Roman" panose="02020603050405020304" pitchFamily="18" charset="0"/>
-                <a:cs typeface="Times New Roman" panose="02020603050405020304" pitchFamily="18" charset="0"/>
-              </a:rPr>
-              <a:t>𝑑 </a:t>
-            </a:r>
-            <a:r>
-              <a:rPr lang="en-US" altLang="zh-CN" b="1" i="1" dirty="0">
-                <a:latin typeface="Times New Roman" panose="02020603050405020304" pitchFamily="18" charset="0"/>
-                <a:cs typeface="Times New Roman" panose="02020603050405020304" pitchFamily="18" charset="0"/>
-              </a:rPr>
-              <a:t>[i−1][j−1]+1</a:t>
-            </a:r>
-          </a:p>
-          <a:p>
-            <a:pPr>
-              <a:lnSpc>
-                <a:spcPct val="120000"/>
-              </a:lnSpc>
-            </a:pPr>
-            <a:r>
-              <a:rPr lang="en-US" altLang="zh-CN" dirty="0">
-                <a:latin typeface="Times New Roman" panose="02020603050405020304" pitchFamily="18" charset="0"/>
-                <a:cs typeface="Times New Roman" panose="02020603050405020304" pitchFamily="18" charset="0"/>
-              </a:rPr>
-              <a:t>The last element of the matrix, d[m][n], contains the minimum number of edit operations required to convert the entire first string into the second string.</a:t>
-            </a:r>
-          </a:p>
-          <a:p>
-            <a:pPr>
-              <a:lnSpc>
-                <a:spcPct val="120000"/>
-              </a:lnSpc>
-            </a:pPr>
-            <a:r>
-              <a:rPr lang="en-GB" altLang="zh-CN" b="1" dirty="0">
-                <a:latin typeface="Times New Roman" panose="02020603050405020304" pitchFamily="18" charset="0"/>
-                <a:cs typeface="Times New Roman" panose="02020603050405020304" pitchFamily="18" charset="0"/>
-              </a:rPr>
-              <a:t>ADVANTAGE</a:t>
-            </a:r>
-            <a:r>
-              <a:rPr lang="zh-CN" altLang="en-US" b="1" dirty="0">
-                <a:latin typeface="Times New Roman" panose="02020603050405020304" pitchFamily="18" charset="0"/>
-                <a:cs typeface="Times New Roman" panose="02020603050405020304" pitchFamily="18" charset="0"/>
-              </a:rPr>
-              <a:t>：</a:t>
-            </a:r>
-            <a:endParaRPr lang="en-US" altLang="zh-CN" b="1" dirty="0">
+              <a:t>-Each subset was processed to calculate the TCR distance matrix for both alpha and beta chains. The distance matrices were essential for quantifying the similarity between TCR sequences, which is a crucial step for further analysis such as clustering and dimensionality reduction. </a:t>
+            </a:r>
+          </a:p>
+          <a:p>
+            <a:endParaRPr lang="en-US" sz="1400" dirty="0">
               <a:latin typeface="Times New Roman" panose="02020603050405020304" pitchFamily="18" charset="0"/>
               <a:cs typeface="Times New Roman" panose="02020603050405020304" pitchFamily="18" charset="0"/>
             </a:endParaRPr>
           </a:p>
           <a:p>
-            <a:pPr>
-              <a:lnSpc>
-                <a:spcPct val="120000"/>
-              </a:lnSpc>
-            </a:pPr>
-            <a:r>
-              <a:rPr lang="en-US" altLang="zh-CN" dirty="0">
+            <a:r>
+              <a:rPr lang="en-US" sz="1400" dirty="0">
                 <a:latin typeface="Times New Roman" panose="02020603050405020304" pitchFamily="18" charset="0"/>
                 <a:cs typeface="Times New Roman" panose="02020603050405020304" pitchFamily="18" charset="0"/>
               </a:rPr>
-              <a:t>1. Simplicity and intuitiveness: The calculation of </a:t>
-            </a:r>
-            <a:r>
-              <a:rPr lang="en-US" altLang="zh-CN" dirty="0" err="1">
-                <a:latin typeface="Times New Roman" panose="02020603050405020304" pitchFamily="18" charset="0"/>
-                <a:cs typeface="Times New Roman" panose="02020603050405020304" pitchFamily="18" charset="0"/>
-              </a:rPr>
-              <a:t>Levenshtein</a:t>
-            </a:r>
-            <a:r>
-              <a:rPr lang="en-US" altLang="zh-CN" dirty="0">
-                <a:latin typeface="Times New Roman" panose="02020603050405020304" pitchFamily="18" charset="0"/>
-                <a:cs typeface="Times New Roman" panose="02020603050405020304" pitchFamily="18" charset="0"/>
-              </a:rPr>
-              <a:t> distance is based on three basic string operations: insertion, deletion and replacement.</a:t>
-            </a:r>
-          </a:p>
-          <a:p>
-            <a:pPr>
-              <a:lnSpc>
-                <a:spcPct val="120000"/>
-              </a:lnSpc>
-            </a:pPr>
-            <a:r>
-              <a:rPr lang="en-US" altLang="zh-CN" dirty="0">
-                <a:latin typeface="Times New Roman" panose="02020603050405020304" pitchFamily="18" charset="0"/>
-                <a:cs typeface="Times New Roman" panose="02020603050405020304" pitchFamily="18" charset="0"/>
-              </a:rPr>
-              <a:t>2. Computational efficiency: Although calculating the entire matrix requires high time complexity, by using dynamic programming, the calculation of </a:t>
-            </a:r>
-            <a:r>
-              <a:rPr lang="en-US" altLang="zh-CN" dirty="0" err="1">
-                <a:latin typeface="Times New Roman" panose="02020603050405020304" pitchFamily="18" charset="0"/>
-                <a:cs typeface="Times New Roman" panose="02020603050405020304" pitchFamily="18" charset="0"/>
-              </a:rPr>
-              <a:t>Levenshtein</a:t>
-            </a:r>
-            <a:r>
-              <a:rPr lang="en-US" altLang="zh-CN" dirty="0">
-                <a:latin typeface="Times New Roman" panose="02020603050405020304" pitchFamily="18" charset="0"/>
-                <a:cs typeface="Times New Roman" panose="02020603050405020304" pitchFamily="18" charset="0"/>
-              </a:rPr>
-              <a:t> distance can achieve acceptable execution speed through appropriate optimization.</a:t>
-            </a:r>
-          </a:p>
-          <a:p>
-            <a:pPr>
-              <a:lnSpc>
-                <a:spcPct val="120000"/>
-              </a:lnSpc>
-            </a:pPr>
-            <a:r>
-              <a:rPr lang="en-US" altLang="zh-CN" dirty="0">
-                <a:latin typeface="Times New Roman" panose="02020603050405020304" pitchFamily="18" charset="0"/>
-                <a:cs typeface="Times New Roman" panose="02020603050405020304" pitchFamily="18" charset="0"/>
-              </a:rPr>
-              <a:t>3. Wide range of applicability: This method can not only be applied to text data but can also be extended to any data type that can be serialized.</a:t>
-            </a:r>
-            <a:endParaRPr lang="zh-CN" altLang="en-US" dirty="0">
-              <a:latin typeface="Times New Roman" panose="02020603050405020304" pitchFamily="18" charset="0"/>
-              <a:cs typeface="Times New Roman" panose="02020603050405020304" pitchFamily="18" charset="0"/>
-            </a:endParaRPr>
+              <a:t>-For a given set of TCR sequences, the distances between all possible pairs are calculated, and the results are formed into a distance matrix as shown in the Fig on the right, each element in the matrix represents the distance or similarity between the pairs, and once the distance matrix is calculated.</a:t>
+            </a:r>
           </a:p>
         </p:txBody>
       </p:sp>
     </p:spTree>
     <p:extLst>
       <p:ext uri="{BB962C8B-B14F-4D97-AF65-F5344CB8AC3E}">
-        <p14:creationId xmlns:p14="http://schemas.microsoft.com/office/powerpoint/2010/main" val="3224059382"/>
+        <p14:creationId xmlns:p14="http://schemas.microsoft.com/office/powerpoint/2010/main" val="1117451437"/>
       </p:ext>
     </p:extLst>
   </p:cSld>

--- a/summative presentation/Summative Oral Presentation-Group 4.pptx
+++ b/summative presentation/Summative Oral Presentation-Group 4.pptx
@@ -5,7 +5,7 @@
     <p:sldMasterId id="2147483738" r:id="rId1"/>
   </p:sldMasterIdLst>
   <p:notesMasterIdLst>
-    <p:notesMasterId r:id="rId23"/>
+    <p:notesMasterId r:id="rId24"/>
   </p:notesMasterIdLst>
   <p:sldIdLst>
     <p:sldId id="256" r:id="rId2"/>
@@ -20,15 +20,16 @@
     <p:sldId id="278" r:id="rId11"/>
     <p:sldId id="279" r:id="rId12"/>
     <p:sldId id="280" r:id="rId13"/>
-    <p:sldId id="281" r:id="rId14"/>
-    <p:sldId id="282" r:id="rId15"/>
-    <p:sldId id="268" r:id="rId16"/>
-    <p:sldId id="264" r:id="rId17"/>
-    <p:sldId id="273" r:id="rId18"/>
-    <p:sldId id="275" r:id="rId19"/>
-    <p:sldId id="276" r:id="rId20"/>
-    <p:sldId id="272" r:id="rId21"/>
-    <p:sldId id="274" r:id="rId22"/>
+    <p:sldId id="284" r:id="rId14"/>
+    <p:sldId id="281" r:id="rId15"/>
+    <p:sldId id="282" r:id="rId16"/>
+    <p:sldId id="268" r:id="rId17"/>
+    <p:sldId id="264" r:id="rId18"/>
+    <p:sldId id="273" r:id="rId19"/>
+    <p:sldId id="275" r:id="rId20"/>
+    <p:sldId id="276" r:id="rId21"/>
+    <p:sldId id="272" r:id="rId22"/>
+    <p:sldId id="274" r:id="rId23"/>
   </p:sldIdLst>
   <p:sldSz cx="12192000" cy="6858000"/>
   <p:notesSz cx="6858000" cy="9144000"/>
@@ -283,7 +284,7 @@
           <a:p>
             <a:fld id="{F639A5E2-6E83-014F-97C5-6ED19623C635}" type="datetimeFigureOut">
               <a:rPr lang="en-US" smtClean="0"/>
-              <a:t>5/8/24</a:t>
+              <a:t>5/8/2024</a:t>
             </a:fld>
             <a:endParaRPr lang="en-US"/>
           </a:p>
@@ -719,7 +720,7 @@
           <a:p>
             <a:fld id="{FDF5A797-DF59-42FB-9C4F-582F14BEC284}" type="slidenum">
               <a:rPr lang="zh-CN" altLang="en-US" smtClean="0"/>
-              <a:t>13</a:t>
+              <a:t>14</a:t>
             </a:fld>
             <a:endParaRPr lang="zh-CN" altLang="en-US"/>
           </a:p>
@@ -995,7 +996,7 @@
           <a:p>
             <a:fld id="{3341EE12-F28E-4B03-A404-A8FCAE0F6316}" type="datetime1">
               <a:rPr lang="en-US" smtClean="0"/>
-              <a:t>5/8/24</a:t>
+              <a:t>5/8/2024</a:t>
             </a:fld>
             <a:endParaRPr lang="en-US" dirty="0"/>
           </a:p>
@@ -1280,7 +1281,7 @@
           <a:p>
             <a:fld id="{B68B8189-0D9C-48A6-9FA3-862227B094CE}" type="datetime1">
               <a:rPr lang="en-US" smtClean="0"/>
-              <a:t>5/8/24</a:t>
+              <a:t>5/8/2024</a:t>
             </a:fld>
             <a:endParaRPr lang="en-US"/>
           </a:p>
@@ -1644,7 +1645,7 @@
           <a:p>
             <a:fld id="{26ADDCAE-6443-42C3-9C19-F95985500186}" type="datetime1">
               <a:rPr lang="en-US" smtClean="0"/>
-              <a:t>5/8/24</a:t>
+              <a:t>5/8/2024</a:t>
             </a:fld>
             <a:endParaRPr lang="en-US" dirty="0"/>
           </a:p>
@@ -1906,7 +1907,7 @@
           <a:p>
             <a:fld id="{1962799E-EB8E-4038-8063-81BB57C732D4}" type="datetime1">
               <a:rPr lang="en-US" smtClean="0"/>
-              <a:t>5/8/24</a:t>
+              <a:t>5/8/2024</a:t>
             </a:fld>
             <a:endParaRPr lang="en-US"/>
           </a:p>
@@ -2336,7 +2337,7 @@
           <a:p>
             <a:fld id="{217A73C3-B243-44D3-809D-EF8FDFBD85D4}" type="datetime1">
               <a:rPr lang="en-US" smtClean="0"/>
-              <a:t>5/8/24</a:t>
+              <a:t>5/8/2024</a:t>
             </a:fld>
             <a:endParaRPr lang="en-US" dirty="0"/>
           </a:p>
@@ -2667,7 +2668,7 @@
           <a:p>
             <a:fld id="{C9B6D3E3-28E2-4380-A113-67698215C5F8}" type="datetime1">
               <a:rPr lang="en-US" smtClean="0"/>
-              <a:t>5/8/24</a:t>
+              <a:t>5/8/2024</a:t>
             </a:fld>
             <a:endParaRPr lang="en-US" dirty="0"/>
           </a:p>
@@ -3100,7 +3101,7 @@
           <a:p>
             <a:fld id="{A9EFCB61-04AD-47C9-BF79-2BD8B9CEC07A}" type="datetime1">
               <a:rPr lang="en-US" smtClean="0"/>
-              <a:t>5/8/24</a:t>
+              <a:t>5/8/2024</a:t>
             </a:fld>
             <a:endParaRPr lang="en-US" dirty="0"/>
           </a:p>
@@ -3252,7 +3253,7 @@
           <a:p>
             <a:fld id="{A4535E0C-D585-492F-8146-7493F4086301}" type="datetime1">
               <a:rPr lang="en-US" smtClean="0"/>
-              <a:t>5/8/24</a:t>
+              <a:t>5/8/2024</a:t>
             </a:fld>
             <a:endParaRPr lang="en-US"/>
           </a:p>
@@ -3415,7 +3416,7 @@
           <a:p>
             <a:fld id="{8CE48390-48B5-49AB-B019-A7C8FB8C31F6}" type="datetime1">
               <a:rPr lang="en-US" smtClean="0"/>
-              <a:t>5/8/24</a:t>
+              <a:t>5/8/2024</a:t>
             </a:fld>
             <a:endParaRPr lang="en-US"/>
           </a:p>
@@ -3944,7 +3945,7 @@
           <a:p>
             <a:fld id="{962E767E-8A14-4E70-91B9-2101CBC4D7BD}" type="datetime1">
               <a:rPr lang="en-US" smtClean="0"/>
-              <a:t>5/8/24</a:t>
+              <a:t>5/8/2024</a:t>
             </a:fld>
             <a:endParaRPr lang="en-US" dirty="0"/>
           </a:p>
@@ -4465,7 +4466,7 @@
           <a:p>
             <a:fld id="{01AF0C4B-5A4A-45CA-ABEC-10F107160D33}" type="datetime1">
               <a:rPr lang="en-US" smtClean="0"/>
-              <a:t>5/8/24</a:t>
+              <a:t>5/8/2024</a:t>
             </a:fld>
             <a:endParaRPr lang="en-US" dirty="0"/>
           </a:p>
@@ -5015,7 +5016,7 @@
           <a:p>
             <a:fld id="{6989806E-8E94-473C-AEE7-BE6F15F85533}" type="datetime1">
               <a:rPr lang="en-US" smtClean="0"/>
-              <a:t>5/8/24</a:t>
+              <a:t>5/8/2024</a:t>
             </a:fld>
             <a:endParaRPr lang="en-US" dirty="0"/>
           </a:p>
@@ -7131,6 +7132,233 @@
       </p:grpSpPr>
       <p:sp>
         <p:nvSpPr>
+          <p:cNvPr id="5" name="标题 4">
+            <a:extLst>
+              <a:ext uri="{FF2B5EF4-FFF2-40B4-BE49-F238E27FC236}">
+                <a16:creationId xmlns:a16="http://schemas.microsoft.com/office/drawing/2014/main" id="{360AC2A2-FECE-23AD-8298-6E22713B5EF0}"/>
+              </a:ext>
+            </a:extLst>
+          </p:cNvPr>
+          <p:cNvSpPr>
+            <a:spLocks noGrp="1"/>
+          </p:cNvSpPr>
+          <p:nvPr>
+            <p:ph type="title"/>
+          </p:nvPr>
+        </p:nvSpPr>
+        <p:spPr/>
+        <p:txBody>
+          <a:bodyPr/>
+          <a:lstStyle/>
+          <a:p>
+            <a:r>
+              <a:rPr lang="en-US" altLang="zh-CN" dirty="0"/>
+              <a:t>Alpha vs. Beta vs. Combined Chains</a:t>
+            </a:r>
+            <a:endParaRPr lang="zh-CN" altLang="en-US" dirty="0"/>
+          </a:p>
+        </p:txBody>
+      </p:sp>
+      <p:pic>
+        <p:nvPicPr>
+          <p:cNvPr id="9" name="内容占位符 8">
+            <a:extLst>
+              <a:ext uri="{FF2B5EF4-FFF2-40B4-BE49-F238E27FC236}">
+                <a16:creationId xmlns:a16="http://schemas.microsoft.com/office/drawing/2014/main" id="{2A6E8A90-CE72-56BA-C013-81EF721376DF}"/>
+              </a:ext>
+            </a:extLst>
+          </p:cNvPr>
+          <p:cNvPicPr>
+            <a:picLocks noGrp="1" noChangeAspect="1"/>
+          </p:cNvPicPr>
+          <p:nvPr>
+            <p:ph idx="1"/>
+          </p:nvPr>
+        </p:nvPicPr>
+        <p:blipFill>
+          <a:blip r:embed="rId2"/>
+          <a:stretch>
+            <a:fillRect/>
+          </a:stretch>
+        </p:blipFill>
+        <p:spPr>
+          <a:xfrm>
+            <a:off x="7536624" y="2719182"/>
+            <a:ext cx="3911829" cy="3907164"/>
+          </a:xfrm>
+        </p:spPr>
+      </p:pic>
+      <p:sp>
+        <p:nvSpPr>
+          <p:cNvPr id="2" name="文本框 1">
+            <a:extLst>
+              <a:ext uri="{FF2B5EF4-FFF2-40B4-BE49-F238E27FC236}">
+                <a16:creationId xmlns:a16="http://schemas.microsoft.com/office/drawing/2014/main" id="{20511160-0F12-1B78-8621-DB6EEEF07D12}"/>
+              </a:ext>
+            </a:extLst>
+          </p:cNvPr>
+          <p:cNvSpPr txBox="1"/>
+          <p:nvPr/>
+        </p:nvSpPr>
+        <p:spPr>
+          <a:xfrm>
+            <a:off x="743547" y="2967335"/>
+            <a:ext cx="5591645" cy="923330"/>
+          </a:xfrm>
+          <a:prstGeom prst="rect">
+            <a:avLst/>
+          </a:prstGeom>
+          <a:noFill/>
+          <a:ln>
+            <a:solidFill>
+              <a:srgbClr val="FF0000"/>
+            </a:solidFill>
+          </a:ln>
+        </p:spPr>
+        <p:txBody>
+          <a:bodyPr wrap="square">
+            <a:spAutoFit/>
+          </a:bodyPr>
+          <a:lstStyle/>
+          <a:p>
+            <a:pPr marL="285750" indent="-285750">
+              <a:buFont typeface="Arial" panose="020B0604020202020204" pitchFamily="34" charset="0"/>
+              <a:buChar char="•"/>
+            </a:pPr>
+            <a:r>
+              <a:rPr lang="en-GB" altLang="zh-CN" dirty="0">
+                <a:solidFill>
+                  <a:srgbClr val="0D0D0D"/>
+                </a:solidFill>
+                <a:highlight>
+                  <a:srgbClr val="FFFFFF"/>
+                </a:highlight>
+                <a:latin typeface="Segoe UI" panose="020B0502040204020203" pitchFamily="34" charset="0"/>
+                <a:ea typeface="等线" panose="02010600030101010101" pitchFamily="2" charset="-122"/>
+              </a:rPr>
+              <a:t>More dispersed</a:t>
+            </a:r>
+          </a:p>
+          <a:p>
+            <a:pPr marL="285750" indent="-285750">
+              <a:buFont typeface="Arial" panose="020B0604020202020204" pitchFamily="34" charset="0"/>
+              <a:buChar char="•"/>
+            </a:pPr>
+            <a:r>
+              <a:rPr lang="en-US" altLang="zh-CN" dirty="0">
+                <a:solidFill>
+                  <a:srgbClr val="0D0D0D"/>
+                </a:solidFill>
+                <a:highlight>
+                  <a:srgbClr val="FFFFFF"/>
+                </a:highlight>
+                <a:latin typeface="Segoe UI" panose="020B0502040204020203" pitchFamily="34" charset="0"/>
+                <a:ea typeface="等线" panose="02010600030101010101" pitchFamily="2" charset="-122"/>
+              </a:rPr>
+              <a:t>Different </a:t>
+            </a:r>
+            <a:r>
+              <a:rPr lang="en-GB" altLang="zh-CN" dirty="0">
+                <a:solidFill>
+                  <a:srgbClr val="0D0D0D"/>
+                </a:solidFill>
+                <a:highlight>
+                  <a:srgbClr val="FFFFFF"/>
+                </a:highlight>
+                <a:latin typeface="Segoe UI" panose="020B0502040204020203" pitchFamily="34" charset="0"/>
+                <a:ea typeface="等线" panose="02010600030101010101" pitchFamily="2" charset="-122"/>
+              </a:rPr>
+              <a:t>specificity mixed together and difficult to form distinct high-purity clusters</a:t>
+            </a:r>
+          </a:p>
+        </p:txBody>
+      </p:sp>
+      <p:sp>
+        <p:nvSpPr>
+          <p:cNvPr id="3" name="文本框 2">
+            <a:extLst>
+              <a:ext uri="{FF2B5EF4-FFF2-40B4-BE49-F238E27FC236}">
+                <a16:creationId xmlns:a16="http://schemas.microsoft.com/office/drawing/2014/main" id="{A3B4D8C1-F52E-CA9D-5637-2B0B2B42803A}"/>
+              </a:ext>
+            </a:extLst>
+          </p:cNvPr>
+          <p:cNvSpPr txBox="1"/>
+          <p:nvPr/>
+        </p:nvSpPr>
+        <p:spPr>
+          <a:xfrm>
+            <a:off x="740280" y="4364590"/>
+            <a:ext cx="5598177" cy="1477328"/>
+          </a:xfrm>
+          <a:prstGeom prst="rect">
+            <a:avLst/>
+          </a:prstGeom>
+          <a:noFill/>
+          <a:ln>
+            <a:solidFill>
+              <a:srgbClr val="00B0F0"/>
+            </a:solidFill>
+          </a:ln>
+        </p:spPr>
+        <p:txBody>
+          <a:bodyPr wrap="square" rtlCol="0">
+            <a:spAutoFit/>
+          </a:bodyPr>
+          <a:lstStyle/>
+          <a:p>
+            <a:pPr marL="285750" indent="-285750">
+              <a:buFont typeface="Arial" panose="020B0604020202020204" pitchFamily="34" charset="0"/>
+              <a:buChar char="•"/>
+            </a:pPr>
+            <a:r>
+              <a:rPr lang="en-US" altLang="zh-CN" dirty="0"/>
+              <a:t>The different combinations of TCRs on the Alpha and Beta chains make the TCRs more diverse, leading to a more diverse distribution.</a:t>
+            </a:r>
+          </a:p>
+          <a:p>
+            <a:pPr marL="285750" indent="-285750">
+              <a:buFont typeface="Arial" panose="020B0604020202020204" pitchFamily="34" charset="0"/>
+              <a:buChar char="•"/>
+            </a:pPr>
+            <a:r>
+              <a:rPr lang="en-US" altLang="zh-CN" dirty="0"/>
+              <a:t>TCR epitope recognition is broadened by combining Alpha and Beta chains.</a:t>
+            </a:r>
+          </a:p>
+        </p:txBody>
+      </p:sp>
+    </p:spTree>
+    <p:extLst>
+      <p:ext uri="{BB962C8B-B14F-4D97-AF65-F5344CB8AC3E}">
+        <p14:creationId xmlns:p14="http://schemas.microsoft.com/office/powerpoint/2010/main" val="2430533191"/>
+      </p:ext>
+    </p:extLst>
+  </p:cSld>
+  <p:clrMapOvr>
+    <a:masterClrMapping/>
+  </p:clrMapOvr>
+</p:sld>
+</file>
+
+<file path=ppt/slides/slide14.xml><?xml version="1.0" encoding="utf-8"?>
+<p:sld xmlns:a="http://schemas.openxmlformats.org/drawingml/2006/main" xmlns:r="http://schemas.openxmlformats.org/officeDocument/2006/relationships" xmlns:p="http://schemas.openxmlformats.org/presentationml/2006/main">
+  <p:cSld>
+    <p:spTree>
+      <p:nvGrpSpPr>
+        <p:cNvPr id="1" name=""/>
+        <p:cNvGrpSpPr/>
+        <p:nvPr/>
+      </p:nvGrpSpPr>
+      <p:grpSpPr>
+        <a:xfrm>
+          <a:off x="0" y="0"/>
+          <a:ext cx="0" cy="0"/>
+          <a:chOff x="0" y="0"/>
+          <a:chExt cx="0" cy="0"/>
+        </a:xfrm>
+      </p:grpSpPr>
+      <p:sp>
+        <p:nvSpPr>
           <p:cNvPr id="7" name="标题 6">
             <a:extLst>
               <a:ext uri="{FF2B5EF4-FFF2-40B4-BE49-F238E27FC236}">
@@ -7481,214 +7709,6 @@
 </p:sld>
 </file>
 
-<file path=ppt/slides/slide14.xml><?xml version="1.0" encoding="utf-8"?>
-<p:sld xmlns:a="http://schemas.openxmlformats.org/drawingml/2006/main" xmlns:r="http://schemas.openxmlformats.org/officeDocument/2006/relationships" xmlns:p="http://schemas.openxmlformats.org/presentationml/2006/main">
-  <p:cSld>
-    <p:spTree>
-      <p:nvGrpSpPr>
-        <p:cNvPr id="1" name=""/>
-        <p:cNvGrpSpPr/>
-        <p:nvPr/>
-      </p:nvGrpSpPr>
-      <p:grpSpPr>
-        <a:xfrm>
-          <a:off x="0" y="0"/>
-          <a:ext cx="0" cy="0"/>
-          <a:chOff x="0" y="0"/>
-          <a:chExt cx="0" cy="0"/>
-        </a:xfrm>
-      </p:grpSpPr>
-      <p:pic>
-        <p:nvPicPr>
-          <p:cNvPr id="11" name="内容占位符 10">
-            <a:extLst>
-              <a:ext uri="{FF2B5EF4-FFF2-40B4-BE49-F238E27FC236}">
-                <a16:creationId xmlns:a16="http://schemas.microsoft.com/office/drawing/2014/main" id="{56519AA8-FC18-531A-7476-125362D3C4B3}"/>
-              </a:ext>
-            </a:extLst>
-          </p:cNvPr>
-          <p:cNvPicPr>
-            <a:picLocks noGrp="1" noChangeAspect="1"/>
-          </p:cNvPicPr>
-          <p:nvPr>
-            <p:ph idx="1"/>
-          </p:nvPr>
-        </p:nvPicPr>
-        <p:blipFill>
-          <a:blip r:embed="rId2"/>
-          <a:stretch>
-            <a:fillRect/>
-          </a:stretch>
-        </p:blipFill>
-        <p:spPr>
-          <a:xfrm>
-            <a:off x="4819659" y="3163048"/>
-            <a:ext cx="6972658" cy="2044805"/>
-          </a:xfrm>
-        </p:spPr>
-      </p:pic>
-      <p:sp>
-        <p:nvSpPr>
-          <p:cNvPr id="7" name="标题 6">
-            <a:extLst>
-              <a:ext uri="{FF2B5EF4-FFF2-40B4-BE49-F238E27FC236}">
-                <a16:creationId xmlns:a16="http://schemas.microsoft.com/office/drawing/2014/main" id="{8695EF42-AF12-C103-1819-CBE4A5AF67A6}"/>
-              </a:ext>
-            </a:extLst>
-          </p:cNvPr>
-          <p:cNvSpPr>
-            <a:spLocks noGrp="1"/>
-          </p:cNvSpPr>
-          <p:nvPr>
-            <p:ph type="title"/>
-          </p:nvPr>
-        </p:nvSpPr>
-        <p:spPr/>
-        <p:txBody>
-          <a:bodyPr/>
-          <a:lstStyle/>
-          <a:p>
-            <a:r>
-              <a:rPr lang="en-US" altLang="zh-CN" dirty="0"/>
-              <a:t>Human vs. Mouse</a:t>
-            </a:r>
-            <a:endParaRPr lang="zh-CN" altLang="en-US" dirty="0"/>
-          </a:p>
-        </p:txBody>
-      </p:sp>
-      <p:sp>
-        <p:nvSpPr>
-          <p:cNvPr id="12" name="文本框 11">
-            <a:extLst>
-              <a:ext uri="{FF2B5EF4-FFF2-40B4-BE49-F238E27FC236}">
-                <a16:creationId xmlns:a16="http://schemas.microsoft.com/office/drawing/2014/main" id="{5753E2E0-CB77-D857-EF46-D5C7137C31C3}"/>
-              </a:ext>
-            </a:extLst>
-          </p:cNvPr>
-          <p:cNvSpPr txBox="1"/>
-          <p:nvPr/>
-        </p:nvSpPr>
-        <p:spPr>
-          <a:xfrm>
-            <a:off x="299332" y="2960525"/>
-            <a:ext cx="4375179" cy="923330"/>
-          </a:xfrm>
-          <a:prstGeom prst="rect">
-            <a:avLst/>
-          </a:prstGeom>
-          <a:noFill/>
-          <a:ln>
-            <a:solidFill>
-              <a:srgbClr val="FF0000"/>
-            </a:solidFill>
-          </a:ln>
-        </p:spPr>
-        <p:txBody>
-          <a:bodyPr wrap="square" rtlCol="0">
-            <a:spAutoFit/>
-          </a:bodyPr>
-          <a:lstStyle/>
-          <a:p>
-            <a:r>
-              <a:rPr lang="en-US" altLang="zh-CN" dirty="0"/>
-              <a:t>Hierarchical clustering performs better on human TCR and DBSCAN performs better on mouse TCR.</a:t>
-            </a:r>
-            <a:endParaRPr lang="en-GB" altLang="zh-CN" sz="1800" dirty="0">
-              <a:solidFill>
-                <a:srgbClr val="0D0D0D"/>
-              </a:solidFill>
-              <a:effectLst/>
-              <a:highlight>
-                <a:srgbClr val="FFFFFF"/>
-              </a:highlight>
-              <a:latin typeface="Segoe UI" panose="020B0502040204020203" pitchFamily="34" charset="0"/>
-              <a:ea typeface="等线" panose="02010600030101010101" pitchFamily="2" charset="-122"/>
-            </a:endParaRPr>
-          </a:p>
-        </p:txBody>
-      </p:sp>
-      <p:sp>
-        <p:nvSpPr>
-          <p:cNvPr id="3" name="文本框 2">
-            <a:extLst>
-              <a:ext uri="{FF2B5EF4-FFF2-40B4-BE49-F238E27FC236}">
-                <a16:creationId xmlns:a16="http://schemas.microsoft.com/office/drawing/2014/main" id="{F2471B7B-EEF6-CCBB-C635-7D9F39C44992}"/>
-              </a:ext>
-            </a:extLst>
-          </p:cNvPr>
-          <p:cNvSpPr txBox="1"/>
-          <p:nvPr/>
-        </p:nvSpPr>
-        <p:spPr>
-          <a:xfrm>
-            <a:off x="299332" y="4229959"/>
-            <a:ext cx="4203700" cy="1200329"/>
-          </a:xfrm>
-          <a:prstGeom prst="rect">
-            <a:avLst/>
-          </a:prstGeom>
-          <a:noFill/>
-          <a:ln>
-            <a:solidFill>
-              <a:srgbClr val="00B0F0"/>
-            </a:solidFill>
-          </a:ln>
-        </p:spPr>
-        <p:txBody>
-          <a:bodyPr wrap="square">
-            <a:spAutoFit/>
-          </a:bodyPr>
-          <a:lstStyle/>
-          <a:p>
-            <a:pPr marL="285750" indent="-285750">
-              <a:buFont typeface="Arial" panose="020B0604020202020204" pitchFamily="34" charset="0"/>
-              <a:buChar char="•"/>
-            </a:pPr>
-            <a:r>
-              <a:rPr lang="en-US" altLang="zh-CN" dirty="0">
-                <a:latin typeface="Söhne"/>
-                <a:cs typeface="Times New Roman" panose="02020603050405020304" pitchFamily="18" charset="0"/>
-              </a:rPr>
-              <a:t>H</a:t>
-            </a:r>
-            <a:r>
-              <a:rPr lang="en-US" altLang="zh-CN" sz="1800" dirty="0">
-                <a:effectLst/>
-                <a:latin typeface="Söhne"/>
-                <a:cs typeface="Times New Roman" panose="02020603050405020304" pitchFamily="18" charset="0"/>
-              </a:rPr>
-              <a:t>uman TCR data distribution have a more apparent hierarchical structure.</a:t>
-            </a:r>
-          </a:p>
-          <a:p>
-            <a:pPr marL="285750" indent="-285750">
-              <a:buFont typeface="Arial" panose="020B0604020202020204" pitchFamily="34" charset="0"/>
-              <a:buChar char="•"/>
-            </a:pPr>
-            <a:r>
-              <a:rPr lang="en-US" altLang="zh-CN" sz="1800" dirty="0">
-                <a:effectLst/>
-                <a:latin typeface="Söhne"/>
-                <a:cs typeface="Times New Roman" panose="02020603050405020304" pitchFamily="18" charset="0"/>
-              </a:rPr>
-              <a:t>Mouse TCR density distribution is less dispersed or variable.</a:t>
-            </a:r>
-          </a:p>
-        </p:txBody>
-      </p:sp>
-    </p:spTree>
-    <p:extLst>
-      <p:ext uri="{BB962C8B-B14F-4D97-AF65-F5344CB8AC3E}">
-        <p14:creationId xmlns:p14="http://schemas.microsoft.com/office/powerpoint/2010/main" val="1656236313"/>
-      </p:ext>
-    </p:extLst>
-  </p:cSld>
-  <p:clrMapOvr>
-    <a:masterClrMapping/>
-  </p:clrMapOvr>
-</p:sld>
-</file>
-
 <file path=ppt/slides/slide15.xml><?xml version="1.0" encoding="utf-8"?>
 <p:sld xmlns:a="http://schemas.openxmlformats.org/drawingml/2006/main" xmlns:r="http://schemas.openxmlformats.org/officeDocument/2006/relationships" xmlns:p="http://schemas.openxmlformats.org/presentationml/2006/main">
   <p:cSld>
@@ -7730,8 +7750,8 @@
         </p:blipFill>
         <p:spPr>
           <a:xfrm>
-            <a:off x="4707466" y="3917210"/>
-            <a:ext cx="6903671" cy="2044805"/>
+            <a:off x="4819659" y="3163048"/>
+            <a:ext cx="6972658" cy="2044805"/>
           </a:xfrm>
         </p:spPr>
       </p:pic>
@@ -7753,28 +7773,12 @@
         </p:nvSpPr>
         <p:spPr/>
         <p:txBody>
-          <a:bodyPr>
-            <a:normAutofit fontScale="90000"/>
-          </a:bodyPr>
-          <a:lstStyle/>
-          <a:p>
-            <a:r>
-              <a:rPr lang="en-ID" altLang="zh-CN" dirty="0"/>
-              <a:t>Agglomerative Hierarchical Clustering</a:t>
-            </a:r>
-            <a:br>
-              <a:rPr lang="en-ID" altLang="zh-CN" dirty="0"/>
-            </a:br>
+          <a:bodyPr/>
+          <a:lstStyle/>
+          <a:p>
             <a:r>
               <a:rPr lang="en-US" altLang="zh-CN" dirty="0"/>
-              <a:t> vs. </a:t>
-            </a:r>
-            <a:br>
-              <a:rPr lang="en-US" altLang="zh-CN" dirty="0"/>
-            </a:br>
-            <a:r>
-              <a:rPr lang="en-US" altLang="zh-CN" dirty="0"/>
-              <a:t>DBSCAN</a:t>
+              <a:t>Human vs. Mouse</a:t>
             </a:r>
             <a:endParaRPr lang="zh-CN" altLang="en-US" dirty="0"/>
           </a:p>
@@ -7782,10 +7786,10 @@
       </p:sp>
       <p:sp>
         <p:nvSpPr>
-          <p:cNvPr id="3" name="文本框 2">
-            <a:extLst>
-              <a:ext uri="{FF2B5EF4-FFF2-40B4-BE49-F238E27FC236}">
-                <a16:creationId xmlns:a16="http://schemas.microsoft.com/office/drawing/2014/main" id="{55C7BAEF-154A-6AD1-2901-8FE5EFFD0088}"/>
+          <p:cNvPr id="12" name="文本框 11">
+            <a:extLst>
+              <a:ext uri="{FF2B5EF4-FFF2-40B4-BE49-F238E27FC236}">
+                <a16:creationId xmlns:a16="http://schemas.microsoft.com/office/drawing/2014/main" id="{5753E2E0-CB77-D857-EF46-D5C7137C31C3}"/>
               </a:ext>
             </a:extLst>
           </p:cNvPr>
@@ -7794,8 +7798,8 @@
         </p:nvSpPr>
         <p:spPr>
           <a:xfrm>
-            <a:off x="380459" y="2896383"/>
-            <a:ext cx="10169995" cy="923330"/>
+            <a:off x="299332" y="2960525"/>
+            <a:ext cx="4375179" cy="923330"/>
           </a:xfrm>
           <a:prstGeom prst="rect">
             <a:avLst/>
@@ -7808,77 +7812,35 @@
           </a:ln>
         </p:spPr>
         <p:txBody>
-          <a:bodyPr wrap="square">
+          <a:bodyPr wrap="square" rtlCol="0">
             <a:spAutoFit/>
           </a:bodyPr>
           <a:lstStyle/>
           <a:p>
-            <a:pPr marL="285750" indent="-285750">
-              <a:buFont typeface="Arial" panose="020B0604020202020204" pitchFamily="34" charset="0"/>
-              <a:buChar char="•"/>
-            </a:pPr>
-            <a:r>
-              <a:rPr lang="en-US" altLang="zh-CN" dirty="0">
-                <a:ea typeface="+mj-ea"/>
-                <a:cs typeface="Times New Roman" panose="02020603050405020304" pitchFamily="18" charset="0"/>
-              </a:rPr>
-              <a:t>P</a:t>
-            </a:r>
-            <a:r>
-              <a:rPr lang="en-US" altLang="zh-CN" sz="1800" dirty="0">
-                <a:effectLst/>
-                <a:ea typeface="+mj-ea"/>
-                <a:cs typeface="Times New Roman" panose="02020603050405020304" pitchFamily="18" charset="0"/>
-              </a:rPr>
-              <a:t>urity fraction: DBSCAN results is half of hierarchical clustering.</a:t>
-            </a:r>
-          </a:p>
-          <a:p>
-            <a:pPr marL="285750" indent="-285750">
-              <a:buFont typeface="Arial" panose="020B0604020202020204" pitchFamily="34" charset="0"/>
-              <a:buChar char="•"/>
-            </a:pPr>
-            <a:r>
-              <a:rPr lang="en-US" altLang="zh-CN" dirty="0">
-                <a:ea typeface="+mj-ea"/>
-                <a:cs typeface="Times New Roman" panose="02020603050405020304" pitchFamily="18" charset="0"/>
-              </a:rPr>
-              <a:t>P</a:t>
-            </a:r>
-            <a:r>
-              <a:rPr lang="en-US" altLang="zh-CN" sz="1800" dirty="0">
-                <a:effectLst/>
-                <a:ea typeface="+mj-ea"/>
-                <a:cs typeface="Times New Roman" panose="02020603050405020304" pitchFamily="18" charset="0"/>
-              </a:rPr>
-              <a:t>urity retention: DBSCAN  is nearly only a quarter of hierarchical clustering.</a:t>
-            </a:r>
-          </a:p>
-          <a:p>
-            <a:pPr marL="285750" indent="-285750">
-              <a:buFont typeface="Arial" panose="020B0604020202020204" pitchFamily="34" charset="0"/>
-              <a:buChar char="•"/>
-            </a:pPr>
-            <a:r>
-              <a:rPr lang="en-US" altLang="zh-CN" sz="1800" dirty="0">
-                <a:effectLst/>
-                <a:ea typeface="+mj-ea"/>
-                <a:cs typeface="Times New Roman" panose="02020603050405020304" pitchFamily="18" charset="0"/>
-              </a:rPr>
-              <a:t>NMI: DBSCAN has a relatively small gap with hierarchical clustering.</a:t>
-            </a:r>
-            <a:endParaRPr lang="zh-CN" altLang="en-US" dirty="0">
-              <a:ea typeface="+mj-ea"/>
+            <a:r>
+              <a:rPr lang="en-US" altLang="zh-CN" dirty="0"/>
+              <a:t>Hierarchical clustering performs better on human TCR and DBSCAN performs better on mouse TCR.</a:t>
+            </a:r>
+            <a:endParaRPr lang="en-GB" altLang="zh-CN" sz="1800" dirty="0">
+              <a:solidFill>
+                <a:srgbClr val="0D0D0D"/>
+              </a:solidFill>
+              <a:effectLst/>
+              <a:highlight>
+                <a:srgbClr val="FFFFFF"/>
+              </a:highlight>
+              <a:latin typeface="Segoe UI" panose="020B0502040204020203" pitchFamily="34" charset="0"/>
+              <a:ea typeface="等线" panose="02010600030101010101" pitchFamily="2" charset="-122"/>
             </a:endParaRPr>
           </a:p>
         </p:txBody>
       </p:sp>
       <p:sp>
         <p:nvSpPr>
-          <p:cNvPr id="2" name="文本框 1">
-            <a:extLst>
-              <a:ext uri="{FF2B5EF4-FFF2-40B4-BE49-F238E27FC236}">
-                <a16:creationId xmlns:a16="http://schemas.microsoft.com/office/drawing/2014/main" id="{D1D944F4-4619-5C70-521A-1B26AB1EA113}"/>
+          <p:cNvPr id="3" name="文本框 2">
+            <a:extLst>
+              <a:ext uri="{FF2B5EF4-FFF2-40B4-BE49-F238E27FC236}">
+                <a16:creationId xmlns:a16="http://schemas.microsoft.com/office/drawing/2014/main" id="{F2471B7B-EEF6-CCBB-C635-7D9F39C44992}"/>
               </a:ext>
             </a:extLst>
           </p:cNvPr>
@@ -7887,8 +7849,8 @@
         </p:nvSpPr>
         <p:spPr>
           <a:xfrm>
-            <a:off x="380459" y="4152566"/>
-            <a:ext cx="4327007" cy="1477328"/>
+            <a:off x="299332" y="4229959"/>
+            <a:ext cx="4203700" cy="1200329"/>
           </a:xfrm>
           <a:prstGeom prst="rect">
             <a:avLst/>
@@ -7912,9 +7874,18 @@
             </a:pPr>
             <a:r>
               <a:rPr lang="en-US" altLang="zh-CN" dirty="0">
-                <a:ea typeface="+mj-ea"/>
-              </a:rPr>
-              <a:t>The density distribution of TCR chains can be very heterogeneous.</a:t>
+                <a:latin typeface="Söhne"/>
+                <a:cs typeface="Times New Roman" panose="02020603050405020304" pitchFamily="18" charset="0"/>
+              </a:rPr>
+              <a:t>H</a:t>
+            </a:r>
+            <a:r>
+              <a:rPr lang="en-US" altLang="zh-CN" sz="1800" dirty="0">
+                <a:effectLst/>
+                <a:latin typeface="Söhne"/>
+                <a:cs typeface="Times New Roman" panose="02020603050405020304" pitchFamily="18" charset="0"/>
+              </a:rPr>
+              <a:t>uman TCR data distribution have a more apparent hierarchical structure.</a:t>
             </a:r>
           </a:p>
           <a:p>
@@ -7923,34 +7894,20 @@
               <a:buChar char="•"/>
             </a:pPr>
             <a:r>
-              <a:rPr lang="en-US" altLang="zh-CN" dirty="0">
-                <a:ea typeface="+mj-ea"/>
-              </a:rPr>
-              <a:t>Hierarchical clustering is more robust and able to handle</a:t>
-            </a:r>
-            <a:r>
-              <a:rPr lang="en-US" altLang="zh-CN" dirty="0">
-                <a:solidFill>
-                  <a:srgbClr val="0D0D0D"/>
-                </a:solidFill>
-                <a:highlight>
-                  <a:srgbClr val="FFFFFF"/>
-                </a:highlight>
-                <a:latin typeface="Segoe UI" panose="020B0502040204020203" pitchFamily="34" charset="0"/>
-                <a:ea typeface="等线" panose="02010600030101010101" pitchFamily="2" charset="-122"/>
-              </a:rPr>
-              <a:t> complex and variable TCR distributions</a:t>
-            </a:r>
-            <a:endParaRPr lang="en-US" altLang="zh-CN" dirty="0">
-              <a:ea typeface="+mj-ea"/>
-            </a:endParaRPr>
+              <a:rPr lang="en-US" altLang="zh-CN" sz="1800" dirty="0">
+                <a:effectLst/>
+                <a:latin typeface="Söhne"/>
+                <a:cs typeface="Times New Roman" panose="02020603050405020304" pitchFamily="18" charset="0"/>
+              </a:rPr>
+              <a:t>Mouse TCR density distribution is less dispersed or variable.</a:t>
+            </a:r>
           </a:p>
         </p:txBody>
       </p:sp>
     </p:spTree>
     <p:extLst>
       <p:ext uri="{BB962C8B-B14F-4D97-AF65-F5344CB8AC3E}">
-        <p14:creationId xmlns:p14="http://schemas.microsoft.com/office/powerpoint/2010/main" val="1873876021"/>
+        <p14:creationId xmlns:p14="http://schemas.microsoft.com/office/powerpoint/2010/main" val="1656236313"/>
       </p:ext>
     </p:extLst>
   </p:cSld>
@@ -7977,6 +7934,277 @@
           <a:chExt cx="0" cy="0"/>
         </a:xfrm>
       </p:grpSpPr>
+      <p:pic>
+        <p:nvPicPr>
+          <p:cNvPr id="11" name="内容占位符 10">
+            <a:extLst>
+              <a:ext uri="{FF2B5EF4-FFF2-40B4-BE49-F238E27FC236}">
+                <a16:creationId xmlns:a16="http://schemas.microsoft.com/office/drawing/2014/main" id="{56519AA8-FC18-531A-7476-125362D3C4B3}"/>
+              </a:ext>
+            </a:extLst>
+          </p:cNvPr>
+          <p:cNvPicPr>
+            <a:picLocks noGrp="1" noChangeAspect="1"/>
+          </p:cNvPicPr>
+          <p:nvPr>
+            <p:ph idx="1"/>
+          </p:nvPr>
+        </p:nvPicPr>
+        <p:blipFill>
+          <a:blip r:embed="rId2"/>
+          <a:stretch>
+            <a:fillRect/>
+          </a:stretch>
+        </p:blipFill>
+        <p:spPr>
+          <a:xfrm>
+            <a:off x="4707466" y="4042716"/>
+            <a:ext cx="6903671" cy="2044805"/>
+          </a:xfrm>
+        </p:spPr>
+      </p:pic>
+      <p:sp>
+        <p:nvSpPr>
+          <p:cNvPr id="7" name="标题 6">
+            <a:extLst>
+              <a:ext uri="{FF2B5EF4-FFF2-40B4-BE49-F238E27FC236}">
+                <a16:creationId xmlns:a16="http://schemas.microsoft.com/office/drawing/2014/main" id="{8695EF42-AF12-C103-1819-CBE4A5AF67A6}"/>
+              </a:ext>
+            </a:extLst>
+          </p:cNvPr>
+          <p:cNvSpPr>
+            <a:spLocks noGrp="1"/>
+          </p:cNvSpPr>
+          <p:nvPr>
+            <p:ph type="title"/>
+          </p:nvPr>
+        </p:nvSpPr>
+        <p:spPr/>
+        <p:txBody>
+          <a:bodyPr>
+            <a:normAutofit fontScale="90000"/>
+          </a:bodyPr>
+          <a:lstStyle/>
+          <a:p>
+            <a:r>
+              <a:rPr lang="en-ID" altLang="zh-CN" dirty="0"/>
+              <a:t>Agglomerative Hierarchical Clustering</a:t>
+            </a:r>
+            <a:br>
+              <a:rPr lang="en-ID" altLang="zh-CN" dirty="0"/>
+            </a:br>
+            <a:r>
+              <a:rPr lang="en-US" altLang="zh-CN" dirty="0"/>
+              <a:t> vs. </a:t>
+            </a:r>
+            <a:br>
+              <a:rPr lang="en-US" altLang="zh-CN" dirty="0"/>
+            </a:br>
+            <a:r>
+              <a:rPr lang="en-US" altLang="zh-CN" dirty="0"/>
+              <a:t>DBSCAN</a:t>
+            </a:r>
+            <a:endParaRPr lang="zh-CN" altLang="en-US" dirty="0"/>
+          </a:p>
+        </p:txBody>
+      </p:sp>
+      <p:sp>
+        <p:nvSpPr>
+          <p:cNvPr id="3" name="文本框 2">
+            <a:extLst>
+              <a:ext uri="{FF2B5EF4-FFF2-40B4-BE49-F238E27FC236}">
+                <a16:creationId xmlns:a16="http://schemas.microsoft.com/office/drawing/2014/main" id="{55C7BAEF-154A-6AD1-2901-8FE5EFFD0088}"/>
+              </a:ext>
+            </a:extLst>
+          </p:cNvPr>
+          <p:cNvSpPr txBox="1"/>
+          <p:nvPr/>
+        </p:nvSpPr>
+        <p:spPr>
+          <a:xfrm>
+            <a:off x="380459" y="2896383"/>
+            <a:ext cx="10169995" cy="923330"/>
+          </a:xfrm>
+          <a:prstGeom prst="rect">
+            <a:avLst/>
+          </a:prstGeom>
+          <a:noFill/>
+          <a:ln>
+            <a:solidFill>
+              <a:srgbClr val="FF0000"/>
+            </a:solidFill>
+          </a:ln>
+        </p:spPr>
+        <p:txBody>
+          <a:bodyPr wrap="square">
+            <a:spAutoFit/>
+          </a:bodyPr>
+          <a:lstStyle/>
+          <a:p>
+            <a:pPr marL="285750" indent="-285750">
+              <a:buFont typeface="Arial" panose="020B0604020202020204" pitchFamily="34" charset="0"/>
+              <a:buChar char="•"/>
+            </a:pPr>
+            <a:r>
+              <a:rPr lang="en-US" altLang="zh-CN" dirty="0">
+                <a:ea typeface="+mj-ea"/>
+                <a:cs typeface="Times New Roman" panose="02020603050405020304" pitchFamily="18" charset="0"/>
+              </a:rPr>
+              <a:t>P</a:t>
+            </a:r>
+            <a:r>
+              <a:rPr lang="en-US" altLang="zh-CN" sz="1800" dirty="0">
+                <a:effectLst/>
+                <a:ea typeface="+mj-ea"/>
+                <a:cs typeface="Times New Roman" panose="02020603050405020304" pitchFamily="18" charset="0"/>
+              </a:rPr>
+              <a:t>urity fraction: DBSCAN results is half of hierarchical clustering.</a:t>
+            </a:r>
+          </a:p>
+          <a:p>
+            <a:pPr marL="285750" indent="-285750">
+              <a:buFont typeface="Arial" panose="020B0604020202020204" pitchFamily="34" charset="0"/>
+              <a:buChar char="•"/>
+            </a:pPr>
+            <a:r>
+              <a:rPr lang="en-US" altLang="zh-CN" dirty="0">
+                <a:ea typeface="+mj-ea"/>
+                <a:cs typeface="Times New Roman" panose="02020603050405020304" pitchFamily="18" charset="0"/>
+              </a:rPr>
+              <a:t>P</a:t>
+            </a:r>
+            <a:r>
+              <a:rPr lang="en-US" altLang="zh-CN" sz="1800" dirty="0">
+                <a:effectLst/>
+                <a:ea typeface="+mj-ea"/>
+                <a:cs typeface="Times New Roman" panose="02020603050405020304" pitchFamily="18" charset="0"/>
+              </a:rPr>
+              <a:t>urity retention: DBSCAN  is nearly only a quarter of hierarchical clustering.</a:t>
+            </a:r>
+          </a:p>
+          <a:p>
+            <a:pPr marL="285750" indent="-285750">
+              <a:buFont typeface="Arial" panose="020B0604020202020204" pitchFamily="34" charset="0"/>
+              <a:buChar char="•"/>
+            </a:pPr>
+            <a:r>
+              <a:rPr lang="en-US" altLang="zh-CN" sz="1800" dirty="0">
+                <a:effectLst/>
+                <a:ea typeface="+mj-ea"/>
+                <a:cs typeface="Times New Roman" panose="02020603050405020304" pitchFamily="18" charset="0"/>
+              </a:rPr>
+              <a:t>NMI: DBSCAN has a relatively small gap with hierarchical clustering.</a:t>
+            </a:r>
+            <a:endParaRPr lang="zh-CN" altLang="en-US" dirty="0">
+              <a:ea typeface="+mj-ea"/>
+            </a:endParaRPr>
+          </a:p>
+        </p:txBody>
+      </p:sp>
+      <p:sp>
+        <p:nvSpPr>
+          <p:cNvPr id="2" name="文本框 1">
+            <a:extLst>
+              <a:ext uri="{FF2B5EF4-FFF2-40B4-BE49-F238E27FC236}">
+                <a16:creationId xmlns:a16="http://schemas.microsoft.com/office/drawing/2014/main" id="{D1D944F4-4619-5C70-521A-1B26AB1EA113}"/>
+              </a:ext>
+            </a:extLst>
+          </p:cNvPr>
+          <p:cNvSpPr txBox="1"/>
+          <p:nvPr/>
+        </p:nvSpPr>
+        <p:spPr>
+          <a:xfrm>
+            <a:off x="380459" y="4152566"/>
+            <a:ext cx="4327007" cy="1477328"/>
+          </a:xfrm>
+          <a:prstGeom prst="rect">
+            <a:avLst/>
+          </a:prstGeom>
+          <a:noFill/>
+          <a:ln>
+            <a:solidFill>
+              <a:srgbClr val="00B0F0"/>
+            </a:solidFill>
+          </a:ln>
+        </p:spPr>
+        <p:txBody>
+          <a:bodyPr wrap="square">
+            <a:spAutoFit/>
+          </a:bodyPr>
+          <a:lstStyle/>
+          <a:p>
+            <a:pPr marL="285750" indent="-285750">
+              <a:buFont typeface="Arial" panose="020B0604020202020204" pitchFamily="34" charset="0"/>
+              <a:buChar char="•"/>
+            </a:pPr>
+            <a:r>
+              <a:rPr lang="en-US" altLang="zh-CN" dirty="0">
+                <a:ea typeface="+mj-ea"/>
+              </a:rPr>
+              <a:t>The density distribution of TCR chains can be very heterogeneous.</a:t>
+            </a:r>
+          </a:p>
+          <a:p>
+            <a:pPr marL="285750" indent="-285750">
+              <a:buFont typeface="Arial" panose="020B0604020202020204" pitchFamily="34" charset="0"/>
+              <a:buChar char="•"/>
+            </a:pPr>
+            <a:r>
+              <a:rPr lang="en-US" altLang="zh-CN" dirty="0">
+                <a:ea typeface="+mj-ea"/>
+              </a:rPr>
+              <a:t>Hierarchical clustering is more robust and able to handle</a:t>
+            </a:r>
+            <a:r>
+              <a:rPr lang="en-US" altLang="zh-CN" dirty="0">
+                <a:solidFill>
+                  <a:srgbClr val="0D0D0D"/>
+                </a:solidFill>
+                <a:highlight>
+                  <a:srgbClr val="FFFFFF"/>
+                </a:highlight>
+                <a:latin typeface="Segoe UI" panose="020B0502040204020203" pitchFamily="34" charset="0"/>
+                <a:ea typeface="等线" panose="02010600030101010101" pitchFamily="2" charset="-122"/>
+              </a:rPr>
+              <a:t> complex and variable TCR distributions</a:t>
+            </a:r>
+            <a:endParaRPr lang="en-US" altLang="zh-CN" dirty="0">
+              <a:ea typeface="+mj-ea"/>
+            </a:endParaRPr>
+          </a:p>
+        </p:txBody>
+      </p:sp>
+    </p:spTree>
+    <p:extLst>
+      <p:ext uri="{BB962C8B-B14F-4D97-AF65-F5344CB8AC3E}">
+        <p14:creationId xmlns:p14="http://schemas.microsoft.com/office/powerpoint/2010/main" val="1873876021"/>
+      </p:ext>
+    </p:extLst>
+  </p:cSld>
+  <p:clrMapOvr>
+    <a:masterClrMapping/>
+  </p:clrMapOvr>
+</p:sld>
+</file>
+
+<file path=ppt/slides/slide17.xml><?xml version="1.0" encoding="utf-8"?>
+<p:sld xmlns:a="http://schemas.openxmlformats.org/drawingml/2006/main" xmlns:r="http://schemas.openxmlformats.org/officeDocument/2006/relationships" xmlns:p="http://schemas.openxmlformats.org/presentationml/2006/main">
+  <p:cSld>
+    <p:spTree>
+      <p:nvGrpSpPr>
+        <p:cNvPr id="1" name=""/>
+        <p:cNvGrpSpPr/>
+        <p:nvPr/>
+      </p:nvGrpSpPr>
+      <p:grpSpPr>
+        <a:xfrm>
+          <a:off x="0" y="0"/>
+          <a:ext cx="0" cy="0"/>
+          <a:chOff x="0" y="0"/>
+          <a:chExt cx="0" cy="0"/>
+        </a:xfrm>
+      </p:grpSpPr>
       <p:sp>
         <p:nvSpPr>
           <p:cNvPr id="2" name="Title 1">
@@ -8099,7 +8327,7 @@
 </p:sld>
 </file>
 
-<file path=ppt/slides/slide17.xml><?xml version="1.0" encoding="utf-8"?>
+<file path=ppt/slides/slide18.xml><?xml version="1.0" encoding="utf-8"?>
 <p:sld xmlns:a="http://schemas.openxmlformats.org/drawingml/2006/main" xmlns:r="http://schemas.openxmlformats.org/officeDocument/2006/relationships" xmlns:p="http://schemas.openxmlformats.org/presentationml/2006/main">
   <p:cSld>
     <p:spTree>
@@ -8419,7 +8647,7 @@
 </p:sld>
 </file>
 
-<file path=ppt/slides/slide18.xml><?xml version="1.0" encoding="utf-8"?>
+<file path=ppt/slides/slide19.xml><?xml version="1.0" encoding="utf-8"?>
 <p:sld xmlns:a="http://schemas.openxmlformats.org/drawingml/2006/main" xmlns:r="http://schemas.openxmlformats.org/officeDocument/2006/relationships" xmlns:p="http://schemas.openxmlformats.org/presentationml/2006/main">
   <p:cSld>
     <p:spTree>
@@ -8735,7 +8963,209 @@
 </p:sld>
 </file>
 
-<file path=ppt/slides/slide19.xml><?xml version="1.0" encoding="utf-8"?>
+<file path=ppt/slides/slide2.xml><?xml version="1.0" encoding="utf-8"?>
+<p:sld xmlns:a="http://schemas.openxmlformats.org/drawingml/2006/main" xmlns:r="http://schemas.openxmlformats.org/officeDocument/2006/relationships" xmlns:p="http://schemas.openxmlformats.org/presentationml/2006/main">
+  <p:cSld>
+    <p:spTree>
+      <p:nvGrpSpPr>
+        <p:cNvPr id="1" name=""/>
+        <p:cNvGrpSpPr/>
+        <p:nvPr/>
+      </p:nvGrpSpPr>
+      <p:grpSpPr>
+        <a:xfrm>
+          <a:off x="0" y="0"/>
+          <a:ext cx="0" cy="0"/>
+          <a:chOff x="0" y="0"/>
+          <a:chExt cx="0" cy="0"/>
+        </a:xfrm>
+      </p:grpSpPr>
+      <p:sp>
+        <p:nvSpPr>
+          <p:cNvPr id="2" name="Title 1">
+            <a:extLst>
+              <a:ext uri="{FF2B5EF4-FFF2-40B4-BE49-F238E27FC236}">
+                <a16:creationId xmlns:a16="http://schemas.microsoft.com/office/drawing/2014/main" id="{F8F01A10-00D7-352E-1302-779550F657B0}"/>
+              </a:ext>
+            </a:extLst>
+          </p:cNvPr>
+          <p:cNvSpPr>
+            <a:spLocks noGrp="1"/>
+          </p:cNvSpPr>
+          <p:nvPr>
+            <p:ph type="title"/>
+          </p:nvPr>
+        </p:nvSpPr>
+        <p:spPr>
+          <a:xfrm>
+            <a:off x="797441" y="510362"/>
+            <a:ext cx="10345563" cy="701751"/>
+          </a:xfrm>
+        </p:spPr>
+        <p:txBody>
+          <a:bodyPr>
+            <a:normAutofit fontScale="90000"/>
+          </a:bodyPr>
+          <a:lstStyle/>
+          <a:p>
+            <a:r>
+              <a:rPr lang="en-US" dirty="0"/>
+              <a:t>INTRODUCTION:</a:t>
+            </a:r>
+          </a:p>
+        </p:txBody>
+      </p:sp>
+      <p:sp>
+        <p:nvSpPr>
+          <p:cNvPr id="3" name="Content Placeholder 2">
+            <a:extLst>
+              <a:ext uri="{FF2B5EF4-FFF2-40B4-BE49-F238E27FC236}">
+                <a16:creationId xmlns:a16="http://schemas.microsoft.com/office/drawing/2014/main" id="{C219F858-47C0-88BA-1C54-9B1DF10DEC39}"/>
+              </a:ext>
+            </a:extLst>
+          </p:cNvPr>
+          <p:cNvSpPr>
+            <a:spLocks noGrp="1"/>
+          </p:cNvSpPr>
+          <p:nvPr>
+            <p:ph idx="1"/>
+          </p:nvPr>
+        </p:nvSpPr>
+        <p:spPr>
+          <a:xfrm>
+            <a:off x="361507" y="1733108"/>
+            <a:ext cx="11238614" cy="4614530"/>
+          </a:xfrm>
+        </p:spPr>
+        <p:txBody>
+          <a:bodyPr>
+            <a:noAutofit/>
+          </a:bodyPr>
+          <a:lstStyle/>
+          <a:p>
+            <a:r>
+              <a:rPr lang="en-US" altLang="zh-CN" sz="2400" dirty="0">
+                <a:solidFill>
+                  <a:srgbClr val="000000"/>
+                </a:solidFill>
+                <a:effectLst/>
+                <a:latin typeface="Calibri" panose="020F0502020204030204" pitchFamily="34" charset="0"/>
+                <a:ea typeface="Calibri" panose="020F0502020204030204" pitchFamily="34" charset="0"/>
+              </a:rPr>
+              <a:t>In the field of immunology, research on T cell receptors (TCR) has always been a hotspot. TCRs activate T cells by recognizing and binding to peptide-MHC complexes on the surface of antigen-presenting cells</a:t>
+            </a:r>
+            <a:r>
+              <a:rPr lang="en-US" altLang="zh-CN" sz="2400" dirty="0">
+                <a:solidFill>
+                  <a:srgbClr val="000000"/>
+                </a:solidFill>
+                <a:effectLst/>
+                <a:latin typeface="Times New Roman" panose="02020603050405020304" pitchFamily="18" charset="0"/>
+                <a:ea typeface="Calibri" panose="020F0502020204030204" pitchFamily="34" charset="0"/>
+                <a:cs typeface="Times New Roman" panose="02020603050405020304" pitchFamily="18" charset="0"/>
+              </a:rPr>
+              <a:t>.</a:t>
+            </a:r>
+          </a:p>
+          <a:p>
+            <a:r>
+              <a:rPr lang="en-US" altLang="zh-CN" sz="2400" dirty="0">
+                <a:solidFill>
+                  <a:srgbClr val="000000"/>
+                </a:solidFill>
+                <a:effectLst/>
+                <a:latin typeface="Calibri" panose="020F0502020204030204" pitchFamily="34" charset="0"/>
+                <a:ea typeface="Calibri" panose="020F0502020204030204" pitchFamily="34" charset="0"/>
+              </a:rPr>
+              <a:t>However, existing studies often rely on traditional biostatistical methods or high-demand deep learning techniques to analyze TCR data.</a:t>
+            </a:r>
+            <a:endParaRPr lang="en-US" altLang="zh-CN" sz="2400" dirty="0">
+              <a:solidFill>
+                <a:srgbClr val="000000"/>
+              </a:solidFill>
+              <a:latin typeface="Times New Roman" panose="02020603050405020304" pitchFamily="18" charset="0"/>
+              <a:ea typeface="Calibri" panose="020F0502020204030204" pitchFamily="34" charset="0"/>
+              <a:cs typeface="Times New Roman" panose="02020603050405020304" pitchFamily="18" charset="0"/>
+            </a:endParaRPr>
+          </a:p>
+          <a:p>
+            <a:r>
+              <a:rPr lang="en-US" altLang="zh-CN" sz="2400" dirty="0">
+                <a:solidFill>
+                  <a:srgbClr val="000000"/>
+                </a:solidFill>
+                <a:effectLst/>
+                <a:latin typeface="Calibri" panose="020F0502020204030204" pitchFamily="34" charset="0"/>
+                <a:ea typeface="Calibri" panose="020F0502020204030204" pitchFamily="34" charset="0"/>
+              </a:rPr>
+              <a:t>These methods often fall short when handling complex biological data</a:t>
+            </a:r>
+            <a:r>
+              <a:rPr lang="en-US" altLang="zh-CN" sz="2400" dirty="0">
+                <a:solidFill>
+                  <a:srgbClr val="000000"/>
+                </a:solidFill>
+                <a:effectLst/>
+                <a:latin typeface="Times New Roman" panose="02020603050405020304" pitchFamily="18" charset="0"/>
+                <a:ea typeface="Calibri" panose="020F0502020204030204" pitchFamily="34" charset="0"/>
+                <a:cs typeface="Times New Roman" panose="02020603050405020304" pitchFamily="18" charset="0"/>
+              </a:rPr>
+              <a:t>, </a:t>
+            </a:r>
+            <a:r>
+              <a:rPr lang="en-US" altLang="zh-CN" sz="2400" dirty="0">
+                <a:solidFill>
+                  <a:srgbClr val="000000"/>
+                </a:solidFill>
+                <a:effectLst/>
+                <a:latin typeface="Calibri" panose="020F0502020204030204" pitchFamily="34" charset="0"/>
+                <a:ea typeface="Calibri" panose="020F0502020204030204" pitchFamily="34" charset="0"/>
+              </a:rPr>
+              <a:t>limiting their application in precision medicine and personalized immunotherapy.</a:t>
+            </a:r>
+            <a:endParaRPr lang="en-US" altLang="zh-CN" sz="2400" dirty="0">
+              <a:solidFill>
+                <a:srgbClr val="000000"/>
+              </a:solidFill>
+              <a:effectLst/>
+              <a:latin typeface="Times New Roman" panose="02020603050405020304" pitchFamily="18" charset="0"/>
+              <a:ea typeface="Calibri" panose="020F0502020204030204" pitchFamily="34" charset="0"/>
+              <a:cs typeface="Times New Roman" panose="02020603050405020304" pitchFamily="18" charset="0"/>
+            </a:endParaRPr>
+          </a:p>
+          <a:p>
+            <a:r>
+              <a:rPr lang="en-US" altLang="zh-CN" sz="2400" dirty="0">
+                <a:solidFill>
+                  <a:srgbClr val="000000"/>
+                </a:solidFill>
+                <a:effectLst/>
+                <a:latin typeface="Calibri" panose="020F0502020204030204" pitchFamily="34" charset="0"/>
+                <a:ea typeface="Calibri" panose="020F0502020204030204" pitchFamily="34" charset="0"/>
+              </a:rPr>
+              <a:t>In this study, we use advanced machine learning methods to analyze TCR sequence data. We compare the performance of traditional methods and new algorithms,  the potential applications of these new technologies in TCR research were explored. </a:t>
+            </a:r>
+            <a:endParaRPr lang="en-US" altLang="zh-CN" sz="2400" dirty="0">
+              <a:latin typeface="Times New Roman" panose="02020603050405020304" pitchFamily="18" charset="0"/>
+              <a:cs typeface="Times New Roman" panose="02020603050405020304" pitchFamily="18" charset="0"/>
+            </a:endParaRPr>
+          </a:p>
+        </p:txBody>
+      </p:sp>
+    </p:spTree>
+    <p:extLst>
+      <p:ext uri="{BB962C8B-B14F-4D97-AF65-F5344CB8AC3E}">
+        <p14:creationId xmlns:p14="http://schemas.microsoft.com/office/powerpoint/2010/main" val="1438906345"/>
+      </p:ext>
+    </p:extLst>
+  </p:cSld>
+  <p:clrMapOvr>
+    <a:masterClrMapping/>
+  </p:clrMapOvr>
+</p:sld>
+</file>
+
+<file path=ppt/slides/slide20.xml><?xml version="1.0" encoding="utf-8"?>
 <p:sld xmlns:a="http://schemas.openxmlformats.org/drawingml/2006/main" xmlns:r="http://schemas.openxmlformats.org/officeDocument/2006/relationships" xmlns:p="http://schemas.openxmlformats.org/presentationml/2006/main">
   <p:cSld>
     <p:spTree>
@@ -9029,209 +9459,7 @@
 </p:sld>
 </file>
 
-<file path=ppt/slides/slide2.xml><?xml version="1.0" encoding="utf-8"?>
-<p:sld xmlns:a="http://schemas.openxmlformats.org/drawingml/2006/main" xmlns:r="http://schemas.openxmlformats.org/officeDocument/2006/relationships" xmlns:p="http://schemas.openxmlformats.org/presentationml/2006/main">
-  <p:cSld>
-    <p:spTree>
-      <p:nvGrpSpPr>
-        <p:cNvPr id="1" name=""/>
-        <p:cNvGrpSpPr/>
-        <p:nvPr/>
-      </p:nvGrpSpPr>
-      <p:grpSpPr>
-        <a:xfrm>
-          <a:off x="0" y="0"/>
-          <a:ext cx="0" cy="0"/>
-          <a:chOff x="0" y="0"/>
-          <a:chExt cx="0" cy="0"/>
-        </a:xfrm>
-      </p:grpSpPr>
-      <p:sp>
-        <p:nvSpPr>
-          <p:cNvPr id="2" name="Title 1">
-            <a:extLst>
-              <a:ext uri="{FF2B5EF4-FFF2-40B4-BE49-F238E27FC236}">
-                <a16:creationId xmlns:a16="http://schemas.microsoft.com/office/drawing/2014/main" id="{F8F01A10-00D7-352E-1302-779550F657B0}"/>
-              </a:ext>
-            </a:extLst>
-          </p:cNvPr>
-          <p:cNvSpPr>
-            <a:spLocks noGrp="1"/>
-          </p:cNvSpPr>
-          <p:nvPr>
-            <p:ph type="title"/>
-          </p:nvPr>
-        </p:nvSpPr>
-        <p:spPr>
-          <a:xfrm>
-            <a:off x="797441" y="510362"/>
-            <a:ext cx="10345563" cy="701751"/>
-          </a:xfrm>
-        </p:spPr>
-        <p:txBody>
-          <a:bodyPr>
-            <a:normAutofit fontScale="90000"/>
-          </a:bodyPr>
-          <a:lstStyle/>
-          <a:p>
-            <a:r>
-              <a:rPr lang="en-US" dirty="0"/>
-              <a:t>INTRODUCTION:</a:t>
-            </a:r>
-          </a:p>
-        </p:txBody>
-      </p:sp>
-      <p:sp>
-        <p:nvSpPr>
-          <p:cNvPr id="3" name="Content Placeholder 2">
-            <a:extLst>
-              <a:ext uri="{FF2B5EF4-FFF2-40B4-BE49-F238E27FC236}">
-                <a16:creationId xmlns:a16="http://schemas.microsoft.com/office/drawing/2014/main" id="{C219F858-47C0-88BA-1C54-9B1DF10DEC39}"/>
-              </a:ext>
-            </a:extLst>
-          </p:cNvPr>
-          <p:cNvSpPr>
-            <a:spLocks noGrp="1"/>
-          </p:cNvSpPr>
-          <p:nvPr>
-            <p:ph idx="1"/>
-          </p:nvPr>
-        </p:nvSpPr>
-        <p:spPr>
-          <a:xfrm>
-            <a:off x="361507" y="1733108"/>
-            <a:ext cx="11238614" cy="4614530"/>
-          </a:xfrm>
-        </p:spPr>
-        <p:txBody>
-          <a:bodyPr>
-            <a:noAutofit/>
-          </a:bodyPr>
-          <a:lstStyle/>
-          <a:p>
-            <a:r>
-              <a:rPr lang="en-US" altLang="zh-CN" sz="2400" dirty="0">
-                <a:solidFill>
-                  <a:srgbClr val="000000"/>
-                </a:solidFill>
-                <a:effectLst/>
-                <a:latin typeface="Calibri" panose="020F0502020204030204" pitchFamily="34" charset="0"/>
-                <a:ea typeface="Calibri" panose="020F0502020204030204" pitchFamily="34" charset="0"/>
-              </a:rPr>
-              <a:t>In the field of immunology, research on T cell receptors (TCR) has always been a hotspot. TCRs activate T cells by recognizing and binding to peptide-MHC complexes on the surface of antigen-presenting cells</a:t>
-            </a:r>
-            <a:r>
-              <a:rPr lang="en-US" altLang="zh-CN" sz="2400" dirty="0">
-                <a:solidFill>
-                  <a:srgbClr val="000000"/>
-                </a:solidFill>
-                <a:effectLst/>
-                <a:latin typeface="Times New Roman" panose="02020603050405020304" pitchFamily="18" charset="0"/>
-                <a:ea typeface="Calibri" panose="020F0502020204030204" pitchFamily="34" charset="0"/>
-                <a:cs typeface="Times New Roman" panose="02020603050405020304" pitchFamily="18" charset="0"/>
-              </a:rPr>
-              <a:t>.</a:t>
-            </a:r>
-          </a:p>
-          <a:p>
-            <a:r>
-              <a:rPr lang="en-US" altLang="zh-CN" sz="2400" dirty="0">
-                <a:solidFill>
-                  <a:srgbClr val="000000"/>
-                </a:solidFill>
-                <a:effectLst/>
-                <a:latin typeface="Calibri" panose="020F0502020204030204" pitchFamily="34" charset="0"/>
-                <a:ea typeface="Calibri" panose="020F0502020204030204" pitchFamily="34" charset="0"/>
-              </a:rPr>
-              <a:t>However, existing studies often rely on traditional biostatistical methods or high-demand deep learning techniques to analyze TCR data.</a:t>
-            </a:r>
-            <a:endParaRPr lang="en-US" altLang="zh-CN" sz="2400" dirty="0">
-              <a:solidFill>
-                <a:srgbClr val="000000"/>
-              </a:solidFill>
-              <a:latin typeface="Times New Roman" panose="02020603050405020304" pitchFamily="18" charset="0"/>
-              <a:ea typeface="Calibri" panose="020F0502020204030204" pitchFamily="34" charset="0"/>
-              <a:cs typeface="Times New Roman" panose="02020603050405020304" pitchFamily="18" charset="0"/>
-            </a:endParaRPr>
-          </a:p>
-          <a:p>
-            <a:r>
-              <a:rPr lang="en-US" altLang="zh-CN" sz="2400" dirty="0">
-                <a:solidFill>
-                  <a:srgbClr val="000000"/>
-                </a:solidFill>
-                <a:effectLst/>
-                <a:latin typeface="Calibri" panose="020F0502020204030204" pitchFamily="34" charset="0"/>
-                <a:ea typeface="Calibri" panose="020F0502020204030204" pitchFamily="34" charset="0"/>
-              </a:rPr>
-              <a:t>These methods often fall short when handling complex biological data</a:t>
-            </a:r>
-            <a:r>
-              <a:rPr lang="en-US" altLang="zh-CN" sz="2400" dirty="0">
-                <a:solidFill>
-                  <a:srgbClr val="000000"/>
-                </a:solidFill>
-                <a:effectLst/>
-                <a:latin typeface="Times New Roman" panose="02020603050405020304" pitchFamily="18" charset="0"/>
-                <a:ea typeface="Calibri" panose="020F0502020204030204" pitchFamily="34" charset="0"/>
-                <a:cs typeface="Times New Roman" panose="02020603050405020304" pitchFamily="18" charset="0"/>
-              </a:rPr>
-              <a:t>, </a:t>
-            </a:r>
-            <a:r>
-              <a:rPr lang="en-US" altLang="zh-CN" sz="2400" dirty="0">
-                <a:solidFill>
-                  <a:srgbClr val="000000"/>
-                </a:solidFill>
-                <a:effectLst/>
-                <a:latin typeface="Calibri" panose="020F0502020204030204" pitchFamily="34" charset="0"/>
-                <a:ea typeface="Calibri" panose="020F0502020204030204" pitchFamily="34" charset="0"/>
-              </a:rPr>
-              <a:t>limiting their application in precision medicine and personalized immunotherapy.</a:t>
-            </a:r>
-            <a:endParaRPr lang="en-US" altLang="zh-CN" sz="2400" dirty="0">
-              <a:solidFill>
-                <a:srgbClr val="000000"/>
-              </a:solidFill>
-              <a:effectLst/>
-              <a:latin typeface="Times New Roman" panose="02020603050405020304" pitchFamily="18" charset="0"/>
-              <a:ea typeface="Calibri" panose="020F0502020204030204" pitchFamily="34" charset="0"/>
-              <a:cs typeface="Times New Roman" panose="02020603050405020304" pitchFamily="18" charset="0"/>
-            </a:endParaRPr>
-          </a:p>
-          <a:p>
-            <a:r>
-              <a:rPr lang="en-US" altLang="zh-CN" sz="2400" dirty="0">
-                <a:solidFill>
-                  <a:srgbClr val="000000"/>
-                </a:solidFill>
-                <a:effectLst/>
-                <a:latin typeface="Calibri" panose="020F0502020204030204" pitchFamily="34" charset="0"/>
-                <a:ea typeface="Calibri" panose="020F0502020204030204" pitchFamily="34" charset="0"/>
-              </a:rPr>
-              <a:t>In this study, we use advanced machine learning methods to analyze TCR sequence data. We compare the performance of traditional methods and new algorithms,  the potential applications of these new technologies in TCR research were explored. </a:t>
-            </a:r>
-            <a:endParaRPr lang="en-US" altLang="zh-CN" sz="2400" dirty="0">
-              <a:latin typeface="Times New Roman" panose="02020603050405020304" pitchFamily="18" charset="0"/>
-              <a:cs typeface="Times New Roman" panose="02020603050405020304" pitchFamily="18" charset="0"/>
-            </a:endParaRPr>
-          </a:p>
-        </p:txBody>
-      </p:sp>
-    </p:spTree>
-    <p:extLst>
-      <p:ext uri="{BB962C8B-B14F-4D97-AF65-F5344CB8AC3E}">
-        <p14:creationId xmlns:p14="http://schemas.microsoft.com/office/powerpoint/2010/main" val="1438906345"/>
-      </p:ext>
-    </p:extLst>
-  </p:cSld>
-  <p:clrMapOvr>
-    <a:masterClrMapping/>
-  </p:clrMapOvr>
-</p:sld>
-</file>
-
-<file path=ppt/slides/slide20.xml><?xml version="1.0" encoding="utf-8"?>
+<file path=ppt/slides/slide21.xml><?xml version="1.0" encoding="utf-8"?>
 <p:sld xmlns:a="http://schemas.openxmlformats.org/drawingml/2006/main" xmlns:r="http://schemas.openxmlformats.org/officeDocument/2006/relationships" xmlns:p="http://schemas.openxmlformats.org/presentationml/2006/main">
   <p:cSld>
     <p:spTree>
@@ -9412,7 +9640,7 @@
 </p:sld>
 </file>
 
-<file path=ppt/slides/slide21.xml><?xml version="1.0" encoding="utf-8"?>
+<file path=ppt/slides/slide22.xml><?xml version="1.0" encoding="utf-8"?>
 <p:sld xmlns:a="http://schemas.openxmlformats.org/drawingml/2006/main" xmlns:r="http://schemas.openxmlformats.org/officeDocument/2006/relationships" xmlns:p="http://schemas.openxmlformats.org/presentationml/2006/main">
   <p:cSld>
     <p:bg>

--- a/summative presentation/Summative Oral Presentation-Group 4.pptx
+++ b/summative presentation/Summative Oral Presentation-Group 4.pptx
@@ -11,9 +11,9 @@
     <p:sldId id="256" r:id="rId2"/>
     <p:sldId id="283" r:id="rId3"/>
     <p:sldId id="270" r:id="rId4"/>
-    <p:sldId id="271" r:id="rId5"/>
-    <p:sldId id="266" r:id="rId6"/>
-    <p:sldId id="265" r:id="rId7"/>
+    <p:sldId id="265" r:id="rId5"/>
+    <p:sldId id="271" r:id="rId6"/>
+    <p:sldId id="266" r:id="rId7"/>
     <p:sldId id="267" r:id="rId8"/>
     <p:sldId id="260" r:id="rId9"/>
     <p:sldId id="277" r:id="rId10"/>
@@ -284,7 +284,7 @@
           <a:p>
             <a:fld id="{F639A5E2-6E83-014F-97C5-6ED19623C635}" type="datetimeFigureOut">
               <a:rPr lang="en-US" smtClean="0"/>
-              <a:t>5/8/2024</a:t>
+              <a:t>5/8/24</a:t>
             </a:fld>
             <a:endParaRPr lang="en-US"/>
           </a:p>
@@ -996,7 +996,7 @@
           <a:p>
             <a:fld id="{3341EE12-F28E-4B03-A404-A8FCAE0F6316}" type="datetime1">
               <a:rPr lang="en-US" smtClean="0"/>
-              <a:t>5/8/2024</a:t>
+              <a:t>5/8/24</a:t>
             </a:fld>
             <a:endParaRPr lang="en-US" dirty="0"/>
           </a:p>
@@ -1281,7 +1281,7 @@
           <a:p>
             <a:fld id="{B68B8189-0D9C-48A6-9FA3-862227B094CE}" type="datetime1">
               <a:rPr lang="en-US" smtClean="0"/>
-              <a:t>5/8/2024</a:t>
+              <a:t>5/8/24</a:t>
             </a:fld>
             <a:endParaRPr lang="en-US"/>
           </a:p>
@@ -1645,7 +1645,7 @@
           <a:p>
             <a:fld id="{26ADDCAE-6443-42C3-9C19-F95985500186}" type="datetime1">
               <a:rPr lang="en-US" smtClean="0"/>
-              <a:t>5/8/2024</a:t>
+              <a:t>5/8/24</a:t>
             </a:fld>
             <a:endParaRPr lang="en-US" dirty="0"/>
           </a:p>
@@ -1907,7 +1907,7 @@
           <a:p>
             <a:fld id="{1962799E-EB8E-4038-8063-81BB57C732D4}" type="datetime1">
               <a:rPr lang="en-US" smtClean="0"/>
-              <a:t>5/8/2024</a:t>
+              <a:t>5/8/24</a:t>
             </a:fld>
             <a:endParaRPr lang="en-US"/>
           </a:p>
@@ -2337,7 +2337,7 @@
           <a:p>
             <a:fld id="{217A73C3-B243-44D3-809D-EF8FDFBD85D4}" type="datetime1">
               <a:rPr lang="en-US" smtClean="0"/>
-              <a:t>5/8/2024</a:t>
+              <a:t>5/8/24</a:t>
             </a:fld>
             <a:endParaRPr lang="en-US" dirty="0"/>
           </a:p>
@@ -2668,7 +2668,7 @@
           <a:p>
             <a:fld id="{C9B6D3E3-28E2-4380-A113-67698215C5F8}" type="datetime1">
               <a:rPr lang="en-US" smtClean="0"/>
-              <a:t>5/8/2024</a:t>
+              <a:t>5/8/24</a:t>
             </a:fld>
             <a:endParaRPr lang="en-US" dirty="0"/>
           </a:p>
@@ -3101,7 +3101,7 @@
           <a:p>
             <a:fld id="{A9EFCB61-04AD-47C9-BF79-2BD8B9CEC07A}" type="datetime1">
               <a:rPr lang="en-US" smtClean="0"/>
-              <a:t>5/8/2024</a:t>
+              <a:t>5/8/24</a:t>
             </a:fld>
             <a:endParaRPr lang="en-US" dirty="0"/>
           </a:p>
@@ -3253,7 +3253,7 @@
           <a:p>
             <a:fld id="{A4535E0C-D585-492F-8146-7493F4086301}" type="datetime1">
               <a:rPr lang="en-US" smtClean="0"/>
-              <a:t>5/8/2024</a:t>
+              <a:t>5/8/24</a:t>
             </a:fld>
             <a:endParaRPr lang="en-US"/>
           </a:p>
@@ -3416,7 +3416,7 @@
           <a:p>
             <a:fld id="{8CE48390-48B5-49AB-B019-A7C8FB8C31F6}" type="datetime1">
               <a:rPr lang="en-US" smtClean="0"/>
-              <a:t>5/8/2024</a:t>
+              <a:t>5/8/24</a:t>
             </a:fld>
             <a:endParaRPr lang="en-US"/>
           </a:p>
@@ -3945,7 +3945,7 @@
           <a:p>
             <a:fld id="{962E767E-8A14-4E70-91B9-2101CBC4D7BD}" type="datetime1">
               <a:rPr lang="en-US" smtClean="0"/>
-              <a:t>5/8/2024</a:t>
+              <a:t>5/8/24</a:t>
             </a:fld>
             <a:endParaRPr lang="en-US" dirty="0"/>
           </a:p>
@@ -4466,7 +4466,7 @@
           <a:p>
             <a:fld id="{01AF0C4B-5A4A-45CA-ABEC-10F107160D33}" type="datetime1">
               <a:rPr lang="en-US" smtClean="0"/>
-              <a:t>5/8/2024</a:t>
+              <a:t>5/8/24</a:t>
             </a:fld>
             <a:endParaRPr lang="en-US" dirty="0"/>
           </a:p>
@@ -5016,7 +5016,7 @@
           <a:p>
             <a:fld id="{6989806E-8E94-473C-AEE7-BE6F15F85533}" type="datetime1">
               <a:rPr lang="en-US" smtClean="0"/>
-              <a:t>5/8/2024</a:t>
+              <a:t>5/8/24</a:t>
             </a:fld>
             <a:endParaRPr lang="en-US" dirty="0"/>
           </a:p>
@@ -8258,18 +8258,18 @@
         </p:nvSpPr>
         <p:spPr>
           <a:xfrm>
-            <a:off x="233915" y="1180213"/>
-            <a:ext cx="11196285" cy="5507665"/>
+            <a:off x="213756" y="1270660"/>
+            <a:ext cx="11887199" cy="4987636"/>
           </a:xfrm>
         </p:spPr>
         <p:txBody>
           <a:bodyPr>
-            <a:normAutofit fontScale="92500" lnSpcReduction="10000"/>
+            <a:normAutofit/>
           </a:bodyPr>
           <a:lstStyle/>
           <a:p>
             <a:r>
-              <a:rPr lang="en-US" dirty="0">
+              <a:rPr lang="en-US" sz="1800" dirty="0">
                 <a:latin typeface="Times New Roman" panose="02020603050405020304" pitchFamily="18" charset="0"/>
                 <a:cs typeface="Times New Roman" panose="02020603050405020304" pitchFamily="18" charset="0"/>
               </a:rPr>
@@ -8278,16 +8278,16 @@
           </a:p>
           <a:p>
             <a:r>
-              <a:rPr lang="en-US" dirty="0">
+              <a:rPr lang="en-US" sz="1800" dirty="0">
                 <a:latin typeface="Times New Roman" panose="02020603050405020304" pitchFamily="18" charset="0"/>
                 <a:cs typeface="Times New Roman" panose="02020603050405020304" pitchFamily="18" charset="0"/>
               </a:rPr>
-              <a:t>- Focusing on human data aligns with the primary goal of applying findings directly to human medicine, avoiding the risks of undertraining and overfitting associated with the limited mouse data. This approach not only makes efficient use of the extensive human data but also enhances the clinical relevance of the predictions.    </a:t>
-            </a:r>
-          </a:p>
-          <a:p>
-            <a:r>
-              <a:rPr lang="en-US" dirty="0">
+              <a:t>- Focusing on human data aligns with the primary goal of applying findings directly to human medicine, avoiding the risks of undertraining and overfitting associated with the limited mouse data. </a:t>
+            </a:r>
+          </a:p>
+          <a:p>
+            <a:r>
+              <a:rPr lang="en-US" sz="1800" dirty="0">
                 <a:latin typeface="Times New Roman" panose="02020603050405020304" pitchFamily="18" charset="0"/>
                 <a:cs typeface="Times New Roman" panose="02020603050405020304" pitchFamily="18" charset="0"/>
               </a:rPr>
@@ -8296,7 +8296,7 @@
           </a:p>
           <a:p>
             <a:r>
-              <a:rPr lang="en-US" dirty="0">
+              <a:rPr lang="en-US" sz="1800" dirty="0">
                 <a:latin typeface="Times New Roman" panose="02020603050405020304" pitchFamily="18" charset="0"/>
                 <a:cs typeface="Times New Roman" panose="02020603050405020304" pitchFamily="18" charset="0"/>
               </a:rPr>
@@ -8305,12 +8305,22 @@
           </a:p>
           <a:p>
             <a:r>
-              <a:rPr lang="en-US" dirty="0">
+              <a:rPr lang="en-US" sz="1800" dirty="0">
                 <a:latin typeface="Times New Roman" panose="02020603050405020304" pitchFamily="18" charset="0"/>
                 <a:cs typeface="Times New Roman" panose="02020603050405020304" pitchFamily="18" charset="0"/>
               </a:rPr>
               <a:t>- In this study, we used accuracy and F1 score as key evaluation metrics for our models. Accuracy measures the overall correctness of the model across all classes, while the F1 score provides a balance between precision and recall, especially important in situations with class imbalance, assessing the model’s ability to correctly classify each class.</a:t>
             </a:r>
+          </a:p>
+          <a:p>
+            <a:pPr marL="342900" indent="-342900">
+              <a:buFontTx/>
+              <a:buChar char="-"/>
+            </a:pPr>
+            <a:endParaRPr lang="en-US" dirty="0">
+              <a:latin typeface="Times New Roman" panose="02020603050405020304" pitchFamily="18" charset="0"/>
+              <a:cs typeface="Times New Roman" panose="02020603050405020304" pitchFamily="18" charset="0"/>
+            </a:endParaRPr>
           </a:p>
         </p:txBody>
       </p:sp>
@@ -8358,8 +8368,8 @@
         </p:nvSpPr>
         <p:spPr>
           <a:xfrm>
-            <a:off x="159488" y="2041451"/>
-            <a:ext cx="11653284" cy="5016758"/>
+            <a:off x="391886" y="2090057"/>
+            <a:ext cx="10307782" cy="3631763"/>
           </a:xfrm>
           <a:prstGeom prst="rect">
             <a:avLst/>
@@ -8401,7 +8411,7 @@
                 <a:latin typeface="Times New Roman" panose="02020603050405020304" pitchFamily="18" charset="0"/>
                 <a:cs typeface="Times New Roman" panose="02020603050405020304" pitchFamily="18" charset="0"/>
               </a:rPr>
-              <a:t>-Verifying the model's performance on unseen data was done by dividing the data set into a training set and a test set. The primary evaluation metric chosen is the F1 score because the accuracy of the model can be misleading due to the unbalanced nature of the dataset. This is particularly important given the variability in epitope representation within the dataset. </a:t>
+              <a:t>- Model evaluation revealed that while the overall accuracy appeared high at approximately 87.5% for the alpha chains and 87.75% for the beta chains, the F1 scores for many classes were very low, indicating poor performance in correctly classifying many specific epitopes. </a:t>
             </a:r>
           </a:p>
           <a:p>
@@ -8410,25 +8420,7 @@
                 <a:latin typeface="Times New Roman" panose="02020603050405020304" pitchFamily="18" charset="0"/>
                 <a:cs typeface="Times New Roman" panose="02020603050405020304" pitchFamily="18" charset="0"/>
               </a:rPr>
-              <a:t>- Model evaluation revealed that while the overall accuracy appeared high at approximately 87.5% for the alpha chains and 87.75% for the beta chains, the F1 scores for many classes were very low, indicating poor performance in correctly classifying many specific epitopes. </a:t>
-            </a:r>
-          </a:p>
-          <a:p>
-            <a:r>
-              <a:rPr lang="en-US" dirty="0">
-                <a:latin typeface="Times New Roman" panose="02020603050405020304" pitchFamily="18" charset="0"/>
-                <a:cs typeface="Times New Roman" panose="02020603050405020304" pitchFamily="18" charset="0"/>
-              </a:rPr>
-              <a:t>- This discrepancy between high accuracy and low F1 scores highlighted the challenges of working with imbalanced datasets and underscored the necessity of choosing appropriate metrics for performance evaluation. The classification report showed substantial variability in precision, recall, and F1 scores across different classes, with many classes showing zero values in these metrics, suggesting that the model struggled with minority classes. </a:t>
-            </a:r>
-          </a:p>
-          <a:p>
-            <a:r>
-              <a:rPr lang="en-US" dirty="0">
-                <a:latin typeface="Times New Roman" panose="02020603050405020304" pitchFamily="18" charset="0"/>
-                <a:cs typeface="Times New Roman" panose="02020603050405020304" pitchFamily="18" charset="0"/>
-              </a:rPr>
-              <a:t>- This outcome stresses the importance of further model adjustments and potentially exploring more complex models or resampling techniques to better handle class imbalance and improve the model's ability to generalize across less frequent classes.</a:t>
+              <a:t>- This discrepancy between high accuracy and low F1 scores highlighted the challenges of working with imbalanced datasets and underscored the necessity of choosing appropriate metrics for performance evaluation. - This outcome stresses the importance of further model adjustments and potentially exploring more complex models or resampling techniques to better handle class imbalance and improve the model's ability to generalize across less frequent classes.</a:t>
             </a:r>
           </a:p>
           <a:p>
@@ -8454,14 +8446,14 @@
           <p:nvPr>
             <p:extLst>
               <p:ext uri="{D42A27DB-BD31-4B8C-83A1-F6EECF244321}">
-                <p14:modId xmlns:p14="http://schemas.microsoft.com/office/powerpoint/2010/main" val="3321440043"/>
+                <p14:modId xmlns:p14="http://schemas.microsoft.com/office/powerpoint/2010/main" val="3428719159"/>
               </p:ext>
             </p:extLst>
           </p:nvPr>
         </p:nvGraphicFramePr>
         <p:xfrm>
-          <a:off x="4572000" y="372138"/>
-          <a:ext cx="6815470" cy="1350336"/>
+          <a:off x="4833257" y="380011"/>
+          <a:ext cx="6911438" cy="1555668"/>
         </p:xfrm>
         <a:graphic>
           <a:graphicData uri="http://schemas.openxmlformats.org/drawingml/2006/table">
@@ -8470,21 +8462,21 @@
                 <a:tableStyleId>{073A0DAA-6AF3-43AB-8588-CEC1D06C72B9}</a:tableStyleId>
               </a:tblPr>
               <a:tblGrid>
-                <a:gridCol w="1746312">
+                <a:gridCol w="1770902">
                   <a:extLst>
                     <a:ext uri="{9D8B030D-6E8A-4147-A177-3AD203B41FA5}">
                       <a16:colId xmlns:a16="http://schemas.microsoft.com/office/drawing/2014/main" val="1831081933"/>
                     </a:ext>
                   </a:extLst>
                 </a:gridCol>
-                <a:gridCol w="1636402">
+                <a:gridCol w="1637137">
                   <a:extLst>
                     <a:ext uri="{9D8B030D-6E8A-4147-A177-3AD203B41FA5}">
                       <a16:colId xmlns:a16="http://schemas.microsoft.com/office/drawing/2014/main" val="3123670197"/>
                     </a:ext>
                   </a:extLst>
                 </a:gridCol>
-                <a:gridCol w="3432756">
+                <a:gridCol w="3503399">
                   <a:extLst>
                     <a:ext uri="{9D8B030D-6E8A-4147-A177-3AD203B41FA5}">
                       <a16:colId xmlns:a16="http://schemas.microsoft.com/office/drawing/2014/main" val="3832109899"/>
@@ -8492,7 +8484,7 @@
                   </a:extLst>
                 </a:gridCol>
               </a:tblGrid>
-              <a:tr h="450112">
+              <a:tr h="518556">
                 <a:tc>
                   <a:txBody>
                     <a:bodyPr/>
@@ -8538,7 +8530,7 @@
                   </a:ext>
                 </a:extLst>
               </a:tr>
-              <a:tr h="450112">
+              <a:tr h="518556">
                 <a:tc>
                   <a:txBody>
                     <a:bodyPr/>
@@ -8584,7 +8576,7 @@
                   </a:ext>
                 </a:extLst>
               </a:tr>
-              <a:tr h="450112">
+              <a:tr h="518556">
                 <a:tc>
                   <a:txBody>
                     <a:bodyPr/>
@@ -8750,14 +8742,14 @@
           <p:nvPr>
             <p:extLst>
               <p:ext uri="{D42A27DB-BD31-4B8C-83A1-F6EECF244321}">
-                <p14:modId xmlns:p14="http://schemas.microsoft.com/office/powerpoint/2010/main" val="1300724404"/>
+                <p14:modId xmlns:p14="http://schemas.microsoft.com/office/powerpoint/2010/main" val="3655312281"/>
               </p:ext>
             </p:extLst>
           </p:nvPr>
         </p:nvGraphicFramePr>
         <p:xfrm>
-          <a:off x="3338623" y="691115"/>
-          <a:ext cx="7868093" cy="1421092"/>
+          <a:off x="3788229" y="691115"/>
+          <a:ext cx="7418487" cy="1421092"/>
         </p:xfrm>
         <a:graphic>
           <a:graphicData uri="http://schemas.openxmlformats.org/drawingml/2006/table">
@@ -8766,21 +8758,21 @@
                 <a:tableStyleId>{073A0DAA-6AF3-43AB-8588-CEC1D06C72B9}</a:tableStyleId>
               </a:tblPr>
               <a:tblGrid>
-                <a:gridCol w="2330117">
+                <a:gridCol w="2196968">
                   <a:extLst>
                     <a:ext uri="{9D8B030D-6E8A-4147-A177-3AD203B41FA5}">
                       <a16:colId xmlns:a16="http://schemas.microsoft.com/office/drawing/2014/main" val="1645793292"/>
                     </a:ext>
                   </a:extLst>
                 </a:gridCol>
-                <a:gridCol w="2159622">
+                <a:gridCol w="2036214">
                   <a:extLst>
                     <a:ext uri="{9D8B030D-6E8A-4147-A177-3AD203B41FA5}">
                       <a16:colId xmlns:a16="http://schemas.microsoft.com/office/drawing/2014/main" val="22928338"/>
                     </a:ext>
                   </a:extLst>
                 </a:gridCol>
-                <a:gridCol w="3378354">
+                <a:gridCol w="3185305">
                   <a:extLst>
                     <a:ext uri="{9D8B030D-6E8A-4147-A177-3AD203B41FA5}">
                       <a16:colId xmlns:a16="http://schemas.microsoft.com/office/drawing/2014/main" val="2200613063"/>
@@ -9197,7 +9189,7 @@
         <p:spPr>
           <a:xfrm>
             <a:off x="329609" y="2328530"/>
-            <a:ext cx="11419368" cy="3970318"/>
+            <a:ext cx="11419368" cy="4247317"/>
           </a:xfrm>
           <a:prstGeom prst="rect">
             <a:avLst/>
@@ -9219,7 +9211,23 @@
             </a:r>
           </a:p>
           <a:p>
-            <a:endParaRPr lang="en-US" sz="1800" b="1" dirty="0">
+            <a:r>
+              <a:rPr lang="en-US" b="1" dirty="0">
+                <a:latin typeface="Times New Roman" panose="02020603050405020304" pitchFamily="18" charset="0"/>
+                <a:cs typeface="Times New Roman" panose="02020603050405020304" pitchFamily="18" charset="0"/>
+              </a:rPr>
+              <a:t>- </a:t>
+            </a:r>
+            <a:r>
+              <a:rPr lang="en-US" sz="1800" dirty="0">
+                <a:latin typeface="Times New Roman" panose="02020603050405020304" pitchFamily="18" charset="0"/>
+                <a:cs typeface="Times New Roman" panose="02020603050405020304" pitchFamily="18" charset="0"/>
+              </a:rPr>
+              <a:t>The Random Forest classifier, when applied separately to the Alpha and Beta chains, shows notable strengths and weaknesses in performance. Both chains achieve high accuracy levels, with approximately 90% for Alpha and 92% for Beta, indicating the model's strong overall predictive power across the dataset. </a:t>
+            </a:r>
+          </a:p>
+          <a:p>
+            <a:endParaRPr lang="en-US" sz="1800" dirty="0">
               <a:latin typeface="Times New Roman" panose="02020603050405020304" pitchFamily="18" charset="0"/>
               <a:cs typeface="Times New Roman" panose="02020603050405020304" pitchFamily="18" charset="0"/>
             </a:endParaRPr>
@@ -9230,7 +9238,7 @@
                 <a:latin typeface="Times New Roman" panose="02020603050405020304" pitchFamily="18" charset="0"/>
                 <a:cs typeface="Times New Roman" panose="02020603050405020304" pitchFamily="18" charset="0"/>
               </a:rPr>
-              <a:t>- The Random Forest classifier, when applied separately to the Alpha and Beta chains, shows notable strengths and weaknesses in performance. Both chains achieve high accuracy levels, with approximately 90% for Alpha and 92% for Beta, indicating the model's strong overall predictive power across the dataset. -  - However, a more detailed analysis using F1 scores reveals varied performance across different epitopes. Many classes exhibit low or even zero F1 scores, indicating challenges in classifying minority classes within the imbalanced dataset. On the other hand, some classes achieve high F1 scores, demonstrating the model's ability to accurately identify specific classes.</a:t>
+              <a:t>- However, a more detailed analysis using F1 scores reveals varied performance across different epitopes. Many classes exhibit low or even zero F1 scores, indicating challenges in classifying minority classes within the imbalanced dataset. On the other hand, some classes achieve high F1 scores, demonstrating the model's ability to accurately identify specific classes.</a:t>
             </a:r>
           </a:p>
           <a:p>
@@ -10670,7 +10678,7 @@
           <p:cNvPr id="2" name="Title 1">
             <a:extLst>
               <a:ext uri="{FF2B5EF4-FFF2-40B4-BE49-F238E27FC236}">
-                <a16:creationId xmlns:a16="http://schemas.microsoft.com/office/drawing/2014/main" id="{AFB17DC1-6558-B41B-127E-740EF8794760}"/>
+                <a16:creationId xmlns:a16="http://schemas.microsoft.com/office/drawing/2014/main" id="{DF7B6175-6705-A7BA-DB24-80FD7F0D8CF2}"/>
               </a:ext>
             </a:extLst>
           </p:cNvPr>
@@ -10681,91 +10689,110 @@
             <p:ph type="title"/>
           </p:nvPr>
         </p:nvSpPr>
-        <p:spPr/>
+        <p:spPr>
+          <a:xfrm>
+            <a:off x="662941" y="868680"/>
+            <a:ext cx="10218419" cy="1303020"/>
+          </a:xfrm>
+        </p:spPr>
         <p:txBody>
           <a:bodyPr>
-            <a:normAutofit fontScale="90000"/>
+            <a:normAutofit/>
           </a:bodyPr>
           <a:lstStyle/>
           <a:p>
             <a:r>
               <a:rPr lang="en-US" dirty="0"/>
-              <a:t>ENCODING METHODS USED: </a:t>
-            </a:r>
-            <a:r>
-              <a:rPr lang="en-US" altLang="zh-CN" dirty="0"/>
-              <a:t>ONE-HOT</a:t>
-            </a:r>
-            <a:br>
-              <a:rPr lang="en-US" dirty="0"/>
-            </a:br>
-            <a:r>
-              <a:rPr lang="en-US" altLang="zh-CN" sz="2700" dirty="0"/>
-              <a:t>We use three methods for encoding, they are  ONE-HOT, BLOSUM 62 and GIANA ENCODING.</a:t>
-            </a:r>
-            <a:endParaRPr lang="en-US" sz="2700" dirty="0"/>
-          </a:p>
-        </p:txBody>
-      </p:sp>
-      <p:sp>
-        <p:nvSpPr>
-          <p:cNvPr id="3" name="Content Placeholder 2">
-            <a:extLst>
-              <a:ext uri="{FF2B5EF4-FFF2-40B4-BE49-F238E27FC236}">
-                <a16:creationId xmlns:a16="http://schemas.microsoft.com/office/drawing/2014/main" id="{0B4B63FD-3276-851C-FF68-89C9DAF522AC}"/>
-              </a:ext>
-            </a:extLst>
-          </p:cNvPr>
-          <p:cNvSpPr>
-            <a:spLocks noGrp="1"/>
-          </p:cNvSpPr>
+              <a:t>DATA EXPLORATION INSIGHTS:</a:t>
+            </a:r>
+          </a:p>
+        </p:txBody>
+      </p:sp>
+      <p:pic>
+        <p:nvPicPr>
+          <p:cNvPr id="5" name="Content Placeholder 4" descr="A graph of a bar with a line&#10;&#10;Description automatically generated with medium confidence">
+            <a:extLst>
+              <a:ext uri="{FF2B5EF4-FFF2-40B4-BE49-F238E27FC236}">
+                <a16:creationId xmlns:a16="http://schemas.microsoft.com/office/drawing/2014/main" id="{446DFC59-BF0A-9103-1B88-479B19DC8805}"/>
+              </a:ext>
+            </a:extLst>
+          </p:cNvPr>
+          <p:cNvPicPr>
+            <a:picLocks noGrp="1" noChangeAspect="1"/>
+          </p:cNvPicPr>
           <p:nvPr>
             <p:ph idx="1"/>
           </p:nvPr>
-        </p:nvSpPr>
-        <p:spPr/>
-        <p:txBody>
-          <a:bodyPr>
-            <a:noAutofit/>
+        </p:nvPicPr>
+        <p:blipFill>
+          <a:blip r:embed="rId2"/>
+          <a:stretch>
+            <a:fillRect/>
+          </a:stretch>
+        </p:blipFill>
+        <p:spPr>
+          <a:xfrm>
+            <a:off x="7304440" y="3140568"/>
+            <a:ext cx="3576920" cy="2714400"/>
+          </a:xfrm>
+        </p:spPr>
+      </p:pic>
+      <p:sp>
+        <p:nvSpPr>
+          <p:cNvPr id="7" name="TextBox 6">
+            <a:extLst>
+              <a:ext uri="{FF2B5EF4-FFF2-40B4-BE49-F238E27FC236}">
+                <a16:creationId xmlns:a16="http://schemas.microsoft.com/office/drawing/2014/main" id="{E7F72AA7-B695-4246-CD4A-D79D1C1BE1C1}"/>
+              </a:ext>
+            </a:extLst>
+          </p:cNvPr>
+          <p:cNvSpPr txBox="1"/>
+          <p:nvPr/>
+        </p:nvSpPr>
+        <p:spPr>
+          <a:xfrm>
+            <a:off x="393405" y="2664460"/>
+            <a:ext cx="6578895" cy="3416320"/>
+          </a:xfrm>
+          <a:prstGeom prst="rect">
+            <a:avLst/>
+          </a:prstGeom>
+          <a:noFill/>
+        </p:spPr>
+        <p:txBody>
+          <a:bodyPr wrap="square">
+            <a:spAutoFit/>
           </a:bodyPr>
           <a:lstStyle/>
           <a:p>
-            <a:r>
-              <a:rPr lang="en-US" altLang="zh-CN" sz="2100" b="1" dirty="0">
-                <a:latin typeface="Times New Roman" panose="02020603050405020304" pitchFamily="18" charset="0"/>
-                <a:cs typeface="Times New Roman" panose="02020603050405020304" pitchFamily="18" charset="0"/>
-              </a:rPr>
-              <a:t>ONE-HOT:</a:t>
-            </a:r>
-          </a:p>
-          <a:p>
-            <a:r>
-              <a:rPr lang="en-US" altLang="zh-CN" sz="2100" dirty="0">
-                <a:latin typeface="Times New Roman" panose="02020603050405020304" pitchFamily="18" charset="0"/>
-                <a:cs typeface="Times New Roman" panose="02020603050405020304" pitchFamily="18" charset="0"/>
-              </a:rPr>
-              <a:t>ONE-HOT is one of the most basic and common encoding methods, which can represent categorical variables as binary vectors. Each vector has a vector representing its possible values, and the length of the vector is the same as the length of the possible values. In this vector, only one element is 1, which is used to represent the category; the other elements are 0.</a:t>
-            </a:r>
-          </a:p>
-          <a:p>
-            <a:r>
-              <a:rPr lang="en-US" altLang="zh-CN" sz="2100" dirty="0">
-                <a:latin typeface="Times New Roman" panose="02020603050405020304" pitchFamily="18" charset="0"/>
-                <a:cs typeface="Times New Roman" panose="02020603050405020304" pitchFamily="18" charset="0"/>
-              </a:rPr>
-              <a:t>Although ONE-HOT can achieve encoding, it cannot capture the sequential nature of amino acids, which will lead to the loss of important structural and functional information. Therefore, we have also tried other encoding methods, such as BLOSUM 62 and GIANA ENCODING.</a:t>
-            </a:r>
-            <a:endParaRPr lang="en-US" sz="2100" dirty="0">
-              <a:latin typeface="Times New Roman" panose="02020603050405020304" pitchFamily="18" charset="0"/>
-              <a:cs typeface="Times New Roman" panose="02020603050405020304" pitchFamily="18" charset="0"/>
-            </a:endParaRPr>
+            <a:pPr marL="285750" indent="-285750">
+              <a:buFontTx/>
+              <a:buChar char="-"/>
+            </a:pPr>
+            <a:r>
+              <a:rPr lang="en-US" dirty="0"/>
+              <a:t>Epitopes with fewer than 10 occurrences are considered insufficient for reliable modeling and are thus filtered out. This focuses the dataset on more common epitopes, which improves the model's ability to learn relevant patterns and make accurate predictions. </a:t>
+            </a:r>
+          </a:p>
+          <a:p>
+            <a:endParaRPr lang="en-US" dirty="0"/>
+          </a:p>
+          <a:p>
+            <a:pPr marL="285750" indent="-285750">
+              <a:buFontTx/>
+              <a:buChar char="-"/>
+            </a:pPr>
+            <a:r>
+              <a:rPr lang="en-US" dirty="0"/>
+              <a:t>Calculation of the length of each CDR3 sequence and retaining those within a practical range (10 to 20 amino acids) is done as depicted by the box plot shown in Fig , as very short or very long sequences might represent sequencing errors or unusual variations that could skew the model training.</a:t>
+            </a:r>
           </a:p>
         </p:txBody>
       </p:sp>
     </p:spTree>
     <p:extLst>
       <p:ext uri="{BB962C8B-B14F-4D97-AF65-F5344CB8AC3E}">
-        <p14:creationId xmlns:p14="http://schemas.microsoft.com/office/powerpoint/2010/main" val="1200542528"/>
+        <p14:creationId xmlns:p14="http://schemas.microsoft.com/office/powerpoint/2010/main" val="2756991189"/>
       </p:ext>
     </p:extLst>
   </p:cSld>
@@ -10817,13 +10844,20 @@
           <a:p>
             <a:r>
               <a:rPr lang="en-US" dirty="0"/>
-              <a:t>ENCODING METHODS USED:</a:t>
-            </a:r>
-            <a:r>
-              <a:rPr lang="en-US" altLang="zh-CN" sz="4400" dirty="0"/>
-              <a:t> BLOSUM 62 AND GIANA ENCODING </a:t>
-            </a:r>
-            <a:endParaRPr lang="en-US" dirty="0"/>
+              <a:t>ENCODING METHODS USED: </a:t>
+            </a:r>
+            <a:r>
+              <a:rPr lang="en-US" altLang="zh-CN" dirty="0"/>
+              <a:t>ONE-HOT</a:t>
+            </a:r>
+            <a:br>
+              <a:rPr lang="en-US" dirty="0"/>
+            </a:br>
+            <a:r>
+              <a:rPr lang="en-US" altLang="zh-CN" sz="2700" dirty="0"/>
+              <a:t>We use three methods for encoding, they are  ONE-HOT, BLOSUM 62 and GIANA ENCODING.</a:t>
+            </a:r>
+            <a:endParaRPr lang="en-US" sz="2700" dirty="0"/>
           </a:p>
         </p:txBody>
       </p:sp>
@@ -10843,53 +10877,39 @@
             <p:ph idx="1"/>
           </p:nvPr>
         </p:nvSpPr>
-        <p:spPr>
-          <a:xfrm>
-            <a:off x="478465" y="2583712"/>
-            <a:ext cx="10738884" cy="4008474"/>
-          </a:xfrm>
-        </p:spPr>
+        <p:spPr/>
         <p:txBody>
           <a:bodyPr>
-            <a:normAutofit fontScale="85000" lnSpcReduction="10000"/>
+            <a:noAutofit/>
           </a:bodyPr>
           <a:lstStyle/>
           <a:p>
             <a:r>
-              <a:rPr lang="en-US" altLang="zh-CN" sz="2400" b="1" dirty="0">
+              <a:rPr lang="en-US" altLang="zh-CN" sz="2100" b="1" dirty="0">
                 <a:latin typeface="Times New Roman" panose="02020603050405020304" pitchFamily="18" charset="0"/>
                 <a:cs typeface="Times New Roman" panose="02020603050405020304" pitchFamily="18" charset="0"/>
               </a:rPr>
-              <a:t>BLOSUM 62:</a:t>
-            </a:r>
-          </a:p>
-          <a:p>
-            <a:r>
-              <a:rPr lang="en-US" altLang="zh-CN" sz="2400" dirty="0">
+              <a:t>ONE-HOT:</a:t>
+            </a:r>
+          </a:p>
+          <a:p>
+            <a:r>
+              <a:rPr lang="en-US" altLang="zh-CN" sz="2100" dirty="0">
                 <a:latin typeface="Times New Roman" panose="02020603050405020304" pitchFamily="18" charset="0"/>
                 <a:cs typeface="Times New Roman" panose="02020603050405020304" pitchFamily="18" charset="0"/>
               </a:rPr>
-              <a:t>BLOSUM 62 is a protein sequence encoding method based on the statistical analysis of a large number of known protein sequences. It scores amino acids based on the frequency of pairs of amino acids observed in related proteins, capturing similarities and differences between sequences in a biologically meaningful way. In this study, each amino acid is mapped to a vector whose length is equal to the number of rows of the matrix, and each element in the vector represents the similarity score of that amino acid to the corresponding row in the substitution matrix.</a:t>
-            </a:r>
-          </a:p>
-          <a:p>
-            <a:r>
-              <a:rPr lang="en-US" altLang="zh-CN" sz="2400" b="1" dirty="0">
+              <a:t>ONE-HOT is one of the most basic and common encoding methods, which can represent categorical variables as binary vectors. Each vector has a vector representing its possible values, and the length of the vector is the same as the length of the possible values. In this vector, only one element is 1, which is used to represent the category; the other elements are 0.</a:t>
+            </a:r>
+          </a:p>
+          <a:p>
+            <a:r>
+              <a:rPr lang="en-US" altLang="zh-CN" sz="2100" dirty="0">
                 <a:latin typeface="Times New Roman" panose="02020603050405020304" pitchFamily="18" charset="0"/>
                 <a:cs typeface="Times New Roman" panose="02020603050405020304" pitchFamily="18" charset="0"/>
               </a:rPr>
-              <a:t>GIANA ENCODING:</a:t>
-            </a:r>
-          </a:p>
-          <a:p>
-            <a:r>
-              <a:rPr lang="en-US" altLang="zh-CN" sz="2400" dirty="0">
-                <a:latin typeface="Times New Roman" panose="02020603050405020304" pitchFamily="18" charset="0"/>
-                <a:cs typeface="Times New Roman" panose="02020603050405020304" pitchFamily="18" charset="0"/>
-              </a:rPr>
-              <a:t>GIANA ENCODING is a mathematical framework for converting CDR3 sequences, converting sequence comparisons into nearest neighbor searches in high-dimensional Euclidean space. We used the GIANA package in Python to encode alpha chain, beta chain, chain with alpha and beta respectively.</a:t>
-            </a:r>
-            <a:endParaRPr lang="en-US" dirty="0">
+              <a:t>Although ONE-HOT can achieve encoding, it cannot capture the sequential nature of amino acids, which will lead to the loss of important structural and functional information. Therefore, we have also tried other encoding methods, such as BLOSUM 62 and GIANA ENCODING.</a:t>
+            </a:r>
+            <a:endParaRPr lang="en-US" sz="2100" dirty="0">
               <a:latin typeface="Times New Roman" panose="02020603050405020304" pitchFamily="18" charset="0"/>
               <a:cs typeface="Times New Roman" panose="02020603050405020304" pitchFamily="18" charset="0"/>
             </a:endParaRPr>
@@ -10899,7 +10919,7 @@
     </p:spTree>
     <p:extLst>
       <p:ext uri="{BB962C8B-B14F-4D97-AF65-F5344CB8AC3E}">
-        <p14:creationId xmlns:p14="http://schemas.microsoft.com/office/powerpoint/2010/main" val="3099030540"/>
+        <p14:creationId xmlns:p14="http://schemas.microsoft.com/office/powerpoint/2010/main" val="1200542528"/>
       </p:ext>
     </p:extLst>
   </p:cSld>
@@ -10931,7 +10951,7 @@
           <p:cNvPr id="2" name="Title 1">
             <a:extLst>
               <a:ext uri="{FF2B5EF4-FFF2-40B4-BE49-F238E27FC236}">
-                <a16:creationId xmlns:a16="http://schemas.microsoft.com/office/drawing/2014/main" id="{DF7B6175-6705-A7BA-DB24-80FD7F0D8CF2}"/>
+                <a16:creationId xmlns:a16="http://schemas.microsoft.com/office/drawing/2014/main" id="{AFB17DC1-6558-B41B-127E-740EF8794760}"/>
               </a:ext>
             </a:extLst>
           </p:cNvPr>
@@ -10942,110 +10962,98 @@
             <p:ph type="title"/>
           </p:nvPr>
         </p:nvSpPr>
-        <p:spPr>
-          <a:xfrm>
-            <a:off x="662941" y="868680"/>
-            <a:ext cx="10218419" cy="1303020"/>
-          </a:xfrm>
-        </p:spPr>
+        <p:spPr/>
         <p:txBody>
           <a:bodyPr>
-            <a:normAutofit/>
+            <a:normAutofit fontScale="90000"/>
           </a:bodyPr>
           <a:lstStyle/>
           <a:p>
             <a:r>
               <a:rPr lang="en-US" dirty="0"/>
-              <a:t>DATA EXPLORATION INSIGHTS:</a:t>
-            </a:r>
-          </a:p>
-        </p:txBody>
-      </p:sp>
-      <p:pic>
-        <p:nvPicPr>
-          <p:cNvPr id="5" name="Content Placeholder 4" descr="A graph of a bar with a line&#10;&#10;Description automatically generated with medium confidence">
-            <a:extLst>
-              <a:ext uri="{FF2B5EF4-FFF2-40B4-BE49-F238E27FC236}">
-                <a16:creationId xmlns:a16="http://schemas.microsoft.com/office/drawing/2014/main" id="{446DFC59-BF0A-9103-1B88-479B19DC8805}"/>
-              </a:ext>
-            </a:extLst>
-          </p:cNvPr>
-          <p:cNvPicPr>
-            <a:picLocks noGrp="1" noChangeAspect="1"/>
-          </p:cNvPicPr>
+              <a:t>ENCODING METHODS USED:</a:t>
+            </a:r>
+            <a:r>
+              <a:rPr lang="en-US" altLang="zh-CN" sz="4400" dirty="0"/>
+              <a:t> BLOSUM 62 AND GIANA ENCODING </a:t>
+            </a:r>
+            <a:endParaRPr lang="en-US" dirty="0"/>
+          </a:p>
+        </p:txBody>
+      </p:sp>
+      <p:sp>
+        <p:nvSpPr>
+          <p:cNvPr id="3" name="Content Placeholder 2">
+            <a:extLst>
+              <a:ext uri="{FF2B5EF4-FFF2-40B4-BE49-F238E27FC236}">
+                <a16:creationId xmlns:a16="http://schemas.microsoft.com/office/drawing/2014/main" id="{0B4B63FD-3276-851C-FF68-89C9DAF522AC}"/>
+              </a:ext>
+            </a:extLst>
+          </p:cNvPr>
+          <p:cNvSpPr>
+            <a:spLocks noGrp="1"/>
+          </p:cNvSpPr>
           <p:nvPr>
             <p:ph idx="1"/>
           </p:nvPr>
-        </p:nvPicPr>
-        <p:blipFill>
-          <a:blip r:embed="rId2"/>
-          <a:stretch>
-            <a:fillRect/>
-          </a:stretch>
-        </p:blipFill>
-        <p:spPr>
-          <a:xfrm>
-            <a:off x="7304440" y="3140568"/>
-            <a:ext cx="3576920" cy="2714400"/>
-          </a:xfrm>
-        </p:spPr>
-      </p:pic>
-      <p:sp>
-        <p:nvSpPr>
-          <p:cNvPr id="7" name="TextBox 6">
-            <a:extLst>
-              <a:ext uri="{FF2B5EF4-FFF2-40B4-BE49-F238E27FC236}">
-                <a16:creationId xmlns:a16="http://schemas.microsoft.com/office/drawing/2014/main" id="{E7F72AA7-B695-4246-CD4A-D79D1C1BE1C1}"/>
-              </a:ext>
-            </a:extLst>
-          </p:cNvPr>
-          <p:cNvSpPr txBox="1"/>
-          <p:nvPr/>
-        </p:nvSpPr>
-        <p:spPr>
-          <a:xfrm>
-            <a:off x="393405" y="2664460"/>
-            <a:ext cx="6578895" cy="3416320"/>
-          </a:xfrm>
-          <a:prstGeom prst="rect">
-            <a:avLst/>
-          </a:prstGeom>
-          <a:noFill/>
-        </p:spPr>
-        <p:txBody>
-          <a:bodyPr wrap="square">
-            <a:spAutoFit/>
+        </p:nvSpPr>
+        <p:spPr>
+          <a:xfrm>
+            <a:off x="478465" y="2583712"/>
+            <a:ext cx="10738884" cy="4008474"/>
+          </a:xfrm>
+        </p:spPr>
+        <p:txBody>
+          <a:bodyPr>
+            <a:normAutofit fontScale="85000" lnSpcReduction="10000"/>
           </a:bodyPr>
           <a:lstStyle/>
           <a:p>
-            <a:pPr marL="285750" indent="-285750">
-              <a:buFontTx/>
-              <a:buChar char="-"/>
-            </a:pPr>
-            <a:r>
-              <a:rPr lang="en-US" dirty="0"/>
-              <a:t>Epitopes with fewer than 10 occurrences are considered insufficient for reliable modeling and are thus filtered out. This focuses the dataset on more common epitopes, which improves the model's ability to learn relevant patterns and make accurate predictions. </a:t>
-            </a:r>
-          </a:p>
-          <a:p>
-            <a:endParaRPr lang="en-US" dirty="0"/>
-          </a:p>
-          <a:p>
-            <a:pPr marL="285750" indent="-285750">
-              <a:buFontTx/>
-              <a:buChar char="-"/>
-            </a:pPr>
-            <a:r>
-              <a:rPr lang="en-US" dirty="0"/>
-              <a:t>Calculation of the length of each CDR3 sequence and retaining those within a practical range (10 to 20 amino acids) is done as depicted by the box plot shown in Fig , as very short or very long sequences might represent sequencing errors or unusual variations that could skew the model training.</a:t>
-            </a:r>
+            <a:r>
+              <a:rPr lang="en-US" altLang="zh-CN" sz="2400" b="1" dirty="0">
+                <a:latin typeface="Times New Roman" panose="02020603050405020304" pitchFamily="18" charset="0"/>
+                <a:cs typeface="Times New Roman" panose="02020603050405020304" pitchFamily="18" charset="0"/>
+              </a:rPr>
+              <a:t>BLOSUM 62:</a:t>
+            </a:r>
+          </a:p>
+          <a:p>
+            <a:r>
+              <a:rPr lang="en-US" altLang="zh-CN" sz="2400" dirty="0">
+                <a:latin typeface="Times New Roman" panose="02020603050405020304" pitchFamily="18" charset="0"/>
+                <a:cs typeface="Times New Roman" panose="02020603050405020304" pitchFamily="18" charset="0"/>
+              </a:rPr>
+              <a:t>BLOSUM 62 is a protein sequence encoding method based on the statistical analysis of a large number of known protein sequences. It scores amino acids based on the frequency of pairs of amino acids observed in related proteins, capturing similarities and differences between sequences in a biologically meaningful way. In this study, each amino acid is mapped to a vector whose length is equal to the number of rows of the matrix, and each element in the vector represents the similarity score of that amino acid to the corresponding row in the substitution matrix.</a:t>
+            </a:r>
+          </a:p>
+          <a:p>
+            <a:r>
+              <a:rPr lang="en-US" altLang="zh-CN" sz="2400" b="1" dirty="0">
+                <a:latin typeface="Times New Roman" panose="02020603050405020304" pitchFamily="18" charset="0"/>
+                <a:cs typeface="Times New Roman" panose="02020603050405020304" pitchFamily="18" charset="0"/>
+              </a:rPr>
+              <a:t>GIANA ENCODING:</a:t>
+            </a:r>
+          </a:p>
+          <a:p>
+            <a:r>
+              <a:rPr lang="en-US" altLang="zh-CN" sz="2400" dirty="0">
+                <a:latin typeface="Times New Roman" panose="02020603050405020304" pitchFamily="18" charset="0"/>
+                <a:cs typeface="Times New Roman" panose="02020603050405020304" pitchFamily="18" charset="0"/>
+              </a:rPr>
+              <a:t>GIANA ENCODING is a mathematical framework for converting CDR3 sequences, converting sequence comparisons into nearest neighbor searches in high-dimensional Euclidean space. We used the GIANA package in Python to encode alpha chain, beta chain, chain with alpha and beta respectively.</a:t>
+            </a:r>
+            <a:endParaRPr lang="en-US" dirty="0">
+              <a:latin typeface="Times New Roman" panose="02020603050405020304" pitchFamily="18" charset="0"/>
+              <a:cs typeface="Times New Roman" panose="02020603050405020304" pitchFamily="18" charset="0"/>
+            </a:endParaRPr>
           </a:p>
         </p:txBody>
       </p:sp>
     </p:spTree>
     <p:extLst>
       <p:ext uri="{BB962C8B-B14F-4D97-AF65-F5344CB8AC3E}">
-        <p14:creationId xmlns:p14="http://schemas.microsoft.com/office/powerpoint/2010/main" val="2756991189"/>
+        <p14:creationId xmlns:p14="http://schemas.microsoft.com/office/powerpoint/2010/main" val="3099030540"/>
       </p:ext>
     </p:extLst>
   </p:cSld>

--- a/summative presentation/Summative Oral Presentation-Group 4.pptx
+++ b/summative presentation/Summative Oral Presentation-Group 4.pptx
@@ -5,7 +5,7 @@
     <p:sldMasterId id="2147483738" r:id="rId1"/>
   </p:sldMasterIdLst>
   <p:notesMasterIdLst>
-    <p:notesMasterId r:id="rId24"/>
+    <p:notesMasterId r:id="rId23"/>
   </p:notesMasterIdLst>
   <p:sldIdLst>
     <p:sldId id="256" r:id="rId2"/>
@@ -22,14 +22,13 @@
     <p:sldId id="280" r:id="rId13"/>
     <p:sldId id="284" r:id="rId14"/>
     <p:sldId id="281" r:id="rId15"/>
-    <p:sldId id="282" r:id="rId16"/>
-    <p:sldId id="268" r:id="rId17"/>
-    <p:sldId id="264" r:id="rId18"/>
-    <p:sldId id="273" r:id="rId19"/>
-    <p:sldId id="275" r:id="rId20"/>
-    <p:sldId id="276" r:id="rId21"/>
-    <p:sldId id="272" r:id="rId22"/>
-    <p:sldId id="274" r:id="rId23"/>
+    <p:sldId id="268" r:id="rId16"/>
+    <p:sldId id="264" r:id="rId17"/>
+    <p:sldId id="273" r:id="rId18"/>
+    <p:sldId id="275" r:id="rId19"/>
+    <p:sldId id="276" r:id="rId20"/>
+    <p:sldId id="272" r:id="rId21"/>
+    <p:sldId id="274" r:id="rId22"/>
   </p:sldIdLst>
   <p:sldSz cx="12192000" cy="6858000"/>
   <p:notesSz cx="6858000" cy="9144000"/>
@@ -284,7 +283,7 @@
           <a:p>
             <a:fld id="{F639A5E2-6E83-014F-97C5-6ED19623C635}" type="datetimeFigureOut">
               <a:rPr lang="en-US" smtClean="0"/>
-              <a:t>5/8/24</a:t>
+              <a:t>5/9/2024</a:t>
             </a:fld>
             <a:endParaRPr lang="en-US"/>
           </a:p>
@@ -996,7 +995,7 @@
           <a:p>
             <a:fld id="{3341EE12-F28E-4B03-A404-A8FCAE0F6316}" type="datetime1">
               <a:rPr lang="en-US" smtClean="0"/>
-              <a:t>5/8/24</a:t>
+              <a:t>5/9/2024</a:t>
             </a:fld>
             <a:endParaRPr lang="en-US" dirty="0"/>
           </a:p>
@@ -1281,7 +1280,7 @@
           <a:p>
             <a:fld id="{B68B8189-0D9C-48A6-9FA3-862227B094CE}" type="datetime1">
               <a:rPr lang="en-US" smtClean="0"/>
-              <a:t>5/8/24</a:t>
+              <a:t>5/9/2024</a:t>
             </a:fld>
             <a:endParaRPr lang="en-US"/>
           </a:p>
@@ -1645,7 +1644,7 @@
           <a:p>
             <a:fld id="{26ADDCAE-6443-42C3-9C19-F95985500186}" type="datetime1">
               <a:rPr lang="en-US" smtClean="0"/>
-              <a:t>5/8/24</a:t>
+              <a:t>5/9/2024</a:t>
             </a:fld>
             <a:endParaRPr lang="en-US" dirty="0"/>
           </a:p>
@@ -1907,7 +1906,7 @@
           <a:p>
             <a:fld id="{1962799E-EB8E-4038-8063-81BB57C732D4}" type="datetime1">
               <a:rPr lang="en-US" smtClean="0"/>
-              <a:t>5/8/24</a:t>
+              <a:t>5/9/2024</a:t>
             </a:fld>
             <a:endParaRPr lang="en-US"/>
           </a:p>
@@ -2337,7 +2336,7 @@
           <a:p>
             <a:fld id="{217A73C3-B243-44D3-809D-EF8FDFBD85D4}" type="datetime1">
               <a:rPr lang="en-US" smtClean="0"/>
-              <a:t>5/8/24</a:t>
+              <a:t>5/9/2024</a:t>
             </a:fld>
             <a:endParaRPr lang="en-US" dirty="0"/>
           </a:p>
@@ -2668,7 +2667,7 @@
           <a:p>
             <a:fld id="{C9B6D3E3-28E2-4380-A113-67698215C5F8}" type="datetime1">
               <a:rPr lang="en-US" smtClean="0"/>
-              <a:t>5/8/24</a:t>
+              <a:t>5/9/2024</a:t>
             </a:fld>
             <a:endParaRPr lang="en-US" dirty="0"/>
           </a:p>
@@ -3101,7 +3100,7 @@
           <a:p>
             <a:fld id="{A9EFCB61-04AD-47C9-BF79-2BD8B9CEC07A}" type="datetime1">
               <a:rPr lang="en-US" smtClean="0"/>
-              <a:t>5/8/24</a:t>
+              <a:t>5/9/2024</a:t>
             </a:fld>
             <a:endParaRPr lang="en-US" dirty="0"/>
           </a:p>
@@ -3253,7 +3252,7 @@
           <a:p>
             <a:fld id="{A4535E0C-D585-492F-8146-7493F4086301}" type="datetime1">
               <a:rPr lang="en-US" smtClean="0"/>
-              <a:t>5/8/24</a:t>
+              <a:t>5/9/2024</a:t>
             </a:fld>
             <a:endParaRPr lang="en-US"/>
           </a:p>
@@ -3416,7 +3415,7 @@
           <a:p>
             <a:fld id="{8CE48390-48B5-49AB-B019-A7C8FB8C31F6}" type="datetime1">
               <a:rPr lang="en-US" smtClean="0"/>
-              <a:t>5/8/24</a:t>
+              <a:t>5/9/2024</a:t>
             </a:fld>
             <a:endParaRPr lang="en-US"/>
           </a:p>
@@ -3945,7 +3944,7 @@
           <a:p>
             <a:fld id="{962E767E-8A14-4E70-91B9-2101CBC4D7BD}" type="datetime1">
               <a:rPr lang="en-US" smtClean="0"/>
-              <a:t>5/8/24</a:t>
+              <a:t>5/9/2024</a:t>
             </a:fld>
             <a:endParaRPr lang="en-US" dirty="0"/>
           </a:p>
@@ -4466,7 +4465,7 @@
           <a:p>
             <a:fld id="{01AF0C4B-5A4A-45CA-ABEC-10F107160D33}" type="datetime1">
               <a:rPr lang="en-US" smtClean="0"/>
-              <a:t>5/8/24</a:t>
+              <a:t>5/9/2024</a:t>
             </a:fld>
             <a:endParaRPr lang="en-US" dirty="0"/>
           </a:p>
@@ -5016,7 +5015,7 @@
           <a:p>
             <a:fld id="{6989806E-8E94-473C-AEE7-BE6F15F85533}" type="datetime1">
               <a:rPr lang="en-US" smtClean="0"/>
-              <a:t>5/8/24</a:t>
+              <a:t>5/9/2024</a:t>
             </a:fld>
             <a:endParaRPr lang="en-US" dirty="0"/>
           </a:p>
@@ -6093,16 +6092,15 @@
             <p:ph idx="1"/>
           </p:nvPr>
         </p:nvPicPr>
-        <p:blipFill>
+        <p:blipFill rotWithShape="1">
           <a:blip r:embed="rId2"/>
-          <a:stretch>
-            <a:fillRect/>
-          </a:stretch>
+          <a:srcRect l="5346" t="4595" r="2271" b="5360"/>
+          <a:stretch/>
         </p:blipFill>
         <p:spPr>
           <a:xfrm>
-            <a:off x="7901564" y="0"/>
-            <a:ext cx="3528635" cy="3524425"/>
+            <a:off x="8319810" y="145503"/>
+            <a:ext cx="3259856" cy="3173618"/>
           </a:xfrm>
         </p:spPr>
       </p:pic>
@@ -6120,16 +6118,15 @@
           </p:cNvPicPr>
           <p:nvPr/>
         </p:nvPicPr>
-        <p:blipFill>
+        <p:blipFill rotWithShape="1">
           <a:blip r:embed="rId3"/>
-          <a:stretch>
-            <a:fillRect/>
-          </a:stretch>
+          <a:srcRect l="7387" t="4888" r="6256" b="4170"/>
+          <a:stretch/>
         </p:blipFill>
         <p:spPr>
           <a:xfrm>
-            <a:off x="7831858" y="3307126"/>
-            <a:ext cx="3774888" cy="3489673"/>
+            <a:off x="8319810" y="3684382"/>
+            <a:ext cx="3259856" cy="3173618"/>
           </a:xfrm>
           <a:prstGeom prst="rect">
             <a:avLst/>
@@ -6629,6 +6626,140 @@
               <a:t>Results</a:t>
             </a:r>
             <a:endParaRPr lang="zh-CN" altLang="en-US" dirty="0"/>
+          </a:p>
+        </p:txBody>
+      </p:sp>
+      <p:sp>
+        <p:nvSpPr>
+          <p:cNvPr id="7" name="文本框 6">
+            <a:extLst>
+              <a:ext uri="{FF2B5EF4-FFF2-40B4-BE49-F238E27FC236}">
+                <a16:creationId xmlns:a16="http://schemas.microsoft.com/office/drawing/2014/main" id="{0AA7B8B1-9C71-5FC8-63D5-2267B51C3602}"/>
+              </a:ext>
+            </a:extLst>
+          </p:cNvPr>
+          <p:cNvSpPr txBox="1"/>
+          <p:nvPr/>
+        </p:nvSpPr>
+        <p:spPr>
+          <a:xfrm>
+            <a:off x="8254592" y="3354214"/>
+            <a:ext cx="3226076" cy="369332"/>
+          </a:xfrm>
+          <a:prstGeom prst="rect">
+            <a:avLst/>
+          </a:prstGeom>
+          <a:noFill/>
+        </p:spPr>
+        <p:txBody>
+          <a:bodyPr wrap="none" rtlCol="0">
+            <a:spAutoFit/>
+          </a:bodyPr>
+          <a:lstStyle/>
+          <a:p>
+            <a:r>
+              <a:rPr lang="en-US" altLang="zh-CN" dirty="0"/>
+              <a:t>Human TCR              Mouse TCR</a:t>
+            </a:r>
+            <a:endParaRPr lang="zh-CN" altLang="en-US" dirty="0"/>
+          </a:p>
+        </p:txBody>
+      </p:sp>
+      <p:sp>
+        <p:nvSpPr>
+          <p:cNvPr id="10" name="箭头: 上 9">
+            <a:extLst>
+              <a:ext uri="{FF2B5EF4-FFF2-40B4-BE49-F238E27FC236}">
+                <a16:creationId xmlns:a16="http://schemas.microsoft.com/office/drawing/2014/main" id="{C7259697-B8C0-60F7-37FE-05DCBB84117D}"/>
+              </a:ext>
+            </a:extLst>
+          </p:cNvPr>
+          <p:cNvSpPr/>
+          <p:nvPr/>
+        </p:nvSpPr>
+        <p:spPr>
+          <a:xfrm>
+            <a:off x="9565566" y="3353371"/>
+            <a:ext cx="196821" cy="330730"/>
+          </a:xfrm>
+          <a:prstGeom prst="upArrow">
+            <a:avLst/>
+          </a:prstGeom>
+          <a:solidFill>
+            <a:schemeClr val="tx1"/>
+          </a:solidFill>
+        </p:spPr>
+        <p:style>
+          <a:lnRef idx="2">
+            <a:schemeClr val="accent1">
+              <a:shade val="15000"/>
+            </a:schemeClr>
+          </a:lnRef>
+          <a:fillRef idx="1">
+            <a:schemeClr val="accent1"/>
+          </a:fillRef>
+          <a:effectRef idx="0">
+            <a:schemeClr val="accent1"/>
+          </a:effectRef>
+          <a:fontRef idx="minor">
+            <a:schemeClr val="lt1"/>
+          </a:fontRef>
+        </p:style>
+        <p:txBody>
+          <a:bodyPr rtlCol="0" anchor="ctr"/>
+          <a:lstStyle/>
+          <a:p>
+            <a:pPr algn="ctr"/>
+            <a:endParaRPr lang="zh-CN" altLang="en-US"/>
+          </a:p>
+        </p:txBody>
+      </p:sp>
+      <p:sp>
+        <p:nvSpPr>
+          <p:cNvPr id="12" name="箭头: 上 11">
+            <a:extLst>
+              <a:ext uri="{FF2B5EF4-FFF2-40B4-BE49-F238E27FC236}">
+                <a16:creationId xmlns:a16="http://schemas.microsoft.com/office/drawing/2014/main" id="{F8DC8494-8937-5801-4F23-3290E07535B6}"/>
+              </a:ext>
+            </a:extLst>
+          </p:cNvPr>
+          <p:cNvSpPr/>
+          <p:nvPr/>
+        </p:nvSpPr>
+        <p:spPr>
+          <a:xfrm rot="10800000">
+            <a:off x="11426389" y="3336386"/>
+            <a:ext cx="196821" cy="330730"/>
+          </a:xfrm>
+          <a:prstGeom prst="upArrow">
+            <a:avLst/>
+          </a:prstGeom>
+          <a:solidFill>
+            <a:schemeClr val="tx1"/>
+          </a:solidFill>
+        </p:spPr>
+        <p:style>
+          <a:lnRef idx="2">
+            <a:schemeClr val="accent1">
+              <a:shade val="15000"/>
+            </a:schemeClr>
+          </a:lnRef>
+          <a:fillRef idx="1">
+            <a:schemeClr val="accent1"/>
+          </a:fillRef>
+          <a:effectRef idx="0">
+            <a:schemeClr val="accent1"/>
+          </a:effectRef>
+          <a:fontRef idx="minor">
+            <a:schemeClr val="lt1"/>
+          </a:fontRef>
+        </p:style>
+        <p:txBody>
+          <a:bodyPr rtlCol="0" anchor="ctr"/>
+          <a:lstStyle/>
+          <a:p>
+            <a:pPr algn="ctr"/>
+            <a:endParaRPr lang="zh-CN" altLang="en-US"/>
           </a:p>
         </p:txBody>
       </p:sp>
@@ -6705,16 +6836,15 @@
           </p:cNvPicPr>
           <p:nvPr/>
         </p:nvPicPr>
-        <p:blipFill>
+        <p:blipFill rotWithShape="1">
           <a:blip r:embed="rId2"/>
-          <a:stretch>
-            <a:fillRect/>
-          </a:stretch>
+          <a:srcRect t="5026" r="-452"/>
+          <a:stretch/>
         </p:blipFill>
         <p:spPr>
           <a:xfrm>
-            <a:off x="6978963" y="2652588"/>
-            <a:ext cx="4008531" cy="3924532"/>
+            <a:off x="7075371" y="3005629"/>
+            <a:ext cx="4026641" cy="3727308"/>
           </a:xfrm>
           <a:prstGeom prst="rect">
             <a:avLst/>
@@ -6786,7 +6916,7 @@
         <p:spPr>
           <a:xfrm>
             <a:off x="761801" y="4738496"/>
-            <a:ext cx="4716398" cy="646331"/>
+            <a:ext cx="4716398" cy="923330"/>
           </a:xfrm>
           <a:prstGeom prst="rect">
             <a:avLst/>
@@ -6844,9 +6974,117 @@
                 <a:latin typeface="Segoe UI" panose="020B0502040204020203" pitchFamily="34" charset="0"/>
                 <a:ea typeface="等线" panose="02010600030101010101" pitchFamily="2" charset="-122"/>
               </a:rPr>
-              <a:t>do not have a D region and only undergoes VJ rearrangement</a:t>
+              <a:t>do not have D region and only undergoes VJ rearrangement, making it less diverse.</a:t>
             </a:r>
             <a:endParaRPr lang="en-US" altLang="zh-CN" dirty="0"/>
+          </a:p>
+        </p:txBody>
+      </p:sp>
+      <p:sp>
+        <p:nvSpPr>
+          <p:cNvPr id="2" name="文本框 1">
+            <a:extLst>
+              <a:ext uri="{FF2B5EF4-FFF2-40B4-BE49-F238E27FC236}">
+                <a16:creationId xmlns:a16="http://schemas.microsoft.com/office/drawing/2014/main" id="{1761CEB6-04B1-5B89-F0B8-6E85B0FCC25D}"/>
+              </a:ext>
+            </a:extLst>
+          </p:cNvPr>
+          <p:cNvSpPr txBox="1"/>
+          <p:nvPr/>
+        </p:nvSpPr>
+        <p:spPr>
+          <a:xfrm>
+            <a:off x="673158" y="2686477"/>
+            <a:ext cx="1177117" cy="461665"/>
+          </a:xfrm>
+          <a:prstGeom prst="rect">
+            <a:avLst/>
+          </a:prstGeom>
+          <a:noFill/>
+        </p:spPr>
+        <p:txBody>
+          <a:bodyPr wrap="none" rtlCol="0">
+            <a:spAutoFit/>
+          </a:bodyPr>
+          <a:lstStyle/>
+          <a:p>
+            <a:r>
+              <a:rPr lang="en-US" altLang="zh-CN" sz="2400" dirty="0"/>
+              <a:t>Results</a:t>
+            </a:r>
+            <a:endParaRPr lang="zh-CN" altLang="en-US" dirty="0"/>
+          </a:p>
+        </p:txBody>
+      </p:sp>
+      <p:sp>
+        <p:nvSpPr>
+          <p:cNvPr id="3" name="文本框 2">
+            <a:extLst>
+              <a:ext uri="{FF2B5EF4-FFF2-40B4-BE49-F238E27FC236}">
+                <a16:creationId xmlns:a16="http://schemas.microsoft.com/office/drawing/2014/main" id="{446B89C5-3B4A-7A4C-B046-A69F3029363E}"/>
+              </a:ext>
+            </a:extLst>
+          </p:cNvPr>
+          <p:cNvSpPr txBox="1"/>
+          <p:nvPr/>
+        </p:nvSpPr>
+        <p:spPr>
+          <a:xfrm>
+            <a:off x="673158" y="4153189"/>
+            <a:ext cx="2430152" cy="461665"/>
+          </a:xfrm>
+          <a:prstGeom prst="rect">
+            <a:avLst/>
+          </a:prstGeom>
+          <a:noFill/>
+        </p:spPr>
+        <p:txBody>
+          <a:bodyPr wrap="none" rtlCol="0">
+            <a:spAutoFit/>
+          </a:bodyPr>
+          <a:lstStyle/>
+          <a:p>
+            <a:r>
+              <a:rPr lang="en-US" altLang="zh-CN" sz="2400" dirty="0"/>
+              <a:t>Possible reasons</a:t>
+            </a:r>
+            <a:endParaRPr lang="zh-CN" altLang="en-US" dirty="0"/>
+          </a:p>
+        </p:txBody>
+      </p:sp>
+      <p:sp>
+        <p:nvSpPr>
+          <p:cNvPr id="8" name="文本框 7">
+            <a:extLst>
+              <a:ext uri="{FF2B5EF4-FFF2-40B4-BE49-F238E27FC236}">
+                <a16:creationId xmlns:a16="http://schemas.microsoft.com/office/drawing/2014/main" id="{663EA25A-F45F-8AFD-4075-7894521EE2FD}"/>
+              </a:ext>
+            </a:extLst>
+          </p:cNvPr>
+          <p:cNvSpPr txBox="1"/>
+          <p:nvPr/>
+        </p:nvSpPr>
+        <p:spPr>
+          <a:xfrm>
+            <a:off x="8045080" y="2636297"/>
+            <a:ext cx="2308645" cy="369332"/>
+          </a:xfrm>
+          <a:prstGeom prst="rect">
+            <a:avLst/>
+          </a:prstGeom>
+          <a:noFill/>
+        </p:spPr>
+        <p:txBody>
+          <a:bodyPr wrap="none" rtlCol="0">
+            <a:spAutoFit/>
+          </a:bodyPr>
+          <a:lstStyle/>
+          <a:p>
+            <a:r>
+              <a:rPr lang="en-US" altLang="zh-CN" dirty="0"/>
+              <a:t>Human Alpha Chains</a:t>
+            </a:r>
+            <a:endParaRPr lang="zh-CN" altLang="en-US" dirty="0"/>
           </a:p>
         </p:txBody>
       </p:sp>
@@ -6923,16 +7161,15 @@
           </p:cNvPicPr>
           <p:nvPr/>
         </p:nvPicPr>
-        <p:blipFill>
+        <p:blipFill rotWithShape="1">
           <a:blip r:embed="rId2"/>
-          <a:stretch>
-            <a:fillRect/>
-          </a:stretch>
+          <a:srcRect l="-1" t="4680" r="-1"/>
+          <a:stretch/>
         </p:blipFill>
         <p:spPr>
           <a:xfrm>
-            <a:off x="7479256" y="2696123"/>
-            <a:ext cx="3888218" cy="3897397"/>
+            <a:off x="7479256" y="2878514"/>
+            <a:ext cx="3888218" cy="3715005"/>
           </a:xfrm>
           <a:prstGeom prst="rect">
             <a:avLst/>
@@ -7095,8 +7332,44 @@
             </a:pPr>
             <a:r>
               <a:rPr lang="en-US" altLang="zh-CN" dirty="0"/>
-              <a:t> A broader epitope recognition.</a:t>
-            </a:r>
+              <a:t>Broader epitope recognition.</a:t>
+            </a:r>
+          </a:p>
+        </p:txBody>
+      </p:sp>
+      <p:sp>
+        <p:nvSpPr>
+          <p:cNvPr id="2" name="文本框 1">
+            <a:extLst>
+              <a:ext uri="{FF2B5EF4-FFF2-40B4-BE49-F238E27FC236}">
+                <a16:creationId xmlns:a16="http://schemas.microsoft.com/office/drawing/2014/main" id="{EA376887-3F41-D339-8FBF-BE8ABAB58F87}"/>
+              </a:ext>
+            </a:extLst>
+          </p:cNvPr>
+          <p:cNvSpPr txBox="1"/>
+          <p:nvPr/>
+        </p:nvSpPr>
+        <p:spPr>
+          <a:xfrm>
+            <a:off x="8459225" y="2509182"/>
+            <a:ext cx="2189895" cy="369332"/>
+          </a:xfrm>
+          <a:prstGeom prst="rect">
+            <a:avLst/>
+          </a:prstGeom>
+          <a:noFill/>
+        </p:spPr>
+        <p:txBody>
+          <a:bodyPr wrap="none" rtlCol="0">
+            <a:spAutoFit/>
+          </a:bodyPr>
+          <a:lstStyle/>
+          <a:p>
+            <a:r>
+              <a:rPr lang="en-US" altLang="zh-CN" dirty="0"/>
+              <a:t>Human Beta Chains</a:t>
+            </a:r>
+            <a:endParaRPr lang="zh-CN" altLang="en-US" dirty="0"/>
           </a:p>
         </p:txBody>
       </p:sp>
@@ -7175,16 +7448,15 @@
             <p:ph idx="1"/>
           </p:nvPr>
         </p:nvPicPr>
-        <p:blipFill>
+        <p:blipFill rotWithShape="1">
           <a:blip r:embed="rId2"/>
-          <a:stretch>
-            <a:fillRect/>
-          </a:stretch>
+          <a:srcRect t="4602"/>
+          <a:stretch/>
         </p:blipFill>
         <p:spPr>
           <a:xfrm>
-            <a:off x="7536624" y="2719182"/>
-            <a:ext cx="3911829" cy="3907164"/>
+            <a:off x="7536624" y="2899016"/>
+            <a:ext cx="3911829" cy="3727329"/>
           </a:xfrm>
         </p:spPr>
       </p:pic>
@@ -7324,6 +7596,42 @@
               <a:rPr lang="en-US" altLang="zh-CN" dirty="0"/>
               <a:t>TCR epitope recognition is broadened by combining Alpha and Beta chains.</a:t>
             </a:r>
+          </a:p>
+        </p:txBody>
+      </p:sp>
+      <p:sp>
+        <p:nvSpPr>
+          <p:cNvPr id="4" name="文本框 3">
+            <a:extLst>
+              <a:ext uri="{FF2B5EF4-FFF2-40B4-BE49-F238E27FC236}">
+                <a16:creationId xmlns:a16="http://schemas.microsoft.com/office/drawing/2014/main" id="{276F4AD0-3A63-3381-D756-B65A0CC2A3D4}"/>
+              </a:ext>
+            </a:extLst>
+          </p:cNvPr>
+          <p:cNvSpPr txBox="1"/>
+          <p:nvPr/>
+        </p:nvSpPr>
+        <p:spPr>
+          <a:xfrm>
+            <a:off x="8311609" y="2562780"/>
+            <a:ext cx="2779928" cy="369332"/>
+          </a:xfrm>
+          <a:prstGeom prst="rect">
+            <a:avLst/>
+          </a:prstGeom>
+          <a:noFill/>
+        </p:spPr>
+        <p:txBody>
+          <a:bodyPr wrap="none" rtlCol="0">
+            <a:spAutoFit/>
+          </a:bodyPr>
+          <a:lstStyle/>
+          <a:p>
+            <a:r>
+              <a:rPr lang="en-US" altLang="zh-CN" dirty="0"/>
+              <a:t>Human Combined Chains</a:t>
+            </a:r>
+            <a:endParaRPr lang="zh-CN" altLang="en-US" dirty="0"/>
           </a:p>
         </p:txBody>
       </p:sp>
@@ -7750,8 +8058,8 @@
         </p:blipFill>
         <p:spPr>
           <a:xfrm>
-            <a:off x="4819659" y="3163048"/>
-            <a:ext cx="6972658" cy="2044805"/>
+            <a:off x="4707466" y="4042716"/>
+            <a:ext cx="6903671" cy="2044805"/>
           </a:xfrm>
         </p:spPr>
       </p:pic>
@@ -7773,12 +8081,28 @@
         </p:nvSpPr>
         <p:spPr/>
         <p:txBody>
-          <a:bodyPr/>
-          <a:lstStyle/>
-          <a:p>
+          <a:bodyPr>
+            <a:normAutofit fontScale="90000"/>
+          </a:bodyPr>
+          <a:lstStyle/>
+          <a:p>
+            <a:r>
+              <a:rPr lang="en-ID" altLang="zh-CN" dirty="0"/>
+              <a:t>Agglomerative Hierarchical Clustering</a:t>
+            </a:r>
+            <a:br>
+              <a:rPr lang="en-ID" altLang="zh-CN" dirty="0"/>
+            </a:br>
             <a:r>
               <a:rPr lang="en-US" altLang="zh-CN" dirty="0"/>
-              <a:t>Human vs. Mouse</a:t>
+              <a:t> vs. </a:t>
+            </a:r>
+            <a:br>
+              <a:rPr lang="en-US" altLang="zh-CN" dirty="0"/>
+            </a:br>
+            <a:r>
+              <a:rPr lang="en-US" altLang="zh-CN" dirty="0"/>
+              <a:t>DBSCAN</a:t>
             </a:r>
             <a:endParaRPr lang="zh-CN" altLang="en-US" dirty="0"/>
           </a:p>
@@ -7786,10 +8110,10 @@
       </p:sp>
       <p:sp>
         <p:nvSpPr>
-          <p:cNvPr id="12" name="文本框 11">
-            <a:extLst>
-              <a:ext uri="{FF2B5EF4-FFF2-40B4-BE49-F238E27FC236}">
-                <a16:creationId xmlns:a16="http://schemas.microsoft.com/office/drawing/2014/main" id="{5753E2E0-CB77-D857-EF46-D5C7137C31C3}"/>
+          <p:cNvPr id="3" name="文本框 2">
+            <a:extLst>
+              <a:ext uri="{FF2B5EF4-FFF2-40B4-BE49-F238E27FC236}">
+                <a16:creationId xmlns:a16="http://schemas.microsoft.com/office/drawing/2014/main" id="{55C7BAEF-154A-6AD1-2901-8FE5EFFD0088}"/>
               </a:ext>
             </a:extLst>
           </p:cNvPr>
@@ -7798,8 +8122,8 @@
         </p:nvSpPr>
         <p:spPr>
           <a:xfrm>
-            <a:off x="299332" y="2960525"/>
-            <a:ext cx="4375179" cy="923330"/>
+            <a:off x="380459" y="2896383"/>
+            <a:ext cx="10169995" cy="923330"/>
           </a:xfrm>
           <a:prstGeom prst="rect">
             <a:avLst/>
@@ -7812,35 +8136,77 @@
           </a:ln>
         </p:spPr>
         <p:txBody>
-          <a:bodyPr wrap="square" rtlCol="0">
+          <a:bodyPr wrap="square">
             <a:spAutoFit/>
           </a:bodyPr>
           <a:lstStyle/>
           <a:p>
-            <a:r>
-              <a:rPr lang="en-US" altLang="zh-CN" dirty="0"/>
-              <a:t>Hierarchical clustering performs better on human TCR and DBSCAN performs better on mouse TCR.</a:t>
-            </a:r>
-            <a:endParaRPr lang="en-GB" altLang="zh-CN" sz="1800" dirty="0">
-              <a:solidFill>
-                <a:srgbClr val="0D0D0D"/>
-              </a:solidFill>
-              <a:effectLst/>
-              <a:highlight>
-                <a:srgbClr val="FFFFFF"/>
-              </a:highlight>
-              <a:latin typeface="Segoe UI" panose="020B0502040204020203" pitchFamily="34" charset="0"/>
-              <a:ea typeface="等线" panose="02010600030101010101" pitchFamily="2" charset="-122"/>
+            <a:pPr marL="285750" indent="-285750">
+              <a:buFont typeface="Arial" panose="020B0604020202020204" pitchFamily="34" charset="0"/>
+              <a:buChar char="•"/>
+            </a:pPr>
+            <a:r>
+              <a:rPr lang="en-US" altLang="zh-CN" dirty="0">
+                <a:ea typeface="+mj-ea"/>
+                <a:cs typeface="Times New Roman" panose="02020603050405020304" pitchFamily="18" charset="0"/>
+              </a:rPr>
+              <a:t>P</a:t>
+            </a:r>
+            <a:r>
+              <a:rPr lang="en-US" altLang="zh-CN" sz="1800" dirty="0">
+                <a:effectLst/>
+                <a:ea typeface="+mj-ea"/>
+                <a:cs typeface="Times New Roman" panose="02020603050405020304" pitchFamily="18" charset="0"/>
+              </a:rPr>
+              <a:t>ure cluster fraction: DBSCAN results is half of hierarchical clustering.</a:t>
+            </a:r>
+          </a:p>
+          <a:p>
+            <a:pPr marL="285750" indent="-285750">
+              <a:buFont typeface="Arial" panose="020B0604020202020204" pitchFamily="34" charset="0"/>
+              <a:buChar char="•"/>
+            </a:pPr>
+            <a:r>
+              <a:rPr lang="en-US" altLang="zh-CN" dirty="0">
+                <a:ea typeface="+mj-ea"/>
+                <a:cs typeface="Times New Roman" panose="02020603050405020304" pitchFamily="18" charset="0"/>
+              </a:rPr>
+              <a:t>P</a:t>
+            </a:r>
+            <a:r>
+              <a:rPr lang="en-US" altLang="zh-CN" sz="1800" dirty="0">
+                <a:effectLst/>
+                <a:ea typeface="+mj-ea"/>
+                <a:cs typeface="Times New Roman" panose="02020603050405020304" pitchFamily="18" charset="0"/>
+              </a:rPr>
+              <a:t>ure cluster retention: DBSCAN  is nearly only a quarter of hierarchical clustering.</a:t>
+            </a:r>
+          </a:p>
+          <a:p>
+            <a:pPr marL="285750" indent="-285750">
+              <a:buFont typeface="Arial" panose="020B0604020202020204" pitchFamily="34" charset="0"/>
+              <a:buChar char="•"/>
+            </a:pPr>
+            <a:r>
+              <a:rPr lang="en-US" altLang="zh-CN" sz="1800" dirty="0">
+                <a:effectLst/>
+                <a:ea typeface="+mj-ea"/>
+                <a:cs typeface="Times New Roman" panose="02020603050405020304" pitchFamily="18" charset="0"/>
+              </a:rPr>
+              <a:t>NMI: DBSCAN has a relatively small gap with hierarchical clustering.</a:t>
+            </a:r>
+            <a:endParaRPr lang="zh-CN" altLang="en-US" dirty="0">
+              <a:ea typeface="+mj-ea"/>
             </a:endParaRPr>
           </a:p>
         </p:txBody>
       </p:sp>
       <p:sp>
         <p:nvSpPr>
-          <p:cNvPr id="3" name="文本框 2">
-            <a:extLst>
-              <a:ext uri="{FF2B5EF4-FFF2-40B4-BE49-F238E27FC236}">
-                <a16:creationId xmlns:a16="http://schemas.microsoft.com/office/drawing/2014/main" id="{F2471B7B-EEF6-CCBB-C635-7D9F39C44992}"/>
+          <p:cNvPr id="2" name="文本框 1">
+            <a:extLst>
+              <a:ext uri="{FF2B5EF4-FFF2-40B4-BE49-F238E27FC236}">
+                <a16:creationId xmlns:a16="http://schemas.microsoft.com/office/drawing/2014/main" id="{D1D944F4-4619-5C70-521A-1B26AB1EA113}"/>
               </a:ext>
             </a:extLst>
           </p:cNvPr>
@@ -7849,8 +8215,8 @@
         </p:nvSpPr>
         <p:spPr>
           <a:xfrm>
-            <a:off x="299332" y="4229959"/>
-            <a:ext cx="4203700" cy="1200329"/>
+            <a:off x="380459" y="4152566"/>
+            <a:ext cx="4327007" cy="1477328"/>
           </a:xfrm>
           <a:prstGeom prst="rect">
             <a:avLst/>
@@ -7874,18 +8240,9 @@
             </a:pPr>
             <a:r>
               <a:rPr lang="en-US" altLang="zh-CN" dirty="0">
-                <a:latin typeface="Söhne"/>
-                <a:cs typeface="Times New Roman" panose="02020603050405020304" pitchFamily="18" charset="0"/>
-              </a:rPr>
-              <a:t>H</a:t>
-            </a:r>
-            <a:r>
-              <a:rPr lang="en-US" altLang="zh-CN" sz="1800" dirty="0">
-                <a:effectLst/>
-                <a:latin typeface="Söhne"/>
-                <a:cs typeface="Times New Roman" panose="02020603050405020304" pitchFamily="18" charset="0"/>
-              </a:rPr>
-              <a:t>uman TCR data distribution have a more apparent hierarchical structure.</a:t>
+                <a:ea typeface="+mj-ea"/>
+              </a:rPr>
+              <a:t>The density distribution of TCR chains can be very heterogeneous.</a:t>
             </a:r>
           </a:p>
           <a:p>
@@ -7894,20 +8251,34 @@
               <a:buChar char="•"/>
             </a:pPr>
             <a:r>
-              <a:rPr lang="en-US" altLang="zh-CN" sz="1800" dirty="0">
-                <a:effectLst/>
-                <a:latin typeface="Söhne"/>
-                <a:cs typeface="Times New Roman" panose="02020603050405020304" pitchFamily="18" charset="0"/>
-              </a:rPr>
-              <a:t>Mouse TCR density distribution is less dispersed or variable.</a:t>
-            </a:r>
+              <a:rPr lang="en-US" altLang="zh-CN" dirty="0">
+                <a:ea typeface="+mj-ea"/>
+              </a:rPr>
+              <a:t>Hierarchical clustering is more robust and able to handle</a:t>
+            </a:r>
+            <a:r>
+              <a:rPr lang="en-US" altLang="zh-CN" dirty="0">
+                <a:solidFill>
+                  <a:srgbClr val="0D0D0D"/>
+                </a:solidFill>
+                <a:highlight>
+                  <a:srgbClr val="FFFFFF"/>
+                </a:highlight>
+                <a:latin typeface="Segoe UI" panose="020B0502040204020203" pitchFamily="34" charset="0"/>
+                <a:ea typeface="等线" panose="02010600030101010101" pitchFamily="2" charset="-122"/>
+              </a:rPr>
+              <a:t> complex and variable TCR distributions</a:t>
+            </a:r>
+            <a:endParaRPr lang="en-US" altLang="zh-CN" dirty="0">
+              <a:ea typeface="+mj-ea"/>
+            </a:endParaRPr>
           </a:p>
         </p:txBody>
       </p:sp>
     </p:spTree>
     <p:extLst>
       <p:ext uri="{BB962C8B-B14F-4D97-AF65-F5344CB8AC3E}">
-        <p14:creationId xmlns:p14="http://schemas.microsoft.com/office/powerpoint/2010/main" val="1656236313"/>
+        <p14:creationId xmlns:p14="http://schemas.microsoft.com/office/powerpoint/2010/main" val="1873876021"/>
       </p:ext>
     </p:extLst>
   </p:cSld>
@@ -7934,277 +8305,6 @@
           <a:chExt cx="0" cy="0"/>
         </a:xfrm>
       </p:grpSpPr>
-      <p:pic>
-        <p:nvPicPr>
-          <p:cNvPr id="11" name="内容占位符 10">
-            <a:extLst>
-              <a:ext uri="{FF2B5EF4-FFF2-40B4-BE49-F238E27FC236}">
-                <a16:creationId xmlns:a16="http://schemas.microsoft.com/office/drawing/2014/main" id="{56519AA8-FC18-531A-7476-125362D3C4B3}"/>
-              </a:ext>
-            </a:extLst>
-          </p:cNvPr>
-          <p:cNvPicPr>
-            <a:picLocks noGrp="1" noChangeAspect="1"/>
-          </p:cNvPicPr>
-          <p:nvPr>
-            <p:ph idx="1"/>
-          </p:nvPr>
-        </p:nvPicPr>
-        <p:blipFill>
-          <a:blip r:embed="rId2"/>
-          <a:stretch>
-            <a:fillRect/>
-          </a:stretch>
-        </p:blipFill>
-        <p:spPr>
-          <a:xfrm>
-            <a:off x="4707466" y="4042716"/>
-            <a:ext cx="6903671" cy="2044805"/>
-          </a:xfrm>
-        </p:spPr>
-      </p:pic>
-      <p:sp>
-        <p:nvSpPr>
-          <p:cNvPr id="7" name="标题 6">
-            <a:extLst>
-              <a:ext uri="{FF2B5EF4-FFF2-40B4-BE49-F238E27FC236}">
-                <a16:creationId xmlns:a16="http://schemas.microsoft.com/office/drawing/2014/main" id="{8695EF42-AF12-C103-1819-CBE4A5AF67A6}"/>
-              </a:ext>
-            </a:extLst>
-          </p:cNvPr>
-          <p:cNvSpPr>
-            <a:spLocks noGrp="1"/>
-          </p:cNvSpPr>
-          <p:nvPr>
-            <p:ph type="title"/>
-          </p:nvPr>
-        </p:nvSpPr>
-        <p:spPr/>
-        <p:txBody>
-          <a:bodyPr>
-            <a:normAutofit fontScale="90000"/>
-          </a:bodyPr>
-          <a:lstStyle/>
-          <a:p>
-            <a:r>
-              <a:rPr lang="en-ID" altLang="zh-CN" dirty="0"/>
-              <a:t>Agglomerative Hierarchical Clustering</a:t>
-            </a:r>
-            <a:br>
-              <a:rPr lang="en-ID" altLang="zh-CN" dirty="0"/>
-            </a:br>
-            <a:r>
-              <a:rPr lang="en-US" altLang="zh-CN" dirty="0"/>
-              <a:t> vs. </a:t>
-            </a:r>
-            <a:br>
-              <a:rPr lang="en-US" altLang="zh-CN" dirty="0"/>
-            </a:br>
-            <a:r>
-              <a:rPr lang="en-US" altLang="zh-CN" dirty="0"/>
-              <a:t>DBSCAN</a:t>
-            </a:r>
-            <a:endParaRPr lang="zh-CN" altLang="en-US" dirty="0"/>
-          </a:p>
-        </p:txBody>
-      </p:sp>
-      <p:sp>
-        <p:nvSpPr>
-          <p:cNvPr id="3" name="文本框 2">
-            <a:extLst>
-              <a:ext uri="{FF2B5EF4-FFF2-40B4-BE49-F238E27FC236}">
-                <a16:creationId xmlns:a16="http://schemas.microsoft.com/office/drawing/2014/main" id="{55C7BAEF-154A-6AD1-2901-8FE5EFFD0088}"/>
-              </a:ext>
-            </a:extLst>
-          </p:cNvPr>
-          <p:cNvSpPr txBox="1"/>
-          <p:nvPr/>
-        </p:nvSpPr>
-        <p:spPr>
-          <a:xfrm>
-            <a:off x="380459" y="2896383"/>
-            <a:ext cx="10169995" cy="923330"/>
-          </a:xfrm>
-          <a:prstGeom prst="rect">
-            <a:avLst/>
-          </a:prstGeom>
-          <a:noFill/>
-          <a:ln>
-            <a:solidFill>
-              <a:srgbClr val="FF0000"/>
-            </a:solidFill>
-          </a:ln>
-        </p:spPr>
-        <p:txBody>
-          <a:bodyPr wrap="square">
-            <a:spAutoFit/>
-          </a:bodyPr>
-          <a:lstStyle/>
-          <a:p>
-            <a:pPr marL="285750" indent="-285750">
-              <a:buFont typeface="Arial" panose="020B0604020202020204" pitchFamily="34" charset="0"/>
-              <a:buChar char="•"/>
-            </a:pPr>
-            <a:r>
-              <a:rPr lang="en-US" altLang="zh-CN" dirty="0">
-                <a:ea typeface="+mj-ea"/>
-                <a:cs typeface="Times New Roman" panose="02020603050405020304" pitchFamily="18" charset="0"/>
-              </a:rPr>
-              <a:t>P</a:t>
-            </a:r>
-            <a:r>
-              <a:rPr lang="en-US" altLang="zh-CN" sz="1800" dirty="0">
-                <a:effectLst/>
-                <a:ea typeface="+mj-ea"/>
-                <a:cs typeface="Times New Roman" panose="02020603050405020304" pitchFamily="18" charset="0"/>
-              </a:rPr>
-              <a:t>urity fraction: DBSCAN results is half of hierarchical clustering.</a:t>
-            </a:r>
-          </a:p>
-          <a:p>
-            <a:pPr marL="285750" indent="-285750">
-              <a:buFont typeface="Arial" panose="020B0604020202020204" pitchFamily="34" charset="0"/>
-              <a:buChar char="•"/>
-            </a:pPr>
-            <a:r>
-              <a:rPr lang="en-US" altLang="zh-CN" dirty="0">
-                <a:ea typeface="+mj-ea"/>
-                <a:cs typeface="Times New Roman" panose="02020603050405020304" pitchFamily="18" charset="0"/>
-              </a:rPr>
-              <a:t>P</a:t>
-            </a:r>
-            <a:r>
-              <a:rPr lang="en-US" altLang="zh-CN" sz="1800" dirty="0">
-                <a:effectLst/>
-                <a:ea typeface="+mj-ea"/>
-                <a:cs typeface="Times New Roman" panose="02020603050405020304" pitchFamily="18" charset="0"/>
-              </a:rPr>
-              <a:t>urity retention: DBSCAN  is nearly only a quarter of hierarchical clustering.</a:t>
-            </a:r>
-          </a:p>
-          <a:p>
-            <a:pPr marL="285750" indent="-285750">
-              <a:buFont typeface="Arial" panose="020B0604020202020204" pitchFamily="34" charset="0"/>
-              <a:buChar char="•"/>
-            </a:pPr>
-            <a:r>
-              <a:rPr lang="en-US" altLang="zh-CN" sz="1800" dirty="0">
-                <a:effectLst/>
-                <a:ea typeface="+mj-ea"/>
-                <a:cs typeface="Times New Roman" panose="02020603050405020304" pitchFamily="18" charset="0"/>
-              </a:rPr>
-              <a:t>NMI: DBSCAN has a relatively small gap with hierarchical clustering.</a:t>
-            </a:r>
-            <a:endParaRPr lang="zh-CN" altLang="en-US" dirty="0">
-              <a:ea typeface="+mj-ea"/>
-            </a:endParaRPr>
-          </a:p>
-        </p:txBody>
-      </p:sp>
-      <p:sp>
-        <p:nvSpPr>
-          <p:cNvPr id="2" name="文本框 1">
-            <a:extLst>
-              <a:ext uri="{FF2B5EF4-FFF2-40B4-BE49-F238E27FC236}">
-                <a16:creationId xmlns:a16="http://schemas.microsoft.com/office/drawing/2014/main" id="{D1D944F4-4619-5C70-521A-1B26AB1EA113}"/>
-              </a:ext>
-            </a:extLst>
-          </p:cNvPr>
-          <p:cNvSpPr txBox="1"/>
-          <p:nvPr/>
-        </p:nvSpPr>
-        <p:spPr>
-          <a:xfrm>
-            <a:off x="380459" y="4152566"/>
-            <a:ext cx="4327007" cy="1477328"/>
-          </a:xfrm>
-          <a:prstGeom prst="rect">
-            <a:avLst/>
-          </a:prstGeom>
-          <a:noFill/>
-          <a:ln>
-            <a:solidFill>
-              <a:srgbClr val="00B0F0"/>
-            </a:solidFill>
-          </a:ln>
-        </p:spPr>
-        <p:txBody>
-          <a:bodyPr wrap="square">
-            <a:spAutoFit/>
-          </a:bodyPr>
-          <a:lstStyle/>
-          <a:p>
-            <a:pPr marL="285750" indent="-285750">
-              <a:buFont typeface="Arial" panose="020B0604020202020204" pitchFamily="34" charset="0"/>
-              <a:buChar char="•"/>
-            </a:pPr>
-            <a:r>
-              <a:rPr lang="en-US" altLang="zh-CN" dirty="0">
-                <a:ea typeface="+mj-ea"/>
-              </a:rPr>
-              <a:t>The density distribution of TCR chains can be very heterogeneous.</a:t>
-            </a:r>
-          </a:p>
-          <a:p>
-            <a:pPr marL="285750" indent="-285750">
-              <a:buFont typeface="Arial" panose="020B0604020202020204" pitchFamily="34" charset="0"/>
-              <a:buChar char="•"/>
-            </a:pPr>
-            <a:r>
-              <a:rPr lang="en-US" altLang="zh-CN" dirty="0">
-                <a:ea typeface="+mj-ea"/>
-              </a:rPr>
-              <a:t>Hierarchical clustering is more robust and able to handle</a:t>
-            </a:r>
-            <a:r>
-              <a:rPr lang="en-US" altLang="zh-CN" dirty="0">
-                <a:solidFill>
-                  <a:srgbClr val="0D0D0D"/>
-                </a:solidFill>
-                <a:highlight>
-                  <a:srgbClr val="FFFFFF"/>
-                </a:highlight>
-                <a:latin typeface="Segoe UI" panose="020B0502040204020203" pitchFamily="34" charset="0"/>
-                <a:ea typeface="等线" panose="02010600030101010101" pitchFamily="2" charset="-122"/>
-              </a:rPr>
-              <a:t> complex and variable TCR distributions</a:t>
-            </a:r>
-            <a:endParaRPr lang="en-US" altLang="zh-CN" dirty="0">
-              <a:ea typeface="+mj-ea"/>
-            </a:endParaRPr>
-          </a:p>
-        </p:txBody>
-      </p:sp>
-    </p:spTree>
-    <p:extLst>
-      <p:ext uri="{BB962C8B-B14F-4D97-AF65-F5344CB8AC3E}">
-        <p14:creationId xmlns:p14="http://schemas.microsoft.com/office/powerpoint/2010/main" val="1873876021"/>
-      </p:ext>
-    </p:extLst>
-  </p:cSld>
-  <p:clrMapOvr>
-    <a:masterClrMapping/>
-  </p:clrMapOvr>
-</p:sld>
-</file>
-
-<file path=ppt/slides/slide17.xml><?xml version="1.0" encoding="utf-8"?>
-<p:sld xmlns:a="http://schemas.openxmlformats.org/drawingml/2006/main" xmlns:r="http://schemas.openxmlformats.org/officeDocument/2006/relationships" xmlns:p="http://schemas.openxmlformats.org/presentationml/2006/main">
-  <p:cSld>
-    <p:spTree>
-      <p:nvGrpSpPr>
-        <p:cNvPr id="1" name=""/>
-        <p:cNvGrpSpPr/>
-        <p:nvPr/>
-      </p:nvGrpSpPr>
-      <p:grpSpPr>
-        <a:xfrm>
-          <a:off x="0" y="0"/>
-          <a:ext cx="0" cy="0"/>
-          <a:chOff x="0" y="0"/>
-          <a:chExt cx="0" cy="0"/>
-        </a:xfrm>
-      </p:grpSpPr>
       <p:sp>
         <p:nvSpPr>
           <p:cNvPr id="2" name="Title 1">
@@ -8337,7 +8437,7 @@
 </p:sld>
 </file>
 
-<file path=ppt/slides/slide18.xml><?xml version="1.0" encoding="utf-8"?>
+<file path=ppt/slides/slide17.xml><?xml version="1.0" encoding="utf-8"?>
 <p:sld xmlns:a="http://schemas.openxmlformats.org/drawingml/2006/main" xmlns:r="http://schemas.openxmlformats.org/officeDocument/2006/relationships" xmlns:p="http://schemas.openxmlformats.org/presentationml/2006/main">
   <p:cSld>
     <p:spTree>
@@ -8639,7 +8739,7 @@
 </p:sld>
 </file>
 
-<file path=ppt/slides/slide19.xml><?xml version="1.0" encoding="utf-8"?>
+<file path=ppt/slides/slide18.xml><?xml version="1.0" encoding="utf-8"?>
 <p:sld xmlns:a="http://schemas.openxmlformats.org/drawingml/2006/main" xmlns:r="http://schemas.openxmlformats.org/officeDocument/2006/relationships" xmlns:p="http://schemas.openxmlformats.org/presentationml/2006/main">
   <p:cSld>
     <p:spTree>
@@ -8955,209 +9055,7 @@
 </p:sld>
 </file>
 
-<file path=ppt/slides/slide2.xml><?xml version="1.0" encoding="utf-8"?>
-<p:sld xmlns:a="http://schemas.openxmlformats.org/drawingml/2006/main" xmlns:r="http://schemas.openxmlformats.org/officeDocument/2006/relationships" xmlns:p="http://schemas.openxmlformats.org/presentationml/2006/main">
-  <p:cSld>
-    <p:spTree>
-      <p:nvGrpSpPr>
-        <p:cNvPr id="1" name=""/>
-        <p:cNvGrpSpPr/>
-        <p:nvPr/>
-      </p:nvGrpSpPr>
-      <p:grpSpPr>
-        <a:xfrm>
-          <a:off x="0" y="0"/>
-          <a:ext cx="0" cy="0"/>
-          <a:chOff x="0" y="0"/>
-          <a:chExt cx="0" cy="0"/>
-        </a:xfrm>
-      </p:grpSpPr>
-      <p:sp>
-        <p:nvSpPr>
-          <p:cNvPr id="2" name="Title 1">
-            <a:extLst>
-              <a:ext uri="{FF2B5EF4-FFF2-40B4-BE49-F238E27FC236}">
-                <a16:creationId xmlns:a16="http://schemas.microsoft.com/office/drawing/2014/main" id="{F8F01A10-00D7-352E-1302-779550F657B0}"/>
-              </a:ext>
-            </a:extLst>
-          </p:cNvPr>
-          <p:cNvSpPr>
-            <a:spLocks noGrp="1"/>
-          </p:cNvSpPr>
-          <p:nvPr>
-            <p:ph type="title"/>
-          </p:nvPr>
-        </p:nvSpPr>
-        <p:spPr>
-          <a:xfrm>
-            <a:off x="797441" y="510362"/>
-            <a:ext cx="10345563" cy="701751"/>
-          </a:xfrm>
-        </p:spPr>
-        <p:txBody>
-          <a:bodyPr>
-            <a:normAutofit fontScale="90000"/>
-          </a:bodyPr>
-          <a:lstStyle/>
-          <a:p>
-            <a:r>
-              <a:rPr lang="en-US" dirty="0"/>
-              <a:t>INTRODUCTION:</a:t>
-            </a:r>
-          </a:p>
-        </p:txBody>
-      </p:sp>
-      <p:sp>
-        <p:nvSpPr>
-          <p:cNvPr id="3" name="Content Placeholder 2">
-            <a:extLst>
-              <a:ext uri="{FF2B5EF4-FFF2-40B4-BE49-F238E27FC236}">
-                <a16:creationId xmlns:a16="http://schemas.microsoft.com/office/drawing/2014/main" id="{C219F858-47C0-88BA-1C54-9B1DF10DEC39}"/>
-              </a:ext>
-            </a:extLst>
-          </p:cNvPr>
-          <p:cNvSpPr>
-            <a:spLocks noGrp="1"/>
-          </p:cNvSpPr>
-          <p:nvPr>
-            <p:ph idx="1"/>
-          </p:nvPr>
-        </p:nvSpPr>
-        <p:spPr>
-          <a:xfrm>
-            <a:off x="361507" y="1733108"/>
-            <a:ext cx="11238614" cy="4614530"/>
-          </a:xfrm>
-        </p:spPr>
-        <p:txBody>
-          <a:bodyPr>
-            <a:noAutofit/>
-          </a:bodyPr>
-          <a:lstStyle/>
-          <a:p>
-            <a:r>
-              <a:rPr lang="en-US" altLang="zh-CN" sz="2400" dirty="0">
-                <a:solidFill>
-                  <a:srgbClr val="000000"/>
-                </a:solidFill>
-                <a:effectLst/>
-                <a:latin typeface="Calibri" panose="020F0502020204030204" pitchFamily="34" charset="0"/>
-                <a:ea typeface="Calibri" panose="020F0502020204030204" pitchFamily="34" charset="0"/>
-              </a:rPr>
-              <a:t>In the field of immunology, research on T cell receptors (TCR) has always been a hotspot. TCRs activate T cells by recognizing and binding to peptide-MHC complexes on the surface of antigen-presenting cells</a:t>
-            </a:r>
-            <a:r>
-              <a:rPr lang="en-US" altLang="zh-CN" sz="2400" dirty="0">
-                <a:solidFill>
-                  <a:srgbClr val="000000"/>
-                </a:solidFill>
-                <a:effectLst/>
-                <a:latin typeface="Times New Roman" panose="02020603050405020304" pitchFamily="18" charset="0"/>
-                <a:ea typeface="Calibri" panose="020F0502020204030204" pitchFamily="34" charset="0"/>
-                <a:cs typeface="Times New Roman" panose="02020603050405020304" pitchFamily="18" charset="0"/>
-              </a:rPr>
-              <a:t>.</a:t>
-            </a:r>
-          </a:p>
-          <a:p>
-            <a:r>
-              <a:rPr lang="en-US" altLang="zh-CN" sz="2400" dirty="0">
-                <a:solidFill>
-                  <a:srgbClr val="000000"/>
-                </a:solidFill>
-                <a:effectLst/>
-                <a:latin typeface="Calibri" panose="020F0502020204030204" pitchFamily="34" charset="0"/>
-                <a:ea typeface="Calibri" panose="020F0502020204030204" pitchFamily="34" charset="0"/>
-              </a:rPr>
-              <a:t>However, existing studies often rely on traditional biostatistical methods or high-demand deep learning techniques to analyze TCR data.</a:t>
-            </a:r>
-            <a:endParaRPr lang="en-US" altLang="zh-CN" sz="2400" dirty="0">
-              <a:solidFill>
-                <a:srgbClr val="000000"/>
-              </a:solidFill>
-              <a:latin typeface="Times New Roman" panose="02020603050405020304" pitchFamily="18" charset="0"/>
-              <a:ea typeface="Calibri" panose="020F0502020204030204" pitchFamily="34" charset="0"/>
-              <a:cs typeface="Times New Roman" panose="02020603050405020304" pitchFamily="18" charset="0"/>
-            </a:endParaRPr>
-          </a:p>
-          <a:p>
-            <a:r>
-              <a:rPr lang="en-US" altLang="zh-CN" sz="2400" dirty="0">
-                <a:solidFill>
-                  <a:srgbClr val="000000"/>
-                </a:solidFill>
-                <a:effectLst/>
-                <a:latin typeface="Calibri" panose="020F0502020204030204" pitchFamily="34" charset="0"/>
-                <a:ea typeface="Calibri" panose="020F0502020204030204" pitchFamily="34" charset="0"/>
-              </a:rPr>
-              <a:t>These methods often fall short when handling complex biological data</a:t>
-            </a:r>
-            <a:r>
-              <a:rPr lang="en-US" altLang="zh-CN" sz="2400" dirty="0">
-                <a:solidFill>
-                  <a:srgbClr val="000000"/>
-                </a:solidFill>
-                <a:effectLst/>
-                <a:latin typeface="Times New Roman" panose="02020603050405020304" pitchFamily="18" charset="0"/>
-                <a:ea typeface="Calibri" panose="020F0502020204030204" pitchFamily="34" charset="0"/>
-                <a:cs typeface="Times New Roman" panose="02020603050405020304" pitchFamily="18" charset="0"/>
-              </a:rPr>
-              <a:t>, </a:t>
-            </a:r>
-            <a:r>
-              <a:rPr lang="en-US" altLang="zh-CN" sz="2400" dirty="0">
-                <a:solidFill>
-                  <a:srgbClr val="000000"/>
-                </a:solidFill>
-                <a:effectLst/>
-                <a:latin typeface="Calibri" panose="020F0502020204030204" pitchFamily="34" charset="0"/>
-                <a:ea typeface="Calibri" panose="020F0502020204030204" pitchFamily="34" charset="0"/>
-              </a:rPr>
-              <a:t>limiting their application in precision medicine and personalized immunotherapy.</a:t>
-            </a:r>
-            <a:endParaRPr lang="en-US" altLang="zh-CN" sz="2400" dirty="0">
-              <a:solidFill>
-                <a:srgbClr val="000000"/>
-              </a:solidFill>
-              <a:effectLst/>
-              <a:latin typeface="Times New Roman" panose="02020603050405020304" pitchFamily="18" charset="0"/>
-              <a:ea typeface="Calibri" panose="020F0502020204030204" pitchFamily="34" charset="0"/>
-              <a:cs typeface="Times New Roman" panose="02020603050405020304" pitchFamily="18" charset="0"/>
-            </a:endParaRPr>
-          </a:p>
-          <a:p>
-            <a:r>
-              <a:rPr lang="en-US" altLang="zh-CN" sz="2400" dirty="0">
-                <a:solidFill>
-                  <a:srgbClr val="000000"/>
-                </a:solidFill>
-                <a:effectLst/>
-                <a:latin typeface="Calibri" panose="020F0502020204030204" pitchFamily="34" charset="0"/>
-                <a:ea typeface="Calibri" panose="020F0502020204030204" pitchFamily="34" charset="0"/>
-              </a:rPr>
-              <a:t>In this study, we use advanced machine learning methods to analyze TCR sequence data. We compare the performance of traditional methods and new algorithms,  the potential applications of these new technologies in TCR research were explored. </a:t>
-            </a:r>
-            <a:endParaRPr lang="en-US" altLang="zh-CN" sz="2400" dirty="0">
-              <a:latin typeface="Times New Roman" panose="02020603050405020304" pitchFamily="18" charset="0"/>
-              <a:cs typeface="Times New Roman" panose="02020603050405020304" pitchFamily="18" charset="0"/>
-            </a:endParaRPr>
-          </a:p>
-        </p:txBody>
-      </p:sp>
-    </p:spTree>
-    <p:extLst>
-      <p:ext uri="{BB962C8B-B14F-4D97-AF65-F5344CB8AC3E}">
-        <p14:creationId xmlns:p14="http://schemas.microsoft.com/office/powerpoint/2010/main" val="1438906345"/>
-      </p:ext>
-    </p:extLst>
-  </p:cSld>
-  <p:clrMapOvr>
-    <a:masterClrMapping/>
-  </p:clrMapOvr>
-</p:sld>
-</file>
-
-<file path=ppt/slides/slide20.xml><?xml version="1.0" encoding="utf-8"?>
+<file path=ppt/slides/slide19.xml><?xml version="1.0" encoding="utf-8"?>
 <p:sld xmlns:a="http://schemas.openxmlformats.org/drawingml/2006/main" xmlns:r="http://schemas.openxmlformats.org/officeDocument/2006/relationships" xmlns:p="http://schemas.openxmlformats.org/presentationml/2006/main">
   <p:cSld>
     <p:spTree>
@@ -9467,7 +9365,209 @@
 </p:sld>
 </file>
 
-<file path=ppt/slides/slide21.xml><?xml version="1.0" encoding="utf-8"?>
+<file path=ppt/slides/slide2.xml><?xml version="1.0" encoding="utf-8"?>
+<p:sld xmlns:a="http://schemas.openxmlformats.org/drawingml/2006/main" xmlns:r="http://schemas.openxmlformats.org/officeDocument/2006/relationships" xmlns:p="http://schemas.openxmlformats.org/presentationml/2006/main">
+  <p:cSld>
+    <p:spTree>
+      <p:nvGrpSpPr>
+        <p:cNvPr id="1" name=""/>
+        <p:cNvGrpSpPr/>
+        <p:nvPr/>
+      </p:nvGrpSpPr>
+      <p:grpSpPr>
+        <a:xfrm>
+          <a:off x="0" y="0"/>
+          <a:ext cx="0" cy="0"/>
+          <a:chOff x="0" y="0"/>
+          <a:chExt cx="0" cy="0"/>
+        </a:xfrm>
+      </p:grpSpPr>
+      <p:sp>
+        <p:nvSpPr>
+          <p:cNvPr id="2" name="Title 1">
+            <a:extLst>
+              <a:ext uri="{FF2B5EF4-FFF2-40B4-BE49-F238E27FC236}">
+                <a16:creationId xmlns:a16="http://schemas.microsoft.com/office/drawing/2014/main" id="{F8F01A10-00D7-352E-1302-779550F657B0}"/>
+              </a:ext>
+            </a:extLst>
+          </p:cNvPr>
+          <p:cNvSpPr>
+            <a:spLocks noGrp="1"/>
+          </p:cNvSpPr>
+          <p:nvPr>
+            <p:ph type="title"/>
+          </p:nvPr>
+        </p:nvSpPr>
+        <p:spPr>
+          <a:xfrm>
+            <a:off x="797441" y="510362"/>
+            <a:ext cx="10345563" cy="701751"/>
+          </a:xfrm>
+        </p:spPr>
+        <p:txBody>
+          <a:bodyPr>
+            <a:normAutofit fontScale="90000"/>
+          </a:bodyPr>
+          <a:lstStyle/>
+          <a:p>
+            <a:r>
+              <a:rPr lang="en-US" dirty="0"/>
+              <a:t>INTRODUCTION:</a:t>
+            </a:r>
+          </a:p>
+        </p:txBody>
+      </p:sp>
+      <p:sp>
+        <p:nvSpPr>
+          <p:cNvPr id="3" name="Content Placeholder 2">
+            <a:extLst>
+              <a:ext uri="{FF2B5EF4-FFF2-40B4-BE49-F238E27FC236}">
+                <a16:creationId xmlns:a16="http://schemas.microsoft.com/office/drawing/2014/main" id="{C219F858-47C0-88BA-1C54-9B1DF10DEC39}"/>
+              </a:ext>
+            </a:extLst>
+          </p:cNvPr>
+          <p:cNvSpPr>
+            <a:spLocks noGrp="1"/>
+          </p:cNvSpPr>
+          <p:nvPr>
+            <p:ph idx="1"/>
+          </p:nvPr>
+        </p:nvSpPr>
+        <p:spPr>
+          <a:xfrm>
+            <a:off x="361507" y="1733108"/>
+            <a:ext cx="11238614" cy="4614530"/>
+          </a:xfrm>
+        </p:spPr>
+        <p:txBody>
+          <a:bodyPr>
+            <a:noAutofit/>
+          </a:bodyPr>
+          <a:lstStyle/>
+          <a:p>
+            <a:r>
+              <a:rPr lang="en-US" altLang="zh-CN" sz="2400" dirty="0">
+                <a:solidFill>
+                  <a:srgbClr val="000000"/>
+                </a:solidFill>
+                <a:effectLst/>
+                <a:latin typeface="Calibri" panose="020F0502020204030204" pitchFamily="34" charset="0"/>
+                <a:ea typeface="Calibri" panose="020F0502020204030204" pitchFamily="34" charset="0"/>
+              </a:rPr>
+              <a:t>In the field of immunology, research on T cell receptors (TCR) has always been a hotspot. TCRs activate T cells by recognizing and binding to peptide-MHC complexes on the surface of antigen-presenting cells</a:t>
+            </a:r>
+            <a:r>
+              <a:rPr lang="en-US" altLang="zh-CN" sz="2400" dirty="0">
+                <a:solidFill>
+                  <a:srgbClr val="000000"/>
+                </a:solidFill>
+                <a:effectLst/>
+                <a:latin typeface="Times New Roman" panose="02020603050405020304" pitchFamily="18" charset="0"/>
+                <a:ea typeface="Calibri" panose="020F0502020204030204" pitchFamily="34" charset="0"/>
+                <a:cs typeface="Times New Roman" panose="02020603050405020304" pitchFamily="18" charset="0"/>
+              </a:rPr>
+              <a:t>.</a:t>
+            </a:r>
+          </a:p>
+          <a:p>
+            <a:r>
+              <a:rPr lang="en-US" altLang="zh-CN" sz="2400" dirty="0">
+                <a:solidFill>
+                  <a:srgbClr val="000000"/>
+                </a:solidFill>
+                <a:effectLst/>
+                <a:latin typeface="Calibri" panose="020F0502020204030204" pitchFamily="34" charset="0"/>
+                <a:ea typeface="Calibri" panose="020F0502020204030204" pitchFamily="34" charset="0"/>
+              </a:rPr>
+              <a:t>However, existing studies often rely on traditional biostatistical methods or high-demand deep learning techniques to analyze TCR data.</a:t>
+            </a:r>
+            <a:endParaRPr lang="en-US" altLang="zh-CN" sz="2400" dirty="0">
+              <a:solidFill>
+                <a:srgbClr val="000000"/>
+              </a:solidFill>
+              <a:latin typeface="Times New Roman" panose="02020603050405020304" pitchFamily="18" charset="0"/>
+              <a:ea typeface="Calibri" panose="020F0502020204030204" pitchFamily="34" charset="0"/>
+              <a:cs typeface="Times New Roman" panose="02020603050405020304" pitchFamily="18" charset="0"/>
+            </a:endParaRPr>
+          </a:p>
+          <a:p>
+            <a:r>
+              <a:rPr lang="en-US" altLang="zh-CN" sz="2400" dirty="0">
+                <a:solidFill>
+                  <a:srgbClr val="000000"/>
+                </a:solidFill>
+                <a:effectLst/>
+                <a:latin typeface="Calibri" panose="020F0502020204030204" pitchFamily="34" charset="0"/>
+                <a:ea typeface="Calibri" panose="020F0502020204030204" pitchFamily="34" charset="0"/>
+              </a:rPr>
+              <a:t>These methods often fall short when handling complex biological data</a:t>
+            </a:r>
+            <a:r>
+              <a:rPr lang="en-US" altLang="zh-CN" sz="2400" dirty="0">
+                <a:solidFill>
+                  <a:srgbClr val="000000"/>
+                </a:solidFill>
+                <a:effectLst/>
+                <a:latin typeface="Times New Roman" panose="02020603050405020304" pitchFamily="18" charset="0"/>
+                <a:ea typeface="Calibri" panose="020F0502020204030204" pitchFamily="34" charset="0"/>
+                <a:cs typeface="Times New Roman" panose="02020603050405020304" pitchFamily="18" charset="0"/>
+              </a:rPr>
+              <a:t>, </a:t>
+            </a:r>
+            <a:r>
+              <a:rPr lang="en-US" altLang="zh-CN" sz="2400" dirty="0">
+                <a:solidFill>
+                  <a:srgbClr val="000000"/>
+                </a:solidFill>
+                <a:effectLst/>
+                <a:latin typeface="Calibri" panose="020F0502020204030204" pitchFamily="34" charset="0"/>
+                <a:ea typeface="Calibri" panose="020F0502020204030204" pitchFamily="34" charset="0"/>
+              </a:rPr>
+              <a:t>limiting their application in precision medicine and personalized immunotherapy.</a:t>
+            </a:r>
+            <a:endParaRPr lang="en-US" altLang="zh-CN" sz="2400" dirty="0">
+              <a:solidFill>
+                <a:srgbClr val="000000"/>
+              </a:solidFill>
+              <a:effectLst/>
+              <a:latin typeface="Times New Roman" panose="02020603050405020304" pitchFamily="18" charset="0"/>
+              <a:ea typeface="Calibri" panose="020F0502020204030204" pitchFamily="34" charset="0"/>
+              <a:cs typeface="Times New Roman" panose="02020603050405020304" pitchFamily="18" charset="0"/>
+            </a:endParaRPr>
+          </a:p>
+          <a:p>
+            <a:r>
+              <a:rPr lang="en-US" altLang="zh-CN" sz="2400" dirty="0">
+                <a:solidFill>
+                  <a:srgbClr val="000000"/>
+                </a:solidFill>
+                <a:effectLst/>
+                <a:latin typeface="Calibri" panose="020F0502020204030204" pitchFamily="34" charset="0"/>
+                <a:ea typeface="Calibri" panose="020F0502020204030204" pitchFamily="34" charset="0"/>
+              </a:rPr>
+              <a:t>In this study, we use advanced machine learning methods to analyze TCR sequence data. We compare the performance of traditional methods and new algorithms,  the potential applications of these new technologies in TCR research were explored. </a:t>
+            </a:r>
+            <a:endParaRPr lang="en-US" altLang="zh-CN" sz="2400" dirty="0">
+              <a:latin typeface="Times New Roman" panose="02020603050405020304" pitchFamily="18" charset="0"/>
+              <a:cs typeface="Times New Roman" panose="02020603050405020304" pitchFamily="18" charset="0"/>
+            </a:endParaRPr>
+          </a:p>
+        </p:txBody>
+      </p:sp>
+    </p:spTree>
+    <p:extLst>
+      <p:ext uri="{BB962C8B-B14F-4D97-AF65-F5344CB8AC3E}">
+        <p14:creationId xmlns:p14="http://schemas.microsoft.com/office/powerpoint/2010/main" val="1438906345"/>
+      </p:ext>
+    </p:extLst>
+  </p:cSld>
+  <p:clrMapOvr>
+    <a:masterClrMapping/>
+  </p:clrMapOvr>
+</p:sld>
+</file>
+
+<file path=ppt/slides/slide20.xml><?xml version="1.0" encoding="utf-8"?>
 <p:sld xmlns:a="http://schemas.openxmlformats.org/drawingml/2006/main" xmlns:r="http://schemas.openxmlformats.org/officeDocument/2006/relationships" xmlns:p="http://schemas.openxmlformats.org/presentationml/2006/main">
   <p:cSld>
     <p:spTree>
@@ -9648,7 +9748,7 @@
 </p:sld>
 </file>
 
-<file path=ppt/slides/slide22.xml><?xml version="1.0" encoding="utf-8"?>
+<file path=ppt/slides/slide21.xml><?xml version="1.0" encoding="utf-8"?>
 <p:sld xmlns:a="http://schemas.openxmlformats.org/drawingml/2006/main" xmlns:r="http://schemas.openxmlformats.org/officeDocument/2006/relationships" xmlns:p="http://schemas.openxmlformats.org/presentationml/2006/main">
   <p:cSld>
     <p:bg>
